--- a/Preview Images/drawboard.pptx
+++ b/Preview Images/drawboard.pptx
@@ -105,6 +105,11 @@
       </a:defRPr>
     </a:lvl9pPr>
   </p:defaultTextStyle>
+  <p:extLst>
+    <p:ext uri="{EFAFB233-063F-42B5-8137-9DF3F51BA10A}">
+      <p15:sldGuideLst xmlns:p15="http://schemas.microsoft.com/office/powerpoint/2012/main"/>
+    </p:ext>
+  </p:extLst>
 </p:presentation>
 </file>
 
@@ -2967,7 +2972,7 @@
       </p:grpSpPr>
       <p:grpSp>
         <p:nvGrpSpPr>
-          <p:cNvPr id="25" name="群組 24"/>
+          <p:cNvPr id="24" name="群組 23"/>
           <p:cNvGrpSpPr/>
           <p:nvPr/>
         </p:nvGrpSpPr>
@@ -2979,333 +2984,305 @@
             <a:chExt cx="9144001" cy="6858000"/>
           </a:xfrm>
         </p:grpSpPr>
-        <p:grpSp>
-          <p:nvGrpSpPr>
-            <p:cNvPr id="24" name="群組 23"/>
-            <p:cNvGrpSpPr/>
+        <p:pic>
+          <p:nvPicPr>
+            <p:cNvPr id="4" name="圖片 3"/>
+            <p:cNvPicPr>
+              <a:picLocks noChangeAspect="1"/>
+            </p:cNvPicPr>
             <p:nvPr/>
-          </p:nvGrpSpPr>
-          <p:grpSpPr>
+          </p:nvPicPr>
+          <p:blipFill>
+            <a:blip r:embed="rId2">
+              <a:extLst>
+                <a:ext uri="{28A0092B-C50C-407E-A947-70E740481C1C}">
+                  <a14:useLocalDpi xmlns:a14="http://schemas.microsoft.com/office/drawing/2010/main" val="0"/>
+                </a:ext>
+              </a:extLst>
+            </a:blip>
+            <a:stretch>
+              <a:fillRect/>
+            </a:stretch>
+          </p:blipFill>
+          <p:spPr>
             <a:xfrm>
               <a:off x="868679" y="0"/>
               <a:ext cx="9144001" cy="6858000"/>
-              <a:chOff x="868679" y="0"/>
-              <a:chExt cx="9144001" cy="6858000"/>
             </a:xfrm>
-          </p:grpSpPr>
-          <p:pic>
-            <p:nvPicPr>
-              <p:cNvPr id="4" name="圖片 3"/>
-              <p:cNvPicPr>
-                <a:picLocks noChangeAspect="1"/>
-              </p:cNvPicPr>
-              <p:nvPr/>
-            </p:nvPicPr>
-            <p:blipFill>
-              <a:blip r:embed="rId2">
-                <a:extLst>
-                  <a:ext uri="{28A0092B-C50C-407E-A947-70E740481C1C}">
-                    <a14:useLocalDpi xmlns:a14="http://schemas.microsoft.com/office/drawing/2010/main" val="0"/>
-                  </a:ext>
-                </a:extLst>
-              </a:blip>
-              <a:stretch>
-                <a:fillRect/>
-              </a:stretch>
-            </p:blipFill>
-            <p:spPr>
-              <a:xfrm>
-                <a:off x="868679" y="0"/>
-                <a:ext cx="9144001" cy="6858000"/>
-              </a:xfrm>
-              <a:prstGeom prst="rect">
-                <a:avLst/>
-              </a:prstGeom>
-            </p:spPr>
-          </p:pic>
-          <p:sp>
-            <p:nvSpPr>
-              <p:cNvPr id="17" name="矩形 16"/>
-              <p:cNvSpPr/>
-              <p:nvPr/>
-            </p:nvSpPr>
-            <p:spPr>
-              <a:xfrm rot="2104840">
-                <a:off x="1053427" y="4175782"/>
-                <a:ext cx="1292045" cy="975765"/>
-              </a:xfrm>
-              <a:prstGeom prst="rect">
-                <a:avLst/>
-              </a:prstGeom>
-              <a:solidFill>
-                <a:srgbClr val="082908"/>
-              </a:solidFill>
-              <a:ln>
-                <a:noFill/>
-              </a:ln>
-            </p:spPr>
-            <p:style>
-              <a:lnRef idx="2">
-                <a:schemeClr val="accent1">
-                  <a:shade val="50000"/>
-                </a:schemeClr>
-              </a:lnRef>
-              <a:fillRef idx="1">
-                <a:schemeClr val="accent1"/>
-              </a:fillRef>
-              <a:effectRef idx="0">
-                <a:schemeClr val="accent1"/>
-              </a:effectRef>
-              <a:fontRef idx="minor">
-                <a:schemeClr val="lt1"/>
-              </a:fontRef>
-            </p:style>
-            <p:txBody>
-              <a:bodyPr rtlCol="0" anchor="ctr"/>
-              <a:lstStyle/>
-              <a:p>
-                <a:pPr algn="ctr"/>
-                <a:endParaRPr lang="zh-TW" altLang="en-US"/>
-              </a:p>
-            </p:txBody>
-          </p:sp>
-          <p:sp>
-            <p:nvSpPr>
-              <p:cNvPr id="18" name="矩形 17"/>
-              <p:cNvSpPr/>
-              <p:nvPr/>
-            </p:nvSpPr>
-            <p:spPr>
-              <a:xfrm>
-                <a:off x="2087880" y="6239580"/>
-                <a:ext cx="2241503" cy="615201"/>
-              </a:xfrm>
-              <a:prstGeom prst="rect">
-                <a:avLst/>
-              </a:prstGeom>
-              <a:solidFill>
-                <a:srgbClr val="082908"/>
-              </a:solidFill>
-              <a:ln>
-                <a:noFill/>
-              </a:ln>
-            </p:spPr>
-            <p:style>
-              <a:lnRef idx="2">
-                <a:schemeClr val="accent1">
-                  <a:shade val="50000"/>
-                </a:schemeClr>
-              </a:lnRef>
-              <a:fillRef idx="1">
-                <a:schemeClr val="accent1"/>
-              </a:fillRef>
-              <a:effectRef idx="0">
-                <a:schemeClr val="accent1"/>
-              </a:effectRef>
-              <a:fontRef idx="minor">
-                <a:schemeClr val="lt1"/>
-              </a:fontRef>
-            </p:style>
-            <p:txBody>
-              <a:bodyPr rtlCol="0" anchor="ctr"/>
-              <a:lstStyle/>
-              <a:p>
-                <a:pPr algn="ctr"/>
-                <a:endParaRPr lang="zh-TW" altLang="en-US"/>
-              </a:p>
-            </p:txBody>
-          </p:sp>
-          <p:sp>
-            <p:nvSpPr>
-              <p:cNvPr id="21" name="矩形 20"/>
-              <p:cNvSpPr/>
-              <p:nvPr/>
-            </p:nvSpPr>
-            <p:spPr>
-              <a:xfrm rot="5400000">
-                <a:off x="1809076" y="5276026"/>
-                <a:ext cx="1292045" cy="975765"/>
-              </a:xfrm>
-              <a:prstGeom prst="rect">
-                <a:avLst/>
-              </a:prstGeom>
-              <a:solidFill>
-                <a:srgbClr val="082908"/>
-              </a:solidFill>
-              <a:ln>
-                <a:noFill/>
-              </a:ln>
-            </p:spPr>
-            <p:style>
-              <a:lnRef idx="2">
-                <a:schemeClr val="accent1">
-                  <a:shade val="50000"/>
-                </a:schemeClr>
-              </a:lnRef>
-              <a:fillRef idx="1">
-                <a:schemeClr val="accent1"/>
-              </a:fillRef>
-              <a:effectRef idx="0">
-                <a:schemeClr val="accent1"/>
-              </a:effectRef>
-              <a:fontRef idx="minor">
-                <a:schemeClr val="lt1"/>
-              </a:fontRef>
-            </p:style>
-            <p:txBody>
-              <a:bodyPr rtlCol="0" anchor="ctr"/>
-              <a:lstStyle/>
-              <a:p>
-                <a:pPr algn="ctr"/>
-                <a:endParaRPr lang="zh-TW" altLang="en-US"/>
-              </a:p>
-            </p:txBody>
-          </p:sp>
-          <p:sp>
-            <p:nvSpPr>
-              <p:cNvPr id="22" name="矩形 21"/>
-              <p:cNvSpPr/>
-              <p:nvPr/>
-            </p:nvSpPr>
-            <p:spPr>
-              <a:xfrm rot="3471389">
-                <a:off x="2471299" y="5359650"/>
-                <a:ext cx="1670546" cy="954491"/>
-              </a:xfrm>
-              <a:prstGeom prst="rect">
-                <a:avLst/>
-              </a:prstGeom>
-              <a:solidFill>
-                <a:srgbClr val="082908"/>
-              </a:solidFill>
-              <a:ln>
-                <a:noFill/>
-              </a:ln>
-            </p:spPr>
-            <p:style>
-              <a:lnRef idx="2">
-                <a:schemeClr val="accent1">
-                  <a:shade val="50000"/>
-                </a:schemeClr>
-              </a:lnRef>
-              <a:fillRef idx="1">
-                <a:schemeClr val="accent1"/>
-              </a:fillRef>
-              <a:effectRef idx="0">
-                <a:schemeClr val="accent1"/>
-              </a:effectRef>
-              <a:fontRef idx="minor">
-                <a:schemeClr val="lt1"/>
-              </a:fontRef>
-            </p:style>
-            <p:txBody>
-              <a:bodyPr rtlCol="0" anchor="ctr"/>
-              <a:lstStyle/>
-              <a:p>
-                <a:pPr algn="ctr"/>
-                <a:endParaRPr lang="zh-TW" altLang="en-US"/>
-              </a:p>
-            </p:txBody>
-          </p:sp>
-          <p:sp>
-            <p:nvSpPr>
-              <p:cNvPr id="23" name="矩形 22"/>
-              <p:cNvSpPr/>
-              <p:nvPr/>
-            </p:nvSpPr>
-            <p:spPr>
-              <a:xfrm rot="3471389">
-                <a:off x="3332049" y="3788924"/>
-                <a:ext cx="686408" cy="954491"/>
-              </a:xfrm>
-              <a:prstGeom prst="rect">
-                <a:avLst/>
-              </a:prstGeom>
-              <a:solidFill>
-                <a:srgbClr val="082908"/>
-              </a:solidFill>
-              <a:ln>
-                <a:noFill/>
-              </a:ln>
-            </p:spPr>
-            <p:style>
-              <a:lnRef idx="2">
-                <a:schemeClr val="accent1">
-                  <a:shade val="50000"/>
-                </a:schemeClr>
-              </a:lnRef>
-              <a:fillRef idx="1">
-                <a:schemeClr val="accent1"/>
-              </a:fillRef>
-              <a:effectRef idx="0">
-                <a:schemeClr val="accent1"/>
-              </a:effectRef>
-              <a:fontRef idx="minor">
-                <a:schemeClr val="lt1"/>
-              </a:fontRef>
-            </p:style>
-            <p:txBody>
-              <a:bodyPr rtlCol="0" anchor="ctr"/>
-              <a:lstStyle/>
-              <a:p>
-                <a:pPr algn="ctr"/>
-                <a:endParaRPr lang="zh-TW" altLang="en-US"/>
-              </a:p>
-            </p:txBody>
-          </p:sp>
-        </p:grpSp>
-        <p:grpSp>
-          <p:nvGrpSpPr>
-            <p:cNvPr id="13" name="群組 12"/>
-            <p:cNvGrpSpPr/>
+            <a:prstGeom prst="rect">
+              <a:avLst/>
+            </a:prstGeom>
+          </p:spPr>
+        </p:pic>
+        <p:sp>
+          <p:nvSpPr>
+            <p:cNvPr id="17" name="矩形 16"/>
+            <p:cNvSpPr/>
             <p:nvPr/>
-          </p:nvGrpSpPr>
-          <p:grpSpPr>
+          </p:nvSpPr>
+          <p:spPr>
+            <a:xfrm rot="2104840">
+              <a:off x="1053427" y="4175782"/>
+              <a:ext cx="1292045" cy="975765"/>
+            </a:xfrm>
+            <a:prstGeom prst="rect">
+              <a:avLst/>
+            </a:prstGeom>
+            <a:solidFill>
+              <a:srgbClr val="082908"/>
+            </a:solidFill>
+            <a:ln>
+              <a:noFill/>
+            </a:ln>
+          </p:spPr>
+          <p:style>
+            <a:lnRef idx="2">
+              <a:schemeClr val="accent1">
+                <a:shade val="50000"/>
+              </a:schemeClr>
+            </a:lnRef>
+            <a:fillRef idx="1">
+              <a:schemeClr val="accent1"/>
+            </a:fillRef>
+            <a:effectRef idx="0">
+              <a:schemeClr val="accent1"/>
+            </a:effectRef>
+            <a:fontRef idx="minor">
+              <a:schemeClr val="lt1"/>
+            </a:fontRef>
+          </p:style>
+          <p:txBody>
+            <a:bodyPr rtlCol="0" anchor="ctr"/>
+            <a:lstStyle/>
+            <a:p>
+              <a:pPr algn="ctr"/>
+              <a:endParaRPr lang="zh-TW" altLang="en-US"/>
+            </a:p>
+          </p:txBody>
+        </p:sp>
+        <p:sp>
+          <p:nvSpPr>
+            <p:cNvPr id="18" name="矩形 17"/>
+            <p:cNvSpPr/>
+            <p:nvPr/>
+          </p:nvSpPr>
+          <p:spPr>
             <a:xfrm>
-              <a:off x="1929214" y="2937306"/>
-              <a:ext cx="1899008" cy="2854205"/>
-              <a:chOff x="4577993" y="2403653"/>
-              <a:chExt cx="1899008" cy="2854205"/>
+              <a:off x="2087880" y="6239580"/>
+              <a:ext cx="2241503" cy="615201"/>
             </a:xfrm>
-          </p:grpSpPr>
-          <p:sp>
-            <p:nvSpPr>
-              <p:cNvPr id="5" name="文字方塊 4"/>
-              <p:cNvSpPr txBox="1"/>
-              <p:nvPr/>
-            </p:nvSpPr>
-            <p:spPr>
-              <a:xfrm>
-                <a:off x="4577993" y="2403653"/>
-                <a:ext cx="1899008" cy="707886"/>
-              </a:xfrm>
-              <a:prstGeom prst="rect">
-                <a:avLst/>
-              </a:prstGeom>
+            <a:prstGeom prst="rect">
+              <a:avLst/>
+            </a:prstGeom>
+            <a:solidFill>
+              <a:srgbClr val="082908"/>
+            </a:solidFill>
+            <a:ln>
               <a:noFill/>
-            </p:spPr>
-            <p:txBody>
-              <a:bodyPr wrap="square" rtlCol="0">
-                <a:spAutoFit/>
-              </a:bodyPr>
-              <a:lstStyle/>
-              <a:p>
-                <a:r>
-                  <a:rPr lang="en-US" altLang="zh-TW" sz="4000" dirty="0" smtClean="0">
-                    <a:ln w="19050">
-                      <a:solidFill>
-                        <a:srgbClr val="041404"/>
-                      </a:solidFill>
-                    </a:ln>
-                    <a:solidFill>
-                      <a:srgbClr val="E6EEE8"/>
-                    </a:solidFill>
-                    <a:latin typeface="FOT-Skip Std B" panose="02020700000000000000" pitchFamily="18" charset="-128"/>
-                    <a:ea typeface="FOT-Skip Std B" panose="02020700000000000000" pitchFamily="18" charset="-128"/>
-                  </a:rPr>
-                  <a:t>option</a:t>
-                </a:r>
-                <a:endParaRPr lang="zh-TW" altLang="en-US" sz="4000" dirty="0">
+            </a:ln>
+          </p:spPr>
+          <p:style>
+            <a:lnRef idx="2">
+              <a:schemeClr val="accent1">
+                <a:shade val="50000"/>
+              </a:schemeClr>
+            </a:lnRef>
+            <a:fillRef idx="1">
+              <a:schemeClr val="accent1"/>
+            </a:fillRef>
+            <a:effectRef idx="0">
+              <a:schemeClr val="accent1"/>
+            </a:effectRef>
+            <a:fontRef idx="minor">
+              <a:schemeClr val="lt1"/>
+            </a:fontRef>
+          </p:style>
+          <p:txBody>
+            <a:bodyPr rtlCol="0" anchor="ctr"/>
+            <a:lstStyle/>
+            <a:p>
+              <a:pPr algn="ctr"/>
+              <a:endParaRPr lang="zh-TW" altLang="en-US"/>
+            </a:p>
+          </p:txBody>
+        </p:sp>
+        <p:sp>
+          <p:nvSpPr>
+            <p:cNvPr id="21" name="矩形 20"/>
+            <p:cNvSpPr/>
+            <p:nvPr/>
+          </p:nvSpPr>
+          <p:spPr>
+            <a:xfrm rot="5400000">
+              <a:off x="1809076" y="5276026"/>
+              <a:ext cx="1292045" cy="975765"/>
+            </a:xfrm>
+            <a:prstGeom prst="rect">
+              <a:avLst/>
+            </a:prstGeom>
+            <a:solidFill>
+              <a:srgbClr val="082908"/>
+            </a:solidFill>
+            <a:ln>
+              <a:noFill/>
+            </a:ln>
+          </p:spPr>
+          <p:style>
+            <a:lnRef idx="2">
+              <a:schemeClr val="accent1">
+                <a:shade val="50000"/>
+              </a:schemeClr>
+            </a:lnRef>
+            <a:fillRef idx="1">
+              <a:schemeClr val="accent1"/>
+            </a:fillRef>
+            <a:effectRef idx="0">
+              <a:schemeClr val="accent1"/>
+            </a:effectRef>
+            <a:fontRef idx="minor">
+              <a:schemeClr val="lt1"/>
+            </a:fontRef>
+          </p:style>
+          <p:txBody>
+            <a:bodyPr rtlCol="0" anchor="ctr"/>
+            <a:lstStyle/>
+            <a:p>
+              <a:pPr algn="ctr"/>
+              <a:endParaRPr lang="zh-TW" altLang="en-US"/>
+            </a:p>
+          </p:txBody>
+        </p:sp>
+        <p:sp>
+          <p:nvSpPr>
+            <p:cNvPr id="22" name="矩形 21"/>
+            <p:cNvSpPr/>
+            <p:nvPr/>
+          </p:nvSpPr>
+          <p:spPr>
+            <a:xfrm rot="3471389">
+              <a:off x="2471299" y="5359650"/>
+              <a:ext cx="1670546" cy="954491"/>
+            </a:xfrm>
+            <a:prstGeom prst="rect">
+              <a:avLst/>
+            </a:prstGeom>
+            <a:solidFill>
+              <a:srgbClr val="082908"/>
+            </a:solidFill>
+            <a:ln>
+              <a:noFill/>
+            </a:ln>
+          </p:spPr>
+          <p:style>
+            <a:lnRef idx="2">
+              <a:schemeClr val="accent1">
+                <a:shade val="50000"/>
+              </a:schemeClr>
+            </a:lnRef>
+            <a:fillRef idx="1">
+              <a:schemeClr val="accent1"/>
+            </a:fillRef>
+            <a:effectRef idx="0">
+              <a:schemeClr val="accent1"/>
+            </a:effectRef>
+            <a:fontRef idx="minor">
+              <a:schemeClr val="lt1"/>
+            </a:fontRef>
+          </p:style>
+          <p:txBody>
+            <a:bodyPr rtlCol="0" anchor="ctr"/>
+            <a:lstStyle/>
+            <a:p>
+              <a:pPr algn="ctr"/>
+              <a:endParaRPr lang="zh-TW" altLang="en-US"/>
+            </a:p>
+          </p:txBody>
+        </p:sp>
+        <p:sp>
+          <p:nvSpPr>
+            <p:cNvPr id="23" name="矩形 22"/>
+            <p:cNvSpPr/>
+            <p:nvPr/>
+          </p:nvSpPr>
+          <p:spPr>
+            <a:xfrm rot="3471389">
+              <a:off x="3332049" y="3788924"/>
+              <a:ext cx="686408" cy="954491"/>
+            </a:xfrm>
+            <a:prstGeom prst="rect">
+              <a:avLst/>
+            </a:prstGeom>
+            <a:solidFill>
+              <a:srgbClr val="082908"/>
+            </a:solidFill>
+            <a:ln>
+              <a:noFill/>
+            </a:ln>
+          </p:spPr>
+          <p:style>
+            <a:lnRef idx="2">
+              <a:schemeClr val="accent1">
+                <a:shade val="50000"/>
+              </a:schemeClr>
+            </a:lnRef>
+            <a:fillRef idx="1">
+              <a:schemeClr val="accent1"/>
+            </a:fillRef>
+            <a:effectRef idx="0">
+              <a:schemeClr val="accent1"/>
+            </a:effectRef>
+            <a:fontRef idx="minor">
+              <a:schemeClr val="lt1"/>
+            </a:fontRef>
+          </p:style>
+          <p:txBody>
+            <a:bodyPr rtlCol="0" anchor="ctr"/>
+            <a:lstStyle/>
+            <a:p>
+              <a:pPr algn="ctr"/>
+              <a:endParaRPr lang="zh-TW" altLang="en-US"/>
+            </a:p>
+          </p:txBody>
+        </p:sp>
+      </p:grpSp>
+      <p:grpSp>
+        <p:nvGrpSpPr>
+          <p:cNvPr id="13" name="群組 12"/>
+          <p:cNvGrpSpPr/>
+          <p:nvPr/>
+        </p:nvGrpSpPr>
+        <p:grpSpPr>
+          <a:xfrm>
+            <a:off x="1929214" y="2937306"/>
+            <a:ext cx="1899008" cy="2854205"/>
+            <a:chOff x="4577993" y="2403653"/>
+            <a:chExt cx="1899008" cy="2854205"/>
+          </a:xfrm>
+        </p:grpSpPr>
+        <p:sp>
+          <p:nvSpPr>
+            <p:cNvPr id="5" name="文字方塊 4"/>
+            <p:cNvSpPr txBox="1"/>
+            <p:nvPr/>
+          </p:nvSpPr>
+          <p:spPr>
+            <a:xfrm>
+              <a:off x="4577993" y="2403653"/>
+              <a:ext cx="1899008" cy="707886"/>
+            </a:xfrm>
+            <a:prstGeom prst="rect">
+              <a:avLst/>
+            </a:prstGeom>
+            <a:noFill/>
+          </p:spPr>
+          <p:txBody>
+            <a:bodyPr wrap="square" rtlCol="0">
+              <a:spAutoFit/>
+            </a:bodyPr>
+            <a:lstStyle/>
+            <a:p>
+              <a:r>
+                <a:rPr lang="en-US" altLang="zh-TW" sz="4000" dirty="0" smtClean="0">
                   <a:ln w="19050">
                     <a:solidFill>
                       <a:srgbClr val="041404"/>
@@ -3316,48 +3293,48 @@
                   </a:solidFill>
                   <a:latin typeface="FOT-Skip Std B" panose="02020700000000000000" pitchFamily="18" charset="-128"/>
                   <a:ea typeface="FOT-Skip Std B" panose="02020700000000000000" pitchFamily="18" charset="-128"/>
-                </a:endParaRPr>
-              </a:p>
-            </p:txBody>
-          </p:sp>
-          <p:sp>
-            <p:nvSpPr>
-              <p:cNvPr id="7" name="文字方塊 6"/>
-              <p:cNvSpPr txBox="1"/>
-              <p:nvPr/>
-            </p:nvSpPr>
-            <p:spPr>
-              <a:xfrm>
-                <a:off x="4577993" y="3119093"/>
-                <a:ext cx="1899008" cy="707886"/>
-              </a:xfrm>
-              <a:prstGeom prst="rect">
-                <a:avLst/>
-              </a:prstGeom>
-              <a:noFill/>
-            </p:spPr>
-            <p:txBody>
-              <a:bodyPr wrap="square" rtlCol="0">
-                <a:spAutoFit/>
-              </a:bodyPr>
-              <a:lstStyle/>
-              <a:p>
-                <a:r>
-                  <a:rPr lang="en-US" altLang="zh-TW" sz="4000" dirty="0" smtClean="0">
-                    <a:ln w="19050">
-                      <a:solidFill>
-                        <a:srgbClr val="041404"/>
-                      </a:solidFill>
-                    </a:ln>
-                    <a:solidFill>
-                      <a:srgbClr val="E6EEE8"/>
-                    </a:solidFill>
-                    <a:latin typeface="FOT-Skip Std B" panose="02020700000000000000" pitchFamily="18" charset="-128"/>
-                    <a:ea typeface="FOT-Skip Std B" panose="02020700000000000000" pitchFamily="18" charset="-128"/>
-                  </a:rPr>
-                  <a:t>replay</a:t>
-                </a:r>
-                <a:endParaRPr lang="zh-TW" altLang="en-US" sz="4000" dirty="0">
+                </a:rPr>
+                <a:t>option</a:t>
+              </a:r>
+              <a:endParaRPr lang="zh-TW" altLang="en-US" sz="4000" dirty="0">
+                <a:ln w="19050">
+                  <a:solidFill>
+                    <a:srgbClr val="041404"/>
+                  </a:solidFill>
+                </a:ln>
+                <a:solidFill>
+                  <a:srgbClr val="E6EEE8"/>
+                </a:solidFill>
+                <a:latin typeface="FOT-Skip Std B" panose="02020700000000000000" pitchFamily="18" charset="-128"/>
+                <a:ea typeface="FOT-Skip Std B" panose="02020700000000000000" pitchFamily="18" charset="-128"/>
+              </a:endParaRPr>
+            </a:p>
+          </p:txBody>
+        </p:sp>
+        <p:sp>
+          <p:nvSpPr>
+            <p:cNvPr id="7" name="文字方塊 6"/>
+            <p:cNvSpPr txBox="1"/>
+            <p:nvPr/>
+          </p:nvSpPr>
+          <p:spPr>
+            <a:xfrm>
+              <a:off x="4577993" y="3119093"/>
+              <a:ext cx="1899008" cy="707886"/>
+            </a:xfrm>
+            <a:prstGeom prst="rect">
+              <a:avLst/>
+            </a:prstGeom>
+            <a:noFill/>
+          </p:spPr>
+          <p:txBody>
+            <a:bodyPr wrap="square" rtlCol="0">
+              <a:spAutoFit/>
+            </a:bodyPr>
+            <a:lstStyle/>
+            <a:p>
+              <a:r>
+                <a:rPr lang="en-US" altLang="zh-TW" sz="4000" dirty="0" smtClean="0">
                   <a:ln w="19050">
                     <a:solidFill>
                       <a:srgbClr val="041404"/>
@@ -3368,48 +3345,48 @@
                   </a:solidFill>
                   <a:latin typeface="FOT-Skip Std B" panose="02020700000000000000" pitchFamily="18" charset="-128"/>
                   <a:ea typeface="FOT-Skip Std B" panose="02020700000000000000" pitchFamily="18" charset="-128"/>
-                </a:endParaRPr>
-              </a:p>
-            </p:txBody>
-          </p:sp>
-          <p:sp>
-            <p:nvSpPr>
-              <p:cNvPr id="8" name="文字方塊 7"/>
-              <p:cNvSpPr txBox="1"/>
-              <p:nvPr/>
-            </p:nvSpPr>
-            <p:spPr>
-              <a:xfrm>
-                <a:off x="4577993" y="3834533"/>
-                <a:ext cx="1899008" cy="707886"/>
-              </a:xfrm>
-              <a:prstGeom prst="rect">
-                <a:avLst/>
-              </a:prstGeom>
-              <a:noFill/>
-            </p:spPr>
-            <p:txBody>
-              <a:bodyPr wrap="square" rtlCol="0">
-                <a:spAutoFit/>
-              </a:bodyPr>
-              <a:lstStyle/>
-              <a:p>
-                <a:r>
-                  <a:rPr lang="en-US" altLang="zh-TW" sz="4000" dirty="0" smtClean="0">
-                    <a:ln w="19050">
-                      <a:solidFill>
-                        <a:srgbClr val="041404"/>
-                      </a:solidFill>
-                    </a:ln>
-                    <a:solidFill>
-                      <a:srgbClr val="E6EEE8"/>
-                    </a:solidFill>
-                    <a:latin typeface="FOT-Skip Std B" panose="02020700000000000000" pitchFamily="18" charset="-128"/>
-                    <a:ea typeface="FOT-Skip Std B" panose="02020700000000000000" pitchFamily="18" charset="-128"/>
-                  </a:rPr>
-                  <a:t>start</a:t>
-                </a:r>
-                <a:endParaRPr lang="zh-TW" altLang="en-US" sz="4000" dirty="0">
+                </a:rPr>
+                <a:t>replay</a:t>
+              </a:r>
+              <a:endParaRPr lang="zh-TW" altLang="en-US" sz="4000" dirty="0">
+                <a:ln w="19050">
+                  <a:solidFill>
+                    <a:srgbClr val="041404"/>
+                  </a:solidFill>
+                </a:ln>
+                <a:solidFill>
+                  <a:srgbClr val="E6EEE8"/>
+                </a:solidFill>
+                <a:latin typeface="FOT-Skip Std B" panose="02020700000000000000" pitchFamily="18" charset="-128"/>
+                <a:ea typeface="FOT-Skip Std B" panose="02020700000000000000" pitchFamily="18" charset="-128"/>
+              </a:endParaRPr>
+            </a:p>
+          </p:txBody>
+        </p:sp>
+        <p:sp>
+          <p:nvSpPr>
+            <p:cNvPr id="8" name="文字方塊 7"/>
+            <p:cNvSpPr txBox="1"/>
+            <p:nvPr/>
+          </p:nvSpPr>
+          <p:spPr>
+            <a:xfrm>
+              <a:off x="4577993" y="3834533"/>
+              <a:ext cx="1899008" cy="707886"/>
+            </a:xfrm>
+            <a:prstGeom prst="rect">
+              <a:avLst/>
+            </a:prstGeom>
+            <a:noFill/>
+          </p:spPr>
+          <p:txBody>
+            <a:bodyPr wrap="square" rtlCol="0">
+              <a:spAutoFit/>
+            </a:bodyPr>
+            <a:lstStyle/>
+            <a:p>
+              <a:r>
+                <a:rPr lang="en-US" altLang="zh-TW" sz="4000" dirty="0" smtClean="0">
                   <a:ln w="19050">
                     <a:solidFill>
                       <a:srgbClr val="041404"/>
@@ -3420,48 +3397,48 @@
                   </a:solidFill>
                   <a:latin typeface="FOT-Skip Std B" panose="02020700000000000000" pitchFamily="18" charset="-128"/>
                   <a:ea typeface="FOT-Skip Std B" panose="02020700000000000000" pitchFamily="18" charset="-128"/>
-                </a:endParaRPr>
-              </a:p>
-            </p:txBody>
-          </p:sp>
-          <p:sp>
-            <p:nvSpPr>
-              <p:cNvPr id="9" name="文字方塊 8"/>
-              <p:cNvSpPr txBox="1"/>
-              <p:nvPr/>
-            </p:nvSpPr>
-            <p:spPr>
-              <a:xfrm>
-                <a:off x="4577993" y="4549972"/>
-                <a:ext cx="1899008" cy="707886"/>
-              </a:xfrm>
-              <a:prstGeom prst="rect">
-                <a:avLst/>
-              </a:prstGeom>
-              <a:noFill/>
-            </p:spPr>
-            <p:txBody>
-              <a:bodyPr wrap="square" rtlCol="0">
-                <a:spAutoFit/>
-              </a:bodyPr>
-              <a:lstStyle/>
-              <a:p>
-                <a:r>
-                  <a:rPr lang="en-US" altLang="zh-TW" sz="4000" dirty="0" smtClean="0">
-                    <a:ln w="19050">
-                      <a:solidFill>
-                        <a:srgbClr val="041404"/>
-                      </a:solidFill>
-                    </a:ln>
-                    <a:solidFill>
-                      <a:srgbClr val="E6EEE8"/>
-                    </a:solidFill>
-                    <a:latin typeface="FOT-Skip Std B" panose="02020700000000000000" pitchFamily="18" charset="-128"/>
-                    <a:ea typeface="FOT-Skip Std B" panose="02020700000000000000" pitchFamily="18" charset="-128"/>
-                  </a:rPr>
-                  <a:t>quit</a:t>
-                </a:r>
-                <a:endParaRPr lang="zh-TW" altLang="en-US" sz="4000" dirty="0">
+                </a:rPr>
+                <a:t>start</a:t>
+              </a:r>
+              <a:endParaRPr lang="zh-TW" altLang="en-US" sz="4000" dirty="0">
+                <a:ln w="19050">
+                  <a:solidFill>
+                    <a:srgbClr val="041404"/>
+                  </a:solidFill>
+                </a:ln>
+                <a:solidFill>
+                  <a:srgbClr val="E6EEE8"/>
+                </a:solidFill>
+                <a:latin typeface="FOT-Skip Std B" panose="02020700000000000000" pitchFamily="18" charset="-128"/>
+                <a:ea typeface="FOT-Skip Std B" panose="02020700000000000000" pitchFamily="18" charset="-128"/>
+              </a:endParaRPr>
+            </a:p>
+          </p:txBody>
+        </p:sp>
+        <p:sp>
+          <p:nvSpPr>
+            <p:cNvPr id="9" name="文字方塊 8"/>
+            <p:cNvSpPr txBox="1"/>
+            <p:nvPr/>
+          </p:nvSpPr>
+          <p:spPr>
+            <a:xfrm>
+              <a:off x="4577993" y="4549972"/>
+              <a:ext cx="1899008" cy="707886"/>
+            </a:xfrm>
+            <a:prstGeom prst="rect">
+              <a:avLst/>
+            </a:prstGeom>
+            <a:noFill/>
+          </p:spPr>
+          <p:txBody>
+            <a:bodyPr wrap="square" rtlCol="0">
+              <a:spAutoFit/>
+            </a:bodyPr>
+            <a:lstStyle/>
+            <a:p>
+              <a:r>
+                <a:rPr lang="en-US" altLang="zh-TW" sz="4000" dirty="0" smtClean="0">
                   <a:ln w="19050">
                     <a:solidFill>
                       <a:srgbClr val="041404"/>
@@ -3472,11 +3449,24 @@
                   </a:solidFill>
                   <a:latin typeface="FOT-Skip Std B" panose="02020700000000000000" pitchFamily="18" charset="-128"/>
                   <a:ea typeface="FOT-Skip Std B" panose="02020700000000000000" pitchFamily="18" charset="-128"/>
-                </a:endParaRPr>
-              </a:p>
-            </p:txBody>
-          </p:sp>
-        </p:grpSp>
+                </a:rPr>
+                <a:t>quit</a:t>
+              </a:r>
+              <a:endParaRPr lang="zh-TW" altLang="en-US" sz="4000" dirty="0">
+                <a:ln w="19050">
+                  <a:solidFill>
+                    <a:srgbClr val="041404"/>
+                  </a:solidFill>
+                </a:ln>
+                <a:solidFill>
+                  <a:srgbClr val="E6EEE8"/>
+                </a:solidFill>
+                <a:latin typeface="FOT-Skip Std B" panose="02020700000000000000" pitchFamily="18" charset="-128"/>
+                <a:ea typeface="FOT-Skip Std B" panose="02020700000000000000" pitchFamily="18" charset="-128"/>
+              </a:endParaRPr>
+            </a:p>
+          </p:txBody>
+        </p:sp>
       </p:grpSp>
     </p:spTree>
     <p:extLst>

--- a/Preview Images/drawboard.pptx
+++ b/Preview Images/drawboard.pptx
@@ -3498,16 +3498,3584 @@
           <a:chExt cx="0" cy="0"/>
         </a:xfrm>
       </p:grpSpPr>
+      <p:pic>
+        <p:nvPicPr>
+          <p:cNvPr id="120" name="圖片 119"/>
+          <p:cNvPicPr>
+            <a:picLocks noChangeAspect="1"/>
+          </p:cNvPicPr>
+          <p:nvPr/>
+        </p:nvPicPr>
+        <p:blipFill rotWithShape="1">
+          <a:blip r:embed="rId2">
+            <a:extLst>
+              <a:ext uri="{28A0092B-C50C-407E-A947-70E740481C1C}">
+                <a14:useLocalDpi xmlns:a14="http://schemas.microsoft.com/office/drawing/2010/main" val="0"/>
+              </a:ext>
+            </a:extLst>
+          </a:blip>
+          <a:srcRect l="77220" t="25456" r="19810" b="70794"/>
+          <a:stretch/>
+        </p:blipFill>
+        <p:spPr>
+          <a:xfrm>
+            <a:off x="10382583" y="590516"/>
+            <a:ext cx="271463" cy="257175"/>
+          </a:xfrm>
+          <a:prstGeom prst="rect">
+            <a:avLst/>
+          </a:prstGeom>
+        </p:spPr>
+      </p:pic>
+      <p:pic>
+        <p:nvPicPr>
+          <p:cNvPr id="121" name="圖片 120"/>
+          <p:cNvPicPr>
+            <a:picLocks noChangeAspect="1"/>
+          </p:cNvPicPr>
+          <p:nvPr/>
+        </p:nvPicPr>
+        <p:blipFill rotWithShape="1">
+          <a:blip r:embed="rId2">
+            <a:extLst>
+              <a:ext uri="{28A0092B-C50C-407E-A947-70E740481C1C}">
+                <a14:useLocalDpi xmlns:a14="http://schemas.microsoft.com/office/drawing/2010/main" val="0"/>
+              </a:ext>
+            </a:extLst>
+          </a:blip>
+          <a:srcRect l="77220" t="30363" r="19810" b="65887"/>
+          <a:stretch/>
+        </p:blipFill>
+        <p:spPr>
+          <a:xfrm>
+            <a:off x="10375480" y="1021734"/>
+            <a:ext cx="271463" cy="257175"/>
+          </a:xfrm>
+          <a:prstGeom prst="rect">
+            <a:avLst/>
+          </a:prstGeom>
+        </p:spPr>
+      </p:pic>
+      <p:grpSp>
+        <p:nvGrpSpPr>
+          <p:cNvPr id="128" name="群組 127"/>
+          <p:cNvGrpSpPr/>
+          <p:nvPr/>
+        </p:nvGrpSpPr>
+        <p:grpSpPr>
+          <a:xfrm>
+            <a:off x="0" y="-35761"/>
+            <a:ext cx="9471476" cy="6783277"/>
+            <a:chOff x="0" y="-35761"/>
+            <a:chExt cx="9471476" cy="6783277"/>
+          </a:xfrm>
+        </p:grpSpPr>
+        <p:grpSp>
+          <p:nvGrpSpPr>
+            <p:cNvPr id="123" name="群組 122"/>
+            <p:cNvGrpSpPr/>
+            <p:nvPr/>
+          </p:nvGrpSpPr>
+          <p:grpSpPr>
+            <a:xfrm>
+              <a:off x="0" y="-35761"/>
+              <a:ext cx="9471476" cy="6783277"/>
+              <a:chOff x="0" y="74723"/>
+              <a:chExt cx="9471476" cy="6783277"/>
+            </a:xfrm>
+          </p:grpSpPr>
+          <p:grpSp>
+            <p:nvGrpSpPr>
+              <p:cNvPr id="98" name="群組 97"/>
+              <p:cNvGrpSpPr/>
+              <p:nvPr/>
+            </p:nvGrpSpPr>
+            <p:grpSpPr>
+              <a:xfrm>
+                <a:off x="8500987" y="74723"/>
+                <a:ext cx="970489" cy="6783277"/>
+                <a:chOff x="9044369" y="0"/>
+                <a:chExt cx="970489" cy="6783277"/>
+              </a:xfrm>
+            </p:grpSpPr>
+            <p:sp>
+              <p:nvSpPr>
+                <p:cNvPr id="99" name="文字方塊 98"/>
+                <p:cNvSpPr txBox="1"/>
+                <p:nvPr/>
+              </p:nvSpPr>
+              <p:spPr>
+                <a:xfrm>
+                  <a:off x="9044370" y="2090036"/>
+                  <a:ext cx="970488" cy="400110"/>
+                </a:xfrm>
+                <a:prstGeom prst="rect">
+                  <a:avLst/>
+                </a:prstGeom>
+                <a:noFill/>
+              </p:spPr>
+              <p:txBody>
+                <a:bodyPr wrap="square" rtlCol="0">
+                  <a:spAutoFit/>
+                </a:bodyPr>
+                <a:lstStyle/>
+                <a:p>
+                  <a:r>
+                    <a:rPr lang="en-US" altLang="zh-TW" sz="2000" dirty="0" smtClean="0">
+                      <a:ln w="3175">
+                        <a:noFill/>
+                      </a:ln>
+                      <a:solidFill>
+                        <a:srgbClr val="E6EEE8"/>
+                      </a:solidFill>
+                      <a:latin typeface="FOT-Skip Std B" panose="02020700000000000000" pitchFamily="18" charset="-128"/>
+                      <a:ea typeface="FOT-Skip Std B" panose="02020700000000000000" pitchFamily="18" charset="-128"/>
+                    </a:rPr>
+                    <a:t>score</a:t>
+                  </a:r>
+                  <a:endParaRPr lang="zh-TW" altLang="en-US" sz="2000" dirty="0">
+                    <a:ln w="3175">
+                      <a:noFill/>
+                    </a:ln>
+                    <a:solidFill>
+                      <a:srgbClr val="E6EEE8"/>
+                    </a:solidFill>
+                    <a:latin typeface="FOT-Skip Std B" panose="02020700000000000000" pitchFamily="18" charset="-128"/>
+                    <a:ea typeface="FOT-Skip Std B" panose="02020700000000000000" pitchFamily="18" charset="-128"/>
+                  </a:endParaRPr>
+                </a:p>
+              </p:txBody>
+            </p:sp>
+            <p:pic>
+              <p:nvPicPr>
+                <p:cNvPr id="100" name="圖片 99"/>
+                <p:cNvPicPr>
+                  <a:picLocks noChangeAspect="1"/>
+                </p:cNvPicPr>
+                <p:nvPr/>
+              </p:nvPicPr>
+              <p:blipFill rotWithShape="1">
+                <a:blip r:embed="rId2">
+                  <a:extLst>
+                    <a:ext uri="{28A0092B-C50C-407E-A947-70E740481C1C}">
+                      <a14:useLocalDpi xmlns:a14="http://schemas.microsoft.com/office/drawing/2010/main" val="0"/>
+                    </a:ext>
+                  </a:extLst>
+                </a:blip>
+                <a:srcRect l="86876" t="48057" r="2292" b="38517"/>
+                <a:stretch/>
+              </p:blipFill>
+              <p:spPr>
+                <a:xfrm>
+                  <a:off x="9044370" y="2521254"/>
+                  <a:ext cx="970488" cy="900349"/>
+                </a:xfrm>
+                <a:prstGeom prst="rect">
+                  <a:avLst/>
+                </a:prstGeom>
+              </p:spPr>
+            </p:pic>
+            <p:pic>
+              <p:nvPicPr>
+                <p:cNvPr id="101" name="圖片 100"/>
+                <p:cNvPicPr>
+                  <a:picLocks noChangeAspect="1"/>
+                </p:cNvPicPr>
+                <p:nvPr/>
+              </p:nvPicPr>
+              <p:blipFill rotWithShape="1">
+                <a:blip r:embed="rId2">
+                  <a:extLst>
+                    <a:ext uri="{28A0092B-C50C-407E-A947-70E740481C1C}">
+                      <a14:useLocalDpi xmlns:a14="http://schemas.microsoft.com/office/drawing/2010/main" val="0"/>
+                    </a:ext>
+                  </a:extLst>
+                </a:blip>
+                <a:srcRect l="86876" t="48057" r="2292" b="38517"/>
+                <a:stretch/>
+              </p:blipFill>
+              <p:spPr>
+                <a:xfrm>
+                  <a:off x="9044370" y="840418"/>
+                  <a:ext cx="970488" cy="900349"/>
+                </a:xfrm>
+                <a:prstGeom prst="rect">
+                  <a:avLst/>
+                </a:prstGeom>
+              </p:spPr>
+            </p:pic>
+            <p:pic>
+              <p:nvPicPr>
+                <p:cNvPr id="102" name="圖片 101"/>
+                <p:cNvPicPr>
+                  <a:picLocks noChangeAspect="1"/>
+                </p:cNvPicPr>
+                <p:nvPr/>
+              </p:nvPicPr>
+              <p:blipFill rotWithShape="1">
+                <a:blip r:embed="rId2">
+                  <a:extLst>
+                    <a:ext uri="{28A0092B-C50C-407E-A947-70E740481C1C}">
+                      <a14:useLocalDpi xmlns:a14="http://schemas.microsoft.com/office/drawing/2010/main" val="0"/>
+                    </a:ext>
+                  </a:extLst>
+                </a:blip>
+                <a:srcRect l="86876" t="48057" r="2292" b="38517"/>
+                <a:stretch/>
+              </p:blipFill>
+              <p:spPr>
+                <a:xfrm>
+                  <a:off x="9044370" y="1680836"/>
+                  <a:ext cx="970488" cy="900349"/>
+                </a:xfrm>
+                <a:prstGeom prst="rect">
+                  <a:avLst/>
+                </a:prstGeom>
+              </p:spPr>
+            </p:pic>
+            <p:pic>
+              <p:nvPicPr>
+                <p:cNvPr id="103" name="圖片 102"/>
+                <p:cNvPicPr>
+                  <a:picLocks noChangeAspect="1"/>
+                </p:cNvPicPr>
+                <p:nvPr/>
+              </p:nvPicPr>
+              <p:blipFill rotWithShape="1">
+                <a:blip r:embed="rId2">
+                  <a:extLst>
+                    <a:ext uri="{28A0092B-C50C-407E-A947-70E740481C1C}">
+                      <a14:useLocalDpi xmlns:a14="http://schemas.microsoft.com/office/drawing/2010/main" val="0"/>
+                    </a:ext>
+                  </a:extLst>
+                </a:blip>
+                <a:srcRect l="86876" t="48057" r="2292" b="38517"/>
+                <a:stretch/>
+              </p:blipFill>
+              <p:spPr>
+                <a:xfrm>
+                  <a:off x="9044369" y="0"/>
+                  <a:ext cx="970488" cy="900349"/>
+                </a:xfrm>
+                <a:prstGeom prst="rect">
+                  <a:avLst/>
+                </a:prstGeom>
+              </p:spPr>
+            </p:pic>
+            <p:pic>
+              <p:nvPicPr>
+                <p:cNvPr id="104" name="圖片 103"/>
+                <p:cNvPicPr>
+                  <a:picLocks noChangeAspect="1"/>
+                </p:cNvPicPr>
+                <p:nvPr/>
+              </p:nvPicPr>
+              <p:blipFill rotWithShape="1">
+                <a:blip r:embed="rId2">
+                  <a:extLst>
+                    <a:ext uri="{28A0092B-C50C-407E-A947-70E740481C1C}">
+                      <a14:useLocalDpi xmlns:a14="http://schemas.microsoft.com/office/drawing/2010/main" val="0"/>
+                    </a:ext>
+                  </a:extLst>
+                </a:blip>
+                <a:srcRect l="86876" t="48057" r="2292" b="38517"/>
+                <a:stretch/>
+              </p:blipFill>
+              <p:spPr>
+                <a:xfrm>
+                  <a:off x="9044370" y="3361672"/>
+                  <a:ext cx="970488" cy="900349"/>
+                </a:xfrm>
+                <a:prstGeom prst="rect">
+                  <a:avLst/>
+                </a:prstGeom>
+              </p:spPr>
+            </p:pic>
+            <p:pic>
+              <p:nvPicPr>
+                <p:cNvPr id="105" name="圖片 104"/>
+                <p:cNvPicPr>
+                  <a:picLocks noChangeAspect="1"/>
+                </p:cNvPicPr>
+                <p:nvPr/>
+              </p:nvPicPr>
+              <p:blipFill rotWithShape="1">
+                <a:blip r:embed="rId2">
+                  <a:extLst>
+                    <a:ext uri="{28A0092B-C50C-407E-A947-70E740481C1C}">
+                      <a14:useLocalDpi xmlns:a14="http://schemas.microsoft.com/office/drawing/2010/main" val="0"/>
+                    </a:ext>
+                  </a:extLst>
+                </a:blip>
+                <a:srcRect l="86876" t="48057" r="2292" b="38517"/>
+                <a:stretch/>
+              </p:blipFill>
+              <p:spPr>
+                <a:xfrm>
+                  <a:off x="9044370" y="4202090"/>
+                  <a:ext cx="970488" cy="900349"/>
+                </a:xfrm>
+                <a:prstGeom prst="rect">
+                  <a:avLst/>
+                </a:prstGeom>
+              </p:spPr>
+            </p:pic>
+            <p:pic>
+              <p:nvPicPr>
+                <p:cNvPr id="106" name="圖片 105"/>
+                <p:cNvPicPr>
+                  <a:picLocks noChangeAspect="1"/>
+                </p:cNvPicPr>
+                <p:nvPr/>
+              </p:nvPicPr>
+              <p:blipFill rotWithShape="1">
+                <a:blip r:embed="rId2">
+                  <a:extLst>
+                    <a:ext uri="{28A0092B-C50C-407E-A947-70E740481C1C}">
+                      <a14:useLocalDpi xmlns:a14="http://schemas.microsoft.com/office/drawing/2010/main" val="0"/>
+                    </a:ext>
+                  </a:extLst>
+                </a:blip>
+                <a:srcRect l="86876" t="48057" r="2292" b="38517"/>
+                <a:stretch/>
+              </p:blipFill>
+              <p:spPr>
+                <a:xfrm>
+                  <a:off x="9044370" y="5042508"/>
+                  <a:ext cx="970488" cy="900349"/>
+                </a:xfrm>
+                <a:prstGeom prst="rect">
+                  <a:avLst/>
+                </a:prstGeom>
+              </p:spPr>
+            </p:pic>
+            <p:pic>
+              <p:nvPicPr>
+                <p:cNvPr id="107" name="圖片 106"/>
+                <p:cNvPicPr>
+                  <a:picLocks noChangeAspect="1"/>
+                </p:cNvPicPr>
+                <p:nvPr/>
+              </p:nvPicPr>
+              <p:blipFill rotWithShape="1">
+                <a:blip r:embed="rId2">
+                  <a:extLst>
+                    <a:ext uri="{28A0092B-C50C-407E-A947-70E740481C1C}">
+                      <a14:useLocalDpi xmlns:a14="http://schemas.microsoft.com/office/drawing/2010/main" val="0"/>
+                    </a:ext>
+                  </a:extLst>
+                </a:blip>
+                <a:srcRect l="86876" t="48057" r="2292" b="38517"/>
+                <a:stretch/>
+              </p:blipFill>
+              <p:spPr>
+                <a:xfrm>
+                  <a:off x="9044370" y="5882928"/>
+                  <a:ext cx="970488" cy="900349"/>
+                </a:xfrm>
+                <a:prstGeom prst="rect">
+                  <a:avLst/>
+                </a:prstGeom>
+              </p:spPr>
+            </p:pic>
+          </p:grpSp>
+          <p:grpSp>
+            <p:nvGrpSpPr>
+              <p:cNvPr id="15" name="群組 14"/>
+              <p:cNvGrpSpPr/>
+              <p:nvPr/>
+            </p:nvGrpSpPr>
+            <p:grpSpPr>
+              <a:xfrm>
+                <a:off x="2818155" y="74723"/>
+                <a:ext cx="970489" cy="6783277"/>
+                <a:chOff x="9044369" y="0"/>
+                <a:chExt cx="970489" cy="6783277"/>
+              </a:xfrm>
+            </p:grpSpPr>
+            <p:sp>
+              <p:nvSpPr>
+                <p:cNvPr id="8" name="文字方塊 7"/>
+                <p:cNvSpPr txBox="1"/>
+                <p:nvPr/>
+              </p:nvSpPr>
+              <p:spPr>
+                <a:xfrm>
+                  <a:off x="9044370" y="2090036"/>
+                  <a:ext cx="970488" cy="400110"/>
+                </a:xfrm>
+                <a:prstGeom prst="rect">
+                  <a:avLst/>
+                </a:prstGeom>
+                <a:noFill/>
+              </p:spPr>
+              <p:txBody>
+                <a:bodyPr wrap="square" rtlCol="0">
+                  <a:spAutoFit/>
+                </a:bodyPr>
+                <a:lstStyle/>
+                <a:p>
+                  <a:r>
+                    <a:rPr lang="en-US" altLang="zh-TW" sz="2000" dirty="0" smtClean="0">
+                      <a:ln w="3175">
+                        <a:noFill/>
+                      </a:ln>
+                      <a:solidFill>
+                        <a:srgbClr val="E6EEE8"/>
+                      </a:solidFill>
+                      <a:latin typeface="FOT-Skip Std B" panose="02020700000000000000" pitchFamily="18" charset="-128"/>
+                      <a:ea typeface="FOT-Skip Std B" panose="02020700000000000000" pitchFamily="18" charset="-128"/>
+                    </a:rPr>
+                    <a:t>score</a:t>
+                  </a:r>
+                  <a:endParaRPr lang="zh-TW" altLang="en-US" sz="2000" dirty="0">
+                    <a:ln w="3175">
+                      <a:noFill/>
+                    </a:ln>
+                    <a:solidFill>
+                      <a:srgbClr val="E6EEE8"/>
+                    </a:solidFill>
+                    <a:latin typeface="FOT-Skip Std B" panose="02020700000000000000" pitchFamily="18" charset="-128"/>
+                    <a:ea typeface="FOT-Skip Std B" panose="02020700000000000000" pitchFamily="18" charset="-128"/>
+                  </a:endParaRPr>
+                </a:p>
+              </p:txBody>
+            </p:sp>
+            <p:pic>
+              <p:nvPicPr>
+                <p:cNvPr id="5" name="圖片 4"/>
+                <p:cNvPicPr>
+                  <a:picLocks noChangeAspect="1"/>
+                </p:cNvPicPr>
+                <p:nvPr/>
+              </p:nvPicPr>
+              <p:blipFill rotWithShape="1">
+                <a:blip r:embed="rId2">
+                  <a:extLst>
+                    <a:ext uri="{28A0092B-C50C-407E-A947-70E740481C1C}">
+                      <a14:useLocalDpi xmlns:a14="http://schemas.microsoft.com/office/drawing/2010/main" val="0"/>
+                    </a:ext>
+                  </a:extLst>
+                </a:blip>
+                <a:srcRect l="86876" t="48057" r="2292" b="38517"/>
+                <a:stretch/>
+              </p:blipFill>
+              <p:spPr>
+                <a:xfrm>
+                  <a:off x="9044370" y="2521254"/>
+                  <a:ext cx="970488" cy="900349"/>
+                </a:xfrm>
+                <a:prstGeom prst="rect">
+                  <a:avLst/>
+                </a:prstGeom>
+              </p:spPr>
+            </p:pic>
+            <p:pic>
+              <p:nvPicPr>
+                <p:cNvPr id="6" name="圖片 5"/>
+                <p:cNvPicPr>
+                  <a:picLocks noChangeAspect="1"/>
+                </p:cNvPicPr>
+                <p:nvPr/>
+              </p:nvPicPr>
+              <p:blipFill rotWithShape="1">
+                <a:blip r:embed="rId2">
+                  <a:extLst>
+                    <a:ext uri="{28A0092B-C50C-407E-A947-70E740481C1C}">
+                      <a14:useLocalDpi xmlns:a14="http://schemas.microsoft.com/office/drawing/2010/main" val="0"/>
+                    </a:ext>
+                  </a:extLst>
+                </a:blip>
+                <a:srcRect l="86876" t="48057" r="2292" b="38517"/>
+                <a:stretch/>
+              </p:blipFill>
+              <p:spPr>
+                <a:xfrm>
+                  <a:off x="9044370" y="840418"/>
+                  <a:ext cx="970488" cy="900349"/>
+                </a:xfrm>
+                <a:prstGeom prst="rect">
+                  <a:avLst/>
+                </a:prstGeom>
+              </p:spPr>
+            </p:pic>
+            <p:pic>
+              <p:nvPicPr>
+                <p:cNvPr id="7" name="圖片 6"/>
+                <p:cNvPicPr>
+                  <a:picLocks noChangeAspect="1"/>
+                </p:cNvPicPr>
+                <p:nvPr/>
+              </p:nvPicPr>
+              <p:blipFill rotWithShape="1">
+                <a:blip r:embed="rId2">
+                  <a:extLst>
+                    <a:ext uri="{28A0092B-C50C-407E-A947-70E740481C1C}">
+                      <a14:useLocalDpi xmlns:a14="http://schemas.microsoft.com/office/drawing/2010/main" val="0"/>
+                    </a:ext>
+                  </a:extLst>
+                </a:blip>
+                <a:srcRect l="86876" t="48057" r="2292" b="38517"/>
+                <a:stretch/>
+              </p:blipFill>
+              <p:spPr>
+                <a:xfrm>
+                  <a:off x="9044370" y="1680836"/>
+                  <a:ext cx="970488" cy="900349"/>
+                </a:xfrm>
+                <a:prstGeom prst="rect">
+                  <a:avLst/>
+                </a:prstGeom>
+              </p:spPr>
+            </p:pic>
+            <p:pic>
+              <p:nvPicPr>
+                <p:cNvPr id="10" name="圖片 9"/>
+                <p:cNvPicPr>
+                  <a:picLocks noChangeAspect="1"/>
+                </p:cNvPicPr>
+                <p:nvPr/>
+              </p:nvPicPr>
+              <p:blipFill rotWithShape="1">
+                <a:blip r:embed="rId2">
+                  <a:extLst>
+                    <a:ext uri="{28A0092B-C50C-407E-A947-70E740481C1C}">
+                      <a14:useLocalDpi xmlns:a14="http://schemas.microsoft.com/office/drawing/2010/main" val="0"/>
+                    </a:ext>
+                  </a:extLst>
+                </a:blip>
+                <a:srcRect l="86876" t="48057" r="2292" b="38517"/>
+                <a:stretch/>
+              </p:blipFill>
+              <p:spPr>
+                <a:xfrm>
+                  <a:off x="9044369" y="0"/>
+                  <a:ext cx="970488" cy="900349"/>
+                </a:xfrm>
+                <a:prstGeom prst="rect">
+                  <a:avLst/>
+                </a:prstGeom>
+              </p:spPr>
+            </p:pic>
+            <p:pic>
+              <p:nvPicPr>
+                <p:cNvPr id="11" name="圖片 10"/>
+                <p:cNvPicPr>
+                  <a:picLocks noChangeAspect="1"/>
+                </p:cNvPicPr>
+                <p:nvPr/>
+              </p:nvPicPr>
+              <p:blipFill rotWithShape="1">
+                <a:blip r:embed="rId2">
+                  <a:extLst>
+                    <a:ext uri="{28A0092B-C50C-407E-A947-70E740481C1C}">
+                      <a14:useLocalDpi xmlns:a14="http://schemas.microsoft.com/office/drawing/2010/main" val="0"/>
+                    </a:ext>
+                  </a:extLst>
+                </a:blip>
+                <a:srcRect l="86876" t="48057" r="2292" b="38517"/>
+                <a:stretch/>
+              </p:blipFill>
+              <p:spPr>
+                <a:xfrm>
+                  <a:off x="9044370" y="3361672"/>
+                  <a:ext cx="970488" cy="900349"/>
+                </a:xfrm>
+                <a:prstGeom prst="rect">
+                  <a:avLst/>
+                </a:prstGeom>
+              </p:spPr>
+            </p:pic>
+            <p:pic>
+              <p:nvPicPr>
+                <p:cNvPr id="12" name="圖片 11"/>
+                <p:cNvPicPr>
+                  <a:picLocks noChangeAspect="1"/>
+                </p:cNvPicPr>
+                <p:nvPr/>
+              </p:nvPicPr>
+              <p:blipFill rotWithShape="1">
+                <a:blip r:embed="rId2">
+                  <a:extLst>
+                    <a:ext uri="{28A0092B-C50C-407E-A947-70E740481C1C}">
+                      <a14:useLocalDpi xmlns:a14="http://schemas.microsoft.com/office/drawing/2010/main" val="0"/>
+                    </a:ext>
+                  </a:extLst>
+                </a:blip>
+                <a:srcRect l="86876" t="48057" r="2292" b="38517"/>
+                <a:stretch/>
+              </p:blipFill>
+              <p:spPr>
+                <a:xfrm>
+                  <a:off x="9044370" y="4202090"/>
+                  <a:ext cx="970488" cy="900349"/>
+                </a:xfrm>
+                <a:prstGeom prst="rect">
+                  <a:avLst/>
+                </a:prstGeom>
+              </p:spPr>
+            </p:pic>
+            <p:pic>
+              <p:nvPicPr>
+                <p:cNvPr id="13" name="圖片 12"/>
+                <p:cNvPicPr>
+                  <a:picLocks noChangeAspect="1"/>
+                </p:cNvPicPr>
+                <p:nvPr/>
+              </p:nvPicPr>
+              <p:blipFill rotWithShape="1">
+                <a:blip r:embed="rId2">
+                  <a:extLst>
+                    <a:ext uri="{28A0092B-C50C-407E-A947-70E740481C1C}">
+                      <a14:useLocalDpi xmlns:a14="http://schemas.microsoft.com/office/drawing/2010/main" val="0"/>
+                    </a:ext>
+                  </a:extLst>
+                </a:blip>
+                <a:srcRect l="86876" t="48057" r="2292" b="38517"/>
+                <a:stretch/>
+              </p:blipFill>
+              <p:spPr>
+                <a:xfrm>
+                  <a:off x="9044370" y="5042508"/>
+                  <a:ext cx="970488" cy="900349"/>
+                </a:xfrm>
+                <a:prstGeom prst="rect">
+                  <a:avLst/>
+                </a:prstGeom>
+              </p:spPr>
+            </p:pic>
+            <p:pic>
+              <p:nvPicPr>
+                <p:cNvPr id="14" name="圖片 13"/>
+                <p:cNvPicPr>
+                  <a:picLocks noChangeAspect="1"/>
+                </p:cNvPicPr>
+                <p:nvPr/>
+              </p:nvPicPr>
+              <p:blipFill rotWithShape="1">
+                <a:blip r:embed="rId2">
+                  <a:extLst>
+                    <a:ext uri="{28A0092B-C50C-407E-A947-70E740481C1C}">
+                      <a14:useLocalDpi xmlns:a14="http://schemas.microsoft.com/office/drawing/2010/main" val="0"/>
+                    </a:ext>
+                  </a:extLst>
+                </a:blip>
+                <a:srcRect l="86876" t="48057" r="2292" b="38517"/>
+                <a:stretch/>
+              </p:blipFill>
+              <p:spPr>
+                <a:xfrm>
+                  <a:off x="9044370" y="5882928"/>
+                  <a:ext cx="970488" cy="900349"/>
+                </a:xfrm>
+                <a:prstGeom prst="rect">
+                  <a:avLst/>
+                </a:prstGeom>
+              </p:spPr>
+            </p:pic>
+          </p:grpSp>
+          <p:grpSp>
+            <p:nvGrpSpPr>
+              <p:cNvPr id="16" name="群組 15"/>
+              <p:cNvGrpSpPr/>
+              <p:nvPr/>
+            </p:nvGrpSpPr>
+            <p:grpSpPr>
+              <a:xfrm>
+                <a:off x="4722325" y="74723"/>
+                <a:ext cx="970489" cy="6783277"/>
+                <a:chOff x="9044369" y="0"/>
+                <a:chExt cx="970489" cy="6783277"/>
+              </a:xfrm>
+            </p:grpSpPr>
+            <p:sp>
+              <p:nvSpPr>
+                <p:cNvPr id="17" name="文字方塊 16"/>
+                <p:cNvSpPr txBox="1"/>
+                <p:nvPr/>
+              </p:nvSpPr>
+              <p:spPr>
+                <a:xfrm>
+                  <a:off x="9044370" y="2090036"/>
+                  <a:ext cx="970488" cy="400110"/>
+                </a:xfrm>
+                <a:prstGeom prst="rect">
+                  <a:avLst/>
+                </a:prstGeom>
+                <a:noFill/>
+              </p:spPr>
+              <p:txBody>
+                <a:bodyPr wrap="square" rtlCol="0">
+                  <a:spAutoFit/>
+                </a:bodyPr>
+                <a:lstStyle/>
+                <a:p>
+                  <a:r>
+                    <a:rPr lang="en-US" altLang="zh-TW" sz="2000" dirty="0" smtClean="0">
+                      <a:ln w="3175">
+                        <a:noFill/>
+                      </a:ln>
+                      <a:solidFill>
+                        <a:srgbClr val="E6EEE8"/>
+                      </a:solidFill>
+                      <a:latin typeface="FOT-Skip Std B" panose="02020700000000000000" pitchFamily="18" charset="-128"/>
+                      <a:ea typeface="FOT-Skip Std B" panose="02020700000000000000" pitchFamily="18" charset="-128"/>
+                    </a:rPr>
+                    <a:t>score</a:t>
+                  </a:r>
+                  <a:endParaRPr lang="zh-TW" altLang="en-US" sz="2000" dirty="0">
+                    <a:ln w="3175">
+                      <a:noFill/>
+                    </a:ln>
+                    <a:solidFill>
+                      <a:srgbClr val="E6EEE8"/>
+                    </a:solidFill>
+                    <a:latin typeface="FOT-Skip Std B" panose="02020700000000000000" pitchFamily="18" charset="-128"/>
+                    <a:ea typeface="FOT-Skip Std B" panose="02020700000000000000" pitchFamily="18" charset="-128"/>
+                  </a:endParaRPr>
+                </a:p>
+              </p:txBody>
+            </p:sp>
+            <p:pic>
+              <p:nvPicPr>
+                <p:cNvPr id="18" name="圖片 17"/>
+                <p:cNvPicPr>
+                  <a:picLocks noChangeAspect="1"/>
+                </p:cNvPicPr>
+                <p:nvPr/>
+              </p:nvPicPr>
+              <p:blipFill rotWithShape="1">
+                <a:blip r:embed="rId2">
+                  <a:extLst>
+                    <a:ext uri="{28A0092B-C50C-407E-A947-70E740481C1C}">
+                      <a14:useLocalDpi xmlns:a14="http://schemas.microsoft.com/office/drawing/2010/main" val="0"/>
+                    </a:ext>
+                  </a:extLst>
+                </a:blip>
+                <a:srcRect l="86876" t="48057" r="2292" b="38517"/>
+                <a:stretch/>
+              </p:blipFill>
+              <p:spPr>
+                <a:xfrm>
+                  <a:off x="9044370" y="2521254"/>
+                  <a:ext cx="970488" cy="900349"/>
+                </a:xfrm>
+                <a:prstGeom prst="rect">
+                  <a:avLst/>
+                </a:prstGeom>
+              </p:spPr>
+            </p:pic>
+            <p:pic>
+              <p:nvPicPr>
+                <p:cNvPr id="19" name="圖片 18"/>
+                <p:cNvPicPr>
+                  <a:picLocks noChangeAspect="1"/>
+                </p:cNvPicPr>
+                <p:nvPr/>
+              </p:nvPicPr>
+              <p:blipFill rotWithShape="1">
+                <a:blip r:embed="rId2">
+                  <a:extLst>
+                    <a:ext uri="{28A0092B-C50C-407E-A947-70E740481C1C}">
+                      <a14:useLocalDpi xmlns:a14="http://schemas.microsoft.com/office/drawing/2010/main" val="0"/>
+                    </a:ext>
+                  </a:extLst>
+                </a:blip>
+                <a:srcRect l="86876" t="48057" r="2292" b="38517"/>
+                <a:stretch/>
+              </p:blipFill>
+              <p:spPr>
+                <a:xfrm>
+                  <a:off x="9044370" y="840418"/>
+                  <a:ext cx="970488" cy="900349"/>
+                </a:xfrm>
+                <a:prstGeom prst="rect">
+                  <a:avLst/>
+                </a:prstGeom>
+              </p:spPr>
+            </p:pic>
+            <p:pic>
+              <p:nvPicPr>
+                <p:cNvPr id="20" name="圖片 19"/>
+                <p:cNvPicPr>
+                  <a:picLocks noChangeAspect="1"/>
+                </p:cNvPicPr>
+                <p:nvPr/>
+              </p:nvPicPr>
+              <p:blipFill rotWithShape="1">
+                <a:blip r:embed="rId2">
+                  <a:extLst>
+                    <a:ext uri="{28A0092B-C50C-407E-A947-70E740481C1C}">
+                      <a14:useLocalDpi xmlns:a14="http://schemas.microsoft.com/office/drawing/2010/main" val="0"/>
+                    </a:ext>
+                  </a:extLst>
+                </a:blip>
+                <a:srcRect l="86876" t="48057" r="2292" b="38517"/>
+                <a:stretch/>
+              </p:blipFill>
+              <p:spPr>
+                <a:xfrm>
+                  <a:off x="9044370" y="1680836"/>
+                  <a:ext cx="970488" cy="900349"/>
+                </a:xfrm>
+                <a:prstGeom prst="rect">
+                  <a:avLst/>
+                </a:prstGeom>
+              </p:spPr>
+            </p:pic>
+            <p:pic>
+              <p:nvPicPr>
+                <p:cNvPr id="21" name="圖片 20"/>
+                <p:cNvPicPr>
+                  <a:picLocks noChangeAspect="1"/>
+                </p:cNvPicPr>
+                <p:nvPr/>
+              </p:nvPicPr>
+              <p:blipFill rotWithShape="1">
+                <a:blip r:embed="rId2">
+                  <a:extLst>
+                    <a:ext uri="{28A0092B-C50C-407E-A947-70E740481C1C}">
+                      <a14:useLocalDpi xmlns:a14="http://schemas.microsoft.com/office/drawing/2010/main" val="0"/>
+                    </a:ext>
+                  </a:extLst>
+                </a:blip>
+                <a:srcRect l="86876" t="48057" r="2292" b="38517"/>
+                <a:stretch/>
+              </p:blipFill>
+              <p:spPr>
+                <a:xfrm>
+                  <a:off x="9044369" y="0"/>
+                  <a:ext cx="970488" cy="900349"/>
+                </a:xfrm>
+                <a:prstGeom prst="rect">
+                  <a:avLst/>
+                </a:prstGeom>
+              </p:spPr>
+            </p:pic>
+            <p:pic>
+              <p:nvPicPr>
+                <p:cNvPr id="22" name="圖片 21"/>
+                <p:cNvPicPr>
+                  <a:picLocks noChangeAspect="1"/>
+                </p:cNvPicPr>
+                <p:nvPr/>
+              </p:nvPicPr>
+              <p:blipFill rotWithShape="1">
+                <a:blip r:embed="rId2">
+                  <a:extLst>
+                    <a:ext uri="{28A0092B-C50C-407E-A947-70E740481C1C}">
+                      <a14:useLocalDpi xmlns:a14="http://schemas.microsoft.com/office/drawing/2010/main" val="0"/>
+                    </a:ext>
+                  </a:extLst>
+                </a:blip>
+                <a:srcRect l="86876" t="48057" r="2292" b="38517"/>
+                <a:stretch/>
+              </p:blipFill>
+              <p:spPr>
+                <a:xfrm>
+                  <a:off x="9044370" y="3361672"/>
+                  <a:ext cx="970488" cy="900349"/>
+                </a:xfrm>
+                <a:prstGeom prst="rect">
+                  <a:avLst/>
+                </a:prstGeom>
+              </p:spPr>
+            </p:pic>
+            <p:pic>
+              <p:nvPicPr>
+                <p:cNvPr id="23" name="圖片 22"/>
+                <p:cNvPicPr>
+                  <a:picLocks noChangeAspect="1"/>
+                </p:cNvPicPr>
+                <p:nvPr/>
+              </p:nvPicPr>
+              <p:blipFill rotWithShape="1">
+                <a:blip r:embed="rId2">
+                  <a:extLst>
+                    <a:ext uri="{28A0092B-C50C-407E-A947-70E740481C1C}">
+                      <a14:useLocalDpi xmlns:a14="http://schemas.microsoft.com/office/drawing/2010/main" val="0"/>
+                    </a:ext>
+                  </a:extLst>
+                </a:blip>
+                <a:srcRect l="86876" t="48057" r="2292" b="38517"/>
+                <a:stretch/>
+              </p:blipFill>
+              <p:spPr>
+                <a:xfrm>
+                  <a:off x="9044370" y="4202090"/>
+                  <a:ext cx="970488" cy="900349"/>
+                </a:xfrm>
+                <a:prstGeom prst="rect">
+                  <a:avLst/>
+                </a:prstGeom>
+              </p:spPr>
+            </p:pic>
+            <p:pic>
+              <p:nvPicPr>
+                <p:cNvPr id="24" name="圖片 23"/>
+                <p:cNvPicPr>
+                  <a:picLocks noChangeAspect="1"/>
+                </p:cNvPicPr>
+                <p:nvPr/>
+              </p:nvPicPr>
+              <p:blipFill rotWithShape="1">
+                <a:blip r:embed="rId2">
+                  <a:extLst>
+                    <a:ext uri="{28A0092B-C50C-407E-A947-70E740481C1C}">
+                      <a14:useLocalDpi xmlns:a14="http://schemas.microsoft.com/office/drawing/2010/main" val="0"/>
+                    </a:ext>
+                  </a:extLst>
+                </a:blip>
+                <a:srcRect l="86876" t="48057" r="2292" b="38517"/>
+                <a:stretch/>
+              </p:blipFill>
+              <p:spPr>
+                <a:xfrm>
+                  <a:off x="9044370" y="5042508"/>
+                  <a:ext cx="970488" cy="900349"/>
+                </a:xfrm>
+                <a:prstGeom prst="rect">
+                  <a:avLst/>
+                </a:prstGeom>
+              </p:spPr>
+            </p:pic>
+            <p:pic>
+              <p:nvPicPr>
+                <p:cNvPr id="25" name="圖片 24"/>
+                <p:cNvPicPr>
+                  <a:picLocks noChangeAspect="1"/>
+                </p:cNvPicPr>
+                <p:nvPr/>
+              </p:nvPicPr>
+              <p:blipFill rotWithShape="1">
+                <a:blip r:embed="rId2">
+                  <a:extLst>
+                    <a:ext uri="{28A0092B-C50C-407E-A947-70E740481C1C}">
+                      <a14:useLocalDpi xmlns:a14="http://schemas.microsoft.com/office/drawing/2010/main" val="0"/>
+                    </a:ext>
+                  </a:extLst>
+                </a:blip>
+                <a:srcRect l="86876" t="48057" r="2292" b="38517"/>
+                <a:stretch/>
+              </p:blipFill>
+              <p:spPr>
+                <a:xfrm>
+                  <a:off x="9044370" y="5882928"/>
+                  <a:ext cx="970488" cy="900349"/>
+                </a:xfrm>
+                <a:prstGeom prst="rect">
+                  <a:avLst/>
+                </a:prstGeom>
+              </p:spPr>
+            </p:pic>
+          </p:grpSp>
+          <p:grpSp>
+            <p:nvGrpSpPr>
+              <p:cNvPr id="26" name="群組 25"/>
+              <p:cNvGrpSpPr/>
+              <p:nvPr/>
+            </p:nvGrpSpPr>
+            <p:grpSpPr>
+              <a:xfrm>
+                <a:off x="1866070" y="74723"/>
+                <a:ext cx="970489" cy="6783277"/>
+                <a:chOff x="9044369" y="0"/>
+                <a:chExt cx="970489" cy="6783277"/>
+              </a:xfrm>
+            </p:grpSpPr>
+            <p:sp>
+              <p:nvSpPr>
+                <p:cNvPr id="27" name="文字方塊 26"/>
+                <p:cNvSpPr txBox="1"/>
+                <p:nvPr/>
+              </p:nvSpPr>
+              <p:spPr>
+                <a:xfrm>
+                  <a:off x="9044370" y="2090036"/>
+                  <a:ext cx="970488" cy="400110"/>
+                </a:xfrm>
+                <a:prstGeom prst="rect">
+                  <a:avLst/>
+                </a:prstGeom>
+                <a:noFill/>
+              </p:spPr>
+              <p:txBody>
+                <a:bodyPr wrap="square" rtlCol="0">
+                  <a:spAutoFit/>
+                </a:bodyPr>
+                <a:lstStyle/>
+                <a:p>
+                  <a:r>
+                    <a:rPr lang="en-US" altLang="zh-TW" sz="2000" dirty="0" smtClean="0">
+                      <a:ln w="3175">
+                        <a:noFill/>
+                      </a:ln>
+                      <a:solidFill>
+                        <a:srgbClr val="E6EEE8"/>
+                      </a:solidFill>
+                      <a:latin typeface="FOT-Skip Std B" panose="02020700000000000000" pitchFamily="18" charset="-128"/>
+                      <a:ea typeface="FOT-Skip Std B" panose="02020700000000000000" pitchFamily="18" charset="-128"/>
+                    </a:rPr>
+                    <a:t>score</a:t>
+                  </a:r>
+                  <a:endParaRPr lang="zh-TW" altLang="en-US" sz="2000" dirty="0">
+                    <a:ln w="3175">
+                      <a:noFill/>
+                    </a:ln>
+                    <a:solidFill>
+                      <a:srgbClr val="E6EEE8"/>
+                    </a:solidFill>
+                    <a:latin typeface="FOT-Skip Std B" panose="02020700000000000000" pitchFamily="18" charset="-128"/>
+                    <a:ea typeface="FOT-Skip Std B" panose="02020700000000000000" pitchFamily="18" charset="-128"/>
+                  </a:endParaRPr>
+                </a:p>
+              </p:txBody>
+            </p:sp>
+            <p:pic>
+              <p:nvPicPr>
+                <p:cNvPr id="28" name="圖片 27"/>
+                <p:cNvPicPr>
+                  <a:picLocks noChangeAspect="1"/>
+                </p:cNvPicPr>
+                <p:nvPr/>
+              </p:nvPicPr>
+              <p:blipFill rotWithShape="1">
+                <a:blip r:embed="rId2">
+                  <a:extLst>
+                    <a:ext uri="{28A0092B-C50C-407E-A947-70E740481C1C}">
+                      <a14:useLocalDpi xmlns:a14="http://schemas.microsoft.com/office/drawing/2010/main" val="0"/>
+                    </a:ext>
+                  </a:extLst>
+                </a:blip>
+                <a:srcRect l="86876" t="48057" r="2292" b="38517"/>
+                <a:stretch/>
+              </p:blipFill>
+              <p:spPr>
+                <a:xfrm>
+                  <a:off x="9044370" y="2521254"/>
+                  <a:ext cx="970488" cy="900349"/>
+                </a:xfrm>
+                <a:prstGeom prst="rect">
+                  <a:avLst/>
+                </a:prstGeom>
+              </p:spPr>
+            </p:pic>
+            <p:pic>
+              <p:nvPicPr>
+                <p:cNvPr id="29" name="圖片 28"/>
+                <p:cNvPicPr>
+                  <a:picLocks noChangeAspect="1"/>
+                </p:cNvPicPr>
+                <p:nvPr/>
+              </p:nvPicPr>
+              <p:blipFill rotWithShape="1">
+                <a:blip r:embed="rId2">
+                  <a:extLst>
+                    <a:ext uri="{28A0092B-C50C-407E-A947-70E740481C1C}">
+                      <a14:useLocalDpi xmlns:a14="http://schemas.microsoft.com/office/drawing/2010/main" val="0"/>
+                    </a:ext>
+                  </a:extLst>
+                </a:blip>
+                <a:srcRect l="86876" t="48057" r="2292" b="38517"/>
+                <a:stretch/>
+              </p:blipFill>
+              <p:spPr>
+                <a:xfrm>
+                  <a:off x="9044370" y="840418"/>
+                  <a:ext cx="970488" cy="900349"/>
+                </a:xfrm>
+                <a:prstGeom prst="rect">
+                  <a:avLst/>
+                </a:prstGeom>
+              </p:spPr>
+            </p:pic>
+            <p:pic>
+              <p:nvPicPr>
+                <p:cNvPr id="30" name="圖片 29"/>
+                <p:cNvPicPr>
+                  <a:picLocks noChangeAspect="1"/>
+                </p:cNvPicPr>
+                <p:nvPr/>
+              </p:nvPicPr>
+              <p:blipFill rotWithShape="1">
+                <a:blip r:embed="rId2">
+                  <a:extLst>
+                    <a:ext uri="{28A0092B-C50C-407E-A947-70E740481C1C}">
+                      <a14:useLocalDpi xmlns:a14="http://schemas.microsoft.com/office/drawing/2010/main" val="0"/>
+                    </a:ext>
+                  </a:extLst>
+                </a:blip>
+                <a:srcRect l="86876" t="48057" r="2292" b="38517"/>
+                <a:stretch/>
+              </p:blipFill>
+              <p:spPr>
+                <a:xfrm>
+                  <a:off x="9044370" y="1680836"/>
+                  <a:ext cx="970488" cy="900349"/>
+                </a:xfrm>
+                <a:prstGeom prst="rect">
+                  <a:avLst/>
+                </a:prstGeom>
+              </p:spPr>
+            </p:pic>
+            <p:pic>
+              <p:nvPicPr>
+                <p:cNvPr id="31" name="圖片 30"/>
+                <p:cNvPicPr>
+                  <a:picLocks noChangeAspect="1"/>
+                </p:cNvPicPr>
+                <p:nvPr/>
+              </p:nvPicPr>
+              <p:blipFill rotWithShape="1">
+                <a:blip r:embed="rId2">
+                  <a:extLst>
+                    <a:ext uri="{28A0092B-C50C-407E-A947-70E740481C1C}">
+                      <a14:useLocalDpi xmlns:a14="http://schemas.microsoft.com/office/drawing/2010/main" val="0"/>
+                    </a:ext>
+                  </a:extLst>
+                </a:blip>
+                <a:srcRect l="86876" t="48057" r="2292" b="38517"/>
+                <a:stretch/>
+              </p:blipFill>
+              <p:spPr>
+                <a:xfrm>
+                  <a:off x="9044369" y="0"/>
+                  <a:ext cx="970488" cy="900349"/>
+                </a:xfrm>
+                <a:prstGeom prst="rect">
+                  <a:avLst/>
+                </a:prstGeom>
+              </p:spPr>
+            </p:pic>
+            <p:pic>
+              <p:nvPicPr>
+                <p:cNvPr id="32" name="圖片 31"/>
+                <p:cNvPicPr>
+                  <a:picLocks noChangeAspect="1"/>
+                </p:cNvPicPr>
+                <p:nvPr/>
+              </p:nvPicPr>
+              <p:blipFill rotWithShape="1">
+                <a:blip r:embed="rId2">
+                  <a:extLst>
+                    <a:ext uri="{28A0092B-C50C-407E-A947-70E740481C1C}">
+                      <a14:useLocalDpi xmlns:a14="http://schemas.microsoft.com/office/drawing/2010/main" val="0"/>
+                    </a:ext>
+                  </a:extLst>
+                </a:blip>
+                <a:srcRect l="86876" t="48057" r="2292" b="38517"/>
+                <a:stretch/>
+              </p:blipFill>
+              <p:spPr>
+                <a:xfrm>
+                  <a:off x="9044370" y="3361672"/>
+                  <a:ext cx="970488" cy="900349"/>
+                </a:xfrm>
+                <a:prstGeom prst="rect">
+                  <a:avLst/>
+                </a:prstGeom>
+              </p:spPr>
+            </p:pic>
+            <p:pic>
+              <p:nvPicPr>
+                <p:cNvPr id="33" name="圖片 32"/>
+                <p:cNvPicPr>
+                  <a:picLocks noChangeAspect="1"/>
+                </p:cNvPicPr>
+                <p:nvPr/>
+              </p:nvPicPr>
+              <p:blipFill rotWithShape="1">
+                <a:blip r:embed="rId2">
+                  <a:extLst>
+                    <a:ext uri="{28A0092B-C50C-407E-A947-70E740481C1C}">
+                      <a14:useLocalDpi xmlns:a14="http://schemas.microsoft.com/office/drawing/2010/main" val="0"/>
+                    </a:ext>
+                  </a:extLst>
+                </a:blip>
+                <a:srcRect l="86876" t="48057" r="2292" b="38517"/>
+                <a:stretch/>
+              </p:blipFill>
+              <p:spPr>
+                <a:xfrm>
+                  <a:off x="9044370" y="4202090"/>
+                  <a:ext cx="970488" cy="900349"/>
+                </a:xfrm>
+                <a:prstGeom prst="rect">
+                  <a:avLst/>
+                </a:prstGeom>
+              </p:spPr>
+            </p:pic>
+            <p:pic>
+              <p:nvPicPr>
+                <p:cNvPr id="34" name="圖片 33"/>
+                <p:cNvPicPr>
+                  <a:picLocks noChangeAspect="1"/>
+                </p:cNvPicPr>
+                <p:nvPr/>
+              </p:nvPicPr>
+              <p:blipFill rotWithShape="1">
+                <a:blip r:embed="rId2">
+                  <a:extLst>
+                    <a:ext uri="{28A0092B-C50C-407E-A947-70E740481C1C}">
+                      <a14:useLocalDpi xmlns:a14="http://schemas.microsoft.com/office/drawing/2010/main" val="0"/>
+                    </a:ext>
+                  </a:extLst>
+                </a:blip>
+                <a:srcRect l="86876" t="48057" r="2292" b="38517"/>
+                <a:stretch/>
+              </p:blipFill>
+              <p:spPr>
+                <a:xfrm>
+                  <a:off x="9044370" y="5042508"/>
+                  <a:ext cx="970488" cy="900349"/>
+                </a:xfrm>
+                <a:prstGeom prst="rect">
+                  <a:avLst/>
+                </a:prstGeom>
+              </p:spPr>
+            </p:pic>
+            <p:pic>
+              <p:nvPicPr>
+                <p:cNvPr id="35" name="圖片 34"/>
+                <p:cNvPicPr>
+                  <a:picLocks noChangeAspect="1"/>
+                </p:cNvPicPr>
+                <p:nvPr/>
+              </p:nvPicPr>
+              <p:blipFill rotWithShape="1">
+                <a:blip r:embed="rId2">
+                  <a:extLst>
+                    <a:ext uri="{28A0092B-C50C-407E-A947-70E740481C1C}">
+                      <a14:useLocalDpi xmlns:a14="http://schemas.microsoft.com/office/drawing/2010/main" val="0"/>
+                    </a:ext>
+                  </a:extLst>
+                </a:blip>
+                <a:srcRect l="86876" t="48057" r="2292" b="38517"/>
+                <a:stretch/>
+              </p:blipFill>
+              <p:spPr>
+                <a:xfrm>
+                  <a:off x="9044370" y="5882928"/>
+                  <a:ext cx="970488" cy="900349"/>
+                </a:xfrm>
+                <a:prstGeom prst="rect">
+                  <a:avLst/>
+                </a:prstGeom>
+              </p:spPr>
+            </p:pic>
+          </p:grpSp>
+          <p:grpSp>
+            <p:nvGrpSpPr>
+              <p:cNvPr id="36" name="群組 35"/>
+              <p:cNvGrpSpPr/>
+              <p:nvPr/>
+            </p:nvGrpSpPr>
+            <p:grpSpPr>
+              <a:xfrm>
+                <a:off x="0" y="74723"/>
+                <a:ext cx="970489" cy="6783277"/>
+                <a:chOff x="9044369" y="0"/>
+                <a:chExt cx="970489" cy="6783277"/>
+              </a:xfrm>
+            </p:grpSpPr>
+            <p:sp>
+              <p:nvSpPr>
+                <p:cNvPr id="37" name="文字方塊 36"/>
+                <p:cNvSpPr txBox="1"/>
+                <p:nvPr/>
+              </p:nvSpPr>
+              <p:spPr>
+                <a:xfrm>
+                  <a:off x="9044370" y="2090036"/>
+                  <a:ext cx="970488" cy="400110"/>
+                </a:xfrm>
+                <a:prstGeom prst="rect">
+                  <a:avLst/>
+                </a:prstGeom>
+                <a:noFill/>
+              </p:spPr>
+              <p:txBody>
+                <a:bodyPr wrap="square" rtlCol="0">
+                  <a:spAutoFit/>
+                </a:bodyPr>
+                <a:lstStyle/>
+                <a:p>
+                  <a:r>
+                    <a:rPr lang="en-US" altLang="zh-TW" sz="2000" dirty="0" smtClean="0">
+                      <a:ln w="3175">
+                        <a:noFill/>
+                      </a:ln>
+                      <a:solidFill>
+                        <a:srgbClr val="E6EEE8"/>
+                      </a:solidFill>
+                      <a:latin typeface="FOT-Skip Std B" panose="02020700000000000000" pitchFamily="18" charset="-128"/>
+                      <a:ea typeface="FOT-Skip Std B" panose="02020700000000000000" pitchFamily="18" charset="-128"/>
+                    </a:rPr>
+                    <a:t>score</a:t>
+                  </a:r>
+                  <a:endParaRPr lang="zh-TW" altLang="en-US" sz="2000" dirty="0">
+                    <a:ln w="3175">
+                      <a:noFill/>
+                    </a:ln>
+                    <a:solidFill>
+                      <a:srgbClr val="E6EEE8"/>
+                    </a:solidFill>
+                    <a:latin typeface="FOT-Skip Std B" panose="02020700000000000000" pitchFamily="18" charset="-128"/>
+                    <a:ea typeface="FOT-Skip Std B" panose="02020700000000000000" pitchFamily="18" charset="-128"/>
+                  </a:endParaRPr>
+                </a:p>
+              </p:txBody>
+            </p:sp>
+            <p:pic>
+              <p:nvPicPr>
+                <p:cNvPr id="38" name="圖片 37"/>
+                <p:cNvPicPr>
+                  <a:picLocks noChangeAspect="1"/>
+                </p:cNvPicPr>
+                <p:nvPr/>
+              </p:nvPicPr>
+              <p:blipFill rotWithShape="1">
+                <a:blip r:embed="rId2">
+                  <a:extLst>
+                    <a:ext uri="{28A0092B-C50C-407E-A947-70E740481C1C}">
+                      <a14:useLocalDpi xmlns:a14="http://schemas.microsoft.com/office/drawing/2010/main" val="0"/>
+                    </a:ext>
+                  </a:extLst>
+                </a:blip>
+                <a:srcRect l="86876" t="48057" r="2292" b="38517"/>
+                <a:stretch/>
+              </p:blipFill>
+              <p:spPr>
+                <a:xfrm>
+                  <a:off x="9044370" y="2521254"/>
+                  <a:ext cx="970488" cy="900349"/>
+                </a:xfrm>
+                <a:prstGeom prst="rect">
+                  <a:avLst/>
+                </a:prstGeom>
+              </p:spPr>
+            </p:pic>
+            <p:pic>
+              <p:nvPicPr>
+                <p:cNvPr id="39" name="圖片 38"/>
+                <p:cNvPicPr>
+                  <a:picLocks noChangeAspect="1"/>
+                </p:cNvPicPr>
+                <p:nvPr/>
+              </p:nvPicPr>
+              <p:blipFill rotWithShape="1">
+                <a:blip r:embed="rId2">
+                  <a:extLst>
+                    <a:ext uri="{28A0092B-C50C-407E-A947-70E740481C1C}">
+                      <a14:useLocalDpi xmlns:a14="http://schemas.microsoft.com/office/drawing/2010/main" val="0"/>
+                    </a:ext>
+                  </a:extLst>
+                </a:blip>
+                <a:srcRect l="86876" t="48057" r="2292" b="38517"/>
+                <a:stretch/>
+              </p:blipFill>
+              <p:spPr>
+                <a:xfrm>
+                  <a:off x="9044370" y="840418"/>
+                  <a:ext cx="970488" cy="900349"/>
+                </a:xfrm>
+                <a:prstGeom prst="rect">
+                  <a:avLst/>
+                </a:prstGeom>
+              </p:spPr>
+            </p:pic>
+            <p:pic>
+              <p:nvPicPr>
+                <p:cNvPr id="40" name="圖片 39"/>
+                <p:cNvPicPr>
+                  <a:picLocks noChangeAspect="1"/>
+                </p:cNvPicPr>
+                <p:nvPr/>
+              </p:nvPicPr>
+              <p:blipFill rotWithShape="1">
+                <a:blip r:embed="rId2">
+                  <a:extLst>
+                    <a:ext uri="{28A0092B-C50C-407E-A947-70E740481C1C}">
+                      <a14:useLocalDpi xmlns:a14="http://schemas.microsoft.com/office/drawing/2010/main" val="0"/>
+                    </a:ext>
+                  </a:extLst>
+                </a:blip>
+                <a:srcRect l="86876" t="48057" r="2292" b="38517"/>
+                <a:stretch/>
+              </p:blipFill>
+              <p:spPr>
+                <a:xfrm>
+                  <a:off x="9044370" y="1680836"/>
+                  <a:ext cx="970488" cy="900349"/>
+                </a:xfrm>
+                <a:prstGeom prst="rect">
+                  <a:avLst/>
+                </a:prstGeom>
+              </p:spPr>
+            </p:pic>
+            <p:pic>
+              <p:nvPicPr>
+                <p:cNvPr id="41" name="圖片 40"/>
+                <p:cNvPicPr>
+                  <a:picLocks noChangeAspect="1"/>
+                </p:cNvPicPr>
+                <p:nvPr/>
+              </p:nvPicPr>
+              <p:blipFill rotWithShape="1">
+                <a:blip r:embed="rId2">
+                  <a:extLst>
+                    <a:ext uri="{28A0092B-C50C-407E-A947-70E740481C1C}">
+                      <a14:useLocalDpi xmlns:a14="http://schemas.microsoft.com/office/drawing/2010/main" val="0"/>
+                    </a:ext>
+                  </a:extLst>
+                </a:blip>
+                <a:srcRect l="86876" t="48057" r="2292" b="38517"/>
+                <a:stretch/>
+              </p:blipFill>
+              <p:spPr>
+                <a:xfrm>
+                  <a:off x="9044369" y="0"/>
+                  <a:ext cx="970488" cy="900349"/>
+                </a:xfrm>
+                <a:prstGeom prst="rect">
+                  <a:avLst/>
+                </a:prstGeom>
+              </p:spPr>
+            </p:pic>
+            <p:pic>
+              <p:nvPicPr>
+                <p:cNvPr id="42" name="圖片 41"/>
+                <p:cNvPicPr>
+                  <a:picLocks noChangeAspect="1"/>
+                </p:cNvPicPr>
+                <p:nvPr/>
+              </p:nvPicPr>
+              <p:blipFill rotWithShape="1">
+                <a:blip r:embed="rId2">
+                  <a:extLst>
+                    <a:ext uri="{28A0092B-C50C-407E-A947-70E740481C1C}">
+                      <a14:useLocalDpi xmlns:a14="http://schemas.microsoft.com/office/drawing/2010/main" val="0"/>
+                    </a:ext>
+                  </a:extLst>
+                </a:blip>
+                <a:srcRect l="86876" t="48057" r="2292" b="38517"/>
+                <a:stretch/>
+              </p:blipFill>
+              <p:spPr>
+                <a:xfrm>
+                  <a:off x="9044370" y="3361672"/>
+                  <a:ext cx="970488" cy="900349"/>
+                </a:xfrm>
+                <a:prstGeom prst="rect">
+                  <a:avLst/>
+                </a:prstGeom>
+              </p:spPr>
+            </p:pic>
+            <p:pic>
+              <p:nvPicPr>
+                <p:cNvPr id="43" name="圖片 42"/>
+                <p:cNvPicPr>
+                  <a:picLocks noChangeAspect="1"/>
+                </p:cNvPicPr>
+                <p:nvPr/>
+              </p:nvPicPr>
+              <p:blipFill rotWithShape="1">
+                <a:blip r:embed="rId2">
+                  <a:extLst>
+                    <a:ext uri="{28A0092B-C50C-407E-A947-70E740481C1C}">
+                      <a14:useLocalDpi xmlns:a14="http://schemas.microsoft.com/office/drawing/2010/main" val="0"/>
+                    </a:ext>
+                  </a:extLst>
+                </a:blip>
+                <a:srcRect l="86876" t="48057" r="2292" b="38517"/>
+                <a:stretch/>
+              </p:blipFill>
+              <p:spPr>
+                <a:xfrm>
+                  <a:off x="9044370" y="4202090"/>
+                  <a:ext cx="970488" cy="900349"/>
+                </a:xfrm>
+                <a:prstGeom prst="rect">
+                  <a:avLst/>
+                </a:prstGeom>
+              </p:spPr>
+            </p:pic>
+            <p:pic>
+              <p:nvPicPr>
+                <p:cNvPr id="44" name="圖片 43"/>
+                <p:cNvPicPr>
+                  <a:picLocks noChangeAspect="1"/>
+                </p:cNvPicPr>
+                <p:nvPr/>
+              </p:nvPicPr>
+              <p:blipFill rotWithShape="1">
+                <a:blip r:embed="rId2">
+                  <a:extLst>
+                    <a:ext uri="{28A0092B-C50C-407E-A947-70E740481C1C}">
+                      <a14:useLocalDpi xmlns:a14="http://schemas.microsoft.com/office/drawing/2010/main" val="0"/>
+                    </a:ext>
+                  </a:extLst>
+                </a:blip>
+                <a:srcRect l="86876" t="48057" r="2292" b="38517"/>
+                <a:stretch/>
+              </p:blipFill>
+              <p:spPr>
+                <a:xfrm>
+                  <a:off x="9044370" y="5042508"/>
+                  <a:ext cx="970488" cy="900349"/>
+                </a:xfrm>
+                <a:prstGeom prst="rect">
+                  <a:avLst/>
+                </a:prstGeom>
+              </p:spPr>
+            </p:pic>
+            <p:pic>
+              <p:nvPicPr>
+                <p:cNvPr id="45" name="圖片 44"/>
+                <p:cNvPicPr>
+                  <a:picLocks noChangeAspect="1"/>
+                </p:cNvPicPr>
+                <p:nvPr/>
+              </p:nvPicPr>
+              <p:blipFill rotWithShape="1">
+                <a:blip r:embed="rId2">
+                  <a:extLst>
+                    <a:ext uri="{28A0092B-C50C-407E-A947-70E740481C1C}">
+                      <a14:useLocalDpi xmlns:a14="http://schemas.microsoft.com/office/drawing/2010/main" val="0"/>
+                    </a:ext>
+                  </a:extLst>
+                </a:blip>
+                <a:srcRect l="86876" t="48057" r="2292" b="38517"/>
+                <a:stretch/>
+              </p:blipFill>
+              <p:spPr>
+                <a:xfrm>
+                  <a:off x="9044370" y="5882928"/>
+                  <a:ext cx="970488" cy="900349"/>
+                </a:xfrm>
+                <a:prstGeom prst="rect">
+                  <a:avLst/>
+                </a:prstGeom>
+              </p:spPr>
+            </p:pic>
+          </p:grpSp>
+          <p:grpSp>
+            <p:nvGrpSpPr>
+              <p:cNvPr id="46" name="群組 45"/>
+              <p:cNvGrpSpPr/>
+              <p:nvPr/>
+            </p:nvGrpSpPr>
+            <p:grpSpPr>
+              <a:xfrm>
+                <a:off x="3770240" y="74723"/>
+                <a:ext cx="970489" cy="6783277"/>
+                <a:chOff x="9044369" y="0"/>
+                <a:chExt cx="970489" cy="6783277"/>
+              </a:xfrm>
+            </p:grpSpPr>
+            <p:sp>
+              <p:nvSpPr>
+                <p:cNvPr id="47" name="文字方塊 46"/>
+                <p:cNvSpPr txBox="1"/>
+                <p:nvPr/>
+              </p:nvSpPr>
+              <p:spPr>
+                <a:xfrm>
+                  <a:off x="9044370" y="2090036"/>
+                  <a:ext cx="970488" cy="400110"/>
+                </a:xfrm>
+                <a:prstGeom prst="rect">
+                  <a:avLst/>
+                </a:prstGeom>
+                <a:noFill/>
+              </p:spPr>
+              <p:txBody>
+                <a:bodyPr wrap="square" rtlCol="0">
+                  <a:spAutoFit/>
+                </a:bodyPr>
+                <a:lstStyle/>
+                <a:p>
+                  <a:r>
+                    <a:rPr lang="en-US" altLang="zh-TW" sz="2000" dirty="0" smtClean="0">
+                      <a:ln w="3175">
+                        <a:noFill/>
+                      </a:ln>
+                      <a:solidFill>
+                        <a:srgbClr val="E6EEE8"/>
+                      </a:solidFill>
+                      <a:latin typeface="FOT-Skip Std B" panose="02020700000000000000" pitchFamily="18" charset="-128"/>
+                      <a:ea typeface="FOT-Skip Std B" panose="02020700000000000000" pitchFamily="18" charset="-128"/>
+                    </a:rPr>
+                    <a:t>score</a:t>
+                  </a:r>
+                  <a:endParaRPr lang="zh-TW" altLang="en-US" sz="2000" dirty="0">
+                    <a:ln w="3175">
+                      <a:noFill/>
+                    </a:ln>
+                    <a:solidFill>
+                      <a:srgbClr val="E6EEE8"/>
+                    </a:solidFill>
+                    <a:latin typeface="FOT-Skip Std B" panose="02020700000000000000" pitchFamily="18" charset="-128"/>
+                    <a:ea typeface="FOT-Skip Std B" panose="02020700000000000000" pitchFamily="18" charset="-128"/>
+                  </a:endParaRPr>
+                </a:p>
+              </p:txBody>
+            </p:sp>
+            <p:pic>
+              <p:nvPicPr>
+                <p:cNvPr id="48" name="圖片 47"/>
+                <p:cNvPicPr>
+                  <a:picLocks noChangeAspect="1"/>
+                </p:cNvPicPr>
+                <p:nvPr/>
+              </p:nvPicPr>
+              <p:blipFill rotWithShape="1">
+                <a:blip r:embed="rId2">
+                  <a:extLst>
+                    <a:ext uri="{28A0092B-C50C-407E-A947-70E740481C1C}">
+                      <a14:useLocalDpi xmlns:a14="http://schemas.microsoft.com/office/drawing/2010/main" val="0"/>
+                    </a:ext>
+                  </a:extLst>
+                </a:blip>
+                <a:srcRect l="86876" t="48057" r="2292" b="38517"/>
+                <a:stretch/>
+              </p:blipFill>
+              <p:spPr>
+                <a:xfrm>
+                  <a:off x="9044370" y="2521254"/>
+                  <a:ext cx="970488" cy="900349"/>
+                </a:xfrm>
+                <a:prstGeom prst="rect">
+                  <a:avLst/>
+                </a:prstGeom>
+              </p:spPr>
+            </p:pic>
+            <p:pic>
+              <p:nvPicPr>
+                <p:cNvPr id="49" name="圖片 48"/>
+                <p:cNvPicPr>
+                  <a:picLocks noChangeAspect="1"/>
+                </p:cNvPicPr>
+                <p:nvPr/>
+              </p:nvPicPr>
+              <p:blipFill rotWithShape="1">
+                <a:blip r:embed="rId2">
+                  <a:extLst>
+                    <a:ext uri="{28A0092B-C50C-407E-A947-70E740481C1C}">
+                      <a14:useLocalDpi xmlns:a14="http://schemas.microsoft.com/office/drawing/2010/main" val="0"/>
+                    </a:ext>
+                  </a:extLst>
+                </a:blip>
+                <a:srcRect l="86876" t="48057" r="2292" b="38517"/>
+                <a:stretch/>
+              </p:blipFill>
+              <p:spPr>
+                <a:xfrm>
+                  <a:off x="9044370" y="840418"/>
+                  <a:ext cx="970488" cy="900349"/>
+                </a:xfrm>
+                <a:prstGeom prst="rect">
+                  <a:avLst/>
+                </a:prstGeom>
+              </p:spPr>
+            </p:pic>
+            <p:pic>
+              <p:nvPicPr>
+                <p:cNvPr id="50" name="圖片 49"/>
+                <p:cNvPicPr>
+                  <a:picLocks noChangeAspect="1"/>
+                </p:cNvPicPr>
+                <p:nvPr/>
+              </p:nvPicPr>
+              <p:blipFill rotWithShape="1">
+                <a:blip r:embed="rId2">
+                  <a:extLst>
+                    <a:ext uri="{28A0092B-C50C-407E-A947-70E740481C1C}">
+                      <a14:useLocalDpi xmlns:a14="http://schemas.microsoft.com/office/drawing/2010/main" val="0"/>
+                    </a:ext>
+                  </a:extLst>
+                </a:blip>
+                <a:srcRect l="86876" t="48057" r="2292" b="38517"/>
+                <a:stretch/>
+              </p:blipFill>
+              <p:spPr>
+                <a:xfrm>
+                  <a:off x="9044370" y="1680836"/>
+                  <a:ext cx="970488" cy="900349"/>
+                </a:xfrm>
+                <a:prstGeom prst="rect">
+                  <a:avLst/>
+                </a:prstGeom>
+              </p:spPr>
+            </p:pic>
+            <p:pic>
+              <p:nvPicPr>
+                <p:cNvPr id="51" name="圖片 50"/>
+                <p:cNvPicPr>
+                  <a:picLocks noChangeAspect="1"/>
+                </p:cNvPicPr>
+                <p:nvPr/>
+              </p:nvPicPr>
+              <p:blipFill rotWithShape="1">
+                <a:blip r:embed="rId2">
+                  <a:extLst>
+                    <a:ext uri="{28A0092B-C50C-407E-A947-70E740481C1C}">
+                      <a14:useLocalDpi xmlns:a14="http://schemas.microsoft.com/office/drawing/2010/main" val="0"/>
+                    </a:ext>
+                  </a:extLst>
+                </a:blip>
+                <a:srcRect l="86876" t="48057" r="2292" b="38517"/>
+                <a:stretch/>
+              </p:blipFill>
+              <p:spPr>
+                <a:xfrm>
+                  <a:off x="9044369" y="0"/>
+                  <a:ext cx="970488" cy="900349"/>
+                </a:xfrm>
+                <a:prstGeom prst="rect">
+                  <a:avLst/>
+                </a:prstGeom>
+              </p:spPr>
+            </p:pic>
+            <p:pic>
+              <p:nvPicPr>
+                <p:cNvPr id="52" name="圖片 51"/>
+                <p:cNvPicPr>
+                  <a:picLocks noChangeAspect="1"/>
+                </p:cNvPicPr>
+                <p:nvPr/>
+              </p:nvPicPr>
+              <p:blipFill rotWithShape="1">
+                <a:blip r:embed="rId2">
+                  <a:extLst>
+                    <a:ext uri="{28A0092B-C50C-407E-A947-70E740481C1C}">
+                      <a14:useLocalDpi xmlns:a14="http://schemas.microsoft.com/office/drawing/2010/main" val="0"/>
+                    </a:ext>
+                  </a:extLst>
+                </a:blip>
+                <a:srcRect l="86876" t="48057" r="2292" b="38517"/>
+                <a:stretch/>
+              </p:blipFill>
+              <p:spPr>
+                <a:xfrm>
+                  <a:off x="9044370" y="3361672"/>
+                  <a:ext cx="970488" cy="900349"/>
+                </a:xfrm>
+                <a:prstGeom prst="rect">
+                  <a:avLst/>
+                </a:prstGeom>
+              </p:spPr>
+            </p:pic>
+            <p:pic>
+              <p:nvPicPr>
+                <p:cNvPr id="53" name="圖片 52"/>
+                <p:cNvPicPr>
+                  <a:picLocks noChangeAspect="1"/>
+                </p:cNvPicPr>
+                <p:nvPr/>
+              </p:nvPicPr>
+              <p:blipFill rotWithShape="1">
+                <a:blip r:embed="rId2">
+                  <a:extLst>
+                    <a:ext uri="{28A0092B-C50C-407E-A947-70E740481C1C}">
+                      <a14:useLocalDpi xmlns:a14="http://schemas.microsoft.com/office/drawing/2010/main" val="0"/>
+                    </a:ext>
+                  </a:extLst>
+                </a:blip>
+                <a:srcRect l="86876" t="48057" r="2292" b="38517"/>
+                <a:stretch/>
+              </p:blipFill>
+              <p:spPr>
+                <a:xfrm>
+                  <a:off x="9044370" y="4202090"/>
+                  <a:ext cx="970488" cy="900349"/>
+                </a:xfrm>
+                <a:prstGeom prst="rect">
+                  <a:avLst/>
+                </a:prstGeom>
+              </p:spPr>
+            </p:pic>
+            <p:pic>
+              <p:nvPicPr>
+                <p:cNvPr id="54" name="圖片 53"/>
+                <p:cNvPicPr>
+                  <a:picLocks noChangeAspect="1"/>
+                </p:cNvPicPr>
+                <p:nvPr/>
+              </p:nvPicPr>
+              <p:blipFill rotWithShape="1">
+                <a:blip r:embed="rId2">
+                  <a:extLst>
+                    <a:ext uri="{28A0092B-C50C-407E-A947-70E740481C1C}">
+                      <a14:useLocalDpi xmlns:a14="http://schemas.microsoft.com/office/drawing/2010/main" val="0"/>
+                    </a:ext>
+                  </a:extLst>
+                </a:blip>
+                <a:srcRect l="86876" t="48057" r="2292" b="38517"/>
+                <a:stretch/>
+              </p:blipFill>
+              <p:spPr>
+                <a:xfrm>
+                  <a:off x="9044370" y="5042508"/>
+                  <a:ext cx="970488" cy="900349"/>
+                </a:xfrm>
+                <a:prstGeom prst="rect">
+                  <a:avLst/>
+                </a:prstGeom>
+              </p:spPr>
+            </p:pic>
+            <p:pic>
+              <p:nvPicPr>
+                <p:cNvPr id="55" name="圖片 54"/>
+                <p:cNvPicPr>
+                  <a:picLocks noChangeAspect="1"/>
+                </p:cNvPicPr>
+                <p:nvPr/>
+              </p:nvPicPr>
+              <p:blipFill rotWithShape="1">
+                <a:blip r:embed="rId2">
+                  <a:extLst>
+                    <a:ext uri="{28A0092B-C50C-407E-A947-70E740481C1C}">
+                      <a14:useLocalDpi xmlns:a14="http://schemas.microsoft.com/office/drawing/2010/main" val="0"/>
+                    </a:ext>
+                  </a:extLst>
+                </a:blip>
+                <a:srcRect l="86876" t="48057" r="2292" b="38517"/>
+                <a:stretch/>
+              </p:blipFill>
+              <p:spPr>
+                <a:xfrm>
+                  <a:off x="9044370" y="5882928"/>
+                  <a:ext cx="970488" cy="900349"/>
+                </a:xfrm>
+                <a:prstGeom prst="rect">
+                  <a:avLst/>
+                </a:prstGeom>
+              </p:spPr>
+            </p:pic>
+          </p:grpSp>
+          <p:grpSp>
+            <p:nvGrpSpPr>
+              <p:cNvPr id="56" name="群組 55"/>
+              <p:cNvGrpSpPr/>
+              <p:nvPr/>
+            </p:nvGrpSpPr>
+            <p:grpSpPr>
+              <a:xfrm>
+                <a:off x="933035" y="74723"/>
+                <a:ext cx="970489" cy="6783277"/>
+                <a:chOff x="9044369" y="0"/>
+                <a:chExt cx="970489" cy="6783277"/>
+              </a:xfrm>
+            </p:grpSpPr>
+            <p:sp>
+              <p:nvSpPr>
+                <p:cNvPr id="57" name="文字方塊 56"/>
+                <p:cNvSpPr txBox="1"/>
+                <p:nvPr/>
+              </p:nvSpPr>
+              <p:spPr>
+                <a:xfrm>
+                  <a:off x="9044370" y="2090036"/>
+                  <a:ext cx="970488" cy="400110"/>
+                </a:xfrm>
+                <a:prstGeom prst="rect">
+                  <a:avLst/>
+                </a:prstGeom>
+                <a:noFill/>
+              </p:spPr>
+              <p:txBody>
+                <a:bodyPr wrap="square" rtlCol="0">
+                  <a:spAutoFit/>
+                </a:bodyPr>
+                <a:lstStyle/>
+                <a:p>
+                  <a:r>
+                    <a:rPr lang="en-US" altLang="zh-TW" sz="2000" dirty="0" smtClean="0">
+                      <a:ln w="3175">
+                        <a:noFill/>
+                      </a:ln>
+                      <a:solidFill>
+                        <a:srgbClr val="E6EEE8"/>
+                      </a:solidFill>
+                      <a:latin typeface="FOT-Skip Std B" panose="02020700000000000000" pitchFamily="18" charset="-128"/>
+                      <a:ea typeface="FOT-Skip Std B" panose="02020700000000000000" pitchFamily="18" charset="-128"/>
+                    </a:rPr>
+                    <a:t>score</a:t>
+                  </a:r>
+                  <a:endParaRPr lang="zh-TW" altLang="en-US" sz="2000" dirty="0">
+                    <a:ln w="3175">
+                      <a:noFill/>
+                    </a:ln>
+                    <a:solidFill>
+                      <a:srgbClr val="E6EEE8"/>
+                    </a:solidFill>
+                    <a:latin typeface="FOT-Skip Std B" panose="02020700000000000000" pitchFamily="18" charset="-128"/>
+                    <a:ea typeface="FOT-Skip Std B" panose="02020700000000000000" pitchFamily="18" charset="-128"/>
+                  </a:endParaRPr>
+                </a:p>
+              </p:txBody>
+            </p:sp>
+            <p:pic>
+              <p:nvPicPr>
+                <p:cNvPr id="58" name="圖片 57"/>
+                <p:cNvPicPr>
+                  <a:picLocks noChangeAspect="1"/>
+                </p:cNvPicPr>
+                <p:nvPr/>
+              </p:nvPicPr>
+              <p:blipFill rotWithShape="1">
+                <a:blip r:embed="rId2">
+                  <a:extLst>
+                    <a:ext uri="{28A0092B-C50C-407E-A947-70E740481C1C}">
+                      <a14:useLocalDpi xmlns:a14="http://schemas.microsoft.com/office/drawing/2010/main" val="0"/>
+                    </a:ext>
+                  </a:extLst>
+                </a:blip>
+                <a:srcRect l="86876" t="48057" r="2292" b="38517"/>
+                <a:stretch/>
+              </p:blipFill>
+              <p:spPr>
+                <a:xfrm>
+                  <a:off x="9044370" y="2521254"/>
+                  <a:ext cx="970488" cy="900349"/>
+                </a:xfrm>
+                <a:prstGeom prst="rect">
+                  <a:avLst/>
+                </a:prstGeom>
+              </p:spPr>
+            </p:pic>
+            <p:pic>
+              <p:nvPicPr>
+                <p:cNvPr id="59" name="圖片 58"/>
+                <p:cNvPicPr>
+                  <a:picLocks noChangeAspect="1"/>
+                </p:cNvPicPr>
+                <p:nvPr/>
+              </p:nvPicPr>
+              <p:blipFill rotWithShape="1">
+                <a:blip r:embed="rId2">
+                  <a:extLst>
+                    <a:ext uri="{28A0092B-C50C-407E-A947-70E740481C1C}">
+                      <a14:useLocalDpi xmlns:a14="http://schemas.microsoft.com/office/drawing/2010/main" val="0"/>
+                    </a:ext>
+                  </a:extLst>
+                </a:blip>
+                <a:srcRect l="86876" t="48057" r="2292" b="38517"/>
+                <a:stretch/>
+              </p:blipFill>
+              <p:spPr>
+                <a:xfrm>
+                  <a:off x="9044370" y="840418"/>
+                  <a:ext cx="970488" cy="900349"/>
+                </a:xfrm>
+                <a:prstGeom prst="rect">
+                  <a:avLst/>
+                </a:prstGeom>
+              </p:spPr>
+            </p:pic>
+            <p:pic>
+              <p:nvPicPr>
+                <p:cNvPr id="60" name="圖片 59"/>
+                <p:cNvPicPr>
+                  <a:picLocks noChangeAspect="1"/>
+                </p:cNvPicPr>
+                <p:nvPr/>
+              </p:nvPicPr>
+              <p:blipFill rotWithShape="1">
+                <a:blip r:embed="rId2">
+                  <a:extLst>
+                    <a:ext uri="{28A0092B-C50C-407E-A947-70E740481C1C}">
+                      <a14:useLocalDpi xmlns:a14="http://schemas.microsoft.com/office/drawing/2010/main" val="0"/>
+                    </a:ext>
+                  </a:extLst>
+                </a:blip>
+                <a:srcRect l="86876" t="48057" r="2292" b="38517"/>
+                <a:stretch/>
+              </p:blipFill>
+              <p:spPr>
+                <a:xfrm>
+                  <a:off x="9044370" y="1680836"/>
+                  <a:ext cx="970488" cy="900349"/>
+                </a:xfrm>
+                <a:prstGeom prst="rect">
+                  <a:avLst/>
+                </a:prstGeom>
+              </p:spPr>
+            </p:pic>
+            <p:pic>
+              <p:nvPicPr>
+                <p:cNvPr id="61" name="圖片 60"/>
+                <p:cNvPicPr>
+                  <a:picLocks noChangeAspect="1"/>
+                </p:cNvPicPr>
+                <p:nvPr/>
+              </p:nvPicPr>
+              <p:blipFill rotWithShape="1">
+                <a:blip r:embed="rId2">
+                  <a:extLst>
+                    <a:ext uri="{28A0092B-C50C-407E-A947-70E740481C1C}">
+                      <a14:useLocalDpi xmlns:a14="http://schemas.microsoft.com/office/drawing/2010/main" val="0"/>
+                    </a:ext>
+                  </a:extLst>
+                </a:blip>
+                <a:srcRect l="86876" t="48057" r="2292" b="38517"/>
+                <a:stretch/>
+              </p:blipFill>
+              <p:spPr>
+                <a:xfrm>
+                  <a:off x="9044369" y="0"/>
+                  <a:ext cx="970488" cy="900349"/>
+                </a:xfrm>
+                <a:prstGeom prst="rect">
+                  <a:avLst/>
+                </a:prstGeom>
+              </p:spPr>
+            </p:pic>
+            <p:pic>
+              <p:nvPicPr>
+                <p:cNvPr id="62" name="圖片 61"/>
+                <p:cNvPicPr>
+                  <a:picLocks noChangeAspect="1"/>
+                </p:cNvPicPr>
+                <p:nvPr/>
+              </p:nvPicPr>
+              <p:blipFill rotWithShape="1">
+                <a:blip r:embed="rId2">
+                  <a:extLst>
+                    <a:ext uri="{28A0092B-C50C-407E-A947-70E740481C1C}">
+                      <a14:useLocalDpi xmlns:a14="http://schemas.microsoft.com/office/drawing/2010/main" val="0"/>
+                    </a:ext>
+                  </a:extLst>
+                </a:blip>
+                <a:srcRect l="86876" t="48057" r="2292" b="38517"/>
+                <a:stretch/>
+              </p:blipFill>
+              <p:spPr>
+                <a:xfrm>
+                  <a:off x="9044370" y="3361672"/>
+                  <a:ext cx="970488" cy="900349"/>
+                </a:xfrm>
+                <a:prstGeom prst="rect">
+                  <a:avLst/>
+                </a:prstGeom>
+              </p:spPr>
+            </p:pic>
+            <p:pic>
+              <p:nvPicPr>
+                <p:cNvPr id="63" name="圖片 62"/>
+                <p:cNvPicPr>
+                  <a:picLocks noChangeAspect="1"/>
+                </p:cNvPicPr>
+                <p:nvPr/>
+              </p:nvPicPr>
+              <p:blipFill rotWithShape="1">
+                <a:blip r:embed="rId2">
+                  <a:extLst>
+                    <a:ext uri="{28A0092B-C50C-407E-A947-70E740481C1C}">
+                      <a14:useLocalDpi xmlns:a14="http://schemas.microsoft.com/office/drawing/2010/main" val="0"/>
+                    </a:ext>
+                  </a:extLst>
+                </a:blip>
+                <a:srcRect l="86876" t="48057" r="2292" b="38517"/>
+                <a:stretch/>
+              </p:blipFill>
+              <p:spPr>
+                <a:xfrm>
+                  <a:off x="9044370" y="4202090"/>
+                  <a:ext cx="970488" cy="900349"/>
+                </a:xfrm>
+                <a:prstGeom prst="rect">
+                  <a:avLst/>
+                </a:prstGeom>
+              </p:spPr>
+            </p:pic>
+            <p:pic>
+              <p:nvPicPr>
+                <p:cNvPr id="64" name="圖片 63"/>
+                <p:cNvPicPr>
+                  <a:picLocks noChangeAspect="1"/>
+                </p:cNvPicPr>
+                <p:nvPr/>
+              </p:nvPicPr>
+              <p:blipFill rotWithShape="1">
+                <a:blip r:embed="rId2">
+                  <a:extLst>
+                    <a:ext uri="{28A0092B-C50C-407E-A947-70E740481C1C}">
+                      <a14:useLocalDpi xmlns:a14="http://schemas.microsoft.com/office/drawing/2010/main" val="0"/>
+                    </a:ext>
+                  </a:extLst>
+                </a:blip>
+                <a:srcRect l="86876" t="48057" r="2292" b="38517"/>
+                <a:stretch/>
+              </p:blipFill>
+              <p:spPr>
+                <a:xfrm>
+                  <a:off x="9044370" y="5042508"/>
+                  <a:ext cx="970488" cy="900349"/>
+                </a:xfrm>
+                <a:prstGeom prst="rect">
+                  <a:avLst/>
+                </a:prstGeom>
+              </p:spPr>
+            </p:pic>
+            <p:pic>
+              <p:nvPicPr>
+                <p:cNvPr id="65" name="圖片 64"/>
+                <p:cNvPicPr>
+                  <a:picLocks noChangeAspect="1"/>
+                </p:cNvPicPr>
+                <p:nvPr/>
+              </p:nvPicPr>
+              <p:blipFill rotWithShape="1">
+                <a:blip r:embed="rId2">
+                  <a:extLst>
+                    <a:ext uri="{28A0092B-C50C-407E-A947-70E740481C1C}">
+                      <a14:useLocalDpi xmlns:a14="http://schemas.microsoft.com/office/drawing/2010/main" val="0"/>
+                    </a:ext>
+                  </a:extLst>
+                </a:blip>
+                <a:srcRect l="86876" t="48057" r="2292" b="38517"/>
+                <a:stretch/>
+              </p:blipFill>
+              <p:spPr>
+                <a:xfrm>
+                  <a:off x="9044370" y="5882928"/>
+                  <a:ext cx="970488" cy="900349"/>
+                </a:xfrm>
+                <a:prstGeom prst="rect">
+                  <a:avLst/>
+                </a:prstGeom>
+              </p:spPr>
+            </p:pic>
+          </p:grpSp>
+          <p:grpSp>
+            <p:nvGrpSpPr>
+              <p:cNvPr id="66" name="群組 65"/>
+              <p:cNvGrpSpPr/>
+              <p:nvPr/>
+            </p:nvGrpSpPr>
+            <p:grpSpPr>
+              <a:xfrm>
+                <a:off x="5674410" y="74723"/>
+                <a:ext cx="970489" cy="6783277"/>
+                <a:chOff x="9044369" y="0"/>
+                <a:chExt cx="970489" cy="6783277"/>
+              </a:xfrm>
+            </p:grpSpPr>
+            <p:sp>
+              <p:nvSpPr>
+                <p:cNvPr id="67" name="文字方塊 66"/>
+                <p:cNvSpPr txBox="1"/>
+                <p:nvPr/>
+              </p:nvSpPr>
+              <p:spPr>
+                <a:xfrm>
+                  <a:off x="9044370" y="2090036"/>
+                  <a:ext cx="970488" cy="400110"/>
+                </a:xfrm>
+                <a:prstGeom prst="rect">
+                  <a:avLst/>
+                </a:prstGeom>
+                <a:noFill/>
+              </p:spPr>
+              <p:txBody>
+                <a:bodyPr wrap="square" rtlCol="0">
+                  <a:spAutoFit/>
+                </a:bodyPr>
+                <a:lstStyle/>
+                <a:p>
+                  <a:r>
+                    <a:rPr lang="en-US" altLang="zh-TW" sz="2000" dirty="0" smtClean="0">
+                      <a:ln w="3175">
+                        <a:noFill/>
+                      </a:ln>
+                      <a:solidFill>
+                        <a:srgbClr val="E6EEE8"/>
+                      </a:solidFill>
+                      <a:latin typeface="FOT-Skip Std B" panose="02020700000000000000" pitchFamily="18" charset="-128"/>
+                      <a:ea typeface="FOT-Skip Std B" panose="02020700000000000000" pitchFamily="18" charset="-128"/>
+                    </a:rPr>
+                    <a:t>score</a:t>
+                  </a:r>
+                  <a:endParaRPr lang="zh-TW" altLang="en-US" sz="2000" dirty="0">
+                    <a:ln w="3175">
+                      <a:noFill/>
+                    </a:ln>
+                    <a:solidFill>
+                      <a:srgbClr val="E6EEE8"/>
+                    </a:solidFill>
+                    <a:latin typeface="FOT-Skip Std B" panose="02020700000000000000" pitchFamily="18" charset="-128"/>
+                    <a:ea typeface="FOT-Skip Std B" panose="02020700000000000000" pitchFamily="18" charset="-128"/>
+                  </a:endParaRPr>
+                </a:p>
+              </p:txBody>
+            </p:sp>
+            <p:pic>
+              <p:nvPicPr>
+                <p:cNvPr id="68" name="圖片 67"/>
+                <p:cNvPicPr>
+                  <a:picLocks noChangeAspect="1"/>
+                </p:cNvPicPr>
+                <p:nvPr/>
+              </p:nvPicPr>
+              <p:blipFill rotWithShape="1">
+                <a:blip r:embed="rId2">
+                  <a:extLst>
+                    <a:ext uri="{28A0092B-C50C-407E-A947-70E740481C1C}">
+                      <a14:useLocalDpi xmlns:a14="http://schemas.microsoft.com/office/drawing/2010/main" val="0"/>
+                    </a:ext>
+                  </a:extLst>
+                </a:blip>
+                <a:srcRect l="86876" t="48057" r="2292" b="38517"/>
+                <a:stretch/>
+              </p:blipFill>
+              <p:spPr>
+                <a:xfrm>
+                  <a:off x="9044370" y="2521254"/>
+                  <a:ext cx="970488" cy="900349"/>
+                </a:xfrm>
+                <a:prstGeom prst="rect">
+                  <a:avLst/>
+                </a:prstGeom>
+              </p:spPr>
+            </p:pic>
+            <p:pic>
+              <p:nvPicPr>
+                <p:cNvPr id="69" name="圖片 68"/>
+                <p:cNvPicPr>
+                  <a:picLocks noChangeAspect="1"/>
+                </p:cNvPicPr>
+                <p:nvPr/>
+              </p:nvPicPr>
+              <p:blipFill rotWithShape="1">
+                <a:blip r:embed="rId2">
+                  <a:extLst>
+                    <a:ext uri="{28A0092B-C50C-407E-A947-70E740481C1C}">
+                      <a14:useLocalDpi xmlns:a14="http://schemas.microsoft.com/office/drawing/2010/main" val="0"/>
+                    </a:ext>
+                  </a:extLst>
+                </a:blip>
+                <a:srcRect l="86876" t="48057" r="2292" b="38517"/>
+                <a:stretch/>
+              </p:blipFill>
+              <p:spPr>
+                <a:xfrm>
+                  <a:off x="9044370" y="840418"/>
+                  <a:ext cx="970488" cy="900349"/>
+                </a:xfrm>
+                <a:prstGeom prst="rect">
+                  <a:avLst/>
+                </a:prstGeom>
+              </p:spPr>
+            </p:pic>
+            <p:pic>
+              <p:nvPicPr>
+                <p:cNvPr id="70" name="圖片 69"/>
+                <p:cNvPicPr>
+                  <a:picLocks noChangeAspect="1"/>
+                </p:cNvPicPr>
+                <p:nvPr/>
+              </p:nvPicPr>
+              <p:blipFill rotWithShape="1">
+                <a:blip r:embed="rId2">
+                  <a:extLst>
+                    <a:ext uri="{28A0092B-C50C-407E-A947-70E740481C1C}">
+                      <a14:useLocalDpi xmlns:a14="http://schemas.microsoft.com/office/drawing/2010/main" val="0"/>
+                    </a:ext>
+                  </a:extLst>
+                </a:blip>
+                <a:srcRect l="86876" t="48057" r="2292" b="38517"/>
+                <a:stretch/>
+              </p:blipFill>
+              <p:spPr>
+                <a:xfrm>
+                  <a:off x="9044370" y="1680836"/>
+                  <a:ext cx="970488" cy="900349"/>
+                </a:xfrm>
+                <a:prstGeom prst="rect">
+                  <a:avLst/>
+                </a:prstGeom>
+              </p:spPr>
+            </p:pic>
+            <p:pic>
+              <p:nvPicPr>
+                <p:cNvPr id="71" name="圖片 70"/>
+                <p:cNvPicPr>
+                  <a:picLocks noChangeAspect="1"/>
+                </p:cNvPicPr>
+                <p:nvPr/>
+              </p:nvPicPr>
+              <p:blipFill rotWithShape="1">
+                <a:blip r:embed="rId2">
+                  <a:extLst>
+                    <a:ext uri="{28A0092B-C50C-407E-A947-70E740481C1C}">
+                      <a14:useLocalDpi xmlns:a14="http://schemas.microsoft.com/office/drawing/2010/main" val="0"/>
+                    </a:ext>
+                  </a:extLst>
+                </a:blip>
+                <a:srcRect l="86876" t="48057" r="2292" b="38517"/>
+                <a:stretch/>
+              </p:blipFill>
+              <p:spPr>
+                <a:xfrm>
+                  <a:off x="9044369" y="0"/>
+                  <a:ext cx="970488" cy="900349"/>
+                </a:xfrm>
+                <a:prstGeom prst="rect">
+                  <a:avLst/>
+                </a:prstGeom>
+              </p:spPr>
+            </p:pic>
+            <p:pic>
+              <p:nvPicPr>
+                <p:cNvPr id="72" name="圖片 71"/>
+                <p:cNvPicPr>
+                  <a:picLocks noChangeAspect="1"/>
+                </p:cNvPicPr>
+                <p:nvPr/>
+              </p:nvPicPr>
+              <p:blipFill rotWithShape="1">
+                <a:blip r:embed="rId2">
+                  <a:extLst>
+                    <a:ext uri="{28A0092B-C50C-407E-A947-70E740481C1C}">
+                      <a14:useLocalDpi xmlns:a14="http://schemas.microsoft.com/office/drawing/2010/main" val="0"/>
+                    </a:ext>
+                  </a:extLst>
+                </a:blip>
+                <a:srcRect l="86876" t="48057" r="2292" b="38517"/>
+                <a:stretch/>
+              </p:blipFill>
+              <p:spPr>
+                <a:xfrm>
+                  <a:off x="9044370" y="3361672"/>
+                  <a:ext cx="970488" cy="900349"/>
+                </a:xfrm>
+                <a:prstGeom prst="rect">
+                  <a:avLst/>
+                </a:prstGeom>
+              </p:spPr>
+            </p:pic>
+            <p:pic>
+              <p:nvPicPr>
+                <p:cNvPr id="73" name="圖片 72"/>
+                <p:cNvPicPr>
+                  <a:picLocks noChangeAspect="1"/>
+                </p:cNvPicPr>
+                <p:nvPr/>
+              </p:nvPicPr>
+              <p:blipFill rotWithShape="1">
+                <a:blip r:embed="rId2">
+                  <a:extLst>
+                    <a:ext uri="{28A0092B-C50C-407E-A947-70E740481C1C}">
+                      <a14:useLocalDpi xmlns:a14="http://schemas.microsoft.com/office/drawing/2010/main" val="0"/>
+                    </a:ext>
+                  </a:extLst>
+                </a:blip>
+                <a:srcRect l="86876" t="48057" r="2292" b="38517"/>
+                <a:stretch/>
+              </p:blipFill>
+              <p:spPr>
+                <a:xfrm>
+                  <a:off x="9044370" y="4202090"/>
+                  <a:ext cx="970488" cy="900349"/>
+                </a:xfrm>
+                <a:prstGeom prst="rect">
+                  <a:avLst/>
+                </a:prstGeom>
+              </p:spPr>
+            </p:pic>
+            <p:pic>
+              <p:nvPicPr>
+                <p:cNvPr id="74" name="圖片 73"/>
+                <p:cNvPicPr>
+                  <a:picLocks noChangeAspect="1"/>
+                </p:cNvPicPr>
+                <p:nvPr/>
+              </p:nvPicPr>
+              <p:blipFill rotWithShape="1">
+                <a:blip r:embed="rId2">
+                  <a:extLst>
+                    <a:ext uri="{28A0092B-C50C-407E-A947-70E740481C1C}">
+                      <a14:useLocalDpi xmlns:a14="http://schemas.microsoft.com/office/drawing/2010/main" val="0"/>
+                    </a:ext>
+                  </a:extLst>
+                </a:blip>
+                <a:srcRect l="86876" t="48057" r="2292" b="38517"/>
+                <a:stretch/>
+              </p:blipFill>
+              <p:spPr>
+                <a:xfrm>
+                  <a:off x="9044370" y="5042508"/>
+                  <a:ext cx="970488" cy="900349"/>
+                </a:xfrm>
+                <a:prstGeom prst="rect">
+                  <a:avLst/>
+                </a:prstGeom>
+              </p:spPr>
+            </p:pic>
+            <p:pic>
+              <p:nvPicPr>
+                <p:cNvPr id="75" name="圖片 74"/>
+                <p:cNvPicPr>
+                  <a:picLocks noChangeAspect="1"/>
+                </p:cNvPicPr>
+                <p:nvPr/>
+              </p:nvPicPr>
+              <p:blipFill rotWithShape="1">
+                <a:blip r:embed="rId2">
+                  <a:extLst>
+                    <a:ext uri="{28A0092B-C50C-407E-A947-70E740481C1C}">
+                      <a14:useLocalDpi xmlns:a14="http://schemas.microsoft.com/office/drawing/2010/main" val="0"/>
+                    </a:ext>
+                  </a:extLst>
+                </a:blip>
+                <a:srcRect l="86876" t="48057" r="2292" b="38517"/>
+                <a:stretch/>
+              </p:blipFill>
+              <p:spPr>
+                <a:xfrm>
+                  <a:off x="9044370" y="5882928"/>
+                  <a:ext cx="970488" cy="900349"/>
+                </a:xfrm>
+                <a:prstGeom prst="rect">
+                  <a:avLst/>
+                </a:prstGeom>
+              </p:spPr>
+            </p:pic>
+          </p:grpSp>
+          <p:grpSp>
+            <p:nvGrpSpPr>
+              <p:cNvPr id="76" name="群組 75"/>
+              <p:cNvGrpSpPr/>
+              <p:nvPr/>
+            </p:nvGrpSpPr>
+            <p:grpSpPr>
+              <a:xfrm>
+                <a:off x="7559527" y="74723"/>
+                <a:ext cx="970489" cy="6783277"/>
+                <a:chOff x="9044369" y="0"/>
+                <a:chExt cx="970489" cy="6783277"/>
+              </a:xfrm>
+            </p:grpSpPr>
+            <p:sp>
+              <p:nvSpPr>
+                <p:cNvPr id="77" name="文字方塊 76"/>
+                <p:cNvSpPr txBox="1"/>
+                <p:nvPr/>
+              </p:nvSpPr>
+              <p:spPr>
+                <a:xfrm>
+                  <a:off x="9044370" y="2090036"/>
+                  <a:ext cx="970488" cy="400110"/>
+                </a:xfrm>
+                <a:prstGeom prst="rect">
+                  <a:avLst/>
+                </a:prstGeom>
+                <a:noFill/>
+              </p:spPr>
+              <p:txBody>
+                <a:bodyPr wrap="square" rtlCol="0">
+                  <a:spAutoFit/>
+                </a:bodyPr>
+                <a:lstStyle/>
+                <a:p>
+                  <a:r>
+                    <a:rPr lang="en-US" altLang="zh-TW" sz="2000" dirty="0" smtClean="0">
+                      <a:ln w="3175">
+                        <a:noFill/>
+                      </a:ln>
+                      <a:solidFill>
+                        <a:srgbClr val="E6EEE8"/>
+                      </a:solidFill>
+                      <a:latin typeface="FOT-Skip Std B" panose="02020700000000000000" pitchFamily="18" charset="-128"/>
+                      <a:ea typeface="FOT-Skip Std B" panose="02020700000000000000" pitchFamily="18" charset="-128"/>
+                    </a:rPr>
+                    <a:t>score</a:t>
+                  </a:r>
+                  <a:endParaRPr lang="zh-TW" altLang="en-US" sz="2000" dirty="0">
+                    <a:ln w="3175">
+                      <a:noFill/>
+                    </a:ln>
+                    <a:solidFill>
+                      <a:srgbClr val="E6EEE8"/>
+                    </a:solidFill>
+                    <a:latin typeface="FOT-Skip Std B" panose="02020700000000000000" pitchFamily="18" charset="-128"/>
+                    <a:ea typeface="FOT-Skip Std B" panose="02020700000000000000" pitchFamily="18" charset="-128"/>
+                  </a:endParaRPr>
+                </a:p>
+              </p:txBody>
+            </p:sp>
+            <p:pic>
+              <p:nvPicPr>
+                <p:cNvPr id="78" name="圖片 77"/>
+                <p:cNvPicPr>
+                  <a:picLocks noChangeAspect="1"/>
+                </p:cNvPicPr>
+                <p:nvPr/>
+              </p:nvPicPr>
+              <p:blipFill rotWithShape="1">
+                <a:blip r:embed="rId2">
+                  <a:extLst>
+                    <a:ext uri="{28A0092B-C50C-407E-A947-70E740481C1C}">
+                      <a14:useLocalDpi xmlns:a14="http://schemas.microsoft.com/office/drawing/2010/main" val="0"/>
+                    </a:ext>
+                  </a:extLst>
+                </a:blip>
+                <a:srcRect l="86876" t="48057" r="2292" b="38517"/>
+                <a:stretch/>
+              </p:blipFill>
+              <p:spPr>
+                <a:xfrm>
+                  <a:off x="9044370" y="2521254"/>
+                  <a:ext cx="970488" cy="900349"/>
+                </a:xfrm>
+                <a:prstGeom prst="rect">
+                  <a:avLst/>
+                </a:prstGeom>
+              </p:spPr>
+            </p:pic>
+            <p:pic>
+              <p:nvPicPr>
+                <p:cNvPr id="79" name="圖片 78"/>
+                <p:cNvPicPr>
+                  <a:picLocks noChangeAspect="1"/>
+                </p:cNvPicPr>
+                <p:nvPr/>
+              </p:nvPicPr>
+              <p:blipFill rotWithShape="1">
+                <a:blip r:embed="rId2">
+                  <a:extLst>
+                    <a:ext uri="{28A0092B-C50C-407E-A947-70E740481C1C}">
+                      <a14:useLocalDpi xmlns:a14="http://schemas.microsoft.com/office/drawing/2010/main" val="0"/>
+                    </a:ext>
+                  </a:extLst>
+                </a:blip>
+                <a:srcRect l="86876" t="48057" r="2292" b="38517"/>
+                <a:stretch/>
+              </p:blipFill>
+              <p:spPr>
+                <a:xfrm>
+                  <a:off x="9044370" y="840418"/>
+                  <a:ext cx="970488" cy="900349"/>
+                </a:xfrm>
+                <a:prstGeom prst="rect">
+                  <a:avLst/>
+                </a:prstGeom>
+              </p:spPr>
+            </p:pic>
+            <p:pic>
+              <p:nvPicPr>
+                <p:cNvPr id="80" name="圖片 79"/>
+                <p:cNvPicPr>
+                  <a:picLocks noChangeAspect="1"/>
+                </p:cNvPicPr>
+                <p:nvPr/>
+              </p:nvPicPr>
+              <p:blipFill rotWithShape="1">
+                <a:blip r:embed="rId2">
+                  <a:extLst>
+                    <a:ext uri="{28A0092B-C50C-407E-A947-70E740481C1C}">
+                      <a14:useLocalDpi xmlns:a14="http://schemas.microsoft.com/office/drawing/2010/main" val="0"/>
+                    </a:ext>
+                  </a:extLst>
+                </a:blip>
+                <a:srcRect l="86876" t="48057" r="2292" b="38517"/>
+                <a:stretch/>
+              </p:blipFill>
+              <p:spPr>
+                <a:xfrm>
+                  <a:off x="9044370" y="1680836"/>
+                  <a:ext cx="970488" cy="900349"/>
+                </a:xfrm>
+                <a:prstGeom prst="rect">
+                  <a:avLst/>
+                </a:prstGeom>
+              </p:spPr>
+            </p:pic>
+            <p:pic>
+              <p:nvPicPr>
+                <p:cNvPr id="81" name="圖片 80"/>
+                <p:cNvPicPr>
+                  <a:picLocks noChangeAspect="1"/>
+                </p:cNvPicPr>
+                <p:nvPr/>
+              </p:nvPicPr>
+              <p:blipFill rotWithShape="1">
+                <a:blip r:embed="rId2">
+                  <a:extLst>
+                    <a:ext uri="{28A0092B-C50C-407E-A947-70E740481C1C}">
+                      <a14:useLocalDpi xmlns:a14="http://schemas.microsoft.com/office/drawing/2010/main" val="0"/>
+                    </a:ext>
+                  </a:extLst>
+                </a:blip>
+                <a:srcRect l="86876" t="48057" r="2292" b="38517"/>
+                <a:stretch/>
+              </p:blipFill>
+              <p:spPr>
+                <a:xfrm>
+                  <a:off x="9044369" y="0"/>
+                  <a:ext cx="970488" cy="900349"/>
+                </a:xfrm>
+                <a:prstGeom prst="rect">
+                  <a:avLst/>
+                </a:prstGeom>
+              </p:spPr>
+            </p:pic>
+            <p:pic>
+              <p:nvPicPr>
+                <p:cNvPr id="82" name="圖片 81"/>
+                <p:cNvPicPr>
+                  <a:picLocks noChangeAspect="1"/>
+                </p:cNvPicPr>
+                <p:nvPr/>
+              </p:nvPicPr>
+              <p:blipFill rotWithShape="1">
+                <a:blip r:embed="rId2">
+                  <a:extLst>
+                    <a:ext uri="{28A0092B-C50C-407E-A947-70E740481C1C}">
+                      <a14:useLocalDpi xmlns:a14="http://schemas.microsoft.com/office/drawing/2010/main" val="0"/>
+                    </a:ext>
+                  </a:extLst>
+                </a:blip>
+                <a:srcRect l="86876" t="48057" r="2292" b="38517"/>
+                <a:stretch/>
+              </p:blipFill>
+              <p:spPr>
+                <a:xfrm>
+                  <a:off x="9044370" y="3361672"/>
+                  <a:ext cx="970488" cy="900349"/>
+                </a:xfrm>
+                <a:prstGeom prst="rect">
+                  <a:avLst/>
+                </a:prstGeom>
+              </p:spPr>
+            </p:pic>
+            <p:pic>
+              <p:nvPicPr>
+                <p:cNvPr id="83" name="圖片 82"/>
+                <p:cNvPicPr>
+                  <a:picLocks noChangeAspect="1"/>
+                </p:cNvPicPr>
+                <p:nvPr/>
+              </p:nvPicPr>
+              <p:blipFill rotWithShape="1">
+                <a:blip r:embed="rId2">
+                  <a:extLst>
+                    <a:ext uri="{28A0092B-C50C-407E-A947-70E740481C1C}">
+                      <a14:useLocalDpi xmlns:a14="http://schemas.microsoft.com/office/drawing/2010/main" val="0"/>
+                    </a:ext>
+                  </a:extLst>
+                </a:blip>
+                <a:srcRect l="86876" t="48057" r="2292" b="38517"/>
+                <a:stretch/>
+              </p:blipFill>
+              <p:spPr>
+                <a:xfrm>
+                  <a:off x="9044370" y="4202090"/>
+                  <a:ext cx="970488" cy="900349"/>
+                </a:xfrm>
+                <a:prstGeom prst="rect">
+                  <a:avLst/>
+                </a:prstGeom>
+              </p:spPr>
+            </p:pic>
+            <p:pic>
+              <p:nvPicPr>
+                <p:cNvPr id="84" name="圖片 83"/>
+                <p:cNvPicPr>
+                  <a:picLocks noChangeAspect="1"/>
+                </p:cNvPicPr>
+                <p:nvPr/>
+              </p:nvPicPr>
+              <p:blipFill rotWithShape="1">
+                <a:blip r:embed="rId2">
+                  <a:extLst>
+                    <a:ext uri="{28A0092B-C50C-407E-A947-70E740481C1C}">
+                      <a14:useLocalDpi xmlns:a14="http://schemas.microsoft.com/office/drawing/2010/main" val="0"/>
+                    </a:ext>
+                  </a:extLst>
+                </a:blip>
+                <a:srcRect l="86876" t="48057" r="2292" b="38517"/>
+                <a:stretch/>
+              </p:blipFill>
+              <p:spPr>
+                <a:xfrm>
+                  <a:off x="9044370" y="5042508"/>
+                  <a:ext cx="970488" cy="900349"/>
+                </a:xfrm>
+                <a:prstGeom prst="rect">
+                  <a:avLst/>
+                </a:prstGeom>
+              </p:spPr>
+            </p:pic>
+            <p:pic>
+              <p:nvPicPr>
+                <p:cNvPr id="85" name="圖片 84"/>
+                <p:cNvPicPr>
+                  <a:picLocks noChangeAspect="1"/>
+                </p:cNvPicPr>
+                <p:nvPr/>
+              </p:nvPicPr>
+              <p:blipFill rotWithShape="1">
+                <a:blip r:embed="rId2">
+                  <a:extLst>
+                    <a:ext uri="{28A0092B-C50C-407E-A947-70E740481C1C}">
+                      <a14:useLocalDpi xmlns:a14="http://schemas.microsoft.com/office/drawing/2010/main" val="0"/>
+                    </a:ext>
+                  </a:extLst>
+                </a:blip>
+                <a:srcRect l="86876" t="48057" r="2292" b="38517"/>
+                <a:stretch/>
+              </p:blipFill>
+              <p:spPr>
+                <a:xfrm>
+                  <a:off x="9044370" y="5882928"/>
+                  <a:ext cx="970488" cy="900349"/>
+                </a:xfrm>
+                <a:prstGeom prst="rect">
+                  <a:avLst/>
+                </a:prstGeom>
+              </p:spPr>
+            </p:pic>
+          </p:grpSp>
+          <p:grpSp>
+            <p:nvGrpSpPr>
+              <p:cNvPr id="86" name="群組 85"/>
+              <p:cNvGrpSpPr/>
+              <p:nvPr/>
+            </p:nvGrpSpPr>
+            <p:grpSpPr>
+              <a:xfrm>
+                <a:off x="6626495" y="74723"/>
+                <a:ext cx="970489" cy="6783277"/>
+                <a:chOff x="9044369" y="0"/>
+                <a:chExt cx="970489" cy="6783277"/>
+              </a:xfrm>
+            </p:grpSpPr>
+            <p:sp>
+              <p:nvSpPr>
+                <p:cNvPr id="87" name="文字方塊 86"/>
+                <p:cNvSpPr txBox="1"/>
+                <p:nvPr/>
+              </p:nvSpPr>
+              <p:spPr>
+                <a:xfrm>
+                  <a:off x="9044370" y="2090036"/>
+                  <a:ext cx="970488" cy="400110"/>
+                </a:xfrm>
+                <a:prstGeom prst="rect">
+                  <a:avLst/>
+                </a:prstGeom>
+                <a:noFill/>
+              </p:spPr>
+              <p:txBody>
+                <a:bodyPr wrap="square" rtlCol="0">
+                  <a:spAutoFit/>
+                </a:bodyPr>
+                <a:lstStyle/>
+                <a:p>
+                  <a:r>
+                    <a:rPr lang="en-US" altLang="zh-TW" sz="2000" dirty="0" smtClean="0">
+                      <a:ln w="3175">
+                        <a:noFill/>
+                      </a:ln>
+                      <a:solidFill>
+                        <a:srgbClr val="E6EEE8"/>
+                      </a:solidFill>
+                      <a:latin typeface="FOT-Skip Std B" panose="02020700000000000000" pitchFamily="18" charset="-128"/>
+                      <a:ea typeface="FOT-Skip Std B" panose="02020700000000000000" pitchFamily="18" charset="-128"/>
+                    </a:rPr>
+                    <a:t>score</a:t>
+                  </a:r>
+                  <a:endParaRPr lang="zh-TW" altLang="en-US" sz="2000" dirty="0">
+                    <a:ln w="3175">
+                      <a:noFill/>
+                    </a:ln>
+                    <a:solidFill>
+                      <a:srgbClr val="E6EEE8"/>
+                    </a:solidFill>
+                    <a:latin typeface="FOT-Skip Std B" panose="02020700000000000000" pitchFamily="18" charset="-128"/>
+                    <a:ea typeface="FOT-Skip Std B" panose="02020700000000000000" pitchFamily="18" charset="-128"/>
+                  </a:endParaRPr>
+                </a:p>
+              </p:txBody>
+            </p:sp>
+            <p:pic>
+              <p:nvPicPr>
+                <p:cNvPr id="88" name="圖片 87"/>
+                <p:cNvPicPr>
+                  <a:picLocks noChangeAspect="1"/>
+                </p:cNvPicPr>
+                <p:nvPr/>
+              </p:nvPicPr>
+              <p:blipFill rotWithShape="1">
+                <a:blip r:embed="rId2">
+                  <a:extLst>
+                    <a:ext uri="{28A0092B-C50C-407E-A947-70E740481C1C}">
+                      <a14:useLocalDpi xmlns:a14="http://schemas.microsoft.com/office/drawing/2010/main" val="0"/>
+                    </a:ext>
+                  </a:extLst>
+                </a:blip>
+                <a:srcRect l="86876" t="48057" r="2292" b="38517"/>
+                <a:stretch/>
+              </p:blipFill>
+              <p:spPr>
+                <a:xfrm>
+                  <a:off x="9044370" y="2521254"/>
+                  <a:ext cx="970488" cy="900349"/>
+                </a:xfrm>
+                <a:prstGeom prst="rect">
+                  <a:avLst/>
+                </a:prstGeom>
+              </p:spPr>
+            </p:pic>
+            <p:pic>
+              <p:nvPicPr>
+                <p:cNvPr id="89" name="圖片 88"/>
+                <p:cNvPicPr>
+                  <a:picLocks noChangeAspect="1"/>
+                </p:cNvPicPr>
+                <p:nvPr/>
+              </p:nvPicPr>
+              <p:blipFill rotWithShape="1">
+                <a:blip r:embed="rId2">
+                  <a:extLst>
+                    <a:ext uri="{28A0092B-C50C-407E-A947-70E740481C1C}">
+                      <a14:useLocalDpi xmlns:a14="http://schemas.microsoft.com/office/drawing/2010/main" val="0"/>
+                    </a:ext>
+                  </a:extLst>
+                </a:blip>
+                <a:srcRect l="86876" t="48057" r="2292" b="38517"/>
+                <a:stretch/>
+              </p:blipFill>
+              <p:spPr>
+                <a:xfrm>
+                  <a:off x="9044370" y="840418"/>
+                  <a:ext cx="970488" cy="900349"/>
+                </a:xfrm>
+                <a:prstGeom prst="rect">
+                  <a:avLst/>
+                </a:prstGeom>
+              </p:spPr>
+            </p:pic>
+            <p:pic>
+              <p:nvPicPr>
+                <p:cNvPr id="90" name="圖片 89"/>
+                <p:cNvPicPr>
+                  <a:picLocks noChangeAspect="1"/>
+                </p:cNvPicPr>
+                <p:nvPr/>
+              </p:nvPicPr>
+              <p:blipFill rotWithShape="1">
+                <a:blip r:embed="rId2">
+                  <a:extLst>
+                    <a:ext uri="{28A0092B-C50C-407E-A947-70E740481C1C}">
+                      <a14:useLocalDpi xmlns:a14="http://schemas.microsoft.com/office/drawing/2010/main" val="0"/>
+                    </a:ext>
+                  </a:extLst>
+                </a:blip>
+                <a:srcRect l="86876" t="48057" r="2292" b="38517"/>
+                <a:stretch/>
+              </p:blipFill>
+              <p:spPr>
+                <a:xfrm>
+                  <a:off x="9044370" y="1680836"/>
+                  <a:ext cx="970488" cy="900349"/>
+                </a:xfrm>
+                <a:prstGeom prst="rect">
+                  <a:avLst/>
+                </a:prstGeom>
+              </p:spPr>
+            </p:pic>
+            <p:pic>
+              <p:nvPicPr>
+                <p:cNvPr id="91" name="圖片 90"/>
+                <p:cNvPicPr>
+                  <a:picLocks noChangeAspect="1"/>
+                </p:cNvPicPr>
+                <p:nvPr/>
+              </p:nvPicPr>
+              <p:blipFill rotWithShape="1">
+                <a:blip r:embed="rId2">
+                  <a:extLst>
+                    <a:ext uri="{28A0092B-C50C-407E-A947-70E740481C1C}">
+                      <a14:useLocalDpi xmlns:a14="http://schemas.microsoft.com/office/drawing/2010/main" val="0"/>
+                    </a:ext>
+                  </a:extLst>
+                </a:blip>
+                <a:srcRect l="86876" t="48057" r="2292" b="38517"/>
+                <a:stretch/>
+              </p:blipFill>
+              <p:spPr>
+                <a:xfrm>
+                  <a:off x="9044369" y="0"/>
+                  <a:ext cx="970488" cy="900349"/>
+                </a:xfrm>
+                <a:prstGeom prst="rect">
+                  <a:avLst/>
+                </a:prstGeom>
+              </p:spPr>
+            </p:pic>
+            <p:pic>
+              <p:nvPicPr>
+                <p:cNvPr id="92" name="圖片 91"/>
+                <p:cNvPicPr>
+                  <a:picLocks noChangeAspect="1"/>
+                </p:cNvPicPr>
+                <p:nvPr/>
+              </p:nvPicPr>
+              <p:blipFill rotWithShape="1">
+                <a:blip r:embed="rId2">
+                  <a:extLst>
+                    <a:ext uri="{28A0092B-C50C-407E-A947-70E740481C1C}">
+                      <a14:useLocalDpi xmlns:a14="http://schemas.microsoft.com/office/drawing/2010/main" val="0"/>
+                    </a:ext>
+                  </a:extLst>
+                </a:blip>
+                <a:srcRect l="86876" t="48057" r="2292" b="38517"/>
+                <a:stretch/>
+              </p:blipFill>
+              <p:spPr>
+                <a:xfrm>
+                  <a:off x="9044370" y="3361672"/>
+                  <a:ext cx="970488" cy="900349"/>
+                </a:xfrm>
+                <a:prstGeom prst="rect">
+                  <a:avLst/>
+                </a:prstGeom>
+              </p:spPr>
+            </p:pic>
+            <p:pic>
+              <p:nvPicPr>
+                <p:cNvPr id="93" name="圖片 92"/>
+                <p:cNvPicPr>
+                  <a:picLocks noChangeAspect="1"/>
+                </p:cNvPicPr>
+                <p:nvPr/>
+              </p:nvPicPr>
+              <p:blipFill rotWithShape="1">
+                <a:blip r:embed="rId2">
+                  <a:extLst>
+                    <a:ext uri="{28A0092B-C50C-407E-A947-70E740481C1C}">
+                      <a14:useLocalDpi xmlns:a14="http://schemas.microsoft.com/office/drawing/2010/main" val="0"/>
+                    </a:ext>
+                  </a:extLst>
+                </a:blip>
+                <a:srcRect l="86876" t="48057" r="2292" b="38517"/>
+                <a:stretch/>
+              </p:blipFill>
+              <p:spPr>
+                <a:xfrm>
+                  <a:off x="9044370" y="4202090"/>
+                  <a:ext cx="970488" cy="900349"/>
+                </a:xfrm>
+                <a:prstGeom prst="rect">
+                  <a:avLst/>
+                </a:prstGeom>
+              </p:spPr>
+            </p:pic>
+            <p:pic>
+              <p:nvPicPr>
+                <p:cNvPr id="94" name="圖片 93"/>
+                <p:cNvPicPr>
+                  <a:picLocks noChangeAspect="1"/>
+                </p:cNvPicPr>
+                <p:nvPr/>
+              </p:nvPicPr>
+              <p:blipFill rotWithShape="1">
+                <a:blip r:embed="rId2">
+                  <a:extLst>
+                    <a:ext uri="{28A0092B-C50C-407E-A947-70E740481C1C}">
+                      <a14:useLocalDpi xmlns:a14="http://schemas.microsoft.com/office/drawing/2010/main" val="0"/>
+                    </a:ext>
+                  </a:extLst>
+                </a:blip>
+                <a:srcRect l="86876" t="48057" r="2292" b="38517"/>
+                <a:stretch/>
+              </p:blipFill>
+              <p:spPr>
+                <a:xfrm>
+                  <a:off x="9044370" y="5042508"/>
+                  <a:ext cx="970488" cy="900349"/>
+                </a:xfrm>
+                <a:prstGeom prst="rect">
+                  <a:avLst/>
+                </a:prstGeom>
+              </p:spPr>
+            </p:pic>
+            <p:pic>
+              <p:nvPicPr>
+                <p:cNvPr id="95" name="圖片 94"/>
+                <p:cNvPicPr>
+                  <a:picLocks noChangeAspect="1"/>
+                </p:cNvPicPr>
+                <p:nvPr/>
+              </p:nvPicPr>
+              <p:blipFill rotWithShape="1">
+                <a:blip r:embed="rId2">
+                  <a:extLst>
+                    <a:ext uri="{28A0092B-C50C-407E-A947-70E740481C1C}">
+                      <a14:useLocalDpi xmlns:a14="http://schemas.microsoft.com/office/drawing/2010/main" val="0"/>
+                    </a:ext>
+                  </a:extLst>
+                </a:blip>
+                <a:srcRect l="86876" t="48057" r="2292" b="38517"/>
+                <a:stretch/>
+              </p:blipFill>
+              <p:spPr>
+                <a:xfrm>
+                  <a:off x="9044370" y="5882928"/>
+                  <a:ext cx="970488" cy="900349"/>
+                </a:xfrm>
+                <a:prstGeom prst="rect">
+                  <a:avLst/>
+                </a:prstGeom>
+              </p:spPr>
+            </p:pic>
+          </p:grpSp>
+        </p:grpSp>
+        <p:pic>
+          <p:nvPicPr>
+            <p:cNvPr id="3" name="圖片 2"/>
+            <p:cNvPicPr>
+              <a:picLocks noChangeAspect="1"/>
+            </p:cNvPicPr>
+            <p:nvPr/>
+          </p:nvPicPr>
+          <p:blipFill rotWithShape="1">
+            <a:blip r:embed="rId2">
+              <a:extLst>
+                <a:ext uri="{28A0092B-C50C-407E-A947-70E740481C1C}">
+                  <a14:useLocalDpi xmlns:a14="http://schemas.microsoft.com/office/drawing/2010/main" val="0"/>
+                </a:ext>
+              </a:extLst>
+            </a:blip>
+            <a:srcRect l="3828" r="33194"/>
+            <a:stretch/>
+          </p:blipFill>
+          <p:spPr>
+            <a:xfrm>
+              <a:off x="162105" y="-35761"/>
+              <a:ext cx="5695950" cy="6783277"/>
+            </a:xfrm>
+            <a:prstGeom prst="rect">
+              <a:avLst/>
+            </a:prstGeom>
+          </p:spPr>
+        </p:pic>
+        <p:grpSp>
+          <p:nvGrpSpPr>
+            <p:cNvPr id="119" name="群組 118"/>
+            <p:cNvGrpSpPr/>
+            <p:nvPr/>
+          </p:nvGrpSpPr>
+          <p:grpSpPr>
+            <a:xfrm>
+              <a:off x="5977705" y="390461"/>
+              <a:ext cx="3123986" cy="831328"/>
+              <a:chOff x="5977705" y="390461"/>
+              <a:chExt cx="3123986" cy="831328"/>
+            </a:xfrm>
+          </p:grpSpPr>
+          <p:sp>
+            <p:nvSpPr>
+              <p:cNvPr id="97" name="文字方塊 96"/>
+              <p:cNvSpPr txBox="1"/>
+              <p:nvPr/>
+            </p:nvSpPr>
+            <p:spPr>
+              <a:xfrm>
+                <a:off x="5977705" y="390461"/>
+                <a:ext cx="3123986" cy="400110"/>
+              </a:xfrm>
+              <a:prstGeom prst="rect">
+                <a:avLst/>
+              </a:prstGeom>
+              <a:noFill/>
+            </p:spPr>
+            <p:txBody>
+              <a:bodyPr wrap="square" rtlCol="0">
+                <a:spAutoFit/>
+              </a:bodyPr>
+              <a:lstStyle/>
+              <a:p>
+                <a:r>
+                  <a:rPr lang="en-US" altLang="zh-TW" sz="2000" dirty="0" smtClean="0">
+                    <a:ln>
+                      <a:solidFill>
+                        <a:schemeClr val="bg2">
+                          <a:lumMod val="75000"/>
+                        </a:schemeClr>
+                      </a:solidFill>
+                    </a:ln>
+                    <a:solidFill>
+                      <a:schemeClr val="bg1"/>
+                    </a:solidFill>
+                    <a:latin typeface="FOT-Skip Std B" panose="02020700000000000000" pitchFamily="18" charset="-128"/>
+                    <a:ea typeface="FOT-Skip Std B" panose="02020700000000000000" pitchFamily="18" charset="-128"/>
+                  </a:rPr>
+                  <a:t>Recode : 00234537</a:t>
+                </a:r>
+                <a:endParaRPr lang="zh-TW" altLang="en-US" sz="2000" dirty="0">
+                  <a:ln>
+                    <a:solidFill>
+                      <a:schemeClr val="bg2">
+                        <a:lumMod val="75000"/>
+                      </a:schemeClr>
+                    </a:solidFill>
+                  </a:ln>
+                  <a:solidFill>
+                    <a:schemeClr val="bg1"/>
+                  </a:solidFill>
+                  <a:latin typeface="FOT-Skip Std B" panose="02020700000000000000" pitchFamily="18" charset="-128"/>
+                  <a:ea typeface="FOT-Skip Std B" panose="02020700000000000000" pitchFamily="18" charset="-128"/>
+                </a:endParaRPr>
+              </a:p>
+            </p:txBody>
+          </p:sp>
+          <p:sp>
+            <p:nvSpPr>
+              <p:cNvPr id="108" name="文字方塊 107"/>
+              <p:cNvSpPr txBox="1"/>
+              <p:nvPr/>
+            </p:nvSpPr>
+            <p:spPr>
+              <a:xfrm>
+                <a:off x="5977705" y="821679"/>
+                <a:ext cx="3123986" cy="400110"/>
+              </a:xfrm>
+              <a:prstGeom prst="rect">
+                <a:avLst/>
+              </a:prstGeom>
+              <a:noFill/>
+            </p:spPr>
+            <p:txBody>
+              <a:bodyPr wrap="square" rtlCol="0">
+                <a:spAutoFit/>
+              </a:bodyPr>
+              <a:lstStyle/>
+              <a:p>
+                <a:r>
+                  <a:rPr lang="en-US" altLang="zh-TW" sz="2000" dirty="0" smtClean="0">
+                    <a:ln>
+                      <a:solidFill>
+                        <a:schemeClr val="bg2">
+                          <a:lumMod val="75000"/>
+                        </a:schemeClr>
+                      </a:solidFill>
+                    </a:ln>
+                    <a:solidFill>
+                      <a:schemeClr val="bg1"/>
+                    </a:solidFill>
+                    <a:latin typeface="FOT-Skip Std B" panose="02020700000000000000" pitchFamily="18" charset="-128"/>
+                    <a:ea typeface="FOT-Skip Std B" panose="02020700000000000000" pitchFamily="18" charset="-128"/>
+                  </a:rPr>
+                  <a:t>Score : 0027365</a:t>
+                </a:r>
+                <a:endParaRPr lang="zh-TW" altLang="en-US" sz="2000" dirty="0">
+                  <a:ln>
+                    <a:solidFill>
+                      <a:schemeClr val="bg2">
+                        <a:lumMod val="75000"/>
+                      </a:schemeClr>
+                    </a:solidFill>
+                  </a:ln>
+                  <a:solidFill>
+                    <a:schemeClr val="bg1"/>
+                  </a:solidFill>
+                  <a:latin typeface="FOT-Skip Std B" panose="02020700000000000000" pitchFamily="18" charset="-128"/>
+                  <a:ea typeface="FOT-Skip Std B" panose="02020700000000000000" pitchFamily="18" charset="-128"/>
+                </a:endParaRPr>
+              </a:p>
+            </p:txBody>
+          </p:sp>
+        </p:grpSp>
+        <p:grpSp>
+          <p:nvGrpSpPr>
+            <p:cNvPr id="115" name="群組 114"/>
+            <p:cNvGrpSpPr/>
+            <p:nvPr/>
+          </p:nvGrpSpPr>
+          <p:grpSpPr>
+            <a:xfrm>
+              <a:off x="7275284" y="1589423"/>
+              <a:ext cx="1174781" cy="257175"/>
+              <a:chOff x="7250459" y="1818709"/>
+              <a:chExt cx="1174781" cy="257175"/>
+            </a:xfrm>
+          </p:grpSpPr>
+          <p:pic>
+            <p:nvPicPr>
+              <p:cNvPr id="111" name="圖片 110"/>
+              <p:cNvPicPr>
+                <a:picLocks noChangeAspect="1"/>
+              </p:cNvPicPr>
+              <p:nvPr/>
+            </p:nvPicPr>
+            <p:blipFill rotWithShape="1">
+              <a:blip r:embed="rId2">
+                <a:extLst>
+                  <a:ext uri="{28A0092B-C50C-407E-A947-70E740481C1C}">
+                    <a14:useLocalDpi xmlns:a14="http://schemas.microsoft.com/office/drawing/2010/main" val="0"/>
+                  </a:ext>
+                </a:extLst>
+              </a:blip>
+              <a:srcRect l="77220" t="25456" r="19810" b="70794"/>
+              <a:stretch/>
+            </p:blipFill>
+            <p:spPr>
+              <a:xfrm>
+                <a:off x="7250459" y="1818709"/>
+                <a:ext cx="271463" cy="257175"/>
+              </a:xfrm>
+              <a:prstGeom prst="rect">
+                <a:avLst/>
+              </a:prstGeom>
+            </p:spPr>
+          </p:pic>
+          <p:pic>
+            <p:nvPicPr>
+              <p:cNvPr id="112" name="圖片 111"/>
+              <p:cNvPicPr>
+                <a:picLocks noChangeAspect="1"/>
+              </p:cNvPicPr>
+              <p:nvPr/>
+            </p:nvPicPr>
+            <p:blipFill rotWithShape="1">
+              <a:blip r:embed="rId2">
+                <a:extLst>
+                  <a:ext uri="{28A0092B-C50C-407E-A947-70E740481C1C}">
+                    <a14:useLocalDpi xmlns:a14="http://schemas.microsoft.com/office/drawing/2010/main" val="0"/>
+                  </a:ext>
+                </a:extLst>
+              </a:blip>
+              <a:srcRect l="77220" t="25456" r="19810" b="70794"/>
+              <a:stretch/>
+            </p:blipFill>
+            <p:spPr>
+              <a:xfrm>
+                <a:off x="7551565" y="1818709"/>
+                <a:ext cx="271463" cy="257175"/>
+              </a:xfrm>
+              <a:prstGeom prst="rect">
+                <a:avLst/>
+              </a:prstGeom>
+            </p:spPr>
+          </p:pic>
+          <p:pic>
+            <p:nvPicPr>
+              <p:cNvPr id="113" name="圖片 112"/>
+              <p:cNvPicPr>
+                <a:picLocks noChangeAspect="1"/>
+              </p:cNvPicPr>
+              <p:nvPr/>
+            </p:nvPicPr>
+            <p:blipFill rotWithShape="1">
+              <a:blip r:embed="rId2">
+                <a:extLst>
+                  <a:ext uri="{28A0092B-C50C-407E-A947-70E740481C1C}">
+                    <a14:useLocalDpi xmlns:a14="http://schemas.microsoft.com/office/drawing/2010/main" val="0"/>
+                  </a:ext>
+                </a:extLst>
+              </a:blip>
+              <a:srcRect l="77220" t="25456" r="19810" b="70794"/>
+              <a:stretch/>
+            </p:blipFill>
+            <p:spPr>
+              <a:xfrm>
+                <a:off x="7852671" y="1818709"/>
+                <a:ext cx="271463" cy="257175"/>
+              </a:xfrm>
+              <a:prstGeom prst="rect">
+                <a:avLst/>
+              </a:prstGeom>
+            </p:spPr>
+          </p:pic>
+          <p:pic>
+            <p:nvPicPr>
+              <p:cNvPr id="114" name="圖片 113"/>
+              <p:cNvPicPr>
+                <a:picLocks noChangeAspect="1"/>
+              </p:cNvPicPr>
+              <p:nvPr/>
+            </p:nvPicPr>
+            <p:blipFill rotWithShape="1">
+              <a:blip r:embed="rId2">
+                <a:extLst>
+                  <a:ext uri="{28A0092B-C50C-407E-A947-70E740481C1C}">
+                    <a14:useLocalDpi xmlns:a14="http://schemas.microsoft.com/office/drawing/2010/main" val="0"/>
+                  </a:ext>
+                </a:extLst>
+              </a:blip>
+              <a:srcRect l="77220" t="25456" r="19810" b="70794"/>
+              <a:stretch/>
+            </p:blipFill>
+            <p:spPr>
+              <a:xfrm>
+                <a:off x="8153777" y="1818709"/>
+                <a:ext cx="271463" cy="257175"/>
+              </a:xfrm>
+              <a:prstGeom prst="rect">
+                <a:avLst/>
+              </a:prstGeom>
+            </p:spPr>
+          </p:pic>
+        </p:grpSp>
+        <p:grpSp>
+          <p:nvGrpSpPr>
+            <p:cNvPr id="122" name="群組 121"/>
+            <p:cNvGrpSpPr/>
+            <p:nvPr/>
+          </p:nvGrpSpPr>
+          <p:grpSpPr>
+            <a:xfrm>
+              <a:off x="7268640" y="2098224"/>
+              <a:ext cx="880319" cy="257175"/>
+              <a:chOff x="7268640" y="2098224"/>
+              <a:chExt cx="880319" cy="257175"/>
+            </a:xfrm>
+          </p:grpSpPr>
+          <p:pic>
+            <p:nvPicPr>
+              <p:cNvPr id="116" name="圖片 115"/>
+              <p:cNvPicPr>
+                <a:picLocks noChangeAspect="1"/>
+              </p:cNvPicPr>
+              <p:nvPr/>
+            </p:nvPicPr>
+            <p:blipFill rotWithShape="1">
+              <a:blip r:embed="rId2">
+                <a:extLst>
+                  <a:ext uri="{28A0092B-C50C-407E-A947-70E740481C1C}">
+                    <a14:useLocalDpi xmlns:a14="http://schemas.microsoft.com/office/drawing/2010/main" val="0"/>
+                  </a:ext>
+                </a:extLst>
+              </a:blip>
+              <a:srcRect l="77220" t="30363" r="19810" b="65887"/>
+              <a:stretch/>
+            </p:blipFill>
+            <p:spPr>
+              <a:xfrm>
+                <a:off x="7268640" y="2098224"/>
+                <a:ext cx="271463" cy="257175"/>
+              </a:xfrm>
+              <a:prstGeom prst="rect">
+                <a:avLst/>
+              </a:prstGeom>
+            </p:spPr>
+          </p:pic>
+          <p:pic>
+            <p:nvPicPr>
+              <p:cNvPr id="117" name="圖片 116"/>
+              <p:cNvPicPr>
+                <a:picLocks noChangeAspect="1"/>
+              </p:cNvPicPr>
+              <p:nvPr/>
+            </p:nvPicPr>
+            <p:blipFill rotWithShape="1">
+              <a:blip r:embed="rId2">
+                <a:extLst>
+                  <a:ext uri="{28A0092B-C50C-407E-A947-70E740481C1C}">
+                    <a14:useLocalDpi xmlns:a14="http://schemas.microsoft.com/office/drawing/2010/main" val="0"/>
+                  </a:ext>
+                </a:extLst>
+              </a:blip>
+              <a:srcRect l="77220" t="30363" r="19810" b="65887"/>
+              <a:stretch/>
+            </p:blipFill>
+            <p:spPr>
+              <a:xfrm>
+                <a:off x="7573068" y="2098224"/>
+                <a:ext cx="271463" cy="257175"/>
+              </a:xfrm>
+              <a:prstGeom prst="rect">
+                <a:avLst/>
+              </a:prstGeom>
+            </p:spPr>
+          </p:pic>
+          <p:pic>
+            <p:nvPicPr>
+              <p:cNvPr id="118" name="圖片 117"/>
+              <p:cNvPicPr>
+                <a:picLocks noChangeAspect="1"/>
+              </p:cNvPicPr>
+              <p:nvPr/>
+            </p:nvPicPr>
+            <p:blipFill rotWithShape="1">
+              <a:blip r:embed="rId2">
+                <a:extLst>
+                  <a:ext uri="{28A0092B-C50C-407E-A947-70E740481C1C}">
+                    <a14:useLocalDpi xmlns:a14="http://schemas.microsoft.com/office/drawing/2010/main" val="0"/>
+                  </a:ext>
+                </a:extLst>
+              </a:blip>
+              <a:srcRect l="77220" t="30363" r="19810" b="65887"/>
+              <a:stretch/>
+            </p:blipFill>
+            <p:spPr>
+              <a:xfrm>
+                <a:off x="7877496" y="2098224"/>
+                <a:ext cx="271463" cy="257175"/>
+              </a:xfrm>
+              <a:prstGeom prst="rect">
+                <a:avLst/>
+              </a:prstGeom>
+            </p:spPr>
+          </p:pic>
+        </p:grpSp>
+        <p:pic>
+          <p:nvPicPr>
+            <p:cNvPr id="125" name="圖片 124"/>
+            <p:cNvPicPr>
+              <a:picLocks noChangeAspect="1"/>
+            </p:cNvPicPr>
+            <p:nvPr/>
+          </p:nvPicPr>
+          <p:blipFill rotWithShape="1">
+            <a:blip r:embed="rId2">
+              <a:extLst>
+                <a:ext uri="{28A0092B-C50C-407E-A947-70E740481C1C}">
+                  <a14:useLocalDpi xmlns:a14="http://schemas.microsoft.com/office/drawing/2010/main" val="0"/>
+                </a:ext>
+              </a:extLst>
+            </a:blip>
+            <a:srcRect l="67164" t="38602" r="24264" b="53283"/>
+            <a:stretch/>
+          </p:blipFill>
+          <p:spPr>
+            <a:xfrm>
+              <a:off x="5988913" y="2709248"/>
+              <a:ext cx="802824" cy="569946"/>
+            </a:xfrm>
+            <a:prstGeom prst="rect">
+              <a:avLst/>
+            </a:prstGeom>
+          </p:spPr>
+        </p:pic>
+        <p:sp>
+          <p:nvSpPr>
+            <p:cNvPr id="126" name="文字方塊 125"/>
+            <p:cNvSpPr txBox="1"/>
+            <p:nvPr/>
+          </p:nvSpPr>
+          <p:spPr>
+            <a:xfrm>
+              <a:off x="5977705" y="1490341"/>
+              <a:ext cx="3123986" cy="400110"/>
+            </a:xfrm>
+            <a:prstGeom prst="rect">
+              <a:avLst/>
+            </a:prstGeom>
+            <a:noFill/>
+          </p:spPr>
+          <p:txBody>
+            <a:bodyPr wrap="square" rtlCol="0">
+              <a:spAutoFit/>
+            </a:bodyPr>
+            <a:lstStyle/>
+            <a:p>
+              <a:r>
+                <a:rPr lang="en-US" altLang="zh-TW" sz="2000" dirty="0" smtClean="0">
+                  <a:ln>
+                    <a:solidFill>
+                      <a:schemeClr val="bg2">
+                        <a:lumMod val="75000"/>
+                      </a:schemeClr>
+                    </a:solidFill>
+                  </a:ln>
+                  <a:solidFill>
+                    <a:schemeClr val="bg1"/>
+                  </a:solidFill>
+                  <a:latin typeface="FOT-Skip Std B" panose="02020700000000000000" pitchFamily="18" charset="-128"/>
+                  <a:ea typeface="FOT-Skip Std B" panose="02020700000000000000" pitchFamily="18" charset="-128"/>
+                </a:rPr>
+                <a:t>Player :</a:t>
+              </a:r>
+              <a:endParaRPr lang="zh-TW" altLang="en-US" sz="2000" dirty="0">
+                <a:ln>
+                  <a:solidFill>
+                    <a:schemeClr val="bg2">
+                      <a:lumMod val="75000"/>
+                    </a:schemeClr>
+                  </a:solidFill>
+                </a:ln>
+                <a:solidFill>
+                  <a:schemeClr val="bg1"/>
+                </a:solidFill>
+                <a:latin typeface="FOT-Skip Std B" panose="02020700000000000000" pitchFamily="18" charset="-128"/>
+                <a:ea typeface="FOT-Skip Std B" panose="02020700000000000000" pitchFamily="18" charset="-128"/>
+              </a:endParaRPr>
+            </a:p>
+          </p:txBody>
+        </p:sp>
+        <p:sp>
+          <p:nvSpPr>
+            <p:cNvPr id="127" name="文字方塊 126"/>
+            <p:cNvSpPr txBox="1"/>
+            <p:nvPr/>
+          </p:nvSpPr>
+          <p:spPr>
+            <a:xfrm>
+              <a:off x="5977705" y="2012612"/>
+              <a:ext cx="3123986" cy="400110"/>
+            </a:xfrm>
+            <a:prstGeom prst="rect">
+              <a:avLst/>
+            </a:prstGeom>
+            <a:noFill/>
+          </p:spPr>
+          <p:txBody>
+            <a:bodyPr wrap="square" rtlCol="0">
+              <a:spAutoFit/>
+            </a:bodyPr>
+            <a:lstStyle/>
+            <a:p>
+              <a:r>
+                <a:rPr lang="en-US" altLang="zh-TW" sz="2000" dirty="0" smtClean="0">
+                  <a:ln>
+                    <a:solidFill>
+                      <a:schemeClr val="bg2">
+                        <a:lumMod val="75000"/>
+                      </a:schemeClr>
+                    </a:solidFill>
+                  </a:ln>
+                  <a:solidFill>
+                    <a:schemeClr val="bg1"/>
+                  </a:solidFill>
+                  <a:latin typeface="FOT-Skip Std B" panose="02020700000000000000" pitchFamily="18" charset="-128"/>
+                  <a:ea typeface="FOT-Skip Std B" panose="02020700000000000000" pitchFamily="18" charset="-128"/>
+                </a:rPr>
+                <a:t>Bomb :</a:t>
+              </a:r>
+              <a:endParaRPr lang="zh-TW" altLang="en-US" sz="2000" dirty="0">
+                <a:ln>
+                  <a:solidFill>
+                    <a:schemeClr val="bg2">
+                      <a:lumMod val="75000"/>
+                    </a:schemeClr>
+                  </a:solidFill>
+                </a:ln>
+                <a:solidFill>
+                  <a:schemeClr val="bg1"/>
+                </a:solidFill>
+                <a:latin typeface="FOT-Skip Std B" panose="02020700000000000000" pitchFamily="18" charset="-128"/>
+                <a:ea typeface="FOT-Skip Std B" panose="02020700000000000000" pitchFamily="18" charset="-128"/>
+              </a:endParaRPr>
+            </a:p>
+          </p:txBody>
+        </p:sp>
+      </p:grpSp>
       <p:sp>
         <p:nvSpPr>
-          <p:cNvPr id="8" name="文字方塊 7"/>
+          <p:cNvPr id="129" name="文字方塊 128"/>
           <p:cNvSpPr txBox="1"/>
           <p:nvPr/>
         </p:nvSpPr>
         <p:spPr>
           <a:xfrm>
-            <a:off x="9044370" y="2090036"/>
-            <a:ext cx="970488" cy="400110"/>
+            <a:off x="7007269" y="2704741"/>
+            <a:ext cx="794203" cy="307777"/>
           </a:xfrm>
           <a:prstGeom prst="rect">
             <a:avLst/>
@@ -3521,24 +7089,88 @@
           <a:lstStyle/>
           <a:p>
             <a:r>
-              <a:rPr lang="en-US" altLang="zh-TW" sz="2000" dirty="0" smtClean="0">
-                <a:ln w="3175">
-                  <a:noFill/>
+              <a:rPr lang="en-US" altLang="zh-TW" sz="1400" dirty="0" smtClean="0">
+                <a:ln>
+                  <a:solidFill>
+                    <a:schemeClr val="bg2">
+                      <a:lumMod val="75000"/>
+                    </a:schemeClr>
+                  </a:solidFill>
                 </a:ln>
                 <a:solidFill>
-                  <a:srgbClr val="E6EEE8"/>
+                  <a:schemeClr val="bg1"/>
                 </a:solidFill>
                 <a:latin typeface="FOT-Skip Std B" panose="02020700000000000000" pitchFamily="18" charset="-128"/>
                 <a:ea typeface="FOT-Skip Std B" panose="02020700000000000000" pitchFamily="18" charset="-128"/>
               </a:rPr>
-              <a:t>score</a:t>
+              <a:t>MAX</a:t>
             </a:r>
-            <a:endParaRPr lang="zh-TW" altLang="en-US" sz="2000" dirty="0">
-              <a:ln w="3175">
-                <a:noFill/>
+            <a:endParaRPr lang="zh-TW" altLang="en-US" sz="1400" dirty="0">
+              <a:ln>
+                <a:solidFill>
+                  <a:schemeClr val="bg2">
+                    <a:lumMod val="75000"/>
+                  </a:schemeClr>
+                </a:solidFill>
               </a:ln>
               <a:solidFill>
-                <a:srgbClr val="E6EEE8"/>
+                <a:schemeClr val="bg1"/>
+              </a:solidFill>
+              <a:latin typeface="FOT-Skip Std B" panose="02020700000000000000" pitchFamily="18" charset="-128"/>
+              <a:ea typeface="FOT-Skip Std B" panose="02020700000000000000" pitchFamily="18" charset="-128"/>
+            </a:endParaRPr>
+          </a:p>
+        </p:txBody>
+      </p:sp>
+      <p:sp>
+        <p:nvSpPr>
+          <p:cNvPr id="130" name="文字方塊 129"/>
+          <p:cNvSpPr txBox="1"/>
+          <p:nvPr/>
+        </p:nvSpPr>
+        <p:spPr>
+          <a:xfrm>
+            <a:off x="7007268" y="2992175"/>
+            <a:ext cx="794203" cy="307777"/>
+          </a:xfrm>
+          <a:prstGeom prst="rect">
+            <a:avLst/>
+          </a:prstGeom>
+          <a:noFill/>
+        </p:spPr>
+        <p:txBody>
+          <a:bodyPr wrap="square" rtlCol="0">
+            <a:spAutoFit/>
+          </a:bodyPr>
+          <a:lstStyle/>
+          <a:p>
+            <a:r>
+              <a:rPr lang="en-US" altLang="zh-TW" sz="1400" dirty="0" smtClean="0">
+                <a:ln>
+                  <a:solidFill>
+                    <a:schemeClr val="bg2">
+                      <a:lumMod val="75000"/>
+                    </a:schemeClr>
+                  </a:solidFill>
+                </a:ln>
+                <a:solidFill>
+                  <a:schemeClr val="bg1"/>
+                </a:solidFill>
+                <a:latin typeface="FOT-Skip Std B" panose="02020700000000000000" pitchFamily="18" charset="-128"/>
+                <a:ea typeface="FOT-Skip Std B" panose="02020700000000000000" pitchFamily="18" charset="-128"/>
+              </a:rPr>
+              <a:t>300</a:t>
+            </a:r>
+            <a:endParaRPr lang="zh-TW" altLang="en-US" sz="1400" dirty="0">
+              <a:ln>
+                <a:solidFill>
+                  <a:schemeClr val="bg2">
+                    <a:lumMod val="75000"/>
+                  </a:schemeClr>
+                </a:solidFill>
+              </a:ln>
+              <a:solidFill>
+                <a:schemeClr val="bg1"/>
               </a:solidFill>
               <a:latin typeface="FOT-Skip Std B" panose="02020700000000000000" pitchFamily="18" charset="-128"/>
               <a:ea typeface="FOT-Skip Std B" panose="02020700000000000000" pitchFamily="18" charset="-128"/>

--- a/Preview Images/drawboard.pptx
+++ b/Preview Images/drawboard.pptx
@@ -3558,7 +3558,7 @@
       </p:pic>
       <p:grpSp>
         <p:nvGrpSpPr>
-          <p:cNvPr id="128" name="群組 127"/>
+          <p:cNvPr id="131" name="群組 130"/>
           <p:cNvGrpSpPr/>
           <p:nvPr/>
         </p:nvGrpSpPr>
@@ -7065,31 +7065,46 @@
             </a:p>
           </p:txBody>
         </p:sp>
-      </p:grpSp>
-      <p:sp>
-        <p:nvSpPr>
-          <p:cNvPr id="129" name="文字方塊 128"/>
-          <p:cNvSpPr txBox="1"/>
-          <p:nvPr/>
-        </p:nvSpPr>
-        <p:spPr>
-          <a:xfrm>
-            <a:off x="7007269" y="2704741"/>
-            <a:ext cx="794203" cy="307777"/>
-          </a:xfrm>
-          <a:prstGeom prst="rect">
-            <a:avLst/>
-          </a:prstGeom>
-          <a:noFill/>
-        </p:spPr>
-        <p:txBody>
-          <a:bodyPr wrap="square" rtlCol="0">
-            <a:spAutoFit/>
-          </a:bodyPr>
-          <a:lstStyle/>
-          <a:p>
-            <a:r>
-              <a:rPr lang="en-US" altLang="zh-TW" sz="1400" dirty="0" smtClean="0">
+        <p:sp>
+          <p:nvSpPr>
+            <p:cNvPr id="129" name="文字方塊 128"/>
+            <p:cNvSpPr txBox="1"/>
+            <p:nvPr/>
+          </p:nvSpPr>
+          <p:spPr>
+            <a:xfrm>
+              <a:off x="7007269" y="2704741"/>
+              <a:ext cx="794203" cy="307777"/>
+            </a:xfrm>
+            <a:prstGeom prst="rect">
+              <a:avLst/>
+            </a:prstGeom>
+            <a:noFill/>
+          </p:spPr>
+          <p:txBody>
+            <a:bodyPr wrap="square" rtlCol="0">
+              <a:spAutoFit/>
+            </a:bodyPr>
+            <a:lstStyle/>
+            <a:p>
+              <a:r>
+                <a:rPr lang="en-US" altLang="zh-TW" sz="1400" dirty="0" smtClean="0">
+                  <a:ln>
+                    <a:solidFill>
+                      <a:schemeClr val="bg2">
+                        <a:lumMod val="75000"/>
+                      </a:schemeClr>
+                    </a:solidFill>
+                  </a:ln>
+                  <a:solidFill>
+                    <a:schemeClr val="bg1"/>
+                  </a:solidFill>
+                  <a:latin typeface="FOT-Skip Std B" panose="02020700000000000000" pitchFamily="18" charset="-128"/>
+                  <a:ea typeface="FOT-Skip Std B" panose="02020700000000000000" pitchFamily="18" charset="-128"/>
+                </a:rPr>
+                <a:t>MAX</a:t>
+              </a:r>
+              <a:endParaRPr lang="zh-TW" altLang="en-US" sz="1400" dirty="0">
                 <a:ln>
                   <a:solidFill>
                     <a:schemeClr val="bg2">
@@ -7102,50 +7117,50 @@
                 </a:solidFill>
                 <a:latin typeface="FOT-Skip Std B" panose="02020700000000000000" pitchFamily="18" charset="-128"/>
                 <a:ea typeface="FOT-Skip Std B" panose="02020700000000000000" pitchFamily="18" charset="-128"/>
-              </a:rPr>
-              <a:t>MAX</a:t>
-            </a:r>
-            <a:endParaRPr lang="zh-TW" altLang="en-US" sz="1400" dirty="0">
-              <a:ln>
-                <a:solidFill>
-                  <a:schemeClr val="bg2">
-                    <a:lumMod val="75000"/>
-                  </a:schemeClr>
-                </a:solidFill>
-              </a:ln>
-              <a:solidFill>
-                <a:schemeClr val="bg1"/>
-              </a:solidFill>
-              <a:latin typeface="FOT-Skip Std B" panose="02020700000000000000" pitchFamily="18" charset="-128"/>
-              <a:ea typeface="FOT-Skip Std B" panose="02020700000000000000" pitchFamily="18" charset="-128"/>
-            </a:endParaRPr>
-          </a:p>
-        </p:txBody>
-      </p:sp>
-      <p:sp>
-        <p:nvSpPr>
-          <p:cNvPr id="130" name="文字方塊 129"/>
-          <p:cNvSpPr txBox="1"/>
-          <p:nvPr/>
-        </p:nvSpPr>
-        <p:spPr>
-          <a:xfrm>
-            <a:off x="7007268" y="2992175"/>
-            <a:ext cx="794203" cy="307777"/>
-          </a:xfrm>
-          <a:prstGeom prst="rect">
-            <a:avLst/>
-          </a:prstGeom>
-          <a:noFill/>
-        </p:spPr>
-        <p:txBody>
-          <a:bodyPr wrap="square" rtlCol="0">
-            <a:spAutoFit/>
-          </a:bodyPr>
-          <a:lstStyle/>
-          <a:p>
-            <a:r>
-              <a:rPr lang="en-US" altLang="zh-TW" sz="1400" dirty="0" smtClean="0">
+              </a:endParaRPr>
+            </a:p>
+          </p:txBody>
+        </p:sp>
+        <p:sp>
+          <p:nvSpPr>
+            <p:cNvPr id="130" name="文字方塊 129"/>
+            <p:cNvSpPr txBox="1"/>
+            <p:nvPr/>
+          </p:nvSpPr>
+          <p:spPr>
+            <a:xfrm>
+              <a:off x="7007268" y="2992175"/>
+              <a:ext cx="794203" cy="307777"/>
+            </a:xfrm>
+            <a:prstGeom prst="rect">
+              <a:avLst/>
+            </a:prstGeom>
+            <a:noFill/>
+          </p:spPr>
+          <p:txBody>
+            <a:bodyPr wrap="square" rtlCol="0">
+              <a:spAutoFit/>
+            </a:bodyPr>
+            <a:lstStyle/>
+            <a:p>
+              <a:r>
+                <a:rPr lang="en-US" altLang="zh-TW" sz="1400" dirty="0" smtClean="0">
+                  <a:ln>
+                    <a:solidFill>
+                      <a:schemeClr val="bg2">
+                        <a:lumMod val="75000"/>
+                      </a:schemeClr>
+                    </a:solidFill>
+                  </a:ln>
+                  <a:solidFill>
+                    <a:schemeClr val="bg1"/>
+                  </a:solidFill>
+                  <a:latin typeface="FOT-Skip Std B" panose="02020700000000000000" pitchFamily="18" charset="-128"/>
+                  <a:ea typeface="FOT-Skip Std B" panose="02020700000000000000" pitchFamily="18" charset="-128"/>
+                </a:rPr>
+                <a:t>300</a:t>
+              </a:r>
+              <a:endParaRPr lang="zh-TW" altLang="en-US" sz="1400" dirty="0">
                 <a:ln>
                   <a:solidFill>
                     <a:schemeClr val="bg2">
@@ -7158,26 +7173,11 @@
                 </a:solidFill>
                 <a:latin typeface="FOT-Skip Std B" panose="02020700000000000000" pitchFamily="18" charset="-128"/>
                 <a:ea typeface="FOT-Skip Std B" panose="02020700000000000000" pitchFamily="18" charset="-128"/>
-              </a:rPr>
-              <a:t>300</a:t>
-            </a:r>
-            <a:endParaRPr lang="zh-TW" altLang="en-US" sz="1400" dirty="0">
-              <a:ln>
-                <a:solidFill>
-                  <a:schemeClr val="bg2">
-                    <a:lumMod val="75000"/>
-                  </a:schemeClr>
-                </a:solidFill>
-              </a:ln>
-              <a:solidFill>
-                <a:schemeClr val="bg1"/>
-              </a:solidFill>
-              <a:latin typeface="FOT-Skip Std B" panose="02020700000000000000" pitchFamily="18" charset="-128"/>
-              <a:ea typeface="FOT-Skip Std B" panose="02020700000000000000" pitchFamily="18" charset="-128"/>
-            </a:endParaRPr>
-          </a:p>
-        </p:txBody>
-      </p:sp>
+              </a:endParaRPr>
+            </a:p>
+          </p:txBody>
+        </p:sp>
+      </p:grpSp>
     </p:spTree>
     <p:extLst>
       <p:ext uri="{BB962C8B-B14F-4D97-AF65-F5344CB8AC3E}">

--- a/Preview Images/drawboard.pptx
+++ b/Preview Images/drawboard.pptx
@@ -7,6 +7,7 @@
   <p:sldIdLst>
     <p:sldId id="256" r:id="rId2"/>
     <p:sldId id="257" r:id="rId3"/>
+    <p:sldId id="258" r:id="rId4"/>
   </p:sldIdLst>
   <p:sldSz cx="12192000" cy="6858000"/>
   <p:notesSz cx="6858000" cy="9144000"/>
@@ -244,7 +245,7 @@
           <a:p>
             <a:fld id="{628A46F5-8AEF-4E68-9DE5-F9F420B16F36}" type="datetimeFigureOut">
               <a:rPr lang="zh-TW" altLang="en-US" smtClean="0"/>
-              <a:t>2019/5/31</a:t>
+              <a:t>2019/6/3</a:t>
             </a:fld>
             <a:endParaRPr lang="zh-TW" altLang="en-US"/>
           </a:p>
@@ -414,7 +415,7 @@
           <a:p>
             <a:fld id="{628A46F5-8AEF-4E68-9DE5-F9F420B16F36}" type="datetimeFigureOut">
               <a:rPr lang="zh-TW" altLang="en-US" smtClean="0"/>
-              <a:t>2019/5/31</a:t>
+              <a:t>2019/6/3</a:t>
             </a:fld>
             <a:endParaRPr lang="zh-TW" altLang="en-US"/>
           </a:p>
@@ -594,7 +595,7 @@
           <a:p>
             <a:fld id="{628A46F5-8AEF-4E68-9DE5-F9F420B16F36}" type="datetimeFigureOut">
               <a:rPr lang="zh-TW" altLang="en-US" smtClean="0"/>
-              <a:t>2019/5/31</a:t>
+              <a:t>2019/6/3</a:t>
             </a:fld>
             <a:endParaRPr lang="zh-TW" altLang="en-US"/>
           </a:p>
@@ -764,7 +765,7 @@
           <a:p>
             <a:fld id="{628A46F5-8AEF-4E68-9DE5-F9F420B16F36}" type="datetimeFigureOut">
               <a:rPr lang="zh-TW" altLang="en-US" smtClean="0"/>
-              <a:t>2019/5/31</a:t>
+              <a:t>2019/6/3</a:t>
             </a:fld>
             <a:endParaRPr lang="zh-TW" altLang="en-US"/>
           </a:p>
@@ -1010,7 +1011,7 @@
           <a:p>
             <a:fld id="{628A46F5-8AEF-4E68-9DE5-F9F420B16F36}" type="datetimeFigureOut">
               <a:rPr lang="zh-TW" altLang="en-US" smtClean="0"/>
-              <a:t>2019/5/31</a:t>
+              <a:t>2019/6/3</a:t>
             </a:fld>
             <a:endParaRPr lang="zh-TW" altLang="en-US"/>
           </a:p>
@@ -1242,7 +1243,7 @@
           <a:p>
             <a:fld id="{628A46F5-8AEF-4E68-9DE5-F9F420B16F36}" type="datetimeFigureOut">
               <a:rPr lang="zh-TW" altLang="en-US" smtClean="0"/>
-              <a:t>2019/5/31</a:t>
+              <a:t>2019/6/3</a:t>
             </a:fld>
             <a:endParaRPr lang="zh-TW" altLang="en-US"/>
           </a:p>
@@ -1609,7 +1610,7 @@
           <a:p>
             <a:fld id="{628A46F5-8AEF-4E68-9DE5-F9F420B16F36}" type="datetimeFigureOut">
               <a:rPr lang="zh-TW" altLang="en-US" smtClean="0"/>
-              <a:t>2019/5/31</a:t>
+              <a:t>2019/6/3</a:t>
             </a:fld>
             <a:endParaRPr lang="zh-TW" altLang="en-US"/>
           </a:p>
@@ -1727,7 +1728,7 @@
           <a:p>
             <a:fld id="{628A46F5-8AEF-4E68-9DE5-F9F420B16F36}" type="datetimeFigureOut">
               <a:rPr lang="zh-TW" altLang="en-US" smtClean="0"/>
-              <a:t>2019/5/31</a:t>
+              <a:t>2019/6/3</a:t>
             </a:fld>
             <a:endParaRPr lang="zh-TW" altLang="en-US"/>
           </a:p>
@@ -1822,7 +1823,7 @@
           <a:p>
             <a:fld id="{628A46F5-8AEF-4E68-9DE5-F9F420B16F36}" type="datetimeFigureOut">
               <a:rPr lang="zh-TW" altLang="en-US" smtClean="0"/>
-              <a:t>2019/5/31</a:t>
+              <a:t>2019/6/3</a:t>
             </a:fld>
             <a:endParaRPr lang="zh-TW" altLang="en-US"/>
           </a:p>
@@ -2099,7 +2100,7 @@
           <a:p>
             <a:fld id="{628A46F5-8AEF-4E68-9DE5-F9F420B16F36}" type="datetimeFigureOut">
               <a:rPr lang="zh-TW" altLang="en-US" smtClean="0"/>
-              <a:t>2019/5/31</a:t>
+              <a:t>2019/6/3</a:t>
             </a:fld>
             <a:endParaRPr lang="zh-TW" altLang="en-US"/>
           </a:p>
@@ -2352,7 +2353,7 @@
           <a:p>
             <a:fld id="{628A46F5-8AEF-4E68-9DE5-F9F420B16F36}" type="datetimeFigureOut">
               <a:rPr lang="zh-TW" altLang="en-US" smtClean="0"/>
-              <a:t>2019/5/31</a:t>
+              <a:t>2019/6/3</a:t>
             </a:fld>
             <a:endParaRPr lang="zh-TW" altLang="en-US"/>
           </a:p>
@@ -2565,7 +2566,7 @@
           <a:p>
             <a:fld id="{628A46F5-8AEF-4E68-9DE5-F9F420B16F36}" type="datetimeFigureOut">
               <a:rPr lang="zh-TW" altLang="en-US" smtClean="0"/>
-              <a:t>2019/5/31</a:t>
+              <a:t>2019/6/3</a:t>
             </a:fld>
             <a:endParaRPr lang="zh-TW" altLang="en-US"/>
           </a:p>
@@ -2972,21 +2973,21 @@
       </p:grpSpPr>
       <p:grpSp>
         <p:nvGrpSpPr>
-          <p:cNvPr id="24" name="群組 23"/>
+          <p:cNvPr id="44" name="群組 43"/>
           <p:cNvGrpSpPr/>
           <p:nvPr/>
         </p:nvGrpSpPr>
         <p:grpSpPr>
           <a:xfrm>
-            <a:off x="868679" y="0"/>
-            <a:ext cx="9144001" cy="6858000"/>
-            <a:chOff x="868679" y="0"/>
-            <a:chExt cx="9144001" cy="6858000"/>
+            <a:off x="560507" y="667657"/>
+            <a:ext cx="10058400" cy="5729765"/>
+            <a:chOff x="560507" y="667657"/>
+            <a:chExt cx="10058400" cy="5729765"/>
           </a:xfrm>
         </p:grpSpPr>
         <p:pic>
           <p:nvPicPr>
-            <p:cNvPr id="4" name="圖片 3"/>
+            <p:cNvPr id="37" name="圖片 36"/>
             <p:cNvPicPr>
               <a:picLocks noChangeAspect="1"/>
             </p:cNvPicPr>
@@ -3006,467 +3007,199 @@
           </p:blipFill>
           <p:spPr>
             <a:xfrm>
-              <a:off x="868679" y="0"/>
-              <a:ext cx="9144001" cy="6858000"/>
+              <a:off x="560507" y="667657"/>
+              <a:ext cx="10058400" cy="5729765"/>
             </a:xfrm>
             <a:prstGeom prst="rect">
               <a:avLst/>
             </a:prstGeom>
           </p:spPr>
         </p:pic>
-        <p:sp>
-          <p:nvSpPr>
-            <p:cNvPr id="17" name="矩形 16"/>
-            <p:cNvSpPr/>
+        <p:grpSp>
+          <p:nvGrpSpPr>
+            <p:cNvPr id="43" name="群組 42"/>
+            <p:cNvGrpSpPr/>
             <p:nvPr/>
-          </p:nvSpPr>
-          <p:spPr>
-            <a:xfrm rot="2104840">
-              <a:off x="1053427" y="4175782"/>
-              <a:ext cx="1292045" cy="975765"/>
+          </p:nvGrpSpPr>
+          <p:grpSpPr>
+            <a:xfrm>
+              <a:off x="3268184" y="3147818"/>
+              <a:ext cx="4643045" cy="769441"/>
+              <a:chOff x="2972238" y="3036358"/>
+              <a:chExt cx="4643045" cy="769441"/>
             </a:xfrm>
-            <a:prstGeom prst="rect">
-              <a:avLst/>
-            </a:prstGeom>
-            <a:solidFill>
-              <a:srgbClr val="082908"/>
-            </a:solidFill>
-            <a:ln>
+          </p:grpSpPr>
+          <p:sp>
+            <p:nvSpPr>
+              <p:cNvPr id="40" name="向右箭號 39"/>
+              <p:cNvSpPr/>
+              <p:nvPr/>
+            </p:nvSpPr>
+            <p:spPr>
+              <a:xfrm>
+                <a:off x="6734629" y="3113494"/>
+                <a:ext cx="880654" cy="615168"/>
+              </a:xfrm>
+              <a:prstGeom prst="rightArrow">
+                <a:avLst>
+                  <a:gd name="adj1" fmla="val 51587"/>
+                  <a:gd name="adj2" fmla="val 66218"/>
+                </a:avLst>
+              </a:prstGeom>
+              <a:solidFill>
+                <a:schemeClr val="tx2">
+                  <a:lumMod val="75000"/>
+                </a:schemeClr>
+              </a:solidFill>
+              <a:scene3d>
+                <a:camera prst="orthographicFront"/>
+                <a:lightRig rig="threePt" dir="t"/>
+              </a:scene3d>
+              <a:sp3d>
+                <a:bevelT prst="angle"/>
+              </a:sp3d>
+            </p:spPr>
+            <p:style>
+              <a:lnRef idx="2">
+                <a:schemeClr val="dk1">
+                  <a:shade val="50000"/>
+                </a:schemeClr>
+              </a:lnRef>
+              <a:fillRef idx="1">
+                <a:schemeClr val="dk1"/>
+              </a:fillRef>
+              <a:effectRef idx="0">
+                <a:schemeClr val="dk1"/>
+              </a:effectRef>
+              <a:fontRef idx="minor">
+                <a:schemeClr val="lt1"/>
+              </a:fontRef>
+            </p:style>
+            <p:txBody>
+              <a:bodyPr rtlCol="0" anchor="ctr"/>
+              <a:lstStyle/>
+              <a:p>
+                <a:pPr algn="ctr"/>
+                <a:endParaRPr lang="zh-TW" altLang="en-US"/>
+              </a:p>
+            </p:txBody>
+          </p:sp>
+          <p:sp>
+            <p:nvSpPr>
+              <p:cNvPr id="41" name="向右箭號 40"/>
+              <p:cNvSpPr/>
+              <p:nvPr/>
+            </p:nvSpPr>
+            <p:spPr>
+              <a:xfrm flipH="1">
+                <a:off x="2972238" y="3113494"/>
+                <a:ext cx="880654" cy="615168"/>
+              </a:xfrm>
+              <a:prstGeom prst="rightArrow">
+                <a:avLst>
+                  <a:gd name="adj1" fmla="val 51587"/>
+                  <a:gd name="adj2" fmla="val 66218"/>
+                </a:avLst>
+              </a:prstGeom>
+              <a:solidFill>
+                <a:schemeClr val="tx2">
+                  <a:lumMod val="75000"/>
+                </a:schemeClr>
+              </a:solidFill>
+              <a:scene3d>
+                <a:camera prst="orthographicFront"/>
+                <a:lightRig rig="threePt" dir="t"/>
+              </a:scene3d>
+              <a:sp3d>
+                <a:bevelT prst="angle"/>
+              </a:sp3d>
+            </p:spPr>
+            <p:style>
+              <a:lnRef idx="2">
+                <a:schemeClr val="dk1">
+                  <a:shade val="50000"/>
+                </a:schemeClr>
+              </a:lnRef>
+              <a:fillRef idx="1">
+                <a:schemeClr val="dk1"/>
+              </a:fillRef>
+              <a:effectRef idx="0">
+                <a:schemeClr val="dk1"/>
+              </a:effectRef>
+              <a:fontRef idx="minor">
+                <a:schemeClr val="lt1"/>
+              </a:fontRef>
+            </p:style>
+            <p:txBody>
+              <a:bodyPr rtlCol="0" anchor="ctr"/>
+              <a:lstStyle/>
+              <a:p>
+                <a:pPr algn="ctr"/>
+                <a:endParaRPr lang="zh-TW" altLang="en-US"/>
+              </a:p>
+            </p:txBody>
+          </p:sp>
+          <p:sp>
+            <p:nvSpPr>
+              <p:cNvPr id="42" name="文字方塊 41"/>
+              <p:cNvSpPr txBox="1"/>
+              <p:nvPr/>
+            </p:nvSpPr>
+            <p:spPr>
+              <a:xfrm>
+                <a:off x="3852892" y="3036358"/>
+                <a:ext cx="2881737" cy="769441"/>
+              </a:xfrm>
+              <a:prstGeom prst="rect">
+                <a:avLst/>
+              </a:prstGeom>
               <a:noFill/>
-            </a:ln>
-          </p:spPr>
-          <p:style>
-            <a:lnRef idx="2">
-              <a:schemeClr val="accent1">
-                <a:shade val="50000"/>
-              </a:schemeClr>
-            </a:lnRef>
-            <a:fillRef idx="1">
-              <a:schemeClr val="accent1"/>
-            </a:fillRef>
-            <a:effectRef idx="0">
-              <a:schemeClr val="accent1"/>
-            </a:effectRef>
-            <a:fontRef idx="minor">
-              <a:schemeClr val="lt1"/>
-            </a:fontRef>
-          </p:style>
-          <p:txBody>
-            <a:bodyPr rtlCol="0" anchor="ctr"/>
-            <a:lstStyle/>
-            <a:p>
-              <a:pPr algn="ctr"/>
-              <a:endParaRPr lang="zh-TW" altLang="en-US"/>
-            </a:p>
-          </p:txBody>
-        </p:sp>
-        <p:sp>
-          <p:nvSpPr>
-            <p:cNvPr id="18" name="矩形 17"/>
-            <p:cNvSpPr/>
-            <p:nvPr/>
-          </p:nvSpPr>
-          <p:spPr>
-            <a:xfrm>
-              <a:off x="2087880" y="6239580"/>
-              <a:ext cx="2241503" cy="615201"/>
-            </a:xfrm>
-            <a:prstGeom prst="rect">
-              <a:avLst/>
-            </a:prstGeom>
-            <a:solidFill>
-              <a:srgbClr val="082908"/>
-            </a:solidFill>
-            <a:ln>
-              <a:noFill/>
-            </a:ln>
-          </p:spPr>
-          <p:style>
-            <a:lnRef idx="2">
-              <a:schemeClr val="accent1">
-                <a:shade val="50000"/>
-              </a:schemeClr>
-            </a:lnRef>
-            <a:fillRef idx="1">
-              <a:schemeClr val="accent1"/>
-            </a:fillRef>
-            <a:effectRef idx="0">
-              <a:schemeClr val="accent1"/>
-            </a:effectRef>
-            <a:fontRef idx="minor">
-              <a:schemeClr val="lt1"/>
-            </a:fontRef>
-          </p:style>
-          <p:txBody>
-            <a:bodyPr rtlCol="0" anchor="ctr"/>
-            <a:lstStyle/>
-            <a:p>
-              <a:pPr algn="ctr"/>
-              <a:endParaRPr lang="zh-TW" altLang="en-US"/>
-            </a:p>
-          </p:txBody>
-        </p:sp>
-        <p:sp>
-          <p:nvSpPr>
-            <p:cNvPr id="21" name="矩形 20"/>
-            <p:cNvSpPr/>
-            <p:nvPr/>
-          </p:nvSpPr>
-          <p:spPr>
-            <a:xfrm rot="5400000">
-              <a:off x="1809076" y="5276026"/>
-              <a:ext cx="1292045" cy="975765"/>
-            </a:xfrm>
-            <a:prstGeom prst="rect">
-              <a:avLst/>
-            </a:prstGeom>
-            <a:solidFill>
-              <a:srgbClr val="082908"/>
-            </a:solidFill>
-            <a:ln>
-              <a:noFill/>
-            </a:ln>
-          </p:spPr>
-          <p:style>
-            <a:lnRef idx="2">
-              <a:schemeClr val="accent1">
-                <a:shade val="50000"/>
-              </a:schemeClr>
-            </a:lnRef>
-            <a:fillRef idx="1">
-              <a:schemeClr val="accent1"/>
-            </a:fillRef>
-            <a:effectRef idx="0">
-              <a:schemeClr val="accent1"/>
-            </a:effectRef>
-            <a:fontRef idx="minor">
-              <a:schemeClr val="lt1"/>
-            </a:fontRef>
-          </p:style>
-          <p:txBody>
-            <a:bodyPr rtlCol="0" anchor="ctr"/>
-            <a:lstStyle/>
-            <a:p>
-              <a:pPr algn="ctr"/>
-              <a:endParaRPr lang="zh-TW" altLang="en-US"/>
-            </a:p>
-          </p:txBody>
-        </p:sp>
-        <p:sp>
-          <p:nvSpPr>
-            <p:cNvPr id="22" name="矩形 21"/>
-            <p:cNvSpPr/>
-            <p:nvPr/>
-          </p:nvSpPr>
-          <p:spPr>
-            <a:xfrm rot="3471389">
-              <a:off x="2471299" y="5359650"/>
-              <a:ext cx="1670546" cy="954491"/>
-            </a:xfrm>
-            <a:prstGeom prst="rect">
-              <a:avLst/>
-            </a:prstGeom>
-            <a:solidFill>
-              <a:srgbClr val="082908"/>
-            </a:solidFill>
-            <a:ln>
-              <a:noFill/>
-            </a:ln>
-          </p:spPr>
-          <p:style>
-            <a:lnRef idx="2">
-              <a:schemeClr val="accent1">
-                <a:shade val="50000"/>
-              </a:schemeClr>
-            </a:lnRef>
-            <a:fillRef idx="1">
-              <a:schemeClr val="accent1"/>
-            </a:fillRef>
-            <a:effectRef idx="0">
-              <a:schemeClr val="accent1"/>
-            </a:effectRef>
-            <a:fontRef idx="minor">
-              <a:schemeClr val="lt1"/>
-            </a:fontRef>
-          </p:style>
-          <p:txBody>
-            <a:bodyPr rtlCol="0" anchor="ctr"/>
-            <a:lstStyle/>
-            <a:p>
-              <a:pPr algn="ctr"/>
-              <a:endParaRPr lang="zh-TW" altLang="en-US"/>
-            </a:p>
-          </p:txBody>
-        </p:sp>
-        <p:sp>
-          <p:nvSpPr>
-            <p:cNvPr id="23" name="矩形 22"/>
-            <p:cNvSpPr/>
-            <p:nvPr/>
-          </p:nvSpPr>
-          <p:spPr>
-            <a:xfrm rot="3471389">
-              <a:off x="3332049" y="3788924"/>
-              <a:ext cx="686408" cy="954491"/>
-            </a:xfrm>
-            <a:prstGeom prst="rect">
-              <a:avLst/>
-            </a:prstGeom>
-            <a:solidFill>
-              <a:srgbClr val="082908"/>
-            </a:solidFill>
-            <a:ln>
-              <a:noFill/>
-            </a:ln>
-          </p:spPr>
-          <p:style>
-            <a:lnRef idx="2">
-              <a:schemeClr val="accent1">
-                <a:shade val="50000"/>
-              </a:schemeClr>
-            </a:lnRef>
-            <a:fillRef idx="1">
-              <a:schemeClr val="accent1"/>
-            </a:fillRef>
-            <a:effectRef idx="0">
-              <a:schemeClr val="accent1"/>
-            </a:effectRef>
-            <a:fontRef idx="minor">
-              <a:schemeClr val="lt1"/>
-            </a:fontRef>
-          </p:style>
-          <p:txBody>
-            <a:bodyPr rtlCol="0" anchor="ctr"/>
-            <a:lstStyle/>
-            <a:p>
-              <a:pPr algn="ctr"/>
-              <a:endParaRPr lang="zh-TW" altLang="en-US"/>
-            </a:p>
-          </p:txBody>
-        </p:sp>
-      </p:grpSp>
-      <p:grpSp>
-        <p:nvGrpSpPr>
-          <p:cNvPr id="13" name="群組 12"/>
-          <p:cNvGrpSpPr/>
-          <p:nvPr/>
-        </p:nvGrpSpPr>
-        <p:grpSpPr>
-          <a:xfrm>
-            <a:off x="1929214" y="2937306"/>
-            <a:ext cx="1899008" cy="2854205"/>
-            <a:chOff x="4577993" y="2403653"/>
-            <a:chExt cx="1899008" cy="2854205"/>
-          </a:xfrm>
-        </p:grpSpPr>
-        <p:sp>
-          <p:nvSpPr>
-            <p:cNvPr id="5" name="文字方塊 4"/>
-            <p:cNvSpPr txBox="1"/>
-            <p:nvPr/>
-          </p:nvSpPr>
-          <p:spPr>
-            <a:xfrm>
-              <a:off x="4577993" y="2403653"/>
-              <a:ext cx="1899008" cy="707886"/>
-            </a:xfrm>
-            <a:prstGeom prst="rect">
-              <a:avLst/>
-            </a:prstGeom>
-            <a:noFill/>
-          </p:spPr>
-          <p:txBody>
-            <a:bodyPr wrap="square" rtlCol="0">
-              <a:spAutoFit/>
-            </a:bodyPr>
-            <a:lstStyle/>
-            <a:p>
-              <a:r>
-                <a:rPr lang="en-US" altLang="zh-TW" sz="4000" dirty="0" smtClean="0">
-                  <a:ln w="19050">
+            </p:spPr>
+            <p:txBody>
+              <a:bodyPr wrap="square" rtlCol="0" anchor="ctr">
+                <a:spAutoFit/>
+              </a:bodyPr>
+              <a:lstStyle/>
+              <a:p>
+                <a:pPr algn="ctr"/>
+                <a:r>
+                  <a:rPr lang="zh-TW" altLang="en-US" sz="4400" dirty="0" smtClean="0">
+                    <a:ln>
+                      <a:solidFill>
+                        <a:schemeClr val="bg1">
+                          <a:lumMod val="50000"/>
+                        </a:schemeClr>
+                      </a:solidFill>
+                    </a:ln>
                     <a:solidFill>
-                      <a:srgbClr val="041404"/>
+                      <a:schemeClr val="bg1"/>
                     </a:solidFill>
-                  </a:ln>
-                  <a:solidFill>
-                    <a:srgbClr val="E6EEE8"/>
-                  </a:solidFill>
-                  <a:latin typeface="FOT-Skip Std B" panose="02020700000000000000" pitchFamily="18" charset="-128"/>
-                  <a:ea typeface="FOT-Skip Std B" panose="02020700000000000000" pitchFamily="18" charset="-128"/>
-                </a:rPr>
-                <a:t>option</a:t>
-              </a:r>
-              <a:endParaRPr lang="zh-TW" altLang="en-US" sz="4000" dirty="0">
-                <a:ln w="19050">
-                  <a:solidFill>
-                    <a:srgbClr val="041404"/>
-                  </a:solidFill>
-                </a:ln>
-                <a:solidFill>
-                  <a:srgbClr val="E6EEE8"/>
-                </a:solidFill>
-                <a:latin typeface="FOT-Skip Std B" panose="02020700000000000000" pitchFamily="18" charset="-128"/>
-                <a:ea typeface="FOT-Skip Std B" panose="02020700000000000000" pitchFamily="18" charset="-128"/>
-              </a:endParaRPr>
-            </a:p>
-          </p:txBody>
-        </p:sp>
-        <p:sp>
-          <p:nvSpPr>
-            <p:cNvPr id="7" name="文字方塊 6"/>
-            <p:cNvSpPr txBox="1"/>
-            <p:nvPr/>
-          </p:nvSpPr>
-          <p:spPr>
-            <a:xfrm>
-              <a:off x="4577993" y="3119093"/>
-              <a:ext cx="1899008" cy="707886"/>
-            </a:xfrm>
-            <a:prstGeom prst="rect">
-              <a:avLst/>
-            </a:prstGeom>
-            <a:noFill/>
-          </p:spPr>
-          <p:txBody>
-            <a:bodyPr wrap="square" rtlCol="0">
-              <a:spAutoFit/>
-            </a:bodyPr>
-            <a:lstStyle/>
-            <a:p>
-              <a:r>
-                <a:rPr lang="en-US" altLang="zh-TW" sz="4000" dirty="0" smtClean="0">
-                  <a:ln w="19050">
+                    <a:latin typeface="FOT-Skip Std B" panose="02020700000000000000" pitchFamily="18" charset="-128"/>
+                    <a:ea typeface="FOT-Skip Std B" panose="02020700000000000000" pitchFamily="18" charset="-128"/>
+                  </a:rPr>
+                  <a:t>中</a:t>
+                </a:r>
+                <a:r>
+                  <a:rPr lang="zh-TW" altLang="en-US" sz="4400" dirty="0">
+                    <a:ln>
+                      <a:solidFill>
+                        <a:schemeClr val="bg1">
+                          <a:lumMod val="50000"/>
+                        </a:schemeClr>
+                      </a:solidFill>
+                    </a:ln>
                     <a:solidFill>
-                      <a:srgbClr val="041404"/>
+                      <a:schemeClr val="bg1"/>
                     </a:solidFill>
-                  </a:ln>
-                  <a:solidFill>
-                    <a:srgbClr val="E6EEE8"/>
-                  </a:solidFill>
-                  <a:latin typeface="FOT-Skip Std B" panose="02020700000000000000" pitchFamily="18" charset="-128"/>
-                  <a:ea typeface="FOT-Skip Std B" panose="02020700000000000000" pitchFamily="18" charset="-128"/>
-                </a:rPr>
-                <a:t>replay</a:t>
-              </a:r>
-              <a:endParaRPr lang="zh-TW" altLang="en-US" sz="4000" dirty="0">
-                <a:ln w="19050">
-                  <a:solidFill>
-                    <a:srgbClr val="041404"/>
-                  </a:solidFill>
-                </a:ln>
-                <a:solidFill>
-                  <a:srgbClr val="E6EEE8"/>
-                </a:solidFill>
-                <a:latin typeface="FOT-Skip Std B" panose="02020700000000000000" pitchFamily="18" charset="-128"/>
-                <a:ea typeface="FOT-Skip Std B" panose="02020700000000000000" pitchFamily="18" charset="-128"/>
-              </a:endParaRPr>
-            </a:p>
-          </p:txBody>
-        </p:sp>
-        <p:sp>
-          <p:nvSpPr>
-            <p:cNvPr id="8" name="文字方塊 7"/>
-            <p:cNvSpPr txBox="1"/>
-            <p:nvPr/>
-          </p:nvSpPr>
-          <p:spPr>
-            <a:xfrm>
-              <a:off x="4577993" y="3834533"/>
-              <a:ext cx="1899008" cy="707886"/>
-            </a:xfrm>
-            <a:prstGeom prst="rect">
-              <a:avLst/>
-            </a:prstGeom>
-            <a:noFill/>
-          </p:spPr>
-          <p:txBody>
-            <a:bodyPr wrap="square" rtlCol="0">
-              <a:spAutoFit/>
-            </a:bodyPr>
-            <a:lstStyle/>
-            <a:p>
-              <a:r>
-                <a:rPr lang="en-US" altLang="zh-TW" sz="4000" dirty="0" smtClean="0">
-                  <a:ln w="19050">
-                    <a:solidFill>
-                      <a:srgbClr val="041404"/>
-                    </a:solidFill>
-                  </a:ln>
-                  <a:solidFill>
-                    <a:srgbClr val="E6EEE8"/>
-                  </a:solidFill>
-                  <a:latin typeface="FOT-Skip Std B" panose="02020700000000000000" pitchFamily="18" charset="-128"/>
-                  <a:ea typeface="FOT-Skip Std B" panose="02020700000000000000" pitchFamily="18" charset="-128"/>
-                </a:rPr>
-                <a:t>start</a:t>
-              </a:r>
-              <a:endParaRPr lang="zh-TW" altLang="en-US" sz="4000" dirty="0">
-                <a:ln w="19050">
-                  <a:solidFill>
-                    <a:srgbClr val="041404"/>
-                  </a:solidFill>
-                </a:ln>
-                <a:solidFill>
-                  <a:srgbClr val="E6EEE8"/>
-                </a:solidFill>
-                <a:latin typeface="FOT-Skip Std B" panose="02020700000000000000" pitchFamily="18" charset="-128"/>
-                <a:ea typeface="FOT-Skip Std B" panose="02020700000000000000" pitchFamily="18" charset="-128"/>
-              </a:endParaRPr>
-            </a:p>
-          </p:txBody>
-        </p:sp>
-        <p:sp>
-          <p:nvSpPr>
-            <p:cNvPr id="9" name="文字方塊 8"/>
-            <p:cNvSpPr txBox="1"/>
-            <p:nvPr/>
-          </p:nvSpPr>
-          <p:spPr>
-            <a:xfrm>
-              <a:off x="4577993" y="4549972"/>
-              <a:ext cx="1899008" cy="707886"/>
-            </a:xfrm>
-            <a:prstGeom prst="rect">
-              <a:avLst/>
-            </a:prstGeom>
-            <a:noFill/>
-          </p:spPr>
-          <p:txBody>
-            <a:bodyPr wrap="square" rtlCol="0">
-              <a:spAutoFit/>
-            </a:bodyPr>
-            <a:lstStyle/>
-            <a:p>
-              <a:r>
-                <a:rPr lang="en-US" altLang="zh-TW" sz="4000" dirty="0" smtClean="0">
-                  <a:ln w="19050">
-                    <a:solidFill>
-                      <a:srgbClr val="041404"/>
-                    </a:solidFill>
-                  </a:ln>
-                  <a:solidFill>
-                    <a:srgbClr val="E6EEE8"/>
-                  </a:solidFill>
-                  <a:latin typeface="FOT-Skip Std B" panose="02020700000000000000" pitchFamily="18" charset="-128"/>
-                  <a:ea typeface="FOT-Skip Std B" panose="02020700000000000000" pitchFamily="18" charset="-128"/>
-                </a:rPr>
-                <a:t>quit</a:t>
-              </a:r>
-              <a:endParaRPr lang="zh-TW" altLang="en-US" sz="4000" dirty="0">
-                <a:ln w="19050">
-                  <a:solidFill>
-                    <a:srgbClr val="041404"/>
-                  </a:solidFill>
-                </a:ln>
-                <a:solidFill>
-                  <a:srgbClr val="E6EEE8"/>
-                </a:solidFill>
-                <a:latin typeface="FOT-Skip Std B" panose="02020700000000000000" pitchFamily="18" charset="-128"/>
-                <a:ea typeface="FOT-Skip Std B" panose="02020700000000000000" pitchFamily="18" charset="-128"/>
-              </a:endParaRPr>
-            </a:p>
-          </p:txBody>
-        </p:sp>
+                    <a:latin typeface="FOT-Skip Std B" panose="02020700000000000000" pitchFamily="18" charset="-128"/>
+                    <a:ea typeface="FOT-Skip Std B" panose="02020700000000000000" pitchFamily="18" charset="-128"/>
+                  </a:rPr>
+                  <a:t>文</a:t>
+                </a:r>
+              </a:p>
+            </p:txBody>
+          </p:sp>
+        </p:grpSp>
       </p:grpSp>
     </p:spTree>
     <p:extLst>
@@ -7191,6 +6924,297 @@
 </p:sld>
 </file>
 
+<file path=ppt/slides/slide3.xml><?xml version="1.0" encoding="utf-8"?>
+<p:sld xmlns:a="http://schemas.openxmlformats.org/drawingml/2006/main" xmlns:r="http://schemas.openxmlformats.org/officeDocument/2006/relationships" xmlns:p="http://schemas.openxmlformats.org/presentationml/2006/main">
+  <p:cSld>
+    <p:spTree>
+      <p:nvGrpSpPr>
+        <p:cNvPr id="1" name=""/>
+        <p:cNvGrpSpPr/>
+        <p:nvPr/>
+      </p:nvGrpSpPr>
+      <p:grpSpPr>
+        <a:xfrm>
+          <a:off x="0" y="0"/>
+          <a:ext cx="0" cy="0"/>
+          <a:chOff x="0" y="0"/>
+          <a:chExt cx="0" cy="0"/>
+        </a:xfrm>
+      </p:grpSpPr>
+      <p:grpSp>
+        <p:nvGrpSpPr>
+          <p:cNvPr id="9" name="群組 8"/>
+          <p:cNvGrpSpPr/>
+          <p:nvPr/>
+        </p:nvGrpSpPr>
+        <p:grpSpPr>
+          <a:xfrm>
+            <a:off x="560507" y="667657"/>
+            <a:ext cx="10058400" cy="5729765"/>
+            <a:chOff x="560507" y="667657"/>
+            <a:chExt cx="10058400" cy="5729765"/>
+          </a:xfrm>
+        </p:grpSpPr>
+        <p:pic>
+          <p:nvPicPr>
+            <p:cNvPr id="4" name="圖片 3"/>
+            <p:cNvPicPr>
+              <a:picLocks noChangeAspect="1"/>
+            </p:cNvPicPr>
+            <p:nvPr/>
+          </p:nvPicPr>
+          <p:blipFill>
+            <a:blip r:embed="rId2">
+              <a:extLst>
+                <a:ext uri="{28A0092B-C50C-407E-A947-70E740481C1C}">
+                  <a14:useLocalDpi xmlns:a14="http://schemas.microsoft.com/office/drawing/2010/main" val="0"/>
+                </a:ext>
+              </a:extLst>
+            </a:blip>
+            <a:stretch>
+              <a:fillRect/>
+            </a:stretch>
+          </p:blipFill>
+          <p:spPr>
+            <a:xfrm>
+              <a:off x="560507" y="667657"/>
+              <a:ext cx="10058400" cy="5729765"/>
+            </a:xfrm>
+            <a:prstGeom prst="rect">
+              <a:avLst/>
+            </a:prstGeom>
+          </p:spPr>
+        </p:pic>
+        <p:grpSp>
+          <p:nvGrpSpPr>
+            <p:cNvPr id="5" name="群組 4"/>
+            <p:cNvGrpSpPr/>
+            <p:nvPr/>
+          </p:nvGrpSpPr>
+          <p:grpSpPr>
+            <a:xfrm>
+              <a:off x="1657570" y="2809264"/>
+              <a:ext cx="7864273" cy="1446550"/>
+              <a:chOff x="2972238" y="2697804"/>
+              <a:chExt cx="4643045" cy="1446550"/>
+            </a:xfrm>
+          </p:grpSpPr>
+          <p:sp>
+            <p:nvSpPr>
+              <p:cNvPr id="6" name="向右箭號 5"/>
+              <p:cNvSpPr/>
+              <p:nvPr/>
+            </p:nvSpPr>
+            <p:spPr>
+              <a:xfrm>
+                <a:off x="6734629" y="3113494"/>
+                <a:ext cx="880654" cy="615168"/>
+              </a:xfrm>
+              <a:prstGeom prst="rightArrow">
+                <a:avLst>
+                  <a:gd name="adj1" fmla="val 51587"/>
+                  <a:gd name="adj2" fmla="val 66218"/>
+                </a:avLst>
+              </a:prstGeom>
+              <a:solidFill>
+                <a:schemeClr val="tx2">
+                  <a:lumMod val="75000"/>
+                </a:schemeClr>
+              </a:solidFill>
+              <a:scene3d>
+                <a:camera prst="orthographicFront"/>
+                <a:lightRig rig="threePt" dir="t"/>
+              </a:scene3d>
+              <a:sp3d>
+                <a:bevelT prst="angle"/>
+              </a:sp3d>
+            </p:spPr>
+            <p:style>
+              <a:lnRef idx="2">
+                <a:schemeClr val="dk1">
+                  <a:shade val="50000"/>
+                </a:schemeClr>
+              </a:lnRef>
+              <a:fillRef idx="1">
+                <a:schemeClr val="dk1"/>
+              </a:fillRef>
+              <a:effectRef idx="0">
+                <a:schemeClr val="dk1"/>
+              </a:effectRef>
+              <a:fontRef idx="minor">
+                <a:schemeClr val="lt1"/>
+              </a:fontRef>
+            </p:style>
+            <p:txBody>
+              <a:bodyPr rtlCol="0" anchor="ctr"/>
+              <a:lstStyle/>
+              <a:p>
+                <a:pPr algn="ctr"/>
+                <a:endParaRPr lang="zh-TW" altLang="en-US"/>
+              </a:p>
+            </p:txBody>
+          </p:sp>
+          <p:sp>
+            <p:nvSpPr>
+              <p:cNvPr id="7" name="向右箭號 6"/>
+              <p:cNvSpPr/>
+              <p:nvPr/>
+            </p:nvSpPr>
+            <p:spPr>
+              <a:xfrm flipH="1">
+                <a:off x="2972238" y="3113494"/>
+                <a:ext cx="880654" cy="615168"/>
+              </a:xfrm>
+              <a:prstGeom prst="rightArrow">
+                <a:avLst>
+                  <a:gd name="adj1" fmla="val 51587"/>
+                  <a:gd name="adj2" fmla="val 66218"/>
+                </a:avLst>
+              </a:prstGeom>
+              <a:solidFill>
+                <a:schemeClr val="tx2">
+                  <a:lumMod val="75000"/>
+                </a:schemeClr>
+              </a:solidFill>
+              <a:scene3d>
+                <a:camera prst="orthographicFront"/>
+                <a:lightRig rig="threePt" dir="t"/>
+              </a:scene3d>
+              <a:sp3d>
+                <a:bevelT prst="angle"/>
+              </a:sp3d>
+            </p:spPr>
+            <p:style>
+              <a:lnRef idx="2">
+                <a:schemeClr val="dk1">
+                  <a:shade val="50000"/>
+                </a:schemeClr>
+              </a:lnRef>
+              <a:fillRef idx="1">
+                <a:schemeClr val="dk1"/>
+              </a:fillRef>
+              <a:effectRef idx="0">
+                <a:schemeClr val="dk1"/>
+              </a:effectRef>
+              <a:fontRef idx="minor">
+                <a:schemeClr val="lt1"/>
+              </a:fontRef>
+            </p:style>
+            <p:txBody>
+              <a:bodyPr rtlCol="0" anchor="ctr"/>
+              <a:lstStyle/>
+              <a:p>
+                <a:pPr algn="ctr"/>
+                <a:endParaRPr lang="zh-TW" altLang="en-US"/>
+              </a:p>
+            </p:txBody>
+          </p:sp>
+          <p:sp>
+            <p:nvSpPr>
+              <p:cNvPr id="8" name="文字方塊 7"/>
+              <p:cNvSpPr txBox="1"/>
+              <p:nvPr/>
+            </p:nvSpPr>
+            <p:spPr>
+              <a:xfrm>
+                <a:off x="3852892" y="2697804"/>
+                <a:ext cx="2881737" cy="1446550"/>
+              </a:xfrm>
+              <a:prstGeom prst="rect">
+                <a:avLst/>
+              </a:prstGeom>
+              <a:noFill/>
+            </p:spPr>
+            <p:txBody>
+              <a:bodyPr wrap="square" rtlCol="0" anchor="ctr">
+                <a:spAutoFit/>
+              </a:bodyPr>
+              <a:lstStyle/>
+              <a:p>
+                <a:pPr algn="ctr"/>
+                <a:r>
+                  <a:rPr lang="en-US" altLang="zh-TW" sz="4400" dirty="0" smtClean="0">
+                    <a:ln>
+                      <a:solidFill>
+                        <a:schemeClr val="bg1">
+                          <a:lumMod val="50000"/>
+                        </a:schemeClr>
+                      </a:solidFill>
+                    </a:ln>
+                    <a:solidFill>
+                      <a:schemeClr val="bg1"/>
+                    </a:solidFill>
+                    <a:latin typeface="FOT-Skip Std B" panose="02020700000000000000" pitchFamily="18" charset="-128"/>
+                    <a:ea typeface="FOT-Skip Std B" panose="02020700000000000000" pitchFamily="18" charset="-128"/>
+                  </a:rPr>
+                  <a:t>1920</a:t>
+                </a:r>
+                <a:r>
+                  <a:rPr lang="zh-TW" altLang="en-US" sz="4400" dirty="0" smtClean="0">
+                    <a:ln>
+                      <a:solidFill>
+                        <a:schemeClr val="bg1">
+                          <a:lumMod val="50000"/>
+                        </a:schemeClr>
+                      </a:solidFill>
+                    </a:ln>
+                    <a:solidFill>
+                      <a:schemeClr val="bg1"/>
+                    </a:solidFill>
+                    <a:latin typeface="FOT-Skip Std B" panose="02020700000000000000" pitchFamily="18" charset="-128"/>
+                    <a:ea typeface="FOT-Skip Std B" panose="02020700000000000000" pitchFamily="18" charset="-128"/>
+                  </a:rPr>
+                  <a:t> </a:t>
+                </a:r>
+                <a:r>
+                  <a:rPr lang="en-US" altLang="zh-TW" sz="4400" dirty="0" smtClean="0">
+                    <a:ln>
+                      <a:solidFill>
+                        <a:schemeClr val="bg1">
+                          <a:lumMod val="50000"/>
+                        </a:schemeClr>
+                      </a:solidFill>
+                    </a:ln>
+                    <a:solidFill>
+                      <a:schemeClr val="bg1"/>
+                    </a:solidFill>
+                    <a:latin typeface="FOT-Skip Std B" panose="02020700000000000000" pitchFamily="18" charset="-128"/>
+                    <a:ea typeface="FOT-Skip Std B" panose="02020700000000000000" pitchFamily="18" charset="-128"/>
+                  </a:rPr>
+                  <a:t>x1080</a:t>
+                </a:r>
+                <a:endParaRPr lang="zh-TW" altLang="en-US" sz="4400" dirty="0">
+                  <a:ln>
+                    <a:solidFill>
+                      <a:schemeClr val="bg1">
+                        <a:lumMod val="50000"/>
+                      </a:schemeClr>
+                    </a:solidFill>
+                  </a:ln>
+                  <a:solidFill>
+                    <a:schemeClr val="bg1"/>
+                  </a:solidFill>
+                  <a:latin typeface="FOT-Skip Std B" panose="02020700000000000000" pitchFamily="18" charset="-128"/>
+                  <a:ea typeface="FOT-Skip Std B" panose="02020700000000000000" pitchFamily="18" charset="-128"/>
+                </a:endParaRPr>
+              </a:p>
+            </p:txBody>
+          </p:sp>
+        </p:grpSp>
+      </p:grpSp>
+    </p:spTree>
+    <p:extLst>
+      <p:ext uri="{BB962C8B-B14F-4D97-AF65-F5344CB8AC3E}">
+        <p14:creationId xmlns:p14="http://schemas.microsoft.com/office/powerpoint/2010/main" val="1323591113"/>
+      </p:ext>
+    </p:extLst>
+  </p:cSld>
+  <p:clrMapOvr>
+    <a:masterClrMapping/>
+  </p:clrMapOvr>
+</p:sld>
+</file>
+
 <file path=ppt/theme/theme1.xml><?xml version="1.0" encoding="utf-8"?>
 <a:theme xmlns:a="http://schemas.openxmlformats.org/drawingml/2006/main" name="Office 佈景主題">
   <a:themeElements>

--- a/Preview Images/drawboard.pptx
+++ b/Preview Images/drawboard.pptx
@@ -245,7 +245,7 @@
           <a:p>
             <a:fld id="{628A46F5-8AEF-4E68-9DE5-F9F420B16F36}" type="datetimeFigureOut">
               <a:rPr lang="zh-TW" altLang="en-US" smtClean="0"/>
-              <a:t>2019/6/3</a:t>
+              <a:t>2019/6/8</a:t>
             </a:fld>
             <a:endParaRPr lang="zh-TW" altLang="en-US"/>
           </a:p>
@@ -415,7 +415,7 @@
           <a:p>
             <a:fld id="{628A46F5-8AEF-4E68-9DE5-F9F420B16F36}" type="datetimeFigureOut">
               <a:rPr lang="zh-TW" altLang="en-US" smtClean="0"/>
-              <a:t>2019/6/3</a:t>
+              <a:t>2019/6/8</a:t>
             </a:fld>
             <a:endParaRPr lang="zh-TW" altLang="en-US"/>
           </a:p>
@@ -595,7 +595,7 @@
           <a:p>
             <a:fld id="{628A46F5-8AEF-4E68-9DE5-F9F420B16F36}" type="datetimeFigureOut">
               <a:rPr lang="zh-TW" altLang="en-US" smtClean="0"/>
-              <a:t>2019/6/3</a:t>
+              <a:t>2019/6/8</a:t>
             </a:fld>
             <a:endParaRPr lang="zh-TW" altLang="en-US"/>
           </a:p>
@@ -765,7 +765,7 @@
           <a:p>
             <a:fld id="{628A46F5-8AEF-4E68-9DE5-F9F420B16F36}" type="datetimeFigureOut">
               <a:rPr lang="zh-TW" altLang="en-US" smtClean="0"/>
-              <a:t>2019/6/3</a:t>
+              <a:t>2019/6/8</a:t>
             </a:fld>
             <a:endParaRPr lang="zh-TW" altLang="en-US"/>
           </a:p>
@@ -1011,7 +1011,7 @@
           <a:p>
             <a:fld id="{628A46F5-8AEF-4E68-9DE5-F9F420B16F36}" type="datetimeFigureOut">
               <a:rPr lang="zh-TW" altLang="en-US" smtClean="0"/>
-              <a:t>2019/6/3</a:t>
+              <a:t>2019/6/8</a:t>
             </a:fld>
             <a:endParaRPr lang="zh-TW" altLang="en-US"/>
           </a:p>
@@ -1243,7 +1243,7 @@
           <a:p>
             <a:fld id="{628A46F5-8AEF-4E68-9DE5-F9F420B16F36}" type="datetimeFigureOut">
               <a:rPr lang="zh-TW" altLang="en-US" smtClean="0"/>
-              <a:t>2019/6/3</a:t>
+              <a:t>2019/6/8</a:t>
             </a:fld>
             <a:endParaRPr lang="zh-TW" altLang="en-US"/>
           </a:p>
@@ -1610,7 +1610,7 @@
           <a:p>
             <a:fld id="{628A46F5-8AEF-4E68-9DE5-F9F420B16F36}" type="datetimeFigureOut">
               <a:rPr lang="zh-TW" altLang="en-US" smtClean="0"/>
-              <a:t>2019/6/3</a:t>
+              <a:t>2019/6/8</a:t>
             </a:fld>
             <a:endParaRPr lang="zh-TW" altLang="en-US"/>
           </a:p>
@@ -1728,7 +1728,7 @@
           <a:p>
             <a:fld id="{628A46F5-8AEF-4E68-9DE5-F9F420B16F36}" type="datetimeFigureOut">
               <a:rPr lang="zh-TW" altLang="en-US" smtClean="0"/>
-              <a:t>2019/6/3</a:t>
+              <a:t>2019/6/8</a:t>
             </a:fld>
             <a:endParaRPr lang="zh-TW" altLang="en-US"/>
           </a:p>
@@ -1823,7 +1823,7 @@
           <a:p>
             <a:fld id="{628A46F5-8AEF-4E68-9DE5-F9F420B16F36}" type="datetimeFigureOut">
               <a:rPr lang="zh-TW" altLang="en-US" smtClean="0"/>
-              <a:t>2019/6/3</a:t>
+              <a:t>2019/6/8</a:t>
             </a:fld>
             <a:endParaRPr lang="zh-TW" altLang="en-US"/>
           </a:p>
@@ -2100,7 +2100,7 @@
           <a:p>
             <a:fld id="{628A46F5-8AEF-4E68-9DE5-F9F420B16F36}" type="datetimeFigureOut">
               <a:rPr lang="zh-TW" altLang="en-US" smtClean="0"/>
-              <a:t>2019/6/3</a:t>
+              <a:t>2019/6/8</a:t>
             </a:fld>
             <a:endParaRPr lang="zh-TW" altLang="en-US"/>
           </a:p>
@@ -2353,7 +2353,7 @@
           <a:p>
             <a:fld id="{628A46F5-8AEF-4E68-9DE5-F9F420B16F36}" type="datetimeFigureOut">
               <a:rPr lang="zh-TW" altLang="en-US" smtClean="0"/>
-              <a:t>2019/6/3</a:t>
+              <a:t>2019/6/8</a:t>
             </a:fld>
             <a:endParaRPr lang="zh-TW" altLang="en-US"/>
           </a:p>
@@ -2566,7 +2566,7 @@
           <a:p>
             <a:fld id="{628A46F5-8AEF-4E68-9DE5-F9F420B16F36}" type="datetimeFigureOut">
               <a:rPr lang="zh-TW" altLang="en-US" smtClean="0"/>
-              <a:t>2019/6/3</a:t>
+              <a:t>2019/6/8</a:t>
             </a:fld>
             <a:endParaRPr lang="zh-TW" altLang="en-US"/>
           </a:p>
@@ -3201,6 +3201,226 @@
           </p:sp>
         </p:grpSp>
       </p:grpSp>
+      <p:sp>
+        <p:nvSpPr>
+          <p:cNvPr id="8" name="向右箭號 7"/>
+          <p:cNvSpPr/>
+          <p:nvPr/>
+        </p:nvSpPr>
+        <p:spPr>
+          <a:xfrm>
+            <a:off x="8947767" y="0"/>
+            <a:ext cx="880654" cy="615168"/>
+          </a:xfrm>
+          <a:prstGeom prst="rightArrow">
+            <a:avLst>
+              <a:gd name="adj1" fmla="val 51587"/>
+              <a:gd name="adj2" fmla="val 66218"/>
+            </a:avLst>
+          </a:prstGeom>
+          <a:solidFill>
+            <a:schemeClr val="tx2">
+              <a:lumMod val="75000"/>
+            </a:schemeClr>
+          </a:solidFill>
+          <a:scene3d>
+            <a:camera prst="orthographicFront"/>
+            <a:lightRig rig="threePt" dir="t"/>
+          </a:scene3d>
+          <a:sp3d>
+            <a:bevelT prst="angle"/>
+          </a:sp3d>
+        </p:spPr>
+        <p:style>
+          <a:lnRef idx="2">
+            <a:schemeClr val="dk1">
+              <a:shade val="50000"/>
+            </a:schemeClr>
+          </a:lnRef>
+          <a:fillRef idx="1">
+            <a:schemeClr val="dk1"/>
+          </a:fillRef>
+          <a:effectRef idx="0">
+            <a:schemeClr val="dk1"/>
+          </a:effectRef>
+          <a:fontRef idx="minor">
+            <a:schemeClr val="lt1"/>
+          </a:fontRef>
+        </p:style>
+        <p:txBody>
+          <a:bodyPr rtlCol="0" anchor="ctr"/>
+          <a:lstStyle/>
+          <a:p>
+            <a:pPr algn="ctr"/>
+            <a:endParaRPr lang="zh-TW" altLang="en-US"/>
+          </a:p>
+        </p:txBody>
+      </p:sp>
+      <p:sp>
+        <p:nvSpPr>
+          <p:cNvPr id="9" name="向右箭號 8"/>
+          <p:cNvSpPr/>
+          <p:nvPr/>
+        </p:nvSpPr>
+        <p:spPr>
+          <a:xfrm flipH="1">
+            <a:off x="5185376" y="0"/>
+            <a:ext cx="880654" cy="615168"/>
+          </a:xfrm>
+          <a:prstGeom prst="rightArrow">
+            <a:avLst>
+              <a:gd name="adj1" fmla="val 51587"/>
+              <a:gd name="adj2" fmla="val 66218"/>
+            </a:avLst>
+          </a:prstGeom>
+          <a:solidFill>
+            <a:schemeClr val="tx2">
+              <a:lumMod val="75000"/>
+            </a:schemeClr>
+          </a:solidFill>
+          <a:scene3d>
+            <a:camera prst="orthographicFront"/>
+            <a:lightRig rig="threePt" dir="t"/>
+          </a:scene3d>
+          <a:sp3d>
+            <a:bevelT prst="angle"/>
+          </a:sp3d>
+        </p:spPr>
+        <p:style>
+          <a:lnRef idx="2">
+            <a:schemeClr val="dk1">
+              <a:shade val="50000"/>
+            </a:schemeClr>
+          </a:lnRef>
+          <a:fillRef idx="1">
+            <a:schemeClr val="dk1"/>
+          </a:fillRef>
+          <a:effectRef idx="0">
+            <a:schemeClr val="dk1"/>
+          </a:effectRef>
+          <a:fontRef idx="minor">
+            <a:schemeClr val="lt1"/>
+          </a:fontRef>
+        </p:style>
+        <p:txBody>
+          <a:bodyPr rtlCol="0" anchor="ctr"/>
+          <a:lstStyle/>
+          <a:p>
+            <a:pPr algn="ctr"/>
+            <a:endParaRPr lang="zh-TW" altLang="en-US"/>
+          </a:p>
+        </p:txBody>
+      </p:sp>
+      <p:sp>
+        <p:nvSpPr>
+          <p:cNvPr id="10" name="向右箭號 9"/>
+          <p:cNvSpPr/>
+          <p:nvPr/>
+        </p:nvSpPr>
+        <p:spPr>
+          <a:xfrm>
+            <a:off x="3882571" y="0"/>
+            <a:ext cx="880654" cy="615168"/>
+          </a:xfrm>
+          <a:prstGeom prst="rightArrow">
+            <a:avLst>
+              <a:gd name="adj1" fmla="val 51587"/>
+              <a:gd name="adj2" fmla="val 66218"/>
+            </a:avLst>
+          </a:prstGeom>
+          <a:solidFill>
+            <a:schemeClr val="accent1">
+              <a:lumMod val="75000"/>
+            </a:schemeClr>
+          </a:solidFill>
+          <a:scene3d>
+            <a:camera prst="orthographicFront"/>
+            <a:lightRig rig="threePt" dir="t"/>
+          </a:scene3d>
+          <a:sp3d>
+            <a:bevelT prst="angle"/>
+          </a:sp3d>
+        </p:spPr>
+        <p:style>
+          <a:lnRef idx="2">
+            <a:schemeClr val="dk1">
+              <a:shade val="50000"/>
+            </a:schemeClr>
+          </a:lnRef>
+          <a:fillRef idx="1">
+            <a:schemeClr val="dk1"/>
+          </a:fillRef>
+          <a:effectRef idx="0">
+            <a:schemeClr val="dk1"/>
+          </a:effectRef>
+          <a:fontRef idx="minor">
+            <a:schemeClr val="lt1"/>
+          </a:fontRef>
+        </p:style>
+        <p:txBody>
+          <a:bodyPr rtlCol="0" anchor="ctr"/>
+          <a:lstStyle/>
+          <a:p>
+            <a:pPr algn="ctr"/>
+            <a:endParaRPr lang="zh-TW" altLang="en-US"/>
+          </a:p>
+        </p:txBody>
+      </p:sp>
+      <p:sp>
+        <p:nvSpPr>
+          <p:cNvPr id="11" name="向右箭號 10"/>
+          <p:cNvSpPr/>
+          <p:nvPr/>
+        </p:nvSpPr>
+        <p:spPr>
+          <a:xfrm flipH="1">
+            <a:off x="120180" y="0"/>
+            <a:ext cx="880654" cy="615168"/>
+          </a:xfrm>
+          <a:prstGeom prst="rightArrow">
+            <a:avLst>
+              <a:gd name="adj1" fmla="val 51587"/>
+              <a:gd name="adj2" fmla="val 66218"/>
+            </a:avLst>
+          </a:prstGeom>
+          <a:solidFill>
+            <a:schemeClr val="accent1">
+              <a:lumMod val="75000"/>
+            </a:schemeClr>
+          </a:solidFill>
+          <a:scene3d>
+            <a:camera prst="orthographicFront"/>
+            <a:lightRig rig="threePt" dir="t"/>
+          </a:scene3d>
+          <a:sp3d>
+            <a:bevelT prst="angle"/>
+          </a:sp3d>
+        </p:spPr>
+        <p:style>
+          <a:lnRef idx="2">
+            <a:schemeClr val="dk1">
+              <a:shade val="50000"/>
+            </a:schemeClr>
+          </a:lnRef>
+          <a:fillRef idx="1">
+            <a:schemeClr val="dk1"/>
+          </a:fillRef>
+          <a:effectRef idx="0">
+            <a:schemeClr val="dk1"/>
+          </a:effectRef>
+          <a:fontRef idx="minor">
+            <a:schemeClr val="lt1"/>
+          </a:fontRef>
+        </p:style>
+        <p:txBody>
+          <a:bodyPr rtlCol="0" anchor="ctr"/>
+          <a:lstStyle/>
+          <a:p>
+            <a:pPr algn="ctr"/>
+            <a:endParaRPr lang="zh-TW" altLang="en-US"/>
+          </a:p>
+        </p:txBody>
+      </p:sp>
     </p:spTree>
     <p:extLst>
       <p:ext uri="{BB962C8B-B14F-4D97-AF65-F5344CB8AC3E}">

--- a/Preview Images/drawboard.pptx
+++ b/Preview Images/drawboard.pptx
@@ -245,7 +245,7 @@
           <a:p>
             <a:fld id="{628A46F5-8AEF-4E68-9DE5-F9F420B16F36}" type="datetimeFigureOut">
               <a:rPr lang="zh-TW" altLang="en-US" smtClean="0"/>
-              <a:t>2019/6/8</a:t>
+              <a:t>2019/6/9</a:t>
             </a:fld>
             <a:endParaRPr lang="zh-TW" altLang="en-US"/>
           </a:p>
@@ -415,7 +415,7 @@
           <a:p>
             <a:fld id="{628A46F5-8AEF-4E68-9DE5-F9F420B16F36}" type="datetimeFigureOut">
               <a:rPr lang="zh-TW" altLang="en-US" smtClean="0"/>
-              <a:t>2019/6/8</a:t>
+              <a:t>2019/6/9</a:t>
             </a:fld>
             <a:endParaRPr lang="zh-TW" altLang="en-US"/>
           </a:p>
@@ -595,7 +595,7 @@
           <a:p>
             <a:fld id="{628A46F5-8AEF-4E68-9DE5-F9F420B16F36}" type="datetimeFigureOut">
               <a:rPr lang="zh-TW" altLang="en-US" smtClean="0"/>
-              <a:t>2019/6/8</a:t>
+              <a:t>2019/6/9</a:t>
             </a:fld>
             <a:endParaRPr lang="zh-TW" altLang="en-US"/>
           </a:p>
@@ -765,7 +765,7 @@
           <a:p>
             <a:fld id="{628A46F5-8AEF-4E68-9DE5-F9F420B16F36}" type="datetimeFigureOut">
               <a:rPr lang="zh-TW" altLang="en-US" smtClean="0"/>
-              <a:t>2019/6/8</a:t>
+              <a:t>2019/6/9</a:t>
             </a:fld>
             <a:endParaRPr lang="zh-TW" altLang="en-US"/>
           </a:p>
@@ -1011,7 +1011,7 @@
           <a:p>
             <a:fld id="{628A46F5-8AEF-4E68-9DE5-F9F420B16F36}" type="datetimeFigureOut">
               <a:rPr lang="zh-TW" altLang="en-US" smtClean="0"/>
-              <a:t>2019/6/8</a:t>
+              <a:t>2019/6/9</a:t>
             </a:fld>
             <a:endParaRPr lang="zh-TW" altLang="en-US"/>
           </a:p>
@@ -1243,7 +1243,7 @@
           <a:p>
             <a:fld id="{628A46F5-8AEF-4E68-9DE5-F9F420B16F36}" type="datetimeFigureOut">
               <a:rPr lang="zh-TW" altLang="en-US" smtClean="0"/>
-              <a:t>2019/6/8</a:t>
+              <a:t>2019/6/9</a:t>
             </a:fld>
             <a:endParaRPr lang="zh-TW" altLang="en-US"/>
           </a:p>
@@ -1610,7 +1610,7 @@
           <a:p>
             <a:fld id="{628A46F5-8AEF-4E68-9DE5-F9F420B16F36}" type="datetimeFigureOut">
               <a:rPr lang="zh-TW" altLang="en-US" smtClean="0"/>
-              <a:t>2019/6/8</a:t>
+              <a:t>2019/6/9</a:t>
             </a:fld>
             <a:endParaRPr lang="zh-TW" altLang="en-US"/>
           </a:p>
@@ -1728,7 +1728,7 @@
           <a:p>
             <a:fld id="{628A46F5-8AEF-4E68-9DE5-F9F420B16F36}" type="datetimeFigureOut">
               <a:rPr lang="zh-TW" altLang="en-US" smtClean="0"/>
-              <a:t>2019/6/8</a:t>
+              <a:t>2019/6/9</a:t>
             </a:fld>
             <a:endParaRPr lang="zh-TW" altLang="en-US"/>
           </a:p>
@@ -1823,7 +1823,7 @@
           <a:p>
             <a:fld id="{628A46F5-8AEF-4E68-9DE5-F9F420B16F36}" type="datetimeFigureOut">
               <a:rPr lang="zh-TW" altLang="en-US" smtClean="0"/>
-              <a:t>2019/6/8</a:t>
+              <a:t>2019/6/9</a:t>
             </a:fld>
             <a:endParaRPr lang="zh-TW" altLang="en-US"/>
           </a:p>
@@ -2100,7 +2100,7 @@
           <a:p>
             <a:fld id="{628A46F5-8AEF-4E68-9DE5-F9F420B16F36}" type="datetimeFigureOut">
               <a:rPr lang="zh-TW" altLang="en-US" smtClean="0"/>
-              <a:t>2019/6/8</a:t>
+              <a:t>2019/6/9</a:t>
             </a:fld>
             <a:endParaRPr lang="zh-TW" altLang="en-US"/>
           </a:p>
@@ -2353,7 +2353,7 @@
           <a:p>
             <a:fld id="{628A46F5-8AEF-4E68-9DE5-F9F420B16F36}" type="datetimeFigureOut">
               <a:rPr lang="zh-TW" altLang="en-US" smtClean="0"/>
-              <a:t>2019/6/8</a:t>
+              <a:t>2019/6/9</a:t>
             </a:fld>
             <a:endParaRPr lang="zh-TW" altLang="en-US"/>
           </a:p>
@@ -2566,7 +2566,7 @@
           <a:p>
             <a:fld id="{628A46F5-8AEF-4E68-9DE5-F9F420B16F36}" type="datetimeFigureOut">
               <a:rPr lang="zh-TW" altLang="en-US" smtClean="0"/>
-              <a:t>2019/6/8</a:t>
+              <a:t>2019/6/9</a:t>
             </a:fld>
             <a:endParaRPr lang="zh-TW" altLang="en-US"/>
           </a:p>
@@ -3453,35 +3453,6 @@
       </p:grpSpPr>
       <p:pic>
         <p:nvPicPr>
-          <p:cNvPr id="120" name="圖片 119"/>
-          <p:cNvPicPr>
-            <a:picLocks noChangeAspect="1"/>
-          </p:cNvPicPr>
-          <p:nvPr/>
-        </p:nvPicPr>
-        <p:blipFill rotWithShape="1">
-          <a:blip r:embed="rId2">
-            <a:extLst>
-              <a:ext uri="{28A0092B-C50C-407E-A947-70E740481C1C}">
-                <a14:useLocalDpi xmlns:a14="http://schemas.microsoft.com/office/drawing/2010/main" val="0"/>
-              </a:ext>
-            </a:extLst>
-          </a:blip>
-          <a:srcRect l="77220" t="25456" r="19810" b="70794"/>
-          <a:stretch/>
-        </p:blipFill>
-        <p:spPr>
-          <a:xfrm>
-            <a:off x="10382583" y="590516"/>
-            <a:ext cx="271463" cy="257175"/>
-          </a:xfrm>
-          <a:prstGeom prst="rect">
-            <a:avLst/>
-          </a:prstGeom>
-        </p:spPr>
-      </p:pic>
-      <p:pic>
-        <p:nvPicPr>
           <p:cNvPr id="121" name="圖片 120"/>
           <p:cNvPicPr>
             <a:picLocks noChangeAspect="1"/>
@@ -3511,56 +3482,3590 @@
       </p:pic>
       <p:grpSp>
         <p:nvGrpSpPr>
-          <p:cNvPr id="131" name="群組 130"/>
+          <p:cNvPr id="387" name="群組 386"/>
           <p:cNvGrpSpPr/>
           <p:nvPr/>
         </p:nvGrpSpPr>
         <p:grpSpPr>
           <a:xfrm>
-            <a:off x="0" y="-35761"/>
-            <a:ext cx="9471476" cy="6783277"/>
-            <a:chOff x="0" y="-35761"/>
-            <a:chExt cx="9471476" cy="6783277"/>
+            <a:off x="0" y="0"/>
+            <a:ext cx="9513579" cy="6993847"/>
+            <a:chOff x="0" y="0"/>
+            <a:chExt cx="9513579" cy="6993847"/>
           </a:xfrm>
         </p:grpSpPr>
         <p:grpSp>
           <p:nvGrpSpPr>
-            <p:cNvPr id="123" name="群組 122"/>
+            <p:cNvPr id="383" name="群組 382"/>
             <p:cNvGrpSpPr/>
             <p:nvPr/>
           </p:nvGrpSpPr>
           <p:grpSpPr>
             <a:xfrm>
-              <a:off x="0" y="-35761"/>
-              <a:ext cx="9471476" cy="6783277"/>
-              <a:chOff x="0" y="74723"/>
-              <a:chExt cx="9471476" cy="6783277"/>
+              <a:off x="0" y="0"/>
+              <a:ext cx="9513579" cy="6993847"/>
+              <a:chOff x="3551080" y="215043"/>
+              <a:chExt cx="9513579" cy="6993847"/>
             </a:xfrm>
           </p:grpSpPr>
           <p:grpSp>
             <p:nvGrpSpPr>
-              <p:cNvPr id="98" name="群組 97"/>
+              <p:cNvPr id="110" name="群組 109"/>
               <p:cNvGrpSpPr/>
               <p:nvPr/>
             </p:nvGrpSpPr>
             <p:grpSpPr>
               <a:xfrm>
-                <a:off x="8500987" y="74723"/>
-                <a:ext cx="970489" cy="6783277"/>
-                <a:chOff x="9044369" y="0"/>
-                <a:chExt cx="970489" cy="6783277"/>
+                <a:off x="3551080" y="215043"/>
+                <a:ext cx="7622504" cy="6993847"/>
+                <a:chOff x="6374505" y="7412"/>
+                <a:chExt cx="7622504" cy="6993847"/>
+              </a:xfrm>
+            </p:grpSpPr>
+            <p:grpSp>
+              <p:nvGrpSpPr>
+                <p:cNvPr id="109" name="群組 108"/>
+                <p:cNvGrpSpPr/>
+                <p:nvPr/>
+              </p:nvGrpSpPr>
+              <p:grpSpPr>
+                <a:xfrm>
+                  <a:off x="6374505" y="7412"/>
+                  <a:ext cx="3825137" cy="6993847"/>
+                  <a:chOff x="11372167" y="7412"/>
+                  <a:chExt cx="3825137" cy="6993847"/>
+                </a:xfrm>
+              </p:grpSpPr>
+              <p:grpSp>
+                <p:nvGrpSpPr>
+                  <p:cNvPr id="96" name="群組 95"/>
+                  <p:cNvGrpSpPr/>
+                  <p:nvPr/>
+                </p:nvGrpSpPr>
+                <p:grpSpPr>
+                  <a:xfrm>
+                    <a:off x="11372167" y="7412"/>
+                    <a:ext cx="1922572" cy="6993847"/>
+                    <a:chOff x="11372167" y="7412"/>
+                    <a:chExt cx="1922572" cy="6993847"/>
+                  </a:xfrm>
+                </p:grpSpPr>
+                <p:grpSp>
+                  <p:nvGrpSpPr>
+                    <p:cNvPr id="9" name="群組 8"/>
+                    <p:cNvGrpSpPr/>
+                    <p:nvPr/>
+                  </p:nvGrpSpPr>
+                  <p:grpSpPr>
+                    <a:xfrm>
+                      <a:off x="11372167" y="7412"/>
+                      <a:ext cx="970488" cy="6993847"/>
+                      <a:chOff x="10927810" y="719103"/>
+                      <a:chExt cx="970488" cy="6993847"/>
+                    </a:xfrm>
+                  </p:grpSpPr>
+                  <p:grpSp>
+                    <p:nvGrpSpPr>
+                      <p:cNvPr id="4" name="群組 3"/>
+                      <p:cNvGrpSpPr/>
+                      <p:nvPr/>
+                    </p:nvGrpSpPr>
+                    <p:grpSpPr>
+                      <a:xfrm>
+                        <a:off x="10927810" y="719103"/>
+                        <a:ext cx="970488" cy="3511748"/>
+                        <a:chOff x="10927810" y="719103"/>
+                        <a:chExt cx="970488" cy="3511748"/>
+                      </a:xfrm>
+                    </p:grpSpPr>
+                    <p:grpSp>
+                      <p:nvGrpSpPr>
+                        <p:cNvPr id="2" name="群組 1"/>
+                        <p:cNvGrpSpPr/>
+                        <p:nvPr/>
+                      </p:nvGrpSpPr>
+                      <p:grpSpPr>
+                        <a:xfrm>
+                          <a:off x="10927810" y="719103"/>
+                          <a:ext cx="970488" cy="1766390"/>
+                          <a:chOff x="10927810" y="719103"/>
+                          <a:chExt cx="970488" cy="1766390"/>
+                        </a:xfrm>
+                      </p:grpSpPr>
+                      <p:pic>
+                        <p:nvPicPr>
+                          <p:cNvPr id="124" name="圖片 123"/>
+                          <p:cNvPicPr>
+                            <a:picLocks noChangeAspect="1"/>
+                          </p:cNvPicPr>
+                          <p:nvPr/>
+                        </p:nvPicPr>
+                        <p:blipFill rotWithShape="1">
+                          <a:blip r:embed="rId2">
+                            <a:extLst>
+                              <a:ext uri="{28A0092B-C50C-407E-A947-70E740481C1C}">
+                                <a14:useLocalDpi xmlns:a14="http://schemas.microsoft.com/office/drawing/2010/main" val="0"/>
+                              </a:ext>
+                            </a:extLst>
+                          </a:blip>
+                          <a:srcRect l="86876" t="48057" r="2292" b="38517"/>
+                          <a:stretch/>
+                        </p:blipFill>
+                        <p:spPr>
+                          <a:xfrm>
+                            <a:off x="10927810" y="719103"/>
+                            <a:ext cx="970488" cy="900349"/>
+                          </a:xfrm>
+                          <a:prstGeom prst="rect">
+                            <a:avLst/>
+                          </a:prstGeom>
+                        </p:spPr>
+                      </p:pic>
+                      <p:pic>
+                        <p:nvPicPr>
+                          <p:cNvPr id="128" name="圖片 127"/>
+                          <p:cNvPicPr>
+                            <a:picLocks noChangeAspect="1"/>
+                          </p:cNvPicPr>
+                          <p:nvPr/>
+                        </p:nvPicPr>
+                        <p:blipFill rotWithShape="1">
+                          <a:blip r:embed="rId2">
+                            <a:extLst>
+                              <a:ext uri="{28A0092B-C50C-407E-A947-70E740481C1C}">
+                                <a14:useLocalDpi xmlns:a14="http://schemas.microsoft.com/office/drawing/2010/main" val="0"/>
+                              </a:ext>
+                            </a:extLst>
+                          </a:blip>
+                          <a:srcRect l="86876" t="48057" r="2292" b="38517"/>
+                          <a:stretch/>
+                        </p:blipFill>
+                        <p:spPr>
+                          <a:xfrm>
+                            <a:off x="10927810" y="1585144"/>
+                            <a:ext cx="970488" cy="900349"/>
+                          </a:xfrm>
+                          <a:prstGeom prst="rect">
+                            <a:avLst/>
+                          </a:prstGeom>
+                        </p:spPr>
+                      </p:pic>
+                    </p:grpSp>
+                    <p:grpSp>
+                      <p:nvGrpSpPr>
+                        <p:cNvPr id="137" name="群組 136"/>
+                        <p:cNvGrpSpPr/>
+                        <p:nvPr/>
+                      </p:nvGrpSpPr>
+                      <p:grpSpPr>
+                        <a:xfrm>
+                          <a:off x="10927810" y="2464461"/>
+                          <a:ext cx="970488" cy="1766390"/>
+                          <a:chOff x="10927810" y="719103"/>
+                          <a:chExt cx="970488" cy="1766390"/>
+                        </a:xfrm>
+                      </p:grpSpPr>
+                      <p:pic>
+                        <p:nvPicPr>
+                          <p:cNvPr id="138" name="圖片 137"/>
+                          <p:cNvPicPr>
+                            <a:picLocks noChangeAspect="1"/>
+                          </p:cNvPicPr>
+                          <p:nvPr/>
+                        </p:nvPicPr>
+                        <p:blipFill rotWithShape="1">
+                          <a:blip r:embed="rId2">
+                            <a:extLst>
+                              <a:ext uri="{28A0092B-C50C-407E-A947-70E740481C1C}">
+                                <a14:useLocalDpi xmlns:a14="http://schemas.microsoft.com/office/drawing/2010/main" val="0"/>
+                              </a:ext>
+                            </a:extLst>
+                          </a:blip>
+                          <a:srcRect l="86876" t="48057" r="2292" b="38517"/>
+                          <a:stretch/>
+                        </p:blipFill>
+                        <p:spPr>
+                          <a:xfrm>
+                            <a:off x="10927810" y="719103"/>
+                            <a:ext cx="970488" cy="900349"/>
+                          </a:xfrm>
+                          <a:prstGeom prst="rect">
+                            <a:avLst/>
+                          </a:prstGeom>
+                        </p:spPr>
+                      </p:pic>
+                      <p:pic>
+                        <p:nvPicPr>
+                          <p:cNvPr id="139" name="圖片 138"/>
+                          <p:cNvPicPr>
+                            <a:picLocks noChangeAspect="1"/>
+                          </p:cNvPicPr>
+                          <p:nvPr/>
+                        </p:nvPicPr>
+                        <p:blipFill rotWithShape="1">
+                          <a:blip r:embed="rId2">
+                            <a:extLst>
+                              <a:ext uri="{28A0092B-C50C-407E-A947-70E740481C1C}">
+                                <a14:useLocalDpi xmlns:a14="http://schemas.microsoft.com/office/drawing/2010/main" val="0"/>
+                              </a:ext>
+                            </a:extLst>
+                          </a:blip>
+                          <a:srcRect l="86876" t="48057" r="2292" b="38517"/>
+                          <a:stretch/>
+                        </p:blipFill>
+                        <p:spPr>
+                          <a:xfrm>
+                            <a:off x="10927810" y="1585144"/>
+                            <a:ext cx="970488" cy="900349"/>
+                          </a:xfrm>
+                          <a:prstGeom prst="rect">
+                            <a:avLst/>
+                          </a:prstGeom>
+                        </p:spPr>
+                      </p:pic>
+                    </p:grpSp>
+                  </p:grpSp>
+                  <p:grpSp>
+                    <p:nvGrpSpPr>
+                      <p:cNvPr id="140" name="群組 139"/>
+                      <p:cNvGrpSpPr/>
+                      <p:nvPr/>
+                    </p:nvGrpSpPr>
+                    <p:grpSpPr>
+                      <a:xfrm>
+                        <a:off x="10927810" y="4201202"/>
+                        <a:ext cx="970488" cy="3511748"/>
+                        <a:chOff x="10927810" y="719103"/>
+                        <a:chExt cx="970488" cy="3511748"/>
+                      </a:xfrm>
+                    </p:grpSpPr>
+                    <p:grpSp>
+                      <p:nvGrpSpPr>
+                        <p:cNvPr id="141" name="群組 140"/>
+                        <p:cNvGrpSpPr/>
+                        <p:nvPr/>
+                      </p:nvGrpSpPr>
+                      <p:grpSpPr>
+                        <a:xfrm>
+                          <a:off x="10927810" y="719103"/>
+                          <a:ext cx="970488" cy="1766390"/>
+                          <a:chOff x="10927810" y="719103"/>
+                          <a:chExt cx="970488" cy="1766390"/>
+                        </a:xfrm>
+                      </p:grpSpPr>
+                      <p:pic>
+                        <p:nvPicPr>
+                          <p:cNvPr id="145" name="圖片 144"/>
+                          <p:cNvPicPr>
+                            <a:picLocks noChangeAspect="1"/>
+                          </p:cNvPicPr>
+                          <p:nvPr/>
+                        </p:nvPicPr>
+                        <p:blipFill rotWithShape="1">
+                          <a:blip r:embed="rId2">
+                            <a:extLst>
+                              <a:ext uri="{28A0092B-C50C-407E-A947-70E740481C1C}">
+                                <a14:useLocalDpi xmlns:a14="http://schemas.microsoft.com/office/drawing/2010/main" val="0"/>
+                              </a:ext>
+                            </a:extLst>
+                          </a:blip>
+                          <a:srcRect l="86876" t="48057" r="2292" b="38517"/>
+                          <a:stretch/>
+                        </p:blipFill>
+                        <p:spPr>
+                          <a:xfrm>
+                            <a:off x="10927810" y="719103"/>
+                            <a:ext cx="970488" cy="900349"/>
+                          </a:xfrm>
+                          <a:prstGeom prst="rect">
+                            <a:avLst/>
+                          </a:prstGeom>
+                        </p:spPr>
+                      </p:pic>
+                      <p:pic>
+                        <p:nvPicPr>
+                          <p:cNvPr id="146" name="圖片 145"/>
+                          <p:cNvPicPr>
+                            <a:picLocks noChangeAspect="1"/>
+                          </p:cNvPicPr>
+                          <p:nvPr/>
+                        </p:nvPicPr>
+                        <p:blipFill rotWithShape="1">
+                          <a:blip r:embed="rId2">
+                            <a:extLst>
+                              <a:ext uri="{28A0092B-C50C-407E-A947-70E740481C1C}">
+                                <a14:useLocalDpi xmlns:a14="http://schemas.microsoft.com/office/drawing/2010/main" val="0"/>
+                              </a:ext>
+                            </a:extLst>
+                          </a:blip>
+                          <a:srcRect l="86876" t="48057" r="2292" b="38517"/>
+                          <a:stretch/>
+                        </p:blipFill>
+                        <p:spPr>
+                          <a:xfrm>
+                            <a:off x="10927810" y="1585144"/>
+                            <a:ext cx="970488" cy="900349"/>
+                          </a:xfrm>
+                          <a:prstGeom prst="rect">
+                            <a:avLst/>
+                          </a:prstGeom>
+                        </p:spPr>
+                      </p:pic>
+                    </p:grpSp>
+                    <p:grpSp>
+                      <p:nvGrpSpPr>
+                        <p:cNvPr id="142" name="群組 141"/>
+                        <p:cNvGrpSpPr/>
+                        <p:nvPr/>
+                      </p:nvGrpSpPr>
+                      <p:grpSpPr>
+                        <a:xfrm>
+                          <a:off x="10927810" y="2464461"/>
+                          <a:ext cx="970488" cy="1766390"/>
+                          <a:chOff x="10927810" y="719103"/>
+                          <a:chExt cx="970488" cy="1766390"/>
+                        </a:xfrm>
+                      </p:grpSpPr>
+                      <p:pic>
+                        <p:nvPicPr>
+                          <p:cNvPr id="143" name="圖片 142"/>
+                          <p:cNvPicPr>
+                            <a:picLocks noChangeAspect="1"/>
+                          </p:cNvPicPr>
+                          <p:nvPr/>
+                        </p:nvPicPr>
+                        <p:blipFill rotWithShape="1">
+                          <a:blip r:embed="rId2">
+                            <a:extLst>
+                              <a:ext uri="{28A0092B-C50C-407E-A947-70E740481C1C}">
+                                <a14:useLocalDpi xmlns:a14="http://schemas.microsoft.com/office/drawing/2010/main" val="0"/>
+                              </a:ext>
+                            </a:extLst>
+                          </a:blip>
+                          <a:srcRect l="86876" t="48057" r="2292" b="38517"/>
+                          <a:stretch/>
+                        </p:blipFill>
+                        <p:spPr>
+                          <a:xfrm>
+                            <a:off x="10927810" y="719103"/>
+                            <a:ext cx="970488" cy="900349"/>
+                          </a:xfrm>
+                          <a:prstGeom prst="rect">
+                            <a:avLst/>
+                          </a:prstGeom>
+                        </p:spPr>
+                      </p:pic>
+                      <p:pic>
+                        <p:nvPicPr>
+                          <p:cNvPr id="144" name="圖片 143"/>
+                          <p:cNvPicPr>
+                            <a:picLocks noChangeAspect="1"/>
+                          </p:cNvPicPr>
+                          <p:nvPr/>
+                        </p:nvPicPr>
+                        <p:blipFill rotWithShape="1">
+                          <a:blip r:embed="rId2">
+                            <a:extLst>
+                              <a:ext uri="{28A0092B-C50C-407E-A947-70E740481C1C}">
+                                <a14:useLocalDpi xmlns:a14="http://schemas.microsoft.com/office/drawing/2010/main" val="0"/>
+                              </a:ext>
+                            </a:extLst>
+                          </a:blip>
+                          <a:srcRect l="86876" t="48057" r="2292" b="38517"/>
+                          <a:stretch/>
+                        </p:blipFill>
+                        <p:spPr>
+                          <a:xfrm>
+                            <a:off x="10927810" y="1585144"/>
+                            <a:ext cx="970488" cy="900349"/>
+                          </a:xfrm>
+                          <a:prstGeom prst="rect">
+                            <a:avLst/>
+                          </a:prstGeom>
+                        </p:spPr>
+                      </p:pic>
+                    </p:grpSp>
+                  </p:grpSp>
+                </p:grpSp>
+                <p:grpSp>
+                  <p:nvGrpSpPr>
+                    <p:cNvPr id="147" name="群組 146"/>
+                    <p:cNvGrpSpPr/>
+                    <p:nvPr/>
+                  </p:nvGrpSpPr>
+                  <p:grpSpPr>
+                    <a:xfrm>
+                      <a:off x="12324251" y="7412"/>
+                      <a:ext cx="970488" cy="6993847"/>
+                      <a:chOff x="10927810" y="719103"/>
+                      <a:chExt cx="970488" cy="6993847"/>
+                    </a:xfrm>
+                  </p:grpSpPr>
+                  <p:grpSp>
+                    <p:nvGrpSpPr>
+                      <p:cNvPr id="148" name="群組 147"/>
+                      <p:cNvGrpSpPr/>
+                      <p:nvPr/>
+                    </p:nvGrpSpPr>
+                    <p:grpSpPr>
+                      <a:xfrm>
+                        <a:off x="10927810" y="719103"/>
+                        <a:ext cx="970488" cy="3511748"/>
+                        <a:chOff x="10927810" y="719103"/>
+                        <a:chExt cx="970488" cy="3511748"/>
+                      </a:xfrm>
+                    </p:grpSpPr>
+                    <p:grpSp>
+                      <p:nvGrpSpPr>
+                        <p:cNvPr id="156" name="群組 155"/>
+                        <p:cNvGrpSpPr/>
+                        <p:nvPr/>
+                      </p:nvGrpSpPr>
+                      <p:grpSpPr>
+                        <a:xfrm>
+                          <a:off x="10927810" y="719103"/>
+                          <a:ext cx="970488" cy="1766390"/>
+                          <a:chOff x="10927810" y="719103"/>
+                          <a:chExt cx="970488" cy="1766390"/>
+                        </a:xfrm>
+                      </p:grpSpPr>
+                      <p:pic>
+                        <p:nvPicPr>
+                          <p:cNvPr id="160" name="圖片 159"/>
+                          <p:cNvPicPr>
+                            <a:picLocks noChangeAspect="1"/>
+                          </p:cNvPicPr>
+                          <p:nvPr/>
+                        </p:nvPicPr>
+                        <p:blipFill rotWithShape="1">
+                          <a:blip r:embed="rId2">
+                            <a:extLst>
+                              <a:ext uri="{28A0092B-C50C-407E-A947-70E740481C1C}">
+                                <a14:useLocalDpi xmlns:a14="http://schemas.microsoft.com/office/drawing/2010/main" val="0"/>
+                              </a:ext>
+                            </a:extLst>
+                          </a:blip>
+                          <a:srcRect l="86876" t="48057" r="2292" b="38517"/>
+                          <a:stretch/>
+                        </p:blipFill>
+                        <p:spPr>
+                          <a:xfrm>
+                            <a:off x="10927810" y="719103"/>
+                            <a:ext cx="970488" cy="900349"/>
+                          </a:xfrm>
+                          <a:prstGeom prst="rect">
+                            <a:avLst/>
+                          </a:prstGeom>
+                        </p:spPr>
+                      </p:pic>
+                      <p:pic>
+                        <p:nvPicPr>
+                          <p:cNvPr id="161" name="圖片 160"/>
+                          <p:cNvPicPr>
+                            <a:picLocks noChangeAspect="1"/>
+                          </p:cNvPicPr>
+                          <p:nvPr/>
+                        </p:nvPicPr>
+                        <p:blipFill rotWithShape="1">
+                          <a:blip r:embed="rId2">
+                            <a:extLst>
+                              <a:ext uri="{28A0092B-C50C-407E-A947-70E740481C1C}">
+                                <a14:useLocalDpi xmlns:a14="http://schemas.microsoft.com/office/drawing/2010/main" val="0"/>
+                              </a:ext>
+                            </a:extLst>
+                          </a:blip>
+                          <a:srcRect l="86876" t="48057" r="2292" b="38517"/>
+                          <a:stretch/>
+                        </p:blipFill>
+                        <p:spPr>
+                          <a:xfrm>
+                            <a:off x="10927810" y="1585144"/>
+                            <a:ext cx="970488" cy="900349"/>
+                          </a:xfrm>
+                          <a:prstGeom prst="rect">
+                            <a:avLst/>
+                          </a:prstGeom>
+                        </p:spPr>
+                      </p:pic>
+                    </p:grpSp>
+                    <p:grpSp>
+                      <p:nvGrpSpPr>
+                        <p:cNvPr id="157" name="群組 156"/>
+                        <p:cNvGrpSpPr/>
+                        <p:nvPr/>
+                      </p:nvGrpSpPr>
+                      <p:grpSpPr>
+                        <a:xfrm>
+                          <a:off x="10927810" y="2464461"/>
+                          <a:ext cx="970488" cy="1766390"/>
+                          <a:chOff x="10927810" y="719103"/>
+                          <a:chExt cx="970488" cy="1766390"/>
+                        </a:xfrm>
+                      </p:grpSpPr>
+                      <p:pic>
+                        <p:nvPicPr>
+                          <p:cNvPr id="158" name="圖片 157"/>
+                          <p:cNvPicPr>
+                            <a:picLocks noChangeAspect="1"/>
+                          </p:cNvPicPr>
+                          <p:nvPr/>
+                        </p:nvPicPr>
+                        <p:blipFill rotWithShape="1">
+                          <a:blip r:embed="rId2">
+                            <a:extLst>
+                              <a:ext uri="{28A0092B-C50C-407E-A947-70E740481C1C}">
+                                <a14:useLocalDpi xmlns:a14="http://schemas.microsoft.com/office/drawing/2010/main" val="0"/>
+                              </a:ext>
+                            </a:extLst>
+                          </a:blip>
+                          <a:srcRect l="86876" t="48057" r="2292" b="38517"/>
+                          <a:stretch/>
+                        </p:blipFill>
+                        <p:spPr>
+                          <a:xfrm>
+                            <a:off x="10927810" y="719103"/>
+                            <a:ext cx="970488" cy="900349"/>
+                          </a:xfrm>
+                          <a:prstGeom prst="rect">
+                            <a:avLst/>
+                          </a:prstGeom>
+                        </p:spPr>
+                      </p:pic>
+                      <p:pic>
+                        <p:nvPicPr>
+                          <p:cNvPr id="159" name="圖片 158"/>
+                          <p:cNvPicPr>
+                            <a:picLocks noChangeAspect="1"/>
+                          </p:cNvPicPr>
+                          <p:nvPr/>
+                        </p:nvPicPr>
+                        <p:blipFill rotWithShape="1">
+                          <a:blip r:embed="rId2">
+                            <a:extLst>
+                              <a:ext uri="{28A0092B-C50C-407E-A947-70E740481C1C}">
+                                <a14:useLocalDpi xmlns:a14="http://schemas.microsoft.com/office/drawing/2010/main" val="0"/>
+                              </a:ext>
+                            </a:extLst>
+                          </a:blip>
+                          <a:srcRect l="86876" t="48057" r="2292" b="38517"/>
+                          <a:stretch/>
+                        </p:blipFill>
+                        <p:spPr>
+                          <a:xfrm>
+                            <a:off x="10927810" y="1585144"/>
+                            <a:ext cx="970488" cy="900349"/>
+                          </a:xfrm>
+                          <a:prstGeom prst="rect">
+                            <a:avLst/>
+                          </a:prstGeom>
+                        </p:spPr>
+                      </p:pic>
+                    </p:grpSp>
+                  </p:grpSp>
+                  <p:grpSp>
+                    <p:nvGrpSpPr>
+                      <p:cNvPr id="149" name="群組 148"/>
+                      <p:cNvGrpSpPr/>
+                      <p:nvPr/>
+                    </p:nvGrpSpPr>
+                    <p:grpSpPr>
+                      <a:xfrm>
+                        <a:off x="10927810" y="4201202"/>
+                        <a:ext cx="970488" cy="3511748"/>
+                        <a:chOff x="10927810" y="719103"/>
+                        <a:chExt cx="970488" cy="3511748"/>
+                      </a:xfrm>
+                    </p:grpSpPr>
+                    <p:grpSp>
+                      <p:nvGrpSpPr>
+                        <p:cNvPr id="150" name="群組 149"/>
+                        <p:cNvGrpSpPr/>
+                        <p:nvPr/>
+                      </p:nvGrpSpPr>
+                      <p:grpSpPr>
+                        <a:xfrm>
+                          <a:off x="10927810" y="719103"/>
+                          <a:ext cx="970488" cy="1766390"/>
+                          <a:chOff x="10927810" y="719103"/>
+                          <a:chExt cx="970488" cy="1766390"/>
+                        </a:xfrm>
+                      </p:grpSpPr>
+                      <p:pic>
+                        <p:nvPicPr>
+                          <p:cNvPr id="154" name="圖片 153"/>
+                          <p:cNvPicPr>
+                            <a:picLocks noChangeAspect="1"/>
+                          </p:cNvPicPr>
+                          <p:nvPr/>
+                        </p:nvPicPr>
+                        <p:blipFill rotWithShape="1">
+                          <a:blip r:embed="rId2">
+                            <a:extLst>
+                              <a:ext uri="{28A0092B-C50C-407E-A947-70E740481C1C}">
+                                <a14:useLocalDpi xmlns:a14="http://schemas.microsoft.com/office/drawing/2010/main" val="0"/>
+                              </a:ext>
+                            </a:extLst>
+                          </a:blip>
+                          <a:srcRect l="86876" t="48057" r="2292" b="38517"/>
+                          <a:stretch/>
+                        </p:blipFill>
+                        <p:spPr>
+                          <a:xfrm>
+                            <a:off x="10927810" y="719103"/>
+                            <a:ext cx="970488" cy="900349"/>
+                          </a:xfrm>
+                          <a:prstGeom prst="rect">
+                            <a:avLst/>
+                          </a:prstGeom>
+                        </p:spPr>
+                      </p:pic>
+                      <p:pic>
+                        <p:nvPicPr>
+                          <p:cNvPr id="155" name="圖片 154"/>
+                          <p:cNvPicPr>
+                            <a:picLocks noChangeAspect="1"/>
+                          </p:cNvPicPr>
+                          <p:nvPr/>
+                        </p:nvPicPr>
+                        <p:blipFill rotWithShape="1">
+                          <a:blip r:embed="rId2">
+                            <a:extLst>
+                              <a:ext uri="{28A0092B-C50C-407E-A947-70E740481C1C}">
+                                <a14:useLocalDpi xmlns:a14="http://schemas.microsoft.com/office/drawing/2010/main" val="0"/>
+                              </a:ext>
+                            </a:extLst>
+                          </a:blip>
+                          <a:srcRect l="86876" t="48057" r="2292" b="38517"/>
+                          <a:stretch/>
+                        </p:blipFill>
+                        <p:spPr>
+                          <a:xfrm>
+                            <a:off x="10927810" y="1585144"/>
+                            <a:ext cx="970488" cy="900349"/>
+                          </a:xfrm>
+                          <a:prstGeom prst="rect">
+                            <a:avLst/>
+                          </a:prstGeom>
+                        </p:spPr>
+                      </p:pic>
+                    </p:grpSp>
+                    <p:grpSp>
+                      <p:nvGrpSpPr>
+                        <p:cNvPr id="151" name="群組 150"/>
+                        <p:cNvGrpSpPr/>
+                        <p:nvPr/>
+                      </p:nvGrpSpPr>
+                      <p:grpSpPr>
+                        <a:xfrm>
+                          <a:off x="10927810" y="2464461"/>
+                          <a:ext cx="970488" cy="1766390"/>
+                          <a:chOff x="10927810" y="719103"/>
+                          <a:chExt cx="970488" cy="1766390"/>
+                        </a:xfrm>
+                      </p:grpSpPr>
+                      <p:pic>
+                        <p:nvPicPr>
+                          <p:cNvPr id="152" name="圖片 151"/>
+                          <p:cNvPicPr>
+                            <a:picLocks noChangeAspect="1"/>
+                          </p:cNvPicPr>
+                          <p:nvPr/>
+                        </p:nvPicPr>
+                        <p:blipFill rotWithShape="1">
+                          <a:blip r:embed="rId2">
+                            <a:extLst>
+                              <a:ext uri="{28A0092B-C50C-407E-A947-70E740481C1C}">
+                                <a14:useLocalDpi xmlns:a14="http://schemas.microsoft.com/office/drawing/2010/main" val="0"/>
+                              </a:ext>
+                            </a:extLst>
+                          </a:blip>
+                          <a:srcRect l="86876" t="48057" r="2292" b="38517"/>
+                          <a:stretch/>
+                        </p:blipFill>
+                        <p:spPr>
+                          <a:xfrm>
+                            <a:off x="10927810" y="719103"/>
+                            <a:ext cx="970488" cy="900349"/>
+                          </a:xfrm>
+                          <a:prstGeom prst="rect">
+                            <a:avLst/>
+                          </a:prstGeom>
+                        </p:spPr>
+                      </p:pic>
+                      <p:pic>
+                        <p:nvPicPr>
+                          <p:cNvPr id="153" name="圖片 152"/>
+                          <p:cNvPicPr>
+                            <a:picLocks noChangeAspect="1"/>
+                          </p:cNvPicPr>
+                          <p:nvPr/>
+                        </p:nvPicPr>
+                        <p:blipFill rotWithShape="1">
+                          <a:blip r:embed="rId2">
+                            <a:extLst>
+                              <a:ext uri="{28A0092B-C50C-407E-A947-70E740481C1C}">
+                                <a14:useLocalDpi xmlns:a14="http://schemas.microsoft.com/office/drawing/2010/main" val="0"/>
+                              </a:ext>
+                            </a:extLst>
+                          </a:blip>
+                          <a:srcRect l="86876" t="48057" r="2292" b="38517"/>
+                          <a:stretch/>
+                        </p:blipFill>
+                        <p:spPr>
+                          <a:xfrm>
+                            <a:off x="10927810" y="1585144"/>
+                            <a:ext cx="970488" cy="900349"/>
+                          </a:xfrm>
+                          <a:prstGeom prst="rect">
+                            <a:avLst/>
+                          </a:prstGeom>
+                        </p:spPr>
+                      </p:pic>
+                    </p:grpSp>
+                  </p:grpSp>
+                </p:grpSp>
+              </p:grpSp>
+              <p:grpSp>
+                <p:nvGrpSpPr>
+                  <p:cNvPr id="162" name="群組 161"/>
+                  <p:cNvGrpSpPr/>
+                  <p:nvPr/>
+                </p:nvGrpSpPr>
+                <p:grpSpPr>
+                  <a:xfrm>
+                    <a:off x="13274732" y="7412"/>
+                    <a:ext cx="1922572" cy="6993847"/>
+                    <a:chOff x="11372167" y="7412"/>
+                    <a:chExt cx="1922572" cy="6993847"/>
+                  </a:xfrm>
+                </p:grpSpPr>
+                <p:grpSp>
+                  <p:nvGrpSpPr>
+                    <p:cNvPr id="163" name="群組 162"/>
+                    <p:cNvGrpSpPr/>
+                    <p:nvPr/>
+                  </p:nvGrpSpPr>
+                  <p:grpSpPr>
+                    <a:xfrm>
+                      <a:off x="11372167" y="7412"/>
+                      <a:ext cx="970488" cy="6993847"/>
+                      <a:chOff x="10927810" y="719103"/>
+                      <a:chExt cx="970488" cy="6993847"/>
+                    </a:xfrm>
+                  </p:grpSpPr>
+                  <p:grpSp>
+                    <p:nvGrpSpPr>
+                      <p:cNvPr id="179" name="群組 178"/>
+                      <p:cNvGrpSpPr/>
+                      <p:nvPr/>
+                    </p:nvGrpSpPr>
+                    <p:grpSpPr>
+                      <a:xfrm>
+                        <a:off x="10927810" y="719103"/>
+                        <a:ext cx="970488" cy="3511748"/>
+                        <a:chOff x="10927810" y="719103"/>
+                        <a:chExt cx="970488" cy="3511748"/>
+                      </a:xfrm>
+                    </p:grpSpPr>
+                    <p:grpSp>
+                      <p:nvGrpSpPr>
+                        <p:cNvPr id="187" name="群組 186"/>
+                        <p:cNvGrpSpPr/>
+                        <p:nvPr/>
+                      </p:nvGrpSpPr>
+                      <p:grpSpPr>
+                        <a:xfrm>
+                          <a:off x="10927810" y="719103"/>
+                          <a:ext cx="970488" cy="1766390"/>
+                          <a:chOff x="10927810" y="719103"/>
+                          <a:chExt cx="970488" cy="1766390"/>
+                        </a:xfrm>
+                      </p:grpSpPr>
+                      <p:pic>
+                        <p:nvPicPr>
+                          <p:cNvPr id="191" name="圖片 190"/>
+                          <p:cNvPicPr>
+                            <a:picLocks noChangeAspect="1"/>
+                          </p:cNvPicPr>
+                          <p:nvPr/>
+                        </p:nvPicPr>
+                        <p:blipFill rotWithShape="1">
+                          <a:blip r:embed="rId2">
+                            <a:extLst>
+                              <a:ext uri="{28A0092B-C50C-407E-A947-70E740481C1C}">
+                                <a14:useLocalDpi xmlns:a14="http://schemas.microsoft.com/office/drawing/2010/main" val="0"/>
+                              </a:ext>
+                            </a:extLst>
+                          </a:blip>
+                          <a:srcRect l="86876" t="48057" r="2292" b="38517"/>
+                          <a:stretch/>
+                        </p:blipFill>
+                        <p:spPr>
+                          <a:xfrm>
+                            <a:off x="10927810" y="719103"/>
+                            <a:ext cx="970488" cy="900349"/>
+                          </a:xfrm>
+                          <a:prstGeom prst="rect">
+                            <a:avLst/>
+                          </a:prstGeom>
+                        </p:spPr>
+                      </p:pic>
+                      <p:pic>
+                        <p:nvPicPr>
+                          <p:cNvPr id="192" name="圖片 191"/>
+                          <p:cNvPicPr>
+                            <a:picLocks noChangeAspect="1"/>
+                          </p:cNvPicPr>
+                          <p:nvPr/>
+                        </p:nvPicPr>
+                        <p:blipFill rotWithShape="1">
+                          <a:blip r:embed="rId2">
+                            <a:extLst>
+                              <a:ext uri="{28A0092B-C50C-407E-A947-70E740481C1C}">
+                                <a14:useLocalDpi xmlns:a14="http://schemas.microsoft.com/office/drawing/2010/main" val="0"/>
+                              </a:ext>
+                            </a:extLst>
+                          </a:blip>
+                          <a:srcRect l="86876" t="48057" r="2292" b="38517"/>
+                          <a:stretch/>
+                        </p:blipFill>
+                        <p:spPr>
+                          <a:xfrm>
+                            <a:off x="10927810" y="1585144"/>
+                            <a:ext cx="970488" cy="900349"/>
+                          </a:xfrm>
+                          <a:prstGeom prst="rect">
+                            <a:avLst/>
+                          </a:prstGeom>
+                        </p:spPr>
+                      </p:pic>
+                    </p:grpSp>
+                    <p:grpSp>
+                      <p:nvGrpSpPr>
+                        <p:cNvPr id="188" name="群組 187"/>
+                        <p:cNvGrpSpPr/>
+                        <p:nvPr/>
+                      </p:nvGrpSpPr>
+                      <p:grpSpPr>
+                        <a:xfrm>
+                          <a:off x="10927810" y="2464461"/>
+                          <a:ext cx="970488" cy="1766390"/>
+                          <a:chOff x="10927810" y="719103"/>
+                          <a:chExt cx="970488" cy="1766390"/>
+                        </a:xfrm>
+                      </p:grpSpPr>
+                      <p:pic>
+                        <p:nvPicPr>
+                          <p:cNvPr id="189" name="圖片 188"/>
+                          <p:cNvPicPr>
+                            <a:picLocks noChangeAspect="1"/>
+                          </p:cNvPicPr>
+                          <p:nvPr/>
+                        </p:nvPicPr>
+                        <p:blipFill rotWithShape="1">
+                          <a:blip r:embed="rId2">
+                            <a:extLst>
+                              <a:ext uri="{28A0092B-C50C-407E-A947-70E740481C1C}">
+                                <a14:useLocalDpi xmlns:a14="http://schemas.microsoft.com/office/drawing/2010/main" val="0"/>
+                              </a:ext>
+                            </a:extLst>
+                          </a:blip>
+                          <a:srcRect l="86876" t="48057" r="2292" b="38517"/>
+                          <a:stretch/>
+                        </p:blipFill>
+                        <p:spPr>
+                          <a:xfrm>
+                            <a:off x="10927810" y="719103"/>
+                            <a:ext cx="970488" cy="900349"/>
+                          </a:xfrm>
+                          <a:prstGeom prst="rect">
+                            <a:avLst/>
+                          </a:prstGeom>
+                        </p:spPr>
+                      </p:pic>
+                      <p:pic>
+                        <p:nvPicPr>
+                          <p:cNvPr id="190" name="圖片 189"/>
+                          <p:cNvPicPr>
+                            <a:picLocks noChangeAspect="1"/>
+                          </p:cNvPicPr>
+                          <p:nvPr/>
+                        </p:nvPicPr>
+                        <p:blipFill rotWithShape="1">
+                          <a:blip r:embed="rId2">
+                            <a:extLst>
+                              <a:ext uri="{28A0092B-C50C-407E-A947-70E740481C1C}">
+                                <a14:useLocalDpi xmlns:a14="http://schemas.microsoft.com/office/drawing/2010/main" val="0"/>
+                              </a:ext>
+                            </a:extLst>
+                          </a:blip>
+                          <a:srcRect l="86876" t="48057" r="2292" b="38517"/>
+                          <a:stretch/>
+                        </p:blipFill>
+                        <p:spPr>
+                          <a:xfrm>
+                            <a:off x="10927810" y="1585144"/>
+                            <a:ext cx="970488" cy="900349"/>
+                          </a:xfrm>
+                          <a:prstGeom prst="rect">
+                            <a:avLst/>
+                          </a:prstGeom>
+                        </p:spPr>
+                      </p:pic>
+                    </p:grpSp>
+                  </p:grpSp>
+                  <p:grpSp>
+                    <p:nvGrpSpPr>
+                      <p:cNvPr id="180" name="群組 179"/>
+                      <p:cNvGrpSpPr/>
+                      <p:nvPr/>
+                    </p:nvGrpSpPr>
+                    <p:grpSpPr>
+                      <a:xfrm>
+                        <a:off x="10927810" y="4201202"/>
+                        <a:ext cx="970488" cy="3511748"/>
+                        <a:chOff x="10927810" y="719103"/>
+                        <a:chExt cx="970488" cy="3511748"/>
+                      </a:xfrm>
+                    </p:grpSpPr>
+                    <p:grpSp>
+                      <p:nvGrpSpPr>
+                        <p:cNvPr id="181" name="群組 180"/>
+                        <p:cNvGrpSpPr/>
+                        <p:nvPr/>
+                      </p:nvGrpSpPr>
+                      <p:grpSpPr>
+                        <a:xfrm>
+                          <a:off x="10927810" y="719103"/>
+                          <a:ext cx="970488" cy="1766390"/>
+                          <a:chOff x="10927810" y="719103"/>
+                          <a:chExt cx="970488" cy="1766390"/>
+                        </a:xfrm>
+                      </p:grpSpPr>
+                      <p:pic>
+                        <p:nvPicPr>
+                          <p:cNvPr id="185" name="圖片 184"/>
+                          <p:cNvPicPr>
+                            <a:picLocks noChangeAspect="1"/>
+                          </p:cNvPicPr>
+                          <p:nvPr/>
+                        </p:nvPicPr>
+                        <p:blipFill rotWithShape="1">
+                          <a:blip r:embed="rId2">
+                            <a:extLst>
+                              <a:ext uri="{28A0092B-C50C-407E-A947-70E740481C1C}">
+                                <a14:useLocalDpi xmlns:a14="http://schemas.microsoft.com/office/drawing/2010/main" val="0"/>
+                              </a:ext>
+                            </a:extLst>
+                          </a:blip>
+                          <a:srcRect l="86876" t="48057" r="2292" b="38517"/>
+                          <a:stretch/>
+                        </p:blipFill>
+                        <p:spPr>
+                          <a:xfrm>
+                            <a:off x="10927810" y="719103"/>
+                            <a:ext cx="970488" cy="900349"/>
+                          </a:xfrm>
+                          <a:prstGeom prst="rect">
+                            <a:avLst/>
+                          </a:prstGeom>
+                        </p:spPr>
+                      </p:pic>
+                      <p:pic>
+                        <p:nvPicPr>
+                          <p:cNvPr id="186" name="圖片 185"/>
+                          <p:cNvPicPr>
+                            <a:picLocks noChangeAspect="1"/>
+                          </p:cNvPicPr>
+                          <p:nvPr/>
+                        </p:nvPicPr>
+                        <p:blipFill rotWithShape="1">
+                          <a:blip r:embed="rId2">
+                            <a:extLst>
+                              <a:ext uri="{28A0092B-C50C-407E-A947-70E740481C1C}">
+                                <a14:useLocalDpi xmlns:a14="http://schemas.microsoft.com/office/drawing/2010/main" val="0"/>
+                              </a:ext>
+                            </a:extLst>
+                          </a:blip>
+                          <a:srcRect l="86876" t="48057" r="2292" b="38517"/>
+                          <a:stretch/>
+                        </p:blipFill>
+                        <p:spPr>
+                          <a:xfrm>
+                            <a:off x="10927810" y="1585144"/>
+                            <a:ext cx="970488" cy="900349"/>
+                          </a:xfrm>
+                          <a:prstGeom prst="rect">
+                            <a:avLst/>
+                          </a:prstGeom>
+                        </p:spPr>
+                      </p:pic>
+                    </p:grpSp>
+                    <p:grpSp>
+                      <p:nvGrpSpPr>
+                        <p:cNvPr id="182" name="群組 181"/>
+                        <p:cNvGrpSpPr/>
+                        <p:nvPr/>
+                      </p:nvGrpSpPr>
+                      <p:grpSpPr>
+                        <a:xfrm>
+                          <a:off x="10927810" y="2464461"/>
+                          <a:ext cx="970488" cy="1766390"/>
+                          <a:chOff x="10927810" y="719103"/>
+                          <a:chExt cx="970488" cy="1766390"/>
+                        </a:xfrm>
+                      </p:grpSpPr>
+                      <p:pic>
+                        <p:nvPicPr>
+                          <p:cNvPr id="183" name="圖片 182"/>
+                          <p:cNvPicPr>
+                            <a:picLocks noChangeAspect="1"/>
+                          </p:cNvPicPr>
+                          <p:nvPr/>
+                        </p:nvPicPr>
+                        <p:blipFill rotWithShape="1">
+                          <a:blip r:embed="rId2">
+                            <a:extLst>
+                              <a:ext uri="{28A0092B-C50C-407E-A947-70E740481C1C}">
+                                <a14:useLocalDpi xmlns:a14="http://schemas.microsoft.com/office/drawing/2010/main" val="0"/>
+                              </a:ext>
+                            </a:extLst>
+                          </a:blip>
+                          <a:srcRect l="86876" t="48057" r="2292" b="38517"/>
+                          <a:stretch/>
+                        </p:blipFill>
+                        <p:spPr>
+                          <a:xfrm>
+                            <a:off x="10927810" y="719103"/>
+                            <a:ext cx="970488" cy="900349"/>
+                          </a:xfrm>
+                          <a:prstGeom prst="rect">
+                            <a:avLst/>
+                          </a:prstGeom>
+                        </p:spPr>
+                      </p:pic>
+                      <p:pic>
+                        <p:nvPicPr>
+                          <p:cNvPr id="184" name="圖片 183"/>
+                          <p:cNvPicPr>
+                            <a:picLocks noChangeAspect="1"/>
+                          </p:cNvPicPr>
+                          <p:nvPr/>
+                        </p:nvPicPr>
+                        <p:blipFill rotWithShape="1">
+                          <a:blip r:embed="rId2">
+                            <a:extLst>
+                              <a:ext uri="{28A0092B-C50C-407E-A947-70E740481C1C}">
+                                <a14:useLocalDpi xmlns:a14="http://schemas.microsoft.com/office/drawing/2010/main" val="0"/>
+                              </a:ext>
+                            </a:extLst>
+                          </a:blip>
+                          <a:srcRect l="86876" t="48057" r="2292" b="38517"/>
+                          <a:stretch/>
+                        </p:blipFill>
+                        <p:spPr>
+                          <a:xfrm>
+                            <a:off x="10927810" y="1585144"/>
+                            <a:ext cx="970488" cy="900349"/>
+                          </a:xfrm>
+                          <a:prstGeom prst="rect">
+                            <a:avLst/>
+                          </a:prstGeom>
+                        </p:spPr>
+                      </p:pic>
+                    </p:grpSp>
+                  </p:grpSp>
+                </p:grpSp>
+                <p:grpSp>
+                  <p:nvGrpSpPr>
+                    <p:cNvPr id="164" name="群組 163"/>
+                    <p:cNvGrpSpPr/>
+                    <p:nvPr/>
+                  </p:nvGrpSpPr>
+                  <p:grpSpPr>
+                    <a:xfrm>
+                      <a:off x="12324251" y="7412"/>
+                      <a:ext cx="970488" cy="6993847"/>
+                      <a:chOff x="10927810" y="719103"/>
+                      <a:chExt cx="970488" cy="6993847"/>
+                    </a:xfrm>
+                  </p:grpSpPr>
+                  <p:grpSp>
+                    <p:nvGrpSpPr>
+                      <p:cNvPr id="165" name="群組 164"/>
+                      <p:cNvGrpSpPr/>
+                      <p:nvPr/>
+                    </p:nvGrpSpPr>
+                    <p:grpSpPr>
+                      <a:xfrm>
+                        <a:off x="10927810" y="719103"/>
+                        <a:ext cx="970488" cy="3511748"/>
+                        <a:chOff x="10927810" y="719103"/>
+                        <a:chExt cx="970488" cy="3511748"/>
+                      </a:xfrm>
+                    </p:grpSpPr>
+                    <p:grpSp>
+                      <p:nvGrpSpPr>
+                        <p:cNvPr id="173" name="群組 172"/>
+                        <p:cNvGrpSpPr/>
+                        <p:nvPr/>
+                      </p:nvGrpSpPr>
+                      <p:grpSpPr>
+                        <a:xfrm>
+                          <a:off x="10927810" y="719103"/>
+                          <a:ext cx="970488" cy="1766390"/>
+                          <a:chOff x="10927810" y="719103"/>
+                          <a:chExt cx="970488" cy="1766390"/>
+                        </a:xfrm>
+                      </p:grpSpPr>
+                      <p:pic>
+                        <p:nvPicPr>
+                          <p:cNvPr id="177" name="圖片 176"/>
+                          <p:cNvPicPr>
+                            <a:picLocks noChangeAspect="1"/>
+                          </p:cNvPicPr>
+                          <p:nvPr/>
+                        </p:nvPicPr>
+                        <p:blipFill rotWithShape="1">
+                          <a:blip r:embed="rId2">
+                            <a:extLst>
+                              <a:ext uri="{28A0092B-C50C-407E-A947-70E740481C1C}">
+                                <a14:useLocalDpi xmlns:a14="http://schemas.microsoft.com/office/drawing/2010/main" val="0"/>
+                              </a:ext>
+                            </a:extLst>
+                          </a:blip>
+                          <a:srcRect l="86876" t="48057" r="2292" b="38517"/>
+                          <a:stretch/>
+                        </p:blipFill>
+                        <p:spPr>
+                          <a:xfrm>
+                            <a:off x="10927810" y="719103"/>
+                            <a:ext cx="970488" cy="900349"/>
+                          </a:xfrm>
+                          <a:prstGeom prst="rect">
+                            <a:avLst/>
+                          </a:prstGeom>
+                        </p:spPr>
+                      </p:pic>
+                      <p:pic>
+                        <p:nvPicPr>
+                          <p:cNvPr id="178" name="圖片 177"/>
+                          <p:cNvPicPr>
+                            <a:picLocks noChangeAspect="1"/>
+                          </p:cNvPicPr>
+                          <p:nvPr/>
+                        </p:nvPicPr>
+                        <p:blipFill rotWithShape="1">
+                          <a:blip r:embed="rId2">
+                            <a:extLst>
+                              <a:ext uri="{28A0092B-C50C-407E-A947-70E740481C1C}">
+                                <a14:useLocalDpi xmlns:a14="http://schemas.microsoft.com/office/drawing/2010/main" val="0"/>
+                              </a:ext>
+                            </a:extLst>
+                          </a:blip>
+                          <a:srcRect l="86876" t="48057" r="2292" b="38517"/>
+                          <a:stretch/>
+                        </p:blipFill>
+                        <p:spPr>
+                          <a:xfrm>
+                            <a:off x="10927810" y="1585144"/>
+                            <a:ext cx="970488" cy="900349"/>
+                          </a:xfrm>
+                          <a:prstGeom prst="rect">
+                            <a:avLst/>
+                          </a:prstGeom>
+                        </p:spPr>
+                      </p:pic>
+                    </p:grpSp>
+                    <p:grpSp>
+                      <p:nvGrpSpPr>
+                        <p:cNvPr id="174" name="群組 173"/>
+                        <p:cNvGrpSpPr/>
+                        <p:nvPr/>
+                      </p:nvGrpSpPr>
+                      <p:grpSpPr>
+                        <a:xfrm>
+                          <a:off x="10927810" y="2464461"/>
+                          <a:ext cx="970488" cy="1766390"/>
+                          <a:chOff x="10927810" y="719103"/>
+                          <a:chExt cx="970488" cy="1766390"/>
+                        </a:xfrm>
+                      </p:grpSpPr>
+                      <p:pic>
+                        <p:nvPicPr>
+                          <p:cNvPr id="175" name="圖片 174"/>
+                          <p:cNvPicPr>
+                            <a:picLocks noChangeAspect="1"/>
+                          </p:cNvPicPr>
+                          <p:nvPr/>
+                        </p:nvPicPr>
+                        <p:blipFill rotWithShape="1">
+                          <a:blip r:embed="rId2">
+                            <a:extLst>
+                              <a:ext uri="{28A0092B-C50C-407E-A947-70E740481C1C}">
+                                <a14:useLocalDpi xmlns:a14="http://schemas.microsoft.com/office/drawing/2010/main" val="0"/>
+                              </a:ext>
+                            </a:extLst>
+                          </a:blip>
+                          <a:srcRect l="86876" t="48057" r="2292" b="38517"/>
+                          <a:stretch/>
+                        </p:blipFill>
+                        <p:spPr>
+                          <a:xfrm>
+                            <a:off x="10927810" y="719103"/>
+                            <a:ext cx="970488" cy="900349"/>
+                          </a:xfrm>
+                          <a:prstGeom prst="rect">
+                            <a:avLst/>
+                          </a:prstGeom>
+                        </p:spPr>
+                      </p:pic>
+                      <p:pic>
+                        <p:nvPicPr>
+                          <p:cNvPr id="176" name="圖片 175"/>
+                          <p:cNvPicPr>
+                            <a:picLocks noChangeAspect="1"/>
+                          </p:cNvPicPr>
+                          <p:nvPr/>
+                        </p:nvPicPr>
+                        <p:blipFill rotWithShape="1">
+                          <a:blip r:embed="rId2">
+                            <a:extLst>
+                              <a:ext uri="{28A0092B-C50C-407E-A947-70E740481C1C}">
+                                <a14:useLocalDpi xmlns:a14="http://schemas.microsoft.com/office/drawing/2010/main" val="0"/>
+                              </a:ext>
+                            </a:extLst>
+                          </a:blip>
+                          <a:srcRect l="86876" t="48057" r="2292" b="38517"/>
+                          <a:stretch/>
+                        </p:blipFill>
+                        <p:spPr>
+                          <a:xfrm>
+                            <a:off x="10927810" y="1585144"/>
+                            <a:ext cx="970488" cy="900349"/>
+                          </a:xfrm>
+                          <a:prstGeom prst="rect">
+                            <a:avLst/>
+                          </a:prstGeom>
+                        </p:spPr>
+                      </p:pic>
+                    </p:grpSp>
+                  </p:grpSp>
+                  <p:grpSp>
+                    <p:nvGrpSpPr>
+                      <p:cNvPr id="166" name="群組 165"/>
+                      <p:cNvGrpSpPr/>
+                      <p:nvPr/>
+                    </p:nvGrpSpPr>
+                    <p:grpSpPr>
+                      <a:xfrm>
+                        <a:off x="10927810" y="4201202"/>
+                        <a:ext cx="970488" cy="3511748"/>
+                        <a:chOff x="10927810" y="719103"/>
+                        <a:chExt cx="970488" cy="3511748"/>
+                      </a:xfrm>
+                    </p:grpSpPr>
+                    <p:grpSp>
+                      <p:nvGrpSpPr>
+                        <p:cNvPr id="167" name="群組 166"/>
+                        <p:cNvGrpSpPr/>
+                        <p:nvPr/>
+                      </p:nvGrpSpPr>
+                      <p:grpSpPr>
+                        <a:xfrm>
+                          <a:off x="10927810" y="719103"/>
+                          <a:ext cx="970488" cy="1766390"/>
+                          <a:chOff x="10927810" y="719103"/>
+                          <a:chExt cx="970488" cy="1766390"/>
+                        </a:xfrm>
+                      </p:grpSpPr>
+                      <p:pic>
+                        <p:nvPicPr>
+                          <p:cNvPr id="171" name="圖片 170"/>
+                          <p:cNvPicPr>
+                            <a:picLocks noChangeAspect="1"/>
+                          </p:cNvPicPr>
+                          <p:nvPr/>
+                        </p:nvPicPr>
+                        <p:blipFill rotWithShape="1">
+                          <a:blip r:embed="rId2">
+                            <a:extLst>
+                              <a:ext uri="{28A0092B-C50C-407E-A947-70E740481C1C}">
+                                <a14:useLocalDpi xmlns:a14="http://schemas.microsoft.com/office/drawing/2010/main" val="0"/>
+                              </a:ext>
+                            </a:extLst>
+                          </a:blip>
+                          <a:srcRect l="86876" t="48057" r="2292" b="38517"/>
+                          <a:stretch/>
+                        </p:blipFill>
+                        <p:spPr>
+                          <a:xfrm>
+                            <a:off x="10927810" y="719103"/>
+                            <a:ext cx="970488" cy="900349"/>
+                          </a:xfrm>
+                          <a:prstGeom prst="rect">
+                            <a:avLst/>
+                          </a:prstGeom>
+                        </p:spPr>
+                      </p:pic>
+                      <p:pic>
+                        <p:nvPicPr>
+                          <p:cNvPr id="172" name="圖片 171"/>
+                          <p:cNvPicPr>
+                            <a:picLocks noChangeAspect="1"/>
+                          </p:cNvPicPr>
+                          <p:nvPr/>
+                        </p:nvPicPr>
+                        <p:blipFill rotWithShape="1">
+                          <a:blip r:embed="rId2">
+                            <a:extLst>
+                              <a:ext uri="{28A0092B-C50C-407E-A947-70E740481C1C}">
+                                <a14:useLocalDpi xmlns:a14="http://schemas.microsoft.com/office/drawing/2010/main" val="0"/>
+                              </a:ext>
+                            </a:extLst>
+                          </a:blip>
+                          <a:srcRect l="86876" t="48057" r="2292" b="38517"/>
+                          <a:stretch/>
+                        </p:blipFill>
+                        <p:spPr>
+                          <a:xfrm>
+                            <a:off x="10927810" y="1585144"/>
+                            <a:ext cx="970488" cy="900349"/>
+                          </a:xfrm>
+                          <a:prstGeom prst="rect">
+                            <a:avLst/>
+                          </a:prstGeom>
+                        </p:spPr>
+                      </p:pic>
+                    </p:grpSp>
+                    <p:grpSp>
+                      <p:nvGrpSpPr>
+                        <p:cNvPr id="168" name="群組 167"/>
+                        <p:cNvGrpSpPr/>
+                        <p:nvPr/>
+                      </p:nvGrpSpPr>
+                      <p:grpSpPr>
+                        <a:xfrm>
+                          <a:off x="10927810" y="2464461"/>
+                          <a:ext cx="970488" cy="1766390"/>
+                          <a:chOff x="10927810" y="719103"/>
+                          <a:chExt cx="970488" cy="1766390"/>
+                        </a:xfrm>
+                      </p:grpSpPr>
+                      <p:pic>
+                        <p:nvPicPr>
+                          <p:cNvPr id="169" name="圖片 168"/>
+                          <p:cNvPicPr>
+                            <a:picLocks noChangeAspect="1"/>
+                          </p:cNvPicPr>
+                          <p:nvPr/>
+                        </p:nvPicPr>
+                        <p:blipFill rotWithShape="1">
+                          <a:blip r:embed="rId2">
+                            <a:extLst>
+                              <a:ext uri="{28A0092B-C50C-407E-A947-70E740481C1C}">
+                                <a14:useLocalDpi xmlns:a14="http://schemas.microsoft.com/office/drawing/2010/main" val="0"/>
+                              </a:ext>
+                            </a:extLst>
+                          </a:blip>
+                          <a:srcRect l="86876" t="48057" r="2292" b="38517"/>
+                          <a:stretch/>
+                        </p:blipFill>
+                        <p:spPr>
+                          <a:xfrm>
+                            <a:off x="10927810" y="719103"/>
+                            <a:ext cx="970488" cy="900349"/>
+                          </a:xfrm>
+                          <a:prstGeom prst="rect">
+                            <a:avLst/>
+                          </a:prstGeom>
+                        </p:spPr>
+                      </p:pic>
+                      <p:pic>
+                        <p:nvPicPr>
+                          <p:cNvPr id="170" name="圖片 169"/>
+                          <p:cNvPicPr>
+                            <a:picLocks noChangeAspect="1"/>
+                          </p:cNvPicPr>
+                          <p:nvPr/>
+                        </p:nvPicPr>
+                        <p:blipFill rotWithShape="1">
+                          <a:blip r:embed="rId2">
+                            <a:extLst>
+                              <a:ext uri="{28A0092B-C50C-407E-A947-70E740481C1C}">
+                                <a14:useLocalDpi xmlns:a14="http://schemas.microsoft.com/office/drawing/2010/main" val="0"/>
+                              </a:ext>
+                            </a:extLst>
+                          </a:blip>
+                          <a:srcRect l="86876" t="48057" r="2292" b="38517"/>
+                          <a:stretch/>
+                        </p:blipFill>
+                        <p:spPr>
+                          <a:xfrm>
+                            <a:off x="10927810" y="1585144"/>
+                            <a:ext cx="970488" cy="900349"/>
+                          </a:xfrm>
+                          <a:prstGeom prst="rect">
+                            <a:avLst/>
+                          </a:prstGeom>
+                        </p:spPr>
+                      </p:pic>
+                    </p:grpSp>
+                  </p:grpSp>
+                </p:grpSp>
+              </p:grpSp>
+            </p:grpSp>
+            <p:grpSp>
+              <p:nvGrpSpPr>
+                <p:cNvPr id="193" name="群組 192"/>
+                <p:cNvGrpSpPr/>
+                <p:nvPr/>
+              </p:nvGrpSpPr>
+              <p:grpSpPr>
+                <a:xfrm>
+                  <a:off x="10171872" y="7412"/>
+                  <a:ext cx="3825137" cy="6993847"/>
+                  <a:chOff x="11372167" y="7412"/>
+                  <a:chExt cx="3825137" cy="6993847"/>
+                </a:xfrm>
+              </p:grpSpPr>
+              <p:grpSp>
+                <p:nvGrpSpPr>
+                  <p:cNvPr id="194" name="群組 193"/>
+                  <p:cNvGrpSpPr/>
+                  <p:nvPr/>
+                </p:nvGrpSpPr>
+                <p:grpSpPr>
+                  <a:xfrm>
+                    <a:off x="11372167" y="7412"/>
+                    <a:ext cx="1922572" cy="6993847"/>
+                    <a:chOff x="11372167" y="7412"/>
+                    <a:chExt cx="1922572" cy="6993847"/>
+                  </a:xfrm>
+                </p:grpSpPr>
+                <p:grpSp>
+                  <p:nvGrpSpPr>
+                    <p:cNvPr id="226" name="群組 225"/>
+                    <p:cNvGrpSpPr/>
+                    <p:nvPr/>
+                  </p:nvGrpSpPr>
+                  <p:grpSpPr>
+                    <a:xfrm>
+                      <a:off x="11372167" y="7412"/>
+                      <a:ext cx="970488" cy="6993847"/>
+                      <a:chOff x="10927810" y="719103"/>
+                      <a:chExt cx="970488" cy="6993847"/>
+                    </a:xfrm>
+                  </p:grpSpPr>
+                  <p:grpSp>
+                    <p:nvGrpSpPr>
+                      <p:cNvPr id="242" name="群組 241"/>
+                      <p:cNvGrpSpPr/>
+                      <p:nvPr/>
+                    </p:nvGrpSpPr>
+                    <p:grpSpPr>
+                      <a:xfrm>
+                        <a:off x="10927810" y="719103"/>
+                        <a:ext cx="970488" cy="3511748"/>
+                        <a:chOff x="10927810" y="719103"/>
+                        <a:chExt cx="970488" cy="3511748"/>
+                      </a:xfrm>
+                    </p:grpSpPr>
+                    <p:grpSp>
+                      <p:nvGrpSpPr>
+                        <p:cNvPr id="250" name="群組 249"/>
+                        <p:cNvGrpSpPr/>
+                        <p:nvPr/>
+                      </p:nvGrpSpPr>
+                      <p:grpSpPr>
+                        <a:xfrm>
+                          <a:off x="10927810" y="719103"/>
+                          <a:ext cx="970488" cy="1766390"/>
+                          <a:chOff x="10927810" y="719103"/>
+                          <a:chExt cx="970488" cy="1766390"/>
+                        </a:xfrm>
+                      </p:grpSpPr>
+                      <p:pic>
+                        <p:nvPicPr>
+                          <p:cNvPr id="254" name="圖片 253"/>
+                          <p:cNvPicPr>
+                            <a:picLocks noChangeAspect="1"/>
+                          </p:cNvPicPr>
+                          <p:nvPr/>
+                        </p:nvPicPr>
+                        <p:blipFill rotWithShape="1">
+                          <a:blip r:embed="rId2">
+                            <a:extLst>
+                              <a:ext uri="{28A0092B-C50C-407E-A947-70E740481C1C}">
+                                <a14:useLocalDpi xmlns:a14="http://schemas.microsoft.com/office/drawing/2010/main" val="0"/>
+                              </a:ext>
+                            </a:extLst>
+                          </a:blip>
+                          <a:srcRect l="86876" t="48057" r="2292" b="38517"/>
+                          <a:stretch/>
+                        </p:blipFill>
+                        <p:spPr>
+                          <a:xfrm>
+                            <a:off x="10927810" y="719103"/>
+                            <a:ext cx="970488" cy="900349"/>
+                          </a:xfrm>
+                          <a:prstGeom prst="rect">
+                            <a:avLst/>
+                          </a:prstGeom>
+                        </p:spPr>
+                      </p:pic>
+                      <p:pic>
+                        <p:nvPicPr>
+                          <p:cNvPr id="255" name="圖片 254"/>
+                          <p:cNvPicPr>
+                            <a:picLocks noChangeAspect="1"/>
+                          </p:cNvPicPr>
+                          <p:nvPr/>
+                        </p:nvPicPr>
+                        <p:blipFill rotWithShape="1">
+                          <a:blip r:embed="rId2">
+                            <a:extLst>
+                              <a:ext uri="{28A0092B-C50C-407E-A947-70E740481C1C}">
+                                <a14:useLocalDpi xmlns:a14="http://schemas.microsoft.com/office/drawing/2010/main" val="0"/>
+                              </a:ext>
+                            </a:extLst>
+                          </a:blip>
+                          <a:srcRect l="86876" t="48057" r="2292" b="38517"/>
+                          <a:stretch/>
+                        </p:blipFill>
+                        <p:spPr>
+                          <a:xfrm>
+                            <a:off x="10927810" y="1585144"/>
+                            <a:ext cx="970488" cy="900349"/>
+                          </a:xfrm>
+                          <a:prstGeom prst="rect">
+                            <a:avLst/>
+                          </a:prstGeom>
+                        </p:spPr>
+                      </p:pic>
+                    </p:grpSp>
+                    <p:grpSp>
+                      <p:nvGrpSpPr>
+                        <p:cNvPr id="251" name="群組 250"/>
+                        <p:cNvGrpSpPr/>
+                        <p:nvPr/>
+                      </p:nvGrpSpPr>
+                      <p:grpSpPr>
+                        <a:xfrm>
+                          <a:off x="10927810" y="2464461"/>
+                          <a:ext cx="970488" cy="1766390"/>
+                          <a:chOff x="10927810" y="719103"/>
+                          <a:chExt cx="970488" cy="1766390"/>
+                        </a:xfrm>
+                      </p:grpSpPr>
+                      <p:pic>
+                        <p:nvPicPr>
+                          <p:cNvPr id="252" name="圖片 251"/>
+                          <p:cNvPicPr>
+                            <a:picLocks noChangeAspect="1"/>
+                          </p:cNvPicPr>
+                          <p:nvPr/>
+                        </p:nvPicPr>
+                        <p:blipFill rotWithShape="1">
+                          <a:blip r:embed="rId2">
+                            <a:extLst>
+                              <a:ext uri="{28A0092B-C50C-407E-A947-70E740481C1C}">
+                                <a14:useLocalDpi xmlns:a14="http://schemas.microsoft.com/office/drawing/2010/main" val="0"/>
+                              </a:ext>
+                            </a:extLst>
+                          </a:blip>
+                          <a:srcRect l="86876" t="48057" r="2292" b="38517"/>
+                          <a:stretch/>
+                        </p:blipFill>
+                        <p:spPr>
+                          <a:xfrm>
+                            <a:off x="10927810" y="719103"/>
+                            <a:ext cx="970488" cy="900349"/>
+                          </a:xfrm>
+                          <a:prstGeom prst="rect">
+                            <a:avLst/>
+                          </a:prstGeom>
+                        </p:spPr>
+                      </p:pic>
+                      <p:pic>
+                        <p:nvPicPr>
+                          <p:cNvPr id="253" name="圖片 252"/>
+                          <p:cNvPicPr>
+                            <a:picLocks noChangeAspect="1"/>
+                          </p:cNvPicPr>
+                          <p:nvPr/>
+                        </p:nvPicPr>
+                        <p:blipFill rotWithShape="1">
+                          <a:blip r:embed="rId2">
+                            <a:extLst>
+                              <a:ext uri="{28A0092B-C50C-407E-A947-70E740481C1C}">
+                                <a14:useLocalDpi xmlns:a14="http://schemas.microsoft.com/office/drawing/2010/main" val="0"/>
+                              </a:ext>
+                            </a:extLst>
+                          </a:blip>
+                          <a:srcRect l="86876" t="48057" r="2292" b="38517"/>
+                          <a:stretch/>
+                        </p:blipFill>
+                        <p:spPr>
+                          <a:xfrm>
+                            <a:off x="10927810" y="1585144"/>
+                            <a:ext cx="970488" cy="900349"/>
+                          </a:xfrm>
+                          <a:prstGeom prst="rect">
+                            <a:avLst/>
+                          </a:prstGeom>
+                        </p:spPr>
+                      </p:pic>
+                    </p:grpSp>
+                  </p:grpSp>
+                  <p:grpSp>
+                    <p:nvGrpSpPr>
+                      <p:cNvPr id="243" name="群組 242"/>
+                      <p:cNvGrpSpPr/>
+                      <p:nvPr/>
+                    </p:nvGrpSpPr>
+                    <p:grpSpPr>
+                      <a:xfrm>
+                        <a:off x="10927810" y="4201202"/>
+                        <a:ext cx="970488" cy="3511748"/>
+                        <a:chOff x="10927810" y="719103"/>
+                        <a:chExt cx="970488" cy="3511748"/>
+                      </a:xfrm>
+                    </p:grpSpPr>
+                    <p:grpSp>
+                      <p:nvGrpSpPr>
+                        <p:cNvPr id="244" name="群組 243"/>
+                        <p:cNvGrpSpPr/>
+                        <p:nvPr/>
+                      </p:nvGrpSpPr>
+                      <p:grpSpPr>
+                        <a:xfrm>
+                          <a:off x="10927810" y="719103"/>
+                          <a:ext cx="970488" cy="1766390"/>
+                          <a:chOff x="10927810" y="719103"/>
+                          <a:chExt cx="970488" cy="1766390"/>
+                        </a:xfrm>
+                      </p:grpSpPr>
+                      <p:pic>
+                        <p:nvPicPr>
+                          <p:cNvPr id="248" name="圖片 247"/>
+                          <p:cNvPicPr>
+                            <a:picLocks noChangeAspect="1"/>
+                          </p:cNvPicPr>
+                          <p:nvPr/>
+                        </p:nvPicPr>
+                        <p:blipFill rotWithShape="1">
+                          <a:blip r:embed="rId2">
+                            <a:extLst>
+                              <a:ext uri="{28A0092B-C50C-407E-A947-70E740481C1C}">
+                                <a14:useLocalDpi xmlns:a14="http://schemas.microsoft.com/office/drawing/2010/main" val="0"/>
+                              </a:ext>
+                            </a:extLst>
+                          </a:blip>
+                          <a:srcRect l="86876" t="48057" r="2292" b="38517"/>
+                          <a:stretch/>
+                        </p:blipFill>
+                        <p:spPr>
+                          <a:xfrm>
+                            <a:off x="10927810" y="719103"/>
+                            <a:ext cx="970488" cy="900349"/>
+                          </a:xfrm>
+                          <a:prstGeom prst="rect">
+                            <a:avLst/>
+                          </a:prstGeom>
+                        </p:spPr>
+                      </p:pic>
+                      <p:pic>
+                        <p:nvPicPr>
+                          <p:cNvPr id="249" name="圖片 248"/>
+                          <p:cNvPicPr>
+                            <a:picLocks noChangeAspect="1"/>
+                          </p:cNvPicPr>
+                          <p:nvPr/>
+                        </p:nvPicPr>
+                        <p:blipFill rotWithShape="1">
+                          <a:blip r:embed="rId2">
+                            <a:extLst>
+                              <a:ext uri="{28A0092B-C50C-407E-A947-70E740481C1C}">
+                                <a14:useLocalDpi xmlns:a14="http://schemas.microsoft.com/office/drawing/2010/main" val="0"/>
+                              </a:ext>
+                            </a:extLst>
+                          </a:blip>
+                          <a:srcRect l="86876" t="48057" r="2292" b="38517"/>
+                          <a:stretch/>
+                        </p:blipFill>
+                        <p:spPr>
+                          <a:xfrm>
+                            <a:off x="10927810" y="1585144"/>
+                            <a:ext cx="970488" cy="900349"/>
+                          </a:xfrm>
+                          <a:prstGeom prst="rect">
+                            <a:avLst/>
+                          </a:prstGeom>
+                        </p:spPr>
+                      </p:pic>
+                    </p:grpSp>
+                    <p:grpSp>
+                      <p:nvGrpSpPr>
+                        <p:cNvPr id="245" name="群組 244"/>
+                        <p:cNvGrpSpPr/>
+                        <p:nvPr/>
+                      </p:nvGrpSpPr>
+                      <p:grpSpPr>
+                        <a:xfrm>
+                          <a:off x="10927810" y="2464461"/>
+                          <a:ext cx="970488" cy="1766390"/>
+                          <a:chOff x="10927810" y="719103"/>
+                          <a:chExt cx="970488" cy="1766390"/>
+                        </a:xfrm>
+                      </p:grpSpPr>
+                      <p:pic>
+                        <p:nvPicPr>
+                          <p:cNvPr id="246" name="圖片 245"/>
+                          <p:cNvPicPr>
+                            <a:picLocks noChangeAspect="1"/>
+                          </p:cNvPicPr>
+                          <p:nvPr/>
+                        </p:nvPicPr>
+                        <p:blipFill rotWithShape="1">
+                          <a:blip r:embed="rId2">
+                            <a:extLst>
+                              <a:ext uri="{28A0092B-C50C-407E-A947-70E740481C1C}">
+                                <a14:useLocalDpi xmlns:a14="http://schemas.microsoft.com/office/drawing/2010/main" val="0"/>
+                              </a:ext>
+                            </a:extLst>
+                          </a:blip>
+                          <a:srcRect l="86876" t="48057" r="2292" b="38517"/>
+                          <a:stretch/>
+                        </p:blipFill>
+                        <p:spPr>
+                          <a:xfrm>
+                            <a:off x="10927810" y="719103"/>
+                            <a:ext cx="970488" cy="900349"/>
+                          </a:xfrm>
+                          <a:prstGeom prst="rect">
+                            <a:avLst/>
+                          </a:prstGeom>
+                        </p:spPr>
+                      </p:pic>
+                      <p:pic>
+                        <p:nvPicPr>
+                          <p:cNvPr id="247" name="圖片 246"/>
+                          <p:cNvPicPr>
+                            <a:picLocks noChangeAspect="1"/>
+                          </p:cNvPicPr>
+                          <p:nvPr/>
+                        </p:nvPicPr>
+                        <p:blipFill rotWithShape="1">
+                          <a:blip r:embed="rId2">
+                            <a:extLst>
+                              <a:ext uri="{28A0092B-C50C-407E-A947-70E740481C1C}">
+                                <a14:useLocalDpi xmlns:a14="http://schemas.microsoft.com/office/drawing/2010/main" val="0"/>
+                              </a:ext>
+                            </a:extLst>
+                          </a:blip>
+                          <a:srcRect l="86876" t="48057" r="2292" b="38517"/>
+                          <a:stretch/>
+                        </p:blipFill>
+                        <p:spPr>
+                          <a:xfrm>
+                            <a:off x="10927810" y="1585144"/>
+                            <a:ext cx="970488" cy="900349"/>
+                          </a:xfrm>
+                          <a:prstGeom prst="rect">
+                            <a:avLst/>
+                          </a:prstGeom>
+                        </p:spPr>
+                      </p:pic>
+                    </p:grpSp>
+                  </p:grpSp>
+                </p:grpSp>
+                <p:grpSp>
+                  <p:nvGrpSpPr>
+                    <p:cNvPr id="227" name="群組 226"/>
+                    <p:cNvGrpSpPr/>
+                    <p:nvPr/>
+                  </p:nvGrpSpPr>
+                  <p:grpSpPr>
+                    <a:xfrm>
+                      <a:off x="12324251" y="7412"/>
+                      <a:ext cx="970488" cy="6993847"/>
+                      <a:chOff x="10927810" y="719103"/>
+                      <a:chExt cx="970488" cy="6993847"/>
+                    </a:xfrm>
+                  </p:grpSpPr>
+                  <p:grpSp>
+                    <p:nvGrpSpPr>
+                      <p:cNvPr id="228" name="群組 227"/>
+                      <p:cNvGrpSpPr/>
+                      <p:nvPr/>
+                    </p:nvGrpSpPr>
+                    <p:grpSpPr>
+                      <a:xfrm>
+                        <a:off x="10927810" y="719103"/>
+                        <a:ext cx="970488" cy="3511748"/>
+                        <a:chOff x="10927810" y="719103"/>
+                        <a:chExt cx="970488" cy="3511748"/>
+                      </a:xfrm>
+                    </p:grpSpPr>
+                    <p:grpSp>
+                      <p:nvGrpSpPr>
+                        <p:cNvPr id="236" name="群組 235"/>
+                        <p:cNvGrpSpPr/>
+                        <p:nvPr/>
+                      </p:nvGrpSpPr>
+                      <p:grpSpPr>
+                        <a:xfrm>
+                          <a:off x="10927810" y="719103"/>
+                          <a:ext cx="970488" cy="1766390"/>
+                          <a:chOff x="10927810" y="719103"/>
+                          <a:chExt cx="970488" cy="1766390"/>
+                        </a:xfrm>
+                      </p:grpSpPr>
+                      <p:pic>
+                        <p:nvPicPr>
+                          <p:cNvPr id="240" name="圖片 239"/>
+                          <p:cNvPicPr>
+                            <a:picLocks noChangeAspect="1"/>
+                          </p:cNvPicPr>
+                          <p:nvPr/>
+                        </p:nvPicPr>
+                        <p:blipFill rotWithShape="1">
+                          <a:blip r:embed="rId2">
+                            <a:extLst>
+                              <a:ext uri="{28A0092B-C50C-407E-A947-70E740481C1C}">
+                                <a14:useLocalDpi xmlns:a14="http://schemas.microsoft.com/office/drawing/2010/main" val="0"/>
+                              </a:ext>
+                            </a:extLst>
+                          </a:blip>
+                          <a:srcRect l="86876" t="48057" r="2292" b="38517"/>
+                          <a:stretch/>
+                        </p:blipFill>
+                        <p:spPr>
+                          <a:xfrm>
+                            <a:off x="10927810" y="719103"/>
+                            <a:ext cx="970488" cy="900349"/>
+                          </a:xfrm>
+                          <a:prstGeom prst="rect">
+                            <a:avLst/>
+                          </a:prstGeom>
+                        </p:spPr>
+                      </p:pic>
+                      <p:pic>
+                        <p:nvPicPr>
+                          <p:cNvPr id="241" name="圖片 240"/>
+                          <p:cNvPicPr>
+                            <a:picLocks noChangeAspect="1"/>
+                          </p:cNvPicPr>
+                          <p:nvPr/>
+                        </p:nvPicPr>
+                        <p:blipFill rotWithShape="1">
+                          <a:blip r:embed="rId2">
+                            <a:extLst>
+                              <a:ext uri="{28A0092B-C50C-407E-A947-70E740481C1C}">
+                                <a14:useLocalDpi xmlns:a14="http://schemas.microsoft.com/office/drawing/2010/main" val="0"/>
+                              </a:ext>
+                            </a:extLst>
+                          </a:blip>
+                          <a:srcRect l="86876" t="48057" r="2292" b="38517"/>
+                          <a:stretch/>
+                        </p:blipFill>
+                        <p:spPr>
+                          <a:xfrm>
+                            <a:off x="10927810" y="1585144"/>
+                            <a:ext cx="970488" cy="900349"/>
+                          </a:xfrm>
+                          <a:prstGeom prst="rect">
+                            <a:avLst/>
+                          </a:prstGeom>
+                        </p:spPr>
+                      </p:pic>
+                    </p:grpSp>
+                    <p:grpSp>
+                      <p:nvGrpSpPr>
+                        <p:cNvPr id="237" name="群組 236"/>
+                        <p:cNvGrpSpPr/>
+                        <p:nvPr/>
+                      </p:nvGrpSpPr>
+                      <p:grpSpPr>
+                        <a:xfrm>
+                          <a:off x="10927810" y="2464461"/>
+                          <a:ext cx="970488" cy="1766390"/>
+                          <a:chOff x="10927810" y="719103"/>
+                          <a:chExt cx="970488" cy="1766390"/>
+                        </a:xfrm>
+                      </p:grpSpPr>
+                      <p:pic>
+                        <p:nvPicPr>
+                          <p:cNvPr id="238" name="圖片 237"/>
+                          <p:cNvPicPr>
+                            <a:picLocks noChangeAspect="1"/>
+                          </p:cNvPicPr>
+                          <p:nvPr/>
+                        </p:nvPicPr>
+                        <p:blipFill rotWithShape="1">
+                          <a:blip r:embed="rId2">
+                            <a:extLst>
+                              <a:ext uri="{28A0092B-C50C-407E-A947-70E740481C1C}">
+                                <a14:useLocalDpi xmlns:a14="http://schemas.microsoft.com/office/drawing/2010/main" val="0"/>
+                              </a:ext>
+                            </a:extLst>
+                          </a:blip>
+                          <a:srcRect l="86876" t="48057" r="2292" b="38517"/>
+                          <a:stretch/>
+                        </p:blipFill>
+                        <p:spPr>
+                          <a:xfrm>
+                            <a:off x="10927810" y="719103"/>
+                            <a:ext cx="970488" cy="900349"/>
+                          </a:xfrm>
+                          <a:prstGeom prst="rect">
+                            <a:avLst/>
+                          </a:prstGeom>
+                        </p:spPr>
+                      </p:pic>
+                      <p:pic>
+                        <p:nvPicPr>
+                          <p:cNvPr id="239" name="圖片 238"/>
+                          <p:cNvPicPr>
+                            <a:picLocks noChangeAspect="1"/>
+                          </p:cNvPicPr>
+                          <p:nvPr/>
+                        </p:nvPicPr>
+                        <p:blipFill rotWithShape="1">
+                          <a:blip r:embed="rId2">
+                            <a:extLst>
+                              <a:ext uri="{28A0092B-C50C-407E-A947-70E740481C1C}">
+                                <a14:useLocalDpi xmlns:a14="http://schemas.microsoft.com/office/drawing/2010/main" val="0"/>
+                              </a:ext>
+                            </a:extLst>
+                          </a:blip>
+                          <a:srcRect l="86876" t="48057" r="2292" b="38517"/>
+                          <a:stretch/>
+                        </p:blipFill>
+                        <p:spPr>
+                          <a:xfrm>
+                            <a:off x="10927810" y="1585144"/>
+                            <a:ext cx="970488" cy="900349"/>
+                          </a:xfrm>
+                          <a:prstGeom prst="rect">
+                            <a:avLst/>
+                          </a:prstGeom>
+                        </p:spPr>
+                      </p:pic>
+                    </p:grpSp>
+                  </p:grpSp>
+                  <p:grpSp>
+                    <p:nvGrpSpPr>
+                      <p:cNvPr id="229" name="群組 228"/>
+                      <p:cNvGrpSpPr/>
+                      <p:nvPr/>
+                    </p:nvGrpSpPr>
+                    <p:grpSpPr>
+                      <a:xfrm>
+                        <a:off x="10927810" y="4201202"/>
+                        <a:ext cx="970488" cy="3511748"/>
+                        <a:chOff x="10927810" y="719103"/>
+                        <a:chExt cx="970488" cy="3511748"/>
+                      </a:xfrm>
+                    </p:grpSpPr>
+                    <p:grpSp>
+                      <p:nvGrpSpPr>
+                        <p:cNvPr id="230" name="群組 229"/>
+                        <p:cNvGrpSpPr/>
+                        <p:nvPr/>
+                      </p:nvGrpSpPr>
+                      <p:grpSpPr>
+                        <a:xfrm>
+                          <a:off x="10927810" y="719103"/>
+                          <a:ext cx="970488" cy="1766390"/>
+                          <a:chOff x="10927810" y="719103"/>
+                          <a:chExt cx="970488" cy="1766390"/>
+                        </a:xfrm>
+                      </p:grpSpPr>
+                      <p:pic>
+                        <p:nvPicPr>
+                          <p:cNvPr id="234" name="圖片 233"/>
+                          <p:cNvPicPr>
+                            <a:picLocks noChangeAspect="1"/>
+                          </p:cNvPicPr>
+                          <p:nvPr/>
+                        </p:nvPicPr>
+                        <p:blipFill rotWithShape="1">
+                          <a:blip r:embed="rId2">
+                            <a:extLst>
+                              <a:ext uri="{28A0092B-C50C-407E-A947-70E740481C1C}">
+                                <a14:useLocalDpi xmlns:a14="http://schemas.microsoft.com/office/drawing/2010/main" val="0"/>
+                              </a:ext>
+                            </a:extLst>
+                          </a:blip>
+                          <a:srcRect l="86876" t="48057" r="2292" b="38517"/>
+                          <a:stretch/>
+                        </p:blipFill>
+                        <p:spPr>
+                          <a:xfrm>
+                            <a:off x="10927810" y="719103"/>
+                            <a:ext cx="970488" cy="900349"/>
+                          </a:xfrm>
+                          <a:prstGeom prst="rect">
+                            <a:avLst/>
+                          </a:prstGeom>
+                        </p:spPr>
+                      </p:pic>
+                      <p:pic>
+                        <p:nvPicPr>
+                          <p:cNvPr id="235" name="圖片 234"/>
+                          <p:cNvPicPr>
+                            <a:picLocks noChangeAspect="1"/>
+                          </p:cNvPicPr>
+                          <p:nvPr/>
+                        </p:nvPicPr>
+                        <p:blipFill rotWithShape="1">
+                          <a:blip r:embed="rId2">
+                            <a:extLst>
+                              <a:ext uri="{28A0092B-C50C-407E-A947-70E740481C1C}">
+                                <a14:useLocalDpi xmlns:a14="http://schemas.microsoft.com/office/drawing/2010/main" val="0"/>
+                              </a:ext>
+                            </a:extLst>
+                          </a:blip>
+                          <a:srcRect l="86876" t="48057" r="2292" b="38517"/>
+                          <a:stretch/>
+                        </p:blipFill>
+                        <p:spPr>
+                          <a:xfrm>
+                            <a:off x="10927810" y="1585144"/>
+                            <a:ext cx="970488" cy="900349"/>
+                          </a:xfrm>
+                          <a:prstGeom prst="rect">
+                            <a:avLst/>
+                          </a:prstGeom>
+                        </p:spPr>
+                      </p:pic>
+                    </p:grpSp>
+                    <p:grpSp>
+                      <p:nvGrpSpPr>
+                        <p:cNvPr id="231" name="群組 230"/>
+                        <p:cNvGrpSpPr/>
+                        <p:nvPr/>
+                      </p:nvGrpSpPr>
+                      <p:grpSpPr>
+                        <a:xfrm>
+                          <a:off x="10927810" y="2464461"/>
+                          <a:ext cx="970488" cy="1766390"/>
+                          <a:chOff x="10927810" y="719103"/>
+                          <a:chExt cx="970488" cy="1766390"/>
+                        </a:xfrm>
+                      </p:grpSpPr>
+                      <p:pic>
+                        <p:nvPicPr>
+                          <p:cNvPr id="232" name="圖片 231"/>
+                          <p:cNvPicPr>
+                            <a:picLocks noChangeAspect="1"/>
+                          </p:cNvPicPr>
+                          <p:nvPr/>
+                        </p:nvPicPr>
+                        <p:blipFill rotWithShape="1">
+                          <a:blip r:embed="rId2">
+                            <a:extLst>
+                              <a:ext uri="{28A0092B-C50C-407E-A947-70E740481C1C}">
+                                <a14:useLocalDpi xmlns:a14="http://schemas.microsoft.com/office/drawing/2010/main" val="0"/>
+                              </a:ext>
+                            </a:extLst>
+                          </a:blip>
+                          <a:srcRect l="86876" t="48057" r="2292" b="38517"/>
+                          <a:stretch/>
+                        </p:blipFill>
+                        <p:spPr>
+                          <a:xfrm>
+                            <a:off x="10927810" y="719103"/>
+                            <a:ext cx="970488" cy="900349"/>
+                          </a:xfrm>
+                          <a:prstGeom prst="rect">
+                            <a:avLst/>
+                          </a:prstGeom>
+                        </p:spPr>
+                      </p:pic>
+                      <p:pic>
+                        <p:nvPicPr>
+                          <p:cNvPr id="233" name="圖片 232"/>
+                          <p:cNvPicPr>
+                            <a:picLocks noChangeAspect="1"/>
+                          </p:cNvPicPr>
+                          <p:nvPr/>
+                        </p:nvPicPr>
+                        <p:blipFill rotWithShape="1">
+                          <a:blip r:embed="rId2">
+                            <a:extLst>
+                              <a:ext uri="{28A0092B-C50C-407E-A947-70E740481C1C}">
+                                <a14:useLocalDpi xmlns:a14="http://schemas.microsoft.com/office/drawing/2010/main" val="0"/>
+                              </a:ext>
+                            </a:extLst>
+                          </a:blip>
+                          <a:srcRect l="86876" t="48057" r="2292" b="38517"/>
+                          <a:stretch/>
+                        </p:blipFill>
+                        <p:spPr>
+                          <a:xfrm>
+                            <a:off x="10927810" y="1585144"/>
+                            <a:ext cx="970488" cy="900349"/>
+                          </a:xfrm>
+                          <a:prstGeom prst="rect">
+                            <a:avLst/>
+                          </a:prstGeom>
+                        </p:spPr>
+                      </p:pic>
+                    </p:grpSp>
+                  </p:grpSp>
+                </p:grpSp>
+              </p:grpSp>
+              <p:grpSp>
+                <p:nvGrpSpPr>
+                  <p:cNvPr id="195" name="群組 194"/>
+                  <p:cNvGrpSpPr/>
+                  <p:nvPr/>
+                </p:nvGrpSpPr>
+                <p:grpSpPr>
+                  <a:xfrm>
+                    <a:off x="13274732" y="7412"/>
+                    <a:ext cx="1922572" cy="6993847"/>
+                    <a:chOff x="11372167" y="7412"/>
+                    <a:chExt cx="1922572" cy="6993847"/>
+                  </a:xfrm>
+                </p:grpSpPr>
+                <p:grpSp>
+                  <p:nvGrpSpPr>
+                    <p:cNvPr id="196" name="群組 195"/>
+                    <p:cNvGrpSpPr/>
+                    <p:nvPr/>
+                  </p:nvGrpSpPr>
+                  <p:grpSpPr>
+                    <a:xfrm>
+                      <a:off x="11372167" y="7412"/>
+                      <a:ext cx="970488" cy="6993847"/>
+                      <a:chOff x="10927810" y="719103"/>
+                      <a:chExt cx="970488" cy="6993847"/>
+                    </a:xfrm>
+                  </p:grpSpPr>
+                  <p:grpSp>
+                    <p:nvGrpSpPr>
+                      <p:cNvPr id="212" name="群組 211"/>
+                      <p:cNvGrpSpPr/>
+                      <p:nvPr/>
+                    </p:nvGrpSpPr>
+                    <p:grpSpPr>
+                      <a:xfrm>
+                        <a:off x="10927810" y="719103"/>
+                        <a:ext cx="970488" cy="3511748"/>
+                        <a:chOff x="10927810" y="719103"/>
+                        <a:chExt cx="970488" cy="3511748"/>
+                      </a:xfrm>
+                    </p:grpSpPr>
+                    <p:grpSp>
+                      <p:nvGrpSpPr>
+                        <p:cNvPr id="220" name="群組 219"/>
+                        <p:cNvGrpSpPr/>
+                        <p:nvPr/>
+                      </p:nvGrpSpPr>
+                      <p:grpSpPr>
+                        <a:xfrm>
+                          <a:off x="10927810" y="719103"/>
+                          <a:ext cx="970488" cy="1766390"/>
+                          <a:chOff x="10927810" y="719103"/>
+                          <a:chExt cx="970488" cy="1766390"/>
+                        </a:xfrm>
+                      </p:grpSpPr>
+                      <p:pic>
+                        <p:nvPicPr>
+                          <p:cNvPr id="224" name="圖片 223"/>
+                          <p:cNvPicPr>
+                            <a:picLocks noChangeAspect="1"/>
+                          </p:cNvPicPr>
+                          <p:nvPr/>
+                        </p:nvPicPr>
+                        <p:blipFill rotWithShape="1">
+                          <a:blip r:embed="rId2">
+                            <a:extLst>
+                              <a:ext uri="{28A0092B-C50C-407E-A947-70E740481C1C}">
+                                <a14:useLocalDpi xmlns:a14="http://schemas.microsoft.com/office/drawing/2010/main" val="0"/>
+                              </a:ext>
+                            </a:extLst>
+                          </a:blip>
+                          <a:srcRect l="86876" t="48057" r="2292" b="38517"/>
+                          <a:stretch/>
+                        </p:blipFill>
+                        <p:spPr>
+                          <a:xfrm>
+                            <a:off x="10927810" y="719103"/>
+                            <a:ext cx="970488" cy="900349"/>
+                          </a:xfrm>
+                          <a:prstGeom prst="rect">
+                            <a:avLst/>
+                          </a:prstGeom>
+                        </p:spPr>
+                      </p:pic>
+                      <p:pic>
+                        <p:nvPicPr>
+                          <p:cNvPr id="225" name="圖片 224"/>
+                          <p:cNvPicPr>
+                            <a:picLocks noChangeAspect="1"/>
+                          </p:cNvPicPr>
+                          <p:nvPr/>
+                        </p:nvPicPr>
+                        <p:blipFill rotWithShape="1">
+                          <a:blip r:embed="rId2">
+                            <a:extLst>
+                              <a:ext uri="{28A0092B-C50C-407E-A947-70E740481C1C}">
+                                <a14:useLocalDpi xmlns:a14="http://schemas.microsoft.com/office/drawing/2010/main" val="0"/>
+                              </a:ext>
+                            </a:extLst>
+                          </a:blip>
+                          <a:srcRect l="86876" t="48057" r="2292" b="38517"/>
+                          <a:stretch/>
+                        </p:blipFill>
+                        <p:spPr>
+                          <a:xfrm>
+                            <a:off x="10927810" y="1585144"/>
+                            <a:ext cx="970488" cy="900349"/>
+                          </a:xfrm>
+                          <a:prstGeom prst="rect">
+                            <a:avLst/>
+                          </a:prstGeom>
+                        </p:spPr>
+                      </p:pic>
+                    </p:grpSp>
+                    <p:grpSp>
+                      <p:nvGrpSpPr>
+                        <p:cNvPr id="221" name="群組 220"/>
+                        <p:cNvGrpSpPr/>
+                        <p:nvPr/>
+                      </p:nvGrpSpPr>
+                      <p:grpSpPr>
+                        <a:xfrm>
+                          <a:off x="10927810" y="2464461"/>
+                          <a:ext cx="970488" cy="1766390"/>
+                          <a:chOff x="10927810" y="719103"/>
+                          <a:chExt cx="970488" cy="1766390"/>
+                        </a:xfrm>
+                      </p:grpSpPr>
+                      <p:pic>
+                        <p:nvPicPr>
+                          <p:cNvPr id="222" name="圖片 221"/>
+                          <p:cNvPicPr>
+                            <a:picLocks noChangeAspect="1"/>
+                          </p:cNvPicPr>
+                          <p:nvPr/>
+                        </p:nvPicPr>
+                        <p:blipFill rotWithShape="1">
+                          <a:blip r:embed="rId2">
+                            <a:extLst>
+                              <a:ext uri="{28A0092B-C50C-407E-A947-70E740481C1C}">
+                                <a14:useLocalDpi xmlns:a14="http://schemas.microsoft.com/office/drawing/2010/main" val="0"/>
+                              </a:ext>
+                            </a:extLst>
+                          </a:blip>
+                          <a:srcRect l="86876" t="48057" r="2292" b="38517"/>
+                          <a:stretch/>
+                        </p:blipFill>
+                        <p:spPr>
+                          <a:xfrm>
+                            <a:off x="10927810" y="719103"/>
+                            <a:ext cx="970488" cy="900349"/>
+                          </a:xfrm>
+                          <a:prstGeom prst="rect">
+                            <a:avLst/>
+                          </a:prstGeom>
+                        </p:spPr>
+                      </p:pic>
+                      <p:pic>
+                        <p:nvPicPr>
+                          <p:cNvPr id="223" name="圖片 222"/>
+                          <p:cNvPicPr>
+                            <a:picLocks noChangeAspect="1"/>
+                          </p:cNvPicPr>
+                          <p:nvPr/>
+                        </p:nvPicPr>
+                        <p:blipFill rotWithShape="1">
+                          <a:blip r:embed="rId2">
+                            <a:extLst>
+                              <a:ext uri="{28A0092B-C50C-407E-A947-70E740481C1C}">
+                                <a14:useLocalDpi xmlns:a14="http://schemas.microsoft.com/office/drawing/2010/main" val="0"/>
+                              </a:ext>
+                            </a:extLst>
+                          </a:blip>
+                          <a:srcRect l="86876" t="48057" r="2292" b="38517"/>
+                          <a:stretch/>
+                        </p:blipFill>
+                        <p:spPr>
+                          <a:xfrm>
+                            <a:off x="10927810" y="1585144"/>
+                            <a:ext cx="970488" cy="900349"/>
+                          </a:xfrm>
+                          <a:prstGeom prst="rect">
+                            <a:avLst/>
+                          </a:prstGeom>
+                        </p:spPr>
+                      </p:pic>
+                    </p:grpSp>
+                  </p:grpSp>
+                  <p:grpSp>
+                    <p:nvGrpSpPr>
+                      <p:cNvPr id="213" name="群組 212"/>
+                      <p:cNvGrpSpPr/>
+                      <p:nvPr/>
+                    </p:nvGrpSpPr>
+                    <p:grpSpPr>
+                      <a:xfrm>
+                        <a:off x="10927810" y="4201202"/>
+                        <a:ext cx="970488" cy="3511748"/>
+                        <a:chOff x="10927810" y="719103"/>
+                        <a:chExt cx="970488" cy="3511748"/>
+                      </a:xfrm>
+                    </p:grpSpPr>
+                    <p:grpSp>
+                      <p:nvGrpSpPr>
+                        <p:cNvPr id="214" name="群組 213"/>
+                        <p:cNvGrpSpPr/>
+                        <p:nvPr/>
+                      </p:nvGrpSpPr>
+                      <p:grpSpPr>
+                        <a:xfrm>
+                          <a:off x="10927810" y="719103"/>
+                          <a:ext cx="970488" cy="1766390"/>
+                          <a:chOff x="10927810" y="719103"/>
+                          <a:chExt cx="970488" cy="1766390"/>
+                        </a:xfrm>
+                      </p:grpSpPr>
+                      <p:pic>
+                        <p:nvPicPr>
+                          <p:cNvPr id="218" name="圖片 217"/>
+                          <p:cNvPicPr>
+                            <a:picLocks noChangeAspect="1"/>
+                          </p:cNvPicPr>
+                          <p:nvPr/>
+                        </p:nvPicPr>
+                        <p:blipFill rotWithShape="1">
+                          <a:blip r:embed="rId2">
+                            <a:extLst>
+                              <a:ext uri="{28A0092B-C50C-407E-A947-70E740481C1C}">
+                                <a14:useLocalDpi xmlns:a14="http://schemas.microsoft.com/office/drawing/2010/main" val="0"/>
+                              </a:ext>
+                            </a:extLst>
+                          </a:blip>
+                          <a:srcRect l="86876" t="48057" r="2292" b="38517"/>
+                          <a:stretch/>
+                        </p:blipFill>
+                        <p:spPr>
+                          <a:xfrm>
+                            <a:off x="10927810" y="719103"/>
+                            <a:ext cx="970488" cy="900349"/>
+                          </a:xfrm>
+                          <a:prstGeom prst="rect">
+                            <a:avLst/>
+                          </a:prstGeom>
+                        </p:spPr>
+                      </p:pic>
+                      <p:pic>
+                        <p:nvPicPr>
+                          <p:cNvPr id="219" name="圖片 218"/>
+                          <p:cNvPicPr>
+                            <a:picLocks noChangeAspect="1"/>
+                          </p:cNvPicPr>
+                          <p:nvPr/>
+                        </p:nvPicPr>
+                        <p:blipFill rotWithShape="1">
+                          <a:blip r:embed="rId2">
+                            <a:extLst>
+                              <a:ext uri="{28A0092B-C50C-407E-A947-70E740481C1C}">
+                                <a14:useLocalDpi xmlns:a14="http://schemas.microsoft.com/office/drawing/2010/main" val="0"/>
+                              </a:ext>
+                            </a:extLst>
+                          </a:blip>
+                          <a:srcRect l="86876" t="48057" r="2292" b="38517"/>
+                          <a:stretch/>
+                        </p:blipFill>
+                        <p:spPr>
+                          <a:xfrm>
+                            <a:off x="10927810" y="1585144"/>
+                            <a:ext cx="970488" cy="900349"/>
+                          </a:xfrm>
+                          <a:prstGeom prst="rect">
+                            <a:avLst/>
+                          </a:prstGeom>
+                        </p:spPr>
+                      </p:pic>
+                    </p:grpSp>
+                    <p:grpSp>
+                      <p:nvGrpSpPr>
+                        <p:cNvPr id="215" name="群組 214"/>
+                        <p:cNvGrpSpPr/>
+                        <p:nvPr/>
+                      </p:nvGrpSpPr>
+                      <p:grpSpPr>
+                        <a:xfrm>
+                          <a:off x="10927810" y="2464461"/>
+                          <a:ext cx="970488" cy="1766390"/>
+                          <a:chOff x="10927810" y="719103"/>
+                          <a:chExt cx="970488" cy="1766390"/>
+                        </a:xfrm>
+                      </p:grpSpPr>
+                      <p:pic>
+                        <p:nvPicPr>
+                          <p:cNvPr id="216" name="圖片 215"/>
+                          <p:cNvPicPr>
+                            <a:picLocks noChangeAspect="1"/>
+                          </p:cNvPicPr>
+                          <p:nvPr/>
+                        </p:nvPicPr>
+                        <p:blipFill rotWithShape="1">
+                          <a:blip r:embed="rId2">
+                            <a:extLst>
+                              <a:ext uri="{28A0092B-C50C-407E-A947-70E740481C1C}">
+                                <a14:useLocalDpi xmlns:a14="http://schemas.microsoft.com/office/drawing/2010/main" val="0"/>
+                              </a:ext>
+                            </a:extLst>
+                          </a:blip>
+                          <a:srcRect l="86876" t="48057" r="2292" b="38517"/>
+                          <a:stretch/>
+                        </p:blipFill>
+                        <p:spPr>
+                          <a:xfrm>
+                            <a:off x="10927810" y="719103"/>
+                            <a:ext cx="970488" cy="900349"/>
+                          </a:xfrm>
+                          <a:prstGeom prst="rect">
+                            <a:avLst/>
+                          </a:prstGeom>
+                        </p:spPr>
+                      </p:pic>
+                      <p:pic>
+                        <p:nvPicPr>
+                          <p:cNvPr id="217" name="圖片 216"/>
+                          <p:cNvPicPr>
+                            <a:picLocks noChangeAspect="1"/>
+                          </p:cNvPicPr>
+                          <p:nvPr/>
+                        </p:nvPicPr>
+                        <p:blipFill rotWithShape="1">
+                          <a:blip r:embed="rId2">
+                            <a:extLst>
+                              <a:ext uri="{28A0092B-C50C-407E-A947-70E740481C1C}">
+                                <a14:useLocalDpi xmlns:a14="http://schemas.microsoft.com/office/drawing/2010/main" val="0"/>
+                              </a:ext>
+                            </a:extLst>
+                          </a:blip>
+                          <a:srcRect l="86876" t="48057" r="2292" b="38517"/>
+                          <a:stretch/>
+                        </p:blipFill>
+                        <p:spPr>
+                          <a:xfrm>
+                            <a:off x="10927810" y="1585144"/>
+                            <a:ext cx="970488" cy="900349"/>
+                          </a:xfrm>
+                          <a:prstGeom prst="rect">
+                            <a:avLst/>
+                          </a:prstGeom>
+                        </p:spPr>
+                      </p:pic>
+                    </p:grpSp>
+                  </p:grpSp>
+                </p:grpSp>
+                <p:grpSp>
+                  <p:nvGrpSpPr>
+                    <p:cNvPr id="197" name="群組 196"/>
+                    <p:cNvGrpSpPr/>
+                    <p:nvPr/>
+                  </p:nvGrpSpPr>
+                  <p:grpSpPr>
+                    <a:xfrm>
+                      <a:off x="12324251" y="7412"/>
+                      <a:ext cx="970488" cy="6993847"/>
+                      <a:chOff x="10927810" y="719103"/>
+                      <a:chExt cx="970488" cy="6993847"/>
+                    </a:xfrm>
+                  </p:grpSpPr>
+                  <p:grpSp>
+                    <p:nvGrpSpPr>
+                      <p:cNvPr id="198" name="群組 197"/>
+                      <p:cNvGrpSpPr/>
+                      <p:nvPr/>
+                    </p:nvGrpSpPr>
+                    <p:grpSpPr>
+                      <a:xfrm>
+                        <a:off x="10927810" y="719103"/>
+                        <a:ext cx="970488" cy="3511748"/>
+                        <a:chOff x="10927810" y="719103"/>
+                        <a:chExt cx="970488" cy="3511748"/>
+                      </a:xfrm>
+                    </p:grpSpPr>
+                    <p:grpSp>
+                      <p:nvGrpSpPr>
+                        <p:cNvPr id="206" name="群組 205"/>
+                        <p:cNvGrpSpPr/>
+                        <p:nvPr/>
+                      </p:nvGrpSpPr>
+                      <p:grpSpPr>
+                        <a:xfrm>
+                          <a:off x="10927810" y="719103"/>
+                          <a:ext cx="970488" cy="1766390"/>
+                          <a:chOff x="10927810" y="719103"/>
+                          <a:chExt cx="970488" cy="1766390"/>
+                        </a:xfrm>
+                      </p:grpSpPr>
+                      <p:pic>
+                        <p:nvPicPr>
+                          <p:cNvPr id="210" name="圖片 209"/>
+                          <p:cNvPicPr>
+                            <a:picLocks noChangeAspect="1"/>
+                          </p:cNvPicPr>
+                          <p:nvPr/>
+                        </p:nvPicPr>
+                        <p:blipFill rotWithShape="1">
+                          <a:blip r:embed="rId2">
+                            <a:extLst>
+                              <a:ext uri="{28A0092B-C50C-407E-A947-70E740481C1C}">
+                                <a14:useLocalDpi xmlns:a14="http://schemas.microsoft.com/office/drawing/2010/main" val="0"/>
+                              </a:ext>
+                            </a:extLst>
+                          </a:blip>
+                          <a:srcRect l="86876" t="48057" r="2292" b="38517"/>
+                          <a:stretch/>
+                        </p:blipFill>
+                        <p:spPr>
+                          <a:xfrm>
+                            <a:off x="10927810" y="719103"/>
+                            <a:ext cx="970488" cy="900349"/>
+                          </a:xfrm>
+                          <a:prstGeom prst="rect">
+                            <a:avLst/>
+                          </a:prstGeom>
+                        </p:spPr>
+                      </p:pic>
+                      <p:pic>
+                        <p:nvPicPr>
+                          <p:cNvPr id="211" name="圖片 210"/>
+                          <p:cNvPicPr>
+                            <a:picLocks noChangeAspect="1"/>
+                          </p:cNvPicPr>
+                          <p:nvPr/>
+                        </p:nvPicPr>
+                        <p:blipFill rotWithShape="1">
+                          <a:blip r:embed="rId2">
+                            <a:extLst>
+                              <a:ext uri="{28A0092B-C50C-407E-A947-70E740481C1C}">
+                                <a14:useLocalDpi xmlns:a14="http://schemas.microsoft.com/office/drawing/2010/main" val="0"/>
+                              </a:ext>
+                            </a:extLst>
+                          </a:blip>
+                          <a:srcRect l="86876" t="48057" r="2292" b="38517"/>
+                          <a:stretch/>
+                        </p:blipFill>
+                        <p:spPr>
+                          <a:xfrm>
+                            <a:off x="10927810" y="1585144"/>
+                            <a:ext cx="970488" cy="900349"/>
+                          </a:xfrm>
+                          <a:prstGeom prst="rect">
+                            <a:avLst/>
+                          </a:prstGeom>
+                        </p:spPr>
+                      </p:pic>
+                    </p:grpSp>
+                    <p:grpSp>
+                      <p:nvGrpSpPr>
+                        <p:cNvPr id="207" name="群組 206"/>
+                        <p:cNvGrpSpPr/>
+                        <p:nvPr/>
+                      </p:nvGrpSpPr>
+                      <p:grpSpPr>
+                        <a:xfrm>
+                          <a:off x="10927810" y="2464461"/>
+                          <a:ext cx="970488" cy="1766390"/>
+                          <a:chOff x="10927810" y="719103"/>
+                          <a:chExt cx="970488" cy="1766390"/>
+                        </a:xfrm>
+                      </p:grpSpPr>
+                      <p:pic>
+                        <p:nvPicPr>
+                          <p:cNvPr id="208" name="圖片 207"/>
+                          <p:cNvPicPr>
+                            <a:picLocks noChangeAspect="1"/>
+                          </p:cNvPicPr>
+                          <p:nvPr/>
+                        </p:nvPicPr>
+                        <p:blipFill rotWithShape="1">
+                          <a:blip r:embed="rId2">
+                            <a:extLst>
+                              <a:ext uri="{28A0092B-C50C-407E-A947-70E740481C1C}">
+                                <a14:useLocalDpi xmlns:a14="http://schemas.microsoft.com/office/drawing/2010/main" val="0"/>
+                              </a:ext>
+                            </a:extLst>
+                          </a:blip>
+                          <a:srcRect l="86876" t="48057" r="2292" b="38517"/>
+                          <a:stretch/>
+                        </p:blipFill>
+                        <p:spPr>
+                          <a:xfrm>
+                            <a:off x="10927810" y="719103"/>
+                            <a:ext cx="970488" cy="900349"/>
+                          </a:xfrm>
+                          <a:prstGeom prst="rect">
+                            <a:avLst/>
+                          </a:prstGeom>
+                        </p:spPr>
+                      </p:pic>
+                      <p:pic>
+                        <p:nvPicPr>
+                          <p:cNvPr id="209" name="圖片 208"/>
+                          <p:cNvPicPr>
+                            <a:picLocks noChangeAspect="1"/>
+                          </p:cNvPicPr>
+                          <p:nvPr/>
+                        </p:nvPicPr>
+                        <p:blipFill rotWithShape="1">
+                          <a:blip r:embed="rId2">
+                            <a:extLst>
+                              <a:ext uri="{28A0092B-C50C-407E-A947-70E740481C1C}">
+                                <a14:useLocalDpi xmlns:a14="http://schemas.microsoft.com/office/drawing/2010/main" val="0"/>
+                              </a:ext>
+                            </a:extLst>
+                          </a:blip>
+                          <a:srcRect l="86876" t="48057" r="2292" b="38517"/>
+                          <a:stretch/>
+                        </p:blipFill>
+                        <p:spPr>
+                          <a:xfrm>
+                            <a:off x="10927810" y="1585144"/>
+                            <a:ext cx="970488" cy="900349"/>
+                          </a:xfrm>
+                          <a:prstGeom prst="rect">
+                            <a:avLst/>
+                          </a:prstGeom>
+                        </p:spPr>
+                      </p:pic>
+                    </p:grpSp>
+                  </p:grpSp>
+                  <p:grpSp>
+                    <p:nvGrpSpPr>
+                      <p:cNvPr id="199" name="群組 198"/>
+                      <p:cNvGrpSpPr/>
+                      <p:nvPr/>
+                    </p:nvGrpSpPr>
+                    <p:grpSpPr>
+                      <a:xfrm>
+                        <a:off x="10927810" y="4201202"/>
+                        <a:ext cx="970488" cy="3511748"/>
+                        <a:chOff x="10927810" y="719103"/>
+                        <a:chExt cx="970488" cy="3511748"/>
+                      </a:xfrm>
+                    </p:grpSpPr>
+                    <p:grpSp>
+                      <p:nvGrpSpPr>
+                        <p:cNvPr id="200" name="群組 199"/>
+                        <p:cNvGrpSpPr/>
+                        <p:nvPr/>
+                      </p:nvGrpSpPr>
+                      <p:grpSpPr>
+                        <a:xfrm>
+                          <a:off x="10927810" y="719103"/>
+                          <a:ext cx="970488" cy="1766390"/>
+                          <a:chOff x="10927810" y="719103"/>
+                          <a:chExt cx="970488" cy="1766390"/>
+                        </a:xfrm>
+                      </p:grpSpPr>
+                      <p:pic>
+                        <p:nvPicPr>
+                          <p:cNvPr id="204" name="圖片 203"/>
+                          <p:cNvPicPr>
+                            <a:picLocks noChangeAspect="1"/>
+                          </p:cNvPicPr>
+                          <p:nvPr/>
+                        </p:nvPicPr>
+                        <p:blipFill rotWithShape="1">
+                          <a:blip r:embed="rId2">
+                            <a:extLst>
+                              <a:ext uri="{28A0092B-C50C-407E-A947-70E740481C1C}">
+                                <a14:useLocalDpi xmlns:a14="http://schemas.microsoft.com/office/drawing/2010/main" val="0"/>
+                              </a:ext>
+                            </a:extLst>
+                          </a:blip>
+                          <a:srcRect l="86876" t="48057" r="2292" b="38517"/>
+                          <a:stretch/>
+                        </p:blipFill>
+                        <p:spPr>
+                          <a:xfrm>
+                            <a:off x="10927810" y="719103"/>
+                            <a:ext cx="970488" cy="900349"/>
+                          </a:xfrm>
+                          <a:prstGeom prst="rect">
+                            <a:avLst/>
+                          </a:prstGeom>
+                        </p:spPr>
+                      </p:pic>
+                      <p:pic>
+                        <p:nvPicPr>
+                          <p:cNvPr id="205" name="圖片 204"/>
+                          <p:cNvPicPr>
+                            <a:picLocks noChangeAspect="1"/>
+                          </p:cNvPicPr>
+                          <p:nvPr/>
+                        </p:nvPicPr>
+                        <p:blipFill rotWithShape="1">
+                          <a:blip r:embed="rId2">
+                            <a:extLst>
+                              <a:ext uri="{28A0092B-C50C-407E-A947-70E740481C1C}">
+                                <a14:useLocalDpi xmlns:a14="http://schemas.microsoft.com/office/drawing/2010/main" val="0"/>
+                              </a:ext>
+                            </a:extLst>
+                          </a:blip>
+                          <a:srcRect l="86876" t="48057" r="2292" b="38517"/>
+                          <a:stretch/>
+                        </p:blipFill>
+                        <p:spPr>
+                          <a:xfrm>
+                            <a:off x="10927810" y="1585144"/>
+                            <a:ext cx="970488" cy="900349"/>
+                          </a:xfrm>
+                          <a:prstGeom prst="rect">
+                            <a:avLst/>
+                          </a:prstGeom>
+                        </p:spPr>
+                      </p:pic>
+                    </p:grpSp>
+                    <p:grpSp>
+                      <p:nvGrpSpPr>
+                        <p:cNvPr id="201" name="群組 200"/>
+                        <p:cNvGrpSpPr/>
+                        <p:nvPr/>
+                      </p:nvGrpSpPr>
+                      <p:grpSpPr>
+                        <a:xfrm>
+                          <a:off x="10927810" y="2464461"/>
+                          <a:ext cx="970488" cy="1766390"/>
+                          <a:chOff x="10927810" y="719103"/>
+                          <a:chExt cx="970488" cy="1766390"/>
+                        </a:xfrm>
+                      </p:grpSpPr>
+                      <p:pic>
+                        <p:nvPicPr>
+                          <p:cNvPr id="202" name="圖片 201"/>
+                          <p:cNvPicPr>
+                            <a:picLocks noChangeAspect="1"/>
+                          </p:cNvPicPr>
+                          <p:nvPr/>
+                        </p:nvPicPr>
+                        <p:blipFill rotWithShape="1">
+                          <a:blip r:embed="rId2">
+                            <a:extLst>
+                              <a:ext uri="{28A0092B-C50C-407E-A947-70E740481C1C}">
+                                <a14:useLocalDpi xmlns:a14="http://schemas.microsoft.com/office/drawing/2010/main" val="0"/>
+                              </a:ext>
+                            </a:extLst>
+                          </a:blip>
+                          <a:srcRect l="86876" t="48057" r="2292" b="38517"/>
+                          <a:stretch/>
+                        </p:blipFill>
+                        <p:spPr>
+                          <a:xfrm>
+                            <a:off x="10927810" y="719103"/>
+                            <a:ext cx="970488" cy="900349"/>
+                          </a:xfrm>
+                          <a:prstGeom prst="rect">
+                            <a:avLst/>
+                          </a:prstGeom>
+                        </p:spPr>
+                      </p:pic>
+                      <p:pic>
+                        <p:nvPicPr>
+                          <p:cNvPr id="203" name="圖片 202"/>
+                          <p:cNvPicPr>
+                            <a:picLocks noChangeAspect="1"/>
+                          </p:cNvPicPr>
+                          <p:nvPr/>
+                        </p:nvPicPr>
+                        <p:blipFill rotWithShape="1">
+                          <a:blip r:embed="rId2">
+                            <a:extLst>
+                              <a:ext uri="{28A0092B-C50C-407E-A947-70E740481C1C}">
+                                <a14:useLocalDpi xmlns:a14="http://schemas.microsoft.com/office/drawing/2010/main" val="0"/>
+                              </a:ext>
+                            </a:extLst>
+                          </a:blip>
+                          <a:srcRect l="86876" t="48057" r="2292" b="38517"/>
+                          <a:stretch/>
+                        </p:blipFill>
+                        <p:spPr>
+                          <a:xfrm>
+                            <a:off x="10927810" y="1585144"/>
+                            <a:ext cx="970488" cy="900349"/>
+                          </a:xfrm>
+                          <a:prstGeom prst="rect">
+                            <a:avLst/>
+                          </a:prstGeom>
+                        </p:spPr>
+                      </p:pic>
+                    </p:grpSp>
+                  </p:grpSp>
+                </p:grpSp>
+              </p:grpSp>
+            </p:grpSp>
+          </p:grpSp>
+          <p:grpSp>
+            <p:nvGrpSpPr>
+              <p:cNvPr id="321" name="群組 320"/>
+              <p:cNvGrpSpPr/>
+              <p:nvPr/>
+            </p:nvGrpSpPr>
+            <p:grpSpPr>
+              <a:xfrm>
+                <a:off x="11142087" y="215043"/>
+                <a:ext cx="1922572" cy="6993847"/>
+                <a:chOff x="11372167" y="7412"/>
+                <a:chExt cx="1922572" cy="6993847"/>
+              </a:xfrm>
+            </p:grpSpPr>
+            <p:grpSp>
+              <p:nvGrpSpPr>
+                <p:cNvPr id="353" name="群組 352"/>
+                <p:cNvGrpSpPr/>
+                <p:nvPr/>
+              </p:nvGrpSpPr>
+              <p:grpSpPr>
+                <a:xfrm>
+                  <a:off x="11372167" y="7412"/>
+                  <a:ext cx="970488" cy="6993847"/>
+                  <a:chOff x="10927810" y="719103"/>
+                  <a:chExt cx="970488" cy="6993847"/>
+                </a:xfrm>
+              </p:grpSpPr>
+              <p:grpSp>
+                <p:nvGrpSpPr>
+                  <p:cNvPr id="369" name="群組 368"/>
+                  <p:cNvGrpSpPr/>
+                  <p:nvPr/>
+                </p:nvGrpSpPr>
+                <p:grpSpPr>
+                  <a:xfrm>
+                    <a:off x="10927810" y="719103"/>
+                    <a:ext cx="970488" cy="3511748"/>
+                    <a:chOff x="10927810" y="719103"/>
+                    <a:chExt cx="970488" cy="3511748"/>
+                  </a:xfrm>
+                </p:grpSpPr>
+                <p:grpSp>
+                  <p:nvGrpSpPr>
+                    <p:cNvPr id="377" name="群組 376"/>
+                    <p:cNvGrpSpPr/>
+                    <p:nvPr/>
+                  </p:nvGrpSpPr>
+                  <p:grpSpPr>
+                    <a:xfrm>
+                      <a:off x="10927810" y="719103"/>
+                      <a:ext cx="970488" cy="1766390"/>
+                      <a:chOff x="10927810" y="719103"/>
+                      <a:chExt cx="970488" cy="1766390"/>
+                    </a:xfrm>
+                  </p:grpSpPr>
+                  <p:pic>
+                    <p:nvPicPr>
+                      <p:cNvPr id="381" name="圖片 380"/>
+                      <p:cNvPicPr>
+                        <a:picLocks noChangeAspect="1"/>
+                      </p:cNvPicPr>
+                      <p:nvPr/>
+                    </p:nvPicPr>
+                    <p:blipFill rotWithShape="1">
+                      <a:blip r:embed="rId2">
+                        <a:extLst>
+                          <a:ext uri="{28A0092B-C50C-407E-A947-70E740481C1C}">
+                            <a14:useLocalDpi xmlns:a14="http://schemas.microsoft.com/office/drawing/2010/main" val="0"/>
+                          </a:ext>
+                        </a:extLst>
+                      </a:blip>
+                      <a:srcRect l="86876" t="48057" r="2292" b="38517"/>
+                      <a:stretch/>
+                    </p:blipFill>
+                    <p:spPr>
+                      <a:xfrm>
+                        <a:off x="10927810" y="719103"/>
+                        <a:ext cx="970488" cy="900349"/>
+                      </a:xfrm>
+                      <a:prstGeom prst="rect">
+                        <a:avLst/>
+                      </a:prstGeom>
+                    </p:spPr>
+                  </p:pic>
+                  <p:pic>
+                    <p:nvPicPr>
+                      <p:cNvPr id="382" name="圖片 381"/>
+                      <p:cNvPicPr>
+                        <a:picLocks noChangeAspect="1"/>
+                      </p:cNvPicPr>
+                      <p:nvPr/>
+                    </p:nvPicPr>
+                    <p:blipFill rotWithShape="1">
+                      <a:blip r:embed="rId2">
+                        <a:extLst>
+                          <a:ext uri="{28A0092B-C50C-407E-A947-70E740481C1C}">
+                            <a14:useLocalDpi xmlns:a14="http://schemas.microsoft.com/office/drawing/2010/main" val="0"/>
+                          </a:ext>
+                        </a:extLst>
+                      </a:blip>
+                      <a:srcRect l="86876" t="48057" r="2292" b="38517"/>
+                      <a:stretch/>
+                    </p:blipFill>
+                    <p:spPr>
+                      <a:xfrm>
+                        <a:off x="10927810" y="1585144"/>
+                        <a:ext cx="970488" cy="900349"/>
+                      </a:xfrm>
+                      <a:prstGeom prst="rect">
+                        <a:avLst/>
+                      </a:prstGeom>
+                    </p:spPr>
+                  </p:pic>
+                </p:grpSp>
+                <p:grpSp>
+                  <p:nvGrpSpPr>
+                    <p:cNvPr id="378" name="群組 377"/>
+                    <p:cNvGrpSpPr/>
+                    <p:nvPr/>
+                  </p:nvGrpSpPr>
+                  <p:grpSpPr>
+                    <a:xfrm>
+                      <a:off x="10927810" y="2464461"/>
+                      <a:ext cx="970488" cy="1766390"/>
+                      <a:chOff x="10927810" y="719103"/>
+                      <a:chExt cx="970488" cy="1766390"/>
+                    </a:xfrm>
+                  </p:grpSpPr>
+                  <p:pic>
+                    <p:nvPicPr>
+                      <p:cNvPr id="379" name="圖片 378"/>
+                      <p:cNvPicPr>
+                        <a:picLocks noChangeAspect="1"/>
+                      </p:cNvPicPr>
+                      <p:nvPr/>
+                    </p:nvPicPr>
+                    <p:blipFill rotWithShape="1">
+                      <a:blip r:embed="rId2">
+                        <a:extLst>
+                          <a:ext uri="{28A0092B-C50C-407E-A947-70E740481C1C}">
+                            <a14:useLocalDpi xmlns:a14="http://schemas.microsoft.com/office/drawing/2010/main" val="0"/>
+                          </a:ext>
+                        </a:extLst>
+                      </a:blip>
+                      <a:srcRect l="86876" t="48057" r="2292" b="38517"/>
+                      <a:stretch/>
+                    </p:blipFill>
+                    <p:spPr>
+                      <a:xfrm>
+                        <a:off x="10927810" y="719103"/>
+                        <a:ext cx="970488" cy="900349"/>
+                      </a:xfrm>
+                      <a:prstGeom prst="rect">
+                        <a:avLst/>
+                      </a:prstGeom>
+                    </p:spPr>
+                  </p:pic>
+                  <p:pic>
+                    <p:nvPicPr>
+                      <p:cNvPr id="380" name="圖片 379"/>
+                      <p:cNvPicPr>
+                        <a:picLocks noChangeAspect="1"/>
+                      </p:cNvPicPr>
+                      <p:nvPr/>
+                    </p:nvPicPr>
+                    <p:blipFill rotWithShape="1">
+                      <a:blip r:embed="rId2">
+                        <a:extLst>
+                          <a:ext uri="{28A0092B-C50C-407E-A947-70E740481C1C}">
+                            <a14:useLocalDpi xmlns:a14="http://schemas.microsoft.com/office/drawing/2010/main" val="0"/>
+                          </a:ext>
+                        </a:extLst>
+                      </a:blip>
+                      <a:srcRect l="86876" t="48057" r="2292" b="38517"/>
+                      <a:stretch/>
+                    </p:blipFill>
+                    <p:spPr>
+                      <a:xfrm>
+                        <a:off x="10927810" y="1585144"/>
+                        <a:ext cx="970488" cy="900349"/>
+                      </a:xfrm>
+                      <a:prstGeom prst="rect">
+                        <a:avLst/>
+                      </a:prstGeom>
+                    </p:spPr>
+                  </p:pic>
+                </p:grpSp>
+              </p:grpSp>
+              <p:grpSp>
+                <p:nvGrpSpPr>
+                  <p:cNvPr id="370" name="群組 369"/>
+                  <p:cNvGrpSpPr/>
+                  <p:nvPr/>
+                </p:nvGrpSpPr>
+                <p:grpSpPr>
+                  <a:xfrm>
+                    <a:off x="10927810" y="4201202"/>
+                    <a:ext cx="970488" cy="3511748"/>
+                    <a:chOff x="10927810" y="719103"/>
+                    <a:chExt cx="970488" cy="3511748"/>
+                  </a:xfrm>
+                </p:grpSpPr>
+                <p:grpSp>
+                  <p:nvGrpSpPr>
+                    <p:cNvPr id="371" name="群組 370"/>
+                    <p:cNvGrpSpPr/>
+                    <p:nvPr/>
+                  </p:nvGrpSpPr>
+                  <p:grpSpPr>
+                    <a:xfrm>
+                      <a:off x="10927810" y="719103"/>
+                      <a:ext cx="970488" cy="1766390"/>
+                      <a:chOff x="10927810" y="719103"/>
+                      <a:chExt cx="970488" cy="1766390"/>
+                    </a:xfrm>
+                  </p:grpSpPr>
+                  <p:pic>
+                    <p:nvPicPr>
+                      <p:cNvPr id="375" name="圖片 374"/>
+                      <p:cNvPicPr>
+                        <a:picLocks noChangeAspect="1"/>
+                      </p:cNvPicPr>
+                      <p:nvPr/>
+                    </p:nvPicPr>
+                    <p:blipFill rotWithShape="1">
+                      <a:blip r:embed="rId2">
+                        <a:extLst>
+                          <a:ext uri="{28A0092B-C50C-407E-A947-70E740481C1C}">
+                            <a14:useLocalDpi xmlns:a14="http://schemas.microsoft.com/office/drawing/2010/main" val="0"/>
+                          </a:ext>
+                        </a:extLst>
+                      </a:blip>
+                      <a:srcRect l="86876" t="48057" r="2292" b="38517"/>
+                      <a:stretch/>
+                    </p:blipFill>
+                    <p:spPr>
+                      <a:xfrm>
+                        <a:off x="10927810" y="719103"/>
+                        <a:ext cx="970488" cy="900349"/>
+                      </a:xfrm>
+                      <a:prstGeom prst="rect">
+                        <a:avLst/>
+                      </a:prstGeom>
+                    </p:spPr>
+                  </p:pic>
+                  <p:pic>
+                    <p:nvPicPr>
+                      <p:cNvPr id="376" name="圖片 375"/>
+                      <p:cNvPicPr>
+                        <a:picLocks noChangeAspect="1"/>
+                      </p:cNvPicPr>
+                      <p:nvPr/>
+                    </p:nvPicPr>
+                    <p:blipFill rotWithShape="1">
+                      <a:blip r:embed="rId2">
+                        <a:extLst>
+                          <a:ext uri="{28A0092B-C50C-407E-A947-70E740481C1C}">
+                            <a14:useLocalDpi xmlns:a14="http://schemas.microsoft.com/office/drawing/2010/main" val="0"/>
+                          </a:ext>
+                        </a:extLst>
+                      </a:blip>
+                      <a:srcRect l="86876" t="48057" r="2292" b="38517"/>
+                      <a:stretch/>
+                    </p:blipFill>
+                    <p:spPr>
+                      <a:xfrm>
+                        <a:off x="10927810" y="1585144"/>
+                        <a:ext cx="970488" cy="900349"/>
+                      </a:xfrm>
+                      <a:prstGeom prst="rect">
+                        <a:avLst/>
+                      </a:prstGeom>
+                    </p:spPr>
+                  </p:pic>
+                </p:grpSp>
+                <p:grpSp>
+                  <p:nvGrpSpPr>
+                    <p:cNvPr id="372" name="群組 371"/>
+                    <p:cNvGrpSpPr/>
+                    <p:nvPr/>
+                  </p:nvGrpSpPr>
+                  <p:grpSpPr>
+                    <a:xfrm>
+                      <a:off x="10927810" y="2464461"/>
+                      <a:ext cx="970488" cy="1766390"/>
+                      <a:chOff x="10927810" y="719103"/>
+                      <a:chExt cx="970488" cy="1766390"/>
+                    </a:xfrm>
+                  </p:grpSpPr>
+                  <p:pic>
+                    <p:nvPicPr>
+                      <p:cNvPr id="373" name="圖片 372"/>
+                      <p:cNvPicPr>
+                        <a:picLocks noChangeAspect="1"/>
+                      </p:cNvPicPr>
+                      <p:nvPr/>
+                    </p:nvPicPr>
+                    <p:blipFill rotWithShape="1">
+                      <a:blip r:embed="rId2">
+                        <a:extLst>
+                          <a:ext uri="{28A0092B-C50C-407E-A947-70E740481C1C}">
+                            <a14:useLocalDpi xmlns:a14="http://schemas.microsoft.com/office/drawing/2010/main" val="0"/>
+                          </a:ext>
+                        </a:extLst>
+                      </a:blip>
+                      <a:srcRect l="86876" t="48057" r="2292" b="38517"/>
+                      <a:stretch/>
+                    </p:blipFill>
+                    <p:spPr>
+                      <a:xfrm>
+                        <a:off x="10927810" y="719103"/>
+                        <a:ext cx="970488" cy="900349"/>
+                      </a:xfrm>
+                      <a:prstGeom prst="rect">
+                        <a:avLst/>
+                      </a:prstGeom>
+                    </p:spPr>
+                  </p:pic>
+                  <p:pic>
+                    <p:nvPicPr>
+                      <p:cNvPr id="374" name="圖片 373"/>
+                      <p:cNvPicPr>
+                        <a:picLocks noChangeAspect="1"/>
+                      </p:cNvPicPr>
+                      <p:nvPr/>
+                    </p:nvPicPr>
+                    <p:blipFill rotWithShape="1">
+                      <a:blip r:embed="rId2">
+                        <a:extLst>
+                          <a:ext uri="{28A0092B-C50C-407E-A947-70E740481C1C}">
+                            <a14:useLocalDpi xmlns:a14="http://schemas.microsoft.com/office/drawing/2010/main" val="0"/>
+                          </a:ext>
+                        </a:extLst>
+                      </a:blip>
+                      <a:srcRect l="86876" t="48057" r="2292" b="38517"/>
+                      <a:stretch/>
+                    </p:blipFill>
+                    <p:spPr>
+                      <a:xfrm>
+                        <a:off x="10927810" y="1585144"/>
+                        <a:ext cx="970488" cy="900349"/>
+                      </a:xfrm>
+                      <a:prstGeom prst="rect">
+                        <a:avLst/>
+                      </a:prstGeom>
+                    </p:spPr>
+                  </p:pic>
+                </p:grpSp>
+              </p:grpSp>
+            </p:grpSp>
+            <p:grpSp>
+              <p:nvGrpSpPr>
+                <p:cNvPr id="354" name="群組 353"/>
+                <p:cNvGrpSpPr/>
+                <p:nvPr/>
+              </p:nvGrpSpPr>
+              <p:grpSpPr>
+                <a:xfrm>
+                  <a:off x="12324251" y="7412"/>
+                  <a:ext cx="970488" cy="6993847"/>
+                  <a:chOff x="10927810" y="719103"/>
+                  <a:chExt cx="970488" cy="6993847"/>
+                </a:xfrm>
+              </p:grpSpPr>
+              <p:grpSp>
+                <p:nvGrpSpPr>
+                  <p:cNvPr id="355" name="群組 354"/>
+                  <p:cNvGrpSpPr/>
+                  <p:nvPr/>
+                </p:nvGrpSpPr>
+                <p:grpSpPr>
+                  <a:xfrm>
+                    <a:off x="10927810" y="719103"/>
+                    <a:ext cx="970488" cy="3511748"/>
+                    <a:chOff x="10927810" y="719103"/>
+                    <a:chExt cx="970488" cy="3511748"/>
+                  </a:xfrm>
+                </p:grpSpPr>
+                <p:grpSp>
+                  <p:nvGrpSpPr>
+                    <p:cNvPr id="363" name="群組 362"/>
+                    <p:cNvGrpSpPr/>
+                    <p:nvPr/>
+                  </p:nvGrpSpPr>
+                  <p:grpSpPr>
+                    <a:xfrm>
+                      <a:off x="10927810" y="719103"/>
+                      <a:ext cx="970488" cy="1766390"/>
+                      <a:chOff x="10927810" y="719103"/>
+                      <a:chExt cx="970488" cy="1766390"/>
+                    </a:xfrm>
+                  </p:grpSpPr>
+                  <p:pic>
+                    <p:nvPicPr>
+                      <p:cNvPr id="367" name="圖片 366"/>
+                      <p:cNvPicPr>
+                        <a:picLocks noChangeAspect="1"/>
+                      </p:cNvPicPr>
+                      <p:nvPr/>
+                    </p:nvPicPr>
+                    <p:blipFill rotWithShape="1">
+                      <a:blip r:embed="rId2">
+                        <a:extLst>
+                          <a:ext uri="{28A0092B-C50C-407E-A947-70E740481C1C}">
+                            <a14:useLocalDpi xmlns:a14="http://schemas.microsoft.com/office/drawing/2010/main" val="0"/>
+                          </a:ext>
+                        </a:extLst>
+                      </a:blip>
+                      <a:srcRect l="86876" t="48057" r="2292" b="38517"/>
+                      <a:stretch/>
+                    </p:blipFill>
+                    <p:spPr>
+                      <a:xfrm>
+                        <a:off x="10927810" y="719103"/>
+                        <a:ext cx="970488" cy="900349"/>
+                      </a:xfrm>
+                      <a:prstGeom prst="rect">
+                        <a:avLst/>
+                      </a:prstGeom>
+                    </p:spPr>
+                  </p:pic>
+                  <p:pic>
+                    <p:nvPicPr>
+                      <p:cNvPr id="368" name="圖片 367"/>
+                      <p:cNvPicPr>
+                        <a:picLocks noChangeAspect="1"/>
+                      </p:cNvPicPr>
+                      <p:nvPr/>
+                    </p:nvPicPr>
+                    <p:blipFill rotWithShape="1">
+                      <a:blip r:embed="rId2">
+                        <a:extLst>
+                          <a:ext uri="{28A0092B-C50C-407E-A947-70E740481C1C}">
+                            <a14:useLocalDpi xmlns:a14="http://schemas.microsoft.com/office/drawing/2010/main" val="0"/>
+                          </a:ext>
+                        </a:extLst>
+                      </a:blip>
+                      <a:srcRect l="86876" t="48057" r="2292" b="38517"/>
+                      <a:stretch/>
+                    </p:blipFill>
+                    <p:spPr>
+                      <a:xfrm>
+                        <a:off x="10927810" y="1585144"/>
+                        <a:ext cx="970488" cy="900349"/>
+                      </a:xfrm>
+                      <a:prstGeom prst="rect">
+                        <a:avLst/>
+                      </a:prstGeom>
+                    </p:spPr>
+                  </p:pic>
+                </p:grpSp>
+                <p:grpSp>
+                  <p:nvGrpSpPr>
+                    <p:cNvPr id="364" name="群組 363"/>
+                    <p:cNvGrpSpPr/>
+                    <p:nvPr/>
+                  </p:nvGrpSpPr>
+                  <p:grpSpPr>
+                    <a:xfrm>
+                      <a:off x="10927810" y="2464461"/>
+                      <a:ext cx="970488" cy="1766390"/>
+                      <a:chOff x="10927810" y="719103"/>
+                      <a:chExt cx="970488" cy="1766390"/>
+                    </a:xfrm>
+                  </p:grpSpPr>
+                  <p:pic>
+                    <p:nvPicPr>
+                      <p:cNvPr id="365" name="圖片 364"/>
+                      <p:cNvPicPr>
+                        <a:picLocks noChangeAspect="1"/>
+                      </p:cNvPicPr>
+                      <p:nvPr/>
+                    </p:nvPicPr>
+                    <p:blipFill rotWithShape="1">
+                      <a:blip r:embed="rId2">
+                        <a:extLst>
+                          <a:ext uri="{28A0092B-C50C-407E-A947-70E740481C1C}">
+                            <a14:useLocalDpi xmlns:a14="http://schemas.microsoft.com/office/drawing/2010/main" val="0"/>
+                          </a:ext>
+                        </a:extLst>
+                      </a:blip>
+                      <a:srcRect l="86876" t="48057" r="2292" b="38517"/>
+                      <a:stretch/>
+                    </p:blipFill>
+                    <p:spPr>
+                      <a:xfrm>
+                        <a:off x="10927810" y="719103"/>
+                        <a:ext cx="970488" cy="900349"/>
+                      </a:xfrm>
+                      <a:prstGeom prst="rect">
+                        <a:avLst/>
+                      </a:prstGeom>
+                    </p:spPr>
+                  </p:pic>
+                  <p:pic>
+                    <p:nvPicPr>
+                      <p:cNvPr id="366" name="圖片 365"/>
+                      <p:cNvPicPr>
+                        <a:picLocks noChangeAspect="1"/>
+                      </p:cNvPicPr>
+                      <p:nvPr/>
+                    </p:nvPicPr>
+                    <p:blipFill rotWithShape="1">
+                      <a:blip r:embed="rId2">
+                        <a:extLst>
+                          <a:ext uri="{28A0092B-C50C-407E-A947-70E740481C1C}">
+                            <a14:useLocalDpi xmlns:a14="http://schemas.microsoft.com/office/drawing/2010/main" val="0"/>
+                          </a:ext>
+                        </a:extLst>
+                      </a:blip>
+                      <a:srcRect l="86876" t="48057" r="2292" b="38517"/>
+                      <a:stretch/>
+                    </p:blipFill>
+                    <p:spPr>
+                      <a:xfrm>
+                        <a:off x="10927810" y="1585144"/>
+                        <a:ext cx="970488" cy="900349"/>
+                      </a:xfrm>
+                      <a:prstGeom prst="rect">
+                        <a:avLst/>
+                      </a:prstGeom>
+                    </p:spPr>
+                  </p:pic>
+                </p:grpSp>
+              </p:grpSp>
+              <p:grpSp>
+                <p:nvGrpSpPr>
+                  <p:cNvPr id="356" name="群組 355"/>
+                  <p:cNvGrpSpPr/>
+                  <p:nvPr/>
+                </p:nvGrpSpPr>
+                <p:grpSpPr>
+                  <a:xfrm>
+                    <a:off x="10927810" y="4201202"/>
+                    <a:ext cx="970488" cy="3511748"/>
+                    <a:chOff x="10927810" y="719103"/>
+                    <a:chExt cx="970488" cy="3511748"/>
+                  </a:xfrm>
+                </p:grpSpPr>
+                <p:grpSp>
+                  <p:nvGrpSpPr>
+                    <p:cNvPr id="357" name="群組 356"/>
+                    <p:cNvGrpSpPr/>
+                    <p:nvPr/>
+                  </p:nvGrpSpPr>
+                  <p:grpSpPr>
+                    <a:xfrm>
+                      <a:off x="10927810" y="719103"/>
+                      <a:ext cx="970488" cy="1766390"/>
+                      <a:chOff x="10927810" y="719103"/>
+                      <a:chExt cx="970488" cy="1766390"/>
+                    </a:xfrm>
+                  </p:grpSpPr>
+                  <p:pic>
+                    <p:nvPicPr>
+                      <p:cNvPr id="361" name="圖片 360"/>
+                      <p:cNvPicPr>
+                        <a:picLocks noChangeAspect="1"/>
+                      </p:cNvPicPr>
+                      <p:nvPr/>
+                    </p:nvPicPr>
+                    <p:blipFill rotWithShape="1">
+                      <a:blip r:embed="rId2">
+                        <a:extLst>
+                          <a:ext uri="{28A0092B-C50C-407E-A947-70E740481C1C}">
+                            <a14:useLocalDpi xmlns:a14="http://schemas.microsoft.com/office/drawing/2010/main" val="0"/>
+                          </a:ext>
+                        </a:extLst>
+                      </a:blip>
+                      <a:srcRect l="86876" t="48057" r="2292" b="38517"/>
+                      <a:stretch/>
+                    </p:blipFill>
+                    <p:spPr>
+                      <a:xfrm>
+                        <a:off x="10927810" y="719103"/>
+                        <a:ext cx="970488" cy="900349"/>
+                      </a:xfrm>
+                      <a:prstGeom prst="rect">
+                        <a:avLst/>
+                      </a:prstGeom>
+                    </p:spPr>
+                  </p:pic>
+                  <p:pic>
+                    <p:nvPicPr>
+                      <p:cNvPr id="362" name="圖片 361"/>
+                      <p:cNvPicPr>
+                        <a:picLocks noChangeAspect="1"/>
+                      </p:cNvPicPr>
+                      <p:nvPr/>
+                    </p:nvPicPr>
+                    <p:blipFill rotWithShape="1">
+                      <a:blip r:embed="rId2">
+                        <a:extLst>
+                          <a:ext uri="{28A0092B-C50C-407E-A947-70E740481C1C}">
+                            <a14:useLocalDpi xmlns:a14="http://schemas.microsoft.com/office/drawing/2010/main" val="0"/>
+                          </a:ext>
+                        </a:extLst>
+                      </a:blip>
+                      <a:srcRect l="86876" t="48057" r="2292" b="38517"/>
+                      <a:stretch/>
+                    </p:blipFill>
+                    <p:spPr>
+                      <a:xfrm>
+                        <a:off x="10927810" y="1585144"/>
+                        <a:ext cx="970488" cy="900349"/>
+                      </a:xfrm>
+                      <a:prstGeom prst="rect">
+                        <a:avLst/>
+                      </a:prstGeom>
+                    </p:spPr>
+                  </p:pic>
+                </p:grpSp>
+                <p:grpSp>
+                  <p:nvGrpSpPr>
+                    <p:cNvPr id="358" name="群組 357"/>
+                    <p:cNvGrpSpPr/>
+                    <p:nvPr/>
+                  </p:nvGrpSpPr>
+                  <p:grpSpPr>
+                    <a:xfrm>
+                      <a:off x="10927810" y="2464461"/>
+                      <a:ext cx="970488" cy="1766390"/>
+                      <a:chOff x="10927810" y="719103"/>
+                      <a:chExt cx="970488" cy="1766390"/>
+                    </a:xfrm>
+                  </p:grpSpPr>
+                  <p:pic>
+                    <p:nvPicPr>
+                      <p:cNvPr id="359" name="圖片 358"/>
+                      <p:cNvPicPr>
+                        <a:picLocks noChangeAspect="1"/>
+                      </p:cNvPicPr>
+                      <p:nvPr/>
+                    </p:nvPicPr>
+                    <p:blipFill rotWithShape="1">
+                      <a:blip r:embed="rId2">
+                        <a:extLst>
+                          <a:ext uri="{28A0092B-C50C-407E-A947-70E740481C1C}">
+                            <a14:useLocalDpi xmlns:a14="http://schemas.microsoft.com/office/drawing/2010/main" val="0"/>
+                          </a:ext>
+                        </a:extLst>
+                      </a:blip>
+                      <a:srcRect l="86876" t="48057" r="2292" b="38517"/>
+                      <a:stretch/>
+                    </p:blipFill>
+                    <p:spPr>
+                      <a:xfrm>
+                        <a:off x="10927810" y="719103"/>
+                        <a:ext cx="970488" cy="900349"/>
+                      </a:xfrm>
+                      <a:prstGeom prst="rect">
+                        <a:avLst/>
+                      </a:prstGeom>
+                    </p:spPr>
+                  </p:pic>
+                  <p:pic>
+                    <p:nvPicPr>
+                      <p:cNvPr id="360" name="圖片 359"/>
+                      <p:cNvPicPr>
+                        <a:picLocks noChangeAspect="1"/>
+                      </p:cNvPicPr>
+                      <p:nvPr/>
+                    </p:nvPicPr>
+                    <p:blipFill rotWithShape="1">
+                      <a:blip r:embed="rId2">
+                        <a:extLst>
+                          <a:ext uri="{28A0092B-C50C-407E-A947-70E740481C1C}">
+                            <a14:useLocalDpi xmlns:a14="http://schemas.microsoft.com/office/drawing/2010/main" val="0"/>
+                          </a:ext>
+                        </a:extLst>
+                      </a:blip>
+                      <a:srcRect l="86876" t="48057" r="2292" b="38517"/>
+                      <a:stretch/>
+                    </p:blipFill>
+                    <p:spPr>
+                      <a:xfrm>
+                        <a:off x="10927810" y="1585144"/>
+                        <a:ext cx="970488" cy="900349"/>
+                      </a:xfrm>
+                      <a:prstGeom prst="rect">
+                        <a:avLst/>
+                      </a:prstGeom>
+                    </p:spPr>
+                  </p:pic>
+                </p:grpSp>
+              </p:grpSp>
+            </p:grpSp>
+          </p:grpSp>
+        </p:grpSp>
+        <p:grpSp>
+          <p:nvGrpSpPr>
+            <p:cNvPr id="385" name="群組 384"/>
+            <p:cNvGrpSpPr/>
+            <p:nvPr/>
+          </p:nvGrpSpPr>
+          <p:grpSpPr>
+            <a:xfrm>
+              <a:off x="279658" y="74723"/>
+              <a:ext cx="8939586" cy="6783277"/>
+              <a:chOff x="261056" y="67186"/>
+              <a:chExt cx="8939586" cy="6783277"/>
+            </a:xfrm>
+          </p:grpSpPr>
+          <p:pic>
+            <p:nvPicPr>
+              <p:cNvPr id="3" name="圖片 2"/>
+              <p:cNvPicPr>
+                <a:picLocks noChangeAspect="1"/>
+              </p:cNvPicPr>
+              <p:nvPr/>
+            </p:nvPicPr>
+            <p:blipFill rotWithShape="1">
+              <a:blip r:embed="rId2">
+                <a:extLst>
+                  <a:ext uri="{28A0092B-C50C-407E-A947-70E740481C1C}">
+                    <a14:useLocalDpi xmlns:a14="http://schemas.microsoft.com/office/drawing/2010/main" val="0"/>
+                  </a:ext>
+                </a:extLst>
+              </a:blip>
+              <a:srcRect l="3828" r="33194"/>
+              <a:stretch/>
+            </p:blipFill>
+            <p:spPr>
+              <a:xfrm>
+                <a:off x="261056" y="67186"/>
+                <a:ext cx="5695950" cy="6783277"/>
+              </a:xfrm>
+              <a:prstGeom prst="rect">
+                <a:avLst/>
+              </a:prstGeom>
+            </p:spPr>
+          </p:pic>
+          <p:grpSp>
+            <p:nvGrpSpPr>
+              <p:cNvPr id="119" name="群組 118"/>
+              <p:cNvGrpSpPr/>
+              <p:nvPr/>
+            </p:nvGrpSpPr>
+            <p:grpSpPr>
+              <a:xfrm>
+                <a:off x="6076656" y="493408"/>
+                <a:ext cx="3123986" cy="831328"/>
+                <a:chOff x="5977705" y="390461"/>
+                <a:chExt cx="3123986" cy="831328"/>
               </a:xfrm>
             </p:grpSpPr>
             <p:sp>
               <p:nvSpPr>
-                <p:cNvPr id="99" name="文字方塊 98"/>
+                <p:cNvPr id="97" name="文字方塊 96"/>
                 <p:cNvSpPr txBox="1"/>
                 <p:nvPr/>
               </p:nvSpPr>
               <p:spPr>
                 <a:xfrm>
-                  <a:off x="9044370" y="2090036"/>
-                  <a:ext cx="970488" cy="400110"/>
+                  <a:off x="5977705" y="390461"/>
+                  <a:ext cx="3123986" cy="400110"/>
                 </a:xfrm>
                 <a:prstGeom prst="rect">
                   <a:avLst/>
@@ -3575,23 +7080,31 @@
                 <a:p>
                   <a:r>
                     <a:rPr lang="en-US" altLang="zh-TW" sz="2000" dirty="0" smtClean="0">
-                      <a:ln w="3175">
-                        <a:noFill/>
+                      <a:ln>
+                        <a:solidFill>
+                          <a:schemeClr val="bg2">
+                            <a:lumMod val="75000"/>
+                          </a:schemeClr>
+                        </a:solidFill>
                       </a:ln>
                       <a:solidFill>
-                        <a:srgbClr val="E6EEE8"/>
+                        <a:schemeClr val="bg1"/>
                       </a:solidFill>
                       <a:latin typeface="FOT-Skip Std B" panose="02020700000000000000" pitchFamily="18" charset="-128"/>
                       <a:ea typeface="FOT-Skip Std B" panose="02020700000000000000" pitchFamily="18" charset="-128"/>
                     </a:rPr>
-                    <a:t>score</a:t>
+                    <a:t>Recode : 00234537</a:t>
                   </a:r>
                   <a:endParaRPr lang="zh-TW" altLang="en-US" sz="2000" dirty="0">
-                    <a:ln w="3175">
-                      <a:noFill/>
+                    <a:ln>
+                      <a:solidFill>
+                        <a:schemeClr val="bg2">
+                          <a:lumMod val="75000"/>
+                        </a:schemeClr>
+                      </a:solidFill>
                     </a:ln>
                     <a:solidFill>
-                      <a:srgbClr val="E6EEE8"/>
+                      <a:schemeClr val="bg1"/>
                     </a:solidFill>
                     <a:latin typeface="FOT-Skip Std B" panose="02020700000000000000" pitchFamily="18" charset="-128"/>
                     <a:ea typeface="FOT-Skip Std B" panose="02020700000000000000" pitchFamily="18" charset="-128"/>
@@ -3599,263 +7112,16 @@
                 </a:p>
               </p:txBody>
             </p:sp>
-            <p:pic>
-              <p:nvPicPr>
-                <p:cNvPr id="100" name="圖片 99"/>
-                <p:cNvPicPr>
-                  <a:picLocks noChangeAspect="1"/>
-                </p:cNvPicPr>
-                <p:nvPr/>
-              </p:nvPicPr>
-              <p:blipFill rotWithShape="1">
-                <a:blip r:embed="rId2">
-                  <a:extLst>
-                    <a:ext uri="{28A0092B-C50C-407E-A947-70E740481C1C}">
-                      <a14:useLocalDpi xmlns:a14="http://schemas.microsoft.com/office/drawing/2010/main" val="0"/>
-                    </a:ext>
-                  </a:extLst>
-                </a:blip>
-                <a:srcRect l="86876" t="48057" r="2292" b="38517"/>
-                <a:stretch/>
-              </p:blipFill>
-              <p:spPr>
-                <a:xfrm>
-                  <a:off x="9044370" y="2521254"/>
-                  <a:ext cx="970488" cy="900349"/>
-                </a:xfrm>
-                <a:prstGeom prst="rect">
-                  <a:avLst/>
-                </a:prstGeom>
-              </p:spPr>
-            </p:pic>
-            <p:pic>
-              <p:nvPicPr>
-                <p:cNvPr id="101" name="圖片 100"/>
-                <p:cNvPicPr>
-                  <a:picLocks noChangeAspect="1"/>
-                </p:cNvPicPr>
-                <p:nvPr/>
-              </p:nvPicPr>
-              <p:blipFill rotWithShape="1">
-                <a:blip r:embed="rId2">
-                  <a:extLst>
-                    <a:ext uri="{28A0092B-C50C-407E-A947-70E740481C1C}">
-                      <a14:useLocalDpi xmlns:a14="http://schemas.microsoft.com/office/drawing/2010/main" val="0"/>
-                    </a:ext>
-                  </a:extLst>
-                </a:blip>
-                <a:srcRect l="86876" t="48057" r="2292" b="38517"/>
-                <a:stretch/>
-              </p:blipFill>
-              <p:spPr>
-                <a:xfrm>
-                  <a:off x="9044370" y="840418"/>
-                  <a:ext cx="970488" cy="900349"/>
-                </a:xfrm>
-                <a:prstGeom prst="rect">
-                  <a:avLst/>
-                </a:prstGeom>
-              </p:spPr>
-            </p:pic>
-            <p:pic>
-              <p:nvPicPr>
-                <p:cNvPr id="102" name="圖片 101"/>
-                <p:cNvPicPr>
-                  <a:picLocks noChangeAspect="1"/>
-                </p:cNvPicPr>
-                <p:nvPr/>
-              </p:nvPicPr>
-              <p:blipFill rotWithShape="1">
-                <a:blip r:embed="rId2">
-                  <a:extLst>
-                    <a:ext uri="{28A0092B-C50C-407E-A947-70E740481C1C}">
-                      <a14:useLocalDpi xmlns:a14="http://schemas.microsoft.com/office/drawing/2010/main" val="0"/>
-                    </a:ext>
-                  </a:extLst>
-                </a:blip>
-                <a:srcRect l="86876" t="48057" r="2292" b="38517"/>
-                <a:stretch/>
-              </p:blipFill>
-              <p:spPr>
-                <a:xfrm>
-                  <a:off x="9044370" y="1680836"/>
-                  <a:ext cx="970488" cy="900349"/>
-                </a:xfrm>
-                <a:prstGeom prst="rect">
-                  <a:avLst/>
-                </a:prstGeom>
-              </p:spPr>
-            </p:pic>
-            <p:pic>
-              <p:nvPicPr>
-                <p:cNvPr id="103" name="圖片 102"/>
-                <p:cNvPicPr>
-                  <a:picLocks noChangeAspect="1"/>
-                </p:cNvPicPr>
-                <p:nvPr/>
-              </p:nvPicPr>
-              <p:blipFill rotWithShape="1">
-                <a:blip r:embed="rId2">
-                  <a:extLst>
-                    <a:ext uri="{28A0092B-C50C-407E-A947-70E740481C1C}">
-                      <a14:useLocalDpi xmlns:a14="http://schemas.microsoft.com/office/drawing/2010/main" val="0"/>
-                    </a:ext>
-                  </a:extLst>
-                </a:blip>
-                <a:srcRect l="86876" t="48057" r="2292" b="38517"/>
-                <a:stretch/>
-              </p:blipFill>
-              <p:spPr>
-                <a:xfrm>
-                  <a:off x="9044369" y="0"/>
-                  <a:ext cx="970488" cy="900349"/>
-                </a:xfrm>
-                <a:prstGeom prst="rect">
-                  <a:avLst/>
-                </a:prstGeom>
-              </p:spPr>
-            </p:pic>
-            <p:pic>
-              <p:nvPicPr>
-                <p:cNvPr id="104" name="圖片 103"/>
-                <p:cNvPicPr>
-                  <a:picLocks noChangeAspect="1"/>
-                </p:cNvPicPr>
-                <p:nvPr/>
-              </p:nvPicPr>
-              <p:blipFill rotWithShape="1">
-                <a:blip r:embed="rId2">
-                  <a:extLst>
-                    <a:ext uri="{28A0092B-C50C-407E-A947-70E740481C1C}">
-                      <a14:useLocalDpi xmlns:a14="http://schemas.microsoft.com/office/drawing/2010/main" val="0"/>
-                    </a:ext>
-                  </a:extLst>
-                </a:blip>
-                <a:srcRect l="86876" t="48057" r="2292" b="38517"/>
-                <a:stretch/>
-              </p:blipFill>
-              <p:spPr>
-                <a:xfrm>
-                  <a:off x="9044370" y="3361672"/>
-                  <a:ext cx="970488" cy="900349"/>
-                </a:xfrm>
-                <a:prstGeom prst="rect">
-                  <a:avLst/>
-                </a:prstGeom>
-              </p:spPr>
-            </p:pic>
-            <p:pic>
-              <p:nvPicPr>
-                <p:cNvPr id="105" name="圖片 104"/>
-                <p:cNvPicPr>
-                  <a:picLocks noChangeAspect="1"/>
-                </p:cNvPicPr>
-                <p:nvPr/>
-              </p:nvPicPr>
-              <p:blipFill rotWithShape="1">
-                <a:blip r:embed="rId2">
-                  <a:extLst>
-                    <a:ext uri="{28A0092B-C50C-407E-A947-70E740481C1C}">
-                      <a14:useLocalDpi xmlns:a14="http://schemas.microsoft.com/office/drawing/2010/main" val="0"/>
-                    </a:ext>
-                  </a:extLst>
-                </a:blip>
-                <a:srcRect l="86876" t="48057" r="2292" b="38517"/>
-                <a:stretch/>
-              </p:blipFill>
-              <p:spPr>
-                <a:xfrm>
-                  <a:off x="9044370" y="4202090"/>
-                  <a:ext cx="970488" cy="900349"/>
-                </a:xfrm>
-                <a:prstGeom prst="rect">
-                  <a:avLst/>
-                </a:prstGeom>
-              </p:spPr>
-            </p:pic>
-            <p:pic>
-              <p:nvPicPr>
-                <p:cNvPr id="106" name="圖片 105"/>
-                <p:cNvPicPr>
-                  <a:picLocks noChangeAspect="1"/>
-                </p:cNvPicPr>
-                <p:nvPr/>
-              </p:nvPicPr>
-              <p:blipFill rotWithShape="1">
-                <a:blip r:embed="rId2">
-                  <a:extLst>
-                    <a:ext uri="{28A0092B-C50C-407E-A947-70E740481C1C}">
-                      <a14:useLocalDpi xmlns:a14="http://schemas.microsoft.com/office/drawing/2010/main" val="0"/>
-                    </a:ext>
-                  </a:extLst>
-                </a:blip>
-                <a:srcRect l="86876" t="48057" r="2292" b="38517"/>
-                <a:stretch/>
-              </p:blipFill>
-              <p:spPr>
-                <a:xfrm>
-                  <a:off x="9044370" y="5042508"/>
-                  <a:ext cx="970488" cy="900349"/>
-                </a:xfrm>
-                <a:prstGeom prst="rect">
-                  <a:avLst/>
-                </a:prstGeom>
-              </p:spPr>
-            </p:pic>
-            <p:pic>
-              <p:nvPicPr>
-                <p:cNvPr id="107" name="圖片 106"/>
-                <p:cNvPicPr>
-                  <a:picLocks noChangeAspect="1"/>
-                </p:cNvPicPr>
-                <p:nvPr/>
-              </p:nvPicPr>
-              <p:blipFill rotWithShape="1">
-                <a:blip r:embed="rId2">
-                  <a:extLst>
-                    <a:ext uri="{28A0092B-C50C-407E-A947-70E740481C1C}">
-                      <a14:useLocalDpi xmlns:a14="http://schemas.microsoft.com/office/drawing/2010/main" val="0"/>
-                    </a:ext>
-                  </a:extLst>
-                </a:blip>
-                <a:srcRect l="86876" t="48057" r="2292" b="38517"/>
-                <a:stretch/>
-              </p:blipFill>
-              <p:spPr>
-                <a:xfrm>
-                  <a:off x="9044370" y="5882928"/>
-                  <a:ext cx="970488" cy="900349"/>
-                </a:xfrm>
-                <a:prstGeom prst="rect">
-                  <a:avLst/>
-                </a:prstGeom>
-              </p:spPr>
-            </p:pic>
-          </p:grpSp>
-          <p:grpSp>
-            <p:nvGrpSpPr>
-              <p:cNvPr id="15" name="群組 14"/>
-              <p:cNvGrpSpPr/>
-              <p:nvPr/>
-            </p:nvGrpSpPr>
-            <p:grpSpPr>
-              <a:xfrm>
-                <a:off x="2818155" y="74723"/>
-                <a:ext cx="970489" cy="6783277"/>
-                <a:chOff x="9044369" y="0"/>
-                <a:chExt cx="970489" cy="6783277"/>
-              </a:xfrm>
-            </p:grpSpPr>
             <p:sp>
               <p:nvSpPr>
-                <p:cNvPr id="8" name="文字方塊 7"/>
+                <p:cNvPr id="108" name="文字方塊 107"/>
                 <p:cNvSpPr txBox="1"/>
                 <p:nvPr/>
               </p:nvSpPr>
               <p:spPr>
                 <a:xfrm>
-                  <a:off x="9044370" y="2090036"/>
-                  <a:ext cx="970488" cy="400110"/>
+                  <a:off x="5977705" y="821679"/>
+                  <a:ext cx="3123986" cy="400110"/>
                 </a:xfrm>
                 <a:prstGeom prst="rect">
                   <a:avLst/>
@@ -3870,23 +7136,31 @@
                 <a:p>
                   <a:r>
                     <a:rPr lang="en-US" altLang="zh-TW" sz="2000" dirty="0" smtClean="0">
-                      <a:ln w="3175">
-                        <a:noFill/>
+                      <a:ln>
+                        <a:solidFill>
+                          <a:schemeClr val="bg2">
+                            <a:lumMod val="75000"/>
+                          </a:schemeClr>
+                        </a:solidFill>
                       </a:ln>
                       <a:solidFill>
-                        <a:srgbClr val="E6EEE8"/>
+                        <a:schemeClr val="bg1"/>
                       </a:solidFill>
                       <a:latin typeface="FOT-Skip Std B" panose="02020700000000000000" pitchFamily="18" charset="-128"/>
                       <a:ea typeface="FOT-Skip Std B" panose="02020700000000000000" pitchFamily="18" charset="-128"/>
                     </a:rPr>
-                    <a:t>score</a:t>
+                    <a:t>Score : 0027365</a:t>
                   </a:r>
                   <a:endParaRPr lang="zh-TW" altLang="en-US" sz="2000" dirty="0">
-                    <a:ln w="3175">
-                      <a:noFill/>
+                    <a:ln>
+                      <a:solidFill>
+                        <a:schemeClr val="bg2">
+                          <a:lumMod val="75000"/>
+                        </a:schemeClr>
+                      </a:solidFill>
                     </a:ln>
                     <a:solidFill>
-                      <a:srgbClr val="E6EEE8"/>
+                      <a:schemeClr val="bg1"/>
                     </a:solidFill>
                     <a:latin typeface="FOT-Skip Std B" panose="02020700000000000000" pitchFamily="18" charset="-128"/>
                     <a:ea typeface="FOT-Skip Std B" panose="02020700000000000000" pitchFamily="18" charset="-128"/>
@@ -3894,9 +7168,24 @@
                 </a:p>
               </p:txBody>
             </p:sp>
+          </p:grpSp>
+          <p:grpSp>
+            <p:nvGrpSpPr>
+              <p:cNvPr id="115" name="群組 114"/>
+              <p:cNvGrpSpPr/>
+              <p:nvPr/>
+            </p:nvGrpSpPr>
+            <p:grpSpPr>
+              <a:xfrm>
+                <a:off x="7374235" y="1692370"/>
+                <a:ext cx="1174781" cy="257175"/>
+                <a:chOff x="7250459" y="1818709"/>
+                <a:chExt cx="1174781" cy="257175"/>
+              </a:xfrm>
+            </p:grpSpPr>
             <p:pic>
               <p:nvPicPr>
-                <p:cNvPr id="5" name="圖片 4"/>
+                <p:cNvPr id="111" name="圖片 110"/>
                 <p:cNvPicPr>
                   <a:picLocks noChangeAspect="1"/>
                 </p:cNvPicPr>
@@ -3910,13 +7199,13 @@
                     </a:ext>
                   </a:extLst>
                 </a:blip>
-                <a:srcRect l="86876" t="48057" r="2292" b="38517"/>
+                <a:srcRect l="77220" t="25456" r="19810" b="70794"/>
                 <a:stretch/>
               </p:blipFill>
               <p:spPr>
                 <a:xfrm>
-                  <a:off x="9044370" y="2521254"/>
-                  <a:ext cx="970488" cy="900349"/>
+                  <a:off x="7250459" y="1818709"/>
+                  <a:ext cx="271463" cy="257175"/>
                 </a:xfrm>
                 <a:prstGeom prst="rect">
                   <a:avLst/>
@@ -3925,7 +7214,7 @@
             </p:pic>
             <p:pic>
               <p:nvPicPr>
-                <p:cNvPr id="6" name="圖片 5"/>
+                <p:cNvPr id="112" name="圖片 111"/>
                 <p:cNvPicPr>
                   <a:picLocks noChangeAspect="1"/>
                 </p:cNvPicPr>
@@ -3939,13 +7228,13 @@
                     </a:ext>
                   </a:extLst>
                 </a:blip>
-                <a:srcRect l="86876" t="48057" r="2292" b="38517"/>
+                <a:srcRect l="77220" t="25456" r="19810" b="70794"/>
                 <a:stretch/>
               </p:blipFill>
               <p:spPr>
                 <a:xfrm>
-                  <a:off x="9044370" y="840418"/>
-                  <a:ext cx="970488" cy="900349"/>
+                  <a:off x="7551565" y="1818709"/>
+                  <a:ext cx="271463" cy="257175"/>
                 </a:xfrm>
                 <a:prstGeom prst="rect">
                   <a:avLst/>
@@ -3954,7 +7243,7 @@
             </p:pic>
             <p:pic>
               <p:nvPicPr>
-                <p:cNvPr id="7" name="圖片 6"/>
+                <p:cNvPr id="113" name="圖片 112"/>
                 <p:cNvPicPr>
                   <a:picLocks noChangeAspect="1"/>
                 </p:cNvPicPr>
@@ -3968,13 +7257,13 @@
                     </a:ext>
                   </a:extLst>
                 </a:blip>
-                <a:srcRect l="86876" t="48057" r="2292" b="38517"/>
+                <a:srcRect l="77220" t="25456" r="19810" b="70794"/>
                 <a:stretch/>
               </p:blipFill>
               <p:spPr>
                 <a:xfrm>
-                  <a:off x="9044370" y="1680836"/>
-                  <a:ext cx="970488" cy="900349"/>
+                  <a:off x="7852671" y="1818709"/>
+                  <a:ext cx="271463" cy="257175"/>
                 </a:xfrm>
                 <a:prstGeom prst="rect">
                   <a:avLst/>
@@ -3983,7 +7272,7 @@
             </p:pic>
             <p:pic>
               <p:nvPicPr>
-                <p:cNvPr id="10" name="圖片 9"/>
+                <p:cNvPr id="114" name="圖片 113"/>
                 <p:cNvPicPr>
                   <a:picLocks noChangeAspect="1"/>
                 </p:cNvPicPr>
@@ -3997,22 +7286,37 @@
                     </a:ext>
                   </a:extLst>
                 </a:blip>
-                <a:srcRect l="86876" t="48057" r="2292" b="38517"/>
+                <a:srcRect l="77220" t="25456" r="19810" b="70794"/>
                 <a:stretch/>
               </p:blipFill>
               <p:spPr>
                 <a:xfrm>
-                  <a:off x="9044369" y="0"/>
-                  <a:ext cx="970488" cy="900349"/>
+                  <a:off x="8153777" y="1818709"/>
+                  <a:ext cx="271463" cy="257175"/>
                 </a:xfrm>
                 <a:prstGeom prst="rect">
                   <a:avLst/>
                 </a:prstGeom>
               </p:spPr>
             </p:pic>
+          </p:grpSp>
+          <p:grpSp>
+            <p:nvGrpSpPr>
+              <p:cNvPr id="122" name="群組 121"/>
+              <p:cNvGrpSpPr/>
+              <p:nvPr/>
+            </p:nvGrpSpPr>
+            <p:grpSpPr>
+              <a:xfrm>
+                <a:off x="7367591" y="2201171"/>
+                <a:ext cx="880319" cy="257175"/>
+                <a:chOff x="7268640" y="2098224"/>
+                <a:chExt cx="880319" cy="257175"/>
+              </a:xfrm>
+            </p:grpSpPr>
             <p:pic>
               <p:nvPicPr>
-                <p:cNvPr id="11" name="圖片 10"/>
+                <p:cNvPr id="116" name="圖片 115"/>
                 <p:cNvPicPr>
                   <a:picLocks noChangeAspect="1"/>
                 </p:cNvPicPr>
@@ -4026,13 +7330,13 @@
                     </a:ext>
                   </a:extLst>
                 </a:blip>
-                <a:srcRect l="86876" t="48057" r="2292" b="38517"/>
+                <a:srcRect l="77220" t="30363" r="19810" b="65887"/>
                 <a:stretch/>
               </p:blipFill>
               <p:spPr>
                 <a:xfrm>
-                  <a:off x="9044370" y="3361672"/>
-                  <a:ext cx="970488" cy="900349"/>
+                  <a:off x="7268640" y="2098224"/>
+                  <a:ext cx="271463" cy="257175"/>
                 </a:xfrm>
                 <a:prstGeom prst="rect">
                   <a:avLst/>
@@ -4041,7 +7345,7 @@
             </p:pic>
             <p:pic>
               <p:nvPicPr>
-                <p:cNvPr id="12" name="圖片 11"/>
+                <p:cNvPr id="117" name="圖片 116"/>
                 <p:cNvPicPr>
                   <a:picLocks noChangeAspect="1"/>
                 </p:cNvPicPr>
@@ -4055,13 +7359,13 @@
                     </a:ext>
                   </a:extLst>
                 </a:blip>
-                <a:srcRect l="86876" t="48057" r="2292" b="38517"/>
+                <a:srcRect l="77220" t="30363" r="19810" b="65887"/>
                 <a:stretch/>
               </p:blipFill>
               <p:spPr>
                 <a:xfrm>
-                  <a:off x="9044370" y="4202090"/>
-                  <a:ext cx="970488" cy="900349"/>
+                  <a:off x="7573068" y="2098224"/>
+                  <a:ext cx="271463" cy="257175"/>
                 </a:xfrm>
                 <a:prstGeom prst="rect">
                   <a:avLst/>
@@ -4070,7 +7374,7 @@
             </p:pic>
             <p:pic>
               <p:nvPicPr>
-                <p:cNvPr id="13" name="圖片 12"/>
+                <p:cNvPr id="118" name="圖片 117"/>
                 <p:cNvPicPr>
                   <a:picLocks noChangeAspect="1"/>
                 </p:cNvPicPr>
@@ -4084,42 +7388,13 @@
                     </a:ext>
                   </a:extLst>
                 </a:blip>
-                <a:srcRect l="86876" t="48057" r="2292" b="38517"/>
+                <a:srcRect l="77220" t="30363" r="19810" b="65887"/>
                 <a:stretch/>
               </p:blipFill>
               <p:spPr>
                 <a:xfrm>
-                  <a:off x="9044370" y="5042508"/>
-                  <a:ext cx="970488" cy="900349"/>
-                </a:xfrm>
-                <a:prstGeom prst="rect">
-                  <a:avLst/>
-                </a:prstGeom>
-              </p:spPr>
-            </p:pic>
-            <p:pic>
-              <p:nvPicPr>
-                <p:cNvPr id="14" name="圖片 13"/>
-                <p:cNvPicPr>
-                  <a:picLocks noChangeAspect="1"/>
-                </p:cNvPicPr>
-                <p:nvPr/>
-              </p:nvPicPr>
-              <p:blipFill rotWithShape="1">
-                <a:blip r:embed="rId2">
-                  <a:extLst>
-                    <a:ext uri="{28A0092B-C50C-407E-A947-70E740481C1C}">
-                      <a14:useLocalDpi xmlns:a14="http://schemas.microsoft.com/office/drawing/2010/main" val="0"/>
-                    </a:ext>
-                  </a:extLst>
-                </a:blip>
-                <a:srcRect l="86876" t="48057" r="2292" b="38517"/>
-                <a:stretch/>
-              </p:blipFill>
-              <p:spPr>
-                <a:xfrm>
-                  <a:off x="9044370" y="5882928"/>
-                  <a:ext cx="970488" cy="900349"/>
+                  <a:off x="7877496" y="2098224"/>
+                  <a:ext cx="271463" cy="257175"/>
                 </a:xfrm>
                 <a:prstGeom prst="rect">
                   <a:avLst/>
@@ -4127,2419 +7402,44 @@
               </p:spPr>
             </p:pic>
           </p:grpSp>
-          <p:grpSp>
-            <p:nvGrpSpPr>
-              <p:cNvPr id="16" name="群組 15"/>
-              <p:cNvGrpSpPr/>
+          <p:pic>
+            <p:nvPicPr>
+              <p:cNvPr id="125" name="圖片 124"/>
+              <p:cNvPicPr>
+                <a:picLocks noChangeAspect="1"/>
+              </p:cNvPicPr>
               <p:nvPr/>
-            </p:nvGrpSpPr>
-            <p:grpSpPr>
+            </p:nvPicPr>
+            <p:blipFill rotWithShape="1">
+              <a:blip r:embed="rId2">
+                <a:extLst>
+                  <a:ext uri="{28A0092B-C50C-407E-A947-70E740481C1C}">
+                    <a14:useLocalDpi xmlns:a14="http://schemas.microsoft.com/office/drawing/2010/main" val="0"/>
+                  </a:ext>
+                </a:extLst>
+              </a:blip>
+              <a:srcRect l="67164" t="38602" r="24264" b="53283"/>
+              <a:stretch/>
+            </p:blipFill>
+            <p:spPr>
               <a:xfrm>
-                <a:off x="4722325" y="74723"/>
-                <a:ext cx="970489" cy="6783277"/>
-                <a:chOff x="9044369" y="0"/>
-                <a:chExt cx="970489" cy="6783277"/>
+                <a:off x="6087864" y="2812195"/>
+                <a:ext cx="802824" cy="569946"/>
               </a:xfrm>
-            </p:grpSpPr>
-            <p:sp>
-              <p:nvSpPr>
-                <p:cNvPr id="17" name="文字方塊 16"/>
-                <p:cNvSpPr txBox="1"/>
-                <p:nvPr/>
-              </p:nvSpPr>
-              <p:spPr>
-                <a:xfrm>
-                  <a:off x="9044370" y="2090036"/>
-                  <a:ext cx="970488" cy="400110"/>
-                </a:xfrm>
-                <a:prstGeom prst="rect">
-                  <a:avLst/>
-                </a:prstGeom>
-                <a:noFill/>
-              </p:spPr>
-              <p:txBody>
-                <a:bodyPr wrap="square" rtlCol="0">
-                  <a:spAutoFit/>
-                </a:bodyPr>
-                <a:lstStyle/>
-                <a:p>
-                  <a:r>
-                    <a:rPr lang="en-US" altLang="zh-TW" sz="2000" dirty="0" smtClean="0">
-                      <a:ln w="3175">
-                        <a:noFill/>
-                      </a:ln>
-                      <a:solidFill>
-                        <a:srgbClr val="E6EEE8"/>
-                      </a:solidFill>
-                      <a:latin typeface="FOT-Skip Std B" panose="02020700000000000000" pitchFamily="18" charset="-128"/>
-                      <a:ea typeface="FOT-Skip Std B" panose="02020700000000000000" pitchFamily="18" charset="-128"/>
-                    </a:rPr>
-                    <a:t>score</a:t>
-                  </a:r>
-                  <a:endParaRPr lang="zh-TW" altLang="en-US" sz="2000" dirty="0">
-                    <a:ln w="3175">
-                      <a:noFill/>
-                    </a:ln>
-                    <a:solidFill>
-                      <a:srgbClr val="E6EEE8"/>
-                    </a:solidFill>
-                    <a:latin typeface="FOT-Skip Std B" panose="02020700000000000000" pitchFamily="18" charset="-128"/>
-                    <a:ea typeface="FOT-Skip Std B" panose="02020700000000000000" pitchFamily="18" charset="-128"/>
-                  </a:endParaRPr>
-                </a:p>
-              </p:txBody>
-            </p:sp>
-            <p:pic>
-              <p:nvPicPr>
-                <p:cNvPr id="18" name="圖片 17"/>
-                <p:cNvPicPr>
-                  <a:picLocks noChangeAspect="1"/>
-                </p:cNvPicPr>
-                <p:nvPr/>
-              </p:nvPicPr>
-              <p:blipFill rotWithShape="1">
-                <a:blip r:embed="rId2">
-                  <a:extLst>
-                    <a:ext uri="{28A0092B-C50C-407E-A947-70E740481C1C}">
-                      <a14:useLocalDpi xmlns:a14="http://schemas.microsoft.com/office/drawing/2010/main" val="0"/>
-                    </a:ext>
-                  </a:extLst>
-                </a:blip>
-                <a:srcRect l="86876" t="48057" r="2292" b="38517"/>
-                <a:stretch/>
-              </p:blipFill>
-              <p:spPr>
-                <a:xfrm>
-                  <a:off x="9044370" y="2521254"/>
-                  <a:ext cx="970488" cy="900349"/>
-                </a:xfrm>
-                <a:prstGeom prst="rect">
-                  <a:avLst/>
-                </a:prstGeom>
-              </p:spPr>
-            </p:pic>
-            <p:pic>
-              <p:nvPicPr>
-                <p:cNvPr id="19" name="圖片 18"/>
-                <p:cNvPicPr>
-                  <a:picLocks noChangeAspect="1"/>
-                </p:cNvPicPr>
-                <p:nvPr/>
-              </p:nvPicPr>
-              <p:blipFill rotWithShape="1">
-                <a:blip r:embed="rId2">
-                  <a:extLst>
-                    <a:ext uri="{28A0092B-C50C-407E-A947-70E740481C1C}">
-                      <a14:useLocalDpi xmlns:a14="http://schemas.microsoft.com/office/drawing/2010/main" val="0"/>
-                    </a:ext>
-                  </a:extLst>
-                </a:blip>
-                <a:srcRect l="86876" t="48057" r="2292" b="38517"/>
-                <a:stretch/>
-              </p:blipFill>
-              <p:spPr>
-                <a:xfrm>
-                  <a:off x="9044370" y="840418"/>
-                  <a:ext cx="970488" cy="900349"/>
-                </a:xfrm>
-                <a:prstGeom prst="rect">
-                  <a:avLst/>
-                </a:prstGeom>
-              </p:spPr>
-            </p:pic>
-            <p:pic>
-              <p:nvPicPr>
-                <p:cNvPr id="20" name="圖片 19"/>
-                <p:cNvPicPr>
-                  <a:picLocks noChangeAspect="1"/>
-                </p:cNvPicPr>
-                <p:nvPr/>
-              </p:nvPicPr>
-              <p:blipFill rotWithShape="1">
-                <a:blip r:embed="rId2">
-                  <a:extLst>
-                    <a:ext uri="{28A0092B-C50C-407E-A947-70E740481C1C}">
-                      <a14:useLocalDpi xmlns:a14="http://schemas.microsoft.com/office/drawing/2010/main" val="0"/>
-                    </a:ext>
-                  </a:extLst>
-                </a:blip>
-                <a:srcRect l="86876" t="48057" r="2292" b="38517"/>
-                <a:stretch/>
-              </p:blipFill>
-              <p:spPr>
-                <a:xfrm>
-                  <a:off x="9044370" y="1680836"/>
-                  <a:ext cx="970488" cy="900349"/>
-                </a:xfrm>
-                <a:prstGeom prst="rect">
-                  <a:avLst/>
-                </a:prstGeom>
-              </p:spPr>
-            </p:pic>
-            <p:pic>
-              <p:nvPicPr>
-                <p:cNvPr id="21" name="圖片 20"/>
-                <p:cNvPicPr>
-                  <a:picLocks noChangeAspect="1"/>
-                </p:cNvPicPr>
-                <p:nvPr/>
-              </p:nvPicPr>
-              <p:blipFill rotWithShape="1">
-                <a:blip r:embed="rId2">
-                  <a:extLst>
-                    <a:ext uri="{28A0092B-C50C-407E-A947-70E740481C1C}">
-                      <a14:useLocalDpi xmlns:a14="http://schemas.microsoft.com/office/drawing/2010/main" val="0"/>
-                    </a:ext>
-                  </a:extLst>
-                </a:blip>
-                <a:srcRect l="86876" t="48057" r="2292" b="38517"/>
-                <a:stretch/>
-              </p:blipFill>
-              <p:spPr>
-                <a:xfrm>
-                  <a:off x="9044369" y="0"/>
-                  <a:ext cx="970488" cy="900349"/>
-                </a:xfrm>
-                <a:prstGeom prst="rect">
-                  <a:avLst/>
-                </a:prstGeom>
-              </p:spPr>
-            </p:pic>
-            <p:pic>
-              <p:nvPicPr>
-                <p:cNvPr id="22" name="圖片 21"/>
-                <p:cNvPicPr>
-                  <a:picLocks noChangeAspect="1"/>
-                </p:cNvPicPr>
-                <p:nvPr/>
-              </p:nvPicPr>
-              <p:blipFill rotWithShape="1">
-                <a:blip r:embed="rId2">
-                  <a:extLst>
-                    <a:ext uri="{28A0092B-C50C-407E-A947-70E740481C1C}">
-                      <a14:useLocalDpi xmlns:a14="http://schemas.microsoft.com/office/drawing/2010/main" val="0"/>
-                    </a:ext>
-                  </a:extLst>
-                </a:blip>
-                <a:srcRect l="86876" t="48057" r="2292" b="38517"/>
-                <a:stretch/>
-              </p:blipFill>
-              <p:spPr>
-                <a:xfrm>
-                  <a:off x="9044370" y="3361672"/>
-                  <a:ext cx="970488" cy="900349"/>
-                </a:xfrm>
-                <a:prstGeom prst="rect">
-                  <a:avLst/>
-                </a:prstGeom>
-              </p:spPr>
-            </p:pic>
-            <p:pic>
-              <p:nvPicPr>
-                <p:cNvPr id="23" name="圖片 22"/>
-                <p:cNvPicPr>
-                  <a:picLocks noChangeAspect="1"/>
-                </p:cNvPicPr>
-                <p:nvPr/>
-              </p:nvPicPr>
-              <p:blipFill rotWithShape="1">
-                <a:blip r:embed="rId2">
-                  <a:extLst>
-                    <a:ext uri="{28A0092B-C50C-407E-A947-70E740481C1C}">
-                      <a14:useLocalDpi xmlns:a14="http://schemas.microsoft.com/office/drawing/2010/main" val="0"/>
-                    </a:ext>
-                  </a:extLst>
-                </a:blip>
-                <a:srcRect l="86876" t="48057" r="2292" b="38517"/>
-                <a:stretch/>
-              </p:blipFill>
-              <p:spPr>
-                <a:xfrm>
-                  <a:off x="9044370" y="4202090"/>
-                  <a:ext cx="970488" cy="900349"/>
-                </a:xfrm>
-                <a:prstGeom prst="rect">
-                  <a:avLst/>
-                </a:prstGeom>
-              </p:spPr>
-            </p:pic>
-            <p:pic>
-              <p:nvPicPr>
-                <p:cNvPr id="24" name="圖片 23"/>
-                <p:cNvPicPr>
-                  <a:picLocks noChangeAspect="1"/>
-                </p:cNvPicPr>
-                <p:nvPr/>
-              </p:nvPicPr>
-              <p:blipFill rotWithShape="1">
-                <a:blip r:embed="rId2">
-                  <a:extLst>
-                    <a:ext uri="{28A0092B-C50C-407E-A947-70E740481C1C}">
-                      <a14:useLocalDpi xmlns:a14="http://schemas.microsoft.com/office/drawing/2010/main" val="0"/>
-                    </a:ext>
-                  </a:extLst>
-                </a:blip>
-                <a:srcRect l="86876" t="48057" r="2292" b="38517"/>
-                <a:stretch/>
-              </p:blipFill>
-              <p:spPr>
-                <a:xfrm>
-                  <a:off x="9044370" y="5042508"/>
-                  <a:ext cx="970488" cy="900349"/>
-                </a:xfrm>
-                <a:prstGeom prst="rect">
-                  <a:avLst/>
-                </a:prstGeom>
-              </p:spPr>
-            </p:pic>
-            <p:pic>
-              <p:nvPicPr>
-                <p:cNvPr id="25" name="圖片 24"/>
-                <p:cNvPicPr>
-                  <a:picLocks noChangeAspect="1"/>
-                </p:cNvPicPr>
-                <p:nvPr/>
-              </p:nvPicPr>
-              <p:blipFill rotWithShape="1">
-                <a:blip r:embed="rId2">
-                  <a:extLst>
-                    <a:ext uri="{28A0092B-C50C-407E-A947-70E740481C1C}">
-                      <a14:useLocalDpi xmlns:a14="http://schemas.microsoft.com/office/drawing/2010/main" val="0"/>
-                    </a:ext>
-                  </a:extLst>
-                </a:blip>
-                <a:srcRect l="86876" t="48057" r="2292" b="38517"/>
-                <a:stretch/>
-              </p:blipFill>
-              <p:spPr>
-                <a:xfrm>
-                  <a:off x="9044370" y="5882928"/>
-                  <a:ext cx="970488" cy="900349"/>
-                </a:xfrm>
-                <a:prstGeom prst="rect">
-                  <a:avLst/>
-                </a:prstGeom>
-              </p:spPr>
-            </p:pic>
-          </p:grpSp>
-          <p:grpSp>
-            <p:nvGrpSpPr>
-              <p:cNvPr id="26" name="群組 25"/>
-              <p:cNvGrpSpPr/>
-              <p:nvPr/>
-            </p:nvGrpSpPr>
-            <p:grpSpPr>
-              <a:xfrm>
-                <a:off x="1866070" y="74723"/>
-                <a:ext cx="970489" cy="6783277"/>
-                <a:chOff x="9044369" y="0"/>
-                <a:chExt cx="970489" cy="6783277"/>
-              </a:xfrm>
-            </p:grpSpPr>
-            <p:sp>
-              <p:nvSpPr>
-                <p:cNvPr id="27" name="文字方塊 26"/>
-                <p:cNvSpPr txBox="1"/>
-                <p:nvPr/>
-              </p:nvSpPr>
-              <p:spPr>
-                <a:xfrm>
-                  <a:off x="9044370" y="2090036"/>
-                  <a:ext cx="970488" cy="400110"/>
-                </a:xfrm>
-                <a:prstGeom prst="rect">
-                  <a:avLst/>
-                </a:prstGeom>
-                <a:noFill/>
-              </p:spPr>
-              <p:txBody>
-                <a:bodyPr wrap="square" rtlCol="0">
-                  <a:spAutoFit/>
-                </a:bodyPr>
-                <a:lstStyle/>
-                <a:p>
-                  <a:r>
-                    <a:rPr lang="en-US" altLang="zh-TW" sz="2000" dirty="0" smtClean="0">
-                      <a:ln w="3175">
-                        <a:noFill/>
-                      </a:ln>
-                      <a:solidFill>
-                        <a:srgbClr val="E6EEE8"/>
-                      </a:solidFill>
-                      <a:latin typeface="FOT-Skip Std B" panose="02020700000000000000" pitchFamily="18" charset="-128"/>
-                      <a:ea typeface="FOT-Skip Std B" panose="02020700000000000000" pitchFamily="18" charset="-128"/>
-                    </a:rPr>
-                    <a:t>score</a:t>
-                  </a:r>
-                  <a:endParaRPr lang="zh-TW" altLang="en-US" sz="2000" dirty="0">
-                    <a:ln w="3175">
-                      <a:noFill/>
-                    </a:ln>
-                    <a:solidFill>
-                      <a:srgbClr val="E6EEE8"/>
-                    </a:solidFill>
-                    <a:latin typeface="FOT-Skip Std B" panose="02020700000000000000" pitchFamily="18" charset="-128"/>
-                    <a:ea typeface="FOT-Skip Std B" panose="02020700000000000000" pitchFamily="18" charset="-128"/>
-                  </a:endParaRPr>
-                </a:p>
-              </p:txBody>
-            </p:sp>
-            <p:pic>
-              <p:nvPicPr>
-                <p:cNvPr id="28" name="圖片 27"/>
-                <p:cNvPicPr>
-                  <a:picLocks noChangeAspect="1"/>
-                </p:cNvPicPr>
-                <p:nvPr/>
-              </p:nvPicPr>
-              <p:blipFill rotWithShape="1">
-                <a:blip r:embed="rId2">
-                  <a:extLst>
-                    <a:ext uri="{28A0092B-C50C-407E-A947-70E740481C1C}">
-                      <a14:useLocalDpi xmlns:a14="http://schemas.microsoft.com/office/drawing/2010/main" val="0"/>
-                    </a:ext>
-                  </a:extLst>
-                </a:blip>
-                <a:srcRect l="86876" t="48057" r="2292" b="38517"/>
-                <a:stretch/>
-              </p:blipFill>
-              <p:spPr>
-                <a:xfrm>
-                  <a:off x="9044370" y="2521254"/>
-                  <a:ext cx="970488" cy="900349"/>
-                </a:xfrm>
-                <a:prstGeom prst="rect">
-                  <a:avLst/>
-                </a:prstGeom>
-              </p:spPr>
-            </p:pic>
-            <p:pic>
-              <p:nvPicPr>
-                <p:cNvPr id="29" name="圖片 28"/>
-                <p:cNvPicPr>
-                  <a:picLocks noChangeAspect="1"/>
-                </p:cNvPicPr>
-                <p:nvPr/>
-              </p:nvPicPr>
-              <p:blipFill rotWithShape="1">
-                <a:blip r:embed="rId2">
-                  <a:extLst>
-                    <a:ext uri="{28A0092B-C50C-407E-A947-70E740481C1C}">
-                      <a14:useLocalDpi xmlns:a14="http://schemas.microsoft.com/office/drawing/2010/main" val="0"/>
-                    </a:ext>
-                  </a:extLst>
-                </a:blip>
-                <a:srcRect l="86876" t="48057" r="2292" b="38517"/>
-                <a:stretch/>
-              </p:blipFill>
-              <p:spPr>
-                <a:xfrm>
-                  <a:off x="9044370" y="840418"/>
-                  <a:ext cx="970488" cy="900349"/>
-                </a:xfrm>
-                <a:prstGeom prst="rect">
-                  <a:avLst/>
-                </a:prstGeom>
-              </p:spPr>
-            </p:pic>
-            <p:pic>
-              <p:nvPicPr>
-                <p:cNvPr id="30" name="圖片 29"/>
-                <p:cNvPicPr>
-                  <a:picLocks noChangeAspect="1"/>
-                </p:cNvPicPr>
-                <p:nvPr/>
-              </p:nvPicPr>
-              <p:blipFill rotWithShape="1">
-                <a:blip r:embed="rId2">
-                  <a:extLst>
-                    <a:ext uri="{28A0092B-C50C-407E-A947-70E740481C1C}">
-                      <a14:useLocalDpi xmlns:a14="http://schemas.microsoft.com/office/drawing/2010/main" val="0"/>
-                    </a:ext>
-                  </a:extLst>
-                </a:blip>
-                <a:srcRect l="86876" t="48057" r="2292" b="38517"/>
-                <a:stretch/>
-              </p:blipFill>
-              <p:spPr>
-                <a:xfrm>
-                  <a:off x="9044370" y="1680836"/>
-                  <a:ext cx="970488" cy="900349"/>
-                </a:xfrm>
-                <a:prstGeom prst="rect">
-                  <a:avLst/>
-                </a:prstGeom>
-              </p:spPr>
-            </p:pic>
-            <p:pic>
-              <p:nvPicPr>
-                <p:cNvPr id="31" name="圖片 30"/>
-                <p:cNvPicPr>
-                  <a:picLocks noChangeAspect="1"/>
-                </p:cNvPicPr>
-                <p:nvPr/>
-              </p:nvPicPr>
-              <p:blipFill rotWithShape="1">
-                <a:blip r:embed="rId2">
-                  <a:extLst>
-                    <a:ext uri="{28A0092B-C50C-407E-A947-70E740481C1C}">
-                      <a14:useLocalDpi xmlns:a14="http://schemas.microsoft.com/office/drawing/2010/main" val="0"/>
-                    </a:ext>
-                  </a:extLst>
-                </a:blip>
-                <a:srcRect l="86876" t="48057" r="2292" b="38517"/>
-                <a:stretch/>
-              </p:blipFill>
-              <p:spPr>
-                <a:xfrm>
-                  <a:off x="9044369" y="0"/>
-                  <a:ext cx="970488" cy="900349"/>
-                </a:xfrm>
-                <a:prstGeom prst="rect">
-                  <a:avLst/>
-                </a:prstGeom>
-              </p:spPr>
-            </p:pic>
-            <p:pic>
-              <p:nvPicPr>
-                <p:cNvPr id="32" name="圖片 31"/>
-                <p:cNvPicPr>
-                  <a:picLocks noChangeAspect="1"/>
-                </p:cNvPicPr>
-                <p:nvPr/>
-              </p:nvPicPr>
-              <p:blipFill rotWithShape="1">
-                <a:blip r:embed="rId2">
-                  <a:extLst>
-                    <a:ext uri="{28A0092B-C50C-407E-A947-70E740481C1C}">
-                      <a14:useLocalDpi xmlns:a14="http://schemas.microsoft.com/office/drawing/2010/main" val="0"/>
-                    </a:ext>
-                  </a:extLst>
-                </a:blip>
-                <a:srcRect l="86876" t="48057" r="2292" b="38517"/>
-                <a:stretch/>
-              </p:blipFill>
-              <p:spPr>
-                <a:xfrm>
-                  <a:off x="9044370" y="3361672"/>
-                  <a:ext cx="970488" cy="900349"/>
-                </a:xfrm>
-                <a:prstGeom prst="rect">
-                  <a:avLst/>
-                </a:prstGeom>
-              </p:spPr>
-            </p:pic>
-            <p:pic>
-              <p:nvPicPr>
-                <p:cNvPr id="33" name="圖片 32"/>
-                <p:cNvPicPr>
-                  <a:picLocks noChangeAspect="1"/>
-                </p:cNvPicPr>
-                <p:nvPr/>
-              </p:nvPicPr>
-              <p:blipFill rotWithShape="1">
-                <a:blip r:embed="rId2">
-                  <a:extLst>
-                    <a:ext uri="{28A0092B-C50C-407E-A947-70E740481C1C}">
-                      <a14:useLocalDpi xmlns:a14="http://schemas.microsoft.com/office/drawing/2010/main" val="0"/>
-                    </a:ext>
-                  </a:extLst>
-                </a:blip>
-                <a:srcRect l="86876" t="48057" r="2292" b="38517"/>
-                <a:stretch/>
-              </p:blipFill>
-              <p:spPr>
-                <a:xfrm>
-                  <a:off x="9044370" y="4202090"/>
-                  <a:ext cx="970488" cy="900349"/>
-                </a:xfrm>
-                <a:prstGeom prst="rect">
-                  <a:avLst/>
-                </a:prstGeom>
-              </p:spPr>
-            </p:pic>
-            <p:pic>
-              <p:nvPicPr>
-                <p:cNvPr id="34" name="圖片 33"/>
-                <p:cNvPicPr>
-                  <a:picLocks noChangeAspect="1"/>
-                </p:cNvPicPr>
-                <p:nvPr/>
-              </p:nvPicPr>
-              <p:blipFill rotWithShape="1">
-                <a:blip r:embed="rId2">
-                  <a:extLst>
-                    <a:ext uri="{28A0092B-C50C-407E-A947-70E740481C1C}">
-                      <a14:useLocalDpi xmlns:a14="http://schemas.microsoft.com/office/drawing/2010/main" val="0"/>
-                    </a:ext>
-                  </a:extLst>
-                </a:blip>
-                <a:srcRect l="86876" t="48057" r="2292" b="38517"/>
-                <a:stretch/>
-              </p:blipFill>
-              <p:spPr>
-                <a:xfrm>
-                  <a:off x="9044370" y="5042508"/>
-                  <a:ext cx="970488" cy="900349"/>
-                </a:xfrm>
-                <a:prstGeom prst="rect">
-                  <a:avLst/>
-                </a:prstGeom>
-              </p:spPr>
-            </p:pic>
-            <p:pic>
-              <p:nvPicPr>
-                <p:cNvPr id="35" name="圖片 34"/>
-                <p:cNvPicPr>
-                  <a:picLocks noChangeAspect="1"/>
-                </p:cNvPicPr>
-                <p:nvPr/>
-              </p:nvPicPr>
-              <p:blipFill rotWithShape="1">
-                <a:blip r:embed="rId2">
-                  <a:extLst>
-                    <a:ext uri="{28A0092B-C50C-407E-A947-70E740481C1C}">
-                      <a14:useLocalDpi xmlns:a14="http://schemas.microsoft.com/office/drawing/2010/main" val="0"/>
-                    </a:ext>
-                  </a:extLst>
-                </a:blip>
-                <a:srcRect l="86876" t="48057" r="2292" b="38517"/>
-                <a:stretch/>
-              </p:blipFill>
-              <p:spPr>
-                <a:xfrm>
-                  <a:off x="9044370" y="5882928"/>
-                  <a:ext cx="970488" cy="900349"/>
-                </a:xfrm>
-                <a:prstGeom prst="rect">
-                  <a:avLst/>
-                </a:prstGeom>
-              </p:spPr>
-            </p:pic>
-          </p:grpSp>
-          <p:grpSp>
-            <p:nvGrpSpPr>
-              <p:cNvPr id="36" name="群組 35"/>
-              <p:cNvGrpSpPr/>
-              <p:nvPr/>
-            </p:nvGrpSpPr>
-            <p:grpSpPr>
-              <a:xfrm>
-                <a:off x="0" y="74723"/>
-                <a:ext cx="970489" cy="6783277"/>
-                <a:chOff x="9044369" y="0"/>
-                <a:chExt cx="970489" cy="6783277"/>
-              </a:xfrm>
-            </p:grpSpPr>
-            <p:sp>
-              <p:nvSpPr>
-                <p:cNvPr id="37" name="文字方塊 36"/>
-                <p:cNvSpPr txBox="1"/>
-                <p:nvPr/>
-              </p:nvSpPr>
-              <p:spPr>
-                <a:xfrm>
-                  <a:off x="9044370" y="2090036"/>
-                  <a:ext cx="970488" cy="400110"/>
-                </a:xfrm>
-                <a:prstGeom prst="rect">
-                  <a:avLst/>
-                </a:prstGeom>
-                <a:noFill/>
-              </p:spPr>
-              <p:txBody>
-                <a:bodyPr wrap="square" rtlCol="0">
-                  <a:spAutoFit/>
-                </a:bodyPr>
-                <a:lstStyle/>
-                <a:p>
-                  <a:r>
-                    <a:rPr lang="en-US" altLang="zh-TW" sz="2000" dirty="0" smtClean="0">
-                      <a:ln w="3175">
-                        <a:noFill/>
-                      </a:ln>
-                      <a:solidFill>
-                        <a:srgbClr val="E6EEE8"/>
-                      </a:solidFill>
-                      <a:latin typeface="FOT-Skip Std B" panose="02020700000000000000" pitchFamily="18" charset="-128"/>
-                      <a:ea typeface="FOT-Skip Std B" panose="02020700000000000000" pitchFamily="18" charset="-128"/>
-                    </a:rPr>
-                    <a:t>score</a:t>
-                  </a:r>
-                  <a:endParaRPr lang="zh-TW" altLang="en-US" sz="2000" dirty="0">
-                    <a:ln w="3175">
-                      <a:noFill/>
-                    </a:ln>
-                    <a:solidFill>
-                      <a:srgbClr val="E6EEE8"/>
-                    </a:solidFill>
-                    <a:latin typeface="FOT-Skip Std B" panose="02020700000000000000" pitchFamily="18" charset="-128"/>
-                    <a:ea typeface="FOT-Skip Std B" panose="02020700000000000000" pitchFamily="18" charset="-128"/>
-                  </a:endParaRPr>
-                </a:p>
-              </p:txBody>
-            </p:sp>
-            <p:pic>
-              <p:nvPicPr>
-                <p:cNvPr id="38" name="圖片 37"/>
-                <p:cNvPicPr>
-                  <a:picLocks noChangeAspect="1"/>
-                </p:cNvPicPr>
-                <p:nvPr/>
-              </p:nvPicPr>
-              <p:blipFill rotWithShape="1">
-                <a:blip r:embed="rId2">
-                  <a:extLst>
-                    <a:ext uri="{28A0092B-C50C-407E-A947-70E740481C1C}">
-                      <a14:useLocalDpi xmlns:a14="http://schemas.microsoft.com/office/drawing/2010/main" val="0"/>
-                    </a:ext>
-                  </a:extLst>
-                </a:blip>
-                <a:srcRect l="86876" t="48057" r="2292" b="38517"/>
-                <a:stretch/>
-              </p:blipFill>
-              <p:spPr>
-                <a:xfrm>
-                  <a:off x="9044370" y="2521254"/>
-                  <a:ext cx="970488" cy="900349"/>
-                </a:xfrm>
-                <a:prstGeom prst="rect">
-                  <a:avLst/>
-                </a:prstGeom>
-              </p:spPr>
-            </p:pic>
-            <p:pic>
-              <p:nvPicPr>
-                <p:cNvPr id="39" name="圖片 38"/>
-                <p:cNvPicPr>
-                  <a:picLocks noChangeAspect="1"/>
-                </p:cNvPicPr>
-                <p:nvPr/>
-              </p:nvPicPr>
-              <p:blipFill rotWithShape="1">
-                <a:blip r:embed="rId2">
-                  <a:extLst>
-                    <a:ext uri="{28A0092B-C50C-407E-A947-70E740481C1C}">
-                      <a14:useLocalDpi xmlns:a14="http://schemas.microsoft.com/office/drawing/2010/main" val="0"/>
-                    </a:ext>
-                  </a:extLst>
-                </a:blip>
-                <a:srcRect l="86876" t="48057" r="2292" b="38517"/>
-                <a:stretch/>
-              </p:blipFill>
-              <p:spPr>
-                <a:xfrm>
-                  <a:off x="9044370" y="840418"/>
-                  <a:ext cx="970488" cy="900349"/>
-                </a:xfrm>
-                <a:prstGeom prst="rect">
-                  <a:avLst/>
-                </a:prstGeom>
-              </p:spPr>
-            </p:pic>
-            <p:pic>
-              <p:nvPicPr>
-                <p:cNvPr id="40" name="圖片 39"/>
-                <p:cNvPicPr>
-                  <a:picLocks noChangeAspect="1"/>
-                </p:cNvPicPr>
-                <p:nvPr/>
-              </p:nvPicPr>
-              <p:blipFill rotWithShape="1">
-                <a:blip r:embed="rId2">
-                  <a:extLst>
-                    <a:ext uri="{28A0092B-C50C-407E-A947-70E740481C1C}">
-                      <a14:useLocalDpi xmlns:a14="http://schemas.microsoft.com/office/drawing/2010/main" val="0"/>
-                    </a:ext>
-                  </a:extLst>
-                </a:blip>
-                <a:srcRect l="86876" t="48057" r="2292" b="38517"/>
-                <a:stretch/>
-              </p:blipFill>
-              <p:spPr>
-                <a:xfrm>
-                  <a:off x="9044370" y="1680836"/>
-                  <a:ext cx="970488" cy="900349"/>
-                </a:xfrm>
-                <a:prstGeom prst="rect">
-                  <a:avLst/>
-                </a:prstGeom>
-              </p:spPr>
-            </p:pic>
-            <p:pic>
-              <p:nvPicPr>
-                <p:cNvPr id="41" name="圖片 40"/>
-                <p:cNvPicPr>
-                  <a:picLocks noChangeAspect="1"/>
-                </p:cNvPicPr>
-                <p:nvPr/>
-              </p:nvPicPr>
-              <p:blipFill rotWithShape="1">
-                <a:blip r:embed="rId2">
-                  <a:extLst>
-                    <a:ext uri="{28A0092B-C50C-407E-A947-70E740481C1C}">
-                      <a14:useLocalDpi xmlns:a14="http://schemas.microsoft.com/office/drawing/2010/main" val="0"/>
-                    </a:ext>
-                  </a:extLst>
-                </a:blip>
-                <a:srcRect l="86876" t="48057" r="2292" b="38517"/>
-                <a:stretch/>
-              </p:blipFill>
-              <p:spPr>
-                <a:xfrm>
-                  <a:off x="9044369" y="0"/>
-                  <a:ext cx="970488" cy="900349"/>
-                </a:xfrm>
-                <a:prstGeom prst="rect">
-                  <a:avLst/>
-                </a:prstGeom>
-              </p:spPr>
-            </p:pic>
-            <p:pic>
-              <p:nvPicPr>
-                <p:cNvPr id="42" name="圖片 41"/>
-                <p:cNvPicPr>
-                  <a:picLocks noChangeAspect="1"/>
-                </p:cNvPicPr>
-                <p:nvPr/>
-              </p:nvPicPr>
-              <p:blipFill rotWithShape="1">
-                <a:blip r:embed="rId2">
-                  <a:extLst>
-                    <a:ext uri="{28A0092B-C50C-407E-A947-70E740481C1C}">
-                      <a14:useLocalDpi xmlns:a14="http://schemas.microsoft.com/office/drawing/2010/main" val="0"/>
-                    </a:ext>
-                  </a:extLst>
-                </a:blip>
-                <a:srcRect l="86876" t="48057" r="2292" b="38517"/>
-                <a:stretch/>
-              </p:blipFill>
-              <p:spPr>
-                <a:xfrm>
-                  <a:off x="9044370" y="3361672"/>
-                  <a:ext cx="970488" cy="900349"/>
-                </a:xfrm>
-                <a:prstGeom prst="rect">
-                  <a:avLst/>
-                </a:prstGeom>
-              </p:spPr>
-            </p:pic>
-            <p:pic>
-              <p:nvPicPr>
-                <p:cNvPr id="43" name="圖片 42"/>
-                <p:cNvPicPr>
-                  <a:picLocks noChangeAspect="1"/>
-                </p:cNvPicPr>
-                <p:nvPr/>
-              </p:nvPicPr>
-              <p:blipFill rotWithShape="1">
-                <a:blip r:embed="rId2">
-                  <a:extLst>
-                    <a:ext uri="{28A0092B-C50C-407E-A947-70E740481C1C}">
-                      <a14:useLocalDpi xmlns:a14="http://schemas.microsoft.com/office/drawing/2010/main" val="0"/>
-                    </a:ext>
-                  </a:extLst>
-                </a:blip>
-                <a:srcRect l="86876" t="48057" r="2292" b="38517"/>
-                <a:stretch/>
-              </p:blipFill>
-              <p:spPr>
-                <a:xfrm>
-                  <a:off x="9044370" y="4202090"/>
-                  <a:ext cx="970488" cy="900349"/>
-                </a:xfrm>
-                <a:prstGeom prst="rect">
-                  <a:avLst/>
-                </a:prstGeom>
-              </p:spPr>
-            </p:pic>
-            <p:pic>
-              <p:nvPicPr>
-                <p:cNvPr id="44" name="圖片 43"/>
-                <p:cNvPicPr>
-                  <a:picLocks noChangeAspect="1"/>
-                </p:cNvPicPr>
-                <p:nvPr/>
-              </p:nvPicPr>
-              <p:blipFill rotWithShape="1">
-                <a:blip r:embed="rId2">
-                  <a:extLst>
-                    <a:ext uri="{28A0092B-C50C-407E-A947-70E740481C1C}">
-                      <a14:useLocalDpi xmlns:a14="http://schemas.microsoft.com/office/drawing/2010/main" val="0"/>
-                    </a:ext>
-                  </a:extLst>
-                </a:blip>
-                <a:srcRect l="86876" t="48057" r="2292" b="38517"/>
-                <a:stretch/>
-              </p:blipFill>
-              <p:spPr>
-                <a:xfrm>
-                  <a:off x="9044370" y="5042508"/>
-                  <a:ext cx="970488" cy="900349"/>
-                </a:xfrm>
-                <a:prstGeom prst="rect">
-                  <a:avLst/>
-                </a:prstGeom>
-              </p:spPr>
-            </p:pic>
-            <p:pic>
-              <p:nvPicPr>
-                <p:cNvPr id="45" name="圖片 44"/>
-                <p:cNvPicPr>
-                  <a:picLocks noChangeAspect="1"/>
-                </p:cNvPicPr>
-                <p:nvPr/>
-              </p:nvPicPr>
-              <p:blipFill rotWithShape="1">
-                <a:blip r:embed="rId2">
-                  <a:extLst>
-                    <a:ext uri="{28A0092B-C50C-407E-A947-70E740481C1C}">
-                      <a14:useLocalDpi xmlns:a14="http://schemas.microsoft.com/office/drawing/2010/main" val="0"/>
-                    </a:ext>
-                  </a:extLst>
-                </a:blip>
-                <a:srcRect l="86876" t="48057" r="2292" b="38517"/>
-                <a:stretch/>
-              </p:blipFill>
-              <p:spPr>
-                <a:xfrm>
-                  <a:off x="9044370" y="5882928"/>
-                  <a:ext cx="970488" cy="900349"/>
-                </a:xfrm>
-                <a:prstGeom prst="rect">
-                  <a:avLst/>
-                </a:prstGeom>
-              </p:spPr>
-            </p:pic>
-          </p:grpSp>
-          <p:grpSp>
-            <p:nvGrpSpPr>
-              <p:cNvPr id="46" name="群組 45"/>
-              <p:cNvGrpSpPr/>
-              <p:nvPr/>
-            </p:nvGrpSpPr>
-            <p:grpSpPr>
-              <a:xfrm>
-                <a:off x="3770240" y="74723"/>
-                <a:ext cx="970489" cy="6783277"/>
-                <a:chOff x="9044369" y="0"/>
-                <a:chExt cx="970489" cy="6783277"/>
-              </a:xfrm>
-            </p:grpSpPr>
-            <p:sp>
-              <p:nvSpPr>
-                <p:cNvPr id="47" name="文字方塊 46"/>
-                <p:cNvSpPr txBox="1"/>
-                <p:nvPr/>
-              </p:nvSpPr>
-              <p:spPr>
-                <a:xfrm>
-                  <a:off x="9044370" y="2090036"/>
-                  <a:ext cx="970488" cy="400110"/>
-                </a:xfrm>
-                <a:prstGeom prst="rect">
-                  <a:avLst/>
-                </a:prstGeom>
-                <a:noFill/>
-              </p:spPr>
-              <p:txBody>
-                <a:bodyPr wrap="square" rtlCol="0">
-                  <a:spAutoFit/>
-                </a:bodyPr>
-                <a:lstStyle/>
-                <a:p>
-                  <a:r>
-                    <a:rPr lang="en-US" altLang="zh-TW" sz="2000" dirty="0" smtClean="0">
-                      <a:ln w="3175">
-                        <a:noFill/>
-                      </a:ln>
-                      <a:solidFill>
-                        <a:srgbClr val="E6EEE8"/>
-                      </a:solidFill>
-                      <a:latin typeface="FOT-Skip Std B" panose="02020700000000000000" pitchFamily="18" charset="-128"/>
-                      <a:ea typeface="FOT-Skip Std B" panose="02020700000000000000" pitchFamily="18" charset="-128"/>
-                    </a:rPr>
-                    <a:t>score</a:t>
-                  </a:r>
-                  <a:endParaRPr lang="zh-TW" altLang="en-US" sz="2000" dirty="0">
-                    <a:ln w="3175">
-                      <a:noFill/>
-                    </a:ln>
-                    <a:solidFill>
-                      <a:srgbClr val="E6EEE8"/>
-                    </a:solidFill>
-                    <a:latin typeface="FOT-Skip Std B" panose="02020700000000000000" pitchFamily="18" charset="-128"/>
-                    <a:ea typeface="FOT-Skip Std B" panose="02020700000000000000" pitchFamily="18" charset="-128"/>
-                  </a:endParaRPr>
-                </a:p>
-              </p:txBody>
-            </p:sp>
-            <p:pic>
-              <p:nvPicPr>
-                <p:cNvPr id="48" name="圖片 47"/>
-                <p:cNvPicPr>
-                  <a:picLocks noChangeAspect="1"/>
-                </p:cNvPicPr>
-                <p:nvPr/>
-              </p:nvPicPr>
-              <p:blipFill rotWithShape="1">
-                <a:blip r:embed="rId2">
-                  <a:extLst>
-                    <a:ext uri="{28A0092B-C50C-407E-A947-70E740481C1C}">
-                      <a14:useLocalDpi xmlns:a14="http://schemas.microsoft.com/office/drawing/2010/main" val="0"/>
-                    </a:ext>
-                  </a:extLst>
-                </a:blip>
-                <a:srcRect l="86876" t="48057" r="2292" b="38517"/>
-                <a:stretch/>
-              </p:blipFill>
-              <p:spPr>
-                <a:xfrm>
-                  <a:off x="9044370" y="2521254"/>
-                  <a:ext cx="970488" cy="900349"/>
-                </a:xfrm>
-                <a:prstGeom prst="rect">
-                  <a:avLst/>
-                </a:prstGeom>
-              </p:spPr>
-            </p:pic>
-            <p:pic>
-              <p:nvPicPr>
-                <p:cNvPr id="49" name="圖片 48"/>
-                <p:cNvPicPr>
-                  <a:picLocks noChangeAspect="1"/>
-                </p:cNvPicPr>
-                <p:nvPr/>
-              </p:nvPicPr>
-              <p:blipFill rotWithShape="1">
-                <a:blip r:embed="rId2">
-                  <a:extLst>
-                    <a:ext uri="{28A0092B-C50C-407E-A947-70E740481C1C}">
-                      <a14:useLocalDpi xmlns:a14="http://schemas.microsoft.com/office/drawing/2010/main" val="0"/>
-                    </a:ext>
-                  </a:extLst>
-                </a:blip>
-                <a:srcRect l="86876" t="48057" r="2292" b="38517"/>
-                <a:stretch/>
-              </p:blipFill>
-              <p:spPr>
-                <a:xfrm>
-                  <a:off x="9044370" y="840418"/>
-                  <a:ext cx="970488" cy="900349"/>
-                </a:xfrm>
-                <a:prstGeom prst="rect">
-                  <a:avLst/>
-                </a:prstGeom>
-              </p:spPr>
-            </p:pic>
-            <p:pic>
-              <p:nvPicPr>
-                <p:cNvPr id="50" name="圖片 49"/>
-                <p:cNvPicPr>
-                  <a:picLocks noChangeAspect="1"/>
-                </p:cNvPicPr>
-                <p:nvPr/>
-              </p:nvPicPr>
-              <p:blipFill rotWithShape="1">
-                <a:blip r:embed="rId2">
-                  <a:extLst>
-                    <a:ext uri="{28A0092B-C50C-407E-A947-70E740481C1C}">
-                      <a14:useLocalDpi xmlns:a14="http://schemas.microsoft.com/office/drawing/2010/main" val="0"/>
-                    </a:ext>
-                  </a:extLst>
-                </a:blip>
-                <a:srcRect l="86876" t="48057" r="2292" b="38517"/>
-                <a:stretch/>
-              </p:blipFill>
-              <p:spPr>
-                <a:xfrm>
-                  <a:off x="9044370" y="1680836"/>
-                  <a:ext cx="970488" cy="900349"/>
-                </a:xfrm>
-                <a:prstGeom prst="rect">
-                  <a:avLst/>
-                </a:prstGeom>
-              </p:spPr>
-            </p:pic>
-            <p:pic>
-              <p:nvPicPr>
-                <p:cNvPr id="51" name="圖片 50"/>
-                <p:cNvPicPr>
-                  <a:picLocks noChangeAspect="1"/>
-                </p:cNvPicPr>
-                <p:nvPr/>
-              </p:nvPicPr>
-              <p:blipFill rotWithShape="1">
-                <a:blip r:embed="rId2">
-                  <a:extLst>
-                    <a:ext uri="{28A0092B-C50C-407E-A947-70E740481C1C}">
-                      <a14:useLocalDpi xmlns:a14="http://schemas.microsoft.com/office/drawing/2010/main" val="0"/>
-                    </a:ext>
-                  </a:extLst>
-                </a:blip>
-                <a:srcRect l="86876" t="48057" r="2292" b="38517"/>
-                <a:stretch/>
-              </p:blipFill>
-              <p:spPr>
-                <a:xfrm>
-                  <a:off x="9044369" y="0"/>
-                  <a:ext cx="970488" cy="900349"/>
-                </a:xfrm>
-                <a:prstGeom prst="rect">
-                  <a:avLst/>
-                </a:prstGeom>
-              </p:spPr>
-            </p:pic>
-            <p:pic>
-              <p:nvPicPr>
-                <p:cNvPr id="52" name="圖片 51"/>
-                <p:cNvPicPr>
-                  <a:picLocks noChangeAspect="1"/>
-                </p:cNvPicPr>
-                <p:nvPr/>
-              </p:nvPicPr>
-              <p:blipFill rotWithShape="1">
-                <a:blip r:embed="rId2">
-                  <a:extLst>
-                    <a:ext uri="{28A0092B-C50C-407E-A947-70E740481C1C}">
-                      <a14:useLocalDpi xmlns:a14="http://schemas.microsoft.com/office/drawing/2010/main" val="0"/>
-                    </a:ext>
-                  </a:extLst>
-                </a:blip>
-                <a:srcRect l="86876" t="48057" r="2292" b="38517"/>
-                <a:stretch/>
-              </p:blipFill>
-              <p:spPr>
-                <a:xfrm>
-                  <a:off x="9044370" y="3361672"/>
-                  <a:ext cx="970488" cy="900349"/>
-                </a:xfrm>
-                <a:prstGeom prst="rect">
-                  <a:avLst/>
-                </a:prstGeom>
-              </p:spPr>
-            </p:pic>
-            <p:pic>
-              <p:nvPicPr>
-                <p:cNvPr id="53" name="圖片 52"/>
-                <p:cNvPicPr>
-                  <a:picLocks noChangeAspect="1"/>
-                </p:cNvPicPr>
-                <p:nvPr/>
-              </p:nvPicPr>
-              <p:blipFill rotWithShape="1">
-                <a:blip r:embed="rId2">
-                  <a:extLst>
-                    <a:ext uri="{28A0092B-C50C-407E-A947-70E740481C1C}">
-                      <a14:useLocalDpi xmlns:a14="http://schemas.microsoft.com/office/drawing/2010/main" val="0"/>
-                    </a:ext>
-                  </a:extLst>
-                </a:blip>
-                <a:srcRect l="86876" t="48057" r="2292" b="38517"/>
-                <a:stretch/>
-              </p:blipFill>
-              <p:spPr>
-                <a:xfrm>
-                  <a:off x="9044370" y="4202090"/>
-                  <a:ext cx="970488" cy="900349"/>
-                </a:xfrm>
-                <a:prstGeom prst="rect">
-                  <a:avLst/>
-                </a:prstGeom>
-              </p:spPr>
-            </p:pic>
-            <p:pic>
-              <p:nvPicPr>
-                <p:cNvPr id="54" name="圖片 53"/>
-                <p:cNvPicPr>
-                  <a:picLocks noChangeAspect="1"/>
-                </p:cNvPicPr>
-                <p:nvPr/>
-              </p:nvPicPr>
-              <p:blipFill rotWithShape="1">
-                <a:blip r:embed="rId2">
-                  <a:extLst>
-                    <a:ext uri="{28A0092B-C50C-407E-A947-70E740481C1C}">
-                      <a14:useLocalDpi xmlns:a14="http://schemas.microsoft.com/office/drawing/2010/main" val="0"/>
-                    </a:ext>
-                  </a:extLst>
-                </a:blip>
-                <a:srcRect l="86876" t="48057" r="2292" b="38517"/>
-                <a:stretch/>
-              </p:blipFill>
-              <p:spPr>
-                <a:xfrm>
-                  <a:off x="9044370" y="5042508"/>
-                  <a:ext cx="970488" cy="900349"/>
-                </a:xfrm>
-                <a:prstGeom prst="rect">
-                  <a:avLst/>
-                </a:prstGeom>
-              </p:spPr>
-            </p:pic>
-            <p:pic>
-              <p:nvPicPr>
-                <p:cNvPr id="55" name="圖片 54"/>
-                <p:cNvPicPr>
-                  <a:picLocks noChangeAspect="1"/>
-                </p:cNvPicPr>
-                <p:nvPr/>
-              </p:nvPicPr>
-              <p:blipFill rotWithShape="1">
-                <a:blip r:embed="rId2">
-                  <a:extLst>
-                    <a:ext uri="{28A0092B-C50C-407E-A947-70E740481C1C}">
-                      <a14:useLocalDpi xmlns:a14="http://schemas.microsoft.com/office/drawing/2010/main" val="0"/>
-                    </a:ext>
-                  </a:extLst>
-                </a:blip>
-                <a:srcRect l="86876" t="48057" r="2292" b="38517"/>
-                <a:stretch/>
-              </p:blipFill>
-              <p:spPr>
-                <a:xfrm>
-                  <a:off x="9044370" y="5882928"/>
-                  <a:ext cx="970488" cy="900349"/>
-                </a:xfrm>
-                <a:prstGeom prst="rect">
-                  <a:avLst/>
-                </a:prstGeom>
-              </p:spPr>
-            </p:pic>
-          </p:grpSp>
-          <p:grpSp>
-            <p:nvGrpSpPr>
-              <p:cNvPr id="56" name="群組 55"/>
-              <p:cNvGrpSpPr/>
-              <p:nvPr/>
-            </p:nvGrpSpPr>
-            <p:grpSpPr>
-              <a:xfrm>
-                <a:off x="933035" y="74723"/>
-                <a:ext cx="970489" cy="6783277"/>
-                <a:chOff x="9044369" y="0"/>
-                <a:chExt cx="970489" cy="6783277"/>
-              </a:xfrm>
-            </p:grpSpPr>
-            <p:sp>
-              <p:nvSpPr>
-                <p:cNvPr id="57" name="文字方塊 56"/>
-                <p:cNvSpPr txBox="1"/>
-                <p:nvPr/>
-              </p:nvSpPr>
-              <p:spPr>
-                <a:xfrm>
-                  <a:off x="9044370" y="2090036"/>
-                  <a:ext cx="970488" cy="400110"/>
-                </a:xfrm>
-                <a:prstGeom prst="rect">
-                  <a:avLst/>
-                </a:prstGeom>
-                <a:noFill/>
-              </p:spPr>
-              <p:txBody>
-                <a:bodyPr wrap="square" rtlCol="0">
-                  <a:spAutoFit/>
-                </a:bodyPr>
-                <a:lstStyle/>
-                <a:p>
-                  <a:r>
-                    <a:rPr lang="en-US" altLang="zh-TW" sz="2000" dirty="0" smtClean="0">
-                      <a:ln w="3175">
-                        <a:noFill/>
-                      </a:ln>
-                      <a:solidFill>
-                        <a:srgbClr val="E6EEE8"/>
-                      </a:solidFill>
-                      <a:latin typeface="FOT-Skip Std B" panose="02020700000000000000" pitchFamily="18" charset="-128"/>
-                      <a:ea typeface="FOT-Skip Std B" panose="02020700000000000000" pitchFamily="18" charset="-128"/>
-                    </a:rPr>
-                    <a:t>score</a:t>
-                  </a:r>
-                  <a:endParaRPr lang="zh-TW" altLang="en-US" sz="2000" dirty="0">
-                    <a:ln w="3175">
-                      <a:noFill/>
-                    </a:ln>
-                    <a:solidFill>
-                      <a:srgbClr val="E6EEE8"/>
-                    </a:solidFill>
-                    <a:latin typeface="FOT-Skip Std B" panose="02020700000000000000" pitchFamily="18" charset="-128"/>
-                    <a:ea typeface="FOT-Skip Std B" panose="02020700000000000000" pitchFamily="18" charset="-128"/>
-                  </a:endParaRPr>
-                </a:p>
-              </p:txBody>
-            </p:sp>
-            <p:pic>
-              <p:nvPicPr>
-                <p:cNvPr id="58" name="圖片 57"/>
-                <p:cNvPicPr>
-                  <a:picLocks noChangeAspect="1"/>
-                </p:cNvPicPr>
-                <p:nvPr/>
-              </p:nvPicPr>
-              <p:blipFill rotWithShape="1">
-                <a:blip r:embed="rId2">
-                  <a:extLst>
-                    <a:ext uri="{28A0092B-C50C-407E-A947-70E740481C1C}">
-                      <a14:useLocalDpi xmlns:a14="http://schemas.microsoft.com/office/drawing/2010/main" val="0"/>
-                    </a:ext>
-                  </a:extLst>
-                </a:blip>
-                <a:srcRect l="86876" t="48057" r="2292" b="38517"/>
-                <a:stretch/>
-              </p:blipFill>
-              <p:spPr>
-                <a:xfrm>
-                  <a:off x="9044370" y="2521254"/>
-                  <a:ext cx="970488" cy="900349"/>
-                </a:xfrm>
-                <a:prstGeom prst="rect">
-                  <a:avLst/>
-                </a:prstGeom>
-              </p:spPr>
-            </p:pic>
-            <p:pic>
-              <p:nvPicPr>
-                <p:cNvPr id="59" name="圖片 58"/>
-                <p:cNvPicPr>
-                  <a:picLocks noChangeAspect="1"/>
-                </p:cNvPicPr>
-                <p:nvPr/>
-              </p:nvPicPr>
-              <p:blipFill rotWithShape="1">
-                <a:blip r:embed="rId2">
-                  <a:extLst>
-                    <a:ext uri="{28A0092B-C50C-407E-A947-70E740481C1C}">
-                      <a14:useLocalDpi xmlns:a14="http://schemas.microsoft.com/office/drawing/2010/main" val="0"/>
-                    </a:ext>
-                  </a:extLst>
-                </a:blip>
-                <a:srcRect l="86876" t="48057" r="2292" b="38517"/>
-                <a:stretch/>
-              </p:blipFill>
-              <p:spPr>
-                <a:xfrm>
-                  <a:off x="9044370" y="840418"/>
-                  <a:ext cx="970488" cy="900349"/>
-                </a:xfrm>
-                <a:prstGeom prst="rect">
-                  <a:avLst/>
-                </a:prstGeom>
-              </p:spPr>
-            </p:pic>
-            <p:pic>
-              <p:nvPicPr>
-                <p:cNvPr id="60" name="圖片 59"/>
-                <p:cNvPicPr>
-                  <a:picLocks noChangeAspect="1"/>
-                </p:cNvPicPr>
-                <p:nvPr/>
-              </p:nvPicPr>
-              <p:blipFill rotWithShape="1">
-                <a:blip r:embed="rId2">
-                  <a:extLst>
-                    <a:ext uri="{28A0092B-C50C-407E-A947-70E740481C1C}">
-                      <a14:useLocalDpi xmlns:a14="http://schemas.microsoft.com/office/drawing/2010/main" val="0"/>
-                    </a:ext>
-                  </a:extLst>
-                </a:blip>
-                <a:srcRect l="86876" t="48057" r="2292" b="38517"/>
-                <a:stretch/>
-              </p:blipFill>
-              <p:spPr>
-                <a:xfrm>
-                  <a:off x="9044370" y="1680836"/>
-                  <a:ext cx="970488" cy="900349"/>
-                </a:xfrm>
-                <a:prstGeom prst="rect">
-                  <a:avLst/>
-                </a:prstGeom>
-              </p:spPr>
-            </p:pic>
-            <p:pic>
-              <p:nvPicPr>
-                <p:cNvPr id="61" name="圖片 60"/>
-                <p:cNvPicPr>
-                  <a:picLocks noChangeAspect="1"/>
-                </p:cNvPicPr>
-                <p:nvPr/>
-              </p:nvPicPr>
-              <p:blipFill rotWithShape="1">
-                <a:blip r:embed="rId2">
-                  <a:extLst>
-                    <a:ext uri="{28A0092B-C50C-407E-A947-70E740481C1C}">
-                      <a14:useLocalDpi xmlns:a14="http://schemas.microsoft.com/office/drawing/2010/main" val="0"/>
-                    </a:ext>
-                  </a:extLst>
-                </a:blip>
-                <a:srcRect l="86876" t="48057" r="2292" b="38517"/>
-                <a:stretch/>
-              </p:blipFill>
-              <p:spPr>
-                <a:xfrm>
-                  <a:off x="9044369" y="0"/>
-                  <a:ext cx="970488" cy="900349"/>
-                </a:xfrm>
-                <a:prstGeom prst="rect">
-                  <a:avLst/>
-                </a:prstGeom>
-              </p:spPr>
-            </p:pic>
-            <p:pic>
-              <p:nvPicPr>
-                <p:cNvPr id="62" name="圖片 61"/>
-                <p:cNvPicPr>
-                  <a:picLocks noChangeAspect="1"/>
-                </p:cNvPicPr>
-                <p:nvPr/>
-              </p:nvPicPr>
-              <p:blipFill rotWithShape="1">
-                <a:blip r:embed="rId2">
-                  <a:extLst>
-                    <a:ext uri="{28A0092B-C50C-407E-A947-70E740481C1C}">
-                      <a14:useLocalDpi xmlns:a14="http://schemas.microsoft.com/office/drawing/2010/main" val="0"/>
-                    </a:ext>
-                  </a:extLst>
-                </a:blip>
-                <a:srcRect l="86876" t="48057" r="2292" b="38517"/>
-                <a:stretch/>
-              </p:blipFill>
-              <p:spPr>
-                <a:xfrm>
-                  <a:off x="9044370" y="3361672"/>
-                  <a:ext cx="970488" cy="900349"/>
-                </a:xfrm>
-                <a:prstGeom prst="rect">
-                  <a:avLst/>
-                </a:prstGeom>
-              </p:spPr>
-            </p:pic>
-            <p:pic>
-              <p:nvPicPr>
-                <p:cNvPr id="63" name="圖片 62"/>
-                <p:cNvPicPr>
-                  <a:picLocks noChangeAspect="1"/>
-                </p:cNvPicPr>
-                <p:nvPr/>
-              </p:nvPicPr>
-              <p:blipFill rotWithShape="1">
-                <a:blip r:embed="rId2">
-                  <a:extLst>
-                    <a:ext uri="{28A0092B-C50C-407E-A947-70E740481C1C}">
-                      <a14:useLocalDpi xmlns:a14="http://schemas.microsoft.com/office/drawing/2010/main" val="0"/>
-                    </a:ext>
-                  </a:extLst>
-                </a:blip>
-                <a:srcRect l="86876" t="48057" r="2292" b="38517"/>
-                <a:stretch/>
-              </p:blipFill>
-              <p:spPr>
-                <a:xfrm>
-                  <a:off x="9044370" y="4202090"/>
-                  <a:ext cx="970488" cy="900349"/>
-                </a:xfrm>
-                <a:prstGeom prst="rect">
-                  <a:avLst/>
-                </a:prstGeom>
-              </p:spPr>
-            </p:pic>
-            <p:pic>
-              <p:nvPicPr>
-                <p:cNvPr id="64" name="圖片 63"/>
-                <p:cNvPicPr>
-                  <a:picLocks noChangeAspect="1"/>
-                </p:cNvPicPr>
-                <p:nvPr/>
-              </p:nvPicPr>
-              <p:blipFill rotWithShape="1">
-                <a:blip r:embed="rId2">
-                  <a:extLst>
-                    <a:ext uri="{28A0092B-C50C-407E-A947-70E740481C1C}">
-                      <a14:useLocalDpi xmlns:a14="http://schemas.microsoft.com/office/drawing/2010/main" val="0"/>
-                    </a:ext>
-                  </a:extLst>
-                </a:blip>
-                <a:srcRect l="86876" t="48057" r="2292" b="38517"/>
-                <a:stretch/>
-              </p:blipFill>
-              <p:spPr>
-                <a:xfrm>
-                  <a:off x="9044370" y="5042508"/>
-                  <a:ext cx="970488" cy="900349"/>
-                </a:xfrm>
-                <a:prstGeom prst="rect">
-                  <a:avLst/>
-                </a:prstGeom>
-              </p:spPr>
-            </p:pic>
-            <p:pic>
-              <p:nvPicPr>
-                <p:cNvPr id="65" name="圖片 64"/>
-                <p:cNvPicPr>
-                  <a:picLocks noChangeAspect="1"/>
-                </p:cNvPicPr>
-                <p:nvPr/>
-              </p:nvPicPr>
-              <p:blipFill rotWithShape="1">
-                <a:blip r:embed="rId2">
-                  <a:extLst>
-                    <a:ext uri="{28A0092B-C50C-407E-A947-70E740481C1C}">
-                      <a14:useLocalDpi xmlns:a14="http://schemas.microsoft.com/office/drawing/2010/main" val="0"/>
-                    </a:ext>
-                  </a:extLst>
-                </a:blip>
-                <a:srcRect l="86876" t="48057" r="2292" b="38517"/>
-                <a:stretch/>
-              </p:blipFill>
-              <p:spPr>
-                <a:xfrm>
-                  <a:off x="9044370" y="5882928"/>
-                  <a:ext cx="970488" cy="900349"/>
-                </a:xfrm>
-                <a:prstGeom prst="rect">
-                  <a:avLst/>
-                </a:prstGeom>
-              </p:spPr>
-            </p:pic>
-          </p:grpSp>
-          <p:grpSp>
-            <p:nvGrpSpPr>
-              <p:cNvPr id="66" name="群組 65"/>
-              <p:cNvGrpSpPr/>
-              <p:nvPr/>
-            </p:nvGrpSpPr>
-            <p:grpSpPr>
-              <a:xfrm>
-                <a:off x="5674410" y="74723"/>
-                <a:ext cx="970489" cy="6783277"/>
-                <a:chOff x="9044369" y="0"/>
-                <a:chExt cx="970489" cy="6783277"/>
-              </a:xfrm>
-            </p:grpSpPr>
-            <p:sp>
-              <p:nvSpPr>
-                <p:cNvPr id="67" name="文字方塊 66"/>
-                <p:cNvSpPr txBox="1"/>
-                <p:nvPr/>
-              </p:nvSpPr>
-              <p:spPr>
-                <a:xfrm>
-                  <a:off x="9044370" y="2090036"/>
-                  <a:ext cx="970488" cy="400110"/>
-                </a:xfrm>
-                <a:prstGeom prst="rect">
-                  <a:avLst/>
-                </a:prstGeom>
-                <a:noFill/>
-              </p:spPr>
-              <p:txBody>
-                <a:bodyPr wrap="square" rtlCol="0">
-                  <a:spAutoFit/>
-                </a:bodyPr>
-                <a:lstStyle/>
-                <a:p>
-                  <a:r>
-                    <a:rPr lang="en-US" altLang="zh-TW" sz="2000" dirty="0" smtClean="0">
-                      <a:ln w="3175">
-                        <a:noFill/>
-                      </a:ln>
-                      <a:solidFill>
-                        <a:srgbClr val="E6EEE8"/>
-                      </a:solidFill>
-                      <a:latin typeface="FOT-Skip Std B" panose="02020700000000000000" pitchFamily="18" charset="-128"/>
-                      <a:ea typeface="FOT-Skip Std B" panose="02020700000000000000" pitchFamily="18" charset="-128"/>
-                    </a:rPr>
-                    <a:t>score</a:t>
-                  </a:r>
-                  <a:endParaRPr lang="zh-TW" altLang="en-US" sz="2000" dirty="0">
-                    <a:ln w="3175">
-                      <a:noFill/>
-                    </a:ln>
-                    <a:solidFill>
-                      <a:srgbClr val="E6EEE8"/>
-                    </a:solidFill>
-                    <a:latin typeface="FOT-Skip Std B" panose="02020700000000000000" pitchFamily="18" charset="-128"/>
-                    <a:ea typeface="FOT-Skip Std B" panose="02020700000000000000" pitchFamily="18" charset="-128"/>
-                  </a:endParaRPr>
-                </a:p>
-              </p:txBody>
-            </p:sp>
-            <p:pic>
-              <p:nvPicPr>
-                <p:cNvPr id="68" name="圖片 67"/>
-                <p:cNvPicPr>
-                  <a:picLocks noChangeAspect="1"/>
-                </p:cNvPicPr>
-                <p:nvPr/>
-              </p:nvPicPr>
-              <p:blipFill rotWithShape="1">
-                <a:blip r:embed="rId2">
-                  <a:extLst>
-                    <a:ext uri="{28A0092B-C50C-407E-A947-70E740481C1C}">
-                      <a14:useLocalDpi xmlns:a14="http://schemas.microsoft.com/office/drawing/2010/main" val="0"/>
-                    </a:ext>
-                  </a:extLst>
-                </a:blip>
-                <a:srcRect l="86876" t="48057" r="2292" b="38517"/>
-                <a:stretch/>
-              </p:blipFill>
-              <p:spPr>
-                <a:xfrm>
-                  <a:off x="9044370" y="2521254"/>
-                  <a:ext cx="970488" cy="900349"/>
-                </a:xfrm>
-                <a:prstGeom prst="rect">
-                  <a:avLst/>
-                </a:prstGeom>
-              </p:spPr>
-            </p:pic>
-            <p:pic>
-              <p:nvPicPr>
-                <p:cNvPr id="69" name="圖片 68"/>
-                <p:cNvPicPr>
-                  <a:picLocks noChangeAspect="1"/>
-                </p:cNvPicPr>
-                <p:nvPr/>
-              </p:nvPicPr>
-              <p:blipFill rotWithShape="1">
-                <a:blip r:embed="rId2">
-                  <a:extLst>
-                    <a:ext uri="{28A0092B-C50C-407E-A947-70E740481C1C}">
-                      <a14:useLocalDpi xmlns:a14="http://schemas.microsoft.com/office/drawing/2010/main" val="0"/>
-                    </a:ext>
-                  </a:extLst>
-                </a:blip>
-                <a:srcRect l="86876" t="48057" r="2292" b="38517"/>
-                <a:stretch/>
-              </p:blipFill>
-              <p:spPr>
-                <a:xfrm>
-                  <a:off x="9044370" y="840418"/>
-                  <a:ext cx="970488" cy="900349"/>
-                </a:xfrm>
-                <a:prstGeom prst="rect">
-                  <a:avLst/>
-                </a:prstGeom>
-              </p:spPr>
-            </p:pic>
-            <p:pic>
-              <p:nvPicPr>
-                <p:cNvPr id="70" name="圖片 69"/>
-                <p:cNvPicPr>
-                  <a:picLocks noChangeAspect="1"/>
-                </p:cNvPicPr>
-                <p:nvPr/>
-              </p:nvPicPr>
-              <p:blipFill rotWithShape="1">
-                <a:blip r:embed="rId2">
-                  <a:extLst>
-                    <a:ext uri="{28A0092B-C50C-407E-A947-70E740481C1C}">
-                      <a14:useLocalDpi xmlns:a14="http://schemas.microsoft.com/office/drawing/2010/main" val="0"/>
-                    </a:ext>
-                  </a:extLst>
-                </a:blip>
-                <a:srcRect l="86876" t="48057" r="2292" b="38517"/>
-                <a:stretch/>
-              </p:blipFill>
-              <p:spPr>
-                <a:xfrm>
-                  <a:off x="9044370" y="1680836"/>
-                  <a:ext cx="970488" cy="900349"/>
-                </a:xfrm>
-                <a:prstGeom prst="rect">
-                  <a:avLst/>
-                </a:prstGeom>
-              </p:spPr>
-            </p:pic>
-            <p:pic>
-              <p:nvPicPr>
-                <p:cNvPr id="71" name="圖片 70"/>
-                <p:cNvPicPr>
-                  <a:picLocks noChangeAspect="1"/>
-                </p:cNvPicPr>
-                <p:nvPr/>
-              </p:nvPicPr>
-              <p:blipFill rotWithShape="1">
-                <a:blip r:embed="rId2">
-                  <a:extLst>
-                    <a:ext uri="{28A0092B-C50C-407E-A947-70E740481C1C}">
-                      <a14:useLocalDpi xmlns:a14="http://schemas.microsoft.com/office/drawing/2010/main" val="0"/>
-                    </a:ext>
-                  </a:extLst>
-                </a:blip>
-                <a:srcRect l="86876" t="48057" r="2292" b="38517"/>
-                <a:stretch/>
-              </p:blipFill>
-              <p:spPr>
-                <a:xfrm>
-                  <a:off x="9044369" y="0"/>
-                  <a:ext cx="970488" cy="900349"/>
-                </a:xfrm>
-                <a:prstGeom prst="rect">
-                  <a:avLst/>
-                </a:prstGeom>
-              </p:spPr>
-            </p:pic>
-            <p:pic>
-              <p:nvPicPr>
-                <p:cNvPr id="72" name="圖片 71"/>
-                <p:cNvPicPr>
-                  <a:picLocks noChangeAspect="1"/>
-                </p:cNvPicPr>
-                <p:nvPr/>
-              </p:nvPicPr>
-              <p:blipFill rotWithShape="1">
-                <a:blip r:embed="rId2">
-                  <a:extLst>
-                    <a:ext uri="{28A0092B-C50C-407E-A947-70E740481C1C}">
-                      <a14:useLocalDpi xmlns:a14="http://schemas.microsoft.com/office/drawing/2010/main" val="0"/>
-                    </a:ext>
-                  </a:extLst>
-                </a:blip>
-                <a:srcRect l="86876" t="48057" r="2292" b="38517"/>
-                <a:stretch/>
-              </p:blipFill>
-              <p:spPr>
-                <a:xfrm>
-                  <a:off x="9044370" y="3361672"/>
-                  <a:ext cx="970488" cy="900349"/>
-                </a:xfrm>
-                <a:prstGeom prst="rect">
-                  <a:avLst/>
-                </a:prstGeom>
-              </p:spPr>
-            </p:pic>
-            <p:pic>
-              <p:nvPicPr>
-                <p:cNvPr id="73" name="圖片 72"/>
-                <p:cNvPicPr>
-                  <a:picLocks noChangeAspect="1"/>
-                </p:cNvPicPr>
-                <p:nvPr/>
-              </p:nvPicPr>
-              <p:blipFill rotWithShape="1">
-                <a:blip r:embed="rId2">
-                  <a:extLst>
-                    <a:ext uri="{28A0092B-C50C-407E-A947-70E740481C1C}">
-                      <a14:useLocalDpi xmlns:a14="http://schemas.microsoft.com/office/drawing/2010/main" val="0"/>
-                    </a:ext>
-                  </a:extLst>
-                </a:blip>
-                <a:srcRect l="86876" t="48057" r="2292" b="38517"/>
-                <a:stretch/>
-              </p:blipFill>
-              <p:spPr>
-                <a:xfrm>
-                  <a:off x="9044370" y="4202090"/>
-                  <a:ext cx="970488" cy="900349"/>
-                </a:xfrm>
-                <a:prstGeom prst="rect">
-                  <a:avLst/>
-                </a:prstGeom>
-              </p:spPr>
-            </p:pic>
-            <p:pic>
-              <p:nvPicPr>
-                <p:cNvPr id="74" name="圖片 73"/>
-                <p:cNvPicPr>
-                  <a:picLocks noChangeAspect="1"/>
-                </p:cNvPicPr>
-                <p:nvPr/>
-              </p:nvPicPr>
-              <p:blipFill rotWithShape="1">
-                <a:blip r:embed="rId2">
-                  <a:extLst>
-                    <a:ext uri="{28A0092B-C50C-407E-A947-70E740481C1C}">
-                      <a14:useLocalDpi xmlns:a14="http://schemas.microsoft.com/office/drawing/2010/main" val="0"/>
-                    </a:ext>
-                  </a:extLst>
-                </a:blip>
-                <a:srcRect l="86876" t="48057" r="2292" b="38517"/>
-                <a:stretch/>
-              </p:blipFill>
-              <p:spPr>
-                <a:xfrm>
-                  <a:off x="9044370" y="5042508"/>
-                  <a:ext cx="970488" cy="900349"/>
-                </a:xfrm>
-                <a:prstGeom prst="rect">
-                  <a:avLst/>
-                </a:prstGeom>
-              </p:spPr>
-            </p:pic>
-            <p:pic>
-              <p:nvPicPr>
-                <p:cNvPr id="75" name="圖片 74"/>
-                <p:cNvPicPr>
-                  <a:picLocks noChangeAspect="1"/>
-                </p:cNvPicPr>
-                <p:nvPr/>
-              </p:nvPicPr>
-              <p:blipFill rotWithShape="1">
-                <a:blip r:embed="rId2">
-                  <a:extLst>
-                    <a:ext uri="{28A0092B-C50C-407E-A947-70E740481C1C}">
-                      <a14:useLocalDpi xmlns:a14="http://schemas.microsoft.com/office/drawing/2010/main" val="0"/>
-                    </a:ext>
-                  </a:extLst>
-                </a:blip>
-                <a:srcRect l="86876" t="48057" r="2292" b="38517"/>
-                <a:stretch/>
-              </p:blipFill>
-              <p:spPr>
-                <a:xfrm>
-                  <a:off x="9044370" y="5882928"/>
-                  <a:ext cx="970488" cy="900349"/>
-                </a:xfrm>
-                <a:prstGeom prst="rect">
-                  <a:avLst/>
-                </a:prstGeom>
-              </p:spPr>
-            </p:pic>
-          </p:grpSp>
-          <p:grpSp>
-            <p:nvGrpSpPr>
-              <p:cNvPr id="76" name="群組 75"/>
-              <p:cNvGrpSpPr/>
-              <p:nvPr/>
-            </p:nvGrpSpPr>
-            <p:grpSpPr>
-              <a:xfrm>
-                <a:off x="7559527" y="74723"/>
-                <a:ext cx="970489" cy="6783277"/>
-                <a:chOff x="9044369" y="0"/>
-                <a:chExt cx="970489" cy="6783277"/>
-              </a:xfrm>
-            </p:grpSpPr>
-            <p:sp>
-              <p:nvSpPr>
-                <p:cNvPr id="77" name="文字方塊 76"/>
-                <p:cNvSpPr txBox="1"/>
-                <p:nvPr/>
-              </p:nvSpPr>
-              <p:spPr>
-                <a:xfrm>
-                  <a:off x="9044370" y="2090036"/>
-                  <a:ext cx="970488" cy="400110"/>
-                </a:xfrm>
-                <a:prstGeom prst="rect">
-                  <a:avLst/>
-                </a:prstGeom>
-                <a:noFill/>
-              </p:spPr>
-              <p:txBody>
-                <a:bodyPr wrap="square" rtlCol="0">
-                  <a:spAutoFit/>
-                </a:bodyPr>
-                <a:lstStyle/>
-                <a:p>
-                  <a:r>
-                    <a:rPr lang="en-US" altLang="zh-TW" sz="2000" dirty="0" smtClean="0">
-                      <a:ln w="3175">
-                        <a:noFill/>
-                      </a:ln>
-                      <a:solidFill>
-                        <a:srgbClr val="E6EEE8"/>
-                      </a:solidFill>
-                      <a:latin typeface="FOT-Skip Std B" panose="02020700000000000000" pitchFamily="18" charset="-128"/>
-                      <a:ea typeface="FOT-Skip Std B" panose="02020700000000000000" pitchFamily="18" charset="-128"/>
-                    </a:rPr>
-                    <a:t>score</a:t>
-                  </a:r>
-                  <a:endParaRPr lang="zh-TW" altLang="en-US" sz="2000" dirty="0">
-                    <a:ln w="3175">
-                      <a:noFill/>
-                    </a:ln>
-                    <a:solidFill>
-                      <a:srgbClr val="E6EEE8"/>
-                    </a:solidFill>
-                    <a:latin typeface="FOT-Skip Std B" panose="02020700000000000000" pitchFamily="18" charset="-128"/>
-                    <a:ea typeface="FOT-Skip Std B" panose="02020700000000000000" pitchFamily="18" charset="-128"/>
-                  </a:endParaRPr>
-                </a:p>
-              </p:txBody>
-            </p:sp>
-            <p:pic>
-              <p:nvPicPr>
-                <p:cNvPr id="78" name="圖片 77"/>
-                <p:cNvPicPr>
-                  <a:picLocks noChangeAspect="1"/>
-                </p:cNvPicPr>
-                <p:nvPr/>
-              </p:nvPicPr>
-              <p:blipFill rotWithShape="1">
-                <a:blip r:embed="rId2">
-                  <a:extLst>
-                    <a:ext uri="{28A0092B-C50C-407E-A947-70E740481C1C}">
-                      <a14:useLocalDpi xmlns:a14="http://schemas.microsoft.com/office/drawing/2010/main" val="0"/>
-                    </a:ext>
-                  </a:extLst>
-                </a:blip>
-                <a:srcRect l="86876" t="48057" r="2292" b="38517"/>
-                <a:stretch/>
-              </p:blipFill>
-              <p:spPr>
-                <a:xfrm>
-                  <a:off x="9044370" y="2521254"/>
-                  <a:ext cx="970488" cy="900349"/>
-                </a:xfrm>
-                <a:prstGeom prst="rect">
-                  <a:avLst/>
-                </a:prstGeom>
-              </p:spPr>
-            </p:pic>
-            <p:pic>
-              <p:nvPicPr>
-                <p:cNvPr id="79" name="圖片 78"/>
-                <p:cNvPicPr>
-                  <a:picLocks noChangeAspect="1"/>
-                </p:cNvPicPr>
-                <p:nvPr/>
-              </p:nvPicPr>
-              <p:blipFill rotWithShape="1">
-                <a:blip r:embed="rId2">
-                  <a:extLst>
-                    <a:ext uri="{28A0092B-C50C-407E-A947-70E740481C1C}">
-                      <a14:useLocalDpi xmlns:a14="http://schemas.microsoft.com/office/drawing/2010/main" val="0"/>
-                    </a:ext>
-                  </a:extLst>
-                </a:blip>
-                <a:srcRect l="86876" t="48057" r="2292" b="38517"/>
-                <a:stretch/>
-              </p:blipFill>
-              <p:spPr>
-                <a:xfrm>
-                  <a:off x="9044370" y="840418"/>
-                  <a:ext cx="970488" cy="900349"/>
-                </a:xfrm>
-                <a:prstGeom prst="rect">
-                  <a:avLst/>
-                </a:prstGeom>
-              </p:spPr>
-            </p:pic>
-            <p:pic>
-              <p:nvPicPr>
-                <p:cNvPr id="80" name="圖片 79"/>
-                <p:cNvPicPr>
-                  <a:picLocks noChangeAspect="1"/>
-                </p:cNvPicPr>
-                <p:nvPr/>
-              </p:nvPicPr>
-              <p:blipFill rotWithShape="1">
-                <a:blip r:embed="rId2">
-                  <a:extLst>
-                    <a:ext uri="{28A0092B-C50C-407E-A947-70E740481C1C}">
-                      <a14:useLocalDpi xmlns:a14="http://schemas.microsoft.com/office/drawing/2010/main" val="0"/>
-                    </a:ext>
-                  </a:extLst>
-                </a:blip>
-                <a:srcRect l="86876" t="48057" r="2292" b="38517"/>
-                <a:stretch/>
-              </p:blipFill>
-              <p:spPr>
-                <a:xfrm>
-                  <a:off x="9044370" y="1680836"/>
-                  <a:ext cx="970488" cy="900349"/>
-                </a:xfrm>
-                <a:prstGeom prst="rect">
-                  <a:avLst/>
-                </a:prstGeom>
-              </p:spPr>
-            </p:pic>
-            <p:pic>
-              <p:nvPicPr>
-                <p:cNvPr id="81" name="圖片 80"/>
-                <p:cNvPicPr>
-                  <a:picLocks noChangeAspect="1"/>
-                </p:cNvPicPr>
-                <p:nvPr/>
-              </p:nvPicPr>
-              <p:blipFill rotWithShape="1">
-                <a:blip r:embed="rId2">
-                  <a:extLst>
-                    <a:ext uri="{28A0092B-C50C-407E-A947-70E740481C1C}">
-                      <a14:useLocalDpi xmlns:a14="http://schemas.microsoft.com/office/drawing/2010/main" val="0"/>
-                    </a:ext>
-                  </a:extLst>
-                </a:blip>
-                <a:srcRect l="86876" t="48057" r="2292" b="38517"/>
-                <a:stretch/>
-              </p:blipFill>
-              <p:spPr>
-                <a:xfrm>
-                  <a:off x="9044369" y="0"/>
-                  <a:ext cx="970488" cy="900349"/>
-                </a:xfrm>
-                <a:prstGeom prst="rect">
-                  <a:avLst/>
-                </a:prstGeom>
-              </p:spPr>
-            </p:pic>
-            <p:pic>
-              <p:nvPicPr>
-                <p:cNvPr id="82" name="圖片 81"/>
-                <p:cNvPicPr>
-                  <a:picLocks noChangeAspect="1"/>
-                </p:cNvPicPr>
-                <p:nvPr/>
-              </p:nvPicPr>
-              <p:blipFill rotWithShape="1">
-                <a:blip r:embed="rId2">
-                  <a:extLst>
-                    <a:ext uri="{28A0092B-C50C-407E-A947-70E740481C1C}">
-                      <a14:useLocalDpi xmlns:a14="http://schemas.microsoft.com/office/drawing/2010/main" val="0"/>
-                    </a:ext>
-                  </a:extLst>
-                </a:blip>
-                <a:srcRect l="86876" t="48057" r="2292" b="38517"/>
-                <a:stretch/>
-              </p:blipFill>
-              <p:spPr>
-                <a:xfrm>
-                  <a:off x="9044370" y="3361672"/>
-                  <a:ext cx="970488" cy="900349"/>
-                </a:xfrm>
-                <a:prstGeom prst="rect">
-                  <a:avLst/>
-                </a:prstGeom>
-              </p:spPr>
-            </p:pic>
-            <p:pic>
-              <p:nvPicPr>
-                <p:cNvPr id="83" name="圖片 82"/>
-                <p:cNvPicPr>
-                  <a:picLocks noChangeAspect="1"/>
-                </p:cNvPicPr>
-                <p:nvPr/>
-              </p:nvPicPr>
-              <p:blipFill rotWithShape="1">
-                <a:blip r:embed="rId2">
-                  <a:extLst>
-                    <a:ext uri="{28A0092B-C50C-407E-A947-70E740481C1C}">
-                      <a14:useLocalDpi xmlns:a14="http://schemas.microsoft.com/office/drawing/2010/main" val="0"/>
-                    </a:ext>
-                  </a:extLst>
-                </a:blip>
-                <a:srcRect l="86876" t="48057" r="2292" b="38517"/>
-                <a:stretch/>
-              </p:blipFill>
-              <p:spPr>
-                <a:xfrm>
-                  <a:off x="9044370" y="4202090"/>
-                  <a:ext cx="970488" cy="900349"/>
-                </a:xfrm>
-                <a:prstGeom prst="rect">
-                  <a:avLst/>
-                </a:prstGeom>
-              </p:spPr>
-            </p:pic>
-            <p:pic>
-              <p:nvPicPr>
-                <p:cNvPr id="84" name="圖片 83"/>
-                <p:cNvPicPr>
-                  <a:picLocks noChangeAspect="1"/>
-                </p:cNvPicPr>
-                <p:nvPr/>
-              </p:nvPicPr>
-              <p:blipFill rotWithShape="1">
-                <a:blip r:embed="rId2">
-                  <a:extLst>
-                    <a:ext uri="{28A0092B-C50C-407E-A947-70E740481C1C}">
-                      <a14:useLocalDpi xmlns:a14="http://schemas.microsoft.com/office/drawing/2010/main" val="0"/>
-                    </a:ext>
-                  </a:extLst>
-                </a:blip>
-                <a:srcRect l="86876" t="48057" r="2292" b="38517"/>
-                <a:stretch/>
-              </p:blipFill>
-              <p:spPr>
-                <a:xfrm>
-                  <a:off x="9044370" y="5042508"/>
-                  <a:ext cx="970488" cy="900349"/>
-                </a:xfrm>
-                <a:prstGeom prst="rect">
-                  <a:avLst/>
-                </a:prstGeom>
-              </p:spPr>
-            </p:pic>
-            <p:pic>
-              <p:nvPicPr>
-                <p:cNvPr id="85" name="圖片 84"/>
-                <p:cNvPicPr>
-                  <a:picLocks noChangeAspect="1"/>
-                </p:cNvPicPr>
-                <p:nvPr/>
-              </p:nvPicPr>
-              <p:blipFill rotWithShape="1">
-                <a:blip r:embed="rId2">
-                  <a:extLst>
-                    <a:ext uri="{28A0092B-C50C-407E-A947-70E740481C1C}">
-                      <a14:useLocalDpi xmlns:a14="http://schemas.microsoft.com/office/drawing/2010/main" val="0"/>
-                    </a:ext>
-                  </a:extLst>
-                </a:blip>
-                <a:srcRect l="86876" t="48057" r="2292" b="38517"/>
-                <a:stretch/>
-              </p:blipFill>
-              <p:spPr>
-                <a:xfrm>
-                  <a:off x="9044370" y="5882928"/>
-                  <a:ext cx="970488" cy="900349"/>
-                </a:xfrm>
-                <a:prstGeom prst="rect">
-                  <a:avLst/>
-                </a:prstGeom>
-              </p:spPr>
-            </p:pic>
-          </p:grpSp>
-          <p:grpSp>
-            <p:nvGrpSpPr>
-              <p:cNvPr id="86" name="群組 85"/>
-              <p:cNvGrpSpPr/>
-              <p:nvPr/>
-            </p:nvGrpSpPr>
-            <p:grpSpPr>
-              <a:xfrm>
-                <a:off x="6626495" y="74723"/>
-                <a:ext cx="970489" cy="6783277"/>
-                <a:chOff x="9044369" y="0"/>
-                <a:chExt cx="970489" cy="6783277"/>
-              </a:xfrm>
-            </p:grpSpPr>
-            <p:sp>
-              <p:nvSpPr>
-                <p:cNvPr id="87" name="文字方塊 86"/>
-                <p:cNvSpPr txBox="1"/>
-                <p:nvPr/>
-              </p:nvSpPr>
-              <p:spPr>
-                <a:xfrm>
-                  <a:off x="9044370" y="2090036"/>
-                  <a:ext cx="970488" cy="400110"/>
-                </a:xfrm>
-                <a:prstGeom prst="rect">
-                  <a:avLst/>
-                </a:prstGeom>
-                <a:noFill/>
-              </p:spPr>
-              <p:txBody>
-                <a:bodyPr wrap="square" rtlCol="0">
-                  <a:spAutoFit/>
-                </a:bodyPr>
-                <a:lstStyle/>
-                <a:p>
-                  <a:r>
-                    <a:rPr lang="en-US" altLang="zh-TW" sz="2000" dirty="0" smtClean="0">
-                      <a:ln w="3175">
-                        <a:noFill/>
-                      </a:ln>
-                      <a:solidFill>
-                        <a:srgbClr val="E6EEE8"/>
-                      </a:solidFill>
-                      <a:latin typeface="FOT-Skip Std B" panose="02020700000000000000" pitchFamily="18" charset="-128"/>
-                      <a:ea typeface="FOT-Skip Std B" panose="02020700000000000000" pitchFamily="18" charset="-128"/>
-                    </a:rPr>
-                    <a:t>score</a:t>
-                  </a:r>
-                  <a:endParaRPr lang="zh-TW" altLang="en-US" sz="2000" dirty="0">
-                    <a:ln w="3175">
-                      <a:noFill/>
-                    </a:ln>
-                    <a:solidFill>
-                      <a:srgbClr val="E6EEE8"/>
-                    </a:solidFill>
-                    <a:latin typeface="FOT-Skip Std B" panose="02020700000000000000" pitchFamily="18" charset="-128"/>
-                    <a:ea typeface="FOT-Skip Std B" panose="02020700000000000000" pitchFamily="18" charset="-128"/>
-                  </a:endParaRPr>
-                </a:p>
-              </p:txBody>
-            </p:sp>
-            <p:pic>
-              <p:nvPicPr>
-                <p:cNvPr id="88" name="圖片 87"/>
-                <p:cNvPicPr>
-                  <a:picLocks noChangeAspect="1"/>
-                </p:cNvPicPr>
-                <p:nvPr/>
-              </p:nvPicPr>
-              <p:blipFill rotWithShape="1">
-                <a:blip r:embed="rId2">
-                  <a:extLst>
-                    <a:ext uri="{28A0092B-C50C-407E-A947-70E740481C1C}">
-                      <a14:useLocalDpi xmlns:a14="http://schemas.microsoft.com/office/drawing/2010/main" val="0"/>
-                    </a:ext>
-                  </a:extLst>
-                </a:blip>
-                <a:srcRect l="86876" t="48057" r="2292" b="38517"/>
-                <a:stretch/>
-              </p:blipFill>
-              <p:spPr>
-                <a:xfrm>
-                  <a:off x="9044370" y="2521254"/>
-                  <a:ext cx="970488" cy="900349"/>
-                </a:xfrm>
-                <a:prstGeom prst="rect">
-                  <a:avLst/>
-                </a:prstGeom>
-              </p:spPr>
-            </p:pic>
-            <p:pic>
-              <p:nvPicPr>
-                <p:cNvPr id="89" name="圖片 88"/>
-                <p:cNvPicPr>
-                  <a:picLocks noChangeAspect="1"/>
-                </p:cNvPicPr>
-                <p:nvPr/>
-              </p:nvPicPr>
-              <p:blipFill rotWithShape="1">
-                <a:blip r:embed="rId2">
-                  <a:extLst>
-                    <a:ext uri="{28A0092B-C50C-407E-A947-70E740481C1C}">
-                      <a14:useLocalDpi xmlns:a14="http://schemas.microsoft.com/office/drawing/2010/main" val="0"/>
-                    </a:ext>
-                  </a:extLst>
-                </a:blip>
-                <a:srcRect l="86876" t="48057" r="2292" b="38517"/>
-                <a:stretch/>
-              </p:blipFill>
-              <p:spPr>
-                <a:xfrm>
-                  <a:off x="9044370" y="840418"/>
-                  <a:ext cx="970488" cy="900349"/>
-                </a:xfrm>
-                <a:prstGeom prst="rect">
-                  <a:avLst/>
-                </a:prstGeom>
-              </p:spPr>
-            </p:pic>
-            <p:pic>
-              <p:nvPicPr>
-                <p:cNvPr id="90" name="圖片 89"/>
-                <p:cNvPicPr>
-                  <a:picLocks noChangeAspect="1"/>
-                </p:cNvPicPr>
-                <p:nvPr/>
-              </p:nvPicPr>
-              <p:blipFill rotWithShape="1">
-                <a:blip r:embed="rId2">
-                  <a:extLst>
-                    <a:ext uri="{28A0092B-C50C-407E-A947-70E740481C1C}">
-                      <a14:useLocalDpi xmlns:a14="http://schemas.microsoft.com/office/drawing/2010/main" val="0"/>
-                    </a:ext>
-                  </a:extLst>
-                </a:blip>
-                <a:srcRect l="86876" t="48057" r="2292" b="38517"/>
-                <a:stretch/>
-              </p:blipFill>
-              <p:spPr>
-                <a:xfrm>
-                  <a:off x="9044370" y="1680836"/>
-                  <a:ext cx="970488" cy="900349"/>
-                </a:xfrm>
-                <a:prstGeom prst="rect">
-                  <a:avLst/>
-                </a:prstGeom>
-              </p:spPr>
-            </p:pic>
-            <p:pic>
-              <p:nvPicPr>
-                <p:cNvPr id="91" name="圖片 90"/>
-                <p:cNvPicPr>
-                  <a:picLocks noChangeAspect="1"/>
-                </p:cNvPicPr>
-                <p:nvPr/>
-              </p:nvPicPr>
-              <p:blipFill rotWithShape="1">
-                <a:blip r:embed="rId2">
-                  <a:extLst>
-                    <a:ext uri="{28A0092B-C50C-407E-A947-70E740481C1C}">
-                      <a14:useLocalDpi xmlns:a14="http://schemas.microsoft.com/office/drawing/2010/main" val="0"/>
-                    </a:ext>
-                  </a:extLst>
-                </a:blip>
-                <a:srcRect l="86876" t="48057" r="2292" b="38517"/>
-                <a:stretch/>
-              </p:blipFill>
-              <p:spPr>
-                <a:xfrm>
-                  <a:off x="9044369" y="0"/>
-                  <a:ext cx="970488" cy="900349"/>
-                </a:xfrm>
-                <a:prstGeom prst="rect">
-                  <a:avLst/>
-                </a:prstGeom>
-              </p:spPr>
-            </p:pic>
-            <p:pic>
-              <p:nvPicPr>
-                <p:cNvPr id="92" name="圖片 91"/>
-                <p:cNvPicPr>
-                  <a:picLocks noChangeAspect="1"/>
-                </p:cNvPicPr>
-                <p:nvPr/>
-              </p:nvPicPr>
-              <p:blipFill rotWithShape="1">
-                <a:blip r:embed="rId2">
-                  <a:extLst>
-                    <a:ext uri="{28A0092B-C50C-407E-A947-70E740481C1C}">
-                      <a14:useLocalDpi xmlns:a14="http://schemas.microsoft.com/office/drawing/2010/main" val="0"/>
-                    </a:ext>
-                  </a:extLst>
-                </a:blip>
-                <a:srcRect l="86876" t="48057" r="2292" b="38517"/>
-                <a:stretch/>
-              </p:blipFill>
-              <p:spPr>
-                <a:xfrm>
-                  <a:off x="9044370" y="3361672"/>
-                  <a:ext cx="970488" cy="900349"/>
-                </a:xfrm>
-                <a:prstGeom prst="rect">
-                  <a:avLst/>
-                </a:prstGeom>
-              </p:spPr>
-            </p:pic>
-            <p:pic>
-              <p:nvPicPr>
-                <p:cNvPr id="93" name="圖片 92"/>
-                <p:cNvPicPr>
-                  <a:picLocks noChangeAspect="1"/>
-                </p:cNvPicPr>
-                <p:nvPr/>
-              </p:nvPicPr>
-              <p:blipFill rotWithShape="1">
-                <a:blip r:embed="rId2">
-                  <a:extLst>
-                    <a:ext uri="{28A0092B-C50C-407E-A947-70E740481C1C}">
-                      <a14:useLocalDpi xmlns:a14="http://schemas.microsoft.com/office/drawing/2010/main" val="0"/>
-                    </a:ext>
-                  </a:extLst>
-                </a:blip>
-                <a:srcRect l="86876" t="48057" r="2292" b="38517"/>
-                <a:stretch/>
-              </p:blipFill>
-              <p:spPr>
-                <a:xfrm>
-                  <a:off x="9044370" y="4202090"/>
-                  <a:ext cx="970488" cy="900349"/>
-                </a:xfrm>
-                <a:prstGeom prst="rect">
-                  <a:avLst/>
-                </a:prstGeom>
-              </p:spPr>
-            </p:pic>
-            <p:pic>
-              <p:nvPicPr>
-                <p:cNvPr id="94" name="圖片 93"/>
-                <p:cNvPicPr>
-                  <a:picLocks noChangeAspect="1"/>
-                </p:cNvPicPr>
-                <p:nvPr/>
-              </p:nvPicPr>
-              <p:blipFill rotWithShape="1">
-                <a:blip r:embed="rId2">
-                  <a:extLst>
-                    <a:ext uri="{28A0092B-C50C-407E-A947-70E740481C1C}">
-                      <a14:useLocalDpi xmlns:a14="http://schemas.microsoft.com/office/drawing/2010/main" val="0"/>
-                    </a:ext>
-                  </a:extLst>
-                </a:blip>
-                <a:srcRect l="86876" t="48057" r="2292" b="38517"/>
-                <a:stretch/>
-              </p:blipFill>
-              <p:spPr>
-                <a:xfrm>
-                  <a:off x="9044370" y="5042508"/>
-                  <a:ext cx="970488" cy="900349"/>
-                </a:xfrm>
-                <a:prstGeom prst="rect">
-                  <a:avLst/>
-                </a:prstGeom>
-              </p:spPr>
-            </p:pic>
-            <p:pic>
-              <p:nvPicPr>
-                <p:cNvPr id="95" name="圖片 94"/>
-                <p:cNvPicPr>
-                  <a:picLocks noChangeAspect="1"/>
-                </p:cNvPicPr>
-                <p:nvPr/>
-              </p:nvPicPr>
-              <p:blipFill rotWithShape="1">
-                <a:blip r:embed="rId2">
-                  <a:extLst>
-                    <a:ext uri="{28A0092B-C50C-407E-A947-70E740481C1C}">
-                      <a14:useLocalDpi xmlns:a14="http://schemas.microsoft.com/office/drawing/2010/main" val="0"/>
-                    </a:ext>
-                  </a:extLst>
-                </a:blip>
-                <a:srcRect l="86876" t="48057" r="2292" b="38517"/>
-                <a:stretch/>
-              </p:blipFill>
-              <p:spPr>
-                <a:xfrm>
-                  <a:off x="9044370" y="5882928"/>
-                  <a:ext cx="970488" cy="900349"/>
-                </a:xfrm>
-                <a:prstGeom prst="rect">
-                  <a:avLst/>
-                </a:prstGeom>
-              </p:spPr>
-            </p:pic>
-          </p:grpSp>
-        </p:grpSp>
-        <p:pic>
-          <p:nvPicPr>
-            <p:cNvPr id="3" name="圖片 2"/>
-            <p:cNvPicPr>
-              <a:picLocks noChangeAspect="1"/>
-            </p:cNvPicPr>
-            <p:nvPr/>
-          </p:nvPicPr>
-          <p:blipFill rotWithShape="1">
-            <a:blip r:embed="rId2">
-              <a:extLst>
-                <a:ext uri="{28A0092B-C50C-407E-A947-70E740481C1C}">
-                  <a14:useLocalDpi xmlns:a14="http://schemas.microsoft.com/office/drawing/2010/main" val="0"/>
-                </a:ext>
-              </a:extLst>
-            </a:blip>
-            <a:srcRect l="3828" r="33194"/>
-            <a:stretch/>
-          </p:blipFill>
-          <p:spPr>
-            <a:xfrm>
-              <a:off x="162105" y="-35761"/>
-              <a:ext cx="5695950" cy="6783277"/>
-            </a:xfrm>
-            <a:prstGeom prst="rect">
-              <a:avLst/>
-            </a:prstGeom>
-          </p:spPr>
-        </p:pic>
-        <p:grpSp>
-          <p:nvGrpSpPr>
-            <p:cNvPr id="119" name="群組 118"/>
-            <p:cNvGrpSpPr/>
-            <p:nvPr/>
-          </p:nvGrpSpPr>
-          <p:grpSpPr>
-            <a:xfrm>
-              <a:off x="5977705" y="390461"/>
-              <a:ext cx="3123986" cy="831328"/>
-              <a:chOff x="5977705" y="390461"/>
-              <a:chExt cx="3123986" cy="831328"/>
-            </a:xfrm>
-          </p:grpSpPr>
+              <a:prstGeom prst="rect">
+                <a:avLst/>
+              </a:prstGeom>
+            </p:spPr>
+          </p:pic>
           <p:sp>
             <p:nvSpPr>
-              <p:cNvPr id="97" name="文字方塊 96"/>
+              <p:cNvPr id="126" name="文字方塊 125"/>
               <p:cNvSpPr txBox="1"/>
               <p:nvPr/>
             </p:nvSpPr>
             <p:spPr>
               <a:xfrm>
-                <a:off x="5977705" y="390461"/>
+                <a:off x="6076656" y="1593288"/>
                 <a:ext cx="3123986" cy="400110"/>
               </a:xfrm>
               <a:prstGeom prst="rect">
@@ -6568,7 +7468,7 @@
                     <a:latin typeface="FOT-Skip Std B" panose="02020700000000000000" pitchFamily="18" charset="-128"/>
                     <a:ea typeface="FOT-Skip Std B" panose="02020700000000000000" pitchFamily="18" charset="-128"/>
                   </a:rPr>
-                  <a:t>Recode : 00234537</a:t>
+                  <a:t>Player :</a:t>
                 </a:r>
                 <a:endParaRPr lang="zh-TW" altLang="en-US" sz="2000" dirty="0">
                   <a:ln>
@@ -6589,13 +7489,13 @@
           </p:sp>
           <p:sp>
             <p:nvSpPr>
-              <p:cNvPr id="108" name="文字方塊 107"/>
+              <p:cNvPr id="127" name="文字方塊 126"/>
               <p:cNvSpPr txBox="1"/>
               <p:nvPr/>
             </p:nvSpPr>
             <p:spPr>
               <a:xfrm>
-                <a:off x="5977705" y="821679"/>
+                <a:off x="6076656" y="2115559"/>
                 <a:ext cx="3123986" cy="400110"/>
               </a:xfrm>
               <a:prstGeom prst="rect">
@@ -6624,7 +7524,7 @@
                     <a:latin typeface="FOT-Skip Std B" panose="02020700000000000000" pitchFamily="18" charset="-128"/>
                     <a:ea typeface="FOT-Skip Std B" panose="02020700000000000000" pitchFamily="18" charset="-128"/>
                   </a:rPr>
-                  <a:t>Score : 0027365</a:t>
+                  <a:t>Bomb :</a:t>
                 </a:r>
                 <a:endParaRPr lang="zh-TW" altLang="en-US" sz="2000" dirty="0">
                   <a:ln>
@@ -6643,293 +7543,46 @@
               </a:p>
             </p:txBody>
           </p:sp>
-        </p:grpSp>
-        <p:grpSp>
-          <p:nvGrpSpPr>
-            <p:cNvPr id="115" name="群組 114"/>
-            <p:cNvGrpSpPr/>
-            <p:nvPr/>
-          </p:nvGrpSpPr>
-          <p:grpSpPr>
-            <a:xfrm>
-              <a:off x="7275284" y="1589423"/>
-              <a:ext cx="1174781" cy="257175"/>
-              <a:chOff x="7250459" y="1818709"/>
-              <a:chExt cx="1174781" cy="257175"/>
-            </a:xfrm>
-          </p:grpSpPr>
-          <p:pic>
-            <p:nvPicPr>
-              <p:cNvPr id="111" name="圖片 110"/>
-              <p:cNvPicPr>
-                <a:picLocks noChangeAspect="1"/>
-              </p:cNvPicPr>
+          <p:sp>
+            <p:nvSpPr>
+              <p:cNvPr id="129" name="文字方塊 128"/>
+              <p:cNvSpPr txBox="1"/>
               <p:nvPr/>
-            </p:nvPicPr>
-            <p:blipFill rotWithShape="1">
-              <a:blip r:embed="rId2">
-                <a:extLst>
-                  <a:ext uri="{28A0092B-C50C-407E-A947-70E740481C1C}">
-                    <a14:useLocalDpi xmlns:a14="http://schemas.microsoft.com/office/drawing/2010/main" val="0"/>
-                  </a:ext>
-                </a:extLst>
-              </a:blip>
-              <a:srcRect l="77220" t="25456" r="19810" b="70794"/>
-              <a:stretch/>
-            </p:blipFill>
+            </p:nvSpPr>
             <p:spPr>
               <a:xfrm>
-                <a:off x="7250459" y="1818709"/>
-                <a:ext cx="271463" cy="257175"/>
+                <a:off x="7106220" y="2807688"/>
+                <a:ext cx="794203" cy="307777"/>
               </a:xfrm>
               <a:prstGeom prst="rect">
                 <a:avLst/>
               </a:prstGeom>
+              <a:noFill/>
             </p:spPr>
-          </p:pic>
-          <p:pic>
-            <p:nvPicPr>
-              <p:cNvPr id="112" name="圖片 111"/>
-              <p:cNvPicPr>
-                <a:picLocks noChangeAspect="1"/>
-              </p:cNvPicPr>
-              <p:nvPr/>
-            </p:nvPicPr>
-            <p:blipFill rotWithShape="1">
-              <a:blip r:embed="rId2">
-                <a:extLst>
-                  <a:ext uri="{28A0092B-C50C-407E-A947-70E740481C1C}">
-                    <a14:useLocalDpi xmlns:a14="http://schemas.microsoft.com/office/drawing/2010/main" val="0"/>
-                  </a:ext>
-                </a:extLst>
-              </a:blip>
-              <a:srcRect l="77220" t="25456" r="19810" b="70794"/>
-              <a:stretch/>
-            </p:blipFill>
-            <p:spPr>
-              <a:xfrm>
-                <a:off x="7551565" y="1818709"/>
-                <a:ext cx="271463" cy="257175"/>
-              </a:xfrm>
-              <a:prstGeom prst="rect">
-                <a:avLst/>
-              </a:prstGeom>
-            </p:spPr>
-          </p:pic>
-          <p:pic>
-            <p:nvPicPr>
-              <p:cNvPr id="113" name="圖片 112"/>
-              <p:cNvPicPr>
-                <a:picLocks noChangeAspect="1"/>
-              </p:cNvPicPr>
-              <p:nvPr/>
-            </p:nvPicPr>
-            <p:blipFill rotWithShape="1">
-              <a:blip r:embed="rId2">
-                <a:extLst>
-                  <a:ext uri="{28A0092B-C50C-407E-A947-70E740481C1C}">
-                    <a14:useLocalDpi xmlns:a14="http://schemas.microsoft.com/office/drawing/2010/main" val="0"/>
-                  </a:ext>
-                </a:extLst>
-              </a:blip>
-              <a:srcRect l="77220" t="25456" r="19810" b="70794"/>
-              <a:stretch/>
-            </p:blipFill>
-            <p:spPr>
-              <a:xfrm>
-                <a:off x="7852671" y="1818709"/>
-                <a:ext cx="271463" cy="257175"/>
-              </a:xfrm>
-              <a:prstGeom prst="rect">
-                <a:avLst/>
-              </a:prstGeom>
-            </p:spPr>
-          </p:pic>
-          <p:pic>
-            <p:nvPicPr>
-              <p:cNvPr id="114" name="圖片 113"/>
-              <p:cNvPicPr>
-                <a:picLocks noChangeAspect="1"/>
-              </p:cNvPicPr>
-              <p:nvPr/>
-            </p:nvPicPr>
-            <p:blipFill rotWithShape="1">
-              <a:blip r:embed="rId2">
-                <a:extLst>
-                  <a:ext uri="{28A0092B-C50C-407E-A947-70E740481C1C}">
-                    <a14:useLocalDpi xmlns:a14="http://schemas.microsoft.com/office/drawing/2010/main" val="0"/>
-                  </a:ext>
-                </a:extLst>
-              </a:blip>
-              <a:srcRect l="77220" t="25456" r="19810" b="70794"/>
-              <a:stretch/>
-            </p:blipFill>
-            <p:spPr>
-              <a:xfrm>
-                <a:off x="8153777" y="1818709"/>
-                <a:ext cx="271463" cy="257175"/>
-              </a:xfrm>
-              <a:prstGeom prst="rect">
-                <a:avLst/>
-              </a:prstGeom>
-            </p:spPr>
-          </p:pic>
-        </p:grpSp>
-        <p:grpSp>
-          <p:nvGrpSpPr>
-            <p:cNvPr id="122" name="群組 121"/>
-            <p:cNvGrpSpPr/>
-            <p:nvPr/>
-          </p:nvGrpSpPr>
-          <p:grpSpPr>
-            <a:xfrm>
-              <a:off x="7268640" y="2098224"/>
-              <a:ext cx="880319" cy="257175"/>
-              <a:chOff x="7268640" y="2098224"/>
-              <a:chExt cx="880319" cy="257175"/>
-            </a:xfrm>
-          </p:grpSpPr>
-          <p:pic>
-            <p:nvPicPr>
-              <p:cNvPr id="116" name="圖片 115"/>
-              <p:cNvPicPr>
-                <a:picLocks noChangeAspect="1"/>
-              </p:cNvPicPr>
-              <p:nvPr/>
-            </p:nvPicPr>
-            <p:blipFill rotWithShape="1">
-              <a:blip r:embed="rId2">
-                <a:extLst>
-                  <a:ext uri="{28A0092B-C50C-407E-A947-70E740481C1C}">
-                    <a14:useLocalDpi xmlns:a14="http://schemas.microsoft.com/office/drawing/2010/main" val="0"/>
-                  </a:ext>
-                </a:extLst>
-              </a:blip>
-              <a:srcRect l="77220" t="30363" r="19810" b="65887"/>
-              <a:stretch/>
-            </p:blipFill>
-            <p:spPr>
-              <a:xfrm>
-                <a:off x="7268640" y="2098224"/>
-                <a:ext cx="271463" cy="257175"/>
-              </a:xfrm>
-              <a:prstGeom prst="rect">
-                <a:avLst/>
-              </a:prstGeom>
-            </p:spPr>
-          </p:pic>
-          <p:pic>
-            <p:nvPicPr>
-              <p:cNvPr id="117" name="圖片 116"/>
-              <p:cNvPicPr>
-                <a:picLocks noChangeAspect="1"/>
-              </p:cNvPicPr>
-              <p:nvPr/>
-            </p:nvPicPr>
-            <p:blipFill rotWithShape="1">
-              <a:blip r:embed="rId2">
-                <a:extLst>
-                  <a:ext uri="{28A0092B-C50C-407E-A947-70E740481C1C}">
-                    <a14:useLocalDpi xmlns:a14="http://schemas.microsoft.com/office/drawing/2010/main" val="0"/>
-                  </a:ext>
-                </a:extLst>
-              </a:blip>
-              <a:srcRect l="77220" t="30363" r="19810" b="65887"/>
-              <a:stretch/>
-            </p:blipFill>
-            <p:spPr>
-              <a:xfrm>
-                <a:off x="7573068" y="2098224"/>
-                <a:ext cx="271463" cy="257175"/>
-              </a:xfrm>
-              <a:prstGeom prst="rect">
-                <a:avLst/>
-              </a:prstGeom>
-            </p:spPr>
-          </p:pic>
-          <p:pic>
-            <p:nvPicPr>
-              <p:cNvPr id="118" name="圖片 117"/>
-              <p:cNvPicPr>
-                <a:picLocks noChangeAspect="1"/>
-              </p:cNvPicPr>
-              <p:nvPr/>
-            </p:nvPicPr>
-            <p:blipFill rotWithShape="1">
-              <a:blip r:embed="rId2">
-                <a:extLst>
-                  <a:ext uri="{28A0092B-C50C-407E-A947-70E740481C1C}">
-                    <a14:useLocalDpi xmlns:a14="http://schemas.microsoft.com/office/drawing/2010/main" val="0"/>
-                  </a:ext>
-                </a:extLst>
-              </a:blip>
-              <a:srcRect l="77220" t="30363" r="19810" b="65887"/>
-              <a:stretch/>
-            </p:blipFill>
-            <p:spPr>
-              <a:xfrm>
-                <a:off x="7877496" y="2098224"/>
-                <a:ext cx="271463" cy="257175"/>
-              </a:xfrm>
-              <a:prstGeom prst="rect">
-                <a:avLst/>
-              </a:prstGeom>
-            </p:spPr>
-          </p:pic>
-        </p:grpSp>
-        <p:pic>
-          <p:nvPicPr>
-            <p:cNvPr id="125" name="圖片 124"/>
-            <p:cNvPicPr>
-              <a:picLocks noChangeAspect="1"/>
-            </p:cNvPicPr>
-            <p:nvPr/>
-          </p:nvPicPr>
-          <p:blipFill rotWithShape="1">
-            <a:blip r:embed="rId2">
-              <a:extLst>
-                <a:ext uri="{28A0092B-C50C-407E-A947-70E740481C1C}">
-                  <a14:useLocalDpi xmlns:a14="http://schemas.microsoft.com/office/drawing/2010/main" val="0"/>
-                </a:ext>
-              </a:extLst>
-            </a:blip>
-            <a:srcRect l="67164" t="38602" r="24264" b="53283"/>
-            <a:stretch/>
-          </p:blipFill>
-          <p:spPr>
-            <a:xfrm>
-              <a:off x="5988913" y="2709248"/>
-              <a:ext cx="802824" cy="569946"/>
-            </a:xfrm>
-            <a:prstGeom prst="rect">
-              <a:avLst/>
-            </a:prstGeom>
-          </p:spPr>
-        </p:pic>
-        <p:sp>
-          <p:nvSpPr>
-            <p:cNvPr id="126" name="文字方塊 125"/>
-            <p:cNvSpPr txBox="1"/>
-            <p:nvPr/>
-          </p:nvSpPr>
-          <p:spPr>
-            <a:xfrm>
-              <a:off x="5977705" y="1490341"/>
-              <a:ext cx="3123986" cy="400110"/>
-            </a:xfrm>
-            <a:prstGeom prst="rect">
-              <a:avLst/>
-            </a:prstGeom>
-            <a:noFill/>
-          </p:spPr>
-          <p:txBody>
-            <a:bodyPr wrap="square" rtlCol="0">
-              <a:spAutoFit/>
-            </a:bodyPr>
-            <a:lstStyle/>
-            <a:p>
-              <a:r>
-                <a:rPr lang="en-US" altLang="zh-TW" sz="2000" dirty="0" smtClean="0">
+            <p:txBody>
+              <a:bodyPr wrap="square" rtlCol="0">
+                <a:spAutoFit/>
+              </a:bodyPr>
+              <a:lstStyle/>
+              <a:p>
+                <a:r>
+                  <a:rPr lang="en-US" altLang="zh-TW" sz="1400" dirty="0" smtClean="0">
+                    <a:ln>
+                      <a:solidFill>
+                        <a:schemeClr val="bg2">
+                          <a:lumMod val="75000"/>
+                        </a:schemeClr>
+                      </a:solidFill>
+                    </a:ln>
+                    <a:solidFill>
+                      <a:schemeClr val="bg1"/>
+                    </a:solidFill>
+                    <a:latin typeface="FOT-Skip Std B" panose="02020700000000000000" pitchFamily="18" charset="-128"/>
+                    <a:ea typeface="FOT-Skip Std B" panose="02020700000000000000" pitchFamily="18" charset="-128"/>
+                  </a:rPr>
+                  <a:t>MAX</a:t>
+                </a:r>
+                <a:endParaRPr lang="zh-TW" altLang="en-US" sz="1400" dirty="0">
                   <a:ln>
                     <a:solidFill>
                       <a:schemeClr val="bg2">
@@ -6942,50 +7595,50 @@
                   </a:solidFill>
                   <a:latin typeface="FOT-Skip Std B" panose="02020700000000000000" pitchFamily="18" charset="-128"/>
                   <a:ea typeface="FOT-Skip Std B" panose="02020700000000000000" pitchFamily="18" charset="-128"/>
-                </a:rPr>
-                <a:t>Player :</a:t>
-              </a:r>
-              <a:endParaRPr lang="zh-TW" altLang="en-US" sz="2000" dirty="0">
-                <a:ln>
-                  <a:solidFill>
-                    <a:schemeClr val="bg2">
-                      <a:lumMod val="75000"/>
-                    </a:schemeClr>
-                  </a:solidFill>
-                </a:ln>
-                <a:solidFill>
-                  <a:schemeClr val="bg1"/>
-                </a:solidFill>
-                <a:latin typeface="FOT-Skip Std B" panose="02020700000000000000" pitchFamily="18" charset="-128"/>
-                <a:ea typeface="FOT-Skip Std B" panose="02020700000000000000" pitchFamily="18" charset="-128"/>
-              </a:endParaRPr>
-            </a:p>
-          </p:txBody>
-        </p:sp>
-        <p:sp>
-          <p:nvSpPr>
-            <p:cNvPr id="127" name="文字方塊 126"/>
-            <p:cNvSpPr txBox="1"/>
-            <p:nvPr/>
-          </p:nvSpPr>
-          <p:spPr>
-            <a:xfrm>
-              <a:off x="5977705" y="2012612"/>
-              <a:ext cx="3123986" cy="400110"/>
-            </a:xfrm>
-            <a:prstGeom prst="rect">
-              <a:avLst/>
-            </a:prstGeom>
-            <a:noFill/>
-          </p:spPr>
-          <p:txBody>
-            <a:bodyPr wrap="square" rtlCol="0">
-              <a:spAutoFit/>
-            </a:bodyPr>
-            <a:lstStyle/>
-            <a:p>
-              <a:r>
-                <a:rPr lang="en-US" altLang="zh-TW" sz="2000" dirty="0" smtClean="0">
+                </a:endParaRPr>
+              </a:p>
+            </p:txBody>
+          </p:sp>
+          <p:sp>
+            <p:nvSpPr>
+              <p:cNvPr id="130" name="文字方塊 129"/>
+              <p:cNvSpPr txBox="1"/>
+              <p:nvPr/>
+            </p:nvSpPr>
+            <p:spPr>
+              <a:xfrm>
+                <a:off x="7106219" y="3095122"/>
+                <a:ext cx="794203" cy="307777"/>
+              </a:xfrm>
+              <a:prstGeom prst="rect">
+                <a:avLst/>
+              </a:prstGeom>
+              <a:noFill/>
+            </p:spPr>
+            <p:txBody>
+              <a:bodyPr wrap="square" rtlCol="0">
+                <a:spAutoFit/>
+              </a:bodyPr>
+              <a:lstStyle/>
+              <a:p>
+                <a:r>
+                  <a:rPr lang="en-US" altLang="zh-TW" sz="1400" dirty="0" smtClean="0">
+                    <a:ln>
+                      <a:solidFill>
+                        <a:schemeClr val="bg2">
+                          <a:lumMod val="75000"/>
+                        </a:schemeClr>
+                      </a:solidFill>
+                    </a:ln>
+                    <a:solidFill>
+                      <a:schemeClr val="bg1"/>
+                    </a:solidFill>
+                    <a:latin typeface="FOT-Skip Std B" panose="02020700000000000000" pitchFamily="18" charset="-128"/>
+                    <a:ea typeface="FOT-Skip Std B" panose="02020700000000000000" pitchFamily="18" charset="-128"/>
+                  </a:rPr>
+                  <a:t>300</a:t>
+                </a:r>
+                <a:endParaRPr lang="zh-TW" altLang="en-US" sz="1400" dirty="0">
                   <a:ln>
                     <a:solidFill>
                       <a:schemeClr val="bg2">
@@ -6998,139 +7651,41 @@
                   </a:solidFill>
                   <a:latin typeface="FOT-Skip Std B" panose="02020700000000000000" pitchFamily="18" charset="-128"/>
                   <a:ea typeface="FOT-Skip Std B" panose="02020700000000000000" pitchFamily="18" charset="-128"/>
-                </a:rPr>
-                <a:t>Bomb :</a:t>
-              </a:r>
-              <a:endParaRPr lang="zh-TW" altLang="en-US" sz="2000" dirty="0">
-                <a:ln>
-                  <a:solidFill>
-                    <a:schemeClr val="bg2">
-                      <a:lumMod val="75000"/>
-                    </a:schemeClr>
-                  </a:solidFill>
-                </a:ln>
-                <a:solidFill>
-                  <a:schemeClr val="bg1"/>
-                </a:solidFill>
-                <a:latin typeface="FOT-Skip Std B" panose="02020700000000000000" pitchFamily="18" charset="-128"/>
-                <a:ea typeface="FOT-Skip Std B" panose="02020700000000000000" pitchFamily="18" charset="-128"/>
-              </a:endParaRPr>
-            </a:p>
-          </p:txBody>
-        </p:sp>
-        <p:sp>
-          <p:nvSpPr>
-            <p:cNvPr id="129" name="文字方塊 128"/>
-            <p:cNvSpPr txBox="1"/>
-            <p:nvPr/>
-          </p:nvSpPr>
-          <p:spPr>
-            <a:xfrm>
-              <a:off x="7007269" y="2704741"/>
-              <a:ext cx="794203" cy="307777"/>
-            </a:xfrm>
-            <a:prstGeom prst="rect">
-              <a:avLst/>
-            </a:prstGeom>
-            <a:noFill/>
-          </p:spPr>
-          <p:txBody>
-            <a:bodyPr wrap="square" rtlCol="0">
-              <a:spAutoFit/>
-            </a:bodyPr>
-            <a:lstStyle/>
-            <a:p>
-              <a:r>
-                <a:rPr lang="en-US" altLang="zh-TW" sz="1400" dirty="0" smtClean="0">
-                  <a:ln>
-                    <a:solidFill>
-                      <a:schemeClr val="bg2">
-                        <a:lumMod val="75000"/>
-                      </a:schemeClr>
-                    </a:solidFill>
-                  </a:ln>
-                  <a:solidFill>
-                    <a:schemeClr val="bg1"/>
-                  </a:solidFill>
-                  <a:latin typeface="FOT-Skip Std B" panose="02020700000000000000" pitchFamily="18" charset="-128"/>
-                  <a:ea typeface="FOT-Skip Std B" panose="02020700000000000000" pitchFamily="18" charset="-128"/>
-                </a:rPr>
-                <a:t>MAX</a:t>
-              </a:r>
-              <a:endParaRPr lang="zh-TW" altLang="en-US" sz="1400" dirty="0">
-                <a:ln>
-                  <a:solidFill>
-                    <a:schemeClr val="bg2">
-                      <a:lumMod val="75000"/>
-                    </a:schemeClr>
-                  </a:solidFill>
-                </a:ln>
-                <a:solidFill>
-                  <a:schemeClr val="bg1"/>
-                </a:solidFill>
-                <a:latin typeface="FOT-Skip Std B" panose="02020700000000000000" pitchFamily="18" charset="-128"/>
-                <a:ea typeface="FOT-Skip Std B" panose="02020700000000000000" pitchFamily="18" charset="-128"/>
-              </a:endParaRPr>
-            </a:p>
-          </p:txBody>
-        </p:sp>
-        <p:sp>
-          <p:nvSpPr>
-            <p:cNvPr id="130" name="文字方塊 129"/>
-            <p:cNvSpPr txBox="1"/>
-            <p:nvPr/>
-          </p:nvSpPr>
-          <p:spPr>
-            <a:xfrm>
-              <a:off x="7007268" y="2992175"/>
-              <a:ext cx="794203" cy="307777"/>
-            </a:xfrm>
-            <a:prstGeom prst="rect">
-              <a:avLst/>
-            </a:prstGeom>
-            <a:noFill/>
-          </p:spPr>
-          <p:txBody>
-            <a:bodyPr wrap="square" rtlCol="0">
-              <a:spAutoFit/>
-            </a:bodyPr>
-            <a:lstStyle/>
-            <a:p>
-              <a:r>
-                <a:rPr lang="en-US" altLang="zh-TW" sz="1400" dirty="0" smtClean="0">
-                  <a:ln>
-                    <a:solidFill>
-                      <a:schemeClr val="bg2">
-                        <a:lumMod val="75000"/>
-                      </a:schemeClr>
-                    </a:solidFill>
-                  </a:ln>
-                  <a:solidFill>
-                    <a:schemeClr val="bg1"/>
-                  </a:solidFill>
-                  <a:latin typeface="FOT-Skip Std B" panose="02020700000000000000" pitchFamily="18" charset="-128"/>
-                  <a:ea typeface="FOT-Skip Std B" panose="02020700000000000000" pitchFamily="18" charset="-128"/>
-                </a:rPr>
-                <a:t>300</a:t>
-              </a:r>
-              <a:endParaRPr lang="zh-TW" altLang="en-US" sz="1400" dirty="0">
-                <a:ln>
-                  <a:solidFill>
-                    <a:schemeClr val="bg2">
-                      <a:lumMod val="75000"/>
-                    </a:schemeClr>
-                  </a:solidFill>
-                </a:ln>
-                <a:solidFill>
-                  <a:schemeClr val="bg1"/>
-                </a:solidFill>
-                <a:latin typeface="FOT-Skip Std B" panose="02020700000000000000" pitchFamily="18" charset="-128"/>
-                <a:ea typeface="FOT-Skip Std B" panose="02020700000000000000" pitchFamily="18" charset="-128"/>
-              </a:endParaRPr>
-            </a:p>
-          </p:txBody>
-        </p:sp>
+                </a:endParaRPr>
+              </a:p>
+            </p:txBody>
+          </p:sp>
+        </p:grpSp>
       </p:grpSp>
+      <p:pic>
+        <p:nvPicPr>
+          <p:cNvPr id="386" name="圖片 385"/>
+          <p:cNvPicPr>
+            <a:picLocks noChangeAspect="1"/>
+          </p:cNvPicPr>
+          <p:nvPr/>
+        </p:nvPicPr>
+        <p:blipFill rotWithShape="1">
+          <a:blip r:embed="rId2">
+            <a:extLst>
+              <a:ext uri="{28A0092B-C50C-407E-A947-70E740481C1C}">
+                <a14:useLocalDpi xmlns:a14="http://schemas.microsoft.com/office/drawing/2010/main" val="0"/>
+              </a:ext>
+            </a:extLst>
+          </a:blip>
+          <a:srcRect l="77220" t="25456" r="19810" b="70794"/>
+          <a:stretch/>
+        </p:blipFill>
+        <p:spPr>
+          <a:xfrm>
+            <a:off x="12512322" y="1187627"/>
+            <a:ext cx="271463" cy="257175"/>
+          </a:xfrm>
+          <a:prstGeom prst="rect">
+            <a:avLst/>
+          </a:prstGeom>
+        </p:spPr>
+      </p:pic>
     </p:spTree>
     <p:extLst>
       <p:ext uri="{BB962C8B-B14F-4D97-AF65-F5344CB8AC3E}">

--- a/Preview Images/drawboard.pptx
+++ b/Preview Images/drawboard.pptx
@@ -8,6 +8,7 @@
     <p:sldId id="256" r:id="rId2"/>
     <p:sldId id="257" r:id="rId3"/>
     <p:sldId id="258" r:id="rId4"/>
+    <p:sldId id="259" r:id="rId5"/>
   </p:sldIdLst>
   <p:sldSz cx="12192000" cy="6858000"/>
   <p:notesSz cx="6858000" cy="9144000"/>
@@ -245,7 +246,7 @@
           <a:p>
             <a:fld id="{628A46F5-8AEF-4E68-9DE5-F9F420B16F36}" type="datetimeFigureOut">
               <a:rPr lang="zh-TW" altLang="en-US" smtClean="0"/>
-              <a:t>2019/6/9</a:t>
+              <a:t>2019/6/19</a:t>
             </a:fld>
             <a:endParaRPr lang="zh-TW" altLang="en-US"/>
           </a:p>
@@ -415,7 +416,7 @@
           <a:p>
             <a:fld id="{628A46F5-8AEF-4E68-9DE5-F9F420B16F36}" type="datetimeFigureOut">
               <a:rPr lang="zh-TW" altLang="en-US" smtClean="0"/>
-              <a:t>2019/6/9</a:t>
+              <a:t>2019/6/19</a:t>
             </a:fld>
             <a:endParaRPr lang="zh-TW" altLang="en-US"/>
           </a:p>
@@ -595,7 +596,7 @@
           <a:p>
             <a:fld id="{628A46F5-8AEF-4E68-9DE5-F9F420B16F36}" type="datetimeFigureOut">
               <a:rPr lang="zh-TW" altLang="en-US" smtClean="0"/>
-              <a:t>2019/6/9</a:t>
+              <a:t>2019/6/19</a:t>
             </a:fld>
             <a:endParaRPr lang="zh-TW" altLang="en-US"/>
           </a:p>
@@ -765,7 +766,7 @@
           <a:p>
             <a:fld id="{628A46F5-8AEF-4E68-9DE5-F9F420B16F36}" type="datetimeFigureOut">
               <a:rPr lang="zh-TW" altLang="en-US" smtClean="0"/>
-              <a:t>2019/6/9</a:t>
+              <a:t>2019/6/19</a:t>
             </a:fld>
             <a:endParaRPr lang="zh-TW" altLang="en-US"/>
           </a:p>
@@ -1011,7 +1012,7 @@
           <a:p>
             <a:fld id="{628A46F5-8AEF-4E68-9DE5-F9F420B16F36}" type="datetimeFigureOut">
               <a:rPr lang="zh-TW" altLang="en-US" smtClean="0"/>
-              <a:t>2019/6/9</a:t>
+              <a:t>2019/6/19</a:t>
             </a:fld>
             <a:endParaRPr lang="zh-TW" altLang="en-US"/>
           </a:p>
@@ -1243,7 +1244,7 @@
           <a:p>
             <a:fld id="{628A46F5-8AEF-4E68-9DE5-F9F420B16F36}" type="datetimeFigureOut">
               <a:rPr lang="zh-TW" altLang="en-US" smtClean="0"/>
-              <a:t>2019/6/9</a:t>
+              <a:t>2019/6/19</a:t>
             </a:fld>
             <a:endParaRPr lang="zh-TW" altLang="en-US"/>
           </a:p>
@@ -1610,7 +1611,7 @@
           <a:p>
             <a:fld id="{628A46F5-8AEF-4E68-9DE5-F9F420B16F36}" type="datetimeFigureOut">
               <a:rPr lang="zh-TW" altLang="en-US" smtClean="0"/>
-              <a:t>2019/6/9</a:t>
+              <a:t>2019/6/19</a:t>
             </a:fld>
             <a:endParaRPr lang="zh-TW" altLang="en-US"/>
           </a:p>
@@ -1728,7 +1729,7 @@
           <a:p>
             <a:fld id="{628A46F5-8AEF-4E68-9DE5-F9F420B16F36}" type="datetimeFigureOut">
               <a:rPr lang="zh-TW" altLang="en-US" smtClean="0"/>
-              <a:t>2019/6/9</a:t>
+              <a:t>2019/6/19</a:t>
             </a:fld>
             <a:endParaRPr lang="zh-TW" altLang="en-US"/>
           </a:p>
@@ -1823,7 +1824,7 @@
           <a:p>
             <a:fld id="{628A46F5-8AEF-4E68-9DE5-F9F420B16F36}" type="datetimeFigureOut">
               <a:rPr lang="zh-TW" altLang="en-US" smtClean="0"/>
-              <a:t>2019/6/9</a:t>
+              <a:t>2019/6/19</a:t>
             </a:fld>
             <a:endParaRPr lang="zh-TW" altLang="en-US"/>
           </a:p>
@@ -2100,7 +2101,7 @@
           <a:p>
             <a:fld id="{628A46F5-8AEF-4E68-9DE5-F9F420B16F36}" type="datetimeFigureOut">
               <a:rPr lang="zh-TW" altLang="en-US" smtClean="0"/>
-              <a:t>2019/6/9</a:t>
+              <a:t>2019/6/19</a:t>
             </a:fld>
             <a:endParaRPr lang="zh-TW" altLang="en-US"/>
           </a:p>
@@ -2353,7 +2354,7 @@
           <a:p>
             <a:fld id="{628A46F5-8AEF-4E68-9DE5-F9F420B16F36}" type="datetimeFigureOut">
               <a:rPr lang="zh-TW" altLang="en-US" smtClean="0"/>
-              <a:t>2019/6/9</a:t>
+              <a:t>2019/6/19</a:t>
             </a:fld>
             <a:endParaRPr lang="zh-TW" altLang="en-US"/>
           </a:p>
@@ -2566,7 +2567,7 @@
           <a:p>
             <a:fld id="{628A46F5-8AEF-4E68-9DE5-F9F420B16F36}" type="datetimeFigureOut">
               <a:rPr lang="zh-TW" altLang="en-US" smtClean="0"/>
-              <a:t>2019/6/9</a:t>
+              <a:t>2019/6/19</a:t>
             </a:fld>
             <a:endParaRPr lang="zh-TW" altLang="en-US"/>
           </a:p>
@@ -3488,7 +3489,7 @@
         </p:nvGrpSpPr>
         <p:grpSpPr>
           <a:xfrm>
-            <a:off x="0" y="0"/>
+            <a:off x="97381" y="534573"/>
             <a:ext cx="9513579" cy="6993847"/>
             <a:chOff x="0" y="0"/>
             <a:chExt cx="9513579" cy="6993847"/>
@@ -7990,6 +7991,6617 @@
 </p:sld>
 </file>
 
+<file path=ppt/slides/slide4.xml><?xml version="1.0" encoding="utf-8"?>
+<p:sld xmlns:a="http://schemas.openxmlformats.org/drawingml/2006/main" xmlns:r="http://schemas.openxmlformats.org/officeDocument/2006/relationships" xmlns:p="http://schemas.openxmlformats.org/presentationml/2006/main">
+  <p:cSld>
+    <p:spTree>
+      <p:nvGrpSpPr>
+        <p:cNvPr id="1" name=""/>
+        <p:cNvGrpSpPr/>
+        <p:nvPr/>
+      </p:nvGrpSpPr>
+      <p:grpSpPr>
+        <a:xfrm>
+          <a:off x="0" y="0"/>
+          <a:ext cx="0" cy="0"/>
+          <a:chOff x="0" y="0"/>
+          <a:chExt cx="0" cy="0"/>
+        </a:xfrm>
+      </p:grpSpPr>
+      <p:grpSp>
+        <p:nvGrpSpPr>
+          <p:cNvPr id="166" name="群組 165"/>
+          <p:cNvGrpSpPr/>
+          <p:nvPr/>
+        </p:nvGrpSpPr>
+        <p:grpSpPr>
+          <a:xfrm>
+            <a:off x="6445387" y="-3199"/>
+            <a:ext cx="4800500" cy="7389280"/>
+            <a:chOff x="6445387" y="-3199"/>
+            <a:chExt cx="4800500" cy="7389280"/>
+          </a:xfrm>
+        </p:grpSpPr>
+        <p:grpSp>
+          <p:nvGrpSpPr>
+            <p:cNvPr id="6" name="群組 5"/>
+            <p:cNvGrpSpPr/>
+            <p:nvPr/>
+          </p:nvGrpSpPr>
+          <p:grpSpPr>
+            <a:xfrm>
+              <a:off x="6746312" y="303086"/>
+              <a:ext cx="4236919" cy="6858000"/>
+              <a:chOff x="941329" y="520505"/>
+              <a:chExt cx="5054311" cy="6337495"/>
+            </a:xfrm>
+          </p:grpSpPr>
+          <p:pic>
+            <p:nvPicPr>
+              <p:cNvPr id="4" name="圖片 3"/>
+              <p:cNvPicPr>
+                <a:picLocks noChangeAspect="1"/>
+              </p:cNvPicPr>
+              <p:nvPr/>
+            </p:nvPicPr>
+            <p:blipFill rotWithShape="1">
+              <a:blip r:embed="rId2">
+                <a:extLst>
+                  <a:ext uri="{BEBA8EAE-BF5A-486C-A8C5-ECC9F3942E4B}">
+                    <a14:imgProps xmlns:a14="http://schemas.microsoft.com/office/drawing/2010/main">
+                      <a14:imgLayer r:embed="rId3">
+                        <a14:imgEffect>
+                          <a14:saturation sat="0"/>
+                        </a14:imgEffect>
+                      </a14:imgLayer>
+                    </a14:imgProps>
+                  </a:ext>
+                  <a:ext uri="{28A0092B-C50C-407E-A947-70E740481C1C}">
+                    <a14:useLocalDpi xmlns:a14="http://schemas.microsoft.com/office/drawing/2010/main" val="0"/>
+                  </a:ext>
+                </a:extLst>
+              </a:blip>
+              <a:srcRect t="81373"/>
+              <a:stretch/>
+            </p:blipFill>
+            <p:spPr>
+              <a:xfrm>
+                <a:off x="941329" y="520506"/>
+                <a:ext cx="5002369" cy="6337494"/>
+              </a:xfrm>
+              <a:prstGeom prst="rect">
+                <a:avLst/>
+              </a:prstGeom>
+            </p:spPr>
+          </p:pic>
+          <p:sp>
+            <p:nvSpPr>
+              <p:cNvPr id="5" name="矩形 4"/>
+              <p:cNvSpPr/>
+              <p:nvPr/>
+            </p:nvSpPr>
+            <p:spPr>
+              <a:xfrm>
+                <a:off x="993271" y="520505"/>
+                <a:ext cx="5002369" cy="6337494"/>
+              </a:xfrm>
+              <a:prstGeom prst="rect">
+                <a:avLst/>
+              </a:prstGeom>
+              <a:gradFill flip="none" rotWithShape="1">
+                <a:gsLst>
+                  <a:gs pos="0">
+                    <a:srgbClr val="7030A0">
+                      <a:lumMod val="98000"/>
+                      <a:alpha val="41000"/>
+                    </a:srgbClr>
+                  </a:gs>
+                  <a:gs pos="100000">
+                    <a:srgbClr val="B17DD8"/>
+                  </a:gs>
+                  <a:gs pos="54000">
+                    <a:srgbClr val="954ECA">
+                      <a:alpha val="64000"/>
+                    </a:srgbClr>
+                  </a:gs>
+                </a:gsLst>
+                <a:lin ang="5400000" scaled="1"/>
+                <a:tileRect/>
+              </a:gradFill>
+              <a:ln>
+                <a:noFill/>
+              </a:ln>
+            </p:spPr>
+            <p:style>
+              <a:lnRef idx="2">
+                <a:schemeClr val="accent1">
+                  <a:shade val="50000"/>
+                </a:schemeClr>
+              </a:lnRef>
+              <a:fillRef idx="1">
+                <a:schemeClr val="accent1"/>
+              </a:fillRef>
+              <a:effectRef idx="0">
+                <a:schemeClr val="accent1"/>
+              </a:effectRef>
+              <a:fontRef idx="minor">
+                <a:schemeClr val="lt1"/>
+              </a:fontRef>
+            </p:style>
+            <p:txBody>
+              <a:bodyPr rtlCol="0" anchor="ctr"/>
+              <a:lstStyle/>
+              <a:p>
+                <a:pPr algn="ctr"/>
+                <a:endParaRPr lang="zh-TW" altLang="en-US"/>
+              </a:p>
+            </p:txBody>
+          </p:sp>
+        </p:grpSp>
+        <p:grpSp>
+          <p:nvGrpSpPr>
+            <p:cNvPr id="53" name="群組 52"/>
+            <p:cNvGrpSpPr/>
+            <p:nvPr/>
+          </p:nvGrpSpPr>
+          <p:grpSpPr>
+            <a:xfrm>
+              <a:off x="6445387" y="303085"/>
+              <a:ext cx="681092" cy="6740291"/>
+              <a:chOff x="6445387" y="303085"/>
+              <a:chExt cx="681092" cy="6740291"/>
+            </a:xfrm>
+          </p:grpSpPr>
+          <p:grpSp>
+            <p:nvGrpSpPr>
+              <p:cNvPr id="22" name="群組 21"/>
+              <p:cNvGrpSpPr/>
+              <p:nvPr/>
+            </p:nvGrpSpPr>
+            <p:grpSpPr>
+              <a:xfrm>
+                <a:off x="6445387" y="303085"/>
+                <a:ext cx="601849" cy="1758371"/>
+                <a:chOff x="1313250" y="3124648"/>
+                <a:chExt cx="601849" cy="1758371"/>
+              </a:xfrm>
+            </p:grpSpPr>
+            <p:pic>
+              <p:nvPicPr>
+                <p:cNvPr id="12" name="圖片 11" descr="Photoshop 專題 ─ 製作血腥立體網襪腿（？）Part 3：小修飾 ~ Photoshop 私藏筆記"/>
+                <p:cNvPicPr>
+                  <a:picLocks noChangeAspect="1"/>
+                </p:cNvPicPr>
+                <p:nvPr/>
+              </p:nvPicPr>
+              <p:blipFill>
+                <a:blip r:embed="rId4" cstate="print">
+                  <a:duotone>
+                    <a:prstClr val="black"/>
+                    <a:schemeClr val="accent2">
+                      <a:tint val="45000"/>
+                      <a:satMod val="400000"/>
+                    </a:schemeClr>
+                  </a:duotone>
+                  <a:extLst>
+                    <a:ext uri="{BEBA8EAE-BF5A-486C-A8C5-ECC9F3942E4B}">
+                      <a14:imgProps xmlns:a14="http://schemas.microsoft.com/office/drawing/2010/main">
+                        <a14:imgLayer r:embed="rId5">
+                          <a14:imgEffect>
+                            <a14:artisticGlowEdges/>
+                          </a14:imgEffect>
+                        </a14:imgLayer>
+                      </a14:imgProps>
+                    </a:ext>
+                    <a:ext uri="{28A0092B-C50C-407E-A947-70E740481C1C}">
+                      <a14:useLocalDpi xmlns:a14="http://schemas.microsoft.com/office/drawing/2010/main" val="0"/>
+                    </a:ext>
+                  </a:extLst>
+                </a:blip>
+                <a:stretch>
+                  <a:fillRect/>
+                </a:stretch>
+              </p:blipFill>
+              <p:spPr>
+                <a:xfrm rot="4143036">
+                  <a:off x="1275755" y="3224239"/>
+                  <a:ext cx="623761" cy="499009"/>
+                </a:xfrm>
+                <a:prstGeom prst="rect">
+                  <a:avLst/>
+                </a:prstGeom>
+              </p:spPr>
+            </p:pic>
+            <p:pic>
+              <p:nvPicPr>
+                <p:cNvPr id="14" name="圖片 13" descr="Photoshop 專題 ─ 製作血腥立體網襪腿（？）Part 3：小修飾 ~ Photoshop 私藏筆記"/>
+                <p:cNvPicPr>
+                  <a:picLocks noChangeAspect="1"/>
+                </p:cNvPicPr>
+                <p:nvPr/>
+              </p:nvPicPr>
+              <p:blipFill>
+                <a:blip r:embed="rId4" cstate="print">
+                  <a:duotone>
+                    <a:prstClr val="black"/>
+                    <a:schemeClr val="accent2">
+                      <a:tint val="45000"/>
+                      <a:satMod val="400000"/>
+                    </a:schemeClr>
+                  </a:duotone>
+                  <a:extLst>
+                    <a:ext uri="{BEBA8EAE-BF5A-486C-A8C5-ECC9F3942E4B}">
+                      <a14:imgProps xmlns:a14="http://schemas.microsoft.com/office/drawing/2010/main">
+                        <a14:imgLayer r:embed="rId5">
+                          <a14:imgEffect>
+                            <a14:artisticGlowEdges/>
+                          </a14:imgEffect>
+                        </a14:imgLayer>
+                      </a14:imgProps>
+                    </a:ext>
+                    <a:ext uri="{28A0092B-C50C-407E-A947-70E740481C1C}">
+                      <a14:useLocalDpi xmlns:a14="http://schemas.microsoft.com/office/drawing/2010/main" val="0"/>
+                    </a:ext>
+                  </a:extLst>
+                </a:blip>
+                <a:stretch>
+                  <a:fillRect/>
+                </a:stretch>
+              </p:blipFill>
+              <p:spPr>
+                <a:xfrm rot="5580265">
+                  <a:off x="1353714" y="3187024"/>
+                  <a:ext cx="623761" cy="499009"/>
+                </a:xfrm>
+                <a:prstGeom prst="rect">
+                  <a:avLst/>
+                </a:prstGeom>
+              </p:spPr>
+            </p:pic>
+            <p:pic>
+              <p:nvPicPr>
+                <p:cNvPr id="15" name="圖片 14" descr="Photoshop 專題 ─ 製作血腥立體網襪腿（？）Part 3：小修飾 ~ Photoshop 私藏筆記"/>
+                <p:cNvPicPr>
+                  <a:picLocks noChangeAspect="1"/>
+                </p:cNvPicPr>
+                <p:nvPr/>
+              </p:nvPicPr>
+              <p:blipFill>
+                <a:blip r:embed="rId4" cstate="print">
+                  <a:duotone>
+                    <a:prstClr val="black"/>
+                    <a:schemeClr val="accent2">
+                      <a:tint val="45000"/>
+                      <a:satMod val="400000"/>
+                    </a:schemeClr>
+                  </a:duotone>
+                  <a:extLst>
+                    <a:ext uri="{BEBA8EAE-BF5A-486C-A8C5-ECC9F3942E4B}">
+                      <a14:imgProps xmlns:a14="http://schemas.microsoft.com/office/drawing/2010/main">
+                        <a14:imgLayer r:embed="rId5">
+                          <a14:imgEffect>
+                            <a14:artisticGlowEdges/>
+                          </a14:imgEffect>
+                        </a14:imgLayer>
+                      </a14:imgProps>
+                    </a:ext>
+                    <a:ext uri="{28A0092B-C50C-407E-A947-70E740481C1C}">
+                      <a14:useLocalDpi xmlns:a14="http://schemas.microsoft.com/office/drawing/2010/main" val="0"/>
+                    </a:ext>
+                  </a:extLst>
+                </a:blip>
+                <a:stretch>
+                  <a:fillRect/>
+                </a:stretch>
+              </p:blipFill>
+              <p:spPr>
+                <a:xfrm rot="5922293">
+                  <a:off x="1257468" y="3767679"/>
+                  <a:ext cx="623761" cy="499009"/>
+                </a:xfrm>
+                <a:prstGeom prst="rect">
+                  <a:avLst/>
+                </a:prstGeom>
+              </p:spPr>
+            </p:pic>
+            <p:pic>
+              <p:nvPicPr>
+                <p:cNvPr id="16" name="圖片 15" descr="Photoshop 專題 ─ 製作血腥立體網襪腿（？）Part 3：小修飾 ~ Photoshop 私藏筆記"/>
+                <p:cNvPicPr>
+                  <a:picLocks noChangeAspect="1"/>
+                </p:cNvPicPr>
+                <p:nvPr/>
+              </p:nvPicPr>
+              <p:blipFill>
+                <a:blip r:embed="rId4" cstate="print">
+                  <a:duotone>
+                    <a:prstClr val="black"/>
+                    <a:schemeClr val="accent2">
+                      <a:tint val="45000"/>
+                      <a:satMod val="400000"/>
+                    </a:schemeClr>
+                  </a:duotone>
+                  <a:extLst>
+                    <a:ext uri="{BEBA8EAE-BF5A-486C-A8C5-ECC9F3942E4B}">
+                      <a14:imgProps xmlns:a14="http://schemas.microsoft.com/office/drawing/2010/main">
+                        <a14:imgLayer r:embed="rId5">
+                          <a14:imgEffect>
+                            <a14:artisticGlowEdges/>
+                          </a14:imgEffect>
+                        </a14:imgLayer>
+                      </a14:imgProps>
+                    </a:ext>
+                    <a:ext uri="{28A0092B-C50C-407E-A947-70E740481C1C}">
+                      <a14:useLocalDpi xmlns:a14="http://schemas.microsoft.com/office/drawing/2010/main" val="0"/>
+                    </a:ext>
+                  </a:extLst>
+                </a:blip>
+                <a:stretch>
+                  <a:fillRect/>
+                </a:stretch>
+              </p:blipFill>
+              <p:spPr>
+                <a:xfrm rot="5208101">
+                  <a:off x="1250874" y="4308306"/>
+                  <a:ext cx="623761" cy="499009"/>
+                </a:xfrm>
+                <a:prstGeom prst="rect">
+                  <a:avLst/>
+                </a:prstGeom>
+              </p:spPr>
+            </p:pic>
+            <p:pic>
+              <p:nvPicPr>
+                <p:cNvPr id="17" name="圖片 16" descr="Photoshop 專題 ─ 製作血腥立體網襪腿（？）Part 3：小修飾 ~ Photoshop 私藏筆記"/>
+                <p:cNvPicPr>
+                  <a:picLocks noChangeAspect="1"/>
+                </p:cNvPicPr>
+                <p:nvPr/>
+              </p:nvPicPr>
+              <p:blipFill>
+                <a:blip r:embed="rId4" cstate="print">
+                  <a:duotone>
+                    <a:prstClr val="black"/>
+                    <a:schemeClr val="accent2">
+                      <a:tint val="45000"/>
+                      <a:satMod val="400000"/>
+                    </a:schemeClr>
+                  </a:duotone>
+                  <a:extLst>
+                    <a:ext uri="{BEBA8EAE-BF5A-486C-A8C5-ECC9F3942E4B}">
+                      <a14:imgProps xmlns:a14="http://schemas.microsoft.com/office/drawing/2010/main">
+                        <a14:imgLayer r:embed="rId5">
+                          <a14:imgEffect>
+                            <a14:artisticGlowEdges/>
+                          </a14:imgEffect>
+                        </a14:imgLayer>
+                      </a14:imgProps>
+                    </a:ext>
+                    <a:ext uri="{28A0092B-C50C-407E-A947-70E740481C1C}">
+                      <a14:useLocalDpi xmlns:a14="http://schemas.microsoft.com/office/drawing/2010/main" val="0"/>
+                    </a:ext>
+                  </a:extLst>
+                </a:blip>
+                <a:stretch>
+                  <a:fillRect/>
+                </a:stretch>
+              </p:blipFill>
+              <p:spPr>
+                <a:xfrm rot="5400000">
+                  <a:off x="1344719" y="3794462"/>
+                  <a:ext cx="623761" cy="499009"/>
+                </a:xfrm>
+                <a:prstGeom prst="rect">
+                  <a:avLst/>
+                </a:prstGeom>
+              </p:spPr>
+            </p:pic>
+            <p:pic>
+              <p:nvPicPr>
+                <p:cNvPr id="18" name="圖片 17" descr="Photoshop 專題 ─ 製作血腥立體網襪腿（？）Part 3：小修飾 ~ Photoshop 私藏筆記"/>
+                <p:cNvPicPr>
+                  <a:picLocks noChangeAspect="1"/>
+                </p:cNvPicPr>
+                <p:nvPr/>
+              </p:nvPicPr>
+              <p:blipFill>
+                <a:blip r:embed="rId4" cstate="print">
+                  <a:duotone>
+                    <a:prstClr val="black"/>
+                    <a:schemeClr val="accent2">
+                      <a:tint val="45000"/>
+                      <a:satMod val="400000"/>
+                    </a:schemeClr>
+                  </a:duotone>
+                  <a:extLst>
+                    <a:ext uri="{BEBA8EAE-BF5A-486C-A8C5-ECC9F3942E4B}">
+                      <a14:imgProps xmlns:a14="http://schemas.microsoft.com/office/drawing/2010/main">
+                        <a14:imgLayer r:embed="rId5">
+                          <a14:imgEffect>
+                            <a14:artisticGlowEdges/>
+                          </a14:imgEffect>
+                        </a14:imgLayer>
+                      </a14:imgProps>
+                    </a:ext>
+                    <a:ext uri="{28A0092B-C50C-407E-A947-70E740481C1C}">
+                      <a14:useLocalDpi xmlns:a14="http://schemas.microsoft.com/office/drawing/2010/main" val="0"/>
+                    </a:ext>
+                  </a:extLst>
+                </a:blip>
+                <a:stretch>
+                  <a:fillRect/>
+                </a:stretch>
+              </p:blipFill>
+              <p:spPr>
+                <a:xfrm rot="5206804">
+                  <a:off x="1281618" y="3200305"/>
+                  <a:ext cx="623761" cy="499009"/>
+                </a:xfrm>
+                <a:prstGeom prst="rect">
+                  <a:avLst/>
+                </a:prstGeom>
+              </p:spPr>
+            </p:pic>
+            <p:pic>
+              <p:nvPicPr>
+                <p:cNvPr id="19" name="圖片 18" descr="Photoshop 專題 ─ 製作血腥立體網襪腿（？）Part 3：小修飾 ~ Photoshop 私藏筆記"/>
+                <p:cNvPicPr>
+                  <a:picLocks noChangeAspect="1"/>
+                </p:cNvPicPr>
+                <p:nvPr/>
+              </p:nvPicPr>
+              <p:blipFill>
+                <a:blip r:embed="rId4" cstate="print">
+                  <a:duotone>
+                    <a:prstClr val="black"/>
+                    <a:schemeClr val="accent2">
+                      <a:tint val="45000"/>
+                      <a:satMod val="400000"/>
+                    </a:schemeClr>
+                  </a:duotone>
+                  <a:extLst>
+                    <a:ext uri="{BEBA8EAE-BF5A-486C-A8C5-ECC9F3942E4B}">
+                      <a14:imgProps xmlns:a14="http://schemas.microsoft.com/office/drawing/2010/main">
+                        <a14:imgLayer r:embed="rId5">
+                          <a14:imgEffect>
+                            <a14:artisticGlowEdges/>
+                          </a14:imgEffect>
+                        </a14:imgLayer>
+                      </a14:imgProps>
+                    </a:ext>
+                    <a:ext uri="{28A0092B-C50C-407E-A947-70E740481C1C}">
+                      <a14:useLocalDpi xmlns:a14="http://schemas.microsoft.com/office/drawing/2010/main" val="0"/>
+                    </a:ext>
+                  </a:extLst>
+                </a:blip>
+                <a:stretch>
+                  <a:fillRect/>
+                </a:stretch>
+              </p:blipFill>
+              <p:spPr>
+                <a:xfrm rot="6198745">
+                  <a:off x="1329604" y="3732049"/>
+                  <a:ext cx="623761" cy="499009"/>
+                </a:xfrm>
+                <a:prstGeom prst="rect">
+                  <a:avLst/>
+                </a:prstGeom>
+              </p:spPr>
+            </p:pic>
+            <p:pic>
+              <p:nvPicPr>
+                <p:cNvPr id="20" name="圖片 19" descr="Photoshop 專題 ─ 製作血腥立體網襪腿（？）Part 3：小修飾 ~ Photoshop 私藏筆記"/>
+                <p:cNvPicPr>
+                  <a:picLocks noChangeAspect="1"/>
+                </p:cNvPicPr>
+                <p:nvPr/>
+              </p:nvPicPr>
+              <p:blipFill>
+                <a:blip r:embed="rId4" cstate="print">
+                  <a:duotone>
+                    <a:prstClr val="black"/>
+                    <a:schemeClr val="accent2">
+                      <a:tint val="45000"/>
+                      <a:satMod val="400000"/>
+                    </a:schemeClr>
+                  </a:duotone>
+                  <a:extLst>
+                    <a:ext uri="{BEBA8EAE-BF5A-486C-A8C5-ECC9F3942E4B}">
+                      <a14:imgProps xmlns:a14="http://schemas.microsoft.com/office/drawing/2010/main">
+                        <a14:imgLayer r:embed="rId5">
+                          <a14:imgEffect>
+                            <a14:artisticGlowEdges/>
+                          </a14:imgEffect>
+                        </a14:imgLayer>
+                      </a14:imgProps>
+                    </a:ext>
+                    <a:ext uri="{28A0092B-C50C-407E-A947-70E740481C1C}">
+                      <a14:useLocalDpi xmlns:a14="http://schemas.microsoft.com/office/drawing/2010/main" val="0"/>
+                    </a:ext>
+                  </a:extLst>
+                </a:blip>
+                <a:stretch>
+                  <a:fillRect/>
+                </a:stretch>
+              </p:blipFill>
+              <p:spPr>
+                <a:xfrm rot="4632731">
+                  <a:off x="1318195" y="4321633"/>
+                  <a:ext cx="623761" cy="499009"/>
+                </a:xfrm>
+                <a:prstGeom prst="rect">
+                  <a:avLst/>
+                </a:prstGeom>
+              </p:spPr>
+            </p:pic>
+            <p:pic>
+              <p:nvPicPr>
+                <p:cNvPr id="21" name="圖片 20" descr="Photoshop 專題 ─ 製作血腥立體網襪腿（？）Part 3：小修飾 ~ Photoshop 私藏筆記"/>
+                <p:cNvPicPr>
+                  <a:picLocks noChangeAspect="1"/>
+                </p:cNvPicPr>
+                <p:nvPr/>
+              </p:nvPicPr>
+              <p:blipFill>
+                <a:blip r:embed="rId4" cstate="print">
+                  <a:duotone>
+                    <a:prstClr val="black"/>
+                    <a:schemeClr val="accent2">
+                      <a:tint val="45000"/>
+                      <a:satMod val="400000"/>
+                    </a:schemeClr>
+                  </a:duotone>
+                  <a:extLst>
+                    <a:ext uri="{BEBA8EAE-BF5A-486C-A8C5-ECC9F3942E4B}">
+                      <a14:imgProps xmlns:a14="http://schemas.microsoft.com/office/drawing/2010/main">
+                        <a14:imgLayer r:embed="rId5">
+                          <a14:imgEffect>
+                            <a14:artisticGlowEdges/>
+                          </a14:imgEffect>
+                        </a14:imgLayer>
+                      </a14:imgProps>
+                    </a:ext>
+                    <a:ext uri="{28A0092B-C50C-407E-A947-70E740481C1C}">
+                      <a14:useLocalDpi xmlns:a14="http://schemas.microsoft.com/office/drawing/2010/main" val="0"/>
+                    </a:ext>
+                  </a:extLst>
+                </a:blip>
+                <a:stretch>
+                  <a:fillRect/>
+                </a:stretch>
+              </p:blipFill>
+              <p:spPr>
+                <a:xfrm rot="5646846">
+                  <a:off x="1318196" y="4321634"/>
+                  <a:ext cx="623761" cy="499009"/>
+                </a:xfrm>
+                <a:prstGeom prst="rect">
+                  <a:avLst/>
+                </a:prstGeom>
+              </p:spPr>
+            </p:pic>
+          </p:grpSp>
+          <p:grpSp>
+            <p:nvGrpSpPr>
+              <p:cNvPr id="23" name="群組 22"/>
+              <p:cNvGrpSpPr/>
+              <p:nvPr/>
+            </p:nvGrpSpPr>
+            <p:grpSpPr>
+              <a:xfrm rot="10800000">
+                <a:off x="6472712" y="2016894"/>
+                <a:ext cx="601849" cy="1758371"/>
+                <a:chOff x="1313250" y="3124648"/>
+                <a:chExt cx="601849" cy="1758371"/>
+              </a:xfrm>
+            </p:grpSpPr>
+            <p:pic>
+              <p:nvPicPr>
+                <p:cNvPr id="24" name="圖片 23" descr="Photoshop 專題 ─ 製作血腥立體網襪腿（？）Part 3：小修飾 ~ Photoshop 私藏筆記"/>
+                <p:cNvPicPr>
+                  <a:picLocks noChangeAspect="1"/>
+                </p:cNvPicPr>
+                <p:nvPr/>
+              </p:nvPicPr>
+              <p:blipFill>
+                <a:blip r:embed="rId4" cstate="print">
+                  <a:duotone>
+                    <a:prstClr val="black"/>
+                    <a:schemeClr val="accent2">
+                      <a:tint val="45000"/>
+                      <a:satMod val="400000"/>
+                    </a:schemeClr>
+                  </a:duotone>
+                  <a:extLst>
+                    <a:ext uri="{BEBA8EAE-BF5A-486C-A8C5-ECC9F3942E4B}">
+                      <a14:imgProps xmlns:a14="http://schemas.microsoft.com/office/drawing/2010/main">
+                        <a14:imgLayer r:embed="rId5">
+                          <a14:imgEffect>
+                            <a14:artisticGlowEdges/>
+                          </a14:imgEffect>
+                        </a14:imgLayer>
+                      </a14:imgProps>
+                    </a:ext>
+                    <a:ext uri="{28A0092B-C50C-407E-A947-70E740481C1C}">
+                      <a14:useLocalDpi xmlns:a14="http://schemas.microsoft.com/office/drawing/2010/main" val="0"/>
+                    </a:ext>
+                  </a:extLst>
+                </a:blip>
+                <a:stretch>
+                  <a:fillRect/>
+                </a:stretch>
+              </p:blipFill>
+              <p:spPr>
+                <a:xfrm rot="4143036">
+                  <a:off x="1275755" y="3224239"/>
+                  <a:ext cx="623761" cy="499009"/>
+                </a:xfrm>
+                <a:prstGeom prst="rect">
+                  <a:avLst/>
+                </a:prstGeom>
+              </p:spPr>
+            </p:pic>
+            <p:pic>
+              <p:nvPicPr>
+                <p:cNvPr id="25" name="圖片 24" descr="Photoshop 專題 ─ 製作血腥立體網襪腿（？）Part 3：小修飾 ~ Photoshop 私藏筆記"/>
+                <p:cNvPicPr>
+                  <a:picLocks noChangeAspect="1"/>
+                </p:cNvPicPr>
+                <p:nvPr/>
+              </p:nvPicPr>
+              <p:blipFill>
+                <a:blip r:embed="rId4" cstate="print">
+                  <a:duotone>
+                    <a:prstClr val="black"/>
+                    <a:schemeClr val="accent2">
+                      <a:tint val="45000"/>
+                      <a:satMod val="400000"/>
+                    </a:schemeClr>
+                  </a:duotone>
+                  <a:extLst>
+                    <a:ext uri="{BEBA8EAE-BF5A-486C-A8C5-ECC9F3942E4B}">
+                      <a14:imgProps xmlns:a14="http://schemas.microsoft.com/office/drawing/2010/main">
+                        <a14:imgLayer r:embed="rId5">
+                          <a14:imgEffect>
+                            <a14:artisticGlowEdges/>
+                          </a14:imgEffect>
+                        </a14:imgLayer>
+                      </a14:imgProps>
+                    </a:ext>
+                    <a:ext uri="{28A0092B-C50C-407E-A947-70E740481C1C}">
+                      <a14:useLocalDpi xmlns:a14="http://schemas.microsoft.com/office/drawing/2010/main" val="0"/>
+                    </a:ext>
+                  </a:extLst>
+                </a:blip>
+                <a:stretch>
+                  <a:fillRect/>
+                </a:stretch>
+              </p:blipFill>
+              <p:spPr>
+                <a:xfrm rot="5580265">
+                  <a:off x="1353714" y="3187024"/>
+                  <a:ext cx="623761" cy="499009"/>
+                </a:xfrm>
+                <a:prstGeom prst="rect">
+                  <a:avLst/>
+                </a:prstGeom>
+              </p:spPr>
+            </p:pic>
+            <p:pic>
+              <p:nvPicPr>
+                <p:cNvPr id="26" name="圖片 25" descr="Photoshop 專題 ─ 製作血腥立體網襪腿（？）Part 3：小修飾 ~ Photoshop 私藏筆記"/>
+                <p:cNvPicPr>
+                  <a:picLocks noChangeAspect="1"/>
+                </p:cNvPicPr>
+                <p:nvPr/>
+              </p:nvPicPr>
+              <p:blipFill>
+                <a:blip r:embed="rId4" cstate="print">
+                  <a:duotone>
+                    <a:prstClr val="black"/>
+                    <a:schemeClr val="accent2">
+                      <a:tint val="45000"/>
+                      <a:satMod val="400000"/>
+                    </a:schemeClr>
+                  </a:duotone>
+                  <a:extLst>
+                    <a:ext uri="{BEBA8EAE-BF5A-486C-A8C5-ECC9F3942E4B}">
+                      <a14:imgProps xmlns:a14="http://schemas.microsoft.com/office/drawing/2010/main">
+                        <a14:imgLayer r:embed="rId5">
+                          <a14:imgEffect>
+                            <a14:artisticGlowEdges/>
+                          </a14:imgEffect>
+                        </a14:imgLayer>
+                      </a14:imgProps>
+                    </a:ext>
+                    <a:ext uri="{28A0092B-C50C-407E-A947-70E740481C1C}">
+                      <a14:useLocalDpi xmlns:a14="http://schemas.microsoft.com/office/drawing/2010/main" val="0"/>
+                    </a:ext>
+                  </a:extLst>
+                </a:blip>
+                <a:stretch>
+                  <a:fillRect/>
+                </a:stretch>
+              </p:blipFill>
+              <p:spPr>
+                <a:xfrm rot="5922293">
+                  <a:off x="1257468" y="3767679"/>
+                  <a:ext cx="623761" cy="499009"/>
+                </a:xfrm>
+                <a:prstGeom prst="rect">
+                  <a:avLst/>
+                </a:prstGeom>
+              </p:spPr>
+            </p:pic>
+            <p:pic>
+              <p:nvPicPr>
+                <p:cNvPr id="27" name="圖片 26" descr="Photoshop 專題 ─ 製作血腥立體網襪腿（？）Part 3：小修飾 ~ Photoshop 私藏筆記"/>
+                <p:cNvPicPr>
+                  <a:picLocks noChangeAspect="1"/>
+                </p:cNvPicPr>
+                <p:nvPr/>
+              </p:nvPicPr>
+              <p:blipFill>
+                <a:blip r:embed="rId4" cstate="print">
+                  <a:duotone>
+                    <a:prstClr val="black"/>
+                    <a:schemeClr val="accent2">
+                      <a:tint val="45000"/>
+                      <a:satMod val="400000"/>
+                    </a:schemeClr>
+                  </a:duotone>
+                  <a:extLst>
+                    <a:ext uri="{BEBA8EAE-BF5A-486C-A8C5-ECC9F3942E4B}">
+                      <a14:imgProps xmlns:a14="http://schemas.microsoft.com/office/drawing/2010/main">
+                        <a14:imgLayer r:embed="rId5">
+                          <a14:imgEffect>
+                            <a14:artisticGlowEdges/>
+                          </a14:imgEffect>
+                        </a14:imgLayer>
+                      </a14:imgProps>
+                    </a:ext>
+                    <a:ext uri="{28A0092B-C50C-407E-A947-70E740481C1C}">
+                      <a14:useLocalDpi xmlns:a14="http://schemas.microsoft.com/office/drawing/2010/main" val="0"/>
+                    </a:ext>
+                  </a:extLst>
+                </a:blip>
+                <a:stretch>
+                  <a:fillRect/>
+                </a:stretch>
+              </p:blipFill>
+              <p:spPr>
+                <a:xfrm rot="5208101">
+                  <a:off x="1250874" y="4308306"/>
+                  <a:ext cx="623761" cy="499009"/>
+                </a:xfrm>
+                <a:prstGeom prst="rect">
+                  <a:avLst/>
+                </a:prstGeom>
+              </p:spPr>
+            </p:pic>
+            <p:pic>
+              <p:nvPicPr>
+                <p:cNvPr id="28" name="圖片 27" descr="Photoshop 專題 ─ 製作血腥立體網襪腿（？）Part 3：小修飾 ~ Photoshop 私藏筆記"/>
+                <p:cNvPicPr>
+                  <a:picLocks noChangeAspect="1"/>
+                </p:cNvPicPr>
+                <p:nvPr/>
+              </p:nvPicPr>
+              <p:blipFill>
+                <a:blip r:embed="rId4" cstate="print">
+                  <a:duotone>
+                    <a:prstClr val="black"/>
+                    <a:schemeClr val="accent2">
+                      <a:tint val="45000"/>
+                      <a:satMod val="400000"/>
+                    </a:schemeClr>
+                  </a:duotone>
+                  <a:extLst>
+                    <a:ext uri="{BEBA8EAE-BF5A-486C-A8C5-ECC9F3942E4B}">
+                      <a14:imgProps xmlns:a14="http://schemas.microsoft.com/office/drawing/2010/main">
+                        <a14:imgLayer r:embed="rId5">
+                          <a14:imgEffect>
+                            <a14:artisticGlowEdges/>
+                          </a14:imgEffect>
+                        </a14:imgLayer>
+                      </a14:imgProps>
+                    </a:ext>
+                    <a:ext uri="{28A0092B-C50C-407E-A947-70E740481C1C}">
+                      <a14:useLocalDpi xmlns:a14="http://schemas.microsoft.com/office/drawing/2010/main" val="0"/>
+                    </a:ext>
+                  </a:extLst>
+                </a:blip>
+                <a:stretch>
+                  <a:fillRect/>
+                </a:stretch>
+              </p:blipFill>
+              <p:spPr>
+                <a:xfrm rot="5400000">
+                  <a:off x="1344719" y="3794462"/>
+                  <a:ext cx="623761" cy="499009"/>
+                </a:xfrm>
+                <a:prstGeom prst="rect">
+                  <a:avLst/>
+                </a:prstGeom>
+              </p:spPr>
+            </p:pic>
+            <p:pic>
+              <p:nvPicPr>
+                <p:cNvPr id="29" name="圖片 28" descr="Photoshop 專題 ─ 製作血腥立體網襪腿（？）Part 3：小修飾 ~ Photoshop 私藏筆記"/>
+                <p:cNvPicPr>
+                  <a:picLocks noChangeAspect="1"/>
+                </p:cNvPicPr>
+                <p:nvPr/>
+              </p:nvPicPr>
+              <p:blipFill>
+                <a:blip r:embed="rId4" cstate="print">
+                  <a:duotone>
+                    <a:prstClr val="black"/>
+                    <a:schemeClr val="accent2">
+                      <a:tint val="45000"/>
+                      <a:satMod val="400000"/>
+                    </a:schemeClr>
+                  </a:duotone>
+                  <a:extLst>
+                    <a:ext uri="{BEBA8EAE-BF5A-486C-A8C5-ECC9F3942E4B}">
+                      <a14:imgProps xmlns:a14="http://schemas.microsoft.com/office/drawing/2010/main">
+                        <a14:imgLayer r:embed="rId5">
+                          <a14:imgEffect>
+                            <a14:artisticGlowEdges/>
+                          </a14:imgEffect>
+                        </a14:imgLayer>
+                      </a14:imgProps>
+                    </a:ext>
+                    <a:ext uri="{28A0092B-C50C-407E-A947-70E740481C1C}">
+                      <a14:useLocalDpi xmlns:a14="http://schemas.microsoft.com/office/drawing/2010/main" val="0"/>
+                    </a:ext>
+                  </a:extLst>
+                </a:blip>
+                <a:stretch>
+                  <a:fillRect/>
+                </a:stretch>
+              </p:blipFill>
+              <p:spPr>
+                <a:xfrm rot="5206804">
+                  <a:off x="1281618" y="3200305"/>
+                  <a:ext cx="623761" cy="499009"/>
+                </a:xfrm>
+                <a:prstGeom prst="rect">
+                  <a:avLst/>
+                </a:prstGeom>
+              </p:spPr>
+            </p:pic>
+            <p:pic>
+              <p:nvPicPr>
+                <p:cNvPr id="30" name="圖片 29" descr="Photoshop 專題 ─ 製作血腥立體網襪腿（？）Part 3：小修飾 ~ Photoshop 私藏筆記"/>
+                <p:cNvPicPr>
+                  <a:picLocks noChangeAspect="1"/>
+                </p:cNvPicPr>
+                <p:nvPr/>
+              </p:nvPicPr>
+              <p:blipFill>
+                <a:blip r:embed="rId4" cstate="print">
+                  <a:duotone>
+                    <a:prstClr val="black"/>
+                    <a:schemeClr val="accent2">
+                      <a:tint val="45000"/>
+                      <a:satMod val="400000"/>
+                    </a:schemeClr>
+                  </a:duotone>
+                  <a:extLst>
+                    <a:ext uri="{BEBA8EAE-BF5A-486C-A8C5-ECC9F3942E4B}">
+                      <a14:imgProps xmlns:a14="http://schemas.microsoft.com/office/drawing/2010/main">
+                        <a14:imgLayer r:embed="rId5">
+                          <a14:imgEffect>
+                            <a14:artisticGlowEdges/>
+                          </a14:imgEffect>
+                        </a14:imgLayer>
+                      </a14:imgProps>
+                    </a:ext>
+                    <a:ext uri="{28A0092B-C50C-407E-A947-70E740481C1C}">
+                      <a14:useLocalDpi xmlns:a14="http://schemas.microsoft.com/office/drawing/2010/main" val="0"/>
+                    </a:ext>
+                  </a:extLst>
+                </a:blip>
+                <a:stretch>
+                  <a:fillRect/>
+                </a:stretch>
+              </p:blipFill>
+              <p:spPr>
+                <a:xfrm rot="6198745">
+                  <a:off x="1329604" y="3732049"/>
+                  <a:ext cx="623761" cy="499009"/>
+                </a:xfrm>
+                <a:prstGeom prst="rect">
+                  <a:avLst/>
+                </a:prstGeom>
+              </p:spPr>
+            </p:pic>
+            <p:pic>
+              <p:nvPicPr>
+                <p:cNvPr id="31" name="圖片 30" descr="Photoshop 專題 ─ 製作血腥立體網襪腿（？）Part 3：小修飾 ~ Photoshop 私藏筆記"/>
+                <p:cNvPicPr>
+                  <a:picLocks noChangeAspect="1"/>
+                </p:cNvPicPr>
+                <p:nvPr/>
+              </p:nvPicPr>
+              <p:blipFill>
+                <a:blip r:embed="rId4" cstate="print">
+                  <a:duotone>
+                    <a:prstClr val="black"/>
+                    <a:schemeClr val="accent2">
+                      <a:tint val="45000"/>
+                      <a:satMod val="400000"/>
+                    </a:schemeClr>
+                  </a:duotone>
+                  <a:extLst>
+                    <a:ext uri="{BEBA8EAE-BF5A-486C-A8C5-ECC9F3942E4B}">
+                      <a14:imgProps xmlns:a14="http://schemas.microsoft.com/office/drawing/2010/main">
+                        <a14:imgLayer r:embed="rId5">
+                          <a14:imgEffect>
+                            <a14:artisticGlowEdges/>
+                          </a14:imgEffect>
+                        </a14:imgLayer>
+                      </a14:imgProps>
+                    </a:ext>
+                    <a:ext uri="{28A0092B-C50C-407E-A947-70E740481C1C}">
+                      <a14:useLocalDpi xmlns:a14="http://schemas.microsoft.com/office/drawing/2010/main" val="0"/>
+                    </a:ext>
+                  </a:extLst>
+                </a:blip>
+                <a:stretch>
+                  <a:fillRect/>
+                </a:stretch>
+              </p:blipFill>
+              <p:spPr>
+                <a:xfrm rot="4632731">
+                  <a:off x="1318195" y="4321633"/>
+                  <a:ext cx="623761" cy="499009"/>
+                </a:xfrm>
+                <a:prstGeom prst="rect">
+                  <a:avLst/>
+                </a:prstGeom>
+              </p:spPr>
+            </p:pic>
+            <p:pic>
+              <p:nvPicPr>
+                <p:cNvPr id="32" name="圖片 31" descr="Photoshop 專題 ─ 製作血腥立體網襪腿（？）Part 3：小修飾 ~ Photoshop 私藏筆記"/>
+                <p:cNvPicPr>
+                  <a:picLocks noChangeAspect="1"/>
+                </p:cNvPicPr>
+                <p:nvPr/>
+              </p:nvPicPr>
+              <p:blipFill>
+                <a:blip r:embed="rId4" cstate="print">
+                  <a:duotone>
+                    <a:prstClr val="black"/>
+                    <a:schemeClr val="accent2">
+                      <a:tint val="45000"/>
+                      <a:satMod val="400000"/>
+                    </a:schemeClr>
+                  </a:duotone>
+                  <a:extLst>
+                    <a:ext uri="{BEBA8EAE-BF5A-486C-A8C5-ECC9F3942E4B}">
+                      <a14:imgProps xmlns:a14="http://schemas.microsoft.com/office/drawing/2010/main">
+                        <a14:imgLayer r:embed="rId5">
+                          <a14:imgEffect>
+                            <a14:artisticGlowEdges/>
+                          </a14:imgEffect>
+                        </a14:imgLayer>
+                      </a14:imgProps>
+                    </a:ext>
+                    <a:ext uri="{28A0092B-C50C-407E-A947-70E740481C1C}">
+                      <a14:useLocalDpi xmlns:a14="http://schemas.microsoft.com/office/drawing/2010/main" val="0"/>
+                    </a:ext>
+                  </a:extLst>
+                </a:blip>
+                <a:stretch>
+                  <a:fillRect/>
+                </a:stretch>
+              </p:blipFill>
+              <p:spPr>
+                <a:xfrm rot="5646846">
+                  <a:off x="1318196" y="4321634"/>
+                  <a:ext cx="623761" cy="499009"/>
+                </a:xfrm>
+                <a:prstGeom prst="rect">
+                  <a:avLst/>
+                </a:prstGeom>
+              </p:spPr>
+            </p:pic>
+          </p:grpSp>
+          <p:grpSp>
+            <p:nvGrpSpPr>
+              <p:cNvPr id="33" name="群組 32"/>
+              <p:cNvGrpSpPr/>
+              <p:nvPr/>
+            </p:nvGrpSpPr>
+            <p:grpSpPr>
+              <a:xfrm>
+                <a:off x="6524630" y="3616439"/>
+                <a:ext cx="601849" cy="1758371"/>
+                <a:chOff x="1313250" y="3124648"/>
+                <a:chExt cx="601849" cy="1758371"/>
+              </a:xfrm>
+            </p:grpSpPr>
+            <p:pic>
+              <p:nvPicPr>
+                <p:cNvPr id="34" name="圖片 33" descr="Photoshop 專題 ─ 製作血腥立體網襪腿（？）Part 3：小修飾 ~ Photoshop 私藏筆記"/>
+                <p:cNvPicPr>
+                  <a:picLocks noChangeAspect="1"/>
+                </p:cNvPicPr>
+                <p:nvPr/>
+              </p:nvPicPr>
+              <p:blipFill>
+                <a:blip r:embed="rId4" cstate="print">
+                  <a:duotone>
+                    <a:prstClr val="black"/>
+                    <a:schemeClr val="accent2">
+                      <a:tint val="45000"/>
+                      <a:satMod val="400000"/>
+                    </a:schemeClr>
+                  </a:duotone>
+                  <a:extLst>
+                    <a:ext uri="{BEBA8EAE-BF5A-486C-A8C5-ECC9F3942E4B}">
+                      <a14:imgProps xmlns:a14="http://schemas.microsoft.com/office/drawing/2010/main">
+                        <a14:imgLayer r:embed="rId5">
+                          <a14:imgEffect>
+                            <a14:artisticGlowEdges/>
+                          </a14:imgEffect>
+                        </a14:imgLayer>
+                      </a14:imgProps>
+                    </a:ext>
+                    <a:ext uri="{28A0092B-C50C-407E-A947-70E740481C1C}">
+                      <a14:useLocalDpi xmlns:a14="http://schemas.microsoft.com/office/drawing/2010/main" val="0"/>
+                    </a:ext>
+                  </a:extLst>
+                </a:blip>
+                <a:stretch>
+                  <a:fillRect/>
+                </a:stretch>
+              </p:blipFill>
+              <p:spPr>
+                <a:xfrm rot="4143036">
+                  <a:off x="1275755" y="3224239"/>
+                  <a:ext cx="623761" cy="499009"/>
+                </a:xfrm>
+                <a:prstGeom prst="rect">
+                  <a:avLst/>
+                </a:prstGeom>
+              </p:spPr>
+            </p:pic>
+            <p:pic>
+              <p:nvPicPr>
+                <p:cNvPr id="35" name="圖片 34" descr="Photoshop 專題 ─ 製作血腥立體網襪腿（？）Part 3：小修飾 ~ Photoshop 私藏筆記"/>
+                <p:cNvPicPr>
+                  <a:picLocks noChangeAspect="1"/>
+                </p:cNvPicPr>
+                <p:nvPr/>
+              </p:nvPicPr>
+              <p:blipFill>
+                <a:blip r:embed="rId4" cstate="print">
+                  <a:duotone>
+                    <a:prstClr val="black"/>
+                    <a:schemeClr val="accent2">
+                      <a:tint val="45000"/>
+                      <a:satMod val="400000"/>
+                    </a:schemeClr>
+                  </a:duotone>
+                  <a:extLst>
+                    <a:ext uri="{BEBA8EAE-BF5A-486C-A8C5-ECC9F3942E4B}">
+                      <a14:imgProps xmlns:a14="http://schemas.microsoft.com/office/drawing/2010/main">
+                        <a14:imgLayer r:embed="rId5">
+                          <a14:imgEffect>
+                            <a14:artisticGlowEdges/>
+                          </a14:imgEffect>
+                        </a14:imgLayer>
+                      </a14:imgProps>
+                    </a:ext>
+                    <a:ext uri="{28A0092B-C50C-407E-A947-70E740481C1C}">
+                      <a14:useLocalDpi xmlns:a14="http://schemas.microsoft.com/office/drawing/2010/main" val="0"/>
+                    </a:ext>
+                  </a:extLst>
+                </a:blip>
+                <a:stretch>
+                  <a:fillRect/>
+                </a:stretch>
+              </p:blipFill>
+              <p:spPr>
+                <a:xfrm rot="5580265">
+                  <a:off x="1353714" y="3187024"/>
+                  <a:ext cx="623761" cy="499009"/>
+                </a:xfrm>
+                <a:prstGeom prst="rect">
+                  <a:avLst/>
+                </a:prstGeom>
+              </p:spPr>
+            </p:pic>
+            <p:pic>
+              <p:nvPicPr>
+                <p:cNvPr id="36" name="圖片 35" descr="Photoshop 專題 ─ 製作血腥立體網襪腿（？）Part 3：小修飾 ~ Photoshop 私藏筆記"/>
+                <p:cNvPicPr>
+                  <a:picLocks noChangeAspect="1"/>
+                </p:cNvPicPr>
+                <p:nvPr/>
+              </p:nvPicPr>
+              <p:blipFill>
+                <a:blip r:embed="rId4" cstate="print">
+                  <a:duotone>
+                    <a:prstClr val="black"/>
+                    <a:schemeClr val="accent2">
+                      <a:tint val="45000"/>
+                      <a:satMod val="400000"/>
+                    </a:schemeClr>
+                  </a:duotone>
+                  <a:extLst>
+                    <a:ext uri="{BEBA8EAE-BF5A-486C-A8C5-ECC9F3942E4B}">
+                      <a14:imgProps xmlns:a14="http://schemas.microsoft.com/office/drawing/2010/main">
+                        <a14:imgLayer r:embed="rId5">
+                          <a14:imgEffect>
+                            <a14:artisticGlowEdges/>
+                          </a14:imgEffect>
+                        </a14:imgLayer>
+                      </a14:imgProps>
+                    </a:ext>
+                    <a:ext uri="{28A0092B-C50C-407E-A947-70E740481C1C}">
+                      <a14:useLocalDpi xmlns:a14="http://schemas.microsoft.com/office/drawing/2010/main" val="0"/>
+                    </a:ext>
+                  </a:extLst>
+                </a:blip>
+                <a:stretch>
+                  <a:fillRect/>
+                </a:stretch>
+              </p:blipFill>
+              <p:spPr>
+                <a:xfrm rot="5922293">
+                  <a:off x="1257468" y="3767679"/>
+                  <a:ext cx="623761" cy="499009"/>
+                </a:xfrm>
+                <a:prstGeom prst="rect">
+                  <a:avLst/>
+                </a:prstGeom>
+              </p:spPr>
+            </p:pic>
+            <p:pic>
+              <p:nvPicPr>
+                <p:cNvPr id="37" name="圖片 36" descr="Photoshop 專題 ─ 製作血腥立體網襪腿（？）Part 3：小修飾 ~ Photoshop 私藏筆記"/>
+                <p:cNvPicPr>
+                  <a:picLocks noChangeAspect="1"/>
+                </p:cNvPicPr>
+                <p:nvPr/>
+              </p:nvPicPr>
+              <p:blipFill>
+                <a:blip r:embed="rId4" cstate="print">
+                  <a:duotone>
+                    <a:prstClr val="black"/>
+                    <a:schemeClr val="accent2">
+                      <a:tint val="45000"/>
+                      <a:satMod val="400000"/>
+                    </a:schemeClr>
+                  </a:duotone>
+                  <a:extLst>
+                    <a:ext uri="{BEBA8EAE-BF5A-486C-A8C5-ECC9F3942E4B}">
+                      <a14:imgProps xmlns:a14="http://schemas.microsoft.com/office/drawing/2010/main">
+                        <a14:imgLayer r:embed="rId5">
+                          <a14:imgEffect>
+                            <a14:artisticGlowEdges/>
+                          </a14:imgEffect>
+                        </a14:imgLayer>
+                      </a14:imgProps>
+                    </a:ext>
+                    <a:ext uri="{28A0092B-C50C-407E-A947-70E740481C1C}">
+                      <a14:useLocalDpi xmlns:a14="http://schemas.microsoft.com/office/drawing/2010/main" val="0"/>
+                    </a:ext>
+                  </a:extLst>
+                </a:blip>
+                <a:stretch>
+                  <a:fillRect/>
+                </a:stretch>
+              </p:blipFill>
+              <p:spPr>
+                <a:xfrm rot="5208101">
+                  <a:off x="1250874" y="4308306"/>
+                  <a:ext cx="623761" cy="499009"/>
+                </a:xfrm>
+                <a:prstGeom prst="rect">
+                  <a:avLst/>
+                </a:prstGeom>
+              </p:spPr>
+            </p:pic>
+            <p:pic>
+              <p:nvPicPr>
+                <p:cNvPr id="38" name="圖片 37" descr="Photoshop 專題 ─ 製作血腥立體網襪腿（？）Part 3：小修飾 ~ Photoshop 私藏筆記"/>
+                <p:cNvPicPr>
+                  <a:picLocks noChangeAspect="1"/>
+                </p:cNvPicPr>
+                <p:nvPr/>
+              </p:nvPicPr>
+              <p:blipFill>
+                <a:blip r:embed="rId4" cstate="print">
+                  <a:duotone>
+                    <a:prstClr val="black"/>
+                    <a:schemeClr val="accent2">
+                      <a:tint val="45000"/>
+                      <a:satMod val="400000"/>
+                    </a:schemeClr>
+                  </a:duotone>
+                  <a:extLst>
+                    <a:ext uri="{BEBA8EAE-BF5A-486C-A8C5-ECC9F3942E4B}">
+                      <a14:imgProps xmlns:a14="http://schemas.microsoft.com/office/drawing/2010/main">
+                        <a14:imgLayer r:embed="rId5">
+                          <a14:imgEffect>
+                            <a14:artisticGlowEdges/>
+                          </a14:imgEffect>
+                        </a14:imgLayer>
+                      </a14:imgProps>
+                    </a:ext>
+                    <a:ext uri="{28A0092B-C50C-407E-A947-70E740481C1C}">
+                      <a14:useLocalDpi xmlns:a14="http://schemas.microsoft.com/office/drawing/2010/main" val="0"/>
+                    </a:ext>
+                  </a:extLst>
+                </a:blip>
+                <a:stretch>
+                  <a:fillRect/>
+                </a:stretch>
+              </p:blipFill>
+              <p:spPr>
+                <a:xfrm rot="5400000">
+                  <a:off x="1344719" y="3794462"/>
+                  <a:ext cx="623761" cy="499009"/>
+                </a:xfrm>
+                <a:prstGeom prst="rect">
+                  <a:avLst/>
+                </a:prstGeom>
+              </p:spPr>
+            </p:pic>
+            <p:pic>
+              <p:nvPicPr>
+                <p:cNvPr id="39" name="圖片 38" descr="Photoshop 專題 ─ 製作血腥立體網襪腿（？）Part 3：小修飾 ~ Photoshop 私藏筆記"/>
+                <p:cNvPicPr>
+                  <a:picLocks noChangeAspect="1"/>
+                </p:cNvPicPr>
+                <p:nvPr/>
+              </p:nvPicPr>
+              <p:blipFill>
+                <a:blip r:embed="rId4" cstate="print">
+                  <a:duotone>
+                    <a:prstClr val="black"/>
+                    <a:schemeClr val="accent2">
+                      <a:tint val="45000"/>
+                      <a:satMod val="400000"/>
+                    </a:schemeClr>
+                  </a:duotone>
+                  <a:extLst>
+                    <a:ext uri="{BEBA8EAE-BF5A-486C-A8C5-ECC9F3942E4B}">
+                      <a14:imgProps xmlns:a14="http://schemas.microsoft.com/office/drawing/2010/main">
+                        <a14:imgLayer r:embed="rId5">
+                          <a14:imgEffect>
+                            <a14:artisticGlowEdges/>
+                          </a14:imgEffect>
+                        </a14:imgLayer>
+                      </a14:imgProps>
+                    </a:ext>
+                    <a:ext uri="{28A0092B-C50C-407E-A947-70E740481C1C}">
+                      <a14:useLocalDpi xmlns:a14="http://schemas.microsoft.com/office/drawing/2010/main" val="0"/>
+                    </a:ext>
+                  </a:extLst>
+                </a:blip>
+                <a:stretch>
+                  <a:fillRect/>
+                </a:stretch>
+              </p:blipFill>
+              <p:spPr>
+                <a:xfrm rot="5206804">
+                  <a:off x="1281618" y="3200305"/>
+                  <a:ext cx="623761" cy="499009"/>
+                </a:xfrm>
+                <a:prstGeom prst="rect">
+                  <a:avLst/>
+                </a:prstGeom>
+              </p:spPr>
+            </p:pic>
+            <p:pic>
+              <p:nvPicPr>
+                <p:cNvPr id="40" name="圖片 39" descr="Photoshop 專題 ─ 製作血腥立體網襪腿（？）Part 3：小修飾 ~ Photoshop 私藏筆記"/>
+                <p:cNvPicPr>
+                  <a:picLocks noChangeAspect="1"/>
+                </p:cNvPicPr>
+                <p:nvPr/>
+              </p:nvPicPr>
+              <p:blipFill>
+                <a:blip r:embed="rId4" cstate="print">
+                  <a:duotone>
+                    <a:prstClr val="black"/>
+                    <a:schemeClr val="accent2">
+                      <a:tint val="45000"/>
+                      <a:satMod val="400000"/>
+                    </a:schemeClr>
+                  </a:duotone>
+                  <a:extLst>
+                    <a:ext uri="{BEBA8EAE-BF5A-486C-A8C5-ECC9F3942E4B}">
+                      <a14:imgProps xmlns:a14="http://schemas.microsoft.com/office/drawing/2010/main">
+                        <a14:imgLayer r:embed="rId5">
+                          <a14:imgEffect>
+                            <a14:artisticGlowEdges/>
+                          </a14:imgEffect>
+                        </a14:imgLayer>
+                      </a14:imgProps>
+                    </a:ext>
+                    <a:ext uri="{28A0092B-C50C-407E-A947-70E740481C1C}">
+                      <a14:useLocalDpi xmlns:a14="http://schemas.microsoft.com/office/drawing/2010/main" val="0"/>
+                    </a:ext>
+                  </a:extLst>
+                </a:blip>
+                <a:stretch>
+                  <a:fillRect/>
+                </a:stretch>
+              </p:blipFill>
+              <p:spPr>
+                <a:xfrm rot="6198745">
+                  <a:off x="1329604" y="3732049"/>
+                  <a:ext cx="623761" cy="499009"/>
+                </a:xfrm>
+                <a:prstGeom prst="rect">
+                  <a:avLst/>
+                </a:prstGeom>
+              </p:spPr>
+            </p:pic>
+            <p:pic>
+              <p:nvPicPr>
+                <p:cNvPr id="41" name="圖片 40" descr="Photoshop 專題 ─ 製作血腥立體網襪腿（？）Part 3：小修飾 ~ Photoshop 私藏筆記"/>
+                <p:cNvPicPr>
+                  <a:picLocks noChangeAspect="1"/>
+                </p:cNvPicPr>
+                <p:nvPr/>
+              </p:nvPicPr>
+              <p:blipFill>
+                <a:blip r:embed="rId4" cstate="print">
+                  <a:duotone>
+                    <a:prstClr val="black"/>
+                    <a:schemeClr val="accent2">
+                      <a:tint val="45000"/>
+                      <a:satMod val="400000"/>
+                    </a:schemeClr>
+                  </a:duotone>
+                  <a:extLst>
+                    <a:ext uri="{BEBA8EAE-BF5A-486C-A8C5-ECC9F3942E4B}">
+                      <a14:imgProps xmlns:a14="http://schemas.microsoft.com/office/drawing/2010/main">
+                        <a14:imgLayer r:embed="rId5">
+                          <a14:imgEffect>
+                            <a14:artisticGlowEdges/>
+                          </a14:imgEffect>
+                        </a14:imgLayer>
+                      </a14:imgProps>
+                    </a:ext>
+                    <a:ext uri="{28A0092B-C50C-407E-A947-70E740481C1C}">
+                      <a14:useLocalDpi xmlns:a14="http://schemas.microsoft.com/office/drawing/2010/main" val="0"/>
+                    </a:ext>
+                  </a:extLst>
+                </a:blip>
+                <a:stretch>
+                  <a:fillRect/>
+                </a:stretch>
+              </p:blipFill>
+              <p:spPr>
+                <a:xfrm rot="4632731">
+                  <a:off x="1318195" y="4321633"/>
+                  <a:ext cx="623761" cy="499009"/>
+                </a:xfrm>
+                <a:prstGeom prst="rect">
+                  <a:avLst/>
+                </a:prstGeom>
+              </p:spPr>
+            </p:pic>
+            <p:pic>
+              <p:nvPicPr>
+                <p:cNvPr id="42" name="圖片 41" descr="Photoshop 專題 ─ 製作血腥立體網襪腿（？）Part 3：小修飾 ~ Photoshop 私藏筆記"/>
+                <p:cNvPicPr>
+                  <a:picLocks noChangeAspect="1"/>
+                </p:cNvPicPr>
+                <p:nvPr/>
+              </p:nvPicPr>
+              <p:blipFill>
+                <a:blip r:embed="rId4" cstate="print">
+                  <a:duotone>
+                    <a:prstClr val="black"/>
+                    <a:schemeClr val="accent2">
+                      <a:tint val="45000"/>
+                      <a:satMod val="400000"/>
+                    </a:schemeClr>
+                  </a:duotone>
+                  <a:extLst>
+                    <a:ext uri="{BEBA8EAE-BF5A-486C-A8C5-ECC9F3942E4B}">
+                      <a14:imgProps xmlns:a14="http://schemas.microsoft.com/office/drawing/2010/main">
+                        <a14:imgLayer r:embed="rId5">
+                          <a14:imgEffect>
+                            <a14:artisticGlowEdges/>
+                          </a14:imgEffect>
+                        </a14:imgLayer>
+                      </a14:imgProps>
+                    </a:ext>
+                    <a:ext uri="{28A0092B-C50C-407E-A947-70E740481C1C}">
+                      <a14:useLocalDpi xmlns:a14="http://schemas.microsoft.com/office/drawing/2010/main" val="0"/>
+                    </a:ext>
+                  </a:extLst>
+                </a:blip>
+                <a:stretch>
+                  <a:fillRect/>
+                </a:stretch>
+              </p:blipFill>
+              <p:spPr>
+                <a:xfrm rot="5646846">
+                  <a:off x="1318196" y="4321634"/>
+                  <a:ext cx="623761" cy="499009"/>
+                </a:xfrm>
+                <a:prstGeom prst="rect">
+                  <a:avLst/>
+                </a:prstGeom>
+              </p:spPr>
+            </p:pic>
+          </p:grpSp>
+          <p:grpSp>
+            <p:nvGrpSpPr>
+              <p:cNvPr id="43" name="群組 42"/>
+              <p:cNvGrpSpPr/>
+              <p:nvPr/>
+            </p:nvGrpSpPr>
+            <p:grpSpPr>
+              <a:xfrm rot="10800000">
+                <a:off x="6524630" y="5285005"/>
+                <a:ext cx="601849" cy="1758371"/>
+                <a:chOff x="1313250" y="3124648"/>
+                <a:chExt cx="601849" cy="1758371"/>
+              </a:xfrm>
+            </p:grpSpPr>
+            <p:pic>
+              <p:nvPicPr>
+                <p:cNvPr id="44" name="圖片 43" descr="Photoshop 專題 ─ 製作血腥立體網襪腿（？）Part 3：小修飾 ~ Photoshop 私藏筆記"/>
+                <p:cNvPicPr>
+                  <a:picLocks noChangeAspect="1"/>
+                </p:cNvPicPr>
+                <p:nvPr/>
+              </p:nvPicPr>
+              <p:blipFill>
+                <a:blip r:embed="rId4" cstate="print">
+                  <a:duotone>
+                    <a:prstClr val="black"/>
+                    <a:schemeClr val="accent2">
+                      <a:tint val="45000"/>
+                      <a:satMod val="400000"/>
+                    </a:schemeClr>
+                  </a:duotone>
+                  <a:extLst>
+                    <a:ext uri="{BEBA8EAE-BF5A-486C-A8C5-ECC9F3942E4B}">
+                      <a14:imgProps xmlns:a14="http://schemas.microsoft.com/office/drawing/2010/main">
+                        <a14:imgLayer r:embed="rId5">
+                          <a14:imgEffect>
+                            <a14:artisticGlowEdges/>
+                          </a14:imgEffect>
+                        </a14:imgLayer>
+                      </a14:imgProps>
+                    </a:ext>
+                    <a:ext uri="{28A0092B-C50C-407E-A947-70E740481C1C}">
+                      <a14:useLocalDpi xmlns:a14="http://schemas.microsoft.com/office/drawing/2010/main" val="0"/>
+                    </a:ext>
+                  </a:extLst>
+                </a:blip>
+                <a:stretch>
+                  <a:fillRect/>
+                </a:stretch>
+              </p:blipFill>
+              <p:spPr>
+                <a:xfrm rot="4143036">
+                  <a:off x="1275755" y="3224239"/>
+                  <a:ext cx="623761" cy="499009"/>
+                </a:xfrm>
+                <a:prstGeom prst="rect">
+                  <a:avLst/>
+                </a:prstGeom>
+              </p:spPr>
+            </p:pic>
+            <p:pic>
+              <p:nvPicPr>
+                <p:cNvPr id="45" name="圖片 44" descr="Photoshop 專題 ─ 製作血腥立體網襪腿（？）Part 3：小修飾 ~ Photoshop 私藏筆記"/>
+                <p:cNvPicPr>
+                  <a:picLocks noChangeAspect="1"/>
+                </p:cNvPicPr>
+                <p:nvPr/>
+              </p:nvPicPr>
+              <p:blipFill>
+                <a:blip r:embed="rId4" cstate="print">
+                  <a:duotone>
+                    <a:prstClr val="black"/>
+                    <a:schemeClr val="accent2">
+                      <a:tint val="45000"/>
+                      <a:satMod val="400000"/>
+                    </a:schemeClr>
+                  </a:duotone>
+                  <a:extLst>
+                    <a:ext uri="{BEBA8EAE-BF5A-486C-A8C5-ECC9F3942E4B}">
+                      <a14:imgProps xmlns:a14="http://schemas.microsoft.com/office/drawing/2010/main">
+                        <a14:imgLayer r:embed="rId5">
+                          <a14:imgEffect>
+                            <a14:artisticGlowEdges/>
+                          </a14:imgEffect>
+                        </a14:imgLayer>
+                      </a14:imgProps>
+                    </a:ext>
+                    <a:ext uri="{28A0092B-C50C-407E-A947-70E740481C1C}">
+                      <a14:useLocalDpi xmlns:a14="http://schemas.microsoft.com/office/drawing/2010/main" val="0"/>
+                    </a:ext>
+                  </a:extLst>
+                </a:blip>
+                <a:stretch>
+                  <a:fillRect/>
+                </a:stretch>
+              </p:blipFill>
+              <p:spPr>
+                <a:xfrm rot="5580265">
+                  <a:off x="1353714" y="3187024"/>
+                  <a:ext cx="623761" cy="499009"/>
+                </a:xfrm>
+                <a:prstGeom prst="rect">
+                  <a:avLst/>
+                </a:prstGeom>
+              </p:spPr>
+            </p:pic>
+            <p:pic>
+              <p:nvPicPr>
+                <p:cNvPr id="46" name="圖片 45" descr="Photoshop 專題 ─ 製作血腥立體網襪腿（？）Part 3：小修飾 ~ Photoshop 私藏筆記"/>
+                <p:cNvPicPr>
+                  <a:picLocks noChangeAspect="1"/>
+                </p:cNvPicPr>
+                <p:nvPr/>
+              </p:nvPicPr>
+              <p:blipFill>
+                <a:blip r:embed="rId4" cstate="print">
+                  <a:duotone>
+                    <a:prstClr val="black"/>
+                    <a:schemeClr val="accent2">
+                      <a:tint val="45000"/>
+                      <a:satMod val="400000"/>
+                    </a:schemeClr>
+                  </a:duotone>
+                  <a:extLst>
+                    <a:ext uri="{BEBA8EAE-BF5A-486C-A8C5-ECC9F3942E4B}">
+                      <a14:imgProps xmlns:a14="http://schemas.microsoft.com/office/drawing/2010/main">
+                        <a14:imgLayer r:embed="rId5">
+                          <a14:imgEffect>
+                            <a14:artisticGlowEdges/>
+                          </a14:imgEffect>
+                        </a14:imgLayer>
+                      </a14:imgProps>
+                    </a:ext>
+                    <a:ext uri="{28A0092B-C50C-407E-A947-70E740481C1C}">
+                      <a14:useLocalDpi xmlns:a14="http://schemas.microsoft.com/office/drawing/2010/main" val="0"/>
+                    </a:ext>
+                  </a:extLst>
+                </a:blip>
+                <a:stretch>
+                  <a:fillRect/>
+                </a:stretch>
+              </p:blipFill>
+              <p:spPr>
+                <a:xfrm rot="5922293">
+                  <a:off x="1257468" y="3767679"/>
+                  <a:ext cx="623761" cy="499009"/>
+                </a:xfrm>
+                <a:prstGeom prst="rect">
+                  <a:avLst/>
+                </a:prstGeom>
+              </p:spPr>
+            </p:pic>
+            <p:pic>
+              <p:nvPicPr>
+                <p:cNvPr id="47" name="圖片 46" descr="Photoshop 專題 ─ 製作血腥立體網襪腿（？）Part 3：小修飾 ~ Photoshop 私藏筆記"/>
+                <p:cNvPicPr>
+                  <a:picLocks noChangeAspect="1"/>
+                </p:cNvPicPr>
+                <p:nvPr/>
+              </p:nvPicPr>
+              <p:blipFill>
+                <a:blip r:embed="rId4" cstate="print">
+                  <a:duotone>
+                    <a:prstClr val="black"/>
+                    <a:schemeClr val="accent2">
+                      <a:tint val="45000"/>
+                      <a:satMod val="400000"/>
+                    </a:schemeClr>
+                  </a:duotone>
+                  <a:extLst>
+                    <a:ext uri="{BEBA8EAE-BF5A-486C-A8C5-ECC9F3942E4B}">
+                      <a14:imgProps xmlns:a14="http://schemas.microsoft.com/office/drawing/2010/main">
+                        <a14:imgLayer r:embed="rId5">
+                          <a14:imgEffect>
+                            <a14:artisticGlowEdges/>
+                          </a14:imgEffect>
+                        </a14:imgLayer>
+                      </a14:imgProps>
+                    </a:ext>
+                    <a:ext uri="{28A0092B-C50C-407E-A947-70E740481C1C}">
+                      <a14:useLocalDpi xmlns:a14="http://schemas.microsoft.com/office/drawing/2010/main" val="0"/>
+                    </a:ext>
+                  </a:extLst>
+                </a:blip>
+                <a:stretch>
+                  <a:fillRect/>
+                </a:stretch>
+              </p:blipFill>
+              <p:spPr>
+                <a:xfrm rot="5208101">
+                  <a:off x="1250874" y="4308306"/>
+                  <a:ext cx="623761" cy="499009"/>
+                </a:xfrm>
+                <a:prstGeom prst="rect">
+                  <a:avLst/>
+                </a:prstGeom>
+              </p:spPr>
+            </p:pic>
+            <p:pic>
+              <p:nvPicPr>
+                <p:cNvPr id="48" name="圖片 47" descr="Photoshop 專題 ─ 製作血腥立體網襪腿（？）Part 3：小修飾 ~ Photoshop 私藏筆記"/>
+                <p:cNvPicPr>
+                  <a:picLocks noChangeAspect="1"/>
+                </p:cNvPicPr>
+                <p:nvPr/>
+              </p:nvPicPr>
+              <p:blipFill>
+                <a:blip r:embed="rId4" cstate="print">
+                  <a:duotone>
+                    <a:prstClr val="black"/>
+                    <a:schemeClr val="accent2">
+                      <a:tint val="45000"/>
+                      <a:satMod val="400000"/>
+                    </a:schemeClr>
+                  </a:duotone>
+                  <a:extLst>
+                    <a:ext uri="{BEBA8EAE-BF5A-486C-A8C5-ECC9F3942E4B}">
+                      <a14:imgProps xmlns:a14="http://schemas.microsoft.com/office/drawing/2010/main">
+                        <a14:imgLayer r:embed="rId5">
+                          <a14:imgEffect>
+                            <a14:artisticGlowEdges/>
+                          </a14:imgEffect>
+                        </a14:imgLayer>
+                      </a14:imgProps>
+                    </a:ext>
+                    <a:ext uri="{28A0092B-C50C-407E-A947-70E740481C1C}">
+                      <a14:useLocalDpi xmlns:a14="http://schemas.microsoft.com/office/drawing/2010/main" val="0"/>
+                    </a:ext>
+                  </a:extLst>
+                </a:blip>
+                <a:stretch>
+                  <a:fillRect/>
+                </a:stretch>
+              </p:blipFill>
+              <p:spPr>
+                <a:xfrm rot="5400000">
+                  <a:off x="1344719" y="3794462"/>
+                  <a:ext cx="623761" cy="499009"/>
+                </a:xfrm>
+                <a:prstGeom prst="rect">
+                  <a:avLst/>
+                </a:prstGeom>
+              </p:spPr>
+            </p:pic>
+            <p:pic>
+              <p:nvPicPr>
+                <p:cNvPr id="49" name="圖片 48" descr="Photoshop 專題 ─ 製作血腥立體網襪腿（？）Part 3：小修飾 ~ Photoshop 私藏筆記"/>
+                <p:cNvPicPr>
+                  <a:picLocks noChangeAspect="1"/>
+                </p:cNvPicPr>
+                <p:nvPr/>
+              </p:nvPicPr>
+              <p:blipFill>
+                <a:blip r:embed="rId4" cstate="print">
+                  <a:duotone>
+                    <a:prstClr val="black"/>
+                    <a:schemeClr val="accent2">
+                      <a:tint val="45000"/>
+                      <a:satMod val="400000"/>
+                    </a:schemeClr>
+                  </a:duotone>
+                  <a:extLst>
+                    <a:ext uri="{BEBA8EAE-BF5A-486C-A8C5-ECC9F3942E4B}">
+                      <a14:imgProps xmlns:a14="http://schemas.microsoft.com/office/drawing/2010/main">
+                        <a14:imgLayer r:embed="rId5">
+                          <a14:imgEffect>
+                            <a14:artisticGlowEdges/>
+                          </a14:imgEffect>
+                        </a14:imgLayer>
+                      </a14:imgProps>
+                    </a:ext>
+                    <a:ext uri="{28A0092B-C50C-407E-A947-70E740481C1C}">
+                      <a14:useLocalDpi xmlns:a14="http://schemas.microsoft.com/office/drawing/2010/main" val="0"/>
+                    </a:ext>
+                  </a:extLst>
+                </a:blip>
+                <a:stretch>
+                  <a:fillRect/>
+                </a:stretch>
+              </p:blipFill>
+              <p:spPr>
+                <a:xfrm rot="5206804">
+                  <a:off x="1281618" y="3200305"/>
+                  <a:ext cx="623761" cy="499009"/>
+                </a:xfrm>
+                <a:prstGeom prst="rect">
+                  <a:avLst/>
+                </a:prstGeom>
+              </p:spPr>
+            </p:pic>
+            <p:pic>
+              <p:nvPicPr>
+                <p:cNvPr id="50" name="圖片 49" descr="Photoshop 專題 ─ 製作血腥立體網襪腿（？）Part 3：小修飾 ~ Photoshop 私藏筆記"/>
+                <p:cNvPicPr>
+                  <a:picLocks noChangeAspect="1"/>
+                </p:cNvPicPr>
+                <p:nvPr/>
+              </p:nvPicPr>
+              <p:blipFill>
+                <a:blip r:embed="rId4" cstate="print">
+                  <a:duotone>
+                    <a:prstClr val="black"/>
+                    <a:schemeClr val="accent2">
+                      <a:tint val="45000"/>
+                      <a:satMod val="400000"/>
+                    </a:schemeClr>
+                  </a:duotone>
+                  <a:extLst>
+                    <a:ext uri="{BEBA8EAE-BF5A-486C-A8C5-ECC9F3942E4B}">
+                      <a14:imgProps xmlns:a14="http://schemas.microsoft.com/office/drawing/2010/main">
+                        <a14:imgLayer r:embed="rId5">
+                          <a14:imgEffect>
+                            <a14:artisticGlowEdges/>
+                          </a14:imgEffect>
+                        </a14:imgLayer>
+                      </a14:imgProps>
+                    </a:ext>
+                    <a:ext uri="{28A0092B-C50C-407E-A947-70E740481C1C}">
+                      <a14:useLocalDpi xmlns:a14="http://schemas.microsoft.com/office/drawing/2010/main" val="0"/>
+                    </a:ext>
+                  </a:extLst>
+                </a:blip>
+                <a:stretch>
+                  <a:fillRect/>
+                </a:stretch>
+              </p:blipFill>
+              <p:spPr>
+                <a:xfrm rot="6198745">
+                  <a:off x="1329604" y="3732049"/>
+                  <a:ext cx="623761" cy="499009"/>
+                </a:xfrm>
+                <a:prstGeom prst="rect">
+                  <a:avLst/>
+                </a:prstGeom>
+              </p:spPr>
+            </p:pic>
+            <p:pic>
+              <p:nvPicPr>
+                <p:cNvPr id="51" name="圖片 50" descr="Photoshop 專題 ─ 製作血腥立體網襪腿（？）Part 3：小修飾 ~ Photoshop 私藏筆記"/>
+                <p:cNvPicPr>
+                  <a:picLocks noChangeAspect="1"/>
+                </p:cNvPicPr>
+                <p:nvPr/>
+              </p:nvPicPr>
+              <p:blipFill>
+                <a:blip r:embed="rId4" cstate="print">
+                  <a:duotone>
+                    <a:prstClr val="black"/>
+                    <a:schemeClr val="accent2">
+                      <a:tint val="45000"/>
+                      <a:satMod val="400000"/>
+                    </a:schemeClr>
+                  </a:duotone>
+                  <a:extLst>
+                    <a:ext uri="{BEBA8EAE-BF5A-486C-A8C5-ECC9F3942E4B}">
+                      <a14:imgProps xmlns:a14="http://schemas.microsoft.com/office/drawing/2010/main">
+                        <a14:imgLayer r:embed="rId5">
+                          <a14:imgEffect>
+                            <a14:artisticGlowEdges/>
+                          </a14:imgEffect>
+                        </a14:imgLayer>
+                      </a14:imgProps>
+                    </a:ext>
+                    <a:ext uri="{28A0092B-C50C-407E-A947-70E740481C1C}">
+                      <a14:useLocalDpi xmlns:a14="http://schemas.microsoft.com/office/drawing/2010/main" val="0"/>
+                    </a:ext>
+                  </a:extLst>
+                </a:blip>
+                <a:stretch>
+                  <a:fillRect/>
+                </a:stretch>
+              </p:blipFill>
+              <p:spPr>
+                <a:xfrm rot="4632731">
+                  <a:off x="1318195" y="4321633"/>
+                  <a:ext cx="623761" cy="499009"/>
+                </a:xfrm>
+                <a:prstGeom prst="rect">
+                  <a:avLst/>
+                </a:prstGeom>
+              </p:spPr>
+            </p:pic>
+            <p:pic>
+              <p:nvPicPr>
+                <p:cNvPr id="52" name="圖片 51" descr="Photoshop 專題 ─ 製作血腥立體網襪腿（？）Part 3：小修飾 ~ Photoshop 私藏筆記"/>
+                <p:cNvPicPr>
+                  <a:picLocks noChangeAspect="1"/>
+                </p:cNvPicPr>
+                <p:nvPr/>
+              </p:nvPicPr>
+              <p:blipFill>
+                <a:blip r:embed="rId4" cstate="print">
+                  <a:duotone>
+                    <a:prstClr val="black"/>
+                    <a:schemeClr val="accent2">
+                      <a:tint val="45000"/>
+                      <a:satMod val="400000"/>
+                    </a:schemeClr>
+                  </a:duotone>
+                  <a:extLst>
+                    <a:ext uri="{BEBA8EAE-BF5A-486C-A8C5-ECC9F3942E4B}">
+                      <a14:imgProps xmlns:a14="http://schemas.microsoft.com/office/drawing/2010/main">
+                        <a14:imgLayer r:embed="rId5">
+                          <a14:imgEffect>
+                            <a14:artisticGlowEdges/>
+                          </a14:imgEffect>
+                        </a14:imgLayer>
+                      </a14:imgProps>
+                    </a:ext>
+                    <a:ext uri="{28A0092B-C50C-407E-A947-70E740481C1C}">
+                      <a14:useLocalDpi xmlns:a14="http://schemas.microsoft.com/office/drawing/2010/main" val="0"/>
+                    </a:ext>
+                  </a:extLst>
+                </a:blip>
+                <a:stretch>
+                  <a:fillRect/>
+                </a:stretch>
+              </p:blipFill>
+              <p:spPr>
+                <a:xfrm rot="5646846">
+                  <a:off x="1318196" y="4321634"/>
+                  <a:ext cx="623761" cy="499009"/>
+                </a:xfrm>
+                <a:prstGeom prst="rect">
+                  <a:avLst/>
+                </a:prstGeom>
+              </p:spPr>
+            </p:pic>
+          </p:grpSp>
+        </p:grpSp>
+        <p:grpSp>
+          <p:nvGrpSpPr>
+            <p:cNvPr id="54" name="群組 53"/>
+            <p:cNvGrpSpPr/>
+            <p:nvPr/>
+          </p:nvGrpSpPr>
+          <p:grpSpPr>
+            <a:xfrm>
+              <a:off x="10564795" y="271707"/>
+              <a:ext cx="681092" cy="6740291"/>
+              <a:chOff x="6445387" y="303085"/>
+              <a:chExt cx="681092" cy="6740291"/>
+            </a:xfrm>
+          </p:grpSpPr>
+          <p:grpSp>
+            <p:nvGrpSpPr>
+              <p:cNvPr id="55" name="群組 54"/>
+              <p:cNvGrpSpPr/>
+              <p:nvPr/>
+            </p:nvGrpSpPr>
+            <p:grpSpPr>
+              <a:xfrm>
+                <a:off x="6445387" y="303085"/>
+                <a:ext cx="601849" cy="1758371"/>
+                <a:chOff x="1313250" y="3124648"/>
+                <a:chExt cx="601849" cy="1758371"/>
+              </a:xfrm>
+            </p:grpSpPr>
+            <p:pic>
+              <p:nvPicPr>
+                <p:cNvPr id="86" name="圖片 85" descr="Photoshop 專題 ─ 製作血腥立體網襪腿（？）Part 3：小修飾 ~ Photoshop 私藏筆記"/>
+                <p:cNvPicPr>
+                  <a:picLocks noChangeAspect="1"/>
+                </p:cNvPicPr>
+                <p:nvPr/>
+              </p:nvPicPr>
+              <p:blipFill>
+                <a:blip r:embed="rId4" cstate="print">
+                  <a:duotone>
+                    <a:prstClr val="black"/>
+                    <a:schemeClr val="accent2">
+                      <a:tint val="45000"/>
+                      <a:satMod val="400000"/>
+                    </a:schemeClr>
+                  </a:duotone>
+                  <a:extLst>
+                    <a:ext uri="{BEBA8EAE-BF5A-486C-A8C5-ECC9F3942E4B}">
+                      <a14:imgProps xmlns:a14="http://schemas.microsoft.com/office/drawing/2010/main">
+                        <a14:imgLayer r:embed="rId5">
+                          <a14:imgEffect>
+                            <a14:artisticGlowEdges/>
+                          </a14:imgEffect>
+                        </a14:imgLayer>
+                      </a14:imgProps>
+                    </a:ext>
+                    <a:ext uri="{28A0092B-C50C-407E-A947-70E740481C1C}">
+                      <a14:useLocalDpi xmlns:a14="http://schemas.microsoft.com/office/drawing/2010/main" val="0"/>
+                    </a:ext>
+                  </a:extLst>
+                </a:blip>
+                <a:stretch>
+                  <a:fillRect/>
+                </a:stretch>
+              </p:blipFill>
+              <p:spPr>
+                <a:xfrm rot="4143036">
+                  <a:off x="1275755" y="3224239"/>
+                  <a:ext cx="623761" cy="499009"/>
+                </a:xfrm>
+                <a:prstGeom prst="rect">
+                  <a:avLst/>
+                </a:prstGeom>
+              </p:spPr>
+            </p:pic>
+            <p:pic>
+              <p:nvPicPr>
+                <p:cNvPr id="87" name="圖片 86" descr="Photoshop 專題 ─ 製作血腥立體網襪腿（？）Part 3：小修飾 ~ Photoshop 私藏筆記"/>
+                <p:cNvPicPr>
+                  <a:picLocks noChangeAspect="1"/>
+                </p:cNvPicPr>
+                <p:nvPr/>
+              </p:nvPicPr>
+              <p:blipFill>
+                <a:blip r:embed="rId4" cstate="print">
+                  <a:duotone>
+                    <a:prstClr val="black"/>
+                    <a:schemeClr val="accent2">
+                      <a:tint val="45000"/>
+                      <a:satMod val="400000"/>
+                    </a:schemeClr>
+                  </a:duotone>
+                  <a:extLst>
+                    <a:ext uri="{BEBA8EAE-BF5A-486C-A8C5-ECC9F3942E4B}">
+                      <a14:imgProps xmlns:a14="http://schemas.microsoft.com/office/drawing/2010/main">
+                        <a14:imgLayer r:embed="rId5">
+                          <a14:imgEffect>
+                            <a14:artisticGlowEdges/>
+                          </a14:imgEffect>
+                        </a14:imgLayer>
+                      </a14:imgProps>
+                    </a:ext>
+                    <a:ext uri="{28A0092B-C50C-407E-A947-70E740481C1C}">
+                      <a14:useLocalDpi xmlns:a14="http://schemas.microsoft.com/office/drawing/2010/main" val="0"/>
+                    </a:ext>
+                  </a:extLst>
+                </a:blip>
+                <a:stretch>
+                  <a:fillRect/>
+                </a:stretch>
+              </p:blipFill>
+              <p:spPr>
+                <a:xfrm rot="5580265">
+                  <a:off x="1353714" y="3187024"/>
+                  <a:ext cx="623761" cy="499009"/>
+                </a:xfrm>
+                <a:prstGeom prst="rect">
+                  <a:avLst/>
+                </a:prstGeom>
+              </p:spPr>
+            </p:pic>
+            <p:pic>
+              <p:nvPicPr>
+                <p:cNvPr id="88" name="圖片 87" descr="Photoshop 專題 ─ 製作血腥立體網襪腿（？）Part 3：小修飾 ~ Photoshop 私藏筆記"/>
+                <p:cNvPicPr>
+                  <a:picLocks noChangeAspect="1"/>
+                </p:cNvPicPr>
+                <p:nvPr/>
+              </p:nvPicPr>
+              <p:blipFill>
+                <a:blip r:embed="rId4" cstate="print">
+                  <a:duotone>
+                    <a:prstClr val="black"/>
+                    <a:schemeClr val="accent2">
+                      <a:tint val="45000"/>
+                      <a:satMod val="400000"/>
+                    </a:schemeClr>
+                  </a:duotone>
+                  <a:extLst>
+                    <a:ext uri="{BEBA8EAE-BF5A-486C-A8C5-ECC9F3942E4B}">
+                      <a14:imgProps xmlns:a14="http://schemas.microsoft.com/office/drawing/2010/main">
+                        <a14:imgLayer r:embed="rId5">
+                          <a14:imgEffect>
+                            <a14:artisticGlowEdges/>
+                          </a14:imgEffect>
+                        </a14:imgLayer>
+                      </a14:imgProps>
+                    </a:ext>
+                    <a:ext uri="{28A0092B-C50C-407E-A947-70E740481C1C}">
+                      <a14:useLocalDpi xmlns:a14="http://schemas.microsoft.com/office/drawing/2010/main" val="0"/>
+                    </a:ext>
+                  </a:extLst>
+                </a:blip>
+                <a:stretch>
+                  <a:fillRect/>
+                </a:stretch>
+              </p:blipFill>
+              <p:spPr>
+                <a:xfrm rot="5922293">
+                  <a:off x="1257468" y="3767679"/>
+                  <a:ext cx="623761" cy="499009"/>
+                </a:xfrm>
+                <a:prstGeom prst="rect">
+                  <a:avLst/>
+                </a:prstGeom>
+              </p:spPr>
+            </p:pic>
+            <p:pic>
+              <p:nvPicPr>
+                <p:cNvPr id="89" name="圖片 88" descr="Photoshop 專題 ─ 製作血腥立體網襪腿（？）Part 3：小修飾 ~ Photoshop 私藏筆記"/>
+                <p:cNvPicPr>
+                  <a:picLocks noChangeAspect="1"/>
+                </p:cNvPicPr>
+                <p:nvPr/>
+              </p:nvPicPr>
+              <p:blipFill>
+                <a:blip r:embed="rId4" cstate="print">
+                  <a:duotone>
+                    <a:prstClr val="black"/>
+                    <a:schemeClr val="accent2">
+                      <a:tint val="45000"/>
+                      <a:satMod val="400000"/>
+                    </a:schemeClr>
+                  </a:duotone>
+                  <a:extLst>
+                    <a:ext uri="{BEBA8EAE-BF5A-486C-A8C5-ECC9F3942E4B}">
+                      <a14:imgProps xmlns:a14="http://schemas.microsoft.com/office/drawing/2010/main">
+                        <a14:imgLayer r:embed="rId5">
+                          <a14:imgEffect>
+                            <a14:artisticGlowEdges/>
+                          </a14:imgEffect>
+                        </a14:imgLayer>
+                      </a14:imgProps>
+                    </a:ext>
+                    <a:ext uri="{28A0092B-C50C-407E-A947-70E740481C1C}">
+                      <a14:useLocalDpi xmlns:a14="http://schemas.microsoft.com/office/drawing/2010/main" val="0"/>
+                    </a:ext>
+                  </a:extLst>
+                </a:blip>
+                <a:stretch>
+                  <a:fillRect/>
+                </a:stretch>
+              </p:blipFill>
+              <p:spPr>
+                <a:xfrm rot="5208101">
+                  <a:off x="1250874" y="4308306"/>
+                  <a:ext cx="623761" cy="499009"/>
+                </a:xfrm>
+                <a:prstGeom prst="rect">
+                  <a:avLst/>
+                </a:prstGeom>
+              </p:spPr>
+            </p:pic>
+            <p:pic>
+              <p:nvPicPr>
+                <p:cNvPr id="90" name="圖片 89" descr="Photoshop 專題 ─ 製作血腥立體網襪腿（？）Part 3：小修飾 ~ Photoshop 私藏筆記"/>
+                <p:cNvPicPr>
+                  <a:picLocks noChangeAspect="1"/>
+                </p:cNvPicPr>
+                <p:nvPr/>
+              </p:nvPicPr>
+              <p:blipFill>
+                <a:blip r:embed="rId4" cstate="print">
+                  <a:duotone>
+                    <a:prstClr val="black"/>
+                    <a:schemeClr val="accent2">
+                      <a:tint val="45000"/>
+                      <a:satMod val="400000"/>
+                    </a:schemeClr>
+                  </a:duotone>
+                  <a:extLst>
+                    <a:ext uri="{BEBA8EAE-BF5A-486C-A8C5-ECC9F3942E4B}">
+                      <a14:imgProps xmlns:a14="http://schemas.microsoft.com/office/drawing/2010/main">
+                        <a14:imgLayer r:embed="rId5">
+                          <a14:imgEffect>
+                            <a14:artisticGlowEdges/>
+                          </a14:imgEffect>
+                        </a14:imgLayer>
+                      </a14:imgProps>
+                    </a:ext>
+                    <a:ext uri="{28A0092B-C50C-407E-A947-70E740481C1C}">
+                      <a14:useLocalDpi xmlns:a14="http://schemas.microsoft.com/office/drawing/2010/main" val="0"/>
+                    </a:ext>
+                  </a:extLst>
+                </a:blip>
+                <a:stretch>
+                  <a:fillRect/>
+                </a:stretch>
+              </p:blipFill>
+              <p:spPr>
+                <a:xfrm rot="5400000">
+                  <a:off x="1344719" y="3794462"/>
+                  <a:ext cx="623761" cy="499009"/>
+                </a:xfrm>
+                <a:prstGeom prst="rect">
+                  <a:avLst/>
+                </a:prstGeom>
+              </p:spPr>
+            </p:pic>
+            <p:pic>
+              <p:nvPicPr>
+                <p:cNvPr id="91" name="圖片 90" descr="Photoshop 專題 ─ 製作血腥立體網襪腿（？）Part 3：小修飾 ~ Photoshop 私藏筆記"/>
+                <p:cNvPicPr>
+                  <a:picLocks noChangeAspect="1"/>
+                </p:cNvPicPr>
+                <p:nvPr/>
+              </p:nvPicPr>
+              <p:blipFill>
+                <a:blip r:embed="rId4" cstate="print">
+                  <a:duotone>
+                    <a:prstClr val="black"/>
+                    <a:schemeClr val="accent2">
+                      <a:tint val="45000"/>
+                      <a:satMod val="400000"/>
+                    </a:schemeClr>
+                  </a:duotone>
+                  <a:extLst>
+                    <a:ext uri="{BEBA8EAE-BF5A-486C-A8C5-ECC9F3942E4B}">
+                      <a14:imgProps xmlns:a14="http://schemas.microsoft.com/office/drawing/2010/main">
+                        <a14:imgLayer r:embed="rId5">
+                          <a14:imgEffect>
+                            <a14:artisticGlowEdges/>
+                          </a14:imgEffect>
+                        </a14:imgLayer>
+                      </a14:imgProps>
+                    </a:ext>
+                    <a:ext uri="{28A0092B-C50C-407E-A947-70E740481C1C}">
+                      <a14:useLocalDpi xmlns:a14="http://schemas.microsoft.com/office/drawing/2010/main" val="0"/>
+                    </a:ext>
+                  </a:extLst>
+                </a:blip>
+                <a:stretch>
+                  <a:fillRect/>
+                </a:stretch>
+              </p:blipFill>
+              <p:spPr>
+                <a:xfrm rot="5206804">
+                  <a:off x="1281618" y="3200305"/>
+                  <a:ext cx="623761" cy="499009"/>
+                </a:xfrm>
+                <a:prstGeom prst="rect">
+                  <a:avLst/>
+                </a:prstGeom>
+              </p:spPr>
+            </p:pic>
+            <p:pic>
+              <p:nvPicPr>
+                <p:cNvPr id="92" name="圖片 91" descr="Photoshop 專題 ─ 製作血腥立體網襪腿（？）Part 3：小修飾 ~ Photoshop 私藏筆記"/>
+                <p:cNvPicPr>
+                  <a:picLocks noChangeAspect="1"/>
+                </p:cNvPicPr>
+                <p:nvPr/>
+              </p:nvPicPr>
+              <p:blipFill>
+                <a:blip r:embed="rId4" cstate="print">
+                  <a:duotone>
+                    <a:prstClr val="black"/>
+                    <a:schemeClr val="accent2">
+                      <a:tint val="45000"/>
+                      <a:satMod val="400000"/>
+                    </a:schemeClr>
+                  </a:duotone>
+                  <a:extLst>
+                    <a:ext uri="{BEBA8EAE-BF5A-486C-A8C5-ECC9F3942E4B}">
+                      <a14:imgProps xmlns:a14="http://schemas.microsoft.com/office/drawing/2010/main">
+                        <a14:imgLayer r:embed="rId5">
+                          <a14:imgEffect>
+                            <a14:artisticGlowEdges/>
+                          </a14:imgEffect>
+                        </a14:imgLayer>
+                      </a14:imgProps>
+                    </a:ext>
+                    <a:ext uri="{28A0092B-C50C-407E-A947-70E740481C1C}">
+                      <a14:useLocalDpi xmlns:a14="http://schemas.microsoft.com/office/drawing/2010/main" val="0"/>
+                    </a:ext>
+                  </a:extLst>
+                </a:blip>
+                <a:stretch>
+                  <a:fillRect/>
+                </a:stretch>
+              </p:blipFill>
+              <p:spPr>
+                <a:xfrm rot="6198745">
+                  <a:off x="1329604" y="3732049"/>
+                  <a:ext cx="623761" cy="499009"/>
+                </a:xfrm>
+                <a:prstGeom prst="rect">
+                  <a:avLst/>
+                </a:prstGeom>
+              </p:spPr>
+            </p:pic>
+            <p:pic>
+              <p:nvPicPr>
+                <p:cNvPr id="93" name="圖片 92" descr="Photoshop 專題 ─ 製作血腥立體網襪腿（？）Part 3：小修飾 ~ Photoshop 私藏筆記"/>
+                <p:cNvPicPr>
+                  <a:picLocks noChangeAspect="1"/>
+                </p:cNvPicPr>
+                <p:nvPr/>
+              </p:nvPicPr>
+              <p:blipFill>
+                <a:blip r:embed="rId4" cstate="print">
+                  <a:duotone>
+                    <a:prstClr val="black"/>
+                    <a:schemeClr val="accent2">
+                      <a:tint val="45000"/>
+                      <a:satMod val="400000"/>
+                    </a:schemeClr>
+                  </a:duotone>
+                  <a:extLst>
+                    <a:ext uri="{BEBA8EAE-BF5A-486C-A8C5-ECC9F3942E4B}">
+                      <a14:imgProps xmlns:a14="http://schemas.microsoft.com/office/drawing/2010/main">
+                        <a14:imgLayer r:embed="rId5">
+                          <a14:imgEffect>
+                            <a14:artisticGlowEdges/>
+                          </a14:imgEffect>
+                        </a14:imgLayer>
+                      </a14:imgProps>
+                    </a:ext>
+                    <a:ext uri="{28A0092B-C50C-407E-A947-70E740481C1C}">
+                      <a14:useLocalDpi xmlns:a14="http://schemas.microsoft.com/office/drawing/2010/main" val="0"/>
+                    </a:ext>
+                  </a:extLst>
+                </a:blip>
+                <a:stretch>
+                  <a:fillRect/>
+                </a:stretch>
+              </p:blipFill>
+              <p:spPr>
+                <a:xfrm rot="4632731">
+                  <a:off x="1318195" y="4321633"/>
+                  <a:ext cx="623761" cy="499009"/>
+                </a:xfrm>
+                <a:prstGeom prst="rect">
+                  <a:avLst/>
+                </a:prstGeom>
+              </p:spPr>
+            </p:pic>
+            <p:pic>
+              <p:nvPicPr>
+                <p:cNvPr id="94" name="圖片 93" descr="Photoshop 專題 ─ 製作血腥立體網襪腿（？）Part 3：小修飾 ~ Photoshop 私藏筆記"/>
+                <p:cNvPicPr>
+                  <a:picLocks noChangeAspect="1"/>
+                </p:cNvPicPr>
+                <p:nvPr/>
+              </p:nvPicPr>
+              <p:blipFill>
+                <a:blip r:embed="rId4" cstate="print">
+                  <a:duotone>
+                    <a:prstClr val="black"/>
+                    <a:schemeClr val="accent2">
+                      <a:tint val="45000"/>
+                      <a:satMod val="400000"/>
+                    </a:schemeClr>
+                  </a:duotone>
+                  <a:extLst>
+                    <a:ext uri="{BEBA8EAE-BF5A-486C-A8C5-ECC9F3942E4B}">
+                      <a14:imgProps xmlns:a14="http://schemas.microsoft.com/office/drawing/2010/main">
+                        <a14:imgLayer r:embed="rId5">
+                          <a14:imgEffect>
+                            <a14:artisticGlowEdges/>
+                          </a14:imgEffect>
+                        </a14:imgLayer>
+                      </a14:imgProps>
+                    </a:ext>
+                    <a:ext uri="{28A0092B-C50C-407E-A947-70E740481C1C}">
+                      <a14:useLocalDpi xmlns:a14="http://schemas.microsoft.com/office/drawing/2010/main" val="0"/>
+                    </a:ext>
+                  </a:extLst>
+                </a:blip>
+                <a:stretch>
+                  <a:fillRect/>
+                </a:stretch>
+              </p:blipFill>
+              <p:spPr>
+                <a:xfrm rot="5646846">
+                  <a:off x="1318196" y="4321634"/>
+                  <a:ext cx="623761" cy="499009"/>
+                </a:xfrm>
+                <a:prstGeom prst="rect">
+                  <a:avLst/>
+                </a:prstGeom>
+              </p:spPr>
+            </p:pic>
+          </p:grpSp>
+          <p:grpSp>
+            <p:nvGrpSpPr>
+              <p:cNvPr id="56" name="群組 55"/>
+              <p:cNvGrpSpPr/>
+              <p:nvPr/>
+            </p:nvGrpSpPr>
+            <p:grpSpPr>
+              <a:xfrm rot="10800000">
+                <a:off x="6472712" y="2016894"/>
+                <a:ext cx="601849" cy="1758371"/>
+                <a:chOff x="1313250" y="3124648"/>
+                <a:chExt cx="601849" cy="1758371"/>
+              </a:xfrm>
+            </p:grpSpPr>
+            <p:pic>
+              <p:nvPicPr>
+                <p:cNvPr id="77" name="圖片 76" descr="Photoshop 專題 ─ 製作血腥立體網襪腿（？）Part 3：小修飾 ~ Photoshop 私藏筆記"/>
+                <p:cNvPicPr>
+                  <a:picLocks noChangeAspect="1"/>
+                </p:cNvPicPr>
+                <p:nvPr/>
+              </p:nvPicPr>
+              <p:blipFill>
+                <a:blip r:embed="rId4" cstate="print">
+                  <a:duotone>
+                    <a:prstClr val="black"/>
+                    <a:schemeClr val="accent2">
+                      <a:tint val="45000"/>
+                      <a:satMod val="400000"/>
+                    </a:schemeClr>
+                  </a:duotone>
+                  <a:extLst>
+                    <a:ext uri="{BEBA8EAE-BF5A-486C-A8C5-ECC9F3942E4B}">
+                      <a14:imgProps xmlns:a14="http://schemas.microsoft.com/office/drawing/2010/main">
+                        <a14:imgLayer r:embed="rId5">
+                          <a14:imgEffect>
+                            <a14:artisticGlowEdges/>
+                          </a14:imgEffect>
+                        </a14:imgLayer>
+                      </a14:imgProps>
+                    </a:ext>
+                    <a:ext uri="{28A0092B-C50C-407E-A947-70E740481C1C}">
+                      <a14:useLocalDpi xmlns:a14="http://schemas.microsoft.com/office/drawing/2010/main" val="0"/>
+                    </a:ext>
+                  </a:extLst>
+                </a:blip>
+                <a:stretch>
+                  <a:fillRect/>
+                </a:stretch>
+              </p:blipFill>
+              <p:spPr>
+                <a:xfrm rot="4143036">
+                  <a:off x="1275755" y="3224239"/>
+                  <a:ext cx="623761" cy="499009"/>
+                </a:xfrm>
+                <a:prstGeom prst="rect">
+                  <a:avLst/>
+                </a:prstGeom>
+              </p:spPr>
+            </p:pic>
+            <p:pic>
+              <p:nvPicPr>
+                <p:cNvPr id="78" name="圖片 77" descr="Photoshop 專題 ─ 製作血腥立體網襪腿（？）Part 3：小修飾 ~ Photoshop 私藏筆記"/>
+                <p:cNvPicPr>
+                  <a:picLocks noChangeAspect="1"/>
+                </p:cNvPicPr>
+                <p:nvPr/>
+              </p:nvPicPr>
+              <p:blipFill>
+                <a:blip r:embed="rId4" cstate="print">
+                  <a:duotone>
+                    <a:prstClr val="black"/>
+                    <a:schemeClr val="accent2">
+                      <a:tint val="45000"/>
+                      <a:satMod val="400000"/>
+                    </a:schemeClr>
+                  </a:duotone>
+                  <a:extLst>
+                    <a:ext uri="{BEBA8EAE-BF5A-486C-A8C5-ECC9F3942E4B}">
+                      <a14:imgProps xmlns:a14="http://schemas.microsoft.com/office/drawing/2010/main">
+                        <a14:imgLayer r:embed="rId5">
+                          <a14:imgEffect>
+                            <a14:artisticGlowEdges/>
+                          </a14:imgEffect>
+                        </a14:imgLayer>
+                      </a14:imgProps>
+                    </a:ext>
+                    <a:ext uri="{28A0092B-C50C-407E-A947-70E740481C1C}">
+                      <a14:useLocalDpi xmlns:a14="http://schemas.microsoft.com/office/drawing/2010/main" val="0"/>
+                    </a:ext>
+                  </a:extLst>
+                </a:blip>
+                <a:stretch>
+                  <a:fillRect/>
+                </a:stretch>
+              </p:blipFill>
+              <p:spPr>
+                <a:xfrm rot="5580265">
+                  <a:off x="1353714" y="3187024"/>
+                  <a:ext cx="623761" cy="499009"/>
+                </a:xfrm>
+                <a:prstGeom prst="rect">
+                  <a:avLst/>
+                </a:prstGeom>
+              </p:spPr>
+            </p:pic>
+            <p:pic>
+              <p:nvPicPr>
+                <p:cNvPr id="79" name="圖片 78" descr="Photoshop 專題 ─ 製作血腥立體網襪腿（？）Part 3：小修飾 ~ Photoshop 私藏筆記"/>
+                <p:cNvPicPr>
+                  <a:picLocks noChangeAspect="1"/>
+                </p:cNvPicPr>
+                <p:nvPr/>
+              </p:nvPicPr>
+              <p:blipFill>
+                <a:blip r:embed="rId4" cstate="print">
+                  <a:duotone>
+                    <a:prstClr val="black"/>
+                    <a:schemeClr val="accent2">
+                      <a:tint val="45000"/>
+                      <a:satMod val="400000"/>
+                    </a:schemeClr>
+                  </a:duotone>
+                  <a:extLst>
+                    <a:ext uri="{BEBA8EAE-BF5A-486C-A8C5-ECC9F3942E4B}">
+                      <a14:imgProps xmlns:a14="http://schemas.microsoft.com/office/drawing/2010/main">
+                        <a14:imgLayer r:embed="rId5">
+                          <a14:imgEffect>
+                            <a14:artisticGlowEdges/>
+                          </a14:imgEffect>
+                        </a14:imgLayer>
+                      </a14:imgProps>
+                    </a:ext>
+                    <a:ext uri="{28A0092B-C50C-407E-A947-70E740481C1C}">
+                      <a14:useLocalDpi xmlns:a14="http://schemas.microsoft.com/office/drawing/2010/main" val="0"/>
+                    </a:ext>
+                  </a:extLst>
+                </a:blip>
+                <a:stretch>
+                  <a:fillRect/>
+                </a:stretch>
+              </p:blipFill>
+              <p:spPr>
+                <a:xfrm rot="5922293">
+                  <a:off x="1257468" y="3767679"/>
+                  <a:ext cx="623761" cy="499009"/>
+                </a:xfrm>
+                <a:prstGeom prst="rect">
+                  <a:avLst/>
+                </a:prstGeom>
+              </p:spPr>
+            </p:pic>
+            <p:pic>
+              <p:nvPicPr>
+                <p:cNvPr id="80" name="圖片 79" descr="Photoshop 專題 ─ 製作血腥立體網襪腿（？）Part 3：小修飾 ~ Photoshop 私藏筆記"/>
+                <p:cNvPicPr>
+                  <a:picLocks noChangeAspect="1"/>
+                </p:cNvPicPr>
+                <p:nvPr/>
+              </p:nvPicPr>
+              <p:blipFill>
+                <a:blip r:embed="rId4" cstate="print">
+                  <a:duotone>
+                    <a:prstClr val="black"/>
+                    <a:schemeClr val="accent2">
+                      <a:tint val="45000"/>
+                      <a:satMod val="400000"/>
+                    </a:schemeClr>
+                  </a:duotone>
+                  <a:extLst>
+                    <a:ext uri="{BEBA8EAE-BF5A-486C-A8C5-ECC9F3942E4B}">
+                      <a14:imgProps xmlns:a14="http://schemas.microsoft.com/office/drawing/2010/main">
+                        <a14:imgLayer r:embed="rId5">
+                          <a14:imgEffect>
+                            <a14:artisticGlowEdges/>
+                          </a14:imgEffect>
+                        </a14:imgLayer>
+                      </a14:imgProps>
+                    </a:ext>
+                    <a:ext uri="{28A0092B-C50C-407E-A947-70E740481C1C}">
+                      <a14:useLocalDpi xmlns:a14="http://schemas.microsoft.com/office/drawing/2010/main" val="0"/>
+                    </a:ext>
+                  </a:extLst>
+                </a:blip>
+                <a:stretch>
+                  <a:fillRect/>
+                </a:stretch>
+              </p:blipFill>
+              <p:spPr>
+                <a:xfrm rot="5208101">
+                  <a:off x="1250874" y="4308306"/>
+                  <a:ext cx="623761" cy="499009"/>
+                </a:xfrm>
+                <a:prstGeom prst="rect">
+                  <a:avLst/>
+                </a:prstGeom>
+              </p:spPr>
+            </p:pic>
+            <p:pic>
+              <p:nvPicPr>
+                <p:cNvPr id="81" name="圖片 80" descr="Photoshop 專題 ─ 製作血腥立體網襪腿（？）Part 3：小修飾 ~ Photoshop 私藏筆記"/>
+                <p:cNvPicPr>
+                  <a:picLocks noChangeAspect="1"/>
+                </p:cNvPicPr>
+                <p:nvPr/>
+              </p:nvPicPr>
+              <p:blipFill>
+                <a:blip r:embed="rId4" cstate="print">
+                  <a:duotone>
+                    <a:prstClr val="black"/>
+                    <a:schemeClr val="accent2">
+                      <a:tint val="45000"/>
+                      <a:satMod val="400000"/>
+                    </a:schemeClr>
+                  </a:duotone>
+                  <a:extLst>
+                    <a:ext uri="{BEBA8EAE-BF5A-486C-A8C5-ECC9F3942E4B}">
+                      <a14:imgProps xmlns:a14="http://schemas.microsoft.com/office/drawing/2010/main">
+                        <a14:imgLayer r:embed="rId5">
+                          <a14:imgEffect>
+                            <a14:artisticGlowEdges/>
+                          </a14:imgEffect>
+                        </a14:imgLayer>
+                      </a14:imgProps>
+                    </a:ext>
+                    <a:ext uri="{28A0092B-C50C-407E-A947-70E740481C1C}">
+                      <a14:useLocalDpi xmlns:a14="http://schemas.microsoft.com/office/drawing/2010/main" val="0"/>
+                    </a:ext>
+                  </a:extLst>
+                </a:blip>
+                <a:stretch>
+                  <a:fillRect/>
+                </a:stretch>
+              </p:blipFill>
+              <p:spPr>
+                <a:xfrm rot="5400000">
+                  <a:off x="1344719" y="3794462"/>
+                  <a:ext cx="623761" cy="499009"/>
+                </a:xfrm>
+                <a:prstGeom prst="rect">
+                  <a:avLst/>
+                </a:prstGeom>
+              </p:spPr>
+            </p:pic>
+            <p:pic>
+              <p:nvPicPr>
+                <p:cNvPr id="82" name="圖片 81" descr="Photoshop 專題 ─ 製作血腥立體網襪腿（？）Part 3：小修飾 ~ Photoshop 私藏筆記"/>
+                <p:cNvPicPr>
+                  <a:picLocks noChangeAspect="1"/>
+                </p:cNvPicPr>
+                <p:nvPr/>
+              </p:nvPicPr>
+              <p:blipFill>
+                <a:blip r:embed="rId4" cstate="print">
+                  <a:duotone>
+                    <a:prstClr val="black"/>
+                    <a:schemeClr val="accent2">
+                      <a:tint val="45000"/>
+                      <a:satMod val="400000"/>
+                    </a:schemeClr>
+                  </a:duotone>
+                  <a:extLst>
+                    <a:ext uri="{BEBA8EAE-BF5A-486C-A8C5-ECC9F3942E4B}">
+                      <a14:imgProps xmlns:a14="http://schemas.microsoft.com/office/drawing/2010/main">
+                        <a14:imgLayer r:embed="rId5">
+                          <a14:imgEffect>
+                            <a14:artisticGlowEdges/>
+                          </a14:imgEffect>
+                        </a14:imgLayer>
+                      </a14:imgProps>
+                    </a:ext>
+                    <a:ext uri="{28A0092B-C50C-407E-A947-70E740481C1C}">
+                      <a14:useLocalDpi xmlns:a14="http://schemas.microsoft.com/office/drawing/2010/main" val="0"/>
+                    </a:ext>
+                  </a:extLst>
+                </a:blip>
+                <a:stretch>
+                  <a:fillRect/>
+                </a:stretch>
+              </p:blipFill>
+              <p:spPr>
+                <a:xfrm rot="5206804">
+                  <a:off x="1281618" y="3200305"/>
+                  <a:ext cx="623761" cy="499009"/>
+                </a:xfrm>
+                <a:prstGeom prst="rect">
+                  <a:avLst/>
+                </a:prstGeom>
+              </p:spPr>
+            </p:pic>
+            <p:pic>
+              <p:nvPicPr>
+                <p:cNvPr id="83" name="圖片 82" descr="Photoshop 專題 ─ 製作血腥立體網襪腿（？）Part 3：小修飾 ~ Photoshop 私藏筆記"/>
+                <p:cNvPicPr>
+                  <a:picLocks noChangeAspect="1"/>
+                </p:cNvPicPr>
+                <p:nvPr/>
+              </p:nvPicPr>
+              <p:blipFill>
+                <a:blip r:embed="rId4" cstate="print">
+                  <a:duotone>
+                    <a:prstClr val="black"/>
+                    <a:schemeClr val="accent2">
+                      <a:tint val="45000"/>
+                      <a:satMod val="400000"/>
+                    </a:schemeClr>
+                  </a:duotone>
+                  <a:extLst>
+                    <a:ext uri="{BEBA8EAE-BF5A-486C-A8C5-ECC9F3942E4B}">
+                      <a14:imgProps xmlns:a14="http://schemas.microsoft.com/office/drawing/2010/main">
+                        <a14:imgLayer r:embed="rId5">
+                          <a14:imgEffect>
+                            <a14:artisticGlowEdges/>
+                          </a14:imgEffect>
+                        </a14:imgLayer>
+                      </a14:imgProps>
+                    </a:ext>
+                    <a:ext uri="{28A0092B-C50C-407E-A947-70E740481C1C}">
+                      <a14:useLocalDpi xmlns:a14="http://schemas.microsoft.com/office/drawing/2010/main" val="0"/>
+                    </a:ext>
+                  </a:extLst>
+                </a:blip>
+                <a:stretch>
+                  <a:fillRect/>
+                </a:stretch>
+              </p:blipFill>
+              <p:spPr>
+                <a:xfrm rot="6198745">
+                  <a:off x="1329604" y="3732049"/>
+                  <a:ext cx="623761" cy="499009"/>
+                </a:xfrm>
+                <a:prstGeom prst="rect">
+                  <a:avLst/>
+                </a:prstGeom>
+              </p:spPr>
+            </p:pic>
+            <p:pic>
+              <p:nvPicPr>
+                <p:cNvPr id="84" name="圖片 83" descr="Photoshop 專題 ─ 製作血腥立體網襪腿（？）Part 3：小修飾 ~ Photoshop 私藏筆記"/>
+                <p:cNvPicPr>
+                  <a:picLocks noChangeAspect="1"/>
+                </p:cNvPicPr>
+                <p:nvPr/>
+              </p:nvPicPr>
+              <p:blipFill>
+                <a:blip r:embed="rId4" cstate="print">
+                  <a:duotone>
+                    <a:prstClr val="black"/>
+                    <a:schemeClr val="accent2">
+                      <a:tint val="45000"/>
+                      <a:satMod val="400000"/>
+                    </a:schemeClr>
+                  </a:duotone>
+                  <a:extLst>
+                    <a:ext uri="{BEBA8EAE-BF5A-486C-A8C5-ECC9F3942E4B}">
+                      <a14:imgProps xmlns:a14="http://schemas.microsoft.com/office/drawing/2010/main">
+                        <a14:imgLayer r:embed="rId5">
+                          <a14:imgEffect>
+                            <a14:artisticGlowEdges/>
+                          </a14:imgEffect>
+                        </a14:imgLayer>
+                      </a14:imgProps>
+                    </a:ext>
+                    <a:ext uri="{28A0092B-C50C-407E-A947-70E740481C1C}">
+                      <a14:useLocalDpi xmlns:a14="http://schemas.microsoft.com/office/drawing/2010/main" val="0"/>
+                    </a:ext>
+                  </a:extLst>
+                </a:blip>
+                <a:stretch>
+                  <a:fillRect/>
+                </a:stretch>
+              </p:blipFill>
+              <p:spPr>
+                <a:xfrm rot="4632731">
+                  <a:off x="1318195" y="4321633"/>
+                  <a:ext cx="623761" cy="499009"/>
+                </a:xfrm>
+                <a:prstGeom prst="rect">
+                  <a:avLst/>
+                </a:prstGeom>
+              </p:spPr>
+            </p:pic>
+            <p:pic>
+              <p:nvPicPr>
+                <p:cNvPr id="85" name="圖片 84" descr="Photoshop 專題 ─ 製作血腥立體網襪腿（？）Part 3：小修飾 ~ Photoshop 私藏筆記"/>
+                <p:cNvPicPr>
+                  <a:picLocks noChangeAspect="1"/>
+                </p:cNvPicPr>
+                <p:nvPr/>
+              </p:nvPicPr>
+              <p:blipFill>
+                <a:blip r:embed="rId4" cstate="print">
+                  <a:duotone>
+                    <a:prstClr val="black"/>
+                    <a:schemeClr val="accent2">
+                      <a:tint val="45000"/>
+                      <a:satMod val="400000"/>
+                    </a:schemeClr>
+                  </a:duotone>
+                  <a:extLst>
+                    <a:ext uri="{BEBA8EAE-BF5A-486C-A8C5-ECC9F3942E4B}">
+                      <a14:imgProps xmlns:a14="http://schemas.microsoft.com/office/drawing/2010/main">
+                        <a14:imgLayer r:embed="rId5">
+                          <a14:imgEffect>
+                            <a14:artisticGlowEdges/>
+                          </a14:imgEffect>
+                        </a14:imgLayer>
+                      </a14:imgProps>
+                    </a:ext>
+                    <a:ext uri="{28A0092B-C50C-407E-A947-70E740481C1C}">
+                      <a14:useLocalDpi xmlns:a14="http://schemas.microsoft.com/office/drawing/2010/main" val="0"/>
+                    </a:ext>
+                  </a:extLst>
+                </a:blip>
+                <a:stretch>
+                  <a:fillRect/>
+                </a:stretch>
+              </p:blipFill>
+              <p:spPr>
+                <a:xfrm rot="5646846">
+                  <a:off x="1318196" y="4321634"/>
+                  <a:ext cx="623761" cy="499009"/>
+                </a:xfrm>
+                <a:prstGeom prst="rect">
+                  <a:avLst/>
+                </a:prstGeom>
+              </p:spPr>
+            </p:pic>
+          </p:grpSp>
+          <p:grpSp>
+            <p:nvGrpSpPr>
+              <p:cNvPr id="57" name="群組 56"/>
+              <p:cNvGrpSpPr/>
+              <p:nvPr/>
+            </p:nvGrpSpPr>
+            <p:grpSpPr>
+              <a:xfrm>
+                <a:off x="6524630" y="3616439"/>
+                <a:ext cx="601849" cy="1758371"/>
+                <a:chOff x="1313250" y="3124648"/>
+                <a:chExt cx="601849" cy="1758371"/>
+              </a:xfrm>
+            </p:grpSpPr>
+            <p:pic>
+              <p:nvPicPr>
+                <p:cNvPr id="68" name="圖片 67" descr="Photoshop 專題 ─ 製作血腥立體網襪腿（？）Part 3：小修飾 ~ Photoshop 私藏筆記"/>
+                <p:cNvPicPr>
+                  <a:picLocks noChangeAspect="1"/>
+                </p:cNvPicPr>
+                <p:nvPr/>
+              </p:nvPicPr>
+              <p:blipFill>
+                <a:blip r:embed="rId4" cstate="print">
+                  <a:duotone>
+                    <a:prstClr val="black"/>
+                    <a:schemeClr val="accent2">
+                      <a:tint val="45000"/>
+                      <a:satMod val="400000"/>
+                    </a:schemeClr>
+                  </a:duotone>
+                  <a:extLst>
+                    <a:ext uri="{BEBA8EAE-BF5A-486C-A8C5-ECC9F3942E4B}">
+                      <a14:imgProps xmlns:a14="http://schemas.microsoft.com/office/drawing/2010/main">
+                        <a14:imgLayer r:embed="rId5">
+                          <a14:imgEffect>
+                            <a14:artisticGlowEdges/>
+                          </a14:imgEffect>
+                        </a14:imgLayer>
+                      </a14:imgProps>
+                    </a:ext>
+                    <a:ext uri="{28A0092B-C50C-407E-A947-70E740481C1C}">
+                      <a14:useLocalDpi xmlns:a14="http://schemas.microsoft.com/office/drawing/2010/main" val="0"/>
+                    </a:ext>
+                  </a:extLst>
+                </a:blip>
+                <a:stretch>
+                  <a:fillRect/>
+                </a:stretch>
+              </p:blipFill>
+              <p:spPr>
+                <a:xfrm rot="4143036">
+                  <a:off x="1275755" y="3224239"/>
+                  <a:ext cx="623761" cy="499009"/>
+                </a:xfrm>
+                <a:prstGeom prst="rect">
+                  <a:avLst/>
+                </a:prstGeom>
+              </p:spPr>
+            </p:pic>
+            <p:pic>
+              <p:nvPicPr>
+                <p:cNvPr id="69" name="圖片 68" descr="Photoshop 專題 ─ 製作血腥立體網襪腿（？）Part 3：小修飾 ~ Photoshop 私藏筆記"/>
+                <p:cNvPicPr>
+                  <a:picLocks noChangeAspect="1"/>
+                </p:cNvPicPr>
+                <p:nvPr/>
+              </p:nvPicPr>
+              <p:blipFill>
+                <a:blip r:embed="rId4" cstate="print">
+                  <a:duotone>
+                    <a:prstClr val="black"/>
+                    <a:schemeClr val="accent2">
+                      <a:tint val="45000"/>
+                      <a:satMod val="400000"/>
+                    </a:schemeClr>
+                  </a:duotone>
+                  <a:extLst>
+                    <a:ext uri="{BEBA8EAE-BF5A-486C-A8C5-ECC9F3942E4B}">
+                      <a14:imgProps xmlns:a14="http://schemas.microsoft.com/office/drawing/2010/main">
+                        <a14:imgLayer r:embed="rId5">
+                          <a14:imgEffect>
+                            <a14:artisticGlowEdges/>
+                          </a14:imgEffect>
+                        </a14:imgLayer>
+                      </a14:imgProps>
+                    </a:ext>
+                    <a:ext uri="{28A0092B-C50C-407E-A947-70E740481C1C}">
+                      <a14:useLocalDpi xmlns:a14="http://schemas.microsoft.com/office/drawing/2010/main" val="0"/>
+                    </a:ext>
+                  </a:extLst>
+                </a:blip>
+                <a:stretch>
+                  <a:fillRect/>
+                </a:stretch>
+              </p:blipFill>
+              <p:spPr>
+                <a:xfrm rot="5580265">
+                  <a:off x="1353714" y="3187024"/>
+                  <a:ext cx="623761" cy="499009"/>
+                </a:xfrm>
+                <a:prstGeom prst="rect">
+                  <a:avLst/>
+                </a:prstGeom>
+              </p:spPr>
+            </p:pic>
+            <p:pic>
+              <p:nvPicPr>
+                <p:cNvPr id="70" name="圖片 69" descr="Photoshop 專題 ─ 製作血腥立體網襪腿（？）Part 3：小修飾 ~ Photoshop 私藏筆記"/>
+                <p:cNvPicPr>
+                  <a:picLocks noChangeAspect="1"/>
+                </p:cNvPicPr>
+                <p:nvPr/>
+              </p:nvPicPr>
+              <p:blipFill>
+                <a:blip r:embed="rId4" cstate="print">
+                  <a:duotone>
+                    <a:prstClr val="black"/>
+                    <a:schemeClr val="accent2">
+                      <a:tint val="45000"/>
+                      <a:satMod val="400000"/>
+                    </a:schemeClr>
+                  </a:duotone>
+                  <a:extLst>
+                    <a:ext uri="{BEBA8EAE-BF5A-486C-A8C5-ECC9F3942E4B}">
+                      <a14:imgProps xmlns:a14="http://schemas.microsoft.com/office/drawing/2010/main">
+                        <a14:imgLayer r:embed="rId5">
+                          <a14:imgEffect>
+                            <a14:artisticGlowEdges/>
+                          </a14:imgEffect>
+                        </a14:imgLayer>
+                      </a14:imgProps>
+                    </a:ext>
+                    <a:ext uri="{28A0092B-C50C-407E-A947-70E740481C1C}">
+                      <a14:useLocalDpi xmlns:a14="http://schemas.microsoft.com/office/drawing/2010/main" val="0"/>
+                    </a:ext>
+                  </a:extLst>
+                </a:blip>
+                <a:stretch>
+                  <a:fillRect/>
+                </a:stretch>
+              </p:blipFill>
+              <p:spPr>
+                <a:xfrm rot="5922293">
+                  <a:off x="1257468" y="3767679"/>
+                  <a:ext cx="623761" cy="499009"/>
+                </a:xfrm>
+                <a:prstGeom prst="rect">
+                  <a:avLst/>
+                </a:prstGeom>
+              </p:spPr>
+            </p:pic>
+            <p:pic>
+              <p:nvPicPr>
+                <p:cNvPr id="71" name="圖片 70" descr="Photoshop 專題 ─ 製作血腥立體網襪腿（？）Part 3：小修飾 ~ Photoshop 私藏筆記"/>
+                <p:cNvPicPr>
+                  <a:picLocks noChangeAspect="1"/>
+                </p:cNvPicPr>
+                <p:nvPr/>
+              </p:nvPicPr>
+              <p:blipFill>
+                <a:blip r:embed="rId4" cstate="print">
+                  <a:duotone>
+                    <a:prstClr val="black"/>
+                    <a:schemeClr val="accent2">
+                      <a:tint val="45000"/>
+                      <a:satMod val="400000"/>
+                    </a:schemeClr>
+                  </a:duotone>
+                  <a:extLst>
+                    <a:ext uri="{BEBA8EAE-BF5A-486C-A8C5-ECC9F3942E4B}">
+                      <a14:imgProps xmlns:a14="http://schemas.microsoft.com/office/drawing/2010/main">
+                        <a14:imgLayer r:embed="rId5">
+                          <a14:imgEffect>
+                            <a14:artisticGlowEdges/>
+                          </a14:imgEffect>
+                        </a14:imgLayer>
+                      </a14:imgProps>
+                    </a:ext>
+                    <a:ext uri="{28A0092B-C50C-407E-A947-70E740481C1C}">
+                      <a14:useLocalDpi xmlns:a14="http://schemas.microsoft.com/office/drawing/2010/main" val="0"/>
+                    </a:ext>
+                  </a:extLst>
+                </a:blip>
+                <a:stretch>
+                  <a:fillRect/>
+                </a:stretch>
+              </p:blipFill>
+              <p:spPr>
+                <a:xfrm rot="5208101">
+                  <a:off x="1250874" y="4308306"/>
+                  <a:ext cx="623761" cy="499009"/>
+                </a:xfrm>
+                <a:prstGeom prst="rect">
+                  <a:avLst/>
+                </a:prstGeom>
+              </p:spPr>
+            </p:pic>
+            <p:pic>
+              <p:nvPicPr>
+                <p:cNvPr id="72" name="圖片 71" descr="Photoshop 專題 ─ 製作血腥立體網襪腿（？）Part 3：小修飾 ~ Photoshop 私藏筆記"/>
+                <p:cNvPicPr>
+                  <a:picLocks noChangeAspect="1"/>
+                </p:cNvPicPr>
+                <p:nvPr/>
+              </p:nvPicPr>
+              <p:blipFill>
+                <a:blip r:embed="rId4" cstate="print">
+                  <a:duotone>
+                    <a:prstClr val="black"/>
+                    <a:schemeClr val="accent2">
+                      <a:tint val="45000"/>
+                      <a:satMod val="400000"/>
+                    </a:schemeClr>
+                  </a:duotone>
+                  <a:extLst>
+                    <a:ext uri="{BEBA8EAE-BF5A-486C-A8C5-ECC9F3942E4B}">
+                      <a14:imgProps xmlns:a14="http://schemas.microsoft.com/office/drawing/2010/main">
+                        <a14:imgLayer r:embed="rId5">
+                          <a14:imgEffect>
+                            <a14:artisticGlowEdges/>
+                          </a14:imgEffect>
+                        </a14:imgLayer>
+                      </a14:imgProps>
+                    </a:ext>
+                    <a:ext uri="{28A0092B-C50C-407E-A947-70E740481C1C}">
+                      <a14:useLocalDpi xmlns:a14="http://schemas.microsoft.com/office/drawing/2010/main" val="0"/>
+                    </a:ext>
+                  </a:extLst>
+                </a:blip>
+                <a:stretch>
+                  <a:fillRect/>
+                </a:stretch>
+              </p:blipFill>
+              <p:spPr>
+                <a:xfrm rot="5400000">
+                  <a:off x="1344719" y="3794462"/>
+                  <a:ext cx="623761" cy="499009"/>
+                </a:xfrm>
+                <a:prstGeom prst="rect">
+                  <a:avLst/>
+                </a:prstGeom>
+              </p:spPr>
+            </p:pic>
+            <p:pic>
+              <p:nvPicPr>
+                <p:cNvPr id="73" name="圖片 72" descr="Photoshop 專題 ─ 製作血腥立體網襪腿（？）Part 3：小修飾 ~ Photoshop 私藏筆記"/>
+                <p:cNvPicPr>
+                  <a:picLocks noChangeAspect="1"/>
+                </p:cNvPicPr>
+                <p:nvPr/>
+              </p:nvPicPr>
+              <p:blipFill>
+                <a:blip r:embed="rId4" cstate="print">
+                  <a:duotone>
+                    <a:prstClr val="black"/>
+                    <a:schemeClr val="accent2">
+                      <a:tint val="45000"/>
+                      <a:satMod val="400000"/>
+                    </a:schemeClr>
+                  </a:duotone>
+                  <a:extLst>
+                    <a:ext uri="{BEBA8EAE-BF5A-486C-A8C5-ECC9F3942E4B}">
+                      <a14:imgProps xmlns:a14="http://schemas.microsoft.com/office/drawing/2010/main">
+                        <a14:imgLayer r:embed="rId5">
+                          <a14:imgEffect>
+                            <a14:artisticGlowEdges/>
+                          </a14:imgEffect>
+                        </a14:imgLayer>
+                      </a14:imgProps>
+                    </a:ext>
+                    <a:ext uri="{28A0092B-C50C-407E-A947-70E740481C1C}">
+                      <a14:useLocalDpi xmlns:a14="http://schemas.microsoft.com/office/drawing/2010/main" val="0"/>
+                    </a:ext>
+                  </a:extLst>
+                </a:blip>
+                <a:stretch>
+                  <a:fillRect/>
+                </a:stretch>
+              </p:blipFill>
+              <p:spPr>
+                <a:xfrm rot="5206804">
+                  <a:off x="1281618" y="3200305"/>
+                  <a:ext cx="623761" cy="499009"/>
+                </a:xfrm>
+                <a:prstGeom prst="rect">
+                  <a:avLst/>
+                </a:prstGeom>
+              </p:spPr>
+            </p:pic>
+            <p:pic>
+              <p:nvPicPr>
+                <p:cNvPr id="74" name="圖片 73" descr="Photoshop 專題 ─ 製作血腥立體網襪腿（？）Part 3：小修飾 ~ Photoshop 私藏筆記"/>
+                <p:cNvPicPr>
+                  <a:picLocks noChangeAspect="1"/>
+                </p:cNvPicPr>
+                <p:nvPr/>
+              </p:nvPicPr>
+              <p:blipFill>
+                <a:blip r:embed="rId4" cstate="print">
+                  <a:duotone>
+                    <a:prstClr val="black"/>
+                    <a:schemeClr val="accent2">
+                      <a:tint val="45000"/>
+                      <a:satMod val="400000"/>
+                    </a:schemeClr>
+                  </a:duotone>
+                  <a:extLst>
+                    <a:ext uri="{BEBA8EAE-BF5A-486C-A8C5-ECC9F3942E4B}">
+                      <a14:imgProps xmlns:a14="http://schemas.microsoft.com/office/drawing/2010/main">
+                        <a14:imgLayer r:embed="rId5">
+                          <a14:imgEffect>
+                            <a14:artisticGlowEdges/>
+                          </a14:imgEffect>
+                        </a14:imgLayer>
+                      </a14:imgProps>
+                    </a:ext>
+                    <a:ext uri="{28A0092B-C50C-407E-A947-70E740481C1C}">
+                      <a14:useLocalDpi xmlns:a14="http://schemas.microsoft.com/office/drawing/2010/main" val="0"/>
+                    </a:ext>
+                  </a:extLst>
+                </a:blip>
+                <a:stretch>
+                  <a:fillRect/>
+                </a:stretch>
+              </p:blipFill>
+              <p:spPr>
+                <a:xfrm rot="6198745">
+                  <a:off x="1329604" y="3732049"/>
+                  <a:ext cx="623761" cy="499009"/>
+                </a:xfrm>
+                <a:prstGeom prst="rect">
+                  <a:avLst/>
+                </a:prstGeom>
+              </p:spPr>
+            </p:pic>
+            <p:pic>
+              <p:nvPicPr>
+                <p:cNvPr id="75" name="圖片 74" descr="Photoshop 專題 ─ 製作血腥立體網襪腿（？）Part 3：小修飾 ~ Photoshop 私藏筆記"/>
+                <p:cNvPicPr>
+                  <a:picLocks noChangeAspect="1"/>
+                </p:cNvPicPr>
+                <p:nvPr/>
+              </p:nvPicPr>
+              <p:blipFill>
+                <a:blip r:embed="rId4" cstate="print">
+                  <a:duotone>
+                    <a:prstClr val="black"/>
+                    <a:schemeClr val="accent2">
+                      <a:tint val="45000"/>
+                      <a:satMod val="400000"/>
+                    </a:schemeClr>
+                  </a:duotone>
+                  <a:extLst>
+                    <a:ext uri="{BEBA8EAE-BF5A-486C-A8C5-ECC9F3942E4B}">
+                      <a14:imgProps xmlns:a14="http://schemas.microsoft.com/office/drawing/2010/main">
+                        <a14:imgLayer r:embed="rId5">
+                          <a14:imgEffect>
+                            <a14:artisticGlowEdges/>
+                          </a14:imgEffect>
+                        </a14:imgLayer>
+                      </a14:imgProps>
+                    </a:ext>
+                    <a:ext uri="{28A0092B-C50C-407E-A947-70E740481C1C}">
+                      <a14:useLocalDpi xmlns:a14="http://schemas.microsoft.com/office/drawing/2010/main" val="0"/>
+                    </a:ext>
+                  </a:extLst>
+                </a:blip>
+                <a:stretch>
+                  <a:fillRect/>
+                </a:stretch>
+              </p:blipFill>
+              <p:spPr>
+                <a:xfrm rot="4632731">
+                  <a:off x="1318195" y="4321633"/>
+                  <a:ext cx="623761" cy="499009"/>
+                </a:xfrm>
+                <a:prstGeom prst="rect">
+                  <a:avLst/>
+                </a:prstGeom>
+              </p:spPr>
+            </p:pic>
+            <p:pic>
+              <p:nvPicPr>
+                <p:cNvPr id="76" name="圖片 75" descr="Photoshop 專題 ─ 製作血腥立體網襪腿（？）Part 3：小修飾 ~ Photoshop 私藏筆記"/>
+                <p:cNvPicPr>
+                  <a:picLocks noChangeAspect="1"/>
+                </p:cNvPicPr>
+                <p:nvPr/>
+              </p:nvPicPr>
+              <p:blipFill>
+                <a:blip r:embed="rId4" cstate="print">
+                  <a:duotone>
+                    <a:prstClr val="black"/>
+                    <a:schemeClr val="accent2">
+                      <a:tint val="45000"/>
+                      <a:satMod val="400000"/>
+                    </a:schemeClr>
+                  </a:duotone>
+                  <a:extLst>
+                    <a:ext uri="{BEBA8EAE-BF5A-486C-A8C5-ECC9F3942E4B}">
+                      <a14:imgProps xmlns:a14="http://schemas.microsoft.com/office/drawing/2010/main">
+                        <a14:imgLayer r:embed="rId5">
+                          <a14:imgEffect>
+                            <a14:artisticGlowEdges/>
+                          </a14:imgEffect>
+                        </a14:imgLayer>
+                      </a14:imgProps>
+                    </a:ext>
+                    <a:ext uri="{28A0092B-C50C-407E-A947-70E740481C1C}">
+                      <a14:useLocalDpi xmlns:a14="http://schemas.microsoft.com/office/drawing/2010/main" val="0"/>
+                    </a:ext>
+                  </a:extLst>
+                </a:blip>
+                <a:stretch>
+                  <a:fillRect/>
+                </a:stretch>
+              </p:blipFill>
+              <p:spPr>
+                <a:xfrm rot="5646846">
+                  <a:off x="1318196" y="4321634"/>
+                  <a:ext cx="623761" cy="499009"/>
+                </a:xfrm>
+                <a:prstGeom prst="rect">
+                  <a:avLst/>
+                </a:prstGeom>
+              </p:spPr>
+            </p:pic>
+          </p:grpSp>
+          <p:grpSp>
+            <p:nvGrpSpPr>
+              <p:cNvPr id="58" name="群組 57"/>
+              <p:cNvGrpSpPr/>
+              <p:nvPr/>
+            </p:nvGrpSpPr>
+            <p:grpSpPr>
+              <a:xfrm rot="10800000">
+                <a:off x="6524630" y="5285005"/>
+                <a:ext cx="601849" cy="1758371"/>
+                <a:chOff x="1313250" y="3124648"/>
+                <a:chExt cx="601849" cy="1758371"/>
+              </a:xfrm>
+            </p:grpSpPr>
+            <p:pic>
+              <p:nvPicPr>
+                <p:cNvPr id="59" name="圖片 58" descr="Photoshop 專題 ─ 製作血腥立體網襪腿（？）Part 3：小修飾 ~ Photoshop 私藏筆記"/>
+                <p:cNvPicPr>
+                  <a:picLocks noChangeAspect="1"/>
+                </p:cNvPicPr>
+                <p:nvPr/>
+              </p:nvPicPr>
+              <p:blipFill>
+                <a:blip r:embed="rId4" cstate="print">
+                  <a:duotone>
+                    <a:prstClr val="black"/>
+                    <a:schemeClr val="accent2">
+                      <a:tint val="45000"/>
+                      <a:satMod val="400000"/>
+                    </a:schemeClr>
+                  </a:duotone>
+                  <a:extLst>
+                    <a:ext uri="{BEBA8EAE-BF5A-486C-A8C5-ECC9F3942E4B}">
+                      <a14:imgProps xmlns:a14="http://schemas.microsoft.com/office/drawing/2010/main">
+                        <a14:imgLayer r:embed="rId5">
+                          <a14:imgEffect>
+                            <a14:artisticGlowEdges/>
+                          </a14:imgEffect>
+                        </a14:imgLayer>
+                      </a14:imgProps>
+                    </a:ext>
+                    <a:ext uri="{28A0092B-C50C-407E-A947-70E740481C1C}">
+                      <a14:useLocalDpi xmlns:a14="http://schemas.microsoft.com/office/drawing/2010/main" val="0"/>
+                    </a:ext>
+                  </a:extLst>
+                </a:blip>
+                <a:stretch>
+                  <a:fillRect/>
+                </a:stretch>
+              </p:blipFill>
+              <p:spPr>
+                <a:xfrm rot="4143036">
+                  <a:off x="1275755" y="3224239"/>
+                  <a:ext cx="623761" cy="499009"/>
+                </a:xfrm>
+                <a:prstGeom prst="rect">
+                  <a:avLst/>
+                </a:prstGeom>
+              </p:spPr>
+            </p:pic>
+            <p:pic>
+              <p:nvPicPr>
+                <p:cNvPr id="60" name="圖片 59" descr="Photoshop 專題 ─ 製作血腥立體網襪腿（？）Part 3：小修飾 ~ Photoshop 私藏筆記"/>
+                <p:cNvPicPr>
+                  <a:picLocks noChangeAspect="1"/>
+                </p:cNvPicPr>
+                <p:nvPr/>
+              </p:nvPicPr>
+              <p:blipFill>
+                <a:blip r:embed="rId4" cstate="print">
+                  <a:duotone>
+                    <a:prstClr val="black"/>
+                    <a:schemeClr val="accent2">
+                      <a:tint val="45000"/>
+                      <a:satMod val="400000"/>
+                    </a:schemeClr>
+                  </a:duotone>
+                  <a:extLst>
+                    <a:ext uri="{BEBA8EAE-BF5A-486C-A8C5-ECC9F3942E4B}">
+                      <a14:imgProps xmlns:a14="http://schemas.microsoft.com/office/drawing/2010/main">
+                        <a14:imgLayer r:embed="rId5">
+                          <a14:imgEffect>
+                            <a14:artisticGlowEdges/>
+                          </a14:imgEffect>
+                        </a14:imgLayer>
+                      </a14:imgProps>
+                    </a:ext>
+                    <a:ext uri="{28A0092B-C50C-407E-A947-70E740481C1C}">
+                      <a14:useLocalDpi xmlns:a14="http://schemas.microsoft.com/office/drawing/2010/main" val="0"/>
+                    </a:ext>
+                  </a:extLst>
+                </a:blip>
+                <a:stretch>
+                  <a:fillRect/>
+                </a:stretch>
+              </p:blipFill>
+              <p:spPr>
+                <a:xfrm rot="5580265">
+                  <a:off x="1353714" y="3187024"/>
+                  <a:ext cx="623761" cy="499009"/>
+                </a:xfrm>
+                <a:prstGeom prst="rect">
+                  <a:avLst/>
+                </a:prstGeom>
+              </p:spPr>
+            </p:pic>
+            <p:pic>
+              <p:nvPicPr>
+                <p:cNvPr id="61" name="圖片 60" descr="Photoshop 專題 ─ 製作血腥立體網襪腿（？）Part 3：小修飾 ~ Photoshop 私藏筆記"/>
+                <p:cNvPicPr>
+                  <a:picLocks noChangeAspect="1"/>
+                </p:cNvPicPr>
+                <p:nvPr/>
+              </p:nvPicPr>
+              <p:blipFill>
+                <a:blip r:embed="rId4" cstate="print">
+                  <a:duotone>
+                    <a:prstClr val="black"/>
+                    <a:schemeClr val="accent2">
+                      <a:tint val="45000"/>
+                      <a:satMod val="400000"/>
+                    </a:schemeClr>
+                  </a:duotone>
+                  <a:extLst>
+                    <a:ext uri="{BEBA8EAE-BF5A-486C-A8C5-ECC9F3942E4B}">
+                      <a14:imgProps xmlns:a14="http://schemas.microsoft.com/office/drawing/2010/main">
+                        <a14:imgLayer r:embed="rId5">
+                          <a14:imgEffect>
+                            <a14:artisticGlowEdges/>
+                          </a14:imgEffect>
+                        </a14:imgLayer>
+                      </a14:imgProps>
+                    </a:ext>
+                    <a:ext uri="{28A0092B-C50C-407E-A947-70E740481C1C}">
+                      <a14:useLocalDpi xmlns:a14="http://schemas.microsoft.com/office/drawing/2010/main" val="0"/>
+                    </a:ext>
+                  </a:extLst>
+                </a:blip>
+                <a:stretch>
+                  <a:fillRect/>
+                </a:stretch>
+              </p:blipFill>
+              <p:spPr>
+                <a:xfrm rot="5922293">
+                  <a:off x="1257468" y="3767679"/>
+                  <a:ext cx="623761" cy="499009"/>
+                </a:xfrm>
+                <a:prstGeom prst="rect">
+                  <a:avLst/>
+                </a:prstGeom>
+              </p:spPr>
+            </p:pic>
+            <p:pic>
+              <p:nvPicPr>
+                <p:cNvPr id="62" name="圖片 61" descr="Photoshop 專題 ─ 製作血腥立體網襪腿（？）Part 3：小修飾 ~ Photoshop 私藏筆記"/>
+                <p:cNvPicPr>
+                  <a:picLocks noChangeAspect="1"/>
+                </p:cNvPicPr>
+                <p:nvPr/>
+              </p:nvPicPr>
+              <p:blipFill>
+                <a:blip r:embed="rId4" cstate="print">
+                  <a:duotone>
+                    <a:prstClr val="black"/>
+                    <a:schemeClr val="accent2">
+                      <a:tint val="45000"/>
+                      <a:satMod val="400000"/>
+                    </a:schemeClr>
+                  </a:duotone>
+                  <a:extLst>
+                    <a:ext uri="{BEBA8EAE-BF5A-486C-A8C5-ECC9F3942E4B}">
+                      <a14:imgProps xmlns:a14="http://schemas.microsoft.com/office/drawing/2010/main">
+                        <a14:imgLayer r:embed="rId5">
+                          <a14:imgEffect>
+                            <a14:artisticGlowEdges/>
+                          </a14:imgEffect>
+                        </a14:imgLayer>
+                      </a14:imgProps>
+                    </a:ext>
+                    <a:ext uri="{28A0092B-C50C-407E-A947-70E740481C1C}">
+                      <a14:useLocalDpi xmlns:a14="http://schemas.microsoft.com/office/drawing/2010/main" val="0"/>
+                    </a:ext>
+                  </a:extLst>
+                </a:blip>
+                <a:stretch>
+                  <a:fillRect/>
+                </a:stretch>
+              </p:blipFill>
+              <p:spPr>
+                <a:xfrm rot="5208101">
+                  <a:off x="1250874" y="4308306"/>
+                  <a:ext cx="623761" cy="499009"/>
+                </a:xfrm>
+                <a:prstGeom prst="rect">
+                  <a:avLst/>
+                </a:prstGeom>
+              </p:spPr>
+            </p:pic>
+            <p:pic>
+              <p:nvPicPr>
+                <p:cNvPr id="63" name="圖片 62" descr="Photoshop 專題 ─ 製作血腥立體網襪腿（？）Part 3：小修飾 ~ Photoshop 私藏筆記"/>
+                <p:cNvPicPr>
+                  <a:picLocks noChangeAspect="1"/>
+                </p:cNvPicPr>
+                <p:nvPr/>
+              </p:nvPicPr>
+              <p:blipFill>
+                <a:blip r:embed="rId4" cstate="print">
+                  <a:duotone>
+                    <a:prstClr val="black"/>
+                    <a:schemeClr val="accent2">
+                      <a:tint val="45000"/>
+                      <a:satMod val="400000"/>
+                    </a:schemeClr>
+                  </a:duotone>
+                  <a:extLst>
+                    <a:ext uri="{BEBA8EAE-BF5A-486C-A8C5-ECC9F3942E4B}">
+                      <a14:imgProps xmlns:a14="http://schemas.microsoft.com/office/drawing/2010/main">
+                        <a14:imgLayer r:embed="rId5">
+                          <a14:imgEffect>
+                            <a14:artisticGlowEdges/>
+                          </a14:imgEffect>
+                        </a14:imgLayer>
+                      </a14:imgProps>
+                    </a:ext>
+                    <a:ext uri="{28A0092B-C50C-407E-A947-70E740481C1C}">
+                      <a14:useLocalDpi xmlns:a14="http://schemas.microsoft.com/office/drawing/2010/main" val="0"/>
+                    </a:ext>
+                  </a:extLst>
+                </a:blip>
+                <a:stretch>
+                  <a:fillRect/>
+                </a:stretch>
+              </p:blipFill>
+              <p:spPr>
+                <a:xfrm rot="5400000">
+                  <a:off x="1344719" y="3794462"/>
+                  <a:ext cx="623761" cy="499009"/>
+                </a:xfrm>
+                <a:prstGeom prst="rect">
+                  <a:avLst/>
+                </a:prstGeom>
+              </p:spPr>
+            </p:pic>
+            <p:pic>
+              <p:nvPicPr>
+                <p:cNvPr id="64" name="圖片 63" descr="Photoshop 專題 ─ 製作血腥立體網襪腿（？）Part 3：小修飾 ~ Photoshop 私藏筆記"/>
+                <p:cNvPicPr>
+                  <a:picLocks noChangeAspect="1"/>
+                </p:cNvPicPr>
+                <p:nvPr/>
+              </p:nvPicPr>
+              <p:blipFill>
+                <a:blip r:embed="rId4" cstate="print">
+                  <a:duotone>
+                    <a:prstClr val="black"/>
+                    <a:schemeClr val="accent2">
+                      <a:tint val="45000"/>
+                      <a:satMod val="400000"/>
+                    </a:schemeClr>
+                  </a:duotone>
+                  <a:extLst>
+                    <a:ext uri="{BEBA8EAE-BF5A-486C-A8C5-ECC9F3942E4B}">
+                      <a14:imgProps xmlns:a14="http://schemas.microsoft.com/office/drawing/2010/main">
+                        <a14:imgLayer r:embed="rId5">
+                          <a14:imgEffect>
+                            <a14:artisticGlowEdges/>
+                          </a14:imgEffect>
+                        </a14:imgLayer>
+                      </a14:imgProps>
+                    </a:ext>
+                    <a:ext uri="{28A0092B-C50C-407E-A947-70E740481C1C}">
+                      <a14:useLocalDpi xmlns:a14="http://schemas.microsoft.com/office/drawing/2010/main" val="0"/>
+                    </a:ext>
+                  </a:extLst>
+                </a:blip>
+                <a:stretch>
+                  <a:fillRect/>
+                </a:stretch>
+              </p:blipFill>
+              <p:spPr>
+                <a:xfrm rot="5206804">
+                  <a:off x="1281618" y="3200305"/>
+                  <a:ext cx="623761" cy="499009"/>
+                </a:xfrm>
+                <a:prstGeom prst="rect">
+                  <a:avLst/>
+                </a:prstGeom>
+              </p:spPr>
+            </p:pic>
+            <p:pic>
+              <p:nvPicPr>
+                <p:cNvPr id="65" name="圖片 64" descr="Photoshop 專題 ─ 製作血腥立體網襪腿（？）Part 3：小修飾 ~ Photoshop 私藏筆記"/>
+                <p:cNvPicPr>
+                  <a:picLocks noChangeAspect="1"/>
+                </p:cNvPicPr>
+                <p:nvPr/>
+              </p:nvPicPr>
+              <p:blipFill>
+                <a:blip r:embed="rId4" cstate="print">
+                  <a:duotone>
+                    <a:prstClr val="black"/>
+                    <a:schemeClr val="accent2">
+                      <a:tint val="45000"/>
+                      <a:satMod val="400000"/>
+                    </a:schemeClr>
+                  </a:duotone>
+                  <a:extLst>
+                    <a:ext uri="{BEBA8EAE-BF5A-486C-A8C5-ECC9F3942E4B}">
+                      <a14:imgProps xmlns:a14="http://schemas.microsoft.com/office/drawing/2010/main">
+                        <a14:imgLayer r:embed="rId5">
+                          <a14:imgEffect>
+                            <a14:artisticGlowEdges/>
+                          </a14:imgEffect>
+                        </a14:imgLayer>
+                      </a14:imgProps>
+                    </a:ext>
+                    <a:ext uri="{28A0092B-C50C-407E-A947-70E740481C1C}">
+                      <a14:useLocalDpi xmlns:a14="http://schemas.microsoft.com/office/drawing/2010/main" val="0"/>
+                    </a:ext>
+                  </a:extLst>
+                </a:blip>
+                <a:stretch>
+                  <a:fillRect/>
+                </a:stretch>
+              </p:blipFill>
+              <p:spPr>
+                <a:xfrm rot="6198745">
+                  <a:off x="1329604" y="3732049"/>
+                  <a:ext cx="623761" cy="499009"/>
+                </a:xfrm>
+                <a:prstGeom prst="rect">
+                  <a:avLst/>
+                </a:prstGeom>
+              </p:spPr>
+            </p:pic>
+            <p:pic>
+              <p:nvPicPr>
+                <p:cNvPr id="66" name="圖片 65" descr="Photoshop 專題 ─ 製作血腥立體網襪腿（？）Part 3：小修飾 ~ Photoshop 私藏筆記"/>
+                <p:cNvPicPr>
+                  <a:picLocks noChangeAspect="1"/>
+                </p:cNvPicPr>
+                <p:nvPr/>
+              </p:nvPicPr>
+              <p:blipFill>
+                <a:blip r:embed="rId4" cstate="print">
+                  <a:duotone>
+                    <a:prstClr val="black"/>
+                    <a:schemeClr val="accent2">
+                      <a:tint val="45000"/>
+                      <a:satMod val="400000"/>
+                    </a:schemeClr>
+                  </a:duotone>
+                  <a:extLst>
+                    <a:ext uri="{BEBA8EAE-BF5A-486C-A8C5-ECC9F3942E4B}">
+                      <a14:imgProps xmlns:a14="http://schemas.microsoft.com/office/drawing/2010/main">
+                        <a14:imgLayer r:embed="rId5">
+                          <a14:imgEffect>
+                            <a14:artisticGlowEdges/>
+                          </a14:imgEffect>
+                        </a14:imgLayer>
+                      </a14:imgProps>
+                    </a:ext>
+                    <a:ext uri="{28A0092B-C50C-407E-A947-70E740481C1C}">
+                      <a14:useLocalDpi xmlns:a14="http://schemas.microsoft.com/office/drawing/2010/main" val="0"/>
+                    </a:ext>
+                  </a:extLst>
+                </a:blip>
+                <a:stretch>
+                  <a:fillRect/>
+                </a:stretch>
+              </p:blipFill>
+              <p:spPr>
+                <a:xfrm rot="4632731">
+                  <a:off x="1318195" y="4321633"/>
+                  <a:ext cx="623761" cy="499009"/>
+                </a:xfrm>
+                <a:prstGeom prst="rect">
+                  <a:avLst/>
+                </a:prstGeom>
+              </p:spPr>
+            </p:pic>
+            <p:pic>
+              <p:nvPicPr>
+                <p:cNvPr id="67" name="圖片 66" descr="Photoshop 專題 ─ 製作血腥立體網襪腿（？）Part 3：小修飾 ~ Photoshop 私藏筆記"/>
+                <p:cNvPicPr>
+                  <a:picLocks noChangeAspect="1"/>
+                </p:cNvPicPr>
+                <p:nvPr/>
+              </p:nvPicPr>
+              <p:blipFill>
+                <a:blip r:embed="rId4" cstate="print">
+                  <a:duotone>
+                    <a:prstClr val="black"/>
+                    <a:schemeClr val="accent2">
+                      <a:tint val="45000"/>
+                      <a:satMod val="400000"/>
+                    </a:schemeClr>
+                  </a:duotone>
+                  <a:extLst>
+                    <a:ext uri="{BEBA8EAE-BF5A-486C-A8C5-ECC9F3942E4B}">
+                      <a14:imgProps xmlns:a14="http://schemas.microsoft.com/office/drawing/2010/main">
+                        <a14:imgLayer r:embed="rId5">
+                          <a14:imgEffect>
+                            <a14:artisticGlowEdges/>
+                          </a14:imgEffect>
+                        </a14:imgLayer>
+                      </a14:imgProps>
+                    </a:ext>
+                    <a:ext uri="{28A0092B-C50C-407E-A947-70E740481C1C}">
+                      <a14:useLocalDpi xmlns:a14="http://schemas.microsoft.com/office/drawing/2010/main" val="0"/>
+                    </a:ext>
+                  </a:extLst>
+                </a:blip>
+                <a:stretch>
+                  <a:fillRect/>
+                </a:stretch>
+              </p:blipFill>
+              <p:spPr>
+                <a:xfrm rot="5646846">
+                  <a:off x="1318196" y="4321634"/>
+                  <a:ext cx="623761" cy="499009"/>
+                </a:xfrm>
+                <a:prstGeom prst="rect">
+                  <a:avLst/>
+                </a:prstGeom>
+              </p:spPr>
+            </p:pic>
+          </p:grpSp>
+        </p:grpSp>
+        <p:grpSp>
+          <p:nvGrpSpPr>
+            <p:cNvPr id="96" name="群組 95"/>
+            <p:cNvGrpSpPr/>
+            <p:nvPr/>
+          </p:nvGrpSpPr>
+          <p:grpSpPr>
+            <a:xfrm rot="5400000">
+              <a:off x="7287265" y="6205971"/>
+              <a:ext cx="601849" cy="1758371"/>
+              <a:chOff x="1313250" y="3124648"/>
+              <a:chExt cx="601849" cy="1758371"/>
+            </a:xfrm>
+          </p:grpSpPr>
+          <p:pic>
+            <p:nvPicPr>
+              <p:cNvPr id="127" name="圖片 126" descr="Photoshop 專題 ─ 製作血腥立體網襪腿（？）Part 3：小修飾 ~ Photoshop 私藏筆記"/>
+              <p:cNvPicPr>
+                <a:picLocks noChangeAspect="1"/>
+              </p:cNvPicPr>
+              <p:nvPr/>
+            </p:nvPicPr>
+            <p:blipFill>
+              <a:blip r:embed="rId4" cstate="print">
+                <a:duotone>
+                  <a:prstClr val="black"/>
+                  <a:schemeClr val="accent2">
+                    <a:tint val="45000"/>
+                    <a:satMod val="400000"/>
+                  </a:schemeClr>
+                </a:duotone>
+                <a:extLst>
+                  <a:ext uri="{BEBA8EAE-BF5A-486C-A8C5-ECC9F3942E4B}">
+                    <a14:imgProps xmlns:a14="http://schemas.microsoft.com/office/drawing/2010/main">
+                      <a14:imgLayer r:embed="rId5">
+                        <a14:imgEffect>
+                          <a14:artisticGlowEdges/>
+                        </a14:imgEffect>
+                      </a14:imgLayer>
+                    </a14:imgProps>
+                  </a:ext>
+                  <a:ext uri="{28A0092B-C50C-407E-A947-70E740481C1C}">
+                    <a14:useLocalDpi xmlns:a14="http://schemas.microsoft.com/office/drawing/2010/main" val="0"/>
+                  </a:ext>
+                </a:extLst>
+              </a:blip>
+              <a:stretch>
+                <a:fillRect/>
+              </a:stretch>
+            </p:blipFill>
+            <p:spPr>
+              <a:xfrm rot="4143036">
+                <a:off x="1275755" y="3224239"/>
+                <a:ext cx="623761" cy="499009"/>
+              </a:xfrm>
+              <a:prstGeom prst="rect">
+                <a:avLst/>
+              </a:prstGeom>
+            </p:spPr>
+          </p:pic>
+          <p:pic>
+            <p:nvPicPr>
+              <p:cNvPr id="128" name="圖片 127" descr="Photoshop 專題 ─ 製作血腥立體網襪腿（？）Part 3：小修飾 ~ Photoshop 私藏筆記"/>
+              <p:cNvPicPr>
+                <a:picLocks noChangeAspect="1"/>
+              </p:cNvPicPr>
+              <p:nvPr/>
+            </p:nvPicPr>
+            <p:blipFill>
+              <a:blip r:embed="rId4" cstate="print">
+                <a:duotone>
+                  <a:prstClr val="black"/>
+                  <a:schemeClr val="accent2">
+                    <a:tint val="45000"/>
+                    <a:satMod val="400000"/>
+                  </a:schemeClr>
+                </a:duotone>
+                <a:extLst>
+                  <a:ext uri="{BEBA8EAE-BF5A-486C-A8C5-ECC9F3942E4B}">
+                    <a14:imgProps xmlns:a14="http://schemas.microsoft.com/office/drawing/2010/main">
+                      <a14:imgLayer r:embed="rId5">
+                        <a14:imgEffect>
+                          <a14:artisticGlowEdges/>
+                        </a14:imgEffect>
+                      </a14:imgLayer>
+                    </a14:imgProps>
+                  </a:ext>
+                  <a:ext uri="{28A0092B-C50C-407E-A947-70E740481C1C}">
+                    <a14:useLocalDpi xmlns:a14="http://schemas.microsoft.com/office/drawing/2010/main" val="0"/>
+                  </a:ext>
+                </a:extLst>
+              </a:blip>
+              <a:stretch>
+                <a:fillRect/>
+              </a:stretch>
+            </p:blipFill>
+            <p:spPr>
+              <a:xfrm rot="5580265">
+                <a:off x="1353714" y="3187024"/>
+                <a:ext cx="623761" cy="499009"/>
+              </a:xfrm>
+              <a:prstGeom prst="rect">
+                <a:avLst/>
+              </a:prstGeom>
+            </p:spPr>
+          </p:pic>
+          <p:pic>
+            <p:nvPicPr>
+              <p:cNvPr id="129" name="圖片 128" descr="Photoshop 專題 ─ 製作血腥立體網襪腿（？）Part 3：小修飾 ~ Photoshop 私藏筆記"/>
+              <p:cNvPicPr>
+                <a:picLocks noChangeAspect="1"/>
+              </p:cNvPicPr>
+              <p:nvPr/>
+            </p:nvPicPr>
+            <p:blipFill>
+              <a:blip r:embed="rId4" cstate="print">
+                <a:duotone>
+                  <a:prstClr val="black"/>
+                  <a:schemeClr val="accent2">
+                    <a:tint val="45000"/>
+                    <a:satMod val="400000"/>
+                  </a:schemeClr>
+                </a:duotone>
+                <a:extLst>
+                  <a:ext uri="{BEBA8EAE-BF5A-486C-A8C5-ECC9F3942E4B}">
+                    <a14:imgProps xmlns:a14="http://schemas.microsoft.com/office/drawing/2010/main">
+                      <a14:imgLayer r:embed="rId5">
+                        <a14:imgEffect>
+                          <a14:artisticGlowEdges/>
+                        </a14:imgEffect>
+                      </a14:imgLayer>
+                    </a14:imgProps>
+                  </a:ext>
+                  <a:ext uri="{28A0092B-C50C-407E-A947-70E740481C1C}">
+                    <a14:useLocalDpi xmlns:a14="http://schemas.microsoft.com/office/drawing/2010/main" val="0"/>
+                  </a:ext>
+                </a:extLst>
+              </a:blip>
+              <a:stretch>
+                <a:fillRect/>
+              </a:stretch>
+            </p:blipFill>
+            <p:spPr>
+              <a:xfrm rot="5922293">
+                <a:off x="1257468" y="3767679"/>
+                <a:ext cx="623761" cy="499009"/>
+              </a:xfrm>
+              <a:prstGeom prst="rect">
+                <a:avLst/>
+              </a:prstGeom>
+            </p:spPr>
+          </p:pic>
+          <p:pic>
+            <p:nvPicPr>
+              <p:cNvPr id="130" name="圖片 129" descr="Photoshop 專題 ─ 製作血腥立體網襪腿（？）Part 3：小修飾 ~ Photoshop 私藏筆記"/>
+              <p:cNvPicPr>
+                <a:picLocks noChangeAspect="1"/>
+              </p:cNvPicPr>
+              <p:nvPr/>
+            </p:nvPicPr>
+            <p:blipFill>
+              <a:blip r:embed="rId4" cstate="print">
+                <a:duotone>
+                  <a:prstClr val="black"/>
+                  <a:schemeClr val="accent2">
+                    <a:tint val="45000"/>
+                    <a:satMod val="400000"/>
+                  </a:schemeClr>
+                </a:duotone>
+                <a:extLst>
+                  <a:ext uri="{BEBA8EAE-BF5A-486C-A8C5-ECC9F3942E4B}">
+                    <a14:imgProps xmlns:a14="http://schemas.microsoft.com/office/drawing/2010/main">
+                      <a14:imgLayer r:embed="rId5">
+                        <a14:imgEffect>
+                          <a14:artisticGlowEdges/>
+                        </a14:imgEffect>
+                      </a14:imgLayer>
+                    </a14:imgProps>
+                  </a:ext>
+                  <a:ext uri="{28A0092B-C50C-407E-A947-70E740481C1C}">
+                    <a14:useLocalDpi xmlns:a14="http://schemas.microsoft.com/office/drawing/2010/main" val="0"/>
+                  </a:ext>
+                </a:extLst>
+              </a:blip>
+              <a:stretch>
+                <a:fillRect/>
+              </a:stretch>
+            </p:blipFill>
+            <p:spPr>
+              <a:xfrm rot="5208101">
+                <a:off x="1250874" y="4308306"/>
+                <a:ext cx="623761" cy="499009"/>
+              </a:xfrm>
+              <a:prstGeom prst="rect">
+                <a:avLst/>
+              </a:prstGeom>
+            </p:spPr>
+          </p:pic>
+          <p:pic>
+            <p:nvPicPr>
+              <p:cNvPr id="131" name="圖片 130" descr="Photoshop 專題 ─ 製作血腥立體網襪腿（？）Part 3：小修飾 ~ Photoshop 私藏筆記"/>
+              <p:cNvPicPr>
+                <a:picLocks noChangeAspect="1"/>
+              </p:cNvPicPr>
+              <p:nvPr/>
+            </p:nvPicPr>
+            <p:blipFill>
+              <a:blip r:embed="rId4" cstate="print">
+                <a:duotone>
+                  <a:prstClr val="black"/>
+                  <a:schemeClr val="accent2">
+                    <a:tint val="45000"/>
+                    <a:satMod val="400000"/>
+                  </a:schemeClr>
+                </a:duotone>
+                <a:extLst>
+                  <a:ext uri="{BEBA8EAE-BF5A-486C-A8C5-ECC9F3942E4B}">
+                    <a14:imgProps xmlns:a14="http://schemas.microsoft.com/office/drawing/2010/main">
+                      <a14:imgLayer r:embed="rId5">
+                        <a14:imgEffect>
+                          <a14:artisticGlowEdges/>
+                        </a14:imgEffect>
+                      </a14:imgLayer>
+                    </a14:imgProps>
+                  </a:ext>
+                  <a:ext uri="{28A0092B-C50C-407E-A947-70E740481C1C}">
+                    <a14:useLocalDpi xmlns:a14="http://schemas.microsoft.com/office/drawing/2010/main" val="0"/>
+                  </a:ext>
+                </a:extLst>
+              </a:blip>
+              <a:stretch>
+                <a:fillRect/>
+              </a:stretch>
+            </p:blipFill>
+            <p:spPr>
+              <a:xfrm rot="5400000">
+                <a:off x="1344719" y="3794462"/>
+                <a:ext cx="623761" cy="499009"/>
+              </a:xfrm>
+              <a:prstGeom prst="rect">
+                <a:avLst/>
+              </a:prstGeom>
+            </p:spPr>
+          </p:pic>
+          <p:pic>
+            <p:nvPicPr>
+              <p:cNvPr id="132" name="圖片 131" descr="Photoshop 專題 ─ 製作血腥立體網襪腿（？）Part 3：小修飾 ~ Photoshop 私藏筆記"/>
+              <p:cNvPicPr>
+                <a:picLocks noChangeAspect="1"/>
+              </p:cNvPicPr>
+              <p:nvPr/>
+            </p:nvPicPr>
+            <p:blipFill>
+              <a:blip r:embed="rId4" cstate="print">
+                <a:duotone>
+                  <a:prstClr val="black"/>
+                  <a:schemeClr val="accent2">
+                    <a:tint val="45000"/>
+                    <a:satMod val="400000"/>
+                  </a:schemeClr>
+                </a:duotone>
+                <a:extLst>
+                  <a:ext uri="{BEBA8EAE-BF5A-486C-A8C5-ECC9F3942E4B}">
+                    <a14:imgProps xmlns:a14="http://schemas.microsoft.com/office/drawing/2010/main">
+                      <a14:imgLayer r:embed="rId5">
+                        <a14:imgEffect>
+                          <a14:artisticGlowEdges/>
+                        </a14:imgEffect>
+                      </a14:imgLayer>
+                    </a14:imgProps>
+                  </a:ext>
+                  <a:ext uri="{28A0092B-C50C-407E-A947-70E740481C1C}">
+                    <a14:useLocalDpi xmlns:a14="http://schemas.microsoft.com/office/drawing/2010/main" val="0"/>
+                  </a:ext>
+                </a:extLst>
+              </a:blip>
+              <a:stretch>
+                <a:fillRect/>
+              </a:stretch>
+            </p:blipFill>
+            <p:spPr>
+              <a:xfrm rot="5206804">
+                <a:off x="1281618" y="3200305"/>
+                <a:ext cx="623761" cy="499009"/>
+              </a:xfrm>
+              <a:prstGeom prst="rect">
+                <a:avLst/>
+              </a:prstGeom>
+            </p:spPr>
+          </p:pic>
+          <p:pic>
+            <p:nvPicPr>
+              <p:cNvPr id="133" name="圖片 132" descr="Photoshop 專題 ─ 製作血腥立體網襪腿（？）Part 3：小修飾 ~ Photoshop 私藏筆記"/>
+              <p:cNvPicPr>
+                <a:picLocks noChangeAspect="1"/>
+              </p:cNvPicPr>
+              <p:nvPr/>
+            </p:nvPicPr>
+            <p:blipFill>
+              <a:blip r:embed="rId4" cstate="print">
+                <a:duotone>
+                  <a:prstClr val="black"/>
+                  <a:schemeClr val="accent2">
+                    <a:tint val="45000"/>
+                    <a:satMod val="400000"/>
+                  </a:schemeClr>
+                </a:duotone>
+                <a:extLst>
+                  <a:ext uri="{BEBA8EAE-BF5A-486C-A8C5-ECC9F3942E4B}">
+                    <a14:imgProps xmlns:a14="http://schemas.microsoft.com/office/drawing/2010/main">
+                      <a14:imgLayer r:embed="rId5">
+                        <a14:imgEffect>
+                          <a14:artisticGlowEdges/>
+                        </a14:imgEffect>
+                      </a14:imgLayer>
+                    </a14:imgProps>
+                  </a:ext>
+                  <a:ext uri="{28A0092B-C50C-407E-A947-70E740481C1C}">
+                    <a14:useLocalDpi xmlns:a14="http://schemas.microsoft.com/office/drawing/2010/main" val="0"/>
+                  </a:ext>
+                </a:extLst>
+              </a:blip>
+              <a:stretch>
+                <a:fillRect/>
+              </a:stretch>
+            </p:blipFill>
+            <p:spPr>
+              <a:xfrm rot="6198745">
+                <a:off x="1329604" y="3732049"/>
+                <a:ext cx="623761" cy="499009"/>
+              </a:xfrm>
+              <a:prstGeom prst="rect">
+                <a:avLst/>
+              </a:prstGeom>
+            </p:spPr>
+          </p:pic>
+          <p:pic>
+            <p:nvPicPr>
+              <p:cNvPr id="134" name="圖片 133" descr="Photoshop 專題 ─ 製作血腥立體網襪腿（？）Part 3：小修飾 ~ Photoshop 私藏筆記"/>
+              <p:cNvPicPr>
+                <a:picLocks noChangeAspect="1"/>
+              </p:cNvPicPr>
+              <p:nvPr/>
+            </p:nvPicPr>
+            <p:blipFill>
+              <a:blip r:embed="rId4" cstate="print">
+                <a:duotone>
+                  <a:prstClr val="black"/>
+                  <a:schemeClr val="accent2">
+                    <a:tint val="45000"/>
+                    <a:satMod val="400000"/>
+                  </a:schemeClr>
+                </a:duotone>
+                <a:extLst>
+                  <a:ext uri="{BEBA8EAE-BF5A-486C-A8C5-ECC9F3942E4B}">
+                    <a14:imgProps xmlns:a14="http://schemas.microsoft.com/office/drawing/2010/main">
+                      <a14:imgLayer r:embed="rId5">
+                        <a14:imgEffect>
+                          <a14:artisticGlowEdges/>
+                        </a14:imgEffect>
+                      </a14:imgLayer>
+                    </a14:imgProps>
+                  </a:ext>
+                  <a:ext uri="{28A0092B-C50C-407E-A947-70E740481C1C}">
+                    <a14:useLocalDpi xmlns:a14="http://schemas.microsoft.com/office/drawing/2010/main" val="0"/>
+                  </a:ext>
+                </a:extLst>
+              </a:blip>
+              <a:stretch>
+                <a:fillRect/>
+              </a:stretch>
+            </p:blipFill>
+            <p:spPr>
+              <a:xfrm rot="4632731">
+                <a:off x="1318195" y="4321633"/>
+                <a:ext cx="623761" cy="499009"/>
+              </a:xfrm>
+              <a:prstGeom prst="rect">
+                <a:avLst/>
+              </a:prstGeom>
+            </p:spPr>
+          </p:pic>
+          <p:pic>
+            <p:nvPicPr>
+              <p:cNvPr id="135" name="圖片 134" descr="Photoshop 專題 ─ 製作血腥立體網襪腿（？）Part 3：小修飾 ~ Photoshop 私藏筆記"/>
+              <p:cNvPicPr>
+                <a:picLocks noChangeAspect="1"/>
+              </p:cNvPicPr>
+              <p:nvPr/>
+            </p:nvPicPr>
+            <p:blipFill>
+              <a:blip r:embed="rId4" cstate="print">
+                <a:duotone>
+                  <a:prstClr val="black"/>
+                  <a:schemeClr val="accent2">
+                    <a:tint val="45000"/>
+                    <a:satMod val="400000"/>
+                  </a:schemeClr>
+                </a:duotone>
+                <a:extLst>
+                  <a:ext uri="{BEBA8EAE-BF5A-486C-A8C5-ECC9F3942E4B}">
+                    <a14:imgProps xmlns:a14="http://schemas.microsoft.com/office/drawing/2010/main">
+                      <a14:imgLayer r:embed="rId5">
+                        <a14:imgEffect>
+                          <a14:artisticGlowEdges/>
+                        </a14:imgEffect>
+                      </a14:imgLayer>
+                    </a14:imgProps>
+                  </a:ext>
+                  <a:ext uri="{28A0092B-C50C-407E-A947-70E740481C1C}">
+                    <a14:useLocalDpi xmlns:a14="http://schemas.microsoft.com/office/drawing/2010/main" val="0"/>
+                  </a:ext>
+                </a:extLst>
+              </a:blip>
+              <a:stretch>
+                <a:fillRect/>
+              </a:stretch>
+            </p:blipFill>
+            <p:spPr>
+              <a:xfrm rot="5646846">
+                <a:off x="1318196" y="4321634"/>
+                <a:ext cx="623761" cy="499009"/>
+              </a:xfrm>
+              <a:prstGeom prst="rect">
+                <a:avLst/>
+              </a:prstGeom>
+            </p:spPr>
+          </p:pic>
+        </p:grpSp>
+        <p:grpSp>
+          <p:nvGrpSpPr>
+            <p:cNvPr id="97" name="群組 96"/>
+            <p:cNvGrpSpPr/>
+            <p:nvPr/>
+          </p:nvGrpSpPr>
+          <p:grpSpPr>
+            <a:xfrm rot="16200000">
+              <a:off x="9890812" y="6190148"/>
+              <a:ext cx="601849" cy="1747131"/>
+              <a:chOff x="1313250" y="3124648"/>
+              <a:chExt cx="601849" cy="1758371"/>
+            </a:xfrm>
+          </p:grpSpPr>
+          <p:pic>
+            <p:nvPicPr>
+              <p:cNvPr id="118" name="圖片 117" descr="Photoshop 專題 ─ 製作血腥立體網襪腿（？）Part 3：小修飾 ~ Photoshop 私藏筆記"/>
+              <p:cNvPicPr>
+                <a:picLocks noChangeAspect="1"/>
+              </p:cNvPicPr>
+              <p:nvPr/>
+            </p:nvPicPr>
+            <p:blipFill>
+              <a:blip r:embed="rId6" cstate="print">
+                <a:duotone>
+                  <a:prstClr val="black"/>
+                  <a:schemeClr val="accent2">
+                    <a:tint val="45000"/>
+                    <a:satMod val="400000"/>
+                  </a:schemeClr>
+                </a:duotone>
+                <a:extLst>
+                  <a:ext uri="{BEBA8EAE-BF5A-486C-A8C5-ECC9F3942E4B}">
+                    <a14:imgProps xmlns:a14="http://schemas.microsoft.com/office/drawing/2010/main">
+                      <a14:imgLayer r:embed="rId7">
+                        <a14:imgEffect>
+                          <a14:artisticGlowEdges/>
+                        </a14:imgEffect>
+                      </a14:imgLayer>
+                    </a14:imgProps>
+                  </a:ext>
+                  <a:ext uri="{28A0092B-C50C-407E-A947-70E740481C1C}">
+                    <a14:useLocalDpi xmlns:a14="http://schemas.microsoft.com/office/drawing/2010/main" val="0"/>
+                  </a:ext>
+                </a:extLst>
+              </a:blip>
+              <a:stretch>
+                <a:fillRect/>
+              </a:stretch>
+            </p:blipFill>
+            <p:spPr>
+              <a:xfrm rot="4143036">
+                <a:off x="1275755" y="3224239"/>
+                <a:ext cx="623761" cy="499009"/>
+              </a:xfrm>
+              <a:prstGeom prst="rect">
+                <a:avLst/>
+              </a:prstGeom>
+            </p:spPr>
+          </p:pic>
+          <p:pic>
+            <p:nvPicPr>
+              <p:cNvPr id="119" name="圖片 118" descr="Photoshop 專題 ─ 製作血腥立體網襪腿（？）Part 3：小修飾 ~ Photoshop 私藏筆記"/>
+              <p:cNvPicPr>
+                <a:picLocks noChangeAspect="1"/>
+              </p:cNvPicPr>
+              <p:nvPr/>
+            </p:nvPicPr>
+            <p:blipFill>
+              <a:blip r:embed="rId6" cstate="print">
+                <a:duotone>
+                  <a:prstClr val="black"/>
+                  <a:schemeClr val="accent2">
+                    <a:tint val="45000"/>
+                    <a:satMod val="400000"/>
+                  </a:schemeClr>
+                </a:duotone>
+                <a:extLst>
+                  <a:ext uri="{BEBA8EAE-BF5A-486C-A8C5-ECC9F3942E4B}">
+                    <a14:imgProps xmlns:a14="http://schemas.microsoft.com/office/drawing/2010/main">
+                      <a14:imgLayer r:embed="rId7">
+                        <a14:imgEffect>
+                          <a14:artisticGlowEdges/>
+                        </a14:imgEffect>
+                      </a14:imgLayer>
+                    </a14:imgProps>
+                  </a:ext>
+                  <a:ext uri="{28A0092B-C50C-407E-A947-70E740481C1C}">
+                    <a14:useLocalDpi xmlns:a14="http://schemas.microsoft.com/office/drawing/2010/main" val="0"/>
+                  </a:ext>
+                </a:extLst>
+              </a:blip>
+              <a:stretch>
+                <a:fillRect/>
+              </a:stretch>
+            </p:blipFill>
+            <p:spPr>
+              <a:xfrm rot="5580265">
+                <a:off x="1353714" y="3187024"/>
+                <a:ext cx="623761" cy="499009"/>
+              </a:xfrm>
+              <a:prstGeom prst="rect">
+                <a:avLst/>
+              </a:prstGeom>
+            </p:spPr>
+          </p:pic>
+          <p:pic>
+            <p:nvPicPr>
+              <p:cNvPr id="120" name="圖片 119" descr="Photoshop 專題 ─ 製作血腥立體網襪腿（？）Part 3：小修飾 ~ Photoshop 私藏筆記"/>
+              <p:cNvPicPr>
+                <a:picLocks noChangeAspect="1"/>
+              </p:cNvPicPr>
+              <p:nvPr/>
+            </p:nvPicPr>
+            <p:blipFill>
+              <a:blip r:embed="rId6" cstate="print">
+                <a:duotone>
+                  <a:prstClr val="black"/>
+                  <a:schemeClr val="accent2">
+                    <a:tint val="45000"/>
+                    <a:satMod val="400000"/>
+                  </a:schemeClr>
+                </a:duotone>
+                <a:extLst>
+                  <a:ext uri="{BEBA8EAE-BF5A-486C-A8C5-ECC9F3942E4B}">
+                    <a14:imgProps xmlns:a14="http://schemas.microsoft.com/office/drawing/2010/main">
+                      <a14:imgLayer r:embed="rId7">
+                        <a14:imgEffect>
+                          <a14:artisticGlowEdges/>
+                        </a14:imgEffect>
+                      </a14:imgLayer>
+                    </a14:imgProps>
+                  </a:ext>
+                  <a:ext uri="{28A0092B-C50C-407E-A947-70E740481C1C}">
+                    <a14:useLocalDpi xmlns:a14="http://schemas.microsoft.com/office/drawing/2010/main" val="0"/>
+                  </a:ext>
+                </a:extLst>
+              </a:blip>
+              <a:stretch>
+                <a:fillRect/>
+              </a:stretch>
+            </p:blipFill>
+            <p:spPr>
+              <a:xfrm rot="5922293">
+                <a:off x="1257468" y="3767679"/>
+                <a:ext cx="623761" cy="499009"/>
+              </a:xfrm>
+              <a:prstGeom prst="rect">
+                <a:avLst/>
+              </a:prstGeom>
+            </p:spPr>
+          </p:pic>
+          <p:pic>
+            <p:nvPicPr>
+              <p:cNvPr id="121" name="圖片 120" descr="Photoshop 專題 ─ 製作血腥立體網襪腿（？）Part 3：小修飾 ~ Photoshop 私藏筆記"/>
+              <p:cNvPicPr>
+                <a:picLocks noChangeAspect="1"/>
+              </p:cNvPicPr>
+              <p:nvPr/>
+            </p:nvPicPr>
+            <p:blipFill>
+              <a:blip r:embed="rId6" cstate="print">
+                <a:duotone>
+                  <a:prstClr val="black"/>
+                  <a:schemeClr val="accent2">
+                    <a:tint val="45000"/>
+                    <a:satMod val="400000"/>
+                  </a:schemeClr>
+                </a:duotone>
+                <a:extLst>
+                  <a:ext uri="{BEBA8EAE-BF5A-486C-A8C5-ECC9F3942E4B}">
+                    <a14:imgProps xmlns:a14="http://schemas.microsoft.com/office/drawing/2010/main">
+                      <a14:imgLayer r:embed="rId7">
+                        <a14:imgEffect>
+                          <a14:artisticGlowEdges/>
+                        </a14:imgEffect>
+                      </a14:imgLayer>
+                    </a14:imgProps>
+                  </a:ext>
+                  <a:ext uri="{28A0092B-C50C-407E-A947-70E740481C1C}">
+                    <a14:useLocalDpi xmlns:a14="http://schemas.microsoft.com/office/drawing/2010/main" val="0"/>
+                  </a:ext>
+                </a:extLst>
+              </a:blip>
+              <a:stretch>
+                <a:fillRect/>
+              </a:stretch>
+            </p:blipFill>
+            <p:spPr>
+              <a:xfrm rot="5208101">
+                <a:off x="1250874" y="4308306"/>
+                <a:ext cx="623761" cy="499009"/>
+              </a:xfrm>
+              <a:prstGeom prst="rect">
+                <a:avLst/>
+              </a:prstGeom>
+            </p:spPr>
+          </p:pic>
+          <p:pic>
+            <p:nvPicPr>
+              <p:cNvPr id="122" name="圖片 121" descr="Photoshop 專題 ─ 製作血腥立體網襪腿（？）Part 3：小修飾 ~ Photoshop 私藏筆記"/>
+              <p:cNvPicPr>
+                <a:picLocks noChangeAspect="1"/>
+              </p:cNvPicPr>
+              <p:nvPr/>
+            </p:nvPicPr>
+            <p:blipFill>
+              <a:blip r:embed="rId6" cstate="print">
+                <a:duotone>
+                  <a:prstClr val="black"/>
+                  <a:schemeClr val="accent2">
+                    <a:tint val="45000"/>
+                    <a:satMod val="400000"/>
+                  </a:schemeClr>
+                </a:duotone>
+                <a:extLst>
+                  <a:ext uri="{BEBA8EAE-BF5A-486C-A8C5-ECC9F3942E4B}">
+                    <a14:imgProps xmlns:a14="http://schemas.microsoft.com/office/drawing/2010/main">
+                      <a14:imgLayer r:embed="rId7">
+                        <a14:imgEffect>
+                          <a14:artisticGlowEdges/>
+                        </a14:imgEffect>
+                      </a14:imgLayer>
+                    </a14:imgProps>
+                  </a:ext>
+                  <a:ext uri="{28A0092B-C50C-407E-A947-70E740481C1C}">
+                    <a14:useLocalDpi xmlns:a14="http://schemas.microsoft.com/office/drawing/2010/main" val="0"/>
+                  </a:ext>
+                </a:extLst>
+              </a:blip>
+              <a:stretch>
+                <a:fillRect/>
+              </a:stretch>
+            </p:blipFill>
+            <p:spPr>
+              <a:xfrm rot="5400000">
+                <a:off x="1344719" y="3794462"/>
+                <a:ext cx="623761" cy="499009"/>
+              </a:xfrm>
+              <a:prstGeom prst="rect">
+                <a:avLst/>
+              </a:prstGeom>
+            </p:spPr>
+          </p:pic>
+          <p:pic>
+            <p:nvPicPr>
+              <p:cNvPr id="123" name="圖片 122" descr="Photoshop 專題 ─ 製作血腥立體網襪腿（？）Part 3：小修飾 ~ Photoshop 私藏筆記"/>
+              <p:cNvPicPr>
+                <a:picLocks noChangeAspect="1"/>
+              </p:cNvPicPr>
+              <p:nvPr/>
+            </p:nvPicPr>
+            <p:blipFill>
+              <a:blip r:embed="rId6" cstate="print">
+                <a:duotone>
+                  <a:prstClr val="black"/>
+                  <a:schemeClr val="accent2">
+                    <a:tint val="45000"/>
+                    <a:satMod val="400000"/>
+                  </a:schemeClr>
+                </a:duotone>
+                <a:extLst>
+                  <a:ext uri="{BEBA8EAE-BF5A-486C-A8C5-ECC9F3942E4B}">
+                    <a14:imgProps xmlns:a14="http://schemas.microsoft.com/office/drawing/2010/main">
+                      <a14:imgLayer r:embed="rId7">
+                        <a14:imgEffect>
+                          <a14:artisticGlowEdges/>
+                        </a14:imgEffect>
+                      </a14:imgLayer>
+                    </a14:imgProps>
+                  </a:ext>
+                  <a:ext uri="{28A0092B-C50C-407E-A947-70E740481C1C}">
+                    <a14:useLocalDpi xmlns:a14="http://schemas.microsoft.com/office/drawing/2010/main" val="0"/>
+                  </a:ext>
+                </a:extLst>
+              </a:blip>
+              <a:stretch>
+                <a:fillRect/>
+              </a:stretch>
+            </p:blipFill>
+            <p:spPr>
+              <a:xfrm rot="5206804">
+                <a:off x="1281618" y="3200305"/>
+                <a:ext cx="623761" cy="499009"/>
+              </a:xfrm>
+              <a:prstGeom prst="rect">
+                <a:avLst/>
+              </a:prstGeom>
+            </p:spPr>
+          </p:pic>
+          <p:pic>
+            <p:nvPicPr>
+              <p:cNvPr id="124" name="圖片 123" descr="Photoshop 專題 ─ 製作血腥立體網襪腿（？）Part 3：小修飾 ~ Photoshop 私藏筆記"/>
+              <p:cNvPicPr>
+                <a:picLocks noChangeAspect="1"/>
+              </p:cNvPicPr>
+              <p:nvPr/>
+            </p:nvPicPr>
+            <p:blipFill>
+              <a:blip r:embed="rId6" cstate="print">
+                <a:duotone>
+                  <a:prstClr val="black"/>
+                  <a:schemeClr val="accent2">
+                    <a:tint val="45000"/>
+                    <a:satMod val="400000"/>
+                  </a:schemeClr>
+                </a:duotone>
+                <a:extLst>
+                  <a:ext uri="{BEBA8EAE-BF5A-486C-A8C5-ECC9F3942E4B}">
+                    <a14:imgProps xmlns:a14="http://schemas.microsoft.com/office/drawing/2010/main">
+                      <a14:imgLayer r:embed="rId7">
+                        <a14:imgEffect>
+                          <a14:artisticGlowEdges/>
+                        </a14:imgEffect>
+                      </a14:imgLayer>
+                    </a14:imgProps>
+                  </a:ext>
+                  <a:ext uri="{28A0092B-C50C-407E-A947-70E740481C1C}">
+                    <a14:useLocalDpi xmlns:a14="http://schemas.microsoft.com/office/drawing/2010/main" val="0"/>
+                  </a:ext>
+                </a:extLst>
+              </a:blip>
+              <a:stretch>
+                <a:fillRect/>
+              </a:stretch>
+            </p:blipFill>
+            <p:spPr>
+              <a:xfrm rot="6198745">
+                <a:off x="1329604" y="3732049"/>
+                <a:ext cx="623761" cy="499009"/>
+              </a:xfrm>
+              <a:prstGeom prst="rect">
+                <a:avLst/>
+              </a:prstGeom>
+            </p:spPr>
+          </p:pic>
+          <p:pic>
+            <p:nvPicPr>
+              <p:cNvPr id="125" name="圖片 124" descr="Photoshop 專題 ─ 製作血腥立體網襪腿（？）Part 3：小修飾 ~ Photoshop 私藏筆記"/>
+              <p:cNvPicPr>
+                <a:picLocks noChangeAspect="1"/>
+              </p:cNvPicPr>
+              <p:nvPr/>
+            </p:nvPicPr>
+            <p:blipFill>
+              <a:blip r:embed="rId6" cstate="print">
+                <a:duotone>
+                  <a:prstClr val="black"/>
+                  <a:schemeClr val="accent2">
+                    <a:tint val="45000"/>
+                    <a:satMod val="400000"/>
+                  </a:schemeClr>
+                </a:duotone>
+                <a:extLst>
+                  <a:ext uri="{BEBA8EAE-BF5A-486C-A8C5-ECC9F3942E4B}">
+                    <a14:imgProps xmlns:a14="http://schemas.microsoft.com/office/drawing/2010/main">
+                      <a14:imgLayer r:embed="rId7">
+                        <a14:imgEffect>
+                          <a14:artisticGlowEdges/>
+                        </a14:imgEffect>
+                      </a14:imgLayer>
+                    </a14:imgProps>
+                  </a:ext>
+                  <a:ext uri="{28A0092B-C50C-407E-A947-70E740481C1C}">
+                    <a14:useLocalDpi xmlns:a14="http://schemas.microsoft.com/office/drawing/2010/main" val="0"/>
+                  </a:ext>
+                </a:extLst>
+              </a:blip>
+              <a:stretch>
+                <a:fillRect/>
+              </a:stretch>
+            </p:blipFill>
+            <p:spPr>
+              <a:xfrm rot="4632731">
+                <a:off x="1318195" y="4321633"/>
+                <a:ext cx="623761" cy="499009"/>
+              </a:xfrm>
+              <a:prstGeom prst="rect">
+                <a:avLst/>
+              </a:prstGeom>
+            </p:spPr>
+          </p:pic>
+          <p:pic>
+            <p:nvPicPr>
+              <p:cNvPr id="126" name="圖片 125" descr="Photoshop 專題 ─ 製作血腥立體網襪腿（？）Part 3：小修飾 ~ Photoshop 私藏筆記"/>
+              <p:cNvPicPr>
+                <a:picLocks noChangeAspect="1"/>
+              </p:cNvPicPr>
+              <p:nvPr/>
+            </p:nvPicPr>
+            <p:blipFill>
+              <a:blip r:embed="rId6" cstate="print">
+                <a:duotone>
+                  <a:prstClr val="black"/>
+                  <a:schemeClr val="accent2">
+                    <a:tint val="45000"/>
+                    <a:satMod val="400000"/>
+                  </a:schemeClr>
+                </a:duotone>
+                <a:extLst>
+                  <a:ext uri="{BEBA8EAE-BF5A-486C-A8C5-ECC9F3942E4B}">
+                    <a14:imgProps xmlns:a14="http://schemas.microsoft.com/office/drawing/2010/main">
+                      <a14:imgLayer r:embed="rId7">
+                        <a14:imgEffect>
+                          <a14:artisticGlowEdges/>
+                        </a14:imgEffect>
+                      </a14:imgLayer>
+                    </a14:imgProps>
+                  </a:ext>
+                  <a:ext uri="{28A0092B-C50C-407E-A947-70E740481C1C}">
+                    <a14:useLocalDpi xmlns:a14="http://schemas.microsoft.com/office/drawing/2010/main" val="0"/>
+                  </a:ext>
+                </a:extLst>
+              </a:blip>
+              <a:stretch>
+                <a:fillRect/>
+              </a:stretch>
+            </p:blipFill>
+            <p:spPr>
+              <a:xfrm rot="5646846">
+                <a:off x="1318196" y="4321634"/>
+                <a:ext cx="623761" cy="499009"/>
+              </a:xfrm>
+              <a:prstGeom prst="rect">
+                <a:avLst/>
+              </a:prstGeom>
+            </p:spPr>
+          </p:pic>
+        </p:grpSp>
+        <p:grpSp>
+          <p:nvGrpSpPr>
+            <p:cNvPr id="98" name="群組 97"/>
+            <p:cNvGrpSpPr/>
+            <p:nvPr/>
+          </p:nvGrpSpPr>
+          <p:grpSpPr>
+            <a:xfrm rot="16200000">
+              <a:off x="7365341" y="-521181"/>
+              <a:ext cx="601849" cy="1758371"/>
+              <a:chOff x="1313250" y="3124648"/>
+              <a:chExt cx="601849" cy="1758371"/>
+            </a:xfrm>
+          </p:grpSpPr>
+          <p:pic>
+            <p:nvPicPr>
+              <p:cNvPr id="109" name="圖片 108" descr="Photoshop 專題 ─ 製作血腥立體網襪腿（？）Part 3：小修飾 ~ Photoshop 私藏筆記"/>
+              <p:cNvPicPr>
+                <a:picLocks noChangeAspect="1"/>
+              </p:cNvPicPr>
+              <p:nvPr/>
+            </p:nvPicPr>
+            <p:blipFill>
+              <a:blip r:embed="rId4" cstate="print">
+                <a:duotone>
+                  <a:prstClr val="black"/>
+                  <a:schemeClr val="accent2">
+                    <a:tint val="45000"/>
+                    <a:satMod val="400000"/>
+                  </a:schemeClr>
+                </a:duotone>
+                <a:extLst>
+                  <a:ext uri="{BEBA8EAE-BF5A-486C-A8C5-ECC9F3942E4B}">
+                    <a14:imgProps xmlns:a14="http://schemas.microsoft.com/office/drawing/2010/main">
+                      <a14:imgLayer r:embed="rId5">
+                        <a14:imgEffect>
+                          <a14:artisticGlowEdges/>
+                        </a14:imgEffect>
+                      </a14:imgLayer>
+                    </a14:imgProps>
+                  </a:ext>
+                  <a:ext uri="{28A0092B-C50C-407E-A947-70E740481C1C}">
+                    <a14:useLocalDpi xmlns:a14="http://schemas.microsoft.com/office/drawing/2010/main" val="0"/>
+                  </a:ext>
+                </a:extLst>
+              </a:blip>
+              <a:stretch>
+                <a:fillRect/>
+              </a:stretch>
+            </p:blipFill>
+            <p:spPr>
+              <a:xfrm rot="4143036">
+                <a:off x="1275755" y="3224239"/>
+                <a:ext cx="623761" cy="499009"/>
+              </a:xfrm>
+              <a:prstGeom prst="rect">
+                <a:avLst/>
+              </a:prstGeom>
+            </p:spPr>
+          </p:pic>
+          <p:pic>
+            <p:nvPicPr>
+              <p:cNvPr id="110" name="圖片 109" descr="Photoshop 專題 ─ 製作血腥立體網襪腿（？）Part 3：小修飾 ~ Photoshop 私藏筆記"/>
+              <p:cNvPicPr>
+                <a:picLocks noChangeAspect="1"/>
+              </p:cNvPicPr>
+              <p:nvPr/>
+            </p:nvPicPr>
+            <p:blipFill>
+              <a:blip r:embed="rId4" cstate="print">
+                <a:duotone>
+                  <a:prstClr val="black"/>
+                  <a:schemeClr val="accent2">
+                    <a:tint val="45000"/>
+                    <a:satMod val="400000"/>
+                  </a:schemeClr>
+                </a:duotone>
+                <a:extLst>
+                  <a:ext uri="{BEBA8EAE-BF5A-486C-A8C5-ECC9F3942E4B}">
+                    <a14:imgProps xmlns:a14="http://schemas.microsoft.com/office/drawing/2010/main">
+                      <a14:imgLayer r:embed="rId5">
+                        <a14:imgEffect>
+                          <a14:artisticGlowEdges/>
+                        </a14:imgEffect>
+                      </a14:imgLayer>
+                    </a14:imgProps>
+                  </a:ext>
+                  <a:ext uri="{28A0092B-C50C-407E-A947-70E740481C1C}">
+                    <a14:useLocalDpi xmlns:a14="http://schemas.microsoft.com/office/drawing/2010/main" val="0"/>
+                  </a:ext>
+                </a:extLst>
+              </a:blip>
+              <a:stretch>
+                <a:fillRect/>
+              </a:stretch>
+            </p:blipFill>
+            <p:spPr>
+              <a:xfrm rot="5580265">
+                <a:off x="1353714" y="3187024"/>
+                <a:ext cx="623761" cy="499009"/>
+              </a:xfrm>
+              <a:prstGeom prst="rect">
+                <a:avLst/>
+              </a:prstGeom>
+            </p:spPr>
+          </p:pic>
+          <p:pic>
+            <p:nvPicPr>
+              <p:cNvPr id="111" name="圖片 110" descr="Photoshop 專題 ─ 製作血腥立體網襪腿（？）Part 3：小修飾 ~ Photoshop 私藏筆記"/>
+              <p:cNvPicPr>
+                <a:picLocks noChangeAspect="1"/>
+              </p:cNvPicPr>
+              <p:nvPr/>
+            </p:nvPicPr>
+            <p:blipFill>
+              <a:blip r:embed="rId4" cstate="print">
+                <a:duotone>
+                  <a:prstClr val="black"/>
+                  <a:schemeClr val="accent2">
+                    <a:tint val="45000"/>
+                    <a:satMod val="400000"/>
+                  </a:schemeClr>
+                </a:duotone>
+                <a:extLst>
+                  <a:ext uri="{BEBA8EAE-BF5A-486C-A8C5-ECC9F3942E4B}">
+                    <a14:imgProps xmlns:a14="http://schemas.microsoft.com/office/drawing/2010/main">
+                      <a14:imgLayer r:embed="rId5">
+                        <a14:imgEffect>
+                          <a14:artisticGlowEdges/>
+                        </a14:imgEffect>
+                      </a14:imgLayer>
+                    </a14:imgProps>
+                  </a:ext>
+                  <a:ext uri="{28A0092B-C50C-407E-A947-70E740481C1C}">
+                    <a14:useLocalDpi xmlns:a14="http://schemas.microsoft.com/office/drawing/2010/main" val="0"/>
+                  </a:ext>
+                </a:extLst>
+              </a:blip>
+              <a:stretch>
+                <a:fillRect/>
+              </a:stretch>
+            </p:blipFill>
+            <p:spPr>
+              <a:xfrm rot="5922293">
+                <a:off x="1257468" y="3767679"/>
+                <a:ext cx="623761" cy="499009"/>
+              </a:xfrm>
+              <a:prstGeom prst="rect">
+                <a:avLst/>
+              </a:prstGeom>
+            </p:spPr>
+          </p:pic>
+          <p:pic>
+            <p:nvPicPr>
+              <p:cNvPr id="112" name="圖片 111" descr="Photoshop 專題 ─ 製作血腥立體網襪腿（？）Part 3：小修飾 ~ Photoshop 私藏筆記"/>
+              <p:cNvPicPr>
+                <a:picLocks noChangeAspect="1"/>
+              </p:cNvPicPr>
+              <p:nvPr/>
+            </p:nvPicPr>
+            <p:blipFill>
+              <a:blip r:embed="rId4" cstate="print">
+                <a:duotone>
+                  <a:prstClr val="black"/>
+                  <a:schemeClr val="accent2">
+                    <a:tint val="45000"/>
+                    <a:satMod val="400000"/>
+                  </a:schemeClr>
+                </a:duotone>
+                <a:extLst>
+                  <a:ext uri="{BEBA8EAE-BF5A-486C-A8C5-ECC9F3942E4B}">
+                    <a14:imgProps xmlns:a14="http://schemas.microsoft.com/office/drawing/2010/main">
+                      <a14:imgLayer r:embed="rId5">
+                        <a14:imgEffect>
+                          <a14:artisticGlowEdges/>
+                        </a14:imgEffect>
+                      </a14:imgLayer>
+                    </a14:imgProps>
+                  </a:ext>
+                  <a:ext uri="{28A0092B-C50C-407E-A947-70E740481C1C}">
+                    <a14:useLocalDpi xmlns:a14="http://schemas.microsoft.com/office/drawing/2010/main" val="0"/>
+                  </a:ext>
+                </a:extLst>
+              </a:blip>
+              <a:stretch>
+                <a:fillRect/>
+              </a:stretch>
+            </p:blipFill>
+            <p:spPr>
+              <a:xfrm rot="5208101">
+                <a:off x="1250874" y="4308306"/>
+                <a:ext cx="623761" cy="499009"/>
+              </a:xfrm>
+              <a:prstGeom prst="rect">
+                <a:avLst/>
+              </a:prstGeom>
+            </p:spPr>
+          </p:pic>
+          <p:pic>
+            <p:nvPicPr>
+              <p:cNvPr id="113" name="圖片 112" descr="Photoshop 專題 ─ 製作血腥立體網襪腿（？）Part 3：小修飾 ~ Photoshop 私藏筆記"/>
+              <p:cNvPicPr>
+                <a:picLocks noChangeAspect="1"/>
+              </p:cNvPicPr>
+              <p:nvPr/>
+            </p:nvPicPr>
+            <p:blipFill>
+              <a:blip r:embed="rId4" cstate="print">
+                <a:duotone>
+                  <a:prstClr val="black"/>
+                  <a:schemeClr val="accent2">
+                    <a:tint val="45000"/>
+                    <a:satMod val="400000"/>
+                  </a:schemeClr>
+                </a:duotone>
+                <a:extLst>
+                  <a:ext uri="{BEBA8EAE-BF5A-486C-A8C5-ECC9F3942E4B}">
+                    <a14:imgProps xmlns:a14="http://schemas.microsoft.com/office/drawing/2010/main">
+                      <a14:imgLayer r:embed="rId5">
+                        <a14:imgEffect>
+                          <a14:artisticGlowEdges/>
+                        </a14:imgEffect>
+                      </a14:imgLayer>
+                    </a14:imgProps>
+                  </a:ext>
+                  <a:ext uri="{28A0092B-C50C-407E-A947-70E740481C1C}">
+                    <a14:useLocalDpi xmlns:a14="http://schemas.microsoft.com/office/drawing/2010/main" val="0"/>
+                  </a:ext>
+                </a:extLst>
+              </a:blip>
+              <a:stretch>
+                <a:fillRect/>
+              </a:stretch>
+            </p:blipFill>
+            <p:spPr>
+              <a:xfrm rot="5400000">
+                <a:off x="1344719" y="3794462"/>
+                <a:ext cx="623761" cy="499009"/>
+              </a:xfrm>
+              <a:prstGeom prst="rect">
+                <a:avLst/>
+              </a:prstGeom>
+            </p:spPr>
+          </p:pic>
+          <p:pic>
+            <p:nvPicPr>
+              <p:cNvPr id="114" name="圖片 113" descr="Photoshop 專題 ─ 製作血腥立體網襪腿（？）Part 3：小修飾 ~ Photoshop 私藏筆記"/>
+              <p:cNvPicPr>
+                <a:picLocks noChangeAspect="1"/>
+              </p:cNvPicPr>
+              <p:nvPr/>
+            </p:nvPicPr>
+            <p:blipFill>
+              <a:blip r:embed="rId4" cstate="print">
+                <a:duotone>
+                  <a:prstClr val="black"/>
+                  <a:schemeClr val="accent2">
+                    <a:tint val="45000"/>
+                    <a:satMod val="400000"/>
+                  </a:schemeClr>
+                </a:duotone>
+                <a:extLst>
+                  <a:ext uri="{BEBA8EAE-BF5A-486C-A8C5-ECC9F3942E4B}">
+                    <a14:imgProps xmlns:a14="http://schemas.microsoft.com/office/drawing/2010/main">
+                      <a14:imgLayer r:embed="rId5">
+                        <a14:imgEffect>
+                          <a14:artisticGlowEdges/>
+                        </a14:imgEffect>
+                      </a14:imgLayer>
+                    </a14:imgProps>
+                  </a:ext>
+                  <a:ext uri="{28A0092B-C50C-407E-A947-70E740481C1C}">
+                    <a14:useLocalDpi xmlns:a14="http://schemas.microsoft.com/office/drawing/2010/main" val="0"/>
+                  </a:ext>
+                </a:extLst>
+              </a:blip>
+              <a:stretch>
+                <a:fillRect/>
+              </a:stretch>
+            </p:blipFill>
+            <p:spPr>
+              <a:xfrm rot="5206804">
+                <a:off x="1281618" y="3200305"/>
+                <a:ext cx="623761" cy="499009"/>
+              </a:xfrm>
+              <a:prstGeom prst="rect">
+                <a:avLst/>
+              </a:prstGeom>
+            </p:spPr>
+          </p:pic>
+          <p:pic>
+            <p:nvPicPr>
+              <p:cNvPr id="115" name="圖片 114" descr="Photoshop 專題 ─ 製作血腥立體網襪腿（？）Part 3：小修飾 ~ Photoshop 私藏筆記"/>
+              <p:cNvPicPr>
+                <a:picLocks noChangeAspect="1"/>
+              </p:cNvPicPr>
+              <p:nvPr/>
+            </p:nvPicPr>
+            <p:blipFill>
+              <a:blip r:embed="rId4" cstate="print">
+                <a:duotone>
+                  <a:prstClr val="black"/>
+                  <a:schemeClr val="accent2">
+                    <a:tint val="45000"/>
+                    <a:satMod val="400000"/>
+                  </a:schemeClr>
+                </a:duotone>
+                <a:extLst>
+                  <a:ext uri="{BEBA8EAE-BF5A-486C-A8C5-ECC9F3942E4B}">
+                    <a14:imgProps xmlns:a14="http://schemas.microsoft.com/office/drawing/2010/main">
+                      <a14:imgLayer r:embed="rId5">
+                        <a14:imgEffect>
+                          <a14:artisticGlowEdges/>
+                        </a14:imgEffect>
+                      </a14:imgLayer>
+                    </a14:imgProps>
+                  </a:ext>
+                  <a:ext uri="{28A0092B-C50C-407E-A947-70E740481C1C}">
+                    <a14:useLocalDpi xmlns:a14="http://schemas.microsoft.com/office/drawing/2010/main" val="0"/>
+                  </a:ext>
+                </a:extLst>
+              </a:blip>
+              <a:stretch>
+                <a:fillRect/>
+              </a:stretch>
+            </p:blipFill>
+            <p:spPr>
+              <a:xfrm rot="6198745">
+                <a:off x="1329604" y="3732049"/>
+                <a:ext cx="623761" cy="499009"/>
+              </a:xfrm>
+              <a:prstGeom prst="rect">
+                <a:avLst/>
+              </a:prstGeom>
+            </p:spPr>
+          </p:pic>
+          <p:pic>
+            <p:nvPicPr>
+              <p:cNvPr id="116" name="圖片 115" descr="Photoshop 專題 ─ 製作血腥立體網襪腿（？）Part 3：小修飾 ~ Photoshop 私藏筆記"/>
+              <p:cNvPicPr>
+                <a:picLocks noChangeAspect="1"/>
+              </p:cNvPicPr>
+              <p:nvPr/>
+            </p:nvPicPr>
+            <p:blipFill>
+              <a:blip r:embed="rId4" cstate="print">
+                <a:duotone>
+                  <a:prstClr val="black"/>
+                  <a:schemeClr val="accent2">
+                    <a:tint val="45000"/>
+                    <a:satMod val="400000"/>
+                  </a:schemeClr>
+                </a:duotone>
+                <a:extLst>
+                  <a:ext uri="{BEBA8EAE-BF5A-486C-A8C5-ECC9F3942E4B}">
+                    <a14:imgProps xmlns:a14="http://schemas.microsoft.com/office/drawing/2010/main">
+                      <a14:imgLayer r:embed="rId5">
+                        <a14:imgEffect>
+                          <a14:artisticGlowEdges/>
+                        </a14:imgEffect>
+                      </a14:imgLayer>
+                    </a14:imgProps>
+                  </a:ext>
+                  <a:ext uri="{28A0092B-C50C-407E-A947-70E740481C1C}">
+                    <a14:useLocalDpi xmlns:a14="http://schemas.microsoft.com/office/drawing/2010/main" val="0"/>
+                  </a:ext>
+                </a:extLst>
+              </a:blip>
+              <a:stretch>
+                <a:fillRect/>
+              </a:stretch>
+            </p:blipFill>
+            <p:spPr>
+              <a:xfrm rot="4632731">
+                <a:off x="1318195" y="4321633"/>
+                <a:ext cx="623761" cy="499009"/>
+              </a:xfrm>
+              <a:prstGeom prst="rect">
+                <a:avLst/>
+              </a:prstGeom>
+            </p:spPr>
+          </p:pic>
+          <p:pic>
+            <p:nvPicPr>
+              <p:cNvPr id="117" name="圖片 116" descr="Photoshop 專題 ─ 製作血腥立體網襪腿（？）Part 3：小修飾 ~ Photoshop 私藏筆記"/>
+              <p:cNvPicPr>
+                <a:picLocks noChangeAspect="1"/>
+              </p:cNvPicPr>
+              <p:nvPr/>
+            </p:nvPicPr>
+            <p:blipFill>
+              <a:blip r:embed="rId4" cstate="print">
+                <a:duotone>
+                  <a:prstClr val="black"/>
+                  <a:schemeClr val="accent2">
+                    <a:tint val="45000"/>
+                    <a:satMod val="400000"/>
+                  </a:schemeClr>
+                </a:duotone>
+                <a:extLst>
+                  <a:ext uri="{BEBA8EAE-BF5A-486C-A8C5-ECC9F3942E4B}">
+                    <a14:imgProps xmlns:a14="http://schemas.microsoft.com/office/drawing/2010/main">
+                      <a14:imgLayer r:embed="rId5">
+                        <a14:imgEffect>
+                          <a14:artisticGlowEdges/>
+                        </a14:imgEffect>
+                      </a14:imgLayer>
+                    </a14:imgProps>
+                  </a:ext>
+                  <a:ext uri="{28A0092B-C50C-407E-A947-70E740481C1C}">
+                    <a14:useLocalDpi xmlns:a14="http://schemas.microsoft.com/office/drawing/2010/main" val="0"/>
+                  </a:ext>
+                </a:extLst>
+              </a:blip>
+              <a:stretch>
+                <a:fillRect/>
+              </a:stretch>
+            </p:blipFill>
+            <p:spPr>
+              <a:xfrm rot="5646846">
+                <a:off x="1318196" y="4321634"/>
+                <a:ext cx="623761" cy="499009"/>
+              </a:xfrm>
+              <a:prstGeom prst="rect">
+                <a:avLst/>
+              </a:prstGeom>
+            </p:spPr>
+          </p:pic>
+        </p:grpSp>
+        <p:grpSp>
+          <p:nvGrpSpPr>
+            <p:cNvPr id="99" name="群組 98"/>
+            <p:cNvGrpSpPr/>
+            <p:nvPr/>
+          </p:nvGrpSpPr>
+          <p:grpSpPr>
+            <a:xfrm rot="16200000">
+              <a:off x="9720026" y="-581460"/>
+              <a:ext cx="601849" cy="1758371"/>
+              <a:chOff x="1313250" y="3124648"/>
+              <a:chExt cx="601849" cy="1758371"/>
+            </a:xfrm>
+          </p:grpSpPr>
+          <p:pic>
+            <p:nvPicPr>
+              <p:cNvPr id="100" name="圖片 99" descr="Photoshop 專題 ─ 製作血腥立體網襪腿（？）Part 3：小修飾 ~ Photoshop 私藏筆記"/>
+              <p:cNvPicPr>
+                <a:picLocks noChangeAspect="1"/>
+              </p:cNvPicPr>
+              <p:nvPr/>
+            </p:nvPicPr>
+            <p:blipFill>
+              <a:blip r:embed="rId4" cstate="print">
+                <a:duotone>
+                  <a:prstClr val="black"/>
+                  <a:schemeClr val="accent2">
+                    <a:tint val="45000"/>
+                    <a:satMod val="400000"/>
+                  </a:schemeClr>
+                </a:duotone>
+                <a:extLst>
+                  <a:ext uri="{BEBA8EAE-BF5A-486C-A8C5-ECC9F3942E4B}">
+                    <a14:imgProps xmlns:a14="http://schemas.microsoft.com/office/drawing/2010/main">
+                      <a14:imgLayer r:embed="rId5">
+                        <a14:imgEffect>
+                          <a14:artisticGlowEdges/>
+                        </a14:imgEffect>
+                      </a14:imgLayer>
+                    </a14:imgProps>
+                  </a:ext>
+                  <a:ext uri="{28A0092B-C50C-407E-A947-70E740481C1C}">
+                    <a14:useLocalDpi xmlns:a14="http://schemas.microsoft.com/office/drawing/2010/main" val="0"/>
+                  </a:ext>
+                </a:extLst>
+              </a:blip>
+              <a:stretch>
+                <a:fillRect/>
+              </a:stretch>
+            </p:blipFill>
+            <p:spPr>
+              <a:xfrm rot="4143036">
+                <a:off x="1275755" y="3224239"/>
+                <a:ext cx="623761" cy="499009"/>
+              </a:xfrm>
+              <a:prstGeom prst="rect">
+                <a:avLst/>
+              </a:prstGeom>
+            </p:spPr>
+          </p:pic>
+          <p:pic>
+            <p:nvPicPr>
+              <p:cNvPr id="101" name="圖片 100" descr="Photoshop 專題 ─ 製作血腥立體網襪腿（？）Part 3：小修飾 ~ Photoshop 私藏筆記"/>
+              <p:cNvPicPr>
+                <a:picLocks noChangeAspect="1"/>
+              </p:cNvPicPr>
+              <p:nvPr/>
+            </p:nvPicPr>
+            <p:blipFill>
+              <a:blip r:embed="rId4" cstate="print">
+                <a:duotone>
+                  <a:prstClr val="black"/>
+                  <a:schemeClr val="accent2">
+                    <a:tint val="45000"/>
+                    <a:satMod val="400000"/>
+                  </a:schemeClr>
+                </a:duotone>
+                <a:extLst>
+                  <a:ext uri="{BEBA8EAE-BF5A-486C-A8C5-ECC9F3942E4B}">
+                    <a14:imgProps xmlns:a14="http://schemas.microsoft.com/office/drawing/2010/main">
+                      <a14:imgLayer r:embed="rId5">
+                        <a14:imgEffect>
+                          <a14:artisticGlowEdges/>
+                        </a14:imgEffect>
+                      </a14:imgLayer>
+                    </a14:imgProps>
+                  </a:ext>
+                  <a:ext uri="{28A0092B-C50C-407E-A947-70E740481C1C}">
+                    <a14:useLocalDpi xmlns:a14="http://schemas.microsoft.com/office/drawing/2010/main" val="0"/>
+                  </a:ext>
+                </a:extLst>
+              </a:blip>
+              <a:stretch>
+                <a:fillRect/>
+              </a:stretch>
+            </p:blipFill>
+            <p:spPr>
+              <a:xfrm rot="5580265">
+                <a:off x="1353714" y="3187024"/>
+                <a:ext cx="623761" cy="499009"/>
+              </a:xfrm>
+              <a:prstGeom prst="rect">
+                <a:avLst/>
+              </a:prstGeom>
+            </p:spPr>
+          </p:pic>
+          <p:pic>
+            <p:nvPicPr>
+              <p:cNvPr id="102" name="圖片 101" descr="Photoshop 專題 ─ 製作血腥立體網襪腿（？）Part 3：小修飾 ~ Photoshop 私藏筆記"/>
+              <p:cNvPicPr>
+                <a:picLocks noChangeAspect="1"/>
+              </p:cNvPicPr>
+              <p:nvPr/>
+            </p:nvPicPr>
+            <p:blipFill>
+              <a:blip r:embed="rId4" cstate="print">
+                <a:duotone>
+                  <a:prstClr val="black"/>
+                  <a:schemeClr val="accent2">
+                    <a:tint val="45000"/>
+                    <a:satMod val="400000"/>
+                  </a:schemeClr>
+                </a:duotone>
+                <a:extLst>
+                  <a:ext uri="{BEBA8EAE-BF5A-486C-A8C5-ECC9F3942E4B}">
+                    <a14:imgProps xmlns:a14="http://schemas.microsoft.com/office/drawing/2010/main">
+                      <a14:imgLayer r:embed="rId5">
+                        <a14:imgEffect>
+                          <a14:artisticGlowEdges/>
+                        </a14:imgEffect>
+                      </a14:imgLayer>
+                    </a14:imgProps>
+                  </a:ext>
+                  <a:ext uri="{28A0092B-C50C-407E-A947-70E740481C1C}">
+                    <a14:useLocalDpi xmlns:a14="http://schemas.microsoft.com/office/drawing/2010/main" val="0"/>
+                  </a:ext>
+                </a:extLst>
+              </a:blip>
+              <a:stretch>
+                <a:fillRect/>
+              </a:stretch>
+            </p:blipFill>
+            <p:spPr>
+              <a:xfrm rot="5922293">
+                <a:off x="1257468" y="3767679"/>
+                <a:ext cx="623761" cy="499009"/>
+              </a:xfrm>
+              <a:prstGeom prst="rect">
+                <a:avLst/>
+              </a:prstGeom>
+            </p:spPr>
+          </p:pic>
+          <p:pic>
+            <p:nvPicPr>
+              <p:cNvPr id="103" name="圖片 102" descr="Photoshop 專題 ─ 製作血腥立體網襪腿（？）Part 3：小修飾 ~ Photoshop 私藏筆記"/>
+              <p:cNvPicPr>
+                <a:picLocks noChangeAspect="1"/>
+              </p:cNvPicPr>
+              <p:nvPr/>
+            </p:nvPicPr>
+            <p:blipFill>
+              <a:blip r:embed="rId4" cstate="print">
+                <a:duotone>
+                  <a:prstClr val="black"/>
+                  <a:schemeClr val="accent2">
+                    <a:tint val="45000"/>
+                    <a:satMod val="400000"/>
+                  </a:schemeClr>
+                </a:duotone>
+                <a:extLst>
+                  <a:ext uri="{BEBA8EAE-BF5A-486C-A8C5-ECC9F3942E4B}">
+                    <a14:imgProps xmlns:a14="http://schemas.microsoft.com/office/drawing/2010/main">
+                      <a14:imgLayer r:embed="rId5">
+                        <a14:imgEffect>
+                          <a14:artisticGlowEdges/>
+                        </a14:imgEffect>
+                      </a14:imgLayer>
+                    </a14:imgProps>
+                  </a:ext>
+                  <a:ext uri="{28A0092B-C50C-407E-A947-70E740481C1C}">
+                    <a14:useLocalDpi xmlns:a14="http://schemas.microsoft.com/office/drawing/2010/main" val="0"/>
+                  </a:ext>
+                </a:extLst>
+              </a:blip>
+              <a:stretch>
+                <a:fillRect/>
+              </a:stretch>
+            </p:blipFill>
+            <p:spPr>
+              <a:xfrm rot="5208101">
+                <a:off x="1250874" y="4308306"/>
+                <a:ext cx="623761" cy="499009"/>
+              </a:xfrm>
+              <a:prstGeom prst="rect">
+                <a:avLst/>
+              </a:prstGeom>
+            </p:spPr>
+          </p:pic>
+          <p:pic>
+            <p:nvPicPr>
+              <p:cNvPr id="104" name="圖片 103" descr="Photoshop 專題 ─ 製作血腥立體網襪腿（？）Part 3：小修飾 ~ Photoshop 私藏筆記"/>
+              <p:cNvPicPr>
+                <a:picLocks noChangeAspect="1"/>
+              </p:cNvPicPr>
+              <p:nvPr/>
+            </p:nvPicPr>
+            <p:blipFill>
+              <a:blip r:embed="rId4" cstate="print">
+                <a:duotone>
+                  <a:prstClr val="black"/>
+                  <a:schemeClr val="accent2">
+                    <a:tint val="45000"/>
+                    <a:satMod val="400000"/>
+                  </a:schemeClr>
+                </a:duotone>
+                <a:extLst>
+                  <a:ext uri="{BEBA8EAE-BF5A-486C-A8C5-ECC9F3942E4B}">
+                    <a14:imgProps xmlns:a14="http://schemas.microsoft.com/office/drawing/2010/main">
+                      <a14:imgLayer r:embed="rId5">
+                        <a14:imgEffect>
+                          <a14:artisticGlowEdges/>
+                        </a14:imgEffect>
+                      </a14:imgLayer>
+                    </a14:imgProps>
+                  </a:ext>
+                  <a:ext uri="{28A0092B-C50C-407E-A947-70E740481C1C}">
+                    <a14:useLocalDpi xmlns:a14="http://schemas.microsoft.com/office/drawing/2010/main" val="0"/>
+                  </a:ext>
+                </a:extLst>
+              </a:blip>
+              <a:stretch>
+                <a:fillRect/>
+              </a:stretch>
+            </p:blipFill>
+            <p:spPr>
+              <a:xfrm rot="5400000">
+                <a:off x="1344719" y="3794462"/>
+                <a:ext cx="623761" cy="499009"/>
+              </a:xfrm>
+              <a:prstGeom prst="rect">
+                <a:avLst/>
+              </a:prstGeom>
+            </p:spPr>
+          </p:pic>
+          <p:pic>
+            <p:nvPicPr>
+              <p:cNvPr id="105" name="圖片 104" descr="Photoshop 專題 ─ 製作血腥立體網襪腿（？）Part 3：小修飾 ~ Photoshop 私藏筆記"/>
+              <p:cNvPicPr>
+                <a:picLocks noChangeAspect="1"/>
+              </p:cNvPicPr>
+              <p:nvPr/>
+            </p:nvPicPr>
+            <p:blipFill>
+              <a:blip r:embed="rId4" cstate="print">
+                <a:duotone>
+                  <a:prstClr val="black"/>
+                  <a:schemeClr val="accent2">
+                    <a:tint val="45000"/>
+                    <a:satMod val="400000"/>
+                  </a:schemeClr>
+                </a:duotone>
+                <a:extLst>
+                  <a:ext uri="{BEBA8EAE-BF5A-486C-A8C5-ECC9F3942E4B}">
+                    <a14:imgProps xmlns:a14="http://schemas.microsoft.com/office/drawing/2010/main">
+                      <a14:imgLayer r:embed="rId5">
+                        <a14:imgEffect>
+                          <a14:artisticGlowEdges/>
+                        </a14:imgEffect>
+                      </a14:imgLayer>
+                    </a14:imgProps>
+                  </a:ext>
+                  <a:ext uri="{28A0092B-C50C-407E-A947-70E740481C1C}">
+                    <a14:useLocalDpi xmlns:a14="http://schemas.microsoft.com/office/drawing/2010/main" val="0"/>
+                  </a:ext>
+                </a:extLst>
+              </a:blip>
+              <a:stretch>
+                <a:fillRect/>
+              </a:stretch>
+            </p:blipFill>
+            <p:spPr>
+              <a:xfrm rot="5206804">
+                <a:off x="1281618" y="3200305"/>
+                <a:ext cx="623761" cy="499009"/>
+              </a:xfrm>
+              <a:prstGeom prst="rect">
+                <a:avLst/>
+              </a:prstGeom>
+            </p:spPr>
+          </p:pic>
+          <p:pic>
+            <p:nvPicPr>
+              <p:cNvPr id="106" name="圖片 105" descr="Photoshop 專題 ─ 製作血腥立體網襪腿（？）Part 3：小修飾 ~ Photoshop 私藏筆記"/>
+              <p:cNvPicPr>
+                <a:picLocks noChangeAspect="1"/>
+              </p:cNvPicPr>
+              <p:nvPr/>
+            </p:nvPicPr>
+            <p:blipFill>
+              <a:blip r:embed="rId4" cstate="print">
+                <a:duotone>
+                  <a:prstClr val="black"/>
+                  <a:schemeClr val="accent2">
+                    <a:tint val="45000"/>
+                    <a:satMod val="400000"/>
+                  </a:schemeClr>
+                </a:duotone>
+                <a:extLst>
+                  <a:ext uri="{BEBA8EAE-BF5A-486C-A8C5-ECC9F3942E4B}">
+                    <a14:imgProps xmlns:a14="http://schemas.microsoft.com/office/drawing/2010/main">
+                      <a14:imgLayer r:embed="rId5">
+                        <a14:imgEffect>
+                          <a14:artisticGlowEdges/>
+                        </a14:imgEffect>
+                      </a14:imgLayer>
+                    </a14:imgProps>
+                  </a:ext>
+                  <a:ext uri="{28A0092B-C50C-407E-A947-70E740481C1C}">
+                    <a14:useLocalDpi xmlns:a14="http://schemas.microsoft.com/office/drawing/2010/main" val="0"/>
+                  </a:ext>
+                </a:extLst>
+              </a:blip>
+              <a:stretch>
+                <a:fillRect/>
+              </a:stretch>
+            </p:blipFill>
+            <p:spPr>
+              <a:xfrm rot="6198745">
+                <a:off x="1329604" y="3732049"/>
+                <a:ext cx="623761" cy="499009"/>
+              </a:xfrm>
+              <a:prstGeom prst="rect">
+                <a:avLst/>
+              </a:prstGeom>
+            </p:spPr>
+          </p:pic>
+          <p:pic>
+            <p:nvPicPr>
+              <p:cNvPr id="107" name="圖片 106" descr="Photoshop 專題 ─ 製作血腥立體網襪腿（？）Part 3：小修飾 ~ Photoshop 私藏筆記"/>
+              <p:cNvPicPr>
+                <a:picLocks noChangeAspect="1"/>
+              </p:cNvPicPr>
+              <p:nvPr/>
+            </p:nvPicPr>
+            <p:blipFill>
+              <a:blip r:embed="rId4" cstate="print">
+                <a:duotone>
+                  <a:prstClr val="black"/>
+                  <a:schemeClr val="accent2">
+                    <a:tint val="45000"/>
+                    <a:satMod val="400000"/>
+                  </a:schemeClr>
+                </a:duotone>
+                <a:extLst>
+                  <a:ext uri="{BEBA8EAE-BF5A-486C-A8C5-ECC9F3942E4B}">
+                    <a14:imgProps xmlns:a14="http://schemas.microsoft.com/office/drawing/2010/main">
+                      <a14:imgLayer r:embed="rId5">
+                        <a14:imgEffect>
+                          <a14:artisticGlowEdges/>
+                        </a14:imgEffect>
+                      </a14:imgLayer>
+                    </a14:imgProps>
+                  </a:ext>
+                  <a:ext uri="{28A0092B-C50C-407E-A947-70E740481C1C}">
+                    <a14:useLocalDpi xmlns:a14="http://schemas.microsoft.com/office/drawing/2010/main" val="0"/>
+                  </a:ext>
+                </a:extLst>
+              </a:blip>
+              <a:stretch>
+                <a:fillRect/>
+              </a:stretch>
+            </p:blipFill>
+            <p:spPr>
+              <a:xfrm rot="4632731">
+                <a:off x="1318195" y="4321633"/>
+                <a:ext cx="623761" cy="499009"/>
+              </a:xfrm>
+              <a:prstGeom prst="rect">
+                <a:avLst/>
+              </a:prstGeom>
+            </p:spPr>
+          </p:pic>
+          <p:pic>
+            <p:nvPicPr>
+              <p:cNvPr id="108" name="圖片 107" descr="Photoshop 專題 ─ 製作血腥立體網襪腿（？）Part 3：小修飾 ~ Photoshop 私藏筆記"/>
+              <p:cNvPicPr>
+                <a:picLocks noChangeAspect="1"/>
+              </p:cNvPicPr>
+              <p:nvPr/>
+            </p:nvPicPr>
+            <p:blipFill>
+              <a:blip r:embed="rId4" cstate="print">
+                <a:duotone>
+                  <a:prstClr val="black"/>
+                  <a:schemeClr val="accent2">
+                    <a:tint val="45000"/>
+                    <a:satMod val="400000"/>
+                  </a:schemeClr>
+                </a:duotone>
+                <a:extLst>
+                  <a:ext uri="{BEBA8EAE-BF5A-486C-A8C5-ECC9F3942E4B}">
+                    <a14:imgProps xmlns:a14="http://schemas.microsoft.com/office/drawing/2010/main">
+                      <a14:imgLayer r:embed="rId5">
+                        <a14:imgEffect>
+                          <a14:artisticGlowEdges/>
+                        </a14:imgEffect>
+                      </a14:imgLayer>
+                    </a14:imgProps>
+                  </a:ext>
+                  <a:ext uri="{28A0092B-C50C-407E-A947-70E740481C1C}">
+                    <a14:useLocalDpi xmlns:a14="http://schemas.microsoft.com/office/drawing/2010/main" val="0"/>
+                  </a:ext>
+                </a:extLst>
+              </a:blip>
+              <a:stretch>
+                <a:fillRect/>
+              </a:stretch>
+            </p:blipFill>
+            <p:spPr>
+              <a:xfrm rot="5646846">
+                <a:off x="1318196" y="4321634"/>
+                <a:ext cx="623761" cy="499009"/>
+              </a:xfrm>
+              <a:prstGeom prst="rect">
+                <a:avLst/>
+              </a:prstGeom>
+            </p:spPr>
+          </p:pic>
+        </p:grpSp>
+        <p:pic>
+          <p:nvPicPr>
+            <p:cNvPr id="137" name="圖片 136" descr="Photoshop 專題 ─ 製作血腥立體網襪腿（？）Part 3：小修飾 ~ Photoshop 私藏筆記"/>
+            <p:cNvPicPr>
+              <a:picLocks noChangeAspect="1"/>
+            </p:cNvPicPr>
+            <p:nvPr/>
+          </p:nvPicPr>
+          <p:blipFill>
+            <a:blip r:embed="rId4" cstate="print">
+              <a:duotone>
+                <a:prstClr val="black"/>
+                <a:schemeClr val="accent2">
+                  <a:tint val="45000"/>
+                  <a:satMod val="400000"/>
+                </a:schemeClr>
+              </a:duotone>
+              <a:extLst>
+                <a:ext uri="{BEBA8EAE-BF5A-486C-A8C5-ECC9F3942E4B}">
+                  <a14:imgProps xmlns:a14="http://schemas.microsoft.com/office/drawing/2010/main">
+                    <a14:imgLayer r:embed="rId5">
+                      <a14:imgEffect>
+                        <a14:artisticGlowEdges/>
+                      </a14:imgEffect>
+                    </a14:imgLayer>
+                  </a14:imgProps>
+                </a:ext>
+                <a:ext uri="{28A0092B-C50C-407E-A947-70E740481C1C}">
+                  <a14:useLocalDpi xmlns:a14="http://schemas.microsoft.com/office/drawing/2010/main" val="0"/>
+                </a:ext>
+              </a:extLst>
+            </a:blip>
+            <a:stretch>
+              <a:fillRect/>
+            </a:stretch>
+          </p:blipFill>
+          <p:spPr>
+            <a:xfrm rot="10541846">
+              <a:off x="8518745" y="84492"/>
+              <a:ext cx="623761" cy="499009"/>
+            </a:xfrm>
+            <a:prstGeom prst="rect">
+              <a:avLst/>
+            </a:prstGeom>
+          </p:spPr>
+        </p:pic>
+        <p:pic>
+          <p:nvPicPr>
+            <p:cNvPr id="138" name="圖片 137" descr="Photoshop 專題 ─ 製作血腥立體網襪腿（？）Part 3：小修飾 ~ Photoshop 私藏筆記"/>
+            <p:cNvPicPr>
+              <a:picLocks noChangeAspect="1"/>
+            </p:cNvPicPr>
+            <p:nvPr/>
+          </p:nvPicPr>
+          <p:blipFill>
+            <a:blip r:embed="rId4" cstate="print">
+              <a:duotone>
+                <a:prstClr val="black"/>
+                <a:schemeClr val="accent2">
+                  <a:tint val="45000"/>
+                  <a:satMod val="400000"/>
+                </a:schemeClr>
+              </a:duotone>
+              <a:extLst>
+                <a:ext uri="{BEBA8EAE-BF5A-486C-A8C5-ECC9F3942E4B}">
+                  <a14:imgProps xmlns:a14="http://schemas.microsoft.com/office/drawing/2010/main">
+                    <a14:imgLayer r:embed="rId5">
+                      <a14:imgEffect>
+                        <a14:artisticGlowEdges/>
+                      </a14:imgEffect>
+                    </a14:imgLayer>
+                  </a14:imgProps>
+                </a:ext>
+                <a:ext uri="{28A0092B-C50C-407E-A947-70E740481C1C}">
+                  <a14:useLocalDpi xmlns:a14="http://schemas.microsoft.com/office/drawing/2010/main" val="0"/>
+                </a:ext>
+              </a:extLst>
+            </a:blip>
+            <a:stretch>
+              <a:fillRect/>
+            </a:stretch>
+          </p:blipFill>
+          <p:spPr>
+            <a:xfrm rot="10800000">
+              <a:off x="8504420" y="114331"/>
+              <a:ext cx="623761" cy="499009"/>
+            </a:xfrm>
+            <a:prstGeom prst="rect">
+              <a:avLst/>
+            </a:prstGeom>
+          </p:spPr>
+        </p:pic>
+        <p:pic>
+          <p:nvPicPr>
+            <p:cNvPr id="139" name="圖片 138" descr="Photoshop 專題 ─ 製作血腥立體網襪腿（？）Part 3：小修飾 ~ Photoshop 私藏筆記"/>
+            <p:cNvPicPr>
+              <a:picLocks noChangeAspect="1"/>
+            </p:cNvPicPr>
+            <p:nvPr/>
+          </p:nvPicPr>
+          <p:blipFill>
+            <a:blip r:embed="rId4" cstate="print">
+              <a:duotone>
+                <a:prstClr val="black"/>
+                <a:schemeClr val="accent2">
+                  <a:tint val="45000"/>
+                  <a:satMod val="400000"/>
+                </a:schemeClr>
+              </a:duotone>
+              <a:extLst>
+                <a:ext uri="{BEBA8EAE-BF5A-486C-A8C5-ECC9F3942E4B}">
+                  <a14:imgProps xmlns:a14="http://schemas.microsoft.com/office/drawing/2010/main">
+                    <a14:imgLayer r:embed="rId5">
+                      <a14:imgEffect>
+                        <a14:artisticGlowEdges/>
+                      </a14:imgEffect>
+                    </a14:imgLayer>
+                  </a14:imgProps>
+                </a:ext>
+                <a:ext uri="{28A0092B-C50C-407E-A947-70E740481C1C}">
+                  <a14:useLocalDpi xmlns:a14="http://schemas.microsoft.com/office/drawing/2010/main" val="0"/>
+                </a:ext>
+              </a:extLst>
+            </a:blip>
+            <a:stretch>
+              <a:fillRect/>
+            </a:stretch>
+          </p:blipFill>
+          <p:spPr>
+            <a:xfrm rot="10118073">
+              <a:off x="8648969" y="129174"/>
+              <a:ext cx="623761" cy="499009"/>
+            </a:xfrm>
+            <a:prstGeom prst="rect">
+              <a:avLst/>
+            </a:prstGeom>
+          </p:spPr>
+        </p:pic>
+        <p:grpSp>
+          <p:nvGrpSpPr>
+            <p:cNvPr id="140" name="群組 139"/>
+            <p:cNvGrpSpPr/>
+            <p:nvPr/>
+          </p:nvGrpSpPr>
+          <p:grpSpPr>
+            <a:xfrm rot="16200000">
+              <a:off x="8301534" y="6191499"/>
+              <a:ext cx="601849" cy="1758371"/>
+              <a:chOff x="1313250" y="3124648"/>
+              <a:chExt cx="601849" cy="1758371"/>
+            </a:xfrm>
+          </p:grpSpPr>
+          <p:pic>
+            <p:nvPicPr>
+              <p:cNvPr id="141" name="圖片 140" descr="Photoshop 專題 ─ 製作血腥立體網襪腿（？）Part 3：小修飾 ~ Photoshop 私藏筆記"/>
+              <p:cNvPicPr>
+                <a:picLocks noChangeAspect="1"/>
+              </p:cNvPicPr>
+              <p:nvPr/>
+            </p:nvPicPr>
+            <p:blipFill>
+              <a:blip r:embed="rId4" cstate="print">
+                <a:duotone>
+                  <a:prstClr val="black"/>
+                  <a:schemeClr val="accent2">
+                    <a:tint val="45000"/>
+                    <a:satMod val="400000"/>
+                  </a:schemeClr>
+                </a:duotone>
+                <a:extLst>
+                  <a:ext uri="{BEBA8EAE-BF5A-486C-A8C5-ECC9F3942E4B}">
+                    <a14:imgProps xmlns:a14="http://schemas.microsoft.com/office/drawing/2010/main">
+                      <a14:imgLayer r:embed="rId5">
+                        <a14:imgEffect>
+                          <a14:artisticGlowEdges/>
+                        </a14:imgEffect>
+                      </a14:imgLayer>
+                    </a14:imgProps>
+                  </a:ext>
+                  <a:ext uri="{28A0092B-C50C-407E-A947-70E740481C1C}">
+                    <a14:useLocalDpi xmlns:a14="http://schemas.microsoft.com/office/drawing/2010/main" val="0"/>
+                  </a:ext>
+                </a:extLst>
+              </a:blip>
+              <a:stretch>
+                <a:fillRect/>
+              </a:stretch>
+            </p:blipFill>
+            <p:spPr>
+              <a:xfrm rot="4143036">
+                <a:off x="1275755" y="3224239"/>
+                <a:ext cx="623761" cy="499009"/>
+              </a:xfrm>
+              <a:prstGeom prst="rect">
+                <a:avLst/>
+              </a:prstGeom>
+            </p:spPr>
+          </p:pic>
+          <p:pic>
+            <p:nvPicPr>
+              <p:cNvPr id="142" name="圖片 141" descr="Photoshop 專題 ─ 製作血腥立體網襪腿（？）Part 3：小修飾 ~ Photoshop 私藏筆記"/>
+              <p:cNvPicPr>
+                <a:picLocks noChangeAspect="1"/>
+              </p:cNvPicPr>
+              <p:nvPr/>
+            </p:nvPicPr>
+            <p:blipFill>
+              <a:blip r:embed="rId4" cstate="print">
+                <a:duotone>
+                  <a:prstClr val="black"/>
+                  <a:schemeClr val="accent2">
+                    <a:tint val="45000"/>
+                    <a:satMod val="400000"/>
+                  </a:schemeClr>
+                </a:duotone>
+                <a:extLst>
+                  <a:ext uri="{BEBA8EAE-BF5A-486C-A8C5-ECC9F3942E4B}">
+                    <a14:imgProps xmlns:a14="http://schemas.microsoft.com/office/drawing/2010/main">
+                      <a14:imgLayer r:embed="rId5">
+                        <a14:imgEffect>
+                          <a14:artisticGlowEdges/>
+                        </a14:imgEffect>
+                      </a14:imgLayer>
+                    </a14:imgProps>
+                  </a:ext>
+                  <a:ext uri="{28A0092B-C50C-407E-A947-70E740481C1C}">
+                    <a14:useLocalDpi xmlns:a14="http://schemas.microsoft.com/office/drawing/2010/main" val="0"/>
+                  </a:ext>
+                </a:extLst>
+              </a:blip>
+              <a:stretch>
+                <a:fillRect/>
+              </a:stretch>
+            </p:blipFill>
+            <p:spPr>
+              <a:xfrm rot="5580265">
+                <a:off x="1353714" y="3187024"/>
+                <a:ext cx="623761" cy="499009"/>
+              </a:xfrm>
+              <a:prstGeom prst="rect">
+                <a:avLst/>
+              </a:prstGeom>
+            </p:spPr>
+          </p:pic>
+          <p:pic>
+            <p:nvPicPr>
+              <p:cNvPr id="143" name="圖片 142" descr="Photoshop 專題 ─ 製作血腥立體網襪腿（？）Part 3：小修飾 ~ Photoshop 私藏筆記"/>
+              <p:cNvPicPr>
+                <a:picLocks noChangeAspect="1"/>
+              </p:cNvPicPr>
+              <p:nvPr/>
+            </p:nvPicPr>
+            <p:blipFill>
+              <a:blip r:embed="rId4" cstate="print">
+                <a:duotone>
+                  <a:prstClr val="black"/>
+                  <a:schemeClr val="accent2">
+                    <a:tint val="45000"/>
+                    <a:satMod val="400000"/>
+                  </a:schemeClr>
+                </a:duotone>
+                <a:extLst>
+                  <a:ext uri="{BEBA8EAE-BF5A-486C-A8C5-ECC9F3942E4B}">
+                    <a14:imgProps xmlns:a14="http://schemas.microsoft.com/office/drawing/2010/main">
+                      <a14:imgLayer r:embed="rId5">
+                        <a14:imgEffect>
+                          <a14:artisticGlowEdges/>
+                        </a14:imgEffect>
+                      </a14:imgLayer>
+                    </a14:imgProps>
+                  </a:ext>
+                  <a:ext uri="{28A0092B-C50C-407E-A947-70E740481C1C}">
+                    <a14:useLocalDpi xmlns:a14="http://schemas.microsoft.com/office/drawing/2010/main" val="0"/>
+                  </a:ext>
+                </a:extLst>
+              </a:blip>
+              <a:stretch>
+                <a:fillRect/>
+              </a:stretch>
+            </p:blipFill>
+            <p:spPr>
+              <a:xfrm rot="5922293">
+                <a:off x="1257468" y="3767679"/>
+                <a:ext cx="623761" cy="499009"/>
+              </a:xfrm>
+              <a:prstGeom prst="rect">
+                <a:avLst/>
+              </a:prstGeom>
+            </p:spPr>
+          </p:pic>
+          <p:pic>
+            <p:nvPicPr>
+              <p:cNvPr id="144" name="圖片 143" descr="Photoshop 專題 ─ 製作血腥立體網襪腿（？）Part 3：小修飾 ~ Photoshop 私藏筆記"/>
+              <p:cNvPicPr>
+                <a:picLocks noChangeAspect="1"/>
+              </p:cNvPicPr>
+              <p:nvPr/>
+            </p:nvPicPr>
+            <p:blipFill>
+              <a:blip r:embed="rId4" cstate="print">
+                <a:duotone>
+                  <a:prstClr val="black"/>
+                  <a:schemeClr val="accent2">
+                    <a:tint val="45000"/>
+                    <a:satMod val="400000"/>
+                  </a:schemeClr>
+                </a:duotone>
+                <a:extLst>
+                  <a:ext uri="{BEBA8EAE-BF5A-486C-A8C5-ECC9F3942E4B}">
+                    <a14:imgProps xmlns:a14="http://schemas.microsoft.com/office/drawing/2010/main">
+                      <a14:imgLayer r:embed="rId5">
+                        <a14:imgEffect>
+                          <a14:artisticGlowEdges/>
+                        </a14:imgEffect>
+                      </a14:imgLayer>
+                    </a14:imgProps>
+                  </a:ext>
+                  <a:ext uri="{28A0092B-C50C-407E-A947-70E740481C1C}">
+                    <a14:useLocalDpi xmlns:a14="http://schemas.microsoft.com/office/drawing/2010/main" val="0"/>
+                  </a:ext>
+                </a:extLst>
+              </a:blip>
+              <a:stretch>
+                <a:fillRect/>
+              </a:stretch>
+            </p:blipFill>
+            <p:spPr>
+              <a:xfrm rot="5208101">
+                <a:off x="1250874" y="4308306"/>
+                <a:ext cx="623761" cy="499009"/>
+              </a:xfrm>
+              <a:prstGeom prst="rect">
+                <a:avLst/>
+              </a:prstGeom>
+            </p:spPr>
+          </p:pic>
+          <p:pic>
+            <p:nvPicPr>
+              <p:cNvPr id="145" name="圖片 144" descr="Photoshop 專題 ─ 製作血腥立體網襪腿（？）Part 3：小修飾 ~ Photoshop 私藏筆記"/>
+              <p:cNvPicPr>
+                <a:picLocks noChangeAspect="1"/>
+              </p:cNvPicPr>
+              <p:nvPr/>
+            </p:nvPicPr>
+            <p:blipFill>
+              <a:blip r:embed="rId4" cstate="print">
+                <a:duotone>
+                  <a:prstClr val="black"/>
+                  <a:schemeClr val="accent2">
+                    <a:tint val="45000"/>
+                    <a:satMod val="400000"/>
+                  </a:schemeClr>
+                </a:duotone>
+                <a:extLst>
+                  <a:ext uri="{BEBA8EAE-BF5A-486C-A8C5-ECC9F3942E4B}">
+                    <a14:imgProps xmlns:a14="http://schemas.microsoft.com/office/drawing/2010/main">
+                      <a14:imgLayer r:embed="rId5">
+                        <a14:imgEffect>
+                          <a14:artisticGlowEdges/>
+                        </a14:imgEffect>
+                      </a14:imgLayer>
+                    </a14:imgProps>
+                  </a:ext>
+                  <a:ext uri="{28A0092B-C50C-407E-A947-70E740481C1C}">
+                    <a14:useLocalDpi xmlns:a14="http://schemas.microsoft.com/office/drawing/2010/main" val="0"/>
+                  </a:ext>
+                </a:extLst>
+              </a:blip>
+              <a:stretch>
+                <a:fillRect/>
+              </a:stretch>
+            </p:blipFill>
+            <p:spPr>
+              <a:xfrm rot="5400000">
+                <a:off x="1344719" y="3794462"/>
+                <a:ext cx="623761" cy="499009"/>
+              </a:xfrm>
+              <a:prstGeom prst="rect">
+                <a:avLst/>
+              </a:prstGeom>
+            </p:spPr>
+          </p:pic>
+          <p:pic>
+            <p:nvPicPr>
+              <p:cNvPr id="146" name="圖片 145" descr="Photoshop 專題 ─ 製作血腥立體網襪腿（？）Part 3：小修飾 ~ Photoshop 私藏筆記"/>
+              <p:cNvPicPr>
+                <a:picLocks noChangeAspect="1"/>
+              </p:cNvPicPr>
+              <p:nvPr/>
+            </p:nvPicPr>
+            <p:blipFill>
+              <a:blip r:embed="rId4" cstate="print">
+                <a:duotone>
+                  <a:prstClr val="black"/>
+                  <a:schemeClr val="accent2">
+                    <a:tint val="45000"/>
+                    <a:satMod val="400000"/>
+                  </a:schemeClr>
+                </a:duotone>
+                <a:extLst>
+                  <a:ext uri="{BEBA8EAE-BF5A-486C-A8C5-ECC9F3942E4B}">
+                    <a14:imgProps xmlns:a14="http://schemas.microsoft.com/office/drawing/2010/main">
+                      <a14:imgLayer r:embed="rId5">
+                        <a14:imgEffect>
+                          <a14:artisticGlowEdges/>
+                        </a14:imgEffect>
+                      </a14:imgLayer>
+                    </a14:imgProps>
+                  </a:ext>
+                  <a:ext uri="{28A0092B-C50C-407E-A947-70E740481C1C}">
+                    <a14:useLocalDpi xmlns:a14="http://schemas.microsoft.com/office/drawing/2010/main" val="0"/>
+                  </a:ext>
+                </a:extLst>
+              </a:blip>
+              <a:stretch>
+                <a:fillRect/>
+              </a:stretch>
+            </p:blipFill>
+            <p:spPr>
+              <a:xfrm rot="5206804">
+                <a:off x="1281618" y="3200305"/>
+                <a:ext cx="623761" cy="499009"/>
+              </a:xfrm>
+              <a:prstGeom prst="rect">
+                <a:avLst/>
+              </a:prstGeom>
+            </p:spPr>
+          </p:pic>
+          <p:pic>
+            <p:nvPicPr>
+              <p:cNvPr id="147" name="圖片 146" descr="Photoshop 專題 ─ 製作血腥立體網襪腿（？）Part 3：小修飾 ~ Photoshop 私藏筆記"/>
+              <p:cNvPicPr>
+                <a:picLocks noChangeAspect="1"/>
+              </p:cNvPicPr>
+              <p:nvPr/>
+            </p:nvPicPr>
+            <p:blipFill>
+              <a:blip r:embed="rId4" cstate="print">
+                <a:duotone>
+                  <a:prstClr val="black"/>
+                  <a:schemeClr val="accent2">
+                    <a:tint val="45000"/>
+                    <a:satMod val="400000"/>
+                  </a:schemeClr>
+                </a:duotone>
+                <a:extLst>
+                  <a:ext uri="{BEBA8EAE-BF5A-486C-A8C5-ECC9F3942E4B}">
+                    <a14:imgProps xmlns:a14="http://schemas.microsoft.com/office/drawing/2010/main">
+                      <a14:imgLayer r:embed="rId5">
+                        <a14:imgEffect>
+                          <a14:artisticGlowEdges/>
+                        </a14:imgEffect>
+                      </a14:imgLayer>
+                    </a14:imgProps>
+                  </a:ext>
+                  <a:ext uri="{28A0092B-C50C-407E-A947-70E740481C1C}">
+                    <a14:useLocalDpi xmlns:a14="http://schemas.microsoft.com/office/drawing/2010/main" val="0"/>
+                  </a:ext>
+                </a:extLst>
+              </a:blip>
+              <a:stretch>
+                <a:fillRect/>
+              </a:stretch>
+            </p:blipFill>
+            <p:spPr>
+              <a:xfrm rot="6198745">
+                <a:off x="1329604" y="3732049"/>
+                <a:ext cx="623761" cy="499009"/>
+              </a:xfrm>
+              <a:prstGeom prst="rect">
+                <a:avLst/>
+              </a:prstGeom>
+            </p:spPr>
+          </p:pic>
+          <p:pic>
+            <p:nvPicPr>
+              <p:cNvPr id="148" name="圖片 147" descr="Photoshop 專題 ─ 製作血腥立體網襪腿（？）Part 3：小修飾 ~ Photoshop 私藏筆記"/>
+              <p:cNvPicPr>
+                <a:picLocks noChangeAspect="1"/>
+              </p:cNvPicPr>
+              <p:nvPr/>
+            </p:nvPicPr>
+            <p:blipFill>
+              <a:blip r:embed="rId4" cstate="print">
+                <a:duotone>
+                  <a:prstClr val="black"/>
+                  <a:schemeClr val="accent2">
+                    <a:tint val="45000"/>
+                    <a:satMod val="400000"/>
+                  </a:schemeClr>
+                </a:duotone>
+                <a:extLst>
+                  <a:ext uri="{BEBA8EAE-BF5A-486C-A8C5-ECC9F3942E4B}">
+                    <a14:imgProps xmlns:a14="http://schemas.microsoft.com/office/drawing/2010/main">
+                      <a14:imgLayer r:embed="rId5">
+                        <a14:imgEffect>
+                          <a14:artisticGlowEdges/>
+                        </a14:imgEffect>
+                      </a14:imgLayer>
+                    </a14:imgProps>
+                  </a:ext>
+                  <a:ext uri="{28A0092B-C50C-407E-A947-70E740481C1C}">
+                    <a14:useLocalDpi xmlns:a14="http://schemas.microsoft.com/office/drawing/2010/main" val="0"/>
+                  </a:ext>
+                </a:extLst>
+              </a:blip>
+              <a:stretch>
+                <a:fillRect/>
+              </a:stretch>
+            </p:blipFill>
+            <p:spPr>
+              <a:xfrm rot="4632731">
+                <a:off x="1318195" y="4321633"/>
+                <a:ext cx="623761" cy="499009"/>
+              </a:xfrm>
+              <a:prstGeom prst="rect">
+                <a:avLst/>
+              </a:prstGeom>
+            </p:spPr>
+          </p:pic>
+          <p:pic>
+            <p:nvPicPr>
+              <p:cNvPr id="149" name="圖片 148" descr="Photoshop 專題 ─ 製作血腥立體網襪腿（？）Part 3：小修飾 ~ Photoshop 私藏筆記"/>
+              <p:cNvPicPr>
+                <a:picLocks noChangeAspect="1"/>
+              </p:cNvPicPr>
+              <p:nvPr/>
+            </p:nvPicPr>
+            <p:blipFill>
+              <a:blip r:embed="rId4" cstate="print">
+                <a:duotone>
+                  <a:prstClr val="black"/>
+                  <a:schemeClr val="accent2">
+                    <a:tint val="45000"/>
+                    <a:satMod val="400000"/>
+                  </a:schemeClr>
+                </a:duotone>
+                <a:extLst>
+                  <a:ext uri="{BEBA8EAE-BF5A-486C-A8C5-ECC9F3942E4B}">
+                    <a14:imgProps xmlns:a14="http://schemas.microsoft.com/office/drawing/2010/main">
+                      <a14:imgLayer r:embed="rId5">
+                        <a14:imgEffect>
+                          <a14:artisticGlowEdges/>
+                        </a14:imgEffect>
+                      </a14:imgLayer>
+                    </a14:imgProps>
+                  </a:ext>
+                  <a:ext uri="{28A0092B-C50C-407E-A947-70E740481C1C}">
+                    <a14:useLocalDpi xmlns:a14="http://schemas.microsoft.com/office/drawing/2010/main" val="0"/>
+                  </a:ext>
+                </a:extLst>
+              </a:blip>
+              <a:stretch>
+                <a:fillRect/>
+              </a:stretch>
+            </p:blipFill>
+            <p:spPr>
+              <a:xfrm rot="5646846">
+                <a:off x="1318196" y="4321634"/>
+                <a:ext cx="623761" cy="499009"/>
+              </a:xfrm>
+              <a:prstGeom prst="rect">
+                <a:avLst/>
+              </a:prstGeom>
+            </p:spPr>
+          </p:pic>
+        </p:grpSp>
+        <p:pic>
+          <p:nvPicPr>
+            <p:cNvPr id="150" name="圖片 149" descr="Photoshop 專題 ─ 製作血腥立體網襪腿（？）Part 3：小修飾 ~ Photoshop 私藏筆記"/>
+            <p:cNvPicPr>
+              <a:picLocks noChangeAspect="1"/>
+            </p:cNvPicPr>
+            <p:nvPr/>
+          </p:nvPicPr>
+          <p:blipFill>
+            <a:blip r:embed="rId4" cstate="print">
+              <a:duotone>
+                <a:prstClr val="black"/>
+                <a:schemeClr val="accent2">
+                  <a:tint val="45000"/>
+                  <a:satMod val="400000"/>
+                </a:schemeClr>
+              </a:duotone>
+              <a:extLst>
+                <a:ext uri="{BEBA8EAE-BF5A-486C-A8C5-ECC9F3942E4B}">
+                  <a14:imgProps xmlns:a14="http://schemas.microsoft.com/office/drawing/2010/main">
+                    <a14:imgLayer r:embed="rId5">
+                      <a14:imgEffect>
+                        <a14:artisticGlowEdges/>
+                      </a14:imgEffect>
+                    </a14:imgLayer>
+                  </a14:imgProps>
+                </a:ext>
+                <a:ext uri="{28A0092B-C50C-407E-A947-70E740481C1C}">
+                  <a14:useLocalDpi xmlns:a14="http://schemas.microsoft.com/office/drawing/2010/main" val="0"/>
+                </a:ext>
+              </a:extLst>
+            </a:blip>
+            <a:stretch>
+              <a:fillRect/>
+            </a:stretch>
+          </p:blipFill>
+          <p:spPr>
+            <a:xfrm rot="10541846">
+              <a:off x="9454938" y="6797172"/>
+              <a:ext cx="623761" cy="499009"/>
+            </a:xfrm>
+            <a:prstGeom prst="rect">
+              <a:avLst/>
+            </a:prstGeom>
+          </p:spPr>
+        </p:pic>
+        <p:pic>
+          <p:nvPicPr>
+            <p:cNvPr id="151" name="圖片 150" descr="Photoshop 專題 ─ 製作血腥立體網襪腿（？）Part 3：小修飾 ~ Photoshop 私藏筆記"/>
+            <p:cNvPicPr>
+              <a:picLocks noChangeAspect="1"/>
+            </p:cNvPicPr>
+            <p:nvPr/>
+          </p:nvPicPr>
+          <p:blipFill>
+            <a:blip r:embed="rId4" cstate="print">
+              <a:duotone>
+                <a:prstClr val="black"/>
+                <a:schemeClr val="accent2">
+                  <a:tint val="45000"/>
+                  <a:satMod val="400000"/>
+                </a:schemeClr>
+              </a:duotone>
+              <a:extLst>
+                <a:ext uri="{BEBA8EAE-BF5A-486C-A8C5-ECC9F3942E4B}">
+                  <a14:imgProps xmlns:a14="http://schemas.microsoft.com/office/drawing/2010/main">
+                    <a14:imgLayer r:embed="rId5">
+                      <a14:imgEffect>
+                        <a14:artisticGlowEdges/>
+                      </a14:imgEffect>
+                    </a14:imgLayer>
+                  </a14:imgProps>
+                </a:ext>
+                <a:ext uri="{28A0092B-C50C-407E-A947-70E740481C1C}">
+                  <a14:useLocalDpi xmlns:a14="http://schemas.microsoft.com/office/drawing/2010/main" val="0"/>
+                </a:ext>
+              </a:extLst>
+            </a:blip>
+            <a:stretch>
+              <a:fillRect/>
+            </a:stretch>
+          </p:blipFill>
+          <p:spPr>
+            <a:xfrm rot="10800000">
+              <a:off x="9440613" y="6827011"/>
+              <a:ext cx="623761" cy="499009"/>
+            </a:xfrm>
+            <a:prstGeom prst="rect">
+              <a:avLst/>
+            </a:prstGeom>
+          </p:spPr>
+        </p:pic>
+        <p:pic>
+          <p:nvPicPr>
+            <p:cNvPr id="152" name="圖片 151" descr="Photoshop 專題 ─ 製作血腥立體網襪腿（？）Part 3：小修飾 ~ Photoshop 私藏筆記"/>
+            <p:cNvPicPr>
+              <a:picLocks noChangeAspect="1"/>
+            </p:cNvPicPr>
+            <p:nvPr/>
+          </p:nvPicPr>
+          <p:blipFill>
+            <a:blip r:embed="rId4" cstate="print">
+              <a:duotone>
+                <a:prstClr val="black"/>
+                <a:schemeClr val="accent2">
+                  <a:tint val="45000"/>
+                  <a:satMod val="400000"/>
+                </a:schemeClr>
+              </a:duotone>
+              <a:extLst>
+                <a:ext uri="{BEBA8EAE-BF5A-486C-A8C5-ECC9F3942E4B}">
+                  <a14:imgProps xmlns:a14="http://schemas.microsoft.com/office/drawing/2010/main">
+                    <a14:imgLayer r:embed="rId5">
+                      <a14:imgEffect>
+                        <a14:artisticGlowEdges/>
+                      </a14:imgEffect>
+                    </a14:imgLayer>
+                  </a14:imgProps>
+                </a:ext>
+                <a:ext uri="{28A0092B-C50C-407E-A947-70E740481C1C}">
+                  <a14:useLocalDpi xmlns:a14="http://schemas.microsoft.com/office/drawing/2010/main" val="0"/>
+                </a:ext>
+              </a:extLst>
+            </a:blip>
+            <a:stretch>
+              <a:fillRect/>
+            </a:stretch>
+          </p:blipFill>
+          <p:spPr>
+            <a:xfrm rot="10118073">
+              <a:off x="9585162" y="6841854"/>
+              <a:ext cx="623761" cy="499009"/>
+            </a:xfrm>
+            <a:prstGeom prst="rect">
+              <a:avLst/>
+            </a:prstGeom>
+          </p:spPr>
+        </p:pic>
+        <p:grpSp>
+          <p:nvGrpSpPr>
+            <p:cNvPr id="153" name="群組 152"/>
+            <p:cNvGrpSpPr/>
+            <p:nvPr/>
+          </p:nvGrpSpPr>
+          <p:grpSpPr>
+            <a:xfrm rot="16200000">
+              <a:off x="8896229" y="-529215"/>
+              <a:ext cx="601849" cy="1758371"/>
+              <a:chOff x="1313250" y="3124648"/>
+              <a:chExt cx="601849" cy="1758371"/>
+            </a:xfrm>
+          </p:grpSpPr>
+          <p:pic>
+            <p:nvPicPr>
+              <p:cNvPr id="154" name="圖片 153" descr="Photoshop 專題 ─ 製作血腥立體網襪腿（？）Part 3：小修飾 ~ Photoshop 私藏筆記"/>
+              <p:cNvPicPr>
+                <a:picLocks noChangeAspect="1"/>
+              </p:cNvPicPr>
+              <p:nvPr/>
+            </p:nvPicPr>
+            <p:blipFill>
+              <a:blip r:embed="rId4" cstate="print">
+                <a:duotone>
+                  <a:prstClr val="black"/>
+                  <a:schemeClr val="accent2">
+                    <a:tint val="45000"/>
+                    <a:satMod val="400000"/>
+                  </a:schemeClr>
+                </a:duotone>
+                <a:extLst>
+                  <a:ext uri="{BEBA8EAE-BF5A-486C-A8C5-ECC9F3942E4B}">
+                    <a14:imgProps xmlns:a14="http://schemas.microsoft.com/office/drawing/2010/main">
+                      <a14:imgLayer r:embed="rId5">
+                        <a14:imgEffect>
+                          <a14:artisticGlowEdges/>
+                        </a14:imgEffect>
+                      </a14:imgLayer>
+                    </a14:imgProps>
+                  </a:ext>
+                  <a:ext uri="{28A0092B-C50C-407E-A947-70E740481C1C}">
+                    <a14:useLocalDpi xmlns:a14="http://schemas.microsoft.com/office/drawing/2010/main" val="0"/>
+                  </a:ext>
+                </a:extLst>
+              </a:blip>
+              <a:stretch>
+                <a:fillRect/>
+              </a:stretch>
+            </p:blipFill>
+            <p:spPr>
+              <a:xfrm rot="4143036">
+                <a:off x="1275755" y="3224239"/>
+                <a:ext cx="623761" cy="499009"/>
+              </a:xfrm>
+              <a:prstGeom prst="rect">
+                <a:avLst/>
+              </a:prstGeom>
+            </p:spPr>
+          </p:pic>
+          <p:pic>
+            <p:nvPicPr>
+              <p:cNvPr id="155" name="圖片 154" descr="Photoshop 專題 ─ 製作血腥立體網襪腿（？）Part 3：小修飾 ~ Photoshop 私藏筆記"/>
+              <p:cNvPicPr>
+                <a:picLocks noChangeAspect="1"/>
+              </p:cNvPicPr>
+              <p:nvPr/>
+            </p:nvPicPr>
+            <p:blipFill>
+              <a:blip r:embed="rId4" cstate="print">
+                <a:duotone>
+                  <a:prstClr val="black"/>
+                  <a:schemeClr val="accent2">
+                    <a:tint val="45000"/>
+                    <a:satMod val="400000"/>
+                  </a:schemeClr>
+                </a:duotone>
+                <a:extLst>
+                  <a:ext uri="{BEBA8EAE-BF5A-486C-A8C5-ECC9F3942E4B}">
+                    <a14:imgProps xmlns:a14="http://schemas.microsoft.com/office/drawing/2010/main">
+                      <a14:imgLayer r:embed="rId5">
+                        <a14:imgEffect>
+                          <a14:artisticGlowEdges/>
+                        </a14:imgEffect>
+                      </a14:imgLayer>
+                    </a14:imgProps>
+                  </a:ext>
+                  <a:ext uri="{28A0092B-C50C-407E-A947-70E740481C1C}">
+                    <a14:useLocalDpi xmlns:a14="http://schemas.microsoft.com/office/drawing/2010/main" val="0"/>
+                  </a:ext>
+                </a:extLst>
+              </a:blip>
+              <a:stretch>
+                <a:fillRect/>
+              </a:stretch>
+            </p:blipFill>
+            <p:spPr>
+              <a:xfrm rot="5580265">
+                <a:off x="1353714" y="3187024"/>
+                <a:ext cx="623761" cy="499009"/>
+              </a:xfrm>
+              <a:prstGeom prst="rect">
+                <a:avLst/>
+              </a:prstGeom>
+            </p:spPr>
+          </p:pic>
+          <p:pic>
+            <p:nvPicPr>
+              <p:cNvPr id="156" name="圖片 155" descr="Photoshop 專題 ─ 製作血腥立體網襪腿（？）Part 3：小修飾 ~ Photoshop 私藏筆記"/>
+              <p:cNvPicPr>
+                <a:picLocks noChangeAspect="1"/>
+              </p:cNvPicPr>
+              <p:nvPr/>
+            </p:nvPicPr>
+            <p:blipFill>
+              <a:blip r:embed="rId4" cstate="print">
+                <a:duotone>
+                  <a:prstClr val="black"/>
+                  <a:schemeClr val="accent2">
+                    <a:tint val="45000"/>
+                    <a:satMod val="400000"/>
+                  </a:schemeClr>
+                </a:duotone>
+                <a:extLst>
+                  <a:ext uri="{BEBA8EAE-BF5A-486C-A8C5-ECC9F3942E4B}">
+                    <a14:imgProps xmlns:a14="http://schemas.microsoft.com/office/drawing/2010/main">
+                      <a14:imgLayer r:embed="rId5">
+                        <a14:imgEffect>
+                          <a14:artisticGlowEdges/>
+                        </a14:imgEffect>
+                      </a14:imgLayer>
+                    </a14:imgProps>
+                  </a:ext>
+                  <a:ext uri="{28A0092B-C50C-407E-A947-70E740481C1C}">
+                    <a14:useLocalDpi xmlns:a14="http://schemas.microsoft.com/office/drawing/2010/main" val="0"/>
+                  </a:ext>
+                </a:extLst>
+              </a:blip>
+              <a:stretch>
+                <a:fillRect/>
+              </a:stretch>
+            </p:blipFill>
+            <p:spPr>
+              <a:xfrm rot="5922293">
+                <a:off x="1257468" y="3767679"/>
+                <a:ext cx="623761" cy="499009"/>
+              </a:xfrm>
+              <a:prstGeom prst="rect">
+                <a:avLst/>
+              </a:prstGeom>
+            </p:spPr>
+          </p:pic>
+          <p:pic>
+            <p:nvPicPr>
+              <p:cNvPr id="157" name="圖片 156" descr="Photoshop 專題 ─ 製作血腥立體網襪腿（？）Part 3：小修飾 ~ Photoshop 私藏筆記"/>
+              <p:cNvPicPr>
+                <a:picLocks noChangeAspect="1"/>
+              </p:cNvPicPr>
+              <p:nvPr/>
+            </p:nvPicPr>
+            <p:blipFill>
+              <a:blip r:embed="rId4" cstate="print">
+                <a:duotone>
+                  <a:prstClr val="black"/>
+                  <a:schemeClr val="accent2">
+                    <a:tint val="45000"/>
+                    <a:satMod val="400000"/>
+                  </a:schemeClr>
+                </a:duotone>
+                <a:extLst>
+                  <a:ext uri="{BEBA8EAE-BF5A-486C-A8C5-ECC9F3942E4B}">
+                    <a14:imgProps xmlns:a14="http://schemas.microsoft.com/office/drawing/2010/main">
+                      <a14:imgLayer r:embed="rId5">
+                        <a14:imgEffect>
+                          <a14:artisticGlowEdges/>
+                        </a14:imgEffect>
+                      </a14:imgLayer>
+                    </a14:imgProps>
+                  </a:ext>
+                  <a:ext uri="{28A0092B-C50C-407E-A947-70E740481C1C}">
+                    <a14:useLocalDpi xmlns:a14="http://schemas.microsoft.com/office/drawing/2010/main" val="0"/>
+                  </a:ext>
+                </a:extLst>
+              </a:blip>
+              <a:stretch>
+                <a:fillRect/>
+              </a:stretch>
+            </p:blipFill>
+            <p:spPr>
+              <a:xfrm rot="5208101">
+                <a:off x="1250874" y="4308306"/>
+                <a:ext cx="623761" cy="499009"/>
+              </a:xfrm>
+              <a:prstGeom prst="rect">
+                <a:avLst/>
+              </a:prstGeom>
+            </p:spPr>
+          </p:pic>
+          <p:pic>
+            <p:nvPicPr>
+              <p:cNvPr id="158" name="圖片 157" descr="Photoshop 專題 ─ 製作血腥立體網襪腿（？）Part 3：小修飾 ~ Photoshop 私藏筆記"/>
+              <p:cNvPicPr>
+                <a:picLocks noChangeAspect="1"/>
+              </p:cNvPicPr>
+              <p:nvPr/>
+            </p:nvPicPr>
+            <p:blipFill>
+              <a:blip r:embed="rId4" cstate="print">
+                <a:duotone>
+                  <a:prstClr val="black"/>
+                  <a:schemeClr val="accent2">
+                    <a:tint val="45000"/>
+                    <a:satMod val="400000"/>
+                  </a:schemeClr>
+                </a:duotone>
+                <a:extLst>
+                  <a:ext uri="{BEBA8EAE-BF5A-486C-A8C5-ECC9F3942E4B}">
+                    <a14:imgProps xmlns:a14="http://schemas.microsoft.com/office/drawing/2010/main">
+                      <a14:imgLayer r:embed="rId5">
+                        <a14:imgEffect>
+                          <a14:artisticGlowEdges/>
+                        </a14:imgEffect>
+                      </a14:imgLayer>
+                    </a14:imgProps>
+                  </a:ext>
+                  <a:ext uri="{28A0092B-C50C-407E-A947-70E740481C1C}">
+                    <a14:useLocalDpi xmlns:a14="http://schemas.microsoft.com/office/drawing/2010/main" val="0"/>
+                  </a:ext>
+                </a:extLst>
+              </a:blip>
+              <a:stretch>
+                <a:fillRect/>
+              </a:stretch>
+            </p:blipFill>
+            <p:spPr>
+              <a:xfrm rot="5400000">
+                <a:off x="1344719" y="3794462"/>
+                <a:ext cx="623761" cy="499009"/>
+              </a:xfrm>
+              <a:prstGeom prst="rect">
+                <a:avLst/>
+              </a:prstGeom>
+            </p:spPr>
+          </p:pic>
+          <p:pic>
+            <p:nvPicPr>
+              <p:cNvPr id="159" name="圖片 158" descr="Photoshop 專題 ─ 製作血腥立體網襪腿（？）Part 3：小修飾 ~ Photoshop 私藏筆記"/>
+              <p:cNvPicPr>
+                <a:picLocks noChangeAspect="1"/>
+              </p:cNvPicPr>
+              <p:nvPr/>
+            </p:nvPicPr>
+            <p:blipFill>
+              <a:blip r:embed="rId4" cstate="print">
+                <a:duotone>
+                  <a:prstClr val="black"/>
+                  <a:schemeClr val="accent2">
+                    <a:tint val="45000"/>
+                    <a:satMod val="400000"/>
+                  </a:schemeClr>
+                </a:duotone>
+                <a:extLst>
+                  <a:ext uri="{BEBA8EAE-BF5A-486C-A8C5-ECC9F3942E4B}">
+                    <a14:imgProps xmlns:a14="http://schemas.microsoft.com/office/drawing/2010/main">
+                      <a14:imgLayer r:embed="rId5">
+                        <a14:imgEffect>
+                          <a14:artisticGlowEdges/>
+                        </a14:imgEffect>
+                      </a14:imgLayer>
+                    </a14:imgProps>
+                  </a:ext>
+                  <a:ext uri="{28A0092B-C50C-407E-A947-70E740481C1C}">
+                    <a14:useLocalDpi xmlns:a14="http://schemas.microsoft.com/office/drawing/2010/main" val="0"/>
+                  </a:ext>
+                </a:extLst>
+              </a:blip>
+              <a:stretch>
+                <a:fillRect/>
+              </a:stretch>
+            </p:blipFill>
+            <p:spPr>
+              <a:xfrm rot="5206804">
+                <a:off x="1281618" y="3200305"/>
+                <a:ext cx="623761" cy="499009"/>
+              </a:xfrm>
+              <a:prstGeom prst="rect">
+                <a:avLst/>
+              </a:prstGeom>
+            </p:spPr>
+          </p:pic>
+          <p:pic>
+            <p:nvPicPr>
+              <p:cNvPr id="160" name="圖片 159" descr="Photoshop 專題 ─ 製作血腥立體網襪腿（？）Part 3：小修飾 ~ Photoshop 私藏筆記"/>
+              <p:cNvPicPr>
+                <a:picLocks noChangeAspect="1"/>
+              </p:cNvPicPr>
+              <p:nvPr/>
+            </p:nvPicPr>
+            <p:blipFill>
+              <a:blip r:embed="rId4" cstate="print">
+                <a:duotone>
+                  <a:prstClr val="black"/>
+                  <a:schemeClr val="accent2">
+                    <a:tint val="45000"/>
+                    <a:satMod val="400000"/>
+                  </a:schemeClr>
+                </a:duotone>
+                <a:extLst>
+                  <a:ext uri="{BEBA8EAE-BF5A-486C-A8C5-ECC9F3942E4B}">
+                    <a14:imgProps xmlns:a14="http://schemas.microsoft.com/office/drawing/2010/main">
+                      <a14:imgLayer r:embed="rId5">
+                        <a14:imgEffect>
+                          <a14:artisticGlowEdges/>
+                        </a14:imgEffect>
+                      </a14:imgLayer>
+                    </a14:imgProps>
+                  </a:ext>
+                  <a:ext uri="{28A0092B-C50C-407E-A947-70E740481C1C}">
+                    <a14:useLocalDpi xmlns:a14="http://schemas.microsoft.com/office/drawing/2010/main" val="0"/>
+                  </a:ext>
+                </a:extLst>
+              </a:blip>
+              <a:stretch>
+                <a:fillRect/>
+              </a:stretch>
+            </p:blipFill>
+            <p:spPr>
+              <a:xfrm rot="6198745">
+                <a:off x="1329604" y="3732049"/>
+                <a:ext cx="623761" cy="499009"/>
+              </a:xfrm>
+              <a:prstGeom prst="rect">
+                <a:avLst/>
+              </a:prstGeom>
+            </p:spPr>
+          </p:pic>
+          <p:pic>
+            <p:nvPicPr>
+              <p:cNvPr id="161" name="圖片 160" descr="Photoshop 專題 ─ 製作血腥立體網襪腿（？）Part 3：小修飾 ~ Photoshop 私藏筆記"/>
+              <p:cNvPicPr>
+                <a:picLocks noChangeAspect="1"/>
+              </p:cNvPicPr>
+              <p:nvPr/>
+            </p:nvPicPr>
+            <p:blipFill>
+              <a:blip r:embed="rId4" cstate="print">
+                <a:duotone>
+                  <a:prstClr val="black"/>
+                  <a:schemeClr val="accent2">
+                    <a:tint val="45000"/>
+                    <a:satMod val="400000"/>
+                  </a:schemeClr>
+                </a:duotone>
+                <a:extLst>
+                  <a:ext uri="{BEBA8EAE-BF5A-486C-A8C5-ECC9F3942E4B}">
+                    <a14:imgProps xmlns:a14="http://schemas.microsoft.com/office/drawing/2010/main">
+                      <a14:imgLayer r:embed="rId5">
+                        <a14:imgEffect>
+                          <a14:artisticGlowEdges/>
+                        </a14:imgEffect>
+                      </a14:imgLayer>
+                    </a14:imgProps>
+                  </a:ext>
+                  <a:ext uri="{28A0092B-C50C-407E-A947-70E740481C1C}">
+                    <a14:useLocalDpi xmlns:a14="http://schemas.microsoft.com/office/drawing/2010/main" val="0"/>
+                  </a:ext>
+                </a:extLst>
+              </a:blip>
+              <a:stretch>
+                <a:fillRect/>
+              </a:stretch>
+            </p:blipFill>
+            <p:spPr>
+              <a:xfrm rot="4632731">
+                <a:off x="1318195" y="4321633"/>
+                <a:ext cx="623761" cy="499009"/>
+              </a:xfrm>
+              <a:prstGeom prst="rect">
+                <a:avLst/>
+              </a:prstGeom>
+            </p:spPr>
+          </p:pic>
+          <p:pic>
+            <p:nvPicPr>
+              <p:cNvPr id="162" name="圖片 161" descr="Photoshop 專題 ─ 製作血腥立體網襪腿（？）Part 3：小修飾 ~ Photoshop 私藏筆記"/>
+              <p:cNvPicPr>
+                <a:picLocks noChangeAspect="1"/>
+              </p:cNvPicPr>
+              <p:nvPr/>
+            </p:nvPicPr>
+            <p:blipFill>
+              <a:blip r:embed="rId4" cstate="print">
+                <a:duotone>
+                  <a:prstClr val="black"/>
+                  <a:schemeClr val="accent2">
+                    <a:tint val="45000"/>
+                    <a:satMod val="400000"/>
+                  </a:schemeClr>
+                </a:duotone>
+                <a:extLst>
+                  <a:ext uri="{BEBA8EAE-BF5A-486C-A8C5-ECC9F3942E4B}">
+                    <a14:imgProps xmlns:a14="http://schemas.microsoft.com/office/drawing/2010/main">
+                      <a14:imgLayer r:embed="rId5">
+                        <a14:imgEffect>
+                          <a14:artisticGlowEdges/>
+                        </a14:imgEffect>
+                      </a14:imgLayer>
+                    </a14:imgProps>
+                  </a:ext>
+                  <a:ext uri="{28A0092B-C50C-407E-A947-70E740481C1C}">
+                    <a14:useLocalDpi xmlns:a14="http://schemas.microsoft.com/office/drawing/2010/main" val="0"/>
+                  </a:ext>
+                </a:extLst>
+              </a:blip>
+              <a:stretch>
+                <a:fillRect/>
+              </a:stretch>
+            </p:blipFill>
+            <p:spPr>
+              <a:xfrm rot="5646846">
+                <a:off x="1318196" y="4321634"/>
+                <a:ext cx="623761" cy="499009"/>
+              </a:xfrm>
+              <a:prstGeom prst="rect">
+                <a:avLst/>
+              </a:prstGeom>
+            </p:spPr>
+          </p:pic>
+        </p:grpSp>
+        <p:pic>
+          <p:nvPicPr>
+            <p:cNvPr id="163" name="圖片 162" descr="Photoshop 專題 ─ 製作血腥立體網襪腿（？）Part 3：小修飾 ~ Photoshop 私藏筆記"/>
+            <p:cNvPicPr>
+              <a:picLocks noChangeAspect="1"/>
+            </p:cNvPicPr>
+            <p:nvPr/>
+          </p:nvPicPr>
+          <p:blipFill>
+            <a:blip r:embed="rId4" cstate="print">
+              <a:duotone>
+                <a:prstClr val="black"/>
+                <a:schemeClr val="accent2">
+                  <a:tint val="45000"/>
+                  <a:satMod val="400000"/>
+                </a:schemeClr>
+              </a:duotone>
+              <a:extLst>
+                <a:ext uri="{BEBA8EAE-BF5A-486C-A8C5-ECC9F3942E4B}">
+                  <a14:imgProps xmlns:a14="http://schemas.microsoft.com/office/drawing/2010/main">
+                    <a14:imgLayer r:embed="rId5">
+                      <a14:imgEffect>
+                        <a14:artisticGlowEdges/>
+                      </a14:imgEffect>
+                    </a14:imgLayer>
+                  </a14:imgProps>
+                </a:ext>
+                <a:ext uri="{28A0092B-C50C-407E-A947-70E740481C1C}">
+                  <a14:useLocalDpi xmlns:a14="http://schemas.microsoft.com/office/drawing/2010/main" val="0"/>
+                </a:ext>
+              </a:extLst>
+            </a:blip>
+            <a:stretch>
+              <a:fillRect/>
+            </a:stretch>
+          </p:blipFill>
+          <p:spPr>
+            <a:xfrm rot="10541846">
+              <a:off x="10049633" y="76458"/>
+              <a:ext cx="623761" cy="499009"/>
+            </a:xfrm>
+            <a:prstGeom prst="rect">
+              <a:avLst/>
+            </a:prstGeom>
+          </p:spPr>
+        </p:pic>
+        <p:pic>
+          <p:nvPicPr>
+            <p:cNvPr id="164" name="圖片 163" descr="Photoshop 專題 ─ 製作血腥立體網襪腿（？）Part 3：小修飾 ~ Photoshop 私藏筆記"/>
+            <p:cNvPicPr>
+              <a:picLocks noChangeAspect="1"/>
+            </p:cNvPicPr>
+            <p:nvPr/>
+          </p:nvPicPr>
+          <p:blipFill>
+            <a:blip r:embed="rId4" cstate="print">
+              <a:duotone>
+                <a:prstClr val="black"/>
+                <a:schemeClr val="accent2">
+                  <a:tint val="45000"/>
+                  <a:satMod val="400000"/>
+                </a:schemeClr>
+              </a:duotone>
+              <a:extLst>
+                <a:ext uri="{BEBA8EAE-BF5A-486C-A8C5-ECC9F3942E4B}">
+                  <a14:imgProps xmlns:a14="http://schemas.microsoft.com/office/drawing/2010/main">
+                    <a14:imgLayer r:embed="rId5">
+                      <a14:imgEffect>
+                        <a14:artisticGlowEdges/>
+                      </a14:imgEffect>
+                    </a14:imgLayer>
+                  </a14:imgProps>
+                </a:ext>
+                <a:ext uri="{28A0092B-C50C-407E-A947-70E740481C1C}">
+                  <a14:useLocalDpi xmlns:a14="http://schemas.microsoft.com/office/drawing/2010/main" val="0"/>
+                </a:ext>
+              </a:extLst>
+            </a:blip>
+            <a:stretch>
+              <a:fillRect/>
+            </a:stretch>
+          </p:blipFill>
+          <p:spPr>
+            <a:xfrm rot="10800000">
+              <a:off x="10035308" y="106297"/>
+              <a:ext cx="623761" cy="499009"/>
+            </a:xfrm>
+            <a:prstGeom prst="rect">
+              <a:avLst/>
+            </a:prstGeom>
+          </p:spPr>
+        </p:pic>
+        <p:pic>
+          <p:nvPicPr>
+            <p:cNvPr id="165" name="圖片 164" descr="Photoshop 專題 ─ 製作血腥立體網襪腿（？）Part 3：小修飾 ~ Photoshop 私藏筆記"/>
+            <p:cNvPicPr>
+              <a:picLocks noChangeAspect="1"/>
+            </p:cNvPicPr>
+            <p:nvPr/>
+          </p:nvPicPr>
+          <p:blipFill>
+            <a:blip r:embed="rId4" cstate="print">
+              <a:duotone>
+                <a:prstClr val="black"/>
+                <a:schemeClr val="accent2">
+                  <a:tint val="45000"/>
+                  <a:satMod val="400000"/>
+                </a:schemeClr>
+              </a:duotone>
+              <a:extLst>
+                <a:ext uri="{BEBA8EAE-BF5A-486C-A8C5-ECC9F3942E4B}">
+                  <a14:imgProps xmlns:a14="http://schemas.microsoft.com/office/drawing/2010/main">
+                    <a14:imgLayer r:embed="rId5">
+                      <a14:imgEffect>
+                        <a14:artisticGlowEdges/>
+                      </a14:imgEffect>
+                    </a14:imgLayer>
+                  </a14:imgProps>
+                </a:ext>
+                <a:ext uri="{28A0092B-C50C-407E-A947-70E740481C1C}">
+                  <a14:useLocalDpi xmlns:a14="http://schemas.microsoft.com/office/drawing/2010/main" val="0"/>
+                </a:ext>
+              </a:extLst>
+            </a:blip>
+            <a:stretch>
+              <a:fillRect/>
+            </a:stretch>
+          </p:blipFill>
+          <p:spPr>
+            <a:xfrm rot="10118073">
+              <a:off x="10179857" y="121140"/>
+              <a:ext cx="623761" cy="499009"/>
+            </a:xfrm>
+            <a:prstGeom prst="rect">
+              <a:avLst/>
+            </a:prstGeom>
+          </p:spPr>
+        </p:pic>
+      </p:grpSp>
+    </p:spTree>
+    <p:extLst>
+      <p:ext uri="{BB962C8B-B14F-4D97-AF65-F5344CB8AC3E}">
+        <p14:creationId xmlns:p14="http://schemas.microsoft.com/office/powerpoint/2010/main" val="4120808272"/>
+      </p:ext>
+    </p:extLst>
+  </p:cSld>
+  <p:clrMapOvr>
+    <a:masterClrMapping/>
+  </p:clrMapOvr>
+</p:sld>
+</file>
+
 <file path=ppt/theme/theme1.xml><?xml version="1.0" encoding="utf-8"?>
 <a:theme xmlns:a="http://schemas.openxmlformats.org/drawingml/2006/main" name="Office 佈景主題">
   <a:themeElements>

--- a/Preview Images/drawboard.pptx
+++ b/Preview Images/drawboard.pptx
@@ -247,7 +247,7 @@
           <a:p>
             <a:fld id="{628A46F5-8AEF-4E68-9DE5-F9F420B16F36}" type="datetimeFigureOut">
               <a:rPr lang="zh-TW" altLang="en-US" smtClean="0"/>
-              <a:t>2019/6/22</a:t>
+              <a:t>2019/6/23</a:t>
             </a:fld>
             <a:endParaRPr lang="zh-TW" altLang="en-US"/>
           </a:p>
@@ -417,7 +417,7 @@
           <a:p>
             <a:fld id="{628A46F5-8AEF-4E68-9DE5-F9F420B16F36}" type="datetimeFigureOut">
               <a:rPr lang="zh-TW" altLang="en-US" smtClean="0"/>
-              <a:t>2019/6/22</a:t>
+              <a:t>2019/6/23</a:t>
             </a:fld>
             <a:endParaRPr lang="zh-TW" altLang="en-US"/>
           </a:p>
@@ -597,7 +597,7 @@
           <a:p>
             <a:fld id="{628A46F5-8AEF-4E68-9DE5-F9F420B16F36}" type="datetimeFigureOut">
               <a:rPr lang="zh-TW" altLang="en-US" smtClean="0"/>
-              <a:t>2019/6/22</a:t>
+              <a:t>2019/6/23</a:t>
             </a:fld>
             <a:endParaRPr lang="zh-TW" altLang="en-US"/>
           </a:p>
@@ -767,7 +767,7 @@
           <a:p>
             <a:fld id="{628A46F5-8AEF-4E68-9DE5-F9F420B16F36}" type="datetimeFigureOut">
               <a:rPr lang="zh-TW" altLang="en-US" smtClean="0"/>
-              <a:t>2019/6/22</a:t>
+              <a:t>2019/6/23</a:t>
             </a:fld>
             <a:endParaRPr lang="zh-TW" altLang="en-US"/>
           </a:p>
@@ -1013,7 +1013,7 @@
           <a:p>
             <a:fld id="{628A46F5-8AEF-4E68-9DE5-F9F420B16F36}" type="datetimeFigureOut">
               <a:rPr lang="zh-TW" altLang="en-US" smtClean="0"/>
-              <a:t>2019/6/22</a:t>
+              <a:t>2019/6/23</a:t>
             </a:fld>
             <a:endParaRPr lang="zh-TW" altLang="en-US"/>
           </a:p>
@@ -1245,7 +1245,7 @@
           <a:p>
             <a:fld id="{628A46F5-8AEF-4E68-9DE5-F9F420B16F36}" type="datetimeFigureOut">
               <a:rPr lang="zh-TW" altLang="en-US" smtClean="0"/>
-              <a:t>2019/6/22</a:t>
+              <a:t>2019/6/23</a:t>
             </a:fld>
             <a:endParaRPr lang="zh-TW" altLang="en-US"/>
           </a:p>
@@ -1612,7 +1612,7 @@
           <a:p>
             <a:fld id="{628A46F5-8AEF-4E68-9DE5-F9F420B16F36}" type="datetimeFigureOut">
               <a:rPr lang="zh-TW" altLang="en-US" smtClean="0"/>
-              <a:t>2019/6/22</a:t>
+              <a:t>2019/6/23</a:t>
             </a:fld>
             <a:endParaRPr lang="zh-TW" altLang="en-US"/>
           </a:p>
@@ -1730,7 +1730,7 @@
           <a:p>
             <a:fld id="{628A46F5-8AEF-4E68-9DE5-F9F420B16F36}" type="datetimeFigureOut">
               <a:rPr lang="zh-TW" altLang="en-US" smtClean="0"/>
-              <a:t>2019/6/22</a:t>
+              <a:t>2019/6/23</a:t>
             </a:fld>
             <a:endParaRPr lang="zh-TW" altLang="en-US"/>
           </a:p>
@@ -1825,7 +1825,7 @@
           <a:p>
             <a:fld id="{628A46F5-8AEF-4E68-9DE5-F9F420B16F36}" type="datetimeFigureOut">
               <a:rPr lang="zh-TW" altLang="en-US" smtClean="0"/>
-              <a:t>2019/6/22</a:t>
+              <a:t>2019/6/23</a:t>
             </a:fld>
             <a:endParaRPr lang="zh-TW" altLang="en-US"/>
           </a:p>
@@ -2102,7 +2102,7 @@
           <a:p>
             <a:fld id="{628A46F5-8AEF-4E68-9DE5-F9F420B16F36}" type="datetimeFigureOut">
               <a:rPr lang="zh-TW" altLang="en-US" smtClean="0"/>
-              <a:t>2019/6/22</a:t>
+              <a:t>2019/6/23</a:t>
             </a:fld>
             <a:endParaRPr lang="zh-TW" altLang="en-US"/>
           </a:p>
@@ -2355,7 +2355,7 @@
           <a:p>
             <a:fld id="{628A46F5-8AEF-4E68-9DE5-F9F420B16F36}" type="datetimeFigureOut">
               <a:rPr lang="zh-TW" altLang="en-US" smtClean="0"/>
-              <a:t>2019/6/22</a:t>
+              <a:t>2019/6/23</a:t>
             </a:fld>
             <a:endParaRPr lang="zh-TW" altLang="en-US"/>
           </a:p>
@@ -2568,7 +2568,7 @@
           <a:p>
             <a:fld id="{628A46F5-8AEF-4E68-9DE5-F9F420B16F36}" type="datetimeFigureOut">
               <a:rPr lang="zh-TW" altLang="en-US" smtClean="0"/>
-              <a:t>2019/6/22</a:t>
+              <a:t>2019/6/23</a:t>
             </a:fld>
             <a:endParaRPr lang="zh-TW" altLang="en-US"/>
           </a:p>
@@ -14316,6 +14316,36 @@
           <a:chExt cx="0" cy="0"/>
         </a:xfrm>
       </p:grpSpPr>
+      <p:pic>
+        <p:nvPicPr>
+          <p:cNvPr id="2" name="圖片 1"/>
+          <p:cNvPicPr>
+            <a:picLocks noChangeAspect="1"/>
+          </p:cNvPicPr>
+          <p:nvPr/>
+        </p:nvPicPr>
+        <p:blipFill>
+          <a:blip r:embed="rId2">
+            <a:extLst>
+              <a:ext uri="{28A0092B-C50C-407E-A947-70E740481C1C}">
+                <a14:useLocalDpi xmlns:a14="http://schemas.microsoft.com/office/drawing/2010/main" val="0"/>
+              </a:ext>
+            </a:extLst>
+          </a:blip>
+          <a:stretch>
+            <a:fillRect/>
+          </a:stretch>
+        </p:blipFill>
+        <p:spPr>
+          <a:xfrm rot="9349240">
+            <a:off x="6032508" y="3333762"/>
+            <a:ext cx="126984" cy="190476"/>
+          </a:xfrm>
+          <a:prstGeom prst="rect">
+            <a:avLst/>
+          </a:prstGeom>
+        </p:spPr>
+      </p:pic>
     </p:spTree>
     <p:extLst>
       <p:ext uri="{BB962C8B-B14F-4D97-AF65-F5344CB8AC3E}">
